--- a/Diagrams/guides/Propuesta migracion - Perceptio.pptx
+++ b/Diagrams/guides/Propuesta migracion - Perceptio.pptx
@@ -1369,7 +1369,7 @@
             <a:pPr algn="r" rtl="0"/>
             <a:fld id="{C57DE37D-B738-4817-B751-0C1B86D8B665}" type="datetime1">
               <a:rPr lang="es-ES" smtClean="0"/>
-              <a:t>12/09/2024</a:t>
+              <a:t>13/09/2024</a:t>
             </a:fld>
             <a:endParaRPr dirty="0"/>
           </a:p>
@@ -1539,7 +1539,7 @@
             <a:fld id="{17BB30D9-D505-4352-B274-A1AB529BC646}" type="datetime1">
               <a:rPr lang="es-ES" smtClean="0"/>
               <a:pPr/>
-              <a:t>12/09/2024</a:t>
+              <a:t>13/09/2024</a:t>
             </a:fld>
             <a:endParaRPr lang="es-ES" dirty="0"/>
           </a:p>
@@ -2862,7 +2862,7 @@
             <a:fld id="{FC1B432D-78E7-40AE-81C6-52773394A046}" type="datetime1">
               <a:rPr lang="es-ES" smtClean="0"/>
               <a:pPr/>
-              <a:t>12/09/2024</a:t>
+              <a:t>13/09/2024</a:t>
             </a:fld>
             <a:endParaRPr lang="es-ES" dirty="0"/>
           </a:p>
@@ -3052,7 +3052,7 @@
             <a:fld id="{E062C603-371F-4D8B-AFB8-8337237C6271}" type="datetime1">
               <a:rPr lang="es-ES" smtClean="0"/>
               <a:pPr algn="r"/>
-              <a:t>12/09/2024</a:t>
+              <a:t>13/09/2024</a:t>
             </a:fld>
             <a:endParaRPr lang="es-ES" dirty="0"/>
           </a:p>
@@ -3235,7 +3235,7 @@
             <a:fld id="{D1AE6EBB-BEC9-4000-8D95-40B44C4E2CA6}" type="datetime1">
               <a:rPr lang="es-ES" smtClean="0"/>
               <a:pPr/>
-              <a:t>12/09/2024</a:t>
+              <a:t>13/09/2024</a:t>
             </a:fld>
             <a:endParaRPr lang="es-ES" dirty="0"/>
           </a:p>
@@ -3680,7 +3680,7 @@
             <a:fld id="{7CAF1BE7-5365-4137-AE14-A7C362FC891C}" type="datetime1">
               <a:rPr lang="es-ES" smtClean="0"/>
               <a:pPr/>
-              <a:t>12/09/2024</a:t>
+              <a:t>13/09/2024</a:t>
             </a:fld>
             <a:endParaRPr lang="es-ES" dirty="0"/>
           </a:p>
@@ -4129,7 +4129,7 @@
             <a:fld id="{CCE83AA6-4601-4BF7-BD54-99DD2B193FD1}" type="datetime1">
               <a:rPr lang="es-ES" smtClean="0"/>
               <a:pPr/>
-              <a:t>12/09/2024</a:t>
+              <a:t>13/09/2024</a:t>
             </a:fld>
             <a:endParaRPr lang="es-ES" dirty="0"/>
           </a:p>
@@ -4256,7 +4256,7 @@
             <a:fld id="{808DBE58-23DC-4EE9-8158-B69AC44D4A43}" type="datetime1">
               <a:rPr lang="es-ES" smtClean="0"/>
               <a:pPr/>
-              <a:t>12/09/2024</a:t>
+              <a:t>13/09/2024</a:t>
             </a:fld>
             <a:endParaRPr lang="es-ES" dirty="0"/>
           </a:p>
@@ -4359,7 +4359,7 @@
             <a:fld id="{97C2EBBF-D49B-4842-B69E-CE552000DC09}" type="datetime1">
               <a:rPr lang="es-ES" smtClean="0"/>
               <a:pPr/>
-              <a:t>12/09/2024</a:t>
+              <a:t>13/09/2024</a:t>
             </a:fld>
             <a:endParaRPr lang="es-ES" dirty="0"/>
           </a:p>
@@ -4653,7 +4653,7 @@
             <a:fld id="{AF364E66-D00E-49A9-9E62-AB0485562249}" type="datetime1">
               <a:rPr lang="es-ES" smtClean="0"/>
               <a:pPr algn="r"/>
-              <a:t>12/09/2024</a:t>
+              <a:t>13/09/2024</a:t>
             </a:fld>
             <a:endParaRPr lang="es-ES" dirty="0"/>
           </a:p>
@@ -4979,7 +4979,7 @@
             <a:fld id="{8EB92E29-7FB2-4284-9496-FE061DBF8A30}" type="datetime1">
               <a:rPr lang="es-ES" smtClean="0"/>
               <a:pPr/>
-              <a:t>12/09/2024</a:t>
+              <a:t>13/09/2024</a:t>
             </a:fld>
             <a:endParaRPr lang="es-ES" dirty="0"/>
           </a:p>
@@ -5195,7 +5195,7 @@
             <a:fld id="{F03D15E0-E6C7-48CB-A009-DF16BCB95302}" type="datetime1">
               <a:rPr lang="es-ES" smtClean="0"/>
               <a:pPr/>
-              <a:t>12/09/2024</a:t>
+              <a:t>13/09/2024</a:t>
             </a:fld>
             <a:endParaRPr lang="es-ES" dirty="0"/>
           </a:p>
@@ -5910,13 +5910,13 @@
   <p:clrMapOvr>
     <a:masterClrMapping/>
   </p:clrMapOvr>
-  <mc:AlternateContent xmlns:mc="http://schemas.openxmlformats.org/markup-compatibility/2006">
-    <mc:Choice xmlns:p14="http://schemas.microsoft.com/office/powerpoint/2010/main" Requires="p14">
+  <mc:AlternateContent xmlns:mc="http://schemas.openxmlformats.org/markup-compatibility/2006" xmlns:p14="http://schemas.microsoft.com/office/powerpoint/2010/main">
+    <mc:Choice Requires="p14">
       <p:transition spd="med" p14:dur="700">
         <p:fade/>
       </p:transition>
     </mc:Choice>
-    <mc:Fallback>
+    <mc:Fallback xmlns="">
       <p:transition spd="med">
         <p:fade/>
       </p:transition>
@@ -6185,14 +6185,14 @@
             <p:ph sz="half" idx="2"/>
             <p:extLst>
               <p:ext uri="{D42A27DB-BD31-4B8C-83A1-F6EECF244321}">
-                <p14:modId xmlns:p14="http://schemas.microsoft.com/office/powerpoint/2010/main" val="4274978632"/>
+                <p14:modId xmlns:p14="http://schemas.microsoft.com/office/powerpoint/2010/main" val="3978052049"/>
               </p:ext>
             </p:extLst>
           </p:nvPr>
         </p:nvGraphicFramePr>
         <p:xfrm>
-          <a:off x="2063552" y="2060848"/>
-          <a:ext cx="8468170" cy="2219802"/>
+          <a:off x="1075870" y="2339230"/>
+          <a:ext cx="10276714" cy="2097882"/>
         </p:xfrm>
         <a:graphic>
           <a:graphicData uri="http://schemas.openxmlformats.org/drawingml/2006/table">
@@ -6201,28 +6201,28 @@
                 <a:tableStyleId>{5C22544A-7EE6-4342-B048-85BDC9FD1C3A}</a:tableStyleId>
               </a:tblPr>
               <a:tblGrid>
-                <a:gridCol w="1515555">
+                <a:gridCol w="1221740">
                   <a:extLst>
                     <a:ext uri="{9D8B030D-6E8A-4147-A177-3AD203B41FA5}">
                       <a16:colId xmlns:a16="http://schemas.microsoft.com/office/drawing/2014/main" val="20000"/>
                     </a:ext>
                   </a:extLst>
                 </a:gridCol>
-                <a:gridCol w="1692593">
+                <a:gridCol w="1362393">
                   <a:extLst>
                     <a:ext uri="{9D8B030D-6E8A-4147-A177-3AD203B41FA5}">
                       <a16:colId xmlns:a16="http://schemas.microsoft.com/office/drawing/2014/main" val="20001"/>
                     </a:ext>
                   </a:extLst>
                 </a:gridCol>
-                <a:gridCol w="2064067">
+                <a:gridCol w="855980">
                   <a:extLst>
                     <a:ext uri="{9D8B030D-6E8A-4147-A177-3AD203B41FA5}">
                       <a16:colId xmlns:a16="http://schemas.microsoft.com/office/drawing/2014/main" val="20002"/>
                     </a:ext>
                   </a:extLst>
                 </a:gridCol>
-                <a:gridCol w="3195955">
+                <a:gridCol w="6836601">
                   <a:extLst>
                     <a:ext uri="{9D8B030D-6E8A-4147-A177-3AD203B41FA5}">
                       <a16:colId xmlns:a16="http://schemas.microsoft.com/office/drawing/2014/main" val="2789338225"/>
@@ -6254,7 +6254,7 @@
                         <a:defRPr/>
                       </a:pPr>
                       <a:r>
-                        <a:rPr lang="es-ES" b="1" noProof="0" dirty="0">
+                        <a:rPr lang="es-ES" sz="1400" b="1" noProof="0" dirty="0">
                           <a:solidFill>
                             <a:srgbClr val="002060"/>
                           </a:solidFill>
@@ -6272,7 +6272,7 @@
                     <a:p>
                       <a:pPr algn="ctr" rtl="0"/>
                       <a:r>
-                        <a:rPr lang="es-ES" b="1" noProof="0" dirty="0">
+                        <a:rPr lang="es-ES" sz="1400" b="1" noProof="0" dirty="0">
                           <a:solidFill>
                             <a:srgbClr val="002060"/>
                           </a:solidFill>
@@ -6290,12 +6290,12 @@
                     <a:p>
                       <a:pPr algn="ctr"/>
                       <a:r>
-                        <a:rPr lang="es-CO" b="1" dirty="0">
+                        <a:rPr lang="es-CO" sz="1400" b="1" dirty="0">
                           <a:solidFill>
                             <a:srgbClr val="002060"/>
                           </a:solidFill>
                         </a:rPr>
-                        <a:t>DevOps Integrado.</a:t>
+                        <a:t>DevOps.</a:t>
                       </a:r>
                     </a:p>
                   </a:txBody>
@@ -6308,7 +6308,7 @@
                     <a:p>
                       <a:pPr algn="ctr"/>
                       <a:r>
-                        <a:rPr lang="es-CO" b="1" dirty="0">
+                        <a:rPr lang="es-CO" sz="1400" b="1" dirty="0">
                           <a:solidFill>
                             <a:srgbClr val="002060"/>
                           </a:solidFill>
@@ -6333,7 +6333,7 @@
                     <a:p>
                       <a:pPr algn="ctr"/>
                       <a:r>
-                        <a:rPr lang="es-CO" dirty="0"/>
+                        <a:rPr lang="es-CO" sz="1400" dirty="0"/>
                         <a:t>✅ DF1.</a:t>
                       </a:r>
                     </a:p>
@@ -6347,7 +6347,7 @@
                     <a:p>
                       <a:pPr algn="ctr"/>
                       <a:r>
-                        <a:rPr lang="es-CO" dirty="0"/>
+                        <a:rPr lang="es-CO" sz="1400" dirty="0"/>
                         <a:t>✅ Desarrollo.</a:t>
                       </a:r>
                     </a:p>
@@ -6361,7 +6361,7 @@
                     <a:p>
                       <a:pPr algn="ctr"/>
                       <a:r>
-                        <a:rPr lang="es-CO" dirty="0"/>
+                        <a:rPr lang="es-CO" sz="1400" dirty="0"/>
                         <a:t>✅ SI.</a:t>
                       </a:r>
                     </a:p>
@@ -6375,15 +6375,15 @@
                     <a:p>
                       <a:pPr algn="ctr"/>
                       <a:r>
-                        <a:rPr lang="es-CO" dirty="0"/>
+                        <a:rPr lang="es-CO" sz="1400" dirty="0"/>
                         <a:t>✅ </a:t>
                       </a:r>
                       <a:r>
-                        <a:rPr lang="es-ES" noProof="0" dirty="0"/>
-                        <a:t>Databricks, Synapse, Excel</a:t>
+                        <a:rPr lang="es-ES" sz="1400" noProof="0" dirty="0"/>
+                        <a:t>Databricks, Synapse, Excel (Sharepoint), LogicApps, Database, Key Vaults, Functions</a:t>
                       </a:r>
                       <a:r>
-                        <a:rPr lang="es-CO" dirty="0"/>
+                        <a:rPr lang="es-CO" sz="1400" dirty="0"/>
                         <a:t>.</a:t>
                       </a:r>
                     </a:p>
@@ -6404,7 +6404,7 @@
                     <a:p>
                       <a:pPr algn="ctr"/>
                       <a:r>
-                        <a:rPr lang="es-CO" dirty="0"/>
+                        <a:rPr lang="es-CO" sz="1400" dirty="0"/>
                         <a:t>✅ DF2.</a:t>
                       </a:r>
                     </a:p>
@@ -6418,11 +6418,11 @@
                     <a:p>
                       <a:pPr algn="ctr" rtl="0"/>
                       <a:r>
-                        <a:rPr lang="es-CO" dirty="0"/>
+                        <a:rPr lang="es-CO" sz="1400" dirty="0"/>
                         <a:t>🔍</a:t>
                       </a:r>
                       <a:r>
-                        <a:rPr lang="es-ES" noProof="0" dirty="0"/>
+                        <a:rPr lang="es-ES" sz="1400" noProof="0" dirty="0"/>
                         <a:t>Producción.</a:t>
                       </a:r>
                     </a:p>
@@ -6464,20 +6464,19 @@
                     <a:bodyPr/>
                     <a:lstStyle/>
                     <a:p>
-                      <a:pPr algn="ctr" rtl="0"/>
+                      <a:pPr algn="ctr"/>
                       <a:r>
-                        <a:rPr lang="es-CO" dirty="0"/>
-                        <a:t>✅</a:t>
+                        <a:rPr lang="es-CO" sz="1400" dirty="0"/>
+                        <a:t>✅ </a:t>
                       </a:r>
                       <a:r>
-                        <a:rPr lang="es-ES" noProof="0" dirty="0"/>
-                        <a:t>Databricks, Synapse, Excel</a:t>
+                        <a:rPr lang="es-ES" sz="1400" noProof="0" dirty="0"/>
+                        <a:t>Databricks, Synapse, Excel (Sharepoint), LogicApps, Database, Key Vaults, Functions</a:t>
                       </a:r>
                       <a:r>
-                        <a:rPr lang="es-CO" dirty="0"/>
+                        <a:rPr lang="es-CO" sz="1400" dirty="0"/>
                         <a:t>.</a:t>
                       </a:r>
-                      <a:endParaRPr lang="es-ES" noProof="0" dirty="0"/>
                     </a:p>
                   </a:txBody>
                   <a:tcPr anchor="ctr"/>
@@ -6496,7 +6495,7 @@
                     <a:p>
                       <a:pPr algn="ctr"/>
                       <a:r>
-                        <a:rPr lang="es-CO" dirty="0"/>
+                        <a:rPr lang="es-CO" sz="1400" dirty="0"/>
                         <a:t>✅ DF3.</a:t>
                       </a:r>
                     </a:p>
@@ -6540,7 +6539,7 @@
                         <a:defRPr/>
                       </a:pPr>
                       <a:r>
-                        <a:rPr lang="es-CO" dirty="0"/>
+                        <a:rPr lang="es-CO" sz="1400" dirty="0"/>
                         <a:t>✅ NO.</a:t>
                       </a:r>
                     </a:p>
@@ -6554,10 +6553,10 @@
                     <a:p>
                       <a:pPr algn="ctr" rtl="0"/>
                       <a:r>
-                        <a:rPr lang="es-CO" dirty="0"/>
+                        <a:rPr lang="es-CO" sz="1400" dirty="0"/>
                         <a:t>🔍</a:t>
                       </a:r>
-                      <a:endParaRPr lang="es-ES" noProof="0" dirty="0"/>
+                      <a:endParaRPr lang="es-ES" sz="1400" noProof="0" dirty="0"/>
                     </a:p>
                   </a:txBody>
                   <a:tcPr anchor="ctr"/>
@@ -6576,7 +6575,7 @@
                     <a:p>
                       <a:pPr algn="ctr"/>
                       <a:r>
-                        <a:rPr lang="es-CO" dirty="0"/>
+                        <a:rPr lang="es-CO" sz="1400" dirty="0"/>
                         <a:t>✅ DF4.</a:t>
                       </a:r>
                     </a:p>
@@ -6590,7 +6589,7 @@
                     <a:p>
                       <a:pPr algn="ctr"/>
                       <a:r>
-                        <a:rPr lang="es-CO" dirty="0"/>
+                        <a:rPr lang="es-CO" sz="1400" dirty="0"/>
                         <a:t>🔍 Desarrollo.</a:t>
                       </a:r>
                     </a:p>
@@ -6768,8 +6767,8 @@
         </p:nvSpPr>
         <p:spPr>
           <a:xfrm>
-            <a:off x="1127448" y="188640"/>
-            <a:ext cx="2952328" cy="547464"/>
+            <a:off x="1127447" y="188640"/>
+            <a:ext cx="4182365" cy="547464"/>
           </a:xfrm>
         </p:spPr>
         <p:txBody>
@@ -6781,7 +6780,7 @@
             <a:pPr rtl="0"/>
             <a:r>
               <a:rPr lang="es-CO" b="1" dirty="0"/>
-              <a:t>🚧 Desafíos.</a:t>
+              <a:t>🚧 Desafíos Azure.</a:t>
             </a:r>
             <a:endParaRPr lang="es-ES" b="1" dirty="0"/>
           </a:p>
@@ -6805,15 +6804,24 @@
         </p:nvSpPr>
         <p:spPr>
           <a:xfrm>
-            <a:off x="806884" y="4770408"/>
-            <a:ext cx="3465315" cy="1852470"/>
+            <a:off x="1397376" y="3839792"/>
+            <a:ext cx="2420066" cy="2758140"/>
           </a:xfrm>
         </p:spPr>
         <p:txBody>
           <a:bodyPr rtlCol="0">
-            <a:normAutofit fontScale="92500"/>
+            <a:normAutofit fontScale="85000" lnSpcReduction="20000"/>
           </a:bodyPr>
           <a:lstStyle/>
+          <a:p>
+            <a:pPr marL="0" indent="0">
+              <a:buNone/>
+            </a:pPr>
+            <a:r>
+              <a:rPr lang="es-CO" b="1" i="1" dirty="0"/>
+              <a:t>         Sharepoint</a:t>
+            </a:r>
+          </a:p>
           <a:p>
             <a:pPr marL="0" indent="0">
               <a:buNone/>
@@ -6838,8 +6846,22 @@
             </a:pPr>
             <a:r>
               <a:rPr lang="es-ES" b="1" i="1" dirty="0"/>
-              <a:t>                 Pipelines.</a:t>
+              <a:t>         Pipelines.</a:t>
             </a:r>
+          </a:p>
+          <a:p>
+            <a:pPr marL="0" indent="0">
+              <a:buNone/>
+            </a:pPr>
+            <a:r>
+              <a:rPr lang="es-CO" dirty="0"/>
+              <a:t>✅ </a:t>
+            </a:r>
+            <a:r>
+              <a:rPr lang="es-CO" b="1" i="1" dirty="0"/>
+              <a:t>Recurso identificado.</a:t>
+            </a:r>
+            <a:endParaRPr lang="es-ES" b="1" i="1" dirty="0"/>
           </a:p>
           <a:p>
             <a:pPr marL="0" indent="0" rtl="0">
@@ -6870,100 +6892,56 @@
                   <a:srgbClr val="FFFF00"/>
                 </a:highlight>
               </a:rPr>
-              <a:t>Falta herramientas DevOps.</a:t>
+              <a:t>Falta herramientas.</a:t>
             </a:r>
+          </a:p>
+          <a:p>
+            <a:pPr marL="0" indent="0">
+              <a:buNone/>
+            </a:pPr>
+            <a:r>
+              <a:rPr lang="es-CO" sz="2000" dirty="0">
+                <a:highlight>
+                  <a:srgbClr val="FFFF00"/>
+                </a:highlight>
+              </a:rPr>
+              <a:t>🔍</a:t>
+            </a:r>
+            <a:r>
+              <a:rPr lang="es-CO" b="1" i="1" dirty="0">
+                <a:solidFill>
+                  <a:srgbClr val="FF0000"/>
+                </a:solidFill>
+              </a:rPr>
+              <a:t> </a:t>
+            </a:r>
+            <a:r>
+              <a:rPr lang="es-CO" b="1" i="1" dirty="0">
+                <a:solidFill>
+                  <a:srgbClr val="FF0000"/>
+                </a:solidFill>
+                <a:highlight>
+                  <a:srgbClr val="FFFF00"/>
+                </a:highlight>
+              </a:rPr>
+              <a:t>Falta volumen.</a:t>
+            </a:r>
+          </a:p>
+          <a:p>
+            <a:pPr marL="0" indent="0" rtl="0">
+              <a:buNone/>
+            </a:pPr>
+            <a:endParaRPr lang="es-CO" b="1" i="1" dirty="0">
+              <a:solidFill>
+                <a:srgbClr val="FF0000"/>
+              </a:solidFill>
+              <a:highlight>
+                <a:srgbClr val="FFFF00"/>
+              </a:highlight>
+            </a:endParaRPr>
           </a:p>
         </p:txBody>
       </p:sp>
-      <p:pic>
-        <p:nvPicPr>
-          <p:cNvPr id="19" name="Imagen 18">
-            <a:extLst>
-              <a:ext uri="{FF2B5EF4-FFF2-40B4-BE49-F238E27FC236}">
-                <a16:creationId xmlns:a16="http://schemas.microsoft.com/office/drawing/2014/main" id="{2B761BB3-F982-488B-A8A0-B937E650357A}"/>
-              </a:ext>
-            </a:extLst>
-          </p:cNvPr>
-          <p:cNvPicPr>
-            <a:picLocks noChangeAspect="1"/>
-          </p:cNvPicPr>
-          <p:nvPr/>
-        </p:nvPicPr>
-        <p:blipFill>
-          <a:blip r:embed="rId3"/>
-          <a:stretch>
-            <a:fillRect/>
-          </a:stretch>
-        </p:blipFill>
-        <p:spPr>
-          <a:xfrm>
-            <a:off x="941457" y="5277714"/>
-            <a:ext cx="297476" cy="288032"/>
-          </a:xfrm>
-          <a:prstGeom prst="rect">
-            <a:avLst/>
-          </a:prstGeom>
-        </p:spPr>
-      </p:pic>
-      <p:pic>
-        <p:nvPicPr>
-          <p:cNvPr id="22" name="Imagen 21">
-            <a:extLst>
-              <a:ext uri="{FF2B5EF4-FFF2-40B4-BE49-F238E27FC236}">
-                <a16:creationId xmlns:a16="http://schemas.microsoft.com/office/drawing/2014/main" id="{28D5BA38-3BC5-46F3-A460-5929B37E9147}"/>
-              </a:ext>
-            </a:extLst>
-          </p:cNvPr>
-          <p:cNvPicPr>
-            <a:picLocks noChangeAspect="1"/>
-          </p:cNvPicPr>
-          <p:nvPr/>
-        </p:nvPicPr>
-        <p:blipFill>
-          <a:blip r:embed="rId4"/>
-          <a:stretch>
-            <a:fillRect/>
-          </a:stretch>
-        </p:blipFill>
-        <p:spPr>
-          <a:xfrm>
-            <a:off x="915405" y="5738937"/>
-            <a:ext cx="792088" cy="236916"/>
-          </a:xfrm>
-          <a:prstGeom prst="rect">
-            <a:avLst/>
-          </a:prstGeom>
-        </p:spPr>
-      </p:pic>
-      <p:pic>
-        <p:nvPicPr>
-          <p:cNvPr id="25" name="Imagen 24">
-            <a:extLst>
-              <a:ext uri="{FF2B5EF4-FFF2-40B4-BE49-F238E27FC236}">
-                <a16:creationId xmlns:a16="http://schemas.microsoft.com/office/drawing/2014/main" id="{0B626919-2EB5-431E-8693-8E7165D5AE73}"/>
-              </a:ext>
-            </a:extLst>
-          </p:cNvPr>
-          <p:cNvPicPr>
-            <a:picLocks noChangeAspect="1"/>
-          </p:cNvPicPr>
-          <p:nvPr/>
-        </p:nvPicPr>
-        <p:blipFill rotWithShape="1">
-          <a:blip r:embed="rId5"/>
-          <a:srcRect l="16155" t="9141" r="27436" b="9143"/>
-          <a:stretch/>
-        </p:blipFill>
-        <p:spPr>
-          <a:xfrm>
-            <a:off x="983032" y="3207719"/>
-            <a:ext cx="254155" cy="406648"/>
-          </a:xfrm>
-          <a:prstGeom prst="rect">
-            <a:avLst/>
-          </a:prstGeom>
-        </p:spPr>
-      </p:pic>
       <p:sp>
         <p:nvSpPr>
           <p:cNvPr id="26" name="Marcador de posición de contenido 13">
@@ -6980,8 +6958,8 @@
         </p:nvSpPr>
         <p:spPr>
           <a:xfrm>
-            <a:off x="863542" y="2819990"/>
-            <a:ext cx="2243573" cy="1833146"/>
+            <a:off x="1364222" y="837292"/>
+            <a:ext cx="2239052" cy="3028935"/>
           </a:xfrm>
           <a:prstGeom prst="rect">
             <a:avLst/>
@@ -6989,7 +6967,7 @@
         </p:spPr>
         <p:txBody>
           <a:bodyPr vert="horz" lIns="91440" tIns="45720" rIns="91440" bIns="45720" rtlCol="0">
-            <a:normAutofit fontScale="92500"/>
+            <a:normAutofit fontScale="92500" lnSpcReduction="20000"/>
           </a:bodyPr>
           <a:lstStyle>
             <a:lvl1pPr marL="228600" indent="-228600" algn="l" defTabSz="914400" rtl="0" eaLnBrk="1" latinLnBrk="0" hangingPunct="1">
@@ -7203,7 +7181,17 @@
             </a:r>
             <a:r>
               <a:rPr lang="es-ES" b="1" i="1" dirty="0"/>
-              <a:t>    Datasets.</a:t>
+              <a:t>    Tenant.</a:t>
+            </a:r>
+          </a:p>
+          <a:p>
+            <a:pPr marL="0" indent="0">
+              <a:buFont typeface="Arial" pitchFamily="34" charset="0"/>
+              <a:buNone/>
+            </a:pPr>
+            <a:r>
+              <a:rPr lang="es-ES" b="1" i="1" dirty="0"/>
+              <a:t>         Datasets.</a:t>
             </a:r>
           </a:p>
           <a:p>
@@ -7236,38 +7224,28 @@
               <a:t>         Synapse.</a:t>
             </a:r>
           </a:p>
+          <a:p>
+            <a:pPr marL="0" indent="0">
+              <a:buFont typeface="Arial" pitchFamily="34" charset="0"/>
+              <a:buNone/>
+            </a:pPr>
+            <a:r>
+              <a:rPr lang="es-ES" b="1" i="1" dirty="0"/>
+              <a:t>         Functions.</a:t>
+            </a:r>
+          </a:p>
+          <a:p>
+            <a:pPr marL="0" indent="0">
+              <a:buFont typeface="Arial" pitchFamily="34" charset="0"/>
+              <a:buNone/>
+            </a:pPr>
+            <a:r>
+              <a:rPr lang="es-ES" b="1" i="1" dirty="0"/>
+              <a:t>         Key Vault.</a:t>
+            </a:r>
+          </a:p>
         </p:txBody>
       </p:sp>
-      <p:pic>
-        <p:nvPicPr>
-          <p:cNvPr id="44" name="Imagen 43">
-            <a:extLst>
-              <a:ext uri="{FF2B5EF4-FFF2-40B4-BE49-F238E27FC236}">
-                <a16:creationId xmlns:a16="http://schemas.microsoft.com/office/drawing/2014/main" id="{FC1624A9-920B-4BD2-A5C8-EF754317B7DE}"/>
-              </a:ext>
-            </a:extLst>
-          </p:cNvPr>
-          <p:cNvPicPr>
-            <a:picLocks noChangeAspect="1"/>
-          </p:cNvPicPr>
-          <p:nvPr/>
-        </p:nvPicPr>
-        <p:blipFill>
-          <a:blip r:embed="rId6"/>
-          <a:stretch>
-            <a:fillRect/>
-          </a:stretch>
-        </p:blipFill>
-        <p:spPr>
-          <a:xfrm>
-            <a:off x="941595" y="3759345"/>
-            <a:ext cx="376669" cy="372575"/>
-          </a:xfrm>
-          <a:prstGeom prst="rect">
-            <a:avLst/>
-          </a:prstGeom>
-        </p:spPr>
-      </p:pic>
       <p:pic>
         <p:nvPicPr>
           <p:cNvPr id="50" name="Imagen 49">
@@ -7283,73 +7261,14 @@
           <p:nvPr/>
         </p:nvPicPr>
         <p:blipFill rotWithShape="1">
-          <a:blip r:embed="rId7"/>
+          <a:blip r:embed="rId3"/>
           <a:srcRect l="6391" r="6391" b="8007"/>
           <a:stretch/>
         </p:blipFill>
         <p:spPr>
           <a:xfrm>
-            <a:off x="961730" y="2752581"/>
-            <a:ext cx="287514" cy="314923"/>
-          </a:xfrm>
-          <a:prstGeom prst="rect">
-            <a:avLst/>
-          </a:prstGeom>
-        </p:spPr>
-      </p:pic>
-      <p:pic>
-        <p:nvPicPr>
-          <p:cNvPr id="53" name="Imagen 52">
-            <a:extLst>
-              <a:ext uri="{FF2B5EF4-FFF2-40B4-BE49-F238E27FC236}">
-                <a16:creationId xmlns:a16="http://schemas.microsoft.com/office/drawing/2014/main" id="{4139155B-0573-400F-97D5-35AF4DA8F038}"/>
-              </a:ext>
-            </a:extLst>
-          </p:cNvPr>
-          <p:cNvPicPr>
-            <a:picLocks noChangeAspect="1"/>
-          </p:cNvPicPr>
-          <p:nvPr/>
-        </p:nvPicPr>
-        <p:blipFill>
-          <a:blip r:embed="rId8"/>
-          <a:stretch>
-            <a:fillRect/>
-          </a:stretch>
-        </p:blipFill>
-        <p:spPr>
-          <a:xfrm>
-            <a:off x="962805" y="4219812"/>
-            <a:ext cx="377896" cy="406649"/>
-          </a:xfrm>
-          <a:prstGeom prst="rect">
-            <a:avLst/>
-          </a:prstGeom>
-        </p:spPr>
-      </p:pic>
-      <p:pic>
-        <p:nvPicPr>
-          <p:cNvPr id="67" name="Imagen 66">
-            <a:extLst>
-              <a:ext uri="{FF2B5EF4-FFF2-40B4-BE49-F238E27FC236}">
-                <a16:creationId xmlns:a16="http://schemas.microsoft.com/office/drawing/2014/main" id="{CAFB988A-886D-42B6-9C30-E13D9E2AF182}"/>
-              </a:ext>
-            </a:extLst>
-          </p:cNvPr>
-          <p:cNvPicPr>
-            <a:picLocks noChangeAspect="1"/>
-          </p:cNvPicPr>
-          <p:nvPr/>
-        </p:nvPicPr>
-        <p:blipFill rotWithShape="1">
-          <a:blip r:embed="rId9"/>
-          <a:srcRect t="9736"/>
-          <a:stretch/>
-        </p:blipFill>
-        <p:spPr>
-          <a:xfrm>
-            <a:off x="916227" y="4816881"/>
-            <a:ext cx="297476" cy="219050"/>
+            <a:off x="1551333" y="1246941"/>
+            <a:ext cx="230854" cy="252862"/>
           </a:xfrm>
           <a:prstGeom prst="rect">
             <a:avLst/>
@@ -7370,7 +7289,7 @@
         </p:nvGrpSpPr>
         <p:grpSpPr>
           <a:xfrm>
-            <a:off x="7022650" y="1196752"/>
+            <a:off x="6566476" y="1838317"/>
             <a:ext cx="2066925" cy="516731"/>
             <a:chOff x="7072979" y="480060"/>
             <a:chExt cx="2066925" cy="516731"/>
@@ -7529,7 +7448,7 @@
         </p:nvSpPr>
         <p:spPr>
           <a:xfrm rot="5400000">
-            <a:off x="8010898" y="1758697"/>
+            <a:off x="7554724" y="2400262"/>
             <a:ext cx="90427" cy="90427"/>
           </a:xfrm>
           <a:prstGeom prst="rightArrow">
@@ -7594,7 +7513,7 @@
         </p:nvGrpSpPr>
         <p:grpSpPr>
           <a:xfrm>
-            <a:off x="7013710" y="1864005"/>
+            <a:off x="6557536" y="2505570"/>
             <a:ext cx="2066925" cy="516731"/>
             <a:chOff x="7072979" y="480060"/>
             <a:chExt cx="2066925" cy="516731"/>
@@ -7748,7 +7667,7 @@
         </p:nvSpPr>
         <p:spPr>
           <a:xfrm rot="5400000">
-            <a:off x="8044910" y="2418722"/>
+            <a:off x="7588736" y="3060287"/>
             <a:ext cx="90427" cy="90427"/>
           </a:xfrm>
           <a:prstGeom prst="rightArrow">
@@ -7813,7 +7732,7 @@
         </p:nvGrpSpPr>
         <p:grpSpPr>
           <a:xfrm>
-            <a:off x="7047722" y="2562738"/>
+            <a:off x="6591548" y="3204303"/>
             <a:ext cx="2066925" cy="516731"/>
             <a:chOff x="7072979" y="480060"/>
             <a:chExt cx="2066925" cy="516731"/>
@@ -7956,7 +7875,7 @@
         </p:nvSpPr>
         <p:spPr>
           <a:xfrm rot="5400000">
-            <a:off x="8044910" y="3126127"/>
+            <a:off x="7588736" y="3767692"/>
             <a:ext cx="90427" cy="90427"/>
           </a:xfrm>
           <a:prstGeom prst="rightArrow">
@@ -8021,7 +7940,7 @@
         </p:nvGrpSpPr>
         <p:grpSpPr>
           <a:xfrm>
-            <a:off x="7047722" y="3270143"/>
+            <a:off x="6591548" y="3911708"/>
             <a:ext cx="2066925" cy="516731"/>
             <a:chOff x="7072979" y="480060"/>
             <a:chExt cx="2066925" cy="516731"/>
@@ -8164,7 +8083,7 @@
         </p:nvGrpSpPr>
         <p:grpSpPr>
           <a:xfrm>
-            <a:off x="4759274" y="1208374"/>
+            <a:off x="4303100" y="1849939"/>
             <a:ext cx="2066925" cy="516731"/>
             <a:chOff x="7072979" y="480060"/>
             <a:chExt cx="2066925" cy="516731"/>
@@ -8325,7 +8244,7 @@
         </p:nvSpPr>
         <p:spPr>
           <a:xfrm rot="5400000">
-            <a:off x="5747522" y="1770319"/>
+            <a:off x="5291348" y="2411884"/>
             <a:ext cx="90427" cy="90427"/>
           </a:xfrm>
           <a:prstGeom prst="rightArrow">
@@ -8393,7 +8312,7 @@
         </p:nvSpPr>
         <p:spPr>
           <a:xfrm rot="5400000">
-            <a:off x="5781534" y="3123292"/>
+            <a:off x="5325360" y="3764857"/>
             <a:ext cx="90427" cy="90427"/>
           </a:xfrm>
           <a:prstGeom prst="rightArrow">
@@ -8461,7 +8380,7 @@
         </p:nvSpPr>
         <p:spPr>
           <a:xfrm rot="5400000">
-            <a:off x="5781534" y="3830697"/>
+            <a:off x="5325360" y="4472262"/>
             <a:ext cx="90427" cy="90427"/>
           </a:xfrm>
           <a:prstGeom prst="rightArrow">
@@ -8529,7 +8448,7 @@
         </p:nvGrpSpPr>
         <p:grpSpPr>
           <a:xfrm>
-            <a:off x="4759586" y="2564904"/>
+            <a:off x="4303412" y="3206469"/>
             <a:ext cx="2066925" cy="516731"/>
             <a:chOff x="7072979" y="480060"/>
             <a:chExt cx="2066925" cy="516731"/>
@@ -8676,66 +8595,6 @@
           </p:txBody>
         </p:sp>
       </p:grpSp>
-      <p:pic>
-        <p:nvPicPr>
-          <p:cNvPr id="110" name="Imagen 109">
-            <a:extLst>
-              <a:ext uri="{FF2B5EF4-FFF2-40B4-BE49-F238E27FC236}">
-                <a16:creationId xmlns:a16="http://schemas.microsoft.com/office/drawing/2014/main" id="{5555984B-69B4-4B01-8F35-CB0DE92F09A0}"/>
-              </a:ext>
-            </a:extLst>
-          </p:cNvPr>
-          <p:cNvPicPr>
-            <a:picLocks noChangeAspect="1"/>
-          </p:cNvPicPr>
-          <p:nvPr/>
-        </p:nvPicPr>
-        <p:blipFill>
-          <a:blip r:embed="rId10"/>
-          <a:stretch>
-            <a:fillRect/>
-          </a:stretch>
-        </p:blipFill>
-        <p:spPr>
-          <a:xfrm>
-            <a:off x="4956090" y="1306983"/>
-            <a:ext cx="333422" cy="309606"/>
-          </a:xfrm>
-          <a:prstGeom prst="rect">
-            <a:avLst/>
-          </a:prstGeom>
-        </p:spPr>
-      </p:pic>
-      <p:pic>
-        <p:nvPicPr>
-          <p:cNvPr id="111" name="Imagen 110">
-            <a:extLst>
-              <a:ext uri="{FF2B5EF4-FFF2-40B4-BE49-F238E27FC236}">
-                <a16:creationId xmlns:a16="http://schemas.microsoft.com/office/drawing/2014/main" id="{4E619660-DAD5-4455-BAA3-10D81BED30C5}"/>
-              </a:ext>
-            </a:extLst>
-          </p:cNvPr>
-          <p:cNvPicPr>
-            <a:picLocks noChangeAspect="1"/>
-          </p:cNvPicPr>
-          <p:nvPr/>
-        </p:nvPicPr>
-        <p:blipFill>
-          <a:blip r:embed="rId3"/>
-          <a:stretch>
-            <a:fillRect/>
-          </a:stretch>
-        </p:blipFill>
-        <p:spPr>
-          <a:xfrm>
-            <a:off x="4991580" y="2670416"/>
-            <a:ext cx="297476" cy="288032"/>
-          </a:xfrm>
-          <a:prstGeom prst="rect">
-            <a:avLst/>
-          </a:prstGeom>
-        </p:spPr>
-      </p:pic>
       <p:grpSp>
         <p:nvGrpSpPr>
           <p:cNvPr id="120" name="Grupo 119">
@@ -8750,7 +8609,7 @@
         </p:nvGrpSpPr>
         <p:grpSpPr>
           <a:xfrm>
-            <a:off x="4751974" y="3237065"/>
+            <a:off x="4295800" y="3878630"/>
             <a:ext cx="2066925" cy="516731"/>
             <a:chOff x="7072979" y="480060"/>
             <a:chExt cx="2066925" cy="516731"/>
@@ -8873,7 +8732,7 @@
             </a:bodyPr>
             <a:lstStyle/>
             <a:p>
-              <a:pPr marL="0" lvl="0" indent="0" algn="ctr" defTabSz="977900" rtl="0">
+              <a:pPr defTabSz="977900">
                 <a:lnSpc>
                   <a:spcPct val="90000"/>
                 </a:lnSpc>
@@ -8883,46 +8742,24 @@
                 <a:spcAft>
                   <a:spcPct val="35000"/>
                 </a:spcAft>
-                <a:buNone/>
               </a:pPr>
-              <a:endParaRPr lang="es-ES" sz="1600" b="1" kern="1200" noProof="0" dirty="0">
-                <a:solidFill>
-                  <a:schemeClr val="bg2"/>
-                </a:solidFill>
-              </a:endParaRPr>
+              <a:r>
+                <a:rPr lang="es-CO" sz="1600" dirty="0"/>
+                <a:t>    </a:t>
+              </a:r>
+              <a:r>
+                <a:rPr lang="es-ES" sz="1600" b="1" dirty="0">
+                  <a:solidFill>
+                    <a:schemeClr val="bg2"/>
+                  </a:solidFill>
+                </a:rPr>
+                <a:t>  </a:t>
+              </a:r>
+              <a:endParaRPr lang="es-CO" sz="1600" dirty="0"/>
             </a:p>
           </p:txBody>
         </p:sp>
       </p:grpSp>
-      <p:pic>
-        <p:nvPicPr>
-          <p:cNvPr id="123" name="Imagen 122">
-            <a:extLst>
-              <a:ext uri="{FF2B5EF4-FFF2-40B4-BE49-F238E27FC236}">
-                <a16:creationId xmlns:a16="http://schemas.microsoft.com/office/drawing/2014/main" id="{4A51823B-00B6-4C2F-A602-830DCF2235C9}"/>
-              </a:ext>
-            </a:extLst>
-          </p:cNvPr>
-          <p:cNvPicPr>
-            <a:picLocks noChangeAspect="1"/>
-          </p:cNvPicPr>
-          <p:nvPr/>
-        </p:nvPicPr>
-        <p:blipFill rotWithShape="1">
-          <a:blip r:embed="rId9"/>
-          <a:srcRect t="9736"/>
-          <a:stretch/>
-        </p:blipFill>
-        <p:spPr>
-          <a:xfrm>
-            <a:off x="5650922" y="3396527"/>
-            <a:ext cx="297476" cy="219050"/>
-          </a:xfrm>
-          <a:prstGeom prst="rect">
-            <a:avLst/>
-          </a:prstGeom>
-        </p:spPr>
-      </p:pic>
       <p:grpSp>
         <p:nvGrpSpPr>
           <p:cNvPr id="124" name="Grupo 123">
@@ -8937,8 +8774,8 @@
         </p:nvGrpSpPr>
         <p:grpSpPr>
           <a:xfrm>
-            <a:off x="4759597" y="3950416"/>
-            <a:ext cx="2066925" cy="516731"/>
+            <a:off x="4083870" y="4591981"/>
+            <a:ext cx="2516186" cy="516731"/>
             <a:chOff x="7072979" y="480060"/>
             <a:chExt cx="2066925" cy="516731"/>
           </a:xfrm>
@@ -9081,95 +8918,6 @@
           </p:txBody>
         </p:sp>
       </p:grpSp>
-      <p:pic>
-        <p:nvPicPr>
-          <p:cNvPr id="128" name="Imagen 127">
-            <a:extLst>
-              <a:ext uri="{FF2B5EF4-FFF2-40B4-BE49-F238E27FC236}">
-                <a16:creationId xmlns:a16="http://schemas.microsoft.com/office/drawing/2014/main" id="{88C21E79-32B8-4961-AE02-3091E1EFB75D}"/>
-              </a:ext>
-            </a:extLst>
-          </p:cNvPr>
-          <p:cNvPicPr>
-            <a:picLocks noChangeAspect="1"/>
-          </p:cNvPicPr>
-          <p:nvPr/>
-        </p:nvPicPr>
-        <p:blipFill rotWithShape="1">
-          <a:blip r:embed="rId5"/>
-          <a:srcRect l="16155" t="9141" r="27436" b="9143"/>
-          <a:stretch/>
-        </p:blipFill>
-        <p:spPr>
-          <a:xfrm>
-            <a:off x="5082199" y="3988304"/>
-            <a:ext cx="254155" cy="406648"/>
-          </a:xfrm>
-          <a:prstGeom prst="rect">
-            <a:avLst/>
-          </a:prstGeom>
-        </p:spPr>
-      </p:pic>
-      <p:pic>
-        <p:nvPicPr>
-          <p:cNvPr id="129" name="Imagen 128">
-            <a:extLst>
-              <a:ext uri="{FF2B5EF4-FFF2-40B4-BE49-F238E27FC236}">
-                <a16:creationId xmlns:a16="http://schemas.microsoft.com/office/drawing/2014/main" id="{DC662234-F41A-46D7-B609-D0BD561E6BB6}"/>
-              </a:ext>
-            </a:extLst>
-          </p:cNvPr>
-          <p:cNvPicPr>
-            <a:picLocks noChangeAspect="1"/>
-          </p:cNvPicPr>
-          <p:nvPr/>
-        </p:nvPicPr>
-        <p:blipFill>
-          <a:blip r:embed="rId6"/>
-          <a:stretch>
-            <a:fillRect/>
-          </a:stretch>
-        </p:blipFill>
-        <p:spPr>
-          <a:xfrm>
-            <a:off x="5641296" y="4000835"/>
-            <a:ext cx="376669" cy="372575"/>
-          </a:xfrm>
-          <a:prstGeom prst="rect">
-            <a:avLst/>
-          </a:prstGeom>
-        </p:spPr>
-      </p:pic>
-      <p:pic>
-        <p:nvPicPr>
-          <p:cNvPr id="130" name="Imagen 129">
-            <a:extLst>
-              <a:ext uri="{FF2B5EF4-FFF2-40B4-BE49-F238E27FC236}">
-                <a16:creationId xmlns:a16="http://schemas.microsoft.com/office/drawing/2014/main" id="{B040A360-24D2-4D6B-BAF3-AA61CA7A2726}"/>
-              </a:ext>
-            </a:extLst>
-          </p:cNvPr>
-          <p:cNvPicPr>
-            <a:picLocks noChangeAspect="1"/>
-          </p:cNvPicPr>
-          <p:nvPr/>
-        </p:nvPicPr>
-        <p:blipFill>
-          <a:blip r:embed="rId8"/>
-          <a:stretch>
-            <a:fillRect/>
-          </a:stretch>
-        </p:blipFill>
-        <p:spPr>
-          <a:xfrm>
-            <a:off x="6250354" y="4001192"/>
-            <a:ext cx="377896" cy="406649"/>
-          </a:xfrm>
-          <a:prstGeom prst="rect">
-            <a:avLst/>
-          </a:prstGeom>
-        </p:spPr>
-      </p:pic>
       <p:sp>
         <p:nvSpPr>
           <p:cNvPr id="131" name="Flecha: a la derecha 130">
@@ -9184,7 +8932,75 @@
         </p:nvSpPr>
         <p:spPr>
           <a:xfrm rot="5400000">
-            <a:off x="5804069" y="4511274"/>
+            <a:off x="5331919" y="5152839"/>
+            <a:ext cx="90427" cy="90427"/>
+          </a:xfrm>
+          <a:prstGeom prst="rightArrow">
+            <a:avLst>
+              <a:gd name="adj1" fmla="val 66700"/>
+              <a:gd name="adj2" fmla="val 50000"/>
+            </a:avLst>
+          </a:prstGeom>
+          <a:solidFill>
+            <a:schemeClr val="accent5">
+              <a:lumMod val="40000"/>
+              <a:lumOff val="60000"/>
+            </a:schemeClr>
+          </a:solidFill>
+          <a:ln>
+            <a:solidFill>
+              <a:srgbClr val="FF0000"/>
+            </a:solidFill>
+          </a:ln>
+        </p:spPr>
+        <p:style>
+          <a:lnRef idx="0">
+            <a:schemeClr val="accent1">
+              <a:tint val="60000"/>
+              <a:hueOff val="0"/>
+              <a:satOff val="0"/>
+              <a:lumOff val="0"/>
+              <a:alphaOff val="0"/>
+            </a:schemeClr>
+          </a:lnRef>
+          <a:fillRef idx="3">
+            <a:schemeClr val="accent1">
+              <a:tint val="60000"/>
+              <a:hueOff val="0"/>
+              <a:satOff val="0"/>
+              <a:lumOff val="0"/>
+              <a:alphaOff val="0"/>
+            </a:schemeClr>
+          </a:fillRef>
+          <a:effectRef idx="2">
+            <a:schemeClr val="accent1">
+              <a:tint val="60000"/>
+              <a:hueOff val="0"/>
+              <a:satOff val="0"/>
+              <a:lumOff val="0"/>
+              <a:alphaOff val="0"/>
+            </a:schemeClr>
+          </a:effectRef>
+          <a:fontRef idx="minor">
+            <a:schemeClr val="lt1"/>
+          </a:fontRef>
+        </p:style>
+      </p:sp>
+      <p:sp>
+        <p:nvSpPr>
+          <p:cNvPr id="141" name="Flecha: a la derecha 140">
+            <a:extLst>
+              <a:ext uri="{FF2B5EF4-FFF2-40B4-BE49-F238E27FC236}">
+                <a16:creationId xmlns:a16="http://schemas.microsoft.com/office/drawing/2014/main" id="{037AA589-C226-4730-B607-7BCA0977B09D}"/>
+              </a:ext>
+            </a:extLst>
+          </p:cNvPr>
+          <p:cNvSpPr/>
+          <p:nvPr/>
+        </p:nvSpPr>
+        <p:spPr>
+          <a:xfrm rot="5400000">
+            <a:off x="5359930" y="5855255"/>
             <a:ext cx="90427" cy="90427"/>
           </a:xfrm>
           <a:prstGeom prst="rightArrow">
@@ -9240,509 +9056,6 @@
       </p:sp>
       <p:grpSp>
         <p:nvGrpSpPr>
-          <p:cNvPr id="132" name="Grupo 131">
-            <a:extLst>
-              <a:ext uri="{FF2B5EF4-FFF2-40B4-BE49-F238E27FC236}">
-                <a16:creationId xmlns:a16="http://schemas.microsoft.com/office/drawing/2014/main" id="{45F85E8A-D6F9-4A9E-B5AD-568A75EE62D9}"/>
-              </a:ext>
-            </a:extLst>
-          </p:cNvPr>
-          <p:cNvGrpSpPr/>
-          <p:nvPr/>
-        </p:nvGrpSpPr>
-        <p:grpSpPr>
-          <a:xfrm>
-            <a:off x="4782132" y="4630993"/>
-            <a:ext cx="2066925" cy="516731"/>
-            <a:chOff x="7072979" y="480060"/>
-            <a:chExt cx="2066925" cy="516731"/>
-          </a:xfrm>
-          <a:solidFill>
-            <a:schemeClr val="accent5">
-              <a:lumMod val="40000"/>
-              <a:lumOff val="60000"/>
-            </a:schemeClr>
-          </a:solidFill>
-        </p:grpSpPr>
-        <p:sp>
-          <p:nvSpPr>
-            <p:cNvPr id="133" name="Rectángulo: esquinas redondeadas 132">
-              <a:extLst>
-                <a:ext uri="{FF2B5EF4-FFF2-40B4-BE49-F238E27FC236}">
-                  <a16:creationId xmlns:a16="http://schemas.microsoft.com/office/drawing/2014/main" id="{429E7E29-A7F3-4DE9-90DF-6C6E57493417}"/>
-                </a:ext>
-              </a:extLst>
-            </p:cNvPr>
-            <p:cNvSpPr/>
-            <p:nvPr/>
-          </p:nvSpPr>
-          <p:spPr>
-            <a:xfrm>
-              <a:off x="7072979" y="480060"/>
-              <a:ext cx="2066925" cy="516731"/>
-            </a:xfrm>
-            <a:prstGeom prst="roundRect">
-              <a:avLst>
-                <a:gd name="adj" fmla="val 10000"/>
-              </a:avLst>
-            </a:prstGeom>
-            <a:solidFill>
-              <a:srgbClr val="FF0000"/>
-            </a:solidFill>
-            <a:ln>
-              <a:solidFill>
-                <a:schemeClr val="accent5">
-                  <a:lumMod val="60000"/>
-                  <a:lumOff val="40000"/>
-                </a:schemeClr>
-              </a:solidFill>
-            </a:ln>
-          </p:spPr>
-          <p:style>
-            <a:lnRef idx="0">
-              <a:schemeClr val="lt1">
-                <a:hueOff val="0"/>
-                <a:satOff val="0"/>
-                <a:lumOff val="0"/>
-                <a:alphaOff val="0"/>
-              </a:schemeClr>
-            </a:lnRef>
-            <a:fillRef idx="3">
-              <a:schemeClr val="accent1">
-                <a:hueOff val="0"/>
-                <a:satOff val="0"/>
-                <a:lumOff val="0"/>
-                <a:alphaOff val="0"/>
-              </a:schemeClr>
-            </a:fillRef>
-            <a:effectRef idx="2">
-              <a:schemeClr val="accent1">
-                <a:hueOff val="0"/>
-                <a:satOff val="0"/>
-                <a:lumOff val="0"/>
-                <a:alphaOff val="0"/>
-              </a:schemeClr>
-            </a:effectRef>
-            <a:fontRef idx="minor">
-              <a:schemeClr val="lt1"/>
-            </a:fontRef>
-          </p:style>
-        </p:sp>
-        <p:sp>
-          <p:nvSpPr>
-            <p:cNvPr id="134" name="Rectángulo: esquinas redondeadas 4">
-              <a:extLst>
-                <a:ext uri="{FF2B5EF4-FFF2-40B4-BE49-F238E27FC236}">
-                  <a16:creationId xmlns:a16="http://schemas.microsoft.com/office/drawing/2014/main" id="{28566EC0-9FA2-4B10-A9C8-69F3A260D291}"/>
-                </a:ext>
-              </a:extLst>
-            </p:cNvPr>
-            <p:cNvSpPr txBox="1"/>
-            <p:nvPr/>
-          </p:nvSpPr>
-          <p:spPr>
-            <a:xfrm>
-              <a:off x="7087441" y="483867"/>
-              <a:ext cx="2036655" cy="486461"/>
-            </a:xfrm>
-            <a:prstGeom prst="rect">
-              <a:avLst/>
-            </a:prstGeom>
-            <a:grpFill/>
-            <a:ln>
-              <a:solidFill>
-                <a:srgbClr val="FF0000"/>
-              </a:solidFill>
-            </a:ln>
-          </p:spPr>
-          <p:style>
-            <a:lnRef idx="0">
-              <a:scrgbClr r="0" g="0" b="0"/>
-            </a:lnRef>
-            <a:fillRef idx="0">
-              <a:scrgbClr r="0" g="0" b="0"/>
-            </a:fillRef>
-            <a:effectRef idx="0">
-              <a:scrgbClr r="0" g="0" b="0"/>
-            </a:effectRef>
-            <a:fontRef idx="minor">
-              <a:schemeClr val="lt1"/>
-            </a:fontRef>
-          </p:style>
-          <p:txBody>
-            <a:bodyPr spcFirstLastPara="0" vert="horz" wrap="square" lIns="27940" tIns="27940" rIns="27940" bIns="27940" numCol="1" spcCol="1270" rtlCol="0" anchor="ctr" anchorCtr="0">
-              <a:noAutofit/>
-            </a:bodyPr>
-            <a:lstStyle/>
-            <a:p>
-              <a:pPr marL="0" lvl="0" indent="0" algn="ctr" defTabSz="977900" rtl="0">
-                <a:lnSpc>
-                  <a:spcPct val="90000"/>
-                </a:lnSpc>
-                <a:spcBef>
-                  <a:spcPct val="0"/>
-                </a:spcBef>
-                <a:spcAft>
-                  <a:spcPct val="35000"/>
-                </a:spcAft>
-                <a:buNone/>
-              </a:pPr>
-              <a:endParaRPr lang="es-ES" sz="1600" b="1" kern="1200" noProof="0" dirty="0">
-                <a:solidFill>
-                  <a:schemeClr val="bg2"/>
-                </a:solidFill>
-              </a:endParaRPr>
-            </a:p>
-          </p:txBody>
-        </p:sp>
-      </p:grpSp>
-      <p:pic>
-        <p:nvPicPr>
-          <p:cNvPr id="138" name="Imagen 137">
-            <a:extLst>
-              <a:ext uri="{FF2B5EF4-FFF2-40B4-BE49-F238E27FC236}">
-                <a16:creationId xmlns:a16="http://schemas.microsoft.com/office/drawing/2014/main" id="{DB0C2404-F8D0-4FEB-94DD-94E939560D70}"/>
-              </a:ext>
-            </a:extLst>
-          </p:cNvPr>
-          <p:cNvPicPr>
-            <a:picLocks noChangeAspect="1"/>
-          </p:cNvPicPr>
-          <p:nvPr/>
-        </p:nvPicPr>
-        <p:blipFill rotWithShape="1">
-          <a:blip r:embed="rId7"/>
-          <a:srcRect l="6391" r="6391" b="8007"/>
-          <a:stretch/>
-        </p:blipFill>
-        <p:spPr>
-          <a:xfrm>
-            <a:off x="5121367" y="4725611"/>
-            <a:ext cx="248864" cy="272588"/>
-          </a:xfrm>
-          <a:prstGeom prst="rect">
-            <a:avLst/>
-          </a:prstGeom>
-        </p:spPr>
-      </p:pic>
-      <p:pic>
-        <p:nvPicPr>
-          <p:cNvPr id="139" name="Imagen 138">
-            <a:extLst>
-              <a:ext uri="{FF2B5EF4-FFF2-40B4-BE49-F238E27FC236}">
-                <a16:creationId xmlns:a16="http://schemas.microsoft.com/office/drawing/2014/main" id="{BF81E674-8031-44D9-B1C8-B592F6EE78B5}"/>
-              </a:ext>
-            </a:extLst>
-          </p:cNvPr>
-          <p:cNvPicPr>
-            <a:picLocks noChangeAspect="1"/>
-          </p:cNvPicPr>
-          <p:nvPr/>
-        </p:nvPicPr>
-        <p:blipFill>
-          <a:blip r:embed="rId6"/>
-          <a:stretch>
-            <a:fillRect/>
-          </a:stretch>
-        </p:blipFill>
-        <p:spPr>
-          <a:xfrm>
-            <a:off x="5607413" y="4689032"/>
-            <a:ext cx="376669" cy="372575"/>
-          </a:xfrm>
-          <a:prstGeom prst="rect">
-            <a:avLst/>
-          </a:prstGeom>
-        </p:spPr>
-      </p:pic>
-      <p:pic>
-        <p:nvPicPr>
-          <p:cNvPr id="140" name="Imagen 139">
-            <a:extLst>
-              <a:ext uri="{FF2B5EF4-FFF2-40B4-BE49-F238E27FC236}">
-                <a16:creationId xmlns:a16="http://schemas.microsoft.com/office/drawing/2014/main" id="{01A0CB30-8E88-4885-8EC7-E55316EA4A2E}"/>
-              </a:ext>
-            </a:extLst>
-          </p:cNvPr>
-          <p:cNvPicPr>
-            <a:picLocks noChangeAspect="1"/>
-          </p:cNvPicPr>
-          <p:nvPr/>
-        </p:nvPicPr>
-        <p:blipFill>
-          <a:blip r:embed="rId8"/>
-          <a:stretch>
-            <a:fillRect/>
-          </a:stretch>
-        </p:blipFill>
-        <p:spPr>
-          <a:xfrm>
-            <a:off x="6216471" y="4689389"/>
-            <a:ext cx="377896" cy="406649"/>
-          </a:xfrm>
-          <a:prstGeom prst="rect">
-            <a:avLst/>
-          </a:prstGeom>
-        </p:spPr>
-      </p:pic>
-      <p:sp>
-        <p:nvSpPr>
-          <p:cNvPr id="141" name="Flecha: a la derecha 140">
-            <a:extLst>
-              <a:ext uri="{FF2B5EF4-FFF2-40B4-BE49-F238E27FC236}">
-                <a16:creationId xmlns:a16="http://schemas.microsoft.com/office/drawing/2014/main" id="{037AA589-C226-4730-B607-7BCA0977B09D}"/>
-              </a:ext>
-            </a:extLst>
-          </p:cNvPr>
-          <p:cNvSpPr/>
-          <p:nvPr/>
-        </p:nvSpPr>
-        <p:spPr>
-          <a:xfrm rot="5400000">
-            <a:off x="5816104" y="5213690"/>
-            <a:ext cx="90427" cy="90427"/>
-          </a:xfrm>
-          <a:prstGeom prst="rightArrow">
-            <a:avLst>
-              <a:gd name="adj1" fmla="val 66700"/>
-              <a:gd name="adj2" fmla="val 50000"/>
-            </a:avLst>
-          </a:prstGeom>
-          <a:solidFill>
-            <a:schemeClr val="accent5">
-              <a:lumMod val="40000"/>
-              <a:lumOff val="60000"/>
-            </a:schemeClr>
-          </a:solidFill>
-          <a:ln>
-            <a:solidFill>
-              <a:srgbClr val="FF0000"/>
-            </a:solidFill>
-          </a:ln>
-        </p:spPr>
-        <p:style>
-          <a:lnRef idx="0">
-            <a:schemeClr val="accent1">
-              <a:tint val="60000"/>
-              <a:hueOff val="0"/>
-              <a:satOff val="0"/>
-              <a:lumOff val="0"/>
-              <a:alphaOff val="0"/>
-            </a:schemeClr>
-          </a:lnRef>
-          <a:fillRef idx="3">
-            <a:schemeClr val="accent1">
-              <a:tint val="60000"/>
-              <a:hueOff val="0"/>
-              <a:satOff val="0"/>
-              <a:lumOff val="0"/>
-              <a:alphaOff val="0"/>
-            </a:schemeClr>
-          </a:fillRef>
-          <a:effectRef idx="2">
-            <a:schemeClr val="accent1">
-              <a:tint val="60000"/>
-              <a:hueOff val="0"/>
-              <a:satOff val="0"/>
-              <a:lumOff val="0"/>
-              <a:alphaOff val="0"/>
-            </a:schemeClr>
-          </a:effectRef>
-          <a:fontRef idx="minor">
-            <a:schemeClr val="lt1"/>
-          </a:fontRef>
-        </p:style>
-      </p:sp>
-      <p:grpSp>
-        <p:nvGrpSpPr>
-          <p:cNvPr id="142" name="Grupo 141">
-            <a:extLst>
-              <a:ext uri="{FF2B5EF4-FFF2-40B4-BE49-F238E27FC236}">
-                <a16:creationId xmlns:a16="http://schemas.microsoft.com/office/drawing/2014/main" id="{3233353E-8190-4D66-8B8B-B0B6F3FD0ACA}"/>
-              </a:ext>
-            </a:extLst>
-          </p:cNvPr>
-          <p:cNvGrpSpPr/>
-          <p:nvPr/>
-        </p:nvGrpSpPr>
-        <p:grpSpPr>
-          <a:xfrm>
-            <a:off x="4794167" y="5333409"/>
-            <a:ext cx="2066925" cy="516731"/>
-            <a:chOff x="7072979" y="480060"/>
-            <a:chExt cx="2066925" cy="516731"/>
-          </a:xfrm>
-          <a:solidFill>
-            <a:schemeClr val="accent5">
-              <a:lumMod val="40000"/>
-              <a:lumOff val="60000"/>
-            </a:schemeClr>
-          </a:solidFill>
-        </p:grpSpPr>
-        <p:sp>
-          <p:nvSpPr>
-            <p:cNvPr id="143" name="Rectángulo: esquinas redondeadas 142">
-              <a:extLst>
-                <a:ext uri="{FF2B5EF4-FFF2-40B4-BE49-F238E27FC236}">
-                  <a16:creationId xmlns:a16="http://schemas.microsoft.com/office/drawing/2014/main" id="{648BF8C0-5758-4F26-BA51-34D31B4FE3F8}"/>
-                </a:ext>
-              </a:extLst>
-            </p:cNvPr>
-            <p:cNvSpPr/>
-            <p:nvPr/>
-          </p:nvSpPr>
-          <p:spPr>
-            <a:xfrm>
-              <a:off x="7072979" y="480060"/>
-              <a:ext cx="2066925" cy="516731"/>
-            </a:xfrm>
-            <a:prstGeom prst="roundRect">
-              <a:avLst>
-                <a:gd name="adj" fmla="val 10000"/>
-              </a:avLst>
-            </a:prstGeom>
-            <a:solidFill>
-              <a:srgbClr val="FF0000"/>
-            </a:solidFill>
-            <a:ln>
-              <a:solidFill>
-                <a:schemeClr val="accent5">
-                  <a:lumMod val="60000"/>
-                  <a:lumOff val="40000"/>
-                </a:schemeClr>
-              </a:solidFill>
-            </a:ln>
-          </p:spPr>
-          <p:style>
-            <a:lnRef idx="0">
-              <a:schemeClr val="lt1">
-                <a:hueOff val="0"/>
-                <a:satOff val="0"/>
-                <a:lumOff val="0"/>
-                <a:alphaOff val="0"/>
-              </a:schemeClr>
-            </a:lnRef>
-            <a:fillRef idx="3">
-              <a:schemeClr val="accent1">
-                <a:hueOff val="0"/>
-                <a:satOff val="0"/>
-                <a:lumOff val="0"/>
-                <a:alphaOff val="0"/>
-              </a:schemeClr>
-            </a:fillRef>
-            <a:effectRef idx="2">
-              <a:schemeClr val="accent1">
-                <a:hueOff val="0"/>
-                <a:satOff val="0"/>
-                <a:lumOff val="0"/>
-                <a:alphaOff val="0"/>
-              </a:schemeClr>
-            </a:effectRef>
-            <a:fontRef idx="minor">
-              <a:schemeClr val="lt1"/>
-            </a:fontRef>
-          </p:style>
-        </p:sp>
-        <p:sp>
-          <p:nvSpPr>
-            <p:cNvPr id="144" name="Rectángulo: esquinas redondeadas 4">
-              <a:extLst>
-                <a:ext uri="{FF2B5EF4-FFF2-40B4-BE49-F238E27FC236}">
-                  <a16:creationId xmlns:a16="http://schemas.microsoft.com/office/drawing/2014/main" id="{7454E6CA-6948-4EA0-B674-9DC4CBFB65D5}"/>
-                </a:ext>
-              </a:extLst>
-            </p:cNvPr>
-            <p:cNvSpPr txBox="1"/>
-            <p:nvPr/>
-          </p:nvSpPr>
-          <p:spPr>
-            <a:xfrm>
-              <a:off x="7087441" y="483867"/>
-              <a:ext cx="2036655" cy="486461"/>
-            </a:xfrm>
-            <a:prstGeom prst="rect">
-              <a:avLst/>
-            </a:prstGeom>
-            <a:grpFill/>
-            <a:ln>
-              <a:solidFill>
-                <a:srgbClr val="FF0000"/>
-              </a:solidFill>
-            </a:ln>
-          </p:spPr>
-          <p:style>
-            <a:lnRef idx="0">
-              <a:scrgbClr r="0" g="0" b="0"/>
-            </a:lnRef>
-            <a:fillRef idx="0">
-              <a:scrgbClr r="0" g="0" b="0"/>
-            </a:fillRef>
-            <a:effectRef idx="0">
-              <a:scrgbClr r="0" g="0" b="0"/>
-            </a:effectRef>
-            <a:fontRef idx="minor">
-              <a:schemeClr val="lt1"/>
-            </a:fontRef>
-          </p:style>
-          <p:txBody>
-            <a:bodyPr spcFirstLastPara="0" vert="horz" wrap="square" lIns="27940" tIns="27940" rIns="27940" bIns="27940" numCol="1" spcCol="1270" rtlCol="0" anchor="ctr" anchorCtr="0">
-              <a:noAutofit/>
-            </a:bodyPr>
-            <a:lstStyle/>
-            <a:p>
-              <a:pPr marL="0" lvl="0" indent="0" algn="ctr" defTabSz="977900" rtl="0">
-                <a:lnSpc>
-                  <a:spcPct val="90000"/>
-                </a:lnSpc>
-                <a:spcBef>
-                  <a:spcPct val="0"/>
-                </a:spcBef>
-                <a:spcAft>
-                  <a:spcPct val="35000"/>
-                </a:spcAft>
-                <a:buNone/>
-              </a:pPr>
-              <a:endParaRPr lang="es-ES" sz="1600" b="1" kern="1200" noProof="0" dirty="0">
-                <a:solidFill>
-                  <a:schemeClr val="bg2"/>
-                </a:solidFill>
-              </a:endParaRPr>
-            </a:p>
-          </p:txBody>
-        </p:sp>
-      </p:grpSp>
-      <p:pic>
-        <p:nvPicPr>
-          <p:cNvPr id="145" name="Imagen 144">
-            <a:extLst>
-              <a:ext uri="{FF2B5EF4-FFF2-40B4-BE49-F238E27FC236}">
-                <a16:creationId xmlns:a16="http://schemas.microsoft.com/office/drawing/2014/main" id="{8F5965D4-EA48-416A-8266-5877CAED5DDD}"/>
-              </a:ext>
-            </a:extLst>
-          </p:cNvPr>
-          <p:cNvPicPr>
-            <a:picLocks noChangeAspect="1"/>
-          </p:cNvPicPr>
-          <p:nvPr/>
-        </p:nvPicPr>
-        <p:blipFill>
-          <a:blip r:embed="rId4"/>
-          <a:stretch>
-            <a:fillRect/>
-          </a:stretch>
-        </p:blipFill>
-        <p:spPr>
-          <a:xfrm>
-            <a:off x="5385490" y="5469208"/>
-            <a:ext cx="792088" cy="236916"/>
-          </a:xfrm>
-          <a:prstGeom prst="rect">
-            <a:avLst/>
-          </a:prstGeom>
-        </p:spPr>
-      </p:pic>
-      <p:grpSp>
-        <p:nvGrpSpPr>
           <p:cNvPr id="151" name="Grupo 150">
             <a:extLst>
               <a:ext uri="{FF2B5EF4-FFF2-40B4-BE49-F238E27FC236}">
@@ -9755,7 +9068,7 @@
         </p:nvGrpSpPr>
         <p:grpSpPr>
           <a:xfrm>
-            <a:off x="4759274" y="1887643"/>
+            <a:off x="4303100" y="2529208"/>
             <a:ext cx="2066925" cy="516731"/>
             <a:chOff x="7072979" y="480060"/>
             <a:chExt cx="2066925" cy="516731"/>
@@ -9931,7 +9244,7 @@
         </p:nvSpPr>
         <p:spPr>
           <a:xfrm rot="5400000">
-            <a:off x="5747522" y="2449588"/>
+            <a:off x="5291348" y="3091153"/>
             <a:ext cx="90427" cy="90427"/>
           </a:xfrm>
           <a:prstGeom prst="rightArrow">
@@ -9987,63 +9300,6 @@
       </p:sp>
       <p:sp>
         <p:nvSpPr>
-          <p:cNvPr id="193" name="Elipse 192">
-            <a:extLst>
-              <a:ext uri="{FF2B5EF4-FFF2-40B4-BE49-F238E27FC236}">
-                <a16:creationId xmlns:a16="http://schemas.microsoft.com/office/drawing/2014/main" id="{BC26BAED-25CC-4C99-86A0-99FD1DC09537}"/>
-              </a:ext>
-            </a:extLst>
-          </p:cNvPr>
-          <p:cNvSpPr/>
-          <p:nvPr/>
-        </p:nvSpPr>
-        <p:spPr>
-          <a:xfrm>
-            <a:off x="1055439" y="1052169"/>
-            <a:ext cx="158735" cy="162580"/>
-          </a:xfrm>
-          <a:prstGeom prst="ellipse">
-            <a:avLst/>
-          </a:prstGeom>
-          <a:solidFill>
-            <a:schemeClr val="accent5">
-              <a:lumMod val="60000"/>
-              <a:lumOff val="40000"/>
-            </a:schemeClr>
-          </a:solidFill>
-          <a:ln>
-            <a:solidFill>
-              <a:srgbClr val="FF0000"/>
-            </a:solidFill>
-          </a:ln>
-        </p:spPr>
-        <p:style>
-          <a:lnRef idx="2">
-            <a:schemeClr val="accent1">
-              <a:shade val="50000"/>
-            </a:schemeClr>
-          </a:lnRef>
-          <a:fillRef idx="1">
-            <a:schemeClr val="accent1"/>
-          </a:fillRef>
-          <a:effectRef idx="0">
-            <a:schemeClr val="accent1"/>
-          </a:effectRef>
-          <a:fontRef idx="minor">
-            <a:schemeClr val="lt1"/>
-          </a:fontRef>
-        </p:style>
-        <p:txBody>
-          <a:bodyPr rtlCol="0" anchor="ctr"/>
-          <a:lstStyle/>
-          <a:p>
-            <a:pPr algn="just"/>
-            <a:endParaRPr lang="es-CO"/>
-          </a:p>
-        </p:txBody>
-      </p:sp>
-      <p:sp>
-        <p:nvSpPr>
           <p:cNvPr id="194" name="Marcador de posición de contenido 13">
             <a:extLst>
               <a:ext uri="{FF2B5EF4-FFF2-40B4-BE49-F238E27FC236}">
@@ -10058,8 +9314,8 @@
         </p:nvSpPr>
         <p:spPr>
           <a:xfrm>
-            <a:off x="983432" y="980728"/>
-            <a:ext cx="3353825" cy="1818197"/>
+            <a:off x="9062760" y="1123319"/>
+            <a:ext cx="1577907" cy="361465"/>
           </a:xfrm>
           <a:prstGeom prst="rect">
             <a:avLst/>
@@ -10067,7 +9323,7 @@
         </p:spPr>
         <p:txBody>
           <a:bodyPr vert="horz" lIns="91440" tIns="45720" rIns="91440" bIns="45720" rtlCol="0">
-            <a:normAutofit fontScale="92500" lnSpcReduction="10000"/>
+            <a:normAutofit lnSpcReduction="10000"/>
           </a:bodyPr>
           <a:lstStyle>
             <a:lvl1pPr marL="228600" indent="-228600" algn="l" defTabSz="914400" rtl="0" eaLnBrk="1" latinLnBrk="0" hangingPunct="1">
@@ -10276,202 +9532,13 @@
               <a:buNone/>
             </a:pPr>
             <a:r>
-              <a:rPr lang="es-ES" b="1" i="1" dirty="0"/>
-              <a:t>    Estado actual.</a:t>
+              <a:rPr lang="es-ES" b="1" i="1" dirty="0">
+                <a:solidFill>
+                  <a:srgbClr val="00B050"/>
+                </a:solidFill>
+              </a:rPr>
+              <a:t>Estado Final.</a:t>
             </a:r>
-          </a:p>
-          <a:p>
-            <a:pPr marL="0" indent="0" algn="just">
-              <a:buFont typeface="Arial" pitchFamily="34" charset="0"/>
-              <a:buNone/>
-            </a:pPr>
-            <a:r>
-              <a:rPr lang="es-ES" b="1" i="1" dirty="0"/>
-              <a:t>    Preparación y configuración.</a:t>
-            </a:r>
-          </a:p>
-          <a:p>
-            <a:pPr marL="0" indent="0" algn="just">
-              <a:buFont typeface="Arial" pitchFamily="34" charset="0"/>
-              <a:buNone/>
-            </a:pPr>
-            <a:r>
-              <a:rPr lang="es-ES" b="1" i="1" dirty="0"/>
-              <a:t>     Migración de recursos.</a:t>
-            </a:r>
-          </a:p>
-          <a:p>
-            <a:pPr marL="0" indent="0" algn="just">
-              <a:buFont typeface="Arial" pitchFamily="34" charset="0"/>
-              <a:buNone/>
-            </a:pPr>
-            <a:r>
-              <a:rPr lang="es-ES" b="1" i="1" dirty="0"/>
-              <a:t>      Estado Final.</a:t>
-            </a:r>
-          </a:p>
-          <a:p>
-            <a:pPr marL="0" indent="0" algn="just">
-              <a:buFont typeface="Arial" pitchFamily="34" charset="0"/>
-              <a:buNone/>
-            </a:pPr>
-            <a:endParaRPr lang="es-ES" b="1" i="1" dirty="0"/>
-          </a:p>
-        </p:txBody>
-      </p:sp>
-      <p:sp>
-        <p:nvSpPr>
-          <p:cNvPr id="195" name="Elipse 194">
-            <a:extLst>
-              <a:ext uri="{FF2B5EF4-FFF2-40B4-BE49-F238E27FC236}">
-                <a16:creationId xmlns:a16="http://schemas.microsoft.com/office/drawing/2014/main" id="{7B563F26-A17B-47E2-9D99-2925B50E2E7F}"/>
-              </a:ext>
-            </a:extLst>
-          </p:cNvPr>
-          <p:cNvSpPr/>
-          <p:nvPr/>
-        </p:nvSpPr>
-        <p:spPr>
-          <a:xfrm>
-            <a:off x="1055440" y="1502781"/>
-            <a:ext cx="158735" cy="162580"/>
-          </a:xfrm>
-          <a:prstGeom prst="ellipse">
-            <a:avLst/>
-          </a:prstGeom>
-          <a:solidFill>
-            <a:srgbClr val="FFFF00"/>
-          </a:solidFill>
-          <a:ln>
-            <a:solidFill>
-              <a:srgbClr val="FFC000"/>
-            </a:solidFill>
-          </a:ln>
-        </p:spPr>
-        <p:style>
-          <a:lnRef idx="2">
-            <a:schemeClr val="accent1">
-              <a:shade val="50000"/>
-            </a:schemeClr>
-          </a:lnRef>
-          <a:fillRef idx="1">
-            <a:schemeClr val="accent1"/>
-          </a:fillRef>
-          <a:effectRef idx="0">
-            <a:schemeClr val="accent1"/>
-          </a:effectRef>
-          <a:fontRef idx="minor">
-            <a:schemeClr val="lt1"/>
-          </a:fontRef>
-        </p:style>
-        <p:txBody>
-          <a:bodyPr rtlCol="0" anchor="ctr"/>
-          <a:lstStyle/>
-          <a:p>
-            <a:pPr algn="just"/>
-            <a:endParaRPr lang="es-CO"/>
-          </a:p>
-        </p:txBody>
-      </p:sp>
-      <p:sp>
-        <p:nvSpPr>
-          <p:cNvPr id="196" name="Elipse 195">
-            <a:extLst>
-              <a:ext uri="{FF2B5EF4-FFF2-40B4-BE49-F238E27FC236}">
-                <a16:creationId xmlns:a16="http://schemas.microsoft.com/office/drawing/2014/main" id="{FA6EEE94-8AD0-4199-9061-AFE833817679}"/>
-              </a:ext>
-            </a:extLst>
-          </p:cNvPr>
-          <p:cNvSpPr/>
-          <p:nvPr/>
-        </p:nvSpPr>
-        <p:spPr>
-          <a:xfrm>
-            <a:off x="1055440" y="2006837"/>
-            <a:ext cx="158735" cy="162580"/>
-          </a:xfrm>
-          <a:prstGeom prst="ellipse">
-            <a:avLst/>
-          </a:prstGeom>
-          <a:solidFill>
-            <a:srgbClr val="FFC000"/>
-          </a:solidFill>
-          <a:ln>
-            <a:solidFill>
-              <a:schemeClr val="accent2">
-                <a:lumMod val="75000"/>
-              </a:schemeClr>
-            </a:solidFill>
-          </a:ln>
-        </p:spPr>
-        <p:style>
-          <a:lnRef idx="2">
-            <a:schemeClr val="accent1">
-              <a:shade val="50000"/>
-            </a:schemeClr>
-          </a:lnRef>
-          <a:fillRef idx="1">
-            <a:schemeClr val="accent1"/>
-          </a:fillRef>
-          <a:effectRef idx="0">
-            <a:schemeClr val="accent1"/>
-          </a:effectRef>
-          <a:fontRef idx="minor">
-            <a:schemeClr val="lt1"/>
-          </a:fontRef>
-        </p:style>
-        <p:txBody>
-          <a:bodyPr rtlCol="0" anchor="ctr"/>
-          <a:lstStyle/>
-          <a:p>
-            <a:pPr algn="just"/>
-            <a:endParaRPr lang="es-CO" dirty="0"/>
-          </a:p>
-        </p:txBody>
-      </p:sp>
-      <p:sp>
-        <p:nvSpPr>
-          <p:cNvPr id="197" name="Elipse 196">
-            <a:extLst>
-              <a:ext uri="{FF2B5EF4-FFF2-40B4-BE49-F238E27FC236}">
-                <a16:creationId xmlns:a16="http://schemas.microsoft.com/office/drawing/2014/main" id="{A1699F22-DA4F-455C-A19E-31B7976116EF}"/>
-              </a:ext>
-            </a:extLst>
-          </p:cNvPr>
-          <p:cNvSpPr/>
-          <p:nvPr/>
-        </p:nvSpPr>
-        <p:spPr>
-          <a:xfrm>
-            <a:off x="1055440" y="2420321"/>
-            <a:ext cx="158735" cy="162580"/>
-          </a:xfrm>
-          <a:prstGeom prst="ellipse">
-            <a:avLst/>
-          </a:prstGeom>
-        </p:spPr>
-        <p:style>
-          <a:lnRef idx="2">
-            <a:schemeClr val="accent1">
-              <a:shade val="50000"/>
-            </a:schemeClr>
-          </a:lnRef>
-          <a:fillRef idx="1">
-            <a:schemeClr val="accent1"/>
-          </a:fillRef>
-          <a:effectRef idx="0">
-            <a:schemeClr val="accent1"/>
-          </a:effectRef>
-          <a:fontRef idx="minor">
-            <a:schemeClr val="lt1"/>
-          </a:fontRef>
-        </p:style>
-        <p:txBody>
-          <a:bodyPr rtlCol="0" anchor="ctr"/>
-          <a:lstStyle/>
-          <a:p>
-            <a:pPr algn="just"/>
-            <a:endParaRPr lang="es-CO"/>
           </a:p>
         </p:txBody>
       </p:sp>
@@ -10489,7 +9556,7 @@
         </p:nvGrpSpPr>
         <p:grpSpPr>
           <a:xfrm>
-            <a:off x="9322774" y="1208374"/>
+            <a:off x="8866600" y="1849939"/>
             <a:ext cx="2066925" cy="516731"/>
             <a:chOff x="7072979" y="480060"/>
             <a:chExt cx="2066925" cy="516731"/>
@@ -10658,7 +9725,7 @@
         </p:nvSpPr>
         <p:spPr>
           <a:xfrm rot="5400000">
-            <a:off x="10311022" y="1770319"/>
+            <a:off x="9854848" y="2411884"/>
             <a:ext cx="90427" cy="90427"/>
           </a:xfrm>
           <a:prstGeom prst="rightArrow">
@@ -10726,7 +9793,7 @@
         </p:nvSpPr>
         <p:spPr>
           <a:xfrm rot="5400000">
-            <a:off x="10345034" y="3123292"/>
+            <a:off x="9888860" y="3764857"/>
             <a:ext cx="90427" cy="90427"/>
           </a:xfrm>
           <a:prstGeom prst="rightArrow">
@@ -10794,7 +9861,7 @@
         </p:nvSpPr>
         <p:spPr>
           <a:xfrm rot="5400000">
-            <a:off x="10345034" y="3830697"/>
+            <a:off x="9888860" y="4472262"/>
             <a:ext cx="90427" cy="90427"/>
           </a:xfrm>
           <a:prstGeom prst="rightArrow">
@@ -10862,7 +9929,7 @@
         </p:nvGrpSpPr>
         <p:grpSpPr>
           <a:xfrm>
-            <a:off x="9323086" y="2564904"/>
+            <a:off x="8866912" y="3206469"/>
             <a:ext cx="2066925" cy="516731"/>
             <a:chOff x="7072979" y="480060"/>
             <a:chExt cx="2066925" cy="516731"/>
@@ -10998,94 +10065,25 @@
                     <a:schemeClr val="bg2"/>
                   </a:solidFill>
                 </a:rPr>
-                <a:t>* 4.</a:t>
+                <a:t>          * 4.        </a:t>
               </a:r>
+              <a:r>
+                <a:rPr lang="es-CO" sz="1600" b="1" dirty="0">
+                  <a:solidFill>
+                    <a:srgbClr val="00B050"/>
+                  </a:solidFill>
+                </a:rPr>
+                <a:t>✅</a:t>
+              </a:r>
+              <a:endParaRPr lang="es-ES" sz="1600" b="1" kern="1200" noProof="0" dirty="0">
+                <a:solidFill>
+                  <a:schemeClr val="bg2"/>
+                </a:solidFill>
+              </a:endParaRPr>
             </a:p>
           </p:txBody>
         </p:sp>
       </p:grpSp>
-      <p:pic>
-        <p:nvPicPr>
-          <p:cNvPr id="207" name="Imagen 206">
-            <a:extLst>
-              <a:ext uri="{FF2B5EF4-FFF2-40B4-BE49-F238E27FC236}">
-                <a16:creationId xmlns:a16="http://schemas.microsoft.com/office/drawing/2014/main" id="{21788263-8472-47F2-9BA7-749514D0760D}"/>
-              </a:ext>
-            </a:extLst>
-          </p:cNvPr>
-          <p:cNvPicPr>
-            <a:picLocks noChangeAspect="1"/>
-          </p:cNvPicPr>
-          <p:nvPr/>
-        </p:nvPicPr>
-        <p:blipFill>
-          <a:blip r:embed="rId10"/>
-          <a:stretch>
-            <a:fillRect/>
-          </a:stretch>
-        </p:blipFill>
-        <p:spPr>
-          <a:xfrm>
-            <a:off x="9519590" y="1306983"/>
-            <a:ext cx="333422" cy="309606"/>
-          </a:xfrm>
-          <a:prstGeom prst="rect">
-            <a:avLst/>
-          </a:prstGeom>
-          <a:solidFill>
-            <a:schemeClr val="accent1">
-              <a:lumMod val="60000"/>
-              <a:lumOff val="40000"/>
-            </a:schemeClr>
-          </a:solidFill>
-          <a:ln>
-            <a:solidFill>
-              <a:srgbClr val="00B050"/>
-            </a:solidFill>
-          </a:ln>
-        </p:spPr>
-      </p:pic>
-      <p:pic>
-        <p:nvPicPr>
-          <p:cNvPr id="208" name="Imagen 207">
-            <a:extLst>
-              <a:ext uri="{FF2B5EF4-FFF2-40B4-BE49-F238E27FC236}">
-                <a16:creationId xmlns:a16="http://schemas.microsoft.com/office/drawing/2014/main" id="{E5512210-71E0-43CE-8C4D-55D93C460A2B}"/>
-              </a:ext>
-            </a:extLst>
-          </p:cNvPr>
-          <p:cNvPicPr>
-            <a:picLocks noChangeAspect="1"/>
-          </p:cNvPicPr>
-          <p:nvPr/>
-        </p:nvPicPr>
-        <p:blipFill>
-          <a:blip r:embed="rId3"/>
-          <a:stretch>
-            <a:fillRect/>
-          </a:stretch>
-        </p:blipFill>
-        <p:spPr>
-          <a:xfrm>
-            <a:off x="9555080" y="2670416"/>
-            <a:ext cx="297476" cy="288032"/>
-          </a:xfrm>
-          <a:prstGeom prst="rect">
-            <a:avLst/>
-          </a:prstGeom>
-          <a:solidFill>
-            <a:schemeClr val="accent1">
-              <a:lumMod val="60000"/>
-              <a:lumOff val="40000"/>
-            </a:schemeClr>
-          </a:solidFill>
-          <a:ln>
-            <a:solidFill>
-              <a:srgbClr val="00B050"/>
-            </a:solidFill>
-          </a:ln>
-        </p:spPr>
-      </p:pic>
       <p:grpSp>
         <p:nvGrpSpPr>
           <p:cNvPr id="209" name="Grupo 208">
@@ -11100,7 +10098,7 @@
         </p:nvGrpSpPr>
         <p:grpSpPr>
           <a:xfrm>
-            <a:off x="9315474" y="3237065"/>
+            <a:off x="8859300" y="3878630"/>
             <a:ext cx="2066925" cy="516731"/>
             <a:chOff x="7072979" y="480060"/>
             <a:chExt cx="2066925" cy="516731"/>
@@ -11239,321 +10237,6 @@
           </p:txBody>
         </p:sp>
       </p:grpSp>
-      <p:pic>
-        <p:nvPicPr>
-          <p:cNvPr id="212" name="Imagen 211">
-            <a:extLst>
-              <a:ext uri="{FF2B5EF4-FFF2-40B4-BE49-F238E27FC236}">
-                <a16:creationId xmlns:a16="http://schemas.microsoft.com/office/drawing/2014/main" id="{855F8427-057E-452B-9CDA-E4CEF950F01F}"/>
-              </a:ext>
-            </a:extLst>
-          </p:cNvPr>
-          <p:cNvPicPr>
-            <a:picLocks noChangeAspect="1"/>
-          </p:cNvPicPr>
-          <p:nvPr/>
-        </p:nvPicPr>
-        <p:blipFill rotWithShape="1">
-          <a:blip r:embed="rId9"/>
-          <a:srcRect t="9736"/>
-          <a:stretch/>
-        </p:blipFill>
-        <p:spPr>
-          <a:xfrm>
-            <a:off x="10214422" y="3396527"/>
-            <a:ext cx="297476" cy="219050"/>
-          </a:xfrm>
-          <a:prstGeom prst="rect">
-            <a:avLst/>
-          </a:prstGeom>
-          <a:solidFill>
-            <a:schemeClr val="accent1">
-              <a:lumMod val="60000"/>
-              <a:lumOff val="40000"/>
-            </a:schemeClr>
-          </a:solidFill>
-          <a:ln>
-            <a:solidFill>
-              <a:srgbClr val="00B050"/>
-            </a:solidFill>
-          </a:ln>
-        </p:spPr>
-      </p:pic>
-      <p:grpSp>
-        <p:nvGrpSpPr>
-          <p:cNvPr id="213" name="Grupo 212">
-            <a:extLst>
-              <a:ext uri="{FF2B5EF4-FFF2-40B4-BE49-F238E27FC236}">
-                <a16:creationId xmlns:a16="http://schemas.microsoft.com/office/drawing/2014/main" id="{D60A81A5-4B92-4E86-9DD2-8FC2D388CFC1}"/>
-              </a:ext>
-            </a:extLst>
-          </p:cNvPr>
-          <p:cNvGrpSpPr/>
-          <p:nvPr/>
-        </p:nvGrpSpPr>
-        <p:grpSpPr>
-          <a:xfrm>
-            <a:off x="9323097" y="3950416"/>
-            <a:ext cx="2066925" cy="516731"/>
-            <a:chOff x="7072979" y="480060"/>
-            <a:chExt cx="2066925" cy="516731"/>
-          </a:xfrm>
-          <a:solidFill>
-            <a:schemeClr val="accent1">
-              <a:lumMod val="60000"/>
-              <a:lumOff val="40000"/>
-            </a:schemeClr>
-          </a:solidFill>
-        </p:grpSpPr>
-        <p:sp>
-          <p:nvSpPr>
-            <p:cNvPr id="214" name="Rectángulo: esquinas redondeadas 213">
-              <a:extLst>
-                <a:ext uri="{FF2B5EF4-FFF2-40B4-BE49-F238E27FC236}">
-                  <a16:creationId xmlns:a16="http://schemas.microsoft.com/office/drawing/2014/main" id="{7AEF18D7-E370-4899-BCD8-A1E16C03241C}"/>
-                </a:ext>
-              </a:extLst>
-            </p:cNvPr>
-            <p:cNvSpPr/>
-            <p:nvPr/>
-          </p:nvSpPr>
-          <p:spPr>
-            <a:xfrm>
-              <a:off x="7072979" y="480060"/>
-              <a:ext cx="2066925" cy="516731"/>
-            </a:xfrm>
-            <a:prstGeom prst="roundRect">
-              <a:avLst>
-                <a:gd name="adj" fmla="val 10000"/>
-              </a:avLst>
-            </a:prstGeom>
-            <a:grpFill/>
-            <a:ln>
-              <a:solidFill>
-                <a:srgbClr val="00B050"/>
-              </a:solidFill>
-            </a:ln>
-          </p:spPr>
-          <p:style>
-            <a:lnRef idx="0">
-              <a:schemeClr val="lt1">
-                <a:hueOff val="0"/>
-                <a:satOff val="0"/>
-                <a:lumOff val="0"/>
-                <a:alphaOff val="0"/>
-              </a:schemeClr>
-            </a:lnRef>
-            <a:fillRef idx="3">
-              <a:schemeClr val="accent1">
-                <a:hueOff val="0"/>
-                <a:satOff val="0"/>
-                <a:lumOff val="0"/>
-                <a:alphaOff val="0"/>
-              </a:schemeClr>
-            </a:fillRef>
-            <a:effectRef idx="2">
-              <a:schemeClr val="accent1">
-                <a:hueOff val="0"/>
-                <a:satOff val="0"/>
-                <a:lumOff val="0"/>
-                <a:alphaOff val="0"/>
-              </a:schemeClr>
-            </a:effectRef>
-            <a:fontRef idx="minor">
-              <a:schemeClr val="lt1"/>
-            </a:fontRef>
-          </p:style>
-        </p:sp>
-        <p:sp>
-          <p:nvSpPr>
-            <p:cNvPr id="215" name="Rectángulo: esquinas redondeadas 4">
-              <a:extLst>
-                <a:ext uri="{FF2B5EF4-FFF2-40B4-BE49-F238E27FC236}">
-                  <a16:creationId xmlns:a16="http://schemas.microsoft.com/office/drawing/2014/main" id="{AF9B779A-F6C1-44FB-8A46-2199E9281944}"/>
-                </a:ext>
-              </a:extLst>
-            </p:cNvPr>
-            <p:cNvSpPr txBox="1"/>
-            <p:nvPr/>
-          </p:nvSpPr>
-          <p:spPr>
-            <a:xfrm>
-              <a:off x="7087441" y="483867"/>
-              <a:ext cx="2036655" cy="486461"/>
-            </a:xfrm>
-            <a:prstGeom prst="rect">
-              <a:avLst/>
-            </a:prstGeom>
-            <a:grpFill/>
-            <a:ln>
-              <a:solidFill>
-                <a:srgbClr val="00B050"/>
-              </a:solidFill>
-            </a:ln>
-          </p:spPr>
-          <p:style>
-            <a:lnRef idx="0">
-              <a:scrgbClr r="0" g="0" b="0"/>
-            </a:lnRef>
-            <a:fillRef idx="0">
-              <a:scrgbClr r="0" g="0" b="0"/>
-            </a:fillRef>
-            <a:effectRef idx="0">
-              <a:scrgbClr r="0" g="0" b="0"/>
-            </a:effectRef>
-            <a:fontRef idx="minor">
-              <a:schemeClr val="lt1"/>
-            </a:fontRef>
-          </p:style>
-          <p:txBody>
-            <a:bodyPr spcFirstLastPara="0" vert="horz" wrap="square" lIns="27940" tIns="27940" rIns="27940" bIns="27940" numCol="1" spcCol="1270" rtlCol="0" anchor="ctr" anchorCtr="0">
-              <a:noAutofit/>
-            </a:bodyPr>
-            <a:lstStyle/>
-            <a:p>
-              <a:pPr marL="0" lvl="0" indent="0" algn="ctr" defTabSz="977900" rtl="0">
-                <a:lnSpc>
-                  <a:spcPct val="90000"/>
-                </a:lnSpc>
-                <a:spcBef>
-                  <a:spcPct val="0"/>
-                </a:spcBef>
-                <a:spcAft>
-                  <a:spcPct val="35000"/>
-                </a:spcAft>
-                <a:buNone/>
-              </a:pPr>
-              <a:endParaRPr lang="es-ES" sz="1600" b="1" kern="1200" noProof="0" dirty="0">
-                <a:solidFill>
-                  <a:schemeClr val="bg2"/>
-                </a:solidFill>
-              </a:endParaRPr>
-            </a:p>
-          </p:txBody>
-        </p:sp>
-      </p:grpSp>
-      <p:pic>
-        <p:nvPicPr>
-          <p:cNvPr id="216" name="Imagen 215">
-            <a:extLst>
-              <a:ext uri="{FF2B5EF4-FFF2-40B4-BE49-F238E27FC236}">
-                <a16:creationId xmlns:a16="http://schemas.microsoft.com/office/drawing/2014/main" id="{7C6D4960-167F-497D-8A19-9D489202B6D1}"/>
-              </a:ext>
-            </a:extLst>
-          </p:cNvPr>
-          <p:cNvPicPr>
-            <a:picLocks noChangeAspect="1"/>
-          </p:cNvPicPr>
-          <p:nvPr/>
-        </p:nvPicPr>
-        <p:blipFill rotWithShape="1">
-          <a:blip r:embed="rId5"/>
-          <a:srcRect l="16155" t="9141" r="27436" b="9143"/>
-          <a:stretch/>
-        </p:blipFill>
-        <p:spPr>
-          <a:xfrm>
-            <a:off x="9645699" y="3988304"/>
-            <a:ext cx="254155" cy="406648"/>
-          </a:xfrm>
-          <a:prstGeom prst="rect">
-            <a:avLst/>
-          </a:prstGeom>
-          <a:solidFill>
-            <a:schemeClr val="accent1">
-              <a:lumMod val="60000"/>
-              <a:lumOff val="40000"/>
-            </a:schemeClr>
-          </a:solidFill>
-          <a:ln>
-            <a:solidFill>
-              <a:srgbClr val="00B050"/>
-            </a:solidFill>
-          </a:ln>
-        </p:spPr>
-      </p:pic>
-      <p:pic>
-        <p:nvPicPr>
-          <p:cNvPr id="217" name="Imagen 216">
-            <a:extLst>
-              <a:ext uri="{FF2B5EF4-FFF2-40B4-BE49-F238E27FC236}">
-                <a16:creationId xmlns:a16="http://schemas.microsoft.com/office/drawing/2014/main" id="{4A3B37B2-A556-486A-B3A7-E5E590E560E7}"/>
-              </a:ext>
-            </a:extLst>
-          </p:cNvPr>
-          <p:cNvPicPr>
-            <a:picLocks noChangeAspect="1"/>
-          </p:cNvPicPr>
-          <p:nvPr/>
-        </p:nvPicPr>
-        <p:blipFill>
-          <a:blip r:embed="rId6"/>
-          <a:stretch>
-            <a:fillRect/>
-          </a:stretch>
-        </p:blipFill>
-        <p:spPr>
-          <a:xfrm>
-            <a:off x="10204796" y="4000835"/>
-            <a:ext cx="376669" cy="372575"/>
-          </a:xfrm>
-          <a:prstGeom prst="rect">
-            <a:avLst/>
-          </a:prstGeom>
-          <a:solidFill>
-            <a:schemeClr val="accent1">
-              <a:lumMod val="60000"/>
-              <a:lumOff val="40000"/>
-            </a:schemeClr>
-          </a:solidFill>
-          <a:ln>
-            <a:solidFill>
-              <a:srgbClr val="00B050"/>
-            </a:solidFill>
-          </a:ln>
-        </p:spPr>
-      </p:pic>
-      <p:pic>
-        <p:nvPicPr>
-          <p:cNvPr id="218" name="Imagen 217">
-            <a:extLst>
-              <a:ext uri="{FF2B5EF4-FFF2-40B4-BE49-F238E27FC236}">
-                <a16:creationId xmlns:a16="http://schemas.microsoft.com/office/drawing/2014/main" id="{CA3B5126-99D8-42C7-AB7D-36FA98A320FF}"/>
-              </a:ext>
-            </a:extLst>
-          </p:cNvPr>
-          <p:cNvPicPr>
-            <a:picLocks noChangeAspect="1"/>
-          </p:cNvPicPr>
-          <p:nvPr/>
-        </p:nvPicPr>
-        <p:blipFill>
-          <a:blip r:embed="rId8"/>
-          <a:stretch>
-            <a:fillRect/>
-          </a:stretch>
-        </p:blipFill>
-        <p:spPr>
-          <a:xfrm>
-            <a:off x="10813854" y="4001192"/>
-            <a:ext cx="377896" cy="406649"/>
-          </a:xfrm>
-          <a:prstGeom prst="rect">
-            <a:avLst/>
-          </a:prstGeom>
-          <a:solidFill>
-            <a:schemeClr val="accent1">
-              <a:lumMod val="60000"/>
-              <a:lumOff val="40000"/>
-            </a:schemeClr>
-          </a:solidFill>
-          <a:ln>
-            <a:solidFill>
-              <a:srgbClr val="00B050"/>
-            </a:solidFill>
-          </a:ln>
-        </p:spPr>
-      </p:pic>
       <p:sp>
         <p:nvSpPr>
           <p:cNvPr id="219" name="Flecha: a la derecha 218">
@@ -11568,7 +10251,75 @@
         </p:nvSpPr>
         <p:spPr>
           <a:xfrm rot="5400000">
-            <a:off x="10367569" y="4511274"/>
+            <a:off x="9894005" y="5152839"/>
+            <a:ext cx="90427" cy="90427"/>
+          </a:xfrm>
+          <a:prstGeom prst="rightArrow">
+            <a:avLst>
+              <a:gd name="adj1" fmla="val 66700"/>
+              <a:gd name="adj2" fmla="val 50000"/>
+            </a:avLst>
+          </a:prstGeom>
+          <a:solidFill>
+            <a:schemeClr val="accent1">
+              <a:lumMod val="60000"/>
+              <a:lumOff val="40000"/>
+            </a:schemeClr>
+          </a:solidFill>
+          <a:ln>
+            <a:solidFill>
+              <a:srgbClr val="00B050"/>
+            </a:solidFill>
+          </a:ln>
+        </p:spPr>
+        <p:style>
+          <a:lnRef idx="0">
+            <a:schemeClr val="accent1">
+              <a:tint val="60000"/>
+              <a:hueOff val="0"/>
+              <a:satOff val="0"/>
+              <a:lumOff val="0"/>
+              <a:alphaOff val="0"/>
+            </a:schemeClr>
+          </a:lnRef>
+          <a:fillRef idx="3">
+            <a:schemeClr val="accent1">
+              <a:tint val="60000"/>
+              <a:hueOff val="0"/>
+              <a:satOff val="0"/>
+              <a:lumOff val="0"/>
+              <a:alphaOff val="0"/>
+            </a:schemeClr>
+          </a:fillRef>
+          <a:effectRef idx="2">
+            <a:schemeClr val="accent1">
+              <a:tint val="60000"/>
+              <a:hueOff val="0"/>
+              <a:satOff val="0"/>
+              <a:lumOff val="0"/>
+              <a:alphaOff val="0"/>
+            </a:schemeClr>
+          </a:effectRef>
+          <a:fontRef idx="minor">
+            <a:schemeClr val="lt1"/>
+          </a:fontRef>
+        </p:style>
+      </p:sp>
+      <p:sp>
+        <p:nvSpPr>
+          <p:cNvPr id="226" name="Flecha: a la derecha 225">
+            <a:extLst>
+              <a:ext uri="{FF2B5EF4-FFF2-40B4-BE49-F238E27FC236}">
+                <a16:creationId xmlns:a16="http://schemas.microsoft.com/office/drawing/2014/main" id="{08EE9206-3B7B-478D-8DAA-9960A5F08ADA}"/>
+              </a:ext>
+            </a:extLst>
+          </p:cNvPr>
+          <p:cNvSpPr/>
+          <p:nvPr/>
+        </p:nvSpPr>
+        <p:spPr>
+          <a:xfrm rot="5400000">
+            <a:off x="9923430" y="5855255"/>
             <a:ext cx="90427" cy="90427"/>
           </a:xfrm>
           <a:prstGeom prst="rightArrow">
@@ -11624,543 +10375,6 @@
       </p:sp>
       <p:grpSp>
         <p:nvGrpSpPr>
-          <p:cNvPr id="220" name="Grupo 219">
-            <a:extLst>
-              <a:ext uri="{FF2B5EF4-FFF2-40B4-BE49-F238E27FC236}">
-                <a16:creationId xmlns:a16="http://schemas.microsoft.com/office/drawing/2014/main" id="{C0647D6E-E7DD-4D2C-980F-194CEFE9F994}"/>
-              </a:ext>
-            </a:extLst>
-          </p:cNvPr>
-          <p:cNvGrpSpPr/>
-          <p:nvPr/>
-        </p:nvGrpSpPr>
-        <p:grpSpPr>
-          <a:xfrm>
-            <a:off x="9345632" y="4630993"/>
-            <a:ext cx="2066925" cy="516731"/>
-            <a:chOff x="7072979" y="480060"/>
-            <a:chExt cx="2066925" cy="516731"/>
-          </a:xfrm>
-          <a:solidFill>
-            <a:schemeClr val="accent1">
-              <a:lumMod val="60000"/>
-              <a:lumOff val="40000"/>
-            </a:schemeClr>
-          </a:solidFill>
-        </p:grpSpPr>
-        <p:sp>
-          <p:nvSpPr>
-            <p:cNvPr id="221" name="Rectángulo: esquinas redondeadas 220">
-              <a:extLst>
-                <a:ext uri="{FF2B5EF4-FFF2-40B4-BE49-F238E27FC236}">
-                  <a16:creationId xmlns:a16="http://schemas.microsoft.com/office/drawing/2014/main" id="{EDDE61DE-FE51-4133-BC2D-34EFF3AE0313}"/>
-                </a:ext>
-              </a:extLst>
-            </p:cNvPr>
-            <p:cNvSpPr/>
-            <p:nvPr/>
-          </p:nvSpPr>
-          <p:spPr>
-            <a:xfrm>
-              <a:off x="7072979" y="480060"/>
-              <a:ext cx="2066925" cy="516731"/>
-            </a:xfrm>
-            <a:prstGeom prst="roundRect">
-              <a:avLst>
-                <a:gd name="adj" fmla="val 10000"/>
-              </a:avLst>
-            </a:prstGeom>
-            <a:grpFill/>
-            <a:ln>
-              <a:solidFill>
-                <a:srgbClr val="00B050"/>
-              </a:solidFill>
-            </a:ln>
-          </p:spPr>
-          <p:style>
-            <a:lnRef idx="0">
-              <a:schemeClr val="lt1">
-                <a:hueOff val="0"/>
-                <a:satOff val="0"/>
-                <a:lumOff val="0"/>
-                <a:alphaOff val="0"/>
-              </a:schemeClr>
-            </a:lnRef>
-            <a:fillRef idx="3">
-              <a:schemeClr val="accent1">
-                <a:hueOff val="0"/>
-                <a:satOff val="0"/>
-                <a:lumOff val="0"/>
-                <a:alphaOff val="0"/>
-              </a:schemeClr>
-            </a:fillRef>
-            <a:effectRef idx="2">
-              <a:schemeClr val="accent1">
-                <a:hueOff val="0"/>
-                <a:satOff val="0"/>
-                <a:lumOff val="0"/>
-                <a:alphaOff val="0"/>
-              </a:schemeClr>
-            </a:effectRef>
-            <a:fontRef idx="minor">
-              <a:schemeClr val="lt1"/>
-            </a:fontRef>
-          </p:style>
-        </p:sp>
-        <p:sp>
-          <p:nvSpPr>
-            <p:cNvPr id="222" name="Rectángulo: esquinas redondeadas 4">
-              <a:extLst>
-                <a:ext uri="{FF2B5EF4-FFF2-40B4-BE49-F238E27FC236}">
-                  <a16:creationId xmlns:a16="http://schemas.microsoft.com/office/drawing/2014/main" id="{62AA6BA3-0F3D-45CF-8B74-6CB9EF76D621}"/>
-                </a:ext>
-              </a:extLst>
-            </p:cNvPr>
-            <p:cNvSpPr txBox="1"/>
-            <p:nvPr/>
-          </p:nvSpPr>
-          <p:spPr>
-            <a:xfrm>
-              <a:off x="7087441" y="483867"/>
-              <a:ext cx="2036655" cy="486461"/>
-            </a:xfrm>
-            <a:prstGeom prst="rect">
-              <a:avLst/>
-            </a:prstGeom>
-            <a:grpFill/>
-            <a:ln>
-              <a:solidFill>
-                <a:srgbClr val="00B050"/>
-              </a:solidFill>
-            </a:ln>
-          </p:spPr>
-          <p:style>
-            <a:lnRef idx="0">
-              <a:scrgbClr r="0" g="0" b="0"/>
-            </a:lnRef>
-            <a:fillRef idx="0">
-              <a:scrgbClr r="0" g="0" b="0"/>
-            </a:fillRef>
-            <a:effectRef idx="0">
-              <a:scrgbClr r="0" g="0" b="0"/>
-            </a:effectRef>
-            <a:fontRef idx="minor">
-              <a:schemeClr val="lt1"/>
-            </a:fontRef>
-          </p:style>
-          <p:txBody>
-            <a:bodyPr spcFirstLastPara="0" vert="horz" wrap="square" lIns="27940" tIns="27940" rIns="27940" bIns="27940" numCol="1" spcCol="1270" rtlCol="0" anchor="ctr" anchorCtr="0">
-              <a:noAutofit/>
-            </a:bodyPr>
-            <a:lstStyle/>
-            <a:p>
-              <a:pPr marL="0" lvl="0" indent="0" algn="ctr" defTabSz="977900" rtl="0">
-                <a:lnSpc>
-                  <a:spcPct val="90000"/>
-                </a:lnSpc>
-                <a:spcBef>
-                  <a:spcPct val="0"/>
-                </a:spcBef>
-                <a:spcAft>
-                  <a:spcPct val="35000"/>
-                </a:spcAft>
-                <a:buNone/>
-              </a:pPr>
-              <a:endParaRPr lang="es-ES" sz="1600" b="1" kern="1200" noProof="0" dirty="0">
-                <a:solidFill>
-                  <a:schemeClr val="bg2"/>
-                </a:solidFill>
-              </a:endParaRPr>
-            </a:p>
-          </p:txBody>
-        </p:sp>
-      </p:grpSp>
-      <p:pic>
-        <p:nvPicPr>
-          <p:cNvPr id="223" name="Imagen 222">
-            <a:extLst>
-              <a:ext uri="{FF2B5EF4-FFF2-40B4-BE49-F238E27FC236}">
-                <a16:creationId xmlns:a16="http://schemas.microsoft.com/office/drawing/2014/main" id="{E2D417B4-A79D-4085-A9F6-05DA993F17B5}"/>
-              </a:ext>
-            </a:extLst>
-          </p:cNvPr>
-          <p:cNvPicPr>
-            <a:picLocks noChangeAspect="1"/>
-          </p:cNvPicPr>
-          <p:nvPr/>
-        </p:nvPicPr>
-        <p:blipFill rotWithShape="1">
-          <a:blip r:embed="rId7"/>
-          <a:srcRect l="6391" r="6391" b="8007"/>
-          <a:stretch/>
-        </p:blipFill>
-        <p:spPr>
-          <a:xfrm>
-            <a:off x="9684867" y="4725611"/>
-            <a:ext cx="248864" cy="272588"/>
-          </a:xfrm>
-          <a:prstGeom prst="rect">
-            <a:avLst/>
-          </a:prstGeom>
-          <a:solidFill>
-            <a:schemeClr val="accent1">
-              <a:lumMod val="60000"/>
-              <a:lumOff val="40000"/>
-            </a:schemeClr>
-          </a:solidFill>
-          <a:ln>
-            <a:solidFill>
-              <a:srgbClr val="00B050"/>
-            </a:solidFill>
-          </a:ln>
-        </p:spPr>
-      </p:pic>
-      <p:pic>
-        <p:nvPicPr>
-          <p:cNvPr id="224" name="Imagen 223">
-            <a:extLst>
-              <a:ext uri="{FF2B5EF4-FFF2-40B4-BE49-F238E27FC236}">
-                <a16:creationId xmlns:a16="http://schemas.microsoft.com/office/drawing/2014/main" id="{50EC41E9-1267-4B36-AA4C-F2D6AE29743E}"/>
-              </a:ext>
-            </a:extLst>
-          </p:cNvPr>
-          <p:cNvPicPr>
-            <a:picLocks noChangeAspect="1"/>
-          </p:cNvPicPr>
-          <p:nvPr/>
-        </p:nvPicPr>
-        <p:blipFill>
-          <a:blip r:embed="rId6"/>
-          <a:stretch>
-            <a:fillRect/>
-          </a:stretch>
-        </p:blipFill>
-        <p:spPr>
-          <a:xfrm>
-            <a:off x="10170913" y="4689032"/>
-            <a:ext cx="376669" cy="372575"/>
-          </a:xfrm>
-          <a:prstGeom prst="rect">
-            <a:avLst/>
-          </a:prstGeom>
-          <a:solidFill>
-            <a:schemeClr val="accent1">
-              <a:lumMod val="60000"/>
-              <a:lumOff val="40000"/>
-            </a:schemeClr>
-          </a:solidFill>
-          <a:ln>
-            <a:solidFill>
-              <a:srgbClr val="00B050"/>
-            </a:solidFill>
-          </a:ln>
-        </p:spPr>
-      </p:pic>
-      <p:pic>
-        <p:nvPicPr>
-          <p:cNvPr id="225" name="Imagen 224">
-            <a:extLst>
-              <a:ext uri="{FF2B5EF4-FFF2-40B4-BE49-F238E27FC236}">
-                <a16:creationId xmlns:a16="http://schemas.microsoft.com/office/drawing/2014/main" id="{F3BA1A38-D42E-45C1-9F99-975BBA17BA85}"/>
-              </a:ext>
-            </a:extLst>
-          </p:cNvPr>
-          <p:cNvPicPr>
-            <a:picLocks noChangeAspect="1"/>
-          </p:cNvPicPr>
-          <p:nvPr/>
-        </p:nvPicPr>
-        <p:blipFill>
-          <a:blip r:embed="rId8"/>
-          <a:stretch>
-            <a:fillRect/>
-          </a:stretch>
-        </p:blipFill>
-        <p:spPr>
-          <a:xfrm>
-            <a:off x="10779971" y="4689389"/>
-            <a:ext cx="377896" cy="406649"/>
-          </a:xfrm>
-          <a:prstGeom prst="rect">
-            <a:avLst/>
-          </a:prstGeom>
-          <a:solidFill>
-            <a:schemeClr val="accent1">
-              <a:lumMod val="60000"/>
-              <a:lumOff val="40000"/>
-            </a:schemeClr>
-          </a:solidFill>
-          <a:ln>
-            <a:solidFill>
-              <a:srgbClr val="00B050"/>
-            </a:solidFill>
-          </a:ln>
-        </p:spPr>
-      </p:pic>
-      <p:sp>
-        <p:nvSpPr>
-          <p:cNvPr id="226" name="Flecha: a la derecha 225">
-            <a:extLst>
-              <a:ext uri="{FF2B5EF4-FFF2-40B4-BE49-F238E27FC236}">
-                <a16:creationId xmlns:a16="http://schemas.microsoft.com/office/drawing/2014/main" id="{08EE9206-3B7B-478D-8DAA-9960A5F08ADA}"/>
-              </a:ext>
-            </a:extLst>
-          </p:cNvPr>
-          <p:cNvSpPr/>
-          <p:nvPr/>
-        </p:nvSpPr>
-        <p:spPr>
-          <a:xfrm rot="5400000">
-            <a:off x="10379604" y="5213690"/>
-            <a:ext cx="90427" cy="90427"/>
-          </a:xfrm>
-          <a:prstGeom prst="rightArrow">
-            <a:avLst>
-              <a:gd name="adj1" fmla="val 66700"/>
-              <a:gd name="adj2" fmla="val 50000"/>
-            </a:avLst>
-          </a:prstGeom>
-          <a:solidFill>
-            <a:schemeClr val="accent1">
-              <a:lumMod val="60000"/>
-              <a:lumOff val="40000"/>
-            </a:schemeClr>
-          </a:solidFill>
-          <a:ln>
-            <a:solidFill>
-              <a:srgbClr val="00B050"/>
-            </a:solidFill>
-          </a:ln>
-        </p:spPr>
-        <p:style>
-          <a:lnRef idx="0">
-            <a:schemeClr val="accent1">
-              <a:tint val="60000"/>
-              <a:hueOff val="0"/>
-              <a:satOff val="0"/>
-              <a:lumOff val="0"/>
-              <a:alphaOff val="0"/>
-            </a:schemeClr>
-          </a:lnRef>
-          <a:fillRef idx="3">
-            <a:schemeClr val="accent1">
-              <a:tint val="60000"/>
-              <a:hueOff val="0"/>
-              <a:satOff val="0"/>
-              <a:lumOff val="0"/>
-              <a:alphaOff val="0"/>
-            </a:schemeClr>
-          </a:fillRef>
-          <a:effectRef idx="2">
-            <a:schemeClr val="accent1">
-              <a:tint val="60000"/>
-              <a:hueOff val="0"/>
-              <a:satOff val="0"/>
-              <a:lumOff val="0"/>
-              <a:alphaOff val="0"/>
-            </a:schemeClr>
-          </a:effectRef>
-          <a:fontRef idx="minor">
-            <a:schemeClr val="lt1"/>
-          </a:fontRef>
-        </p:style>
-      </p:sp>
-      <p:grpSp>
-        <p:nvGrpSpPr>
-          <p:cNvPr id="227" name="Grupo 226">
-            <a:extLst>
-              <a:ext uri="{FF2B5EF4-FFF2-40B4-BE49-F238E27FC236}">
-                <a16:creationId xmlns:a16="http://schemas.microsoft.com/office/drawing/2014/main" id="{1185D2B5-1D94-4D1E-BCF4-661B8602BE7D}"/>
-              </a:ext>
-            </a:extLst>
-          </p:cNvPr>
-          <p:cNvGrpSpPr/>
-          <p:nvPr/>
-        </p:nvGrpSpPr>
-        <p:grpSpPr>
-          <a:xfrm>
-            <a:off x="9357667" y="5333409"/>
-            <a:ext cx="2066925" cy="516731"/>
-            <a:chOff x="7072979" y="480060"/>
-            <a:chExt cx="2066925" cy="516731"/>
-          </a:xfrm>
-          <a:solidFill>
-            <a:schemeClr val="accent1">
-              <a:lumMod val="60000"/>
-              <a:lumOff val="40000"/>
-            </a:schemeClr>
-          </a:solidFill>
-        </p:grpSpPr>
-        <p:sp>
-          <p:nvSpPr>
-            <p:cNvPr id="228" name="Rectángulo: esquinas redondeadas 227">
-              <a:extLst>
-                <a:ext uri="{FF2B5EF4-FFF2-40B4-BE49-F238E27FC236}">
-                  <a16:creationId xmlns:a16="http://schemas.microsoft.com/office/drawing/2014/main" id="{F6D74428-9DBB-4FA5-B438-42E084509E61}"/>
-                </a:ext>
-              </a:extLst>
-            </p:cNvPr>
-            <p:cNvSpPr/>
-            <p:nvPr/>
-          </p:nvSpPr>
-          <p:spPr>
-            <a:xfrm>
-              <a:off x="7072979" y="480060"/>
-              <a:ext cx="2066925" cy="516731"/>
-            </a:xfrm>
-            <a:prstGeom prst="roundRect">
-              <a:avLst>
-                <a:gd name="adj" fmla="val 10000"/>
-              </a:avLst>
-            </a:prstGeom>
-            <a:grpFill/>
-            <a:ln>
-              <a:solidFill>
-                <a:srgbClr val="00B050"/>
-              </a:solidFill>
-            </a:ln>
-          </p:spPr>
-          <p:style>
-            <a:lnRef idx="0">
-              <a:schemeClr val="lt1">
-                <a:hueOff val="0"/>
-                <a:satOff val="0"/>
-                <a:lumOff val="0"/>
-                <a:alphaOff val="0"/>
-              </a:schemeClr>
-            </a:lnRef>
-            <a:fillRef idx="3">
-              <a:schemeClr val="accent1">
-                <a:hueOff val="0"/>
-                <a:satOff val="0"/>
-                <a:lumOff val="0"/>
-                <a:alphaOff val="0"/>
-              </a:schemeClr>
-            </a:fillRef>
-            <a:effectRef idx="2">
-              <a:schemeClr val="accent1">
-                <a:hueOff val="0"/>
-                <a:satOff val="0"/>
-                <a:lumOff val="0"/>
-                <a:alphaOff val="0"/>
-              </a:schemeClr>
-            </a:effectRef>
-            <a:fontRef idx="minor">
-              <a:schemeClr val="lt1"/>
-            </a:fontRef>
-          </p:style>
-        </p:sp>
-        <p:sp>
-          <p:nvSpPr>
-            <p:cNvPr id="229" name="Rectángulo: esquinas redondeadas 4">
-              <a:extLst>
-                <a:ext uri="{FF2B5EF4-FFF2-40B4-BE49-F238E27FC236}">
-                  <a16:creationId xmlns:a16="http://schemas.microsoft.com/office/drawing/2014/main" id="{DD43148F-9B9F-43F8-894E-1AD231EF2DCF}"/>
-                </a:ext>
-              </a:extLst>
-            </p:cNvPr>
-            <p:cNvSpPr txBox="1"/>
-            <p:nvPr/>
-          </p:nvSpPr>
-          <p:spPr>
-            <a:xfrm>
-              <a:off x="7087441" y="483867"/>
-              <a:ext cx="2036655" cy="486461"/>
-            </a:xfrm>
-            <a:prstGeom prst="rect">
-              <a:avLst/>
-            </a:prstGeom>
-            <a:grpFill/>
-            <a:ln>
-              <a:solidFill>
-                <a:srgbClr val="00B050"/>
-              </a:solidFill>
-            </a:ln>
-          </p:spPr>
-          <p:style>
-            <a:lnRef idx="0">
-              <a:scrgbClr r="0" g="0" b="0"/>
-            </a:lnRef>
-            <a:fillRef idx="0">
-              <a:scrgbClr r="0" g="0" b="0"/>
-            </a:fillRef>
-            <a:effectRef idx="0">
-              <a:scrgbClr r="0" g="0" b="0"/>
-            </a:effectRef>
-            <a:fontRef idx="minor">
-              <a:schemeClr val="lt1"/>
-            </a:fontRef>
-          </p:style>
-          <p:txBody>
-            <a:bodyPr spcFirstLastPara="0" vert="horz" wrap="square" lIns="27940" tIns="27940" rIns="27940" bIns="27940" numCol="1" spcCol="1270" rtlCol="0" anchor="ctr" anchorCtr="0">
-              <a:noAutofit/>
-            </a:bodyPr>
-            <a:lstStyle/>
-            <a:p>
-              <a:pPr marL="0" lvl="0" indent="0" algn="ctr" defTabSz="977900" rtl="0">
-                <a:lnSpc>
-                  <a:spcPct val="90000"/>
-                </a:lnSpc>
-                <a:spcBef>
-                  <a:spcPct val="0"/>
-                </a:spcBef>
-                <a:spcAft>
-                  <a:spcPct val="35000"/>
-                </a:spcAft>
-                <a:buNone/>
-              </a:pPr>
-              <a:endParaRPr lang="es-ES" sz="1600" b="1" kern="1200" noProof="0" dirty="0">
-                <a:solidFill>
-                  <a:schemeClr val="bg2"/>
-                </a:solidFill>
-              </a:endParaRPr>
-            </a:p>
-          </p:txBody>
-        </p:sp>
-      </p:grpSp>
-      <p:pic>
-        <p:nvPicPr>
-          <p:cNvPr id="230" name="Imagen 229">
-            <a:extLst>
-              <a:ext uri="{FF2B5EF4-FFF2-40B4-BE49-F238E27FC236}">
-                <a16:creationId xmlns:a16="http://schemas.microsoft.com/office/drawing/2014/main" id="{F42C2F7A-5C50-4ABD-A4CD-96752734BDD3}"/>
-              </a:ext>
-            </a:extLst>
-          </p:cNvPr>
-          <p:cNvPicPr>
-            <a:picLocks noChangeAspect="1"/>
-          </p:cNvPicPr>
-          <p:nvPr/>
-        </p:nvPicPr>
-        <p:blipFill>
-          <a:blip r:embed="rId4"/>
-          <a:stretch>
-            <a:fillRect/>
-          </a:stretch>
-        </p:blipFill>
-        <p:spPr>
-          <a:xfrm>
-            <a:off x="9948990" y="5469208"/>
-            <a:ext cx="792088" cy="236916"/>
-          </a:xfrm>
-          <a:prstGeom prst="rect">
-            <a:avLst/>
-          </a:prstGeom>
-          <a:solidFill>
-            <a:schemeClr val="accent1">
-              <a:lumMod val="60000"/>
-              <a:lumOff val="40000"/>
-            </a:schemeClr>
-          </a:solidFill>
-          <a:ln>
-            <a:solidFill>
-              <a:srgbClr val="00B050"/>
-            </a:solidFill>
-          </a:ln>
-        </p:spPr>
-      </p:pic>
-      <p:grpSp>
-        <p:nvGrpSpPr>
           <p:cNvPr id="231" name="Grupo 230">
             <a:extLst>
               <a:ext uri="{FF2B5EF4-FFF2-40B4-BE49-F238E27FC236}">
@@ -12173,7 +10387,7 @@
         </p:nvGrpSpPr>
         <p:grpSpPr>
           <a:xfrm>
-            <a:off x="9322774" y="1887643"/>
+            <a:off x="8866600" y="2529208"/>
             <a:ext cx="2066925" cy="516731"/>
             <a:chOff x="7072979" y="480060"/>
             <a:chExt cx="2066925" cy="516731"/>
@@ -12344,7 +10558,7 @@
         </p:nvSpPr>
         <p:spPr>
           <a:xfrm rot="5400000">
-            <a:off x="10311022" y="2449588"/>
+            <a:off x="9854848" y="3091153"/>
             <a:ext cx="90427" cy="90427"/>
           </a:xfrm>
           <a:prstGeom prst="rightArrow">
@@ -12398,224 +10612,12 @@
           </a:fontRef>
         </p:style>
       </p:sp>
-    </p:spTree>
-    <p:extLst>
-      <p:ext uri="{BB962C8B-B14F-4D97-AF65-F5344CB8AC3E}">
-        <p14:creationId xmlns:p14="http://schemas.microsoft.com/office/powerpoint/2010/main" val="4145261392"/>
-      </p:ext>
-    </p:extLst>
-  </p:cSld>
-  <p:clrMapOvr>
-    <a:masterClrMapping/>
-  </p:clrMapOvr>
-</p:sld>
-</file>
-
-<file path=ppt/slides/slide5.xml><?xml version="1.0" encoding="utf-8"?>
-<p:sld xmlns:a="http://schemas.openxmlformats.org/drawingml/2006/main" xmlns:r="http://schemas.openxmlformats.org/officeDocument/2006/relationships" xmlns:p="http://schemas.openxmlformats.org/presentationml/2006/main">
-  <p:cSld>
-    <p:spTree>
-      <p:nvGrpSpPr>
-        <p:cNvPr id="1" name=""/>
-        <p:cNvGrpSpPr/>
-        <p:nvPr/>
-      </p:nvGrpSpPr>
-      <p:grpSpPr>
-        <a:xfrm>
-          <a:off x="0" y="0"/>
-          <a:ext cx="0" cy="0"/>
-          <a:chOff x="0" y="0"/>
-          <a:chExt cx="0" cy="0"/>
-        </a:xfrm>
-      </p:grpSpPr>
       <p:sp>
         <p:nvSpPr>
-          <p:cNvPr id="2" name="Título 1"/>
-          <p:cNvSpPr>
-            <a:spLocks noGrp="1"/>
-          </p:cNvSpPr>
-          <p:nvPr>
-            <p:ph type="title"/>
-          </p:nvPr>
-        </p:nvSpPr>
-        <p:spPr>
-          <a:xfrm>
-            <a:off x="1524000" y="476672"/>
-            <a:ext cx="3419872" cy="691480"/>
-          </a:xfrm>
-        </p:spPr>
-        <p:txBody>
-          <a:bodyPr rtlCol="0"/>
-          <a:lstStyle/>
-          <a:p>
-            <a:pPr marL="0" indent="0" rtl="0">
-              <a:buNone/>
-            </a:pPr>
-            <a:r>
-              <a:rPr lang="es-CO" b="1" dirty="0"/>
-              <a:t>📦 Propuesta.</a:t>
-            </a:r>
-          </a:p>
-        </p:txBody>
-      </p:sp>
-      <p:sp>
-        <p:nvSpPr>
-          <p:cNvPr id="15" name="Marcador de posición de contenido 13">
+          <p:cNvPr id="106" name="Marcador de posición de contenido 13">
             <a:extLst>
               <a:ext uri="{FF2B5EF4-FFF2-40B4-BE49-F238E27FC236}">
-                <a16:creationId xmlns:a16="http://schemas.microsoft.com/office/drawing/2014/main" id="{0081845F-ED12-455A-BA7C-C2ACC52A9B0F}"/>
-              </a:ext>
-            </a:extLst>
-          </p:cNvPr>
-          <p:cNvSpPr>
-            <a:spLocks noGrp="1"/>
-          </p:cNvSpPr>
-          <p:nvPr>
-            <p:ph idx="1"/>
-          </p:nvPr>
-        </p:nvSpPr>
-        <p:spPr>
-          <a:xfrm>
-            <a:off x="839416" y="6237312"/>
-            <a:ext cx="10441159" cy="432048"/>
-          </a:xfrm>
-        </p:spPr>
-        <p:txBody>
-          <a:bodyPr rtlCol="0">
-            <a:normAutofit/>
-          </a:bodyPr>
-          <a:lstStyle/>
-          <a:p>
-            <a:pPr marL="0" indent="0" rtl="0">
-              <a:buNone/>
-            </a:pPr>
-            <a:r>
-              <a:rPr lang="es-CO" sz="2000" dirty="0">
-                <a:solidFill>
-                  <a:schemeClr val="accent6">
-                    <a:lumMod val="60000"/>
-                    <a:lumOff val="40000"/>
-                  </a:schemeClr>
-                </a:solidFill>
-                <a:effectLst/>
-                <a:highlight>
-                  <a:srgbClr val="FFFF00"/>
-                </a:highlight>
-              </a:rPr>
-              <a:t>🔄</a:t>
-            </a:r>
-            <a:r>
-              <a:rPr lang="es-CO" b="1" i="1" dirty="0">
-                <a:solidFill>
-                  <a:srgbClr val="FF0000"/>
-                </a:solidFill>
-              </a:rPr>
-              <a:t> </a:t>
-            </a:r>
-            <a:r>
-              <a:rPr lang="es-MX" b="1" i="1" dirty="0">
-                <a:solidFill>
-                  <a:srgbClr val="FF0000"/>
-                </a:solidFill>
-                <a:highlight>
-                  <a:srgbClr val="FFFF00"/>
-                </a:highlight>
-              </a:rPr>
-              <a:t>El diagrama del proyecto está sujeto a cambios en función de la disponibilidad de recursos</a:t>
-            </a:r>
-            <a:r>
-              <a:rPr lang="es-CO" b="1" i="1" dirty="0">
-                <a:solidFill>
-                  <a:srgbClr val="FF0000"/>
-                </a:solidFill>
-                <a:highlight>
-                  <a:srgbClr val="FFFF00"/>
-                </a:highlight>
-              </a:rPr>
-              <a:t>.</a:t>
-            </a:r>
-          </a:p>
-        </p:txBody>
-      </p:sp>
-      <p:pic>
-        <p:nvPicPr>
-          <p:cNvPr id="24" name="Imagen 23">
-            <a:extLst>
-              <a:ext uri="{FF2B5EF4-FFF2-40B4-BE49-F238E27FC236}">
-                <a16:creationId xmlns:a16="http://schemas.microsoft.com/office/drawing/2014/main" id="{FFE226AA-5553-4941-BD3B-F158327B7FEE}"/>
-              </a:ext>
-            </a:extLst>
-          </p:cNvPr>
-          <p:cNvPicPr>
-            <a:picLocks noChangeAspect="1"/>
-          </p:cNvPicPr>
-          <p:nvPr/>
-        </p:nvPicPr>
-        <p:blipFill rotWithShape="1">
-          <a:blip r:embed="rId3"/>
-          <a:srcRect l="978" t="2074" r="978" b="2074"/>
-          <a:stretch/>
-        </p:blipFill>
-        <p:spPr>
-          <a:xfrm>
-            <a:off x="119336" y="1196752"/>
-            <a:ext cx="11953328" cy="3744416"/>
-          </a:xfrm>
-          <a:prstGeom prst="rect">
-            <a:avLst/>
-          </a:prstGeom>
-        </p:spPr>
-      </p:pic>
-      <p:sp>
-        <p:nvSpPr>
-          <p:cNvPr id="28" name="CuadroTexto 27">
-            <a:extLst>
-              <a:ext uri="{FF2B5EF4-FFF2-40B4-BE49-F238E27FC236}">
-                <a16:creationId xmlns:a16="http://schemas.microsoft.com/office/drawing/2014/main" id="{930A5EF7-8B4A-4F14-8624-2568B79D9A53}"/>
-              </a:ext>
-            </a:extLst>
-          </p:cNvPr>
-          <p:cNvSpPr txBox="1"/>
-          <p:nvPr/>
-        </p:nvSpPr>
-        <p:spPr>
-          <a:xfrm>
-            <a:off x="263352" y="1772816"/>
-            <a:ext cx="455712" cy="369332"/>
-          </a:xfrm>
-          <a:prstGeom prst="rect">
-            <a:avLst/>
-          </a:prstGeom>
-          <a:noFill/>
-        </p:spPr>
-        <p:txBody>
-          <a:bodyPr wrap="square">
-            <a:spAutoFit/>
-          </a:bodyPr>
-          <a:lstStyle/>
-          <a:p>
-            <a:r>
-              <a:rPr lang="es-CO" sz="1800" dirty="0">
-                <a:solidFill>
-                  <a:schemeClr val="accent6">
-                    <a:lumMod val="60000"/>
-                    <a:lumOff val="40000"/>
-                  </a:schemeClr>
-                </a:solidFill>
-                <a:effectLst/>
-              </a:rPr>
-              <a:t>🔄</a:t>
-            </a:r>
-            <a:endParaRPr lang="es-CO" dirty="0"/>
-          </a:p>
-        </p:txBody>
-      </p:sp>
-      <p:sp>
-        <p:nvSpPr>
-          <p:cNvPr id="29" name="Marcador de posición de contenido 13">
-            <a:extLst>
-              <a:ext uri="{FF2B5EF4-FFF2-40B4-BE49-F238E27FC236}">
-                <a16:creationId xmlns:a16="http://schemas.microsoft.com/office/drawing/2014/main" id="{A3DB3452-8C75-4A10-8A08-A9D5A004D328}"/>
+                <a16:creationId xmlns:a16="http://schemas.microsoft.com/office/drawing/2014/main" id="{F0ADE86C-1B29-4228-979B-A273F2FCF3D8}"/>
               </a:ext>
             </a:extLst>
           </p:cNvPr>
@@ -12626,8 +10628,252 @@
         </p:nvSpPr>
         <p:spPr>
           <a:xfrm>
-            <a:off x="1199455" y="5085184"/>
-            <a:ext cx="8280921" cy="936104"/>
+            <a:off x="4439816" y="1096559"/>
+            <a:ext cx="1746629" cy="361465"/>
+          </a:xfrm>
+          <a:prstGeom prst="rect">
+            <a:avLst/>
+          </a:prstGeom>
+        </p:spPr>
+        <p:txBody>
+          <a:bodyPr vert="horz" lIns="91440" tIns="45720" rIns="91440" bIns="45720" rtlCol="0">
+            <a:normAutofit lnSpcReduction="10000"/>
+          </a:bodyPr>
+          <a:lstStyle>
+            <a:lvl1pPr marL="228600" indent="-228600" algn="l" defTabSz="914400" rtl="0" eaLnBrk="1" latinLnBrk="0" hangingPunct="1">
+              <a:lnSpc>
+                <a:spcPct val="90000"/>
+              </a:lnSpc>
+              <a:spcBef>
+                <a:spcPts val="1800"/>
+              </a:spcBef>
+              <a:buClr>
+                <a:schemeClr val="accent1"/>
+              </a:buClr>
+              <a:buFont typeface="Arial" pitchFamily="34" charset="0"/>
+              <a:buChar char="•"/>
+              <a:defRPr sz="2000" kern="1200">
+                <a:solidFill>
+                  <a:schemeClr val="tx1">
+                    <a:lumMod val="85000"/>
+                  </a:schemeClr>
+                </a:solidFill>
+                <a:latin typeface="+mn-lt"/>
+                <a:ea typeface="+mn-ea"/>
+                <a:cs typeface="+mn-cs"/>
+              </a:defRPr>
+            </a:lvl1pPr>
+            <a:lvl2pPr marL="594360" indent="-228600" algn="l" defTabSz="914400" rtl="0" eaLnBrk="1" latinLnBrk="0" hangingPunct="1">
+              <a:lnSpc>
+                <a:spcPct val="90000"/>
+              </a:lnSpc>
+              <a:spcBef>
+                <a:spcPts val="1000"/>
+              </a:spcBef>
+              <a:buClr>
+                <a:schemeClr val="accent1"/>
+              </a:buClr>
+              <a:buFont typeface="Arial" pitchFamily="34" charset="0"/>
+              <a:buChar char="•"/>
+              <a:defRPr sz="1800" kern="1200">
+                <a:solidFill>
+                  <a:schemeClr val="tx1">
+                    <a:lumMod val="85000"/>
+                  </a:schemeClr>
+                </a:solidFill>
+                <a:latin typeface="+mn-lt"/>
+                <a:ea typeface="+mn-ea"/>
+                <a:cs typeface="+mn-cs"/>
+              </a:defRPr>
+            </a:lvl2pPr>
+            <a:lvl3pPr marL="914400" indent="-228600" algn="l" defTabSz="914400" rtl="0" eaLnBrk="1" latinLnBrk="0" hangingPunct="1">
+              <a:lnSpc>
+                <a:spcPct val="90000"/>
+              </a:lnSpc>
+              <a:spcBef>
+                <a:spcPts val="800"/>
+              </a:spcBef>
+              <a:buClr>
+                <a:schemeClr val="accent1"/>
+              </a:buClr>
+              <a:buFont typeface="Arial" pitchFamily="34" charset="0"/>
+              <a:buChar char="•"/>
+              <a:defRPr sz="1600" kern="1200">
+                <a:solidFill>
+                  <a:schemeClr val="tx1">
+                    <a:lumMod val="85000"/>
+                  </a:schemeClr>
+                </a:solidFill>
+                <a:latin typeface="+mn-lt"/>
+                <a:ea typeface="+mn-ea"/>
+                <a:cs typeface="+mn-cs"/>
+              </a:defRPr>
+            </a:lvl3pPr>
+            <a:lvl4pPr marL="1234440" indent="-228600" algn="l" defTabSz="914400" rtl="0" eaLnBrk="1" latinLnBrk="0" hangingPunct="1">
+              <a:lnSpc>
+                <a:spcPct val="90000"/>
+              </a:lnSpc>
+              <a:spcBef>
+                <a:spcPts val="800"/>
+              </a:spcBef>
+              <a:buClr>
+                <a:schemeClr val="accent1"/>
+              </a:buClr>
+              <a:buFont typeface="Arial" pitchFamily="34" charset="0"/>
+              <a:buChar char="•"/>
+              <a:defRPr sz="1400" kern="1200">
+                <a:solidFill>
+                  <a:schemeClr val="tx1">
+                    <a:lumMod val="85000"/>
+                  </a:schemeClr>
+                </a:solidFill>
+                <a:latin typeface="+mn-lt"/>
+                <a:ea typeface="+mn-ea"/>
+                <a:cs typeface="+mn-cs"/>
+              </a:defRPr>
+            </a:lvl4pPr>
+            <a:lvl5pPr marL="1508760" indent="-228600" algn="l" defTabSz="914400" rtl="0" eaLnBrk="1" latinLnBrk="0" hangingPunct="1">
+              <a:lnSpc>
+                <a:spcPct val="90000"/>
+              </a:lnSpc>
+              <a:spcBef>
+                <a:spcPts val="800"/>
+              </a:spcBef>
+              <a:buClr>
+                <a:schemeClr val="accent1"/>
+              </a:buClr>
+              <a:buFont typeface="Arial" pitchFamily="34" charset="0"/>
+              <a:buChar char="•"/>
+              <a:defRPr sz="1400" kern="1200">
+                <a:solidFill>
+                  <a:schemeClr val="tx1">
+                    <a:lumMod val="85000"/>
+                  </a:schemeClr>
+                </a:solidFill>
+                <a:latin typeface="+mn-lt"/>
+                <a:ea typeface="+mn-ea"/>
+                <a:cs typeface="+mn-cs"/>
+              </a:defRPr>
+            </a:lvl5pPr>
+            <a:lvl6pPr marL="1783080" indent="-228600" algn="l" defTabSz="914400" rtl="0" eaLnBrk="1" latinLnBrk="0" hangingPunct="1">
+              <a:lnSpc>
+                <a:spcPct val="90000"/>
+              </a:lnSpc>
+              <a:spcBef>
+                <a:spcPts val="800"/>
+              </a:spcBef>
+              <a:buClr>
+                <a:schemeClr val="accent1"/>
+              </a:buClr>
+              <a:buFont typeface="Arial" pitchFamily="34" charset="0"/>
+              <a:buChar char="•"/>
+              <a:defRPr sz="1400" kern="1200">
+                <a:solidFill>
+                  <a:schemeClr val="tx1"/>
+                </a:solidFill>
+                <a:latin typeface="+mn-lt"/>
+                <a:ea typeface="+mn-ea"/>
+                <a:cs typeface="+mn-cs"/>
+              </a:defRPr>
+            </a:lvl6pPr>
+            <a:lvl7pPr marL="2057400" indent="-228600" algn="l" defTabSz="914400" rtl="0" eaLnBrk="1" latinLnBrk="0" hangingPunct="1">
+              <a:lnSpc>
+                <a:spcPct val="90000"/>
+              </a:lnSpc>
+              <a:spcBef>
+                <a:spcPts val="800"/>
+              </a:spcBef>
+              <a:buClr>
+                <a:schemeClr val="accent1"/>
+              </a:buClr>
+              <a:buFont typeface="Arial" pitchFamily="34" charset="0"/>
+              <a:buChar char="•"/>
+              <a:defRPr sz="1400" kern="1200">
+                <a:solidFill>
+                  <a:schemeClr val="tx1"/>
+                </a:solidFill>
+                <a:latin typeface="+mn-lt"/>
+                <a:ea typeface="+mn-ea"/>
+                <a:cs typeface="+mn-cs"/>
+              </a:defRPr>
+            </a:lvl7pPr>
+            <a:lvl8pPr marL="2331720" indent="-228600" algn="l" defTabSz="914400" rtl="0" eaLnBrk="1" latinLnBrk="0" hangingPunct="1">
+              <a:lnSpc>
+                <a:spcPct val="90000"/>
+              </a:lnSpc>
+              <a:spcBef>
+                <a:spcPts val="800"/>
+              </a:spcBef>
+              <a:buClr>
+                <a:schemeClr val="accent1"/>
+              </a:buClr>
+              <a:buFont typeface="Arial" pitchFamily="34" charset="0"/>
+              <a:buChar char="•"/>
+              <a:defRPr sz="1400" kern="1200">
+                <a:solidFill>
+                  <a:schemeClr val="tx1"/>
+                </a:solidFill>
+                <a:latin typeface="+mn-lt"/>
+                <a:ea typeface="+mn-ea"/>
+                <a:cs typeface="+mn-cs"/>
+              </a:defRPr>
+            </a:lvl8pPr>
+            <a:lvl9pPr marL="2606040" indent="-228600" algn="l" defTabSz="914400" rtl="0" eaLnBrk="1" latinLnBrk="0" hangingPunct="1">
+              <a:lnSpc>
+                <a:spcPct val="90000"/>
+              </a:lnSpc>
+              <a:spcBef>
+                <a:spcPts val="800"/>
+              </a:spcBef>
+              <a:buClr>
+                <a:schemeClr val="accent1"/>
+              </a:buClr>
+              <a:buFont typeface="Arial" pitchFamily="34" charset="0"/>
+              <a:buChar char="•"/>
+              <a:defRPr sz="1400" kern="1200">
+                <a:solidFill>
+                  <a:schemeClr val="tx1"/>
+                </a:solidFill>
+                <a:latin typeface="+mn-lt"/>
+                <a:ea typeface="+mn-ea"/>
+                <a:cs typeface="+mn-cs"/>
+              </a:defRPr>
+            </a:lvl9pPr>
+          </a:lstStyle>
+          <a:p>
+            <a:pPr marL="0" indent="0" algn="just">
+              <a:buFont typeface="Arial" pitchFamily="34" charset="0"/>
+              <a:buNone/>
+            </a:pPr>
+            <a:r>
+              <a:rPr lang="es-ES" b="1" i="1" dirty="0">
+                <a:solidFill>
+                  <a:srgbClr val="FF0000"/>
+                </a:solidFill>
+              </a:rPr>
+              <a:t>Estado actual.</a:t>
+            </a:r>
+          </a:p>
+        </p:txBody>
+      </p:sp>
+      <p:sp>
+        <p:nvSpPr>
+          <p:cNvPr id="112" name="Marcador de posición de contenido 13">
+            <a:extLst>
+              <a:ext uri="{FF2B5EF4-FFF2-40B4-BE49-F238E27FC236}">
+                <a16:creationId xmlns:a16="http://schemas.microsoft.com/office/drawing/2014/main" id="{87A1CD73-3C1A-468F-8AA1-3195125AF590}"/>
+              </a:ext>
+            </a:extLst>
+          </p:cNvPr>
+          <p:cNvSpPr txBox="1">
+            <a:spLocks/>
+          </p:cNvSpPr>
+          <p:nvPr/>
+        </p:nvSpPr>
+        <p:spPr>
+          <a:xfrm>
+            <a:off x="6535036" y="914174"/>
+            <a:ext cx="2098366" cy="642618"/>
           </a:xfrm>
           <a:prstGeom prst="rect">
             <a:avLst/>
@@ -12839,6 +11085,3455 @@
             </a:lvl9pPr>
           </a:lstStyle>
           <a:p>
+            <a:pPr marL="0" indent="0" algn="ctr">
+              <a:buFont typeface="Arial" pitchFamily="34" charset="0"/>
+              <a:buNone/>
+            </a:pPr>
+            <a:r>
+              <a:rPr lang="es-ES" b="1" i="1" dirty="0">
+                <a:solidFill>
+                  <a:srgbClr val="FFFF00"/>
+                </a:solidFill>
+              </a:rPr>
+              <a:t>Preparación y configuración.</a:t>
+            </a:r>
+          </a:p>
+        </p:txBody>
+      </p:sp>
+      <p:sp>
+        <p:nvSpPr>
+          <p:cNvPr id="113" name="Marcador de posición de contenido 13">
+            <a:extLst>
+              <a:ext uri="{FF2B5EF4-FFF2-40B4-BE49-F238E27FC236}">
+                <a16:creationId xmlns:a16="http://schemas.microsoft.com/office/drawing/2014/main" id="{9CDEDDA0-B342-49CB-B460-E336DA82E591}"/>
+              </a:ext>
+            </a:extLst>
+          </p:cNvPr>
+          <p:cNvSpPr txBox="1">
+            <a:spLocks/>
+          </p:cNvSpPr>
+          <p:nvPr/>
+        </p:nvSpPr>
+        <p:spPr>
+          <a:xfrm>
+            <a:off x="6738868" y="4627358"/>
+            <a:ext cx="1778145" cy="665121"/>
+          </a:xfrm>
+          <a:prstGeom prst="rect">
+            <a:avLst/>
+          </a:prstGeom>
+        </p:spPr>
+        <p:txBody>
+          <a:bodyPr vert="horz" lIns="91440" tIns="45720" rIns="91440" bIns="45720" rtlCol="0">
+            <a:normAutofit/>
+          </a:bodyPr>
+          <a:lstStyle>
+            <a:lvl1pPr marL="228600" indent="-228600" algn="l" defTabSz="914400" rtl="0" eaLnBrk="1" latinLnBrk="0" hangingPunct="1">
+              <a:lnSpc>
+                <a:spcPct val="90000"/>
+              </a:lnSpc>
+              <a:spcBef>
+                <a:spcPts val="1800"/>
+              </a:spcBef>
+              <a:buClr>
+                <a:schemeClr val="accent1"/>
+              </a:buClr>
+              <a:buFont typeface="Arial" pitchFamily="34" charset="0"/>
+              <a:buChar char="•"/>
+              <a:defRPr sz="2000" kern="1200">
+                <a:solidFill>
+                  <a:schemeClr val="tx1">
+                    <a:lumMod val="85000"/>
+                  </a:schemeClr>
+                </a:solidFill>
+                <a:latin typeface="+mn-lt"/>
+                <a:ea typeface="+mn-ea"/>
+                <a:cs typeface="+mn-cs"/>
+              </a:defRPr>
+            </a:lvl1pPr>
+            <a:lvl2pPr marL="594360" indent="-228600" algn="l" defTabSz="914400" rtl="0" eaLnBrk="1" latinLnBrk="0" hangingPunct="1">
+              <a:lnSpc>
+                <a:spcPct val="90000"/>
+              </a:lnSpc>
+              <a:spcBef>
+                <a:spcPts val="1000"/>
+              </a:spcBef>
+              <a:buClr>
+                <a:schemeClr val="accent1"/>
+              </a:buClr>
+              <a:buFont typeface="Arial" pitchFamily="34" charset="0"/>
+              <a:buChar char="•"/>
+              <a:defRPr sz="1800" kern="1200">
+                <a:solidFill>
+                  <a:schemeClr val="tx1">
+                    <a:lumMod val="85000"/>
+                  </a:schemeClr>
+                </a:solidFill>
+                <a:latin typeface="+mn-lt"/>
+                <a:ea typeface="+mn-ea"/>
+                <a:cs typeface="+mn-cs"/>
+              </a:defRPr>
+            </a:lvl2pPr>
+            <a:lvl3pPr marL="914400" indent="-228600" algn="l" defTabSz="914400" rtl="0" eaLnBrk="1" latinLnBrk="0" hangingPunct="1">
+              <a:lnSpc>
+                <a:spcPct val="90000"/>
+              </a:lnSpc>
+              <a:spcBef>
+                <a:spcPts val="800"/>
+              </a:spcBef>
+              <a:buClr>
+                <a:schemeClr val="accent1"/>
+              </a:buClr>
+              <a:buFont typeface="Arial" pitchFamily="34" charset="0"/>
+              <a:buChar char="•"/>
+              <a:defRPr sz="1600" kern="1200">
+                <a:solidFill>
+                  <a:schemeClr val="tx1">
+                    <a:lumMod val="85000"/>
+                  </a:schemeClr>
+                </a:solidFill>
+                <a:latin typeface="+mn-lt"/>
+                <a:ea typeface="+mn-ea"/>
+                <a:cs typeface="+mn-cs"/>
+              </a:defRPr>
+            </a:lvl3pPr>
+            <a:lvl4pPr marL="1234440" indent="-228600" algn="l" defTabSz="914400" rtl="0" eaLnBrk="1" latinLnBrk="0" hangingPunct="1">
+              <a:lnSpc>
+                <a:spcPct val="90000"/>
+              </a:lnSpc>
+              <a:spcBef>
+                <a:spcPts val="800"/>
+              </a:spcBef>
+              <a:buClr>
+                <a:schemeClr val="accent1"/>
+              </a:buClr>
+              <a:buFont typeface="Arial" pitchFamily="34" charset="0"/>
+              <a:buChar char="•"/>
+              <a:defRPr sz="1400" kern="1200">
+                <a:solidFill>
+                  <a:schemeClr val="tx1">
+                    <a:lumMod val="85000"/>
+                  </a:schemeClr>
+                </a:solidFill>
+                <a:latin typeface="+mn-lt"/>
+                <a:ea typeface="+mn-ea"/>
+                <a:cs typeface="+mn-cs"/>
+              </a:defRPr>
+            </a:lvl4pPr>
+            <a:lvl5pPr marL="1508760" indent="-228600" algn="l" defTabSz="914400" rtl="0" eaLnBrk="1" latinLnBrk="0" hangingPunct="1">
+              <a:lnSpc>
+                <a:spcPct val="90000"/>
+              </a:lnSpc>
+              <a:spcBef>
+                <a:spcPts val="800"/>
+              </a:spcBef>
+              <a:buClr>
+                <a:schemeClr val="accent1"/>
+              </a:buClr>
+              <a:buFont typeface="Arial" pitchFamily="34" charset="0"/>
+              <a:buChar char="•"/>
+              <a:defRPr sz="1400" kern="1200">
+                <a:solidFill>
+                  <a:schemeClr val="tx1">
+                    <a:lumMod val="85000"/>
+                  </a:schemeClr>
+                </a:solidFill>
+                <a:latin typeface="+mn-lt"/>
+                <a:ea typeface="+mn-ea"/>
+                <a:cs typeface="+mn-cs"/>
+              </a:defRPr>
+            </a:lvl5pPr>
+            <a:lvl6pPr marL="1783080" indent="-228600" algn="l" defTabSz="914400" rtl="0" eaLnBrk="1" latinLnBrk="0" hangingPunct="1">
+              <a:lnSpc>
+                <a:spcPct val="90000"/>
+              </a:lnSpc>
+              <a:spcBef>
+                <a:spcPts val="800"/>
+              </a:spcBef>
+              <a:buClr>
+                <a:schemeClr val="accent1"/>
+              </a:buClr>
+              <a:buFont typeface="Arial" pitchFamily="34" charset="0"/>
+              <a:buChar char="•"/>
+              <a:defRPr sz="1400" kern="1200">
+                <a:solidFill>
+                  <a:schemeClr val="tx1"/>
+                </a:solidFill>
+                <a:latin typeface="+mn-lt"/>
+                <a:ea typeface="+mn-ea"/>
+                <a:cs typeface="+mn-cs"/>
+              </a:defRPr>
+            </a:lvl6pPr>
+            <a:lvl7pPr marL="2057400" indent="-228600" algn="l" defTabSz="914400" rtl="0" eaLnBrk="1" latinLnBrk="0" hangingPunct="1">
+              <a:lnSpc>
+                <a:spcPct val="90000"/>
+              </a:lnSpc>
+              <a:spcBef>
+                <a:spcPts val="800"/>
+              </a:spcBef>
+              <a:buClr>
+                <a:schemeClr val="accent1"/>
+              </a:buClr>
+              <a:buFont typeface="Arial" pitchFamily="34" charset="0"/>
+              <a:buChar char="•"/>
+              <a:defRPr sz="1400" kern="1200">
+                <a:solidFill>
+                  <a:schemeClr val="tx1"/>
+                </a:solidFill>
+                <a:latin typeface="+mn-lt"/>
+                <a:ea typeface="+mn-ea"/>
+                <a:cs typeface="+mn-cs"/>
+              </a:defRPr>
+            </a:lvl7pPr>
+            <a:lvl8pPr marL="2331720" indent="-228600" algn="l" defTabSz="914400" rtl="0" eaLnBrk="1" latinLnBrk="0" hangingPunct="1">
+              <a:lnSpc>
+                <a:spcPct val="90000"/>
+              </a:lnSpc>
+              <a:spcBef>
+                <a:spcPts val="800"/>
+              </a:spcBef>
+              <a:buClr>
+                <a:schemeClr val="accent1"/>
+              </a:buClr>
+              <a:buFont typeface="Arial" pitchFamily="34" charset="0"/>
+              <a:buChar char="•"/>
+              <a:defRPr sz="1400" kern="1200">
+                <a:solidFill>
+                  <a:schemeClr val="tx1"/>
+                </a:solidFill>
+                <a:latin typeface="+mn-lt"/>
+                <a:ea typeface="+mn-ea"/>
+                <a:cs typeface="+mn-cs"/>
+              </a:defRPr>
+            </a:lvl8pPr>
+            <a:lvl9pPr marL="2606040" indent="-228600" algn="l" defTabSz="914400" rtl="0" eaLnBrk="1" latinLnBrk="0" hangingPunct="1">
+              <a:lnSpc>
+                <a:spcPct val="90000"/>
+              </a:lnSpc>
+              <a:spcBef>
+                <a:spcPts val="800"/>
+              </a:spcBef>
+              <a:buClr>
+                <a:schemeClr val="accent1"/>
+              </a:buClr>
+              <a:buFont typeface="Arial" pitchFamily="34" charset="0"/>
+              <a:buChar char="•"/>
+              <a:defRPr sz="1400" kern="1200">
+                <a:solidFill>
+                  <a:schemeClr val="tx1"/>
+                </a:solidFill>
+                <a:latin typeface="+mn-lt"/>
+                <a:ea typeface="+mn-ea"/>
+                <a:cs typeface="+mn-cs"/>
+              </a:defRPr>
+            </a:lvl9pPr>
+          </a:lstStyle>
+          <a:p>
+            <a:pPr marL="0" indent="0" algn="ctr">
+              <a:buFont typeface="Arial" pitchFamily="34" charset="0"/>
+              <a:buNone/>
+            </a:pPr>
+            <a:r>
+              <a:rPr lang="es-ES" b="1" i="1" dirty="0">
+                <a:solidFill>
+                  <a:srgbClr val="FFC000"/>
+                </a:solidFill>
+              </a:rPr>
+              <a:t>Migración de recursos.</a:t>
+            </a:r>
+          </a:p>
+        </p:txBody>
+      </p:sp>
+      <p:pic>
+        <p:nvPicPr>
+          <p:cNvPr id="1028" name="Picture 4" descr="Artificial Intelligence - Softrams services">
+            <a:extLst>
+              <a:ext uri="{FF2B5EF4-FFF2-40B4-BE49-F238E27FC236}">
+                <a16:creationId xmlns:a16="http://schemas.microsoft.com/office/drawing/2014/main" id="{C178DBB5-1F13-428D-ABBE-A972B6A1E911}"/>
+              </a:ext>
+            </a:extLst>
+          </p:cNvPr>
+          <p:cNvPicPr>
+            <a:picLocks noChangeAspect="1" noChangeArrowheads="1"/>
+          </p:cNvPicPr>
+          <p:nvPr/>
+        </p:nvPicPr>
+        <p:blipFill>
+          <a:blip r:embed="rId4" cstate="print">
+            <a:extLst>
+              <a:ext uri="{28A0092B-C50C-407E-A947-70E740481C1C}">
+                <a14:useLocalDpi xmlns:a14="http://schemas.microsoft.com/office/drawing/2010/main" val="0"/>
+              </a:ext>
+            </a:extLst>
+          </a:blip>
+          <a:srcRect/>
+          <a:stretch>
+            <a:fillRect/>
+          </a:stretch>
+        </p:blipFill>
+        <p:spPr bwMode="auto">
+          <a:xfrm>
+            <a:off x="1504014" y="2083792"/>
+            <a:ext cx="302670" cy="302670"/>
+          </a:xfrm>
+          <a:prstGeom prst="rect">
+            <a:avLst/>
+          </a:prstGeom>
+          <a:noFill/>
+          <a:extLst>
+            <a:ext uri="{909E8E84-426E-40DD-AFC4-6F175D3DCCD1}">
+              <a14:hiddenFill xmlns:a14="http://schemas.microsoft.com/office/drawing/2010/main">
+                <a:solidFill>
+                  <a:srgbClr val="FFFFFF"/>
+                </a:solidFill>
+              </a14:hiddenFill>
+            </a:ext>
+          </a:extLst>
+        </p:spPr>
+      </p:pic>
+      <p:pic>
+        <p:nvPicPr>
+          <p:cNvPr id="114" name="Picture 4" descr="Artificial Intelligence - Softrams services">
+            <a:extLst>
+              <a:ext uri="{FF2B5EF4-FFF2-40B4-BE49-F238E27FC236}">
+                <a16:creationId xmlns:a16="http://schemas.microsoft.com/office/drawing/2014/main" id="{2B2862FC-1ABC-4232-A9D9-C3259CEB9332}"/>
+              </a:ext>
+            </a:extLst>
+          </p:cNvPr>
+          <p:cNvPicPr>
+            <a:picLocks noChangeAspect="1" noChangeArrowheads="1"/>
+          </p:cNvPicPr>
+          <p:nvPr/>
+        </p:nvPicPr>
+        <p:blipFill>
+          <a:blip r:embed="rId5" cstate="print">
+            <a:extLst>
+              <a:ext uri="{28A0092B-C50C-407E-A947-70E740481C1C}">
+                <a14:useLocalDpi xmlns:a14="http://schemas.microsoft.com/office/drawing/2010/main" val="0"/>
+              </a:ext>
+            </a:extLst>
+          </a:blip>
+          <a:srcRect/>
+          <a:stretch>
+            <a:fillRect/>
+          </a:stretch>
+        </p:blipFill>
+        <p:spPr bwMode="auto">
+          <a:xfrm>
+            <a:off x="5475365" y="4664132"/>
+            <a:ext cx="323326" cy="323326"/>
+          </a:xfrm>
+          <a:prstGeom prst="rect">
+            <a:avLst/>
+          </a:prstGeom>
+          <a:noFill/>
+          <a:extLst>
+            <a:ext uri="{909E8E84-426E-40DD-AFC4-6F175D3DCCD1}">
+              <a14:hiddenFill xmlns:a14="http://schemas.microsoft.com/office/drawing/2010/main">
+                <a:solidFill>
+                  <a:srgbClr val="FFFFFF"/>
+                </a:solidFill>
+              </a14:hiddenFill>
+            </a:ext>
+          </a:extLst>
+        </p:spPr>
+      </p:pic>
+      <p:pic>
+        <p:nvPicPr>
+          <p:cNvPr id="1036" name="Picture 12" descr="Data Replication Software - Automated and Real-time | BryteFlow">
+            <a:extLst>
+              <a:ext uri="{FF2B5EF4-FFF2-40B4-BE49-F238E27FC236}">
+                <a16:creationId xmlns:a16="http://schemas.microsoft.com/office/drawing/2014/main" id="{D21967B9-3413-45A0-8FA9-701B4D7FD893}"/>
+              </a:ext>
+            </a:extLst>
+          </p:cNvPr>
+          <p:cNvPicPr>
+            <a:picLocks noChangeAspect="1" noChangeArrowheads="1"/>
+          </p:cNvPicPr>
+          <p:nvPr/>
+        </p:nvPicPr>
+        <p:blipFill>
+          <a:blip r:embed="rId6" cstate="print">
+            <a:extLst>
+              <a:ext uri="{28A0092B-C50C-407E-A947-70E740481C1C}">
+                <a14:useLocalDpi xmlns:a14="http://schemas.microsoft.com/office/drawing/2010/main" val="0"/>
+              </a:ext>
+            </a:extLst>
+          </a:blip>
+          <a:srcRect/>
+          <a:stretch>
+            <a:fillRect/>
+          </a:stretch>
+        </p:blipFill>
+        <p:spPr bwMode="auto">
+          <a:xfrm>
+            <a:off x="1483358" y="2508807"/>
+            <a:ext cx="323326" cy="323326"/>
+          </a:xfrm>
+          <a:prstGeom prst="rect">
+            <a:avLst/>
+          </a:prstGeom>
+          <a:noFill/>
+          <a:extLst>
+            <a:ext uri="{909E8E84-426E-40DD-AFC4-6F175D3DCCD1}">
+              <a14:hiddenFill xmlns:a14="http://schemas.microsoft.com/office/drawing/2010/main">
+                <a:solidFill>
+                  <a:srgbClr val="FFFFFF"/>
+                </a:solidFill>
+              </a14:hiddenFill>
+            </a:ext>
+          </a:extLst>
+        </p:spPr>
+      </p:pic>
+      <p:pic>
+        <p:nvPicPr>
+          <p:cNvPr id="127" name="Picture 12" descr="Data Replication Software - Automated and Real-time | BryteFlow">
+            <a:extLst>
+              <a:ext uri="{FF2B5EF4-FFF2-40B4-BE49-F238E27FC236}">
+                <a16:creationId xmlns:a16="http://schemas.microsoft.com/office/drawing/2014/main" id="{EF9B0D4B-0C67-46D1-909C-296DFD45E9EE}"/>
+              </a:ext>
+            </a:extLst>
+          </p:cNvPr>
+          <p:cNvPicPr>
+            <a:picLocks noChangeAspect="1" noChangeArrowheads="1"/>
+          </p:cNvPicPr>
+          <p:nvPr/>
+        </p:nvPicPr>
+        <p:blipFill>
+          <a:blip r:embed="rId7" cstate="print">
+            <a:extLst>
+              <a:ext uri="{28A0092B-C50C-407E-A947-70E740481C1C}">
+                <a14:useLocalDpi xmlns:a14="http://schemas.microsoft.com/office/drawing/2010/main" val="0"/>
+              </a:ext>
+            </a:extLst>
+          </a:blip>
+          <a:srcRect/>
+          <a:stretch>
+            <a:fillRect/>
+          </a:stretch>
+        </p:blipFill>
+        <p:spPr bwMode="auto">
+          <a:xfrm>
+            <a:off x="6069029" y="4636634"/>
+            <a:ext cx="378321" cy="378321"/>
+          </a:xfrm>
+          <a:prstGeom prst="rect">
+            <a:avLst/>
+          </a:prstGeom>
+          <a:noFill/>
+          <a:extLst>
+            <a:ext uri="{909E8E84-426E-40DD-AFC4-6F175D3DCCD1}">
+              <a14:hiddenFill xmlns:a14="http://schemas.microsoft.com/office/drawing/2010/main">
+                <a:solidFill>
+                  <a:srgbClr val="FFFFFF"/>
+                </a:solidFill>
+              </a14:hiddenFill>
+            </a:ext>
+          </a:extLst>
+        </p:spPr>
+      </p:pic>
+      <p:pic>
+        <p:nvPicPr>
+          <p:cNvPr id="1044" name="Picture 20" descr="How to handle Error records in Azure Data Factory - Flexmind">
+            <a:extLst>
+              <a:ext uri="{FF2B5EF4-FFF2-40B4-BE49-F238E27FC236}">
+                <a16:creationId xmlns:a16="http://schemas.microsoft.com/office/drawing/2014/main" id="{463277E9-F191-424F-A1E5-DEB75033ED48}"/>
+              </a:ext>
+            </a:extLst>
+          </p:cNvPr>
+          <p:cNvPicPr>
+            <a:picLocks noChangeAspect="1" noChangeArrowheads="1"/>
+          </p:cNvPicPr>
+          <p:nvPr/>
+        </p:nvPicPr>
+        <p:blipFill>
+          <a:blip r:embed="rId8" cstate="print">
+            <a:extLst>
+              <a:ext uri="{28A0092B-C50C-407E-A947-70E740481C1C}">
+                <a14:useLocalDpi xmlns:a14="http://schemas.microsoft.com/office/drawing/2010/main" val="0"/>
+              </a:ext>
+            </a:extLst>
+          </a:blip>
+          <a:srcRect/>
+          <a:stretch>
+            <a:fillRect/>
+          </a:stretch>
+        </p:blipFill>
+        <p:spPr bwMode="auto">
+          <a:xfrm>
+            <a:off x="1441456" y="4712626"/>
+            <a:ext cx="344572" cy="295184"/>
+          </a:xfrm>
+          <a:prstGeom prst="rect">
+            <a:avLst/>
+          </a:prstGeom>
+          <a:noFill/>
+          <a:extLst>
+            <a:ext uri="{909E8E84-426E-40DD-AFC4-6F175D3DCCD1}">
+              <a14:hiddenFill xmlns:a14="http://schemas.microsoft.com/office/drawing/2010/main">
+                <a:solidFill>
+                  <a:srgbClr val="FFFFFF"/>
+                </a:solidFill>
+              </a14:hiddenFill>
+            </a:ext>
+          </a:extLst>
+        </p:spPr>
+      </p:pic>
+      <p:pic>
+        <p:nvPicPr>
+          <p:cNvPr id="146" name="Picture 20" descr="How to handle Error records in Azure Data Factory - Flexmind">
+            <a:extLst>
+              <a:ext uri="{FF2B5EF4-FFF2-40B4-BE49-F238E27FC236}">
+                <a16:creationId xmlns:a16="http://schemas.microsoft.com/office/drawing/2014/main" id="{B5A99E6C-C828-4110-BF27-DDE6841272A4}"/>
+              </a:ext>
+            </a:extLst>
+          </p:cNvPr>
+          <p:cNvPicPr>
+            <a:picLocks noChangeAspect="1" noChangeArrowheads="1"/>
+          </p:cNvPicPr>
+          <p:nvPr/>
+        </p:nvPicPr>
+        <p:blipFill>
+          <a:blip r:embed="rId9" cstate="print">
+            <a:extLst>
+              <a:ext uri="{28A0092B-C50C-407E-A947-70E740481C1C}">
+                <a14:useLocalDpi xmlns:a14="http://schemas.microsoft.com/office/drawing/2010/main" val="0"/>
+              </a:ext>
+            </a:extLst>
+          </a:blip>
+          <a:srcRect/>
+          <a:stretch>
+            <a:fillRect/>
+          </a:stretch>
+        </p:blipFill>
+        <p:spPr bwMode="auto">
+          <a:xfrm>
+            <a:off x="4559706" y="3270024"/>
+            <a:ext cx="394760" cy="338178"/>
+          </a:xfrm>
+          <a:prstGeom prst="rect">
+            <a:avLst/>
+          </a:prstGeom>
+          <a:noFill/>
+          <a:extLst>
+            <a:ext uri="{909E8E84-426E-40DD-AFC4-6F175D3DCCD1}">
+              <a14:hiddenFill xmlns:a14="http://schemas.microsoft.com/office/drawing/2010/main">
+                <a:solidFill>
+                  <a:srgbClr val="FFFFFF"/>
+                </a:solidFill>
+              </a14:hiddenFill>
+            </a:ext>
+          </a:extLst>
+        </p:spPr>
+      </p:pic>
+      <p:pic>
+        <p:nvPicPr>
+          <p:cNvPr id="1046" name="Picture 22" descr="Collection of Excel Logo PNG. | PlusPNG">
+            <a:extLst>
+              <a:ext uri="{FF2B5EF4-FFF2-40B4-BE49-F238E27FC236}">
+                <a16:creationId xmlns:a16="http://schemas.microsoft.com/office/drawing/2014/main" id="{BBFD1351-8048-4BE9-B782-6D18DC9F1B0F}"/>
+              </a:ext>
+            </a:extLst>
+          </p:cNvPr>
+          <p:cNvPicPr>
+            <a:picLocks noChangeAspect="1" noChangeArrowheads="1"/>
+          </p:cNvPicPr>
+          <p:nvPr/>
+        </p:nvPicPr>
+        <p:blipFill rotWithShape="1">
+          <a:blip r:embed="rId10" cstate="print">
+            <a:extLst>
+              <a:ext uri="{28A0092B-C50C-407E-A947-70E740481C1C}">
+                <a14:useLocalDpi xmlns:a14="http://schemas.microsoft.com/office/drawing/2010/main" val="0"/>
+              </a:ext>
+            </a:extLst>
+          </a:blip>
+          <a:srcRect l="26594" t="17825" r="26272" b="17281"/>
+          <a:stretch/>
+        </p:blipFill>
+        <p:spPr bwMode="auto">
+          <a:xfrm>
+            <a:off x="1477913" y="4247921"/>
+            <a:ext cx="308115" cy="282808"/>
+          </a:xfrm>
+          <a:prstGeom prst="rect">
+            <a:avLst/>
+          </a:prstGeom>
+          <a:noFill/>
+          <a:extLst>
+            <a:ext uri="{909E8E84-426E-40DD-AFC4-6F175D3DCCD1}">
+              <a14:hiddenFill xmlns:a14="http://schemas.microsoft.com/office/drawing/2010/main">
+                <a:solidFill>
+                  <a:srgbClr val="FFFFFF"/>
+                </a:solidFill>
+              </a14:hiddenFill>
+            </a:ext>
+          </a:extLst>
+        </p:spPr>
+      </p:pic>
+      <p:pic>
+        <p:nvPicPr>
+          <p:cNvPr id="7" name="Imagen 6">
+            <a:extLst>
+              <a:ext uri="{FF2B5EF4-FFF2-40B4-BE49-F238E27FC236}">
+                <a16:creationId xmlns:a16="http://schemas.microsoft.com/office/drawing/2014/main" id="{61A9A7EF-C486-4927-8C01-2AF025D89EBF}"/>
+              </a:ext>
+            </a:extLst>
+          </p:cNvPr>
+          <p:cNvPicPr>
+            <a:picLocks noChangeAspect="1"/>
+          </p:cNvPicPr>
+          <p:nvPr/>
+        </p:nvPicPr>
+        <p:blipFill>
+          <a:blip r:embed="rId11" cstate="print">
+            <a:extLst>
+              <a:ext uri="{28A0092B-C50C-407E-A947-70E740481C1C}">
+                <a14:useLocalDpi xmlns:a14="http://schemas.microsoft.com/office/drawing/2010/main" val="0"/>
+              </a:ext>
+            </a:extLst>
+          </a:blip>
+          <a:stretch>
+            <a:fillRect/>
+          </a:stretch>
+        </p:blipFill>
+        <p:spPr>
+          <a:xfrm>
+            <a:off x="1573880" y="1662408"/>
+            <a:ext cx="230854" cy="298261"/>
+          </a:xfrm>
+          <a:prstGeom prst="rect">
+            <a:avLst/>
+          </a:prstGeom>
+        </p:spPr>
+      </p:pic>
+      <p:pic>
+        <p:nvPicPr>
+          <p:cNvPr id="150" name="Imagen 149">
+            <a:extLst>
+              <a:ext uri="{FF2B5EF4-FFF2-40B4-BE49-F238E27FC236}">
+                <a16:creationId xmlns:a16="http://schemas.microsoft.com/office/drawing/2014/main" id="{E03656F0-520A-4349-B3B6-4974991C31C3}"/>
+              </a:ext>
+            </a:extLst>
+          </p:cNvPr>
+          <p:cNvPicPr>
+            <a:picLocks noChangeAspect="1"/>
+          </p:cNvPicPr>
+          <p:nvPr/>
+        </p:nvPicPr>
+        <p:blipFill>
+          <a:blip r:embed="rId12" cstate="print">
+            <a:extLst>
+              <a:ext uri="{28A0092B-C50C-407E-A947-70E740481C1C}">
+                <a14:useLocalDpi xmlns:a14="http://schemas.microsoft.com/office/drawing/2010/main" val="0"/>
+              </a:ext>
+            </a:extLst>
+          </a:blip>
+          <a:stretch>
+            <a:fillRect/>
+          </a:stretch>
+        </p:blipFill>
+        <p:spPr>
+          <a:xfrm>
+            <a:off x="4612030" y="4636634"/>
+            <a:ext cx="273139" cy="380391"/>
+          </a:xfrm>
+          <a:prstGeom prst="rect">
+            <a:avLst/>
+          </a:prstGeom>
+        </p:spPr>
+      </p:pic>
+      <p:pic>
+        <p:nvPicPr>
+          <p:cNvPr id="1048" name="Picture 24" descr="Microsoft Azure Logo, symbol, meaning, history, PNG, brand">
+            <a:extLst>
+              <a:ext uri="{FF2B5EF4-FFF2-40B4-BE49-F238E27FC236}">
+                <a16:creationId xmlns:a16="http://schemas.microsoft.com/office/drawing/2014/main" id="{32A45B71-7DDD-4779-80CB-7D0BBE14DF4A}"/>
+              </a:ext>
+            </a:extLst>
+          </p:cNvPr>
+          <p:cNvPicPr>
+            <a:picLocks noChangeAspect="1" noChangeArrowheads="1"/>
+          </p:cNvPicPr>
+          <p:nvPr/>
+        </p:nvPicPr>
+        <p:blipFill rotWithShape="1">
+          <a:blip r:embed="rId13" cstate="print">
+            <a:extLst>
+              <a:ext uri="{28A0092B-C50C-407E-A947-70E740481C1C}">
+                <a14:useLocalDpi xmlns:a14="http://schemas.microsoft.com/office/drawing/2010/main" val="0"/>
+              </a:ext>
+            </a:extLst>
+          </a:blip>
+          <a:srcRect l="21083" r="20768"/>
+          <a:stretch/>
+        </p:blipFill>
+        <p:spPr bwMode="auto">
+          <a:xfrm>
+            <a:off x="4578663" y="1977403"/>
+            <a:ext cx="270638" cy="261801"/>
+          </a:xfrm>
+          <a:prstGeom prst="rect">
+            <a:avLst/>
+          </a:prstGeom>
+          <a:noFill/>
+          <a:extLst>
+            <a:ext uri="{909E8E84-426E-40DD-AFC4-6F175D3DCCD1}">
+              <a14:hiddenFill xmlns:a14="http://schemas.microsoft.com/office/drawing/2010/main">
+                <a:solidFill>
+                  <a:srgbClr val="FFFFFF"/>
+                </a:solidFill>
+              </a14:hiddenFill>
+            </a:ext>
+          </a:extLst>
+        </p:spPr>
+      </p:pic>
+      <p:pic>
+        <p:nvPicPr>
+          <p:cNvPr id="156" name="Picture 24" descr="Microsoft Azure Logo, symbol, meaning, history, PNG, brand">
+            <a:extLst>
+              <a:ext uri="{FF2B5EF4-FFF2-40B4-BE49-F238E27FC236}">
+                <a16:creationId xmlns:a16="http://schemas.microsoft.com/office/drawing/2014/main" id="{F62C3413-B35D-4B17-AB64-B1FDEFC00614}"/>
+              </a:ext>
+            </a:extLst>
+          </p:cNvPr>
+          <p:cNvPicPr>
+            <a:picLocks noChangeAspect="1" noChangeArrowheads="1"/>
+          </p:cNvPicPr>
+          <p:nvPr/>
+        </p:nvPicPr>
+        <p:blipFill rotWithShape="1">
+          <a:blip r:embed="rId13" cstate="print">
+            <a:extLst>
+              <a:ext uri="{28A0092B-C50C-407E-A947-70E740481C1C}">
+                <a14:useLocalDpi xmlns:a14="http://schemas.microsoft.com/office/drawing/2010/main" val="0"/>
+              </a:ext>
+            </a:extLst>
+          </a:blip>
+          <a:srcRect l="21083" r="20768"/>
+          <a:stretch/>
+        </p:blipFill>
+        <p:spPr bwMode="auto">
+          <a:xfrm>
+            <a:off x="9049806" y="1968334"/>
+            <a:ext cx="270638" cy="261801"/>
+          </a:xfrm>
+          <a:prstGeom prst="rect">
+            <a:avLst/>
+          </a:prstGeom>
+          <a:noFill/>
+          <a:extLst>
+            <a:ext uri="{909E8E84-426E-40DD-AFC4-6F175D3DCCD1}">
+              <a14:hiddenFill xmlns:a14="http://schemas.microsoft.com/office/drawing/2010/main">
+                <a:solidFill>
+                  <a:srgbClr val="FFFFFF"/>
+                </a:solidFill>
+              </a14:hiddenFill>
+            </a:ext>
+          </a:extLst>
+        </p:spPr>
+      </p:pic>
+      <p:pic>
+        <p:nvPicPr>
+          <p:cNvPr id="157" name="Picture 24" descr="Microsoft Azure Logo, symbol, meaning, history, PNG, brand">
+            <a:extLst>
+              <a:ext uri="{FF2B5EF4-FFF2-40B4-BE49-F238E27FC236}">
+                <a16:creationId xmlns:a16="http://schemas.microsoft.com/office/drawing/2014/main" id="{844009C1-5539-49F6-A629-A6B822C76EA4}"/>
+              </a:ext>
+            </a:extLst>
+          </p:cNvPr>
+          <p:cNvPicPr>
+            <a:picLocks noChangeAspect="1" noChangeArrowheads="1"/>
+          </p:cNvPicPr>
+          <p:nvPr/>
+        </p:nvPicPr>
+        <p:blipFill rotWithShape="1">
+          <a:blip r:embed="rId13" cstate="print">
+            <a:extLst>
+              <a:ext uri="{28A0092B-C50C-407E-A947-70E740481C1C}">
+                <a14:useLocalDpi xmlns:a14="http://schemas.microsoft.com/office/drawing/2010/main" val="0"/>
+              </a:ext>
+            </a:extLst>
+          </a:blip>
+          <a:srcRect l="21083" r="20768"/>
+          <a:stretch/>
+        </p:blipFill>
+        <p:spPr bwMode="auto">
+          <a:xfrm>
+            <a:off x="1546266" y="836712"/>
+            <a:ext cx="230854" cy="223316"/>
+          </a:xfrm>
+          <a:prstGeom prst="rect">
+            <a:avLst/>
+          </a:prstGeom>
+          <a:noFill/>
+          <a:extLst>
+            <a:ext uri="{909E8E84-426E-40DD-AFC4-6F175D3DCCD1}">
+              <a14:hiddenFill xmlns:a14="http://schemas.microsoft.com/office/drawing/2010/main">
+                <a:solidFill>
+                  <a:srgbClr val="FFFFFF"/>
+                </a:solidFill>
+              </a14:hiddenFill>
+            </a:ext>
+          </a:extLst>
+        </p:spPr>
+      </p:pic>
+      <p:pic>
+        <p:nvPicPr>
+          <p:cNvPr id="9" name="Imagen 8">
+            <a:extLst>
+              <a:ext uri="{FF2B5EF4-FFF2-40B4-BE49-F238E27FC236}">
+                <a16:creationId xmlns:a16="http://schemas.microsoft.com/office/drawing/2014/main" id="{334775F6-DB6E-40A8-AAA8-B2325D4C49E9}"/>
+              </a:ext>
+            </a:extLst>
+          </p:cNvPr>
+          <p:cNvPicPr>
+            <a:picLocks noChangeAspect="1"/>
+          </p:cNvPicPr>
+          <p:nvPr/>
+        </p:nvPicPr>
+        <p:blipFill>
+          <a:blip r:embed="rId14">
+            <a:extLst>
+              <a:ext uri="{28A0092B-C50C-407E-A947-70E740481C1C}">
+                <a14:useLocalDpi xmlns:a14="http://schemas.microsoft.com/office/drawing/2010/main" val="0"/>
+              </a:ext>
+            </a:extLst>
+          </a:blip>
+          <a:stretch>
+            <a:fillRect/>
+          </a:stretch>
+        </p:blipFill>
+        <p:spPr>
+          <a:xfrm>
+            <a:off x="1203551" y="5133047"/>
+            <a:ext cx="664727" cy="235676"/>
+          </a:xfrm>
+          <a:prstGeom prst="rect">
+            <a:avLst/>
+          </a:prstGeom>
+        </p:spPr>
+      </p:pic>
+      <p:pic>
+        <p:nvPicPr>
+          <p:cNvPr id="161" name="Picture 28" descr="SharePoint Basis - Westhaghe Training &amp; Advies">
+            <a:extLst>
+              <a:ext uri="{FF2B5EF4-FFF2-40B4-BE49-F238E27FC236}">
+                <a16:creationId xmlns:a16="http://schemas.microsoft.com/office/drawing/2014/main" id="{560E79EF-77EE-41AB-9F66-3E8609224396}"/>
+              </a:ext>
+            </a:extLst>
+          </p:cNvPr>
+          <p:cNvPicPr>
+            <a:picLocks noChangeAspect="1" noChangeArrowheads="1"/>
+          </p:cNvPicPr>
+          <p:nvPr/>
+        </p:nvPicPr>
+        <p:blipFill>
+          <a:blip r:embed="rId15" cstate="print">
+            <a:extLst>
+              <a:ext uri="{28A0092B-C50C-407E-A947-70E740481C1C}">
+                <a14:useLocalDpi xmlns:a14="http://schemas.microsoft.com/office/drawing/2010/main" val="0"/>
+              </a:ext>
+            </a:extLst>
+          </a:blip>
+          <a:srcRect/>
+          <a:stretch>
+            <a:fillRect/>
+          </a:stretch>
+        </p:blipFill>
+        <p:spPr bwMode="auto">
+          <a:xfrm>
+            <a:off x="1558173" y="3805358"/>
+            <a:ext cx="285383" cy="282808"/>
+          </a:xfrm>
+          <a:prstGeom prst="rect">
+            <a:avLst/>
+          </a:prstGeom>
+          <a:noFill/>
+          <a:extLst>
+            <a:ext uri="{909E8E84-426E-40DD-AFC4-6F175D3DCCD1}">
+              <a14:hiddenFill xmlns:a14="http://schemas.microsoft.com/office/drawing/2010/main">
+                <a:solidFill>
+                  <a:srgbClr val="FFFFFF"/>
+                </a:solidFill>
+              </a14:hiddenFill>
+            </a:ext>
+          </a:extLst>
+        </p:spPr>
+      </p:pic>
+      <p:pic>
+        <p:nvPicPr>
+          <p:cNvPr id="1054" name="Picture 30" descr="Azure Functions—Develop Faster With Serverless Compute | Microsoft Azure">
+            <a:extLst>
+              <a:ext uri="{FF2B5EF4-FFF2-40B4-BE49-F238E27FC236}">
+                <a16:creationId xmlns:a16="http://schemas.microsoft.com/office/drawing/2014/main" id="{5DAF7E91-EAFD-46F1-A74B-6E307F9DDC29}"/>
+              </a:ext>
+            </a:extLst>
+          </p:cNvPr>
+          <p:cNvPicPr>
+            <a:picLocks noChangeAspect="1" noChangeArrowheads="1"/>
+          </p:cNvPicPr>
+          <p:nvPr/>
+        </p:nvPicPr>
+        <p:blipFill rotWithShape="1">
+          <a:blip r:embed="rId16" cstate="print">
+            <a:extLst>
+              <a:ext uri="{28A0092B-C50C-407E-A947-70E740481C1C}">
+                <a14:useLocalDpi xmlns:a14="http://schemas.microsoft.com/office/drawing/2010/main" val="0"/>
+              </a:ext>
+            </a:extLst>
+          </a:blip>
+          <a:srcRect l="20918" r="21156"/>
+          <a:stretch/>
+        </p:blipFill>
+        <p:spPr bwMode="auto">
+          <a:xfrm>
+            <a:off x="1492695" y="3002958"/>
+            <a:ext cx="312039" cy="282809"/>
+          </a:xfrm>
+          <a:prstGeom prst="rect">
+            <a:avLst/>
+          </a:prstGeom>
+          <a:noFill/>
+          <a:extLst>
+            <a:ext uri="{909E8E84-426E-40DD-AFC4-6F175D3DCCD1}">
+              <a14:hiddenFill xmlns:a14="http://schemas.microsoft.com/office/drawing/2010/main">
+                <a:solidFill>
+                  <a:srgbClr val="FFFFFF"/>
+                </a:solidFill>
+              </a14:hiddenFill>
+            </a:ext>
+          </a:extLst>
+        </p:spPr>
+      </p:pic>
+      <p:pic>
+        <p:nvPicPr>
+          <p:cNvPr id="162" name="Picture 30" descr="Azure Functions—Develop Faster With Serverless Compute | Microsoft Azure">
+            <a:extLst>
+              <a:ext uri="{FF2B5EF4-FFF2-40B4-BE49-F238E27FC236}">
+                <a16:creationId xmlns:a16="http://schemas.microsoft.com/office/drawing/2014/main" id="{3DF128EC-33BC-4A94-A04A-5E3229E0C2D7}"/>
+              </a:ext>
+            </a:extLst>
+          </p:cNvPr>
+          <p:cNvPicPr>
+            <a:picLocks noChangeAspect="1" noChangeArrowheads="1"/>
+          </p:cNvPicPr>
+          <p:nvPr/>
+        </p:nvPicPr>
+        <p:blipFill rotWithShape="1">
+          <a:blip r:embed="rId17" cstate="print">
+            <a:extLst>
+              <a:ext uri="{28A0092B-C50C-407E-A947-70E740481C1C}">
+                <a14:useLocalDpi xmlns:a14="http://schemas.microsoft.com/office/drawing/2010/main" val="0"/>
+              </a:ext>
+            </a:extLst>
+          </a:blip>
+          <a:srcRect l="20918" r="21156"/>
+          <a:stretch/>
+        </p:blipFill>
+        <p:spPr bwMode="auto">
+          <a:xfrm>
+            <a:off x="4960929" y="4719723"/>
+            <a:ext cx="323327" cy="293040"/>
+          </a:xfrm>
+          <a:prstGeom prst="rect">
+            <a:avLst/>
+          </a:prstGeom>
+          <a:noFill/>
+          <a:extLst>
+            <a:ext uri="{909E8E84-426E-40DD-AFC4-6F175D3DCCD1}">
+              <a14:hiddenFill xmlns:a14="http://schemas.microsoft.com/office/drawing/2010/main">
+                <a:solidFill>
+                  <a:srgbClr val="FFFFFF"/>
+                </a:solidFill>
+              </a14:hiddenFill>
+            </a:ext>
+          </a:extLst>
+        </p:spPr>
+      </p:pic>
+      <p:grpSp>
+        <p:nvGrpSpPr>
+          <p:cNvPr id="170" name="Grupo 169">
+            <a:extLst>
+              <a:ext uri="{FF2B5EF4-FFF2-40B4-BE49-F238E27FC236}">
+                <a16:creationId xmlns:a16="http://schemas.microsoft.com/office/drawing/2014/main" id="{BA9D8D7C-6191-4DB3-ABC1-E8AF6E051140}"/>
+              </a:ext>
+            </a:extLst>
+          </p:cNvPr>
+          <p:cNvGrpSpPr/>
+          <p:nvPr/>
+        </p:nvGrpSpPr>
+        <p:grpSpPr>
+          <a:xfrm>
+            <a:off x="8616280" y="4584682"/>
+            <a:ext cx="2516185" cy="516731"/>
+            <a:chOff x="7072979" y="480060"/>
+            <a:chExt cx="2066925" cy="516731"/>
+          </a:xfrm>
+          <a:solidFill>
+            <a:schemeClr val="accent1">
+              <a:lumMod val="60000"/>
+              <a:lumOff val="40000"/>
+            </a:schemeClr>
+          </a:solidFill>
+        </p:grpSpPr>
+        <p:sp>
+          <p:nvSpPr>
+            <p:cNvPr id="171" name="Rectángulo: esquinas redondeadas 170">
+              <a:extLst>
+                <a:ext uri="{FF2B5EF4-FFF2-40B4-BE49-F238E27FC236}">
+                  <a16:creationId xmlns:a16="http://schemas.microsoft.com/office/drawing/2014/main" id="{48096042-9AB6-4EB9-9F7C-F9945DE6C267}"/>
+                </a:ext>
+              </a:extLst>
+            </p:cNvPr>
+            <p:cNvSpPr/>
+            <p:nvPr/>
+          </p:nvSpPr>
+          <p:spPr>
+            <a:xfrm>
+              <a:off x="7072979" y="480060"/>
+              <a:ext cx="2066925" cy="516731"/>
+            </a:xfrm>
+            <a:prstGeom prst="roundRect">
+              <a:avLst>
+                <a:gd name="adj" fmla="val 10000"/>
+              </a:avLst>
+            </a:prstGeom>
+            <a:solidFill>
+              <a:schemeClr val="accent1">
+                <a:lumMod val="50000"/>
+              </a:schemeClr>
+            </a:solidFill>
+            <a:ln>
+              <a:solidFill>
+                <a:schemeClr val="accent1">
+                  <a:lumMod val="60000"/>
+                  <a:lumOff val="40000"/>
+                </a:schemeClr>
+              </a:solidFill>
+            </a:ln>
+          </p:spPr>
+          <p:style>
+            <a:lnRef idx="0">
+              <a:schemeClr val="lt1">
+                <a:hueOff val="0"/>
+                <a:satOff val="0"/>
+                <a:lumOff val="0"/>
+                <a:alphaOff val="0"/>
+              </a:schemeClr>
+            </a:lnRef>
+            <a:fillRef idx="3">
+              <a:schemeClr val="accent1">
+                <a:hueOff val="0"/>
+                <a:satOff val="0"/>
+                <a:lumOff val="0"/>
+                <a:alphaOff val="0"/>
+              </a:schemeClr>
+            </a:fillRef>
+            <a:effectRef idx="2">
+              <a:schemeClr val="accent1">
+                <a:hueOff val="0"/>
+                <a:satOff val="0"/>
+                <a:lumOff val="0"/>
+                <a:alphaOff val="0"/>
+              </a:schemeClr>
+            </a:effectRef>
+            <a:fontRef idx="minor">
+              <a:schemeClr val="lt1"/>
+            </a:fontRef>
+          </p:style>
+        </p:sp>
+        <p:sp>
+          <p:nvSpPr>
+            <p:cNvPr id="172" name="Rectángulo: esquinas redondeadas 4">
+              <a:extLst>
+                <a:ext uri="{FF2B5EF4-FFF2-40B4-BE49-F238E27FC236}">
+                  <a16:creationId xmlns:a16="http://schemas.microsoft.com/office/drawing/2014/main" id="{E3D64A32-A0A4-4C8F-9317-7BCFFDBE059C}"/>
+                </a:ext>
+              </a:extLst>
+            </p:cNvPr>
+            <p:cNvSpPr txBox="1"/>
+            <p:nvPr/>
+          </p:nvSpPr>
+          <p:spPr>
+            <a:xfrm>
+              <a:off x="7088710" y="483867"/>
+              <a:ext cx="2035386" cy="486461"/>
+            </a:xfrm>
+            <a:prstGeom prst="rect">
+              <a:avLst/>
+            </a:prstGeom>
+            <a:grpFill/>
+            <a:ln>
+              <a:solidFill>
+                <a:srgbClr val="00B050"/>
+              </a:solidFill>
+            </a:ln>
+          </p:spPr>
+          <p:style>
+            <a:lnRef idx="0">
+              <a:scrgbClr r="0" g="0" b="0"/>
+            </a:lnRef>
+            <a:fillRef idx="0">
+              <a:scrgbClr r="0" g="0" b="0"/>
+            </a:fillRef>
+            <a:effectRef idx="0">
+              <a:scrgbClr r="0" g="0" b="0"/>
+            </a:effectRef>
+            <a:fontRef idx="minor">
+              <a:schemeClr val="lt1"/>
+            </a:fontRef>
+          </p:style>
+          <p:txBody>
+            <a:bodyPr spcFirstLastPara="0" vert="horz" wrap="square" lIns="27940" tIns="27940" rIns="27940" bIns="27940" numCol="1" spcCol="1270" rtlCol="0" anchor="ctr" anchorCtr="0">
+              <a:noAutofit/>
+            </a:bodyPr>
+            <a:lstStyle/>
+            <a:p>
+              <a:pPr marL="0" lvl="0" indent="0" algn="ctr" defTabSz="977900" rtl="0">
+                <a:lnSpc>
+                  <a:spcPct val="90000"/>
+                </a:lnSpc>
+                <a:spcBef>
+                  <a:spcPct val="0"/>
+                </a:spcBef>
+                <a:spcAft>
+                  <a:spcPct val="35000"/>
+                </a:spcAft>
+                <a:buNone/>
+              </a:pPr>
+              <a:endParaRPr lang="es-ES" sz="1600" b="1" kern="1200" noProof="0" dirty="0">
+                <a:solidFill>
+                  <a:schemeClr val="bg2"/>
+                </a:solidFill>
+              </a:endParaRPr>
+            </a:p>
+          </p:txBody>
+        </p:sp>
+      </p:grpSp>
+      <p:pic>
+        <p:nvPicPr>
+          <p:cNvPr id="179" name="Picture 22" descr="Collection of Excel Logo PNG. | PlusPNG">
+            <a:extLst>
+              <a:ext uri="{FF2B5EF4-FFF2-40B4-BE49-F238E27FC236}">
+                <a16:creationId xmlns:a16="http://schemas.microsoft.com/office/drawing/2014/main" id="{67EEE5C9-5369-41F4-80AE-CE52F8C288BA}"/>
+              </a:ext>
+            </a:extLst>
+          </p:cNvPr>
+          <p:cNvPicPr>
+            <a:picLocks noChangeAspect="1" noChangeArrowheads="1"/>
+          </p:cNvPicPr>
+          <p:nvPr/>
+        </p:nvPicPr>
+        <p:blipFill rotWithShape="1">
+          <a:blip r:embed="rId10" cstate="print">
+            <a:extLst>
+              <a:ext uri="{28A0092B-C50C-407E-A947-70E740481C1C}">
+                <a14:useLocalDpi xmlns:a14="http://schemas.microsoft.com/office/drawing/2010/main" val="0"/>
+              </a:ext>
+            </a:extLst>
+          </a:blip>
+          <a:srcRect l="26594" t="17825" r="26272" b="17281"/>
+          <a:stretch/>
+        </p:blipFill>
+        <p:spPr bwMode="auto">
+          <a:xfrm>
+            <a:off x="10180373" y="4027959"/>
+            <a:ext cx="308115" cy="282808"/>
+          </a:xfrm>
+          <a:prstGeom prst="rect">
+            <a:avLst/>
+          </a:prstGeom>
+          <a:noFill/>
+          <a:extLst>
+            <a:ext uri="{909E8E84-426E-40DD-AFC4-6F175D3DCCD1}">
+              <a14:hiddenFill xmlns:a14="http://schemas.microsoft.com/office/drawing/2010/main">
+                <a:solidFill>
+                  <a:srgbClr val="FFFFFF"/>
+                </a:solidFill>
+              </a14:hiddenFill>
+            </a:ext>
+          </a:extLst>
+        </p:spPr>
+      </p:pic>
+      <p:pic>
+        <p:nvPicPr>
+          <p:cNvPr id="180" name="Picture 28" descr="SharePoint Basis - Westhaghe Training &amp; Advies">
+            <a:extLst>
+              <a:ext uri="{FF2B5EF4-FFF2-40B4-BE49-F238E27FC236}">
+                <a16:creationId xmlns:a16="http://schemas.microsoft.com/office/drawing/2014/main" id="{60ABADD1-4CA1-48D0-879D-3DA5DF49123F}"/>
+              </a:ext>
+            </a:extLst>
+          </p:cNvPr>
+          <p:cNvPicPr>
+            <a:picLocks noChangeAspect="1" noChangeArrowheads="1"/>
+          </p:cNvPicPr>
+          <p:nvPr/>
+        </p:nvPicPr>
+        <p:blipFill>
+          <a:blip r:embed="rId15" cstate="print">
+            <a:extLst>
+              <a:ext uri="{28A0092B-C50C-407E-A947-70E740481C1C}">
+                <a14:useLocalDpi xmlns:a14="http://schemas.microsoft.com/office/drawing/2010/main" val="0"/>
+              </a:ext>
+            </a:extLst>
+          </a:blip>
+          <a:srcRect/>
+          <a:stretch>
+            <a:fillRect/>
+          </a:stretch>
+        </p:blipFill>
+        <p:spPr bwMode="auto">
+          <a:xfrm>
+            <a:off x="9629051" y="4027164"/>
+            <a:ext cx="289273" cy="282808"/>
+          </a:xfrm>
+          <a:prstGeom prst="rect">
+            <a:avLst/>
+          </a:prstGeom>
+          <a:noFill/>
+          <a:extLst>
+            <a:ext uri="{909E8E84-426E-40DD-AFC4-6F175D3DCCD1}">
+              <a14:hiddenFill xmlns:a14="http://schemas.microsoft.com/office/drawing/2010/main">
+                <a:solidFill>
+                  <a:srgbClr val="FFFFFF"/>
+                </a:solidFill>
+              </a14:hiddenFill>
+            </a:ext>
+          </a:extLst>
+        </p:spPr>
+      </p:pic>
+      <p:pic>
+        <p:nvPicPr>
+          <p:cNvPr id="1058" name="Picture 34" descr="Pricing Details - Key Vault | Microsoft Azure">
+            <a:extLst>
+              <a:ext uri="{FF2B5EF4-FFF2-40B4-BE49-F238E27FC236}">
+                <a16:creationId xmlns:a16="http://schemas.microsoft.com/office/drawing/2014/main" id="{097A0AE7-1355-4B4E-80FE-63F172E11116}"/>
+              </a:ext>
+            </a:extLst>
+          </p:cNvPr>
+          <p:cNvPicPr>
+            <a:picLocks noChangeAspect="1" noChangeArrowheads="1"/>
+          </p:cNvPicPr>
+          <p:nvPr/>
+        </p:nvPicPr>
+        <p:blipFill rotWithShape="1">
+          <a:blip r:embed="rId18" cstate="print">
+            <a:extLst>
+              <a:ext uri="{28A0092B-C50C-407E-A947-70E740481C1C}">
+                <a14:useLocalDpi xmlns:a14="http://schemas.microsoft.com/office/drawing/2010/main" val="0"/>
+              </a:ext>
+            </a:extLst>
+          </a:blip>
+          <a:srcRect l="24169" r="23331"/>
+          <a:stretch/>
+        </p:blipFill>
+        <p:spPr bwMode="auto">
+          <a:xfrm>
+            <a:off x="1544391" y="3417202"/>
+            <a:ext cx="244738" cy="270906"/>
+          </a:xfrm>
+          <a:prstGeom prst="flowChartConnector">
+            <a:avLst/>
+          </a:prstGeom>
+          <a:noFill/>
+          <a:extLst>
+            <a:ext uri="{909E8E84-426E-40DD-AFC4-6F175D3DCCD1}">
+              <a14:hiddenFill xmlns:a14="http://schemas.microsoft.com/office/drawing/2010/main">
+                <a:solidFill>
+                  <a:srgbClr val="FFFFFF"/>
+                </a:solidFill>
+              </a14:hiddenFill>
+            </a:ext>
+          </a:extLst>
+        </p:spPr>
+      </p:pic>
+      <p:pic>
+        <p:nvPicPr>
+          <p:cNvPr id="248" name="Picture 34" descr="Pricing Details - Key Vault | Microsoft Azure">
+            <a:extLst>
+              <a:ext uri="{FF2B5EF4-FFF2-40B4-BE49-F238E27FC236}">
+                <a16:creationId xmlns:a16="http://schemas.microsoft.com/office/drawing/2014/main" id="{65A33756-E817-468D-9F36-C55D28C63E4D}"/>
+              </a:ext>
+            </a:extLst>
+          </p:cNvPr>
+          <p:cNvPicPr>
+            <a:picLocks noChangeAspect="1" noChangeArrowheads="1"/>
+          </p:cNvPicPr>
+          <p:nvPr/>
+        </p:nvPicPr>
+        <p:blipFill rotWithShape="1">
+          <a:blip r:embed="rId18" cstate="print">
+            <a:extLst>
+              <a:ext uri="{28A0092B-C50C-407E-A947-70E740481C1C}">
+                <a14:useLocalDpi xmlns:a14="http://schemas.microsoft.com/office/drawing/2010/main" val="0"/>
+              </a:ext>
+            </a:extLst>
+          </a:blip>
+          <a:srcRect l="24169" r="23331"/>
+          <a:stretch/>
+        </p:blipFill>
+        <p:spPr bwMode="auto">
+          <a:xfrm>
+            <a:off x="5857085" y="3326831"/>
+            <a:ext cx="244738" cy="270906"/>
+          </a:xfrm>
+          <a:prstGeom prst="flowChartConnector">
+            <a:avLst/>
+          </a:prstGeom>
+          <a:noFill/>
+          <a:extLst>
+            <a:ext uri="{909E8E84-426E-40DD-AFC4-6F175D3DCCD1}">
+              <a14:hiddenFill xmlns:a14="http://schemas.microsoft.com/office/drawing/2010/main">
+                <a:solidFill>
+                  <a:srgbClr val="FFFFFF"/>
+                </a:solidFill>
+              </a14:hiddenFill>
+            </a:ext>
+          </a:extLst>
+        </p:spPr>
+      </p:pic>
+      <p:pic>
+        <p:nvPicPr>
+          <p:cNvPr id="249" name="Picture 20" descr="How to handle Error records in Azure Data Factory - Flexmind">
+            <a:extLst>
+              <a:ext uri="{FF2B5EF4-FFF2-40B4-BE49-F238E27FC236}">
+                <a16:creationId xmlns:a16="http://schemas.microsoft.com/office/drawing/2014/main" id="{0BA18FD8-A242-413C-ABF7-D4EC21DC87F7}"/>
+              </a:ext>
+            </a:extLst>
+          </p:cNvPr>
+          <p:cNvPicPr>
+            <a:picLocks noChangeAspect="1" noChangeArrowheads="1"/>
+          </p:cNvPicPr>
+          <p:nvPr/>
+        </p:nvPicPr>
+        <p:blipFill>
+          <a:blip r:embed="rId9" cstate="print">
+            <a:extLst>
+              <a:ext uri="{28A0092B-C50C-407E-A947-70E740481C1C}">
+                <a14:useLocalDpi xmlns:a14="http://schemas.microsoft.com/office/drawing/2010/main" val="0"/>
+              </a:ext>
+            </a:extLst>
+          </a:blip>
+          <a:srcRect/>
+          <a:stretch>
+            <a:fillRect/>
+          </a:stretch>
+        </p:blipFill>
+        <p:spPr bwMode="auto">
+          <a:xfrm>
+            <a:off x="9104819" y="3269500"/>
+            <a:ext cx="394760" cy="338178"/>
+          </a:xfrm>
+          <a:prstGeom prst="rect">
+            <a:avLst/>
+          </a:prstGeom>
+          <a:noFill/>
+          <a:extLst>
+            <a:ext uri="{909E8E84-426E-40DD-AFC4-6F175D3DCCD1}">
+              <a14:hiddenFill xmlns:a14="http://schemas.microsoft.com/office/drawing/2010/main">
+                <a:solidFill>
+                  <a:srgbClr val="FFFFFF"/>
+                </a:solidFill>
+              </a14:hiddenFill>
+            </a:ext>
+          </a:extLst>
+        </p:spPr>
+      </p:pic>
+      <p:pic>
+        <p:nvPicPr>
+          <p:cNvPr id="250" name="Picture 34" descr="Pricing Details - Key Vault | Microsoft Azure">
+            <a:extLst>
+              <a:ext uri="{FF2B5EF4-FFF2-40B4-BE49-F238E27FC236}">
+                <a16:creationId xmlns:a16="http://schemas.microsoft.com/office/drawing/2014/main" id="{DF35ADC9-CBFE-4C9C-AD9A-12604534A33C}"/>
+              </a:ext>
+            </a:extLst>
+          </p:cNvPr>
+          <p:cNvPicPr>
+            <a:picLocks noChangeAspect="1" noChangeArrowheads="1"/>
+          </p:cNvPicPr>
+          <p:nvPr/>
+        </p:nvPicPr>
+        <p:blipFill rotWithShape="1">
+          <a:blip r:embed="rId18" cstate="print">
+            <a:extLst>
+              <a:ext uri="{28A0092B-C50C-407E-A947-70E740481C1C}">
+                <a14:useLocalDpi xmlns:a14="http://schemas.microsoft.com/office/drawing/2010/main" val="0"/>
+              </a:ext>
+            </a:extLst>
+          </a:blip>
+          <a:srcRect l="24169" r="23331"/>
+          <a:stretch/>
+        </p:blipFill>
+        <p:spPr bwMode="auto">
+          <a:xfrm>
+            <a:off x="10027253" y="3339955"/>
+            <a:ext cx="245211" cy="271430"/>
+          </a:xfrm>
+          <a:prstGeom prst="flowChartConnector">
+            <a:avLst/>
+          </a:prstGeom>
+          <a:noFill/>
+          <a:extLst>
+            <a:ext uri="{909E8E84-426E-40DD-AFC4-6F175D3DCCD1}">
+              <a14:hiddenFill xmlns:a14="http://schemas.microsoft.com/office/drawing/2010/main">
+                <a:solidFill>
+                  <a:srgbClr val="FFFFFF"/>
+                </a:solidFill>
+              </a14:hiddenFill>
+            </a:ext>
+          </a:extLst>
+        </p:spPr>
+      </p:pic>
+      <p:sp>
+        <p:nvSpPr>
+          <p:cNvPr id="253" name="CuadroTexto 252">
+            <a:extLst>
+              <a:ext uri="{FF2B5EF4-FFF2-40B4-BE49-F238E27FC236}">
+                <a16:creationId xmlns:a16="http://schemas.microsoft.com/office/drawing/2014/main" id="{7FA9AD1F-DC9C-4023-8DC0-CE72903D35DD}"/>
+              </a:ext>
+            </a:extLst>
+          </p:cNvPr>
+          <p:cNvSpPr txBox="1"/>
+          <p:nvPr/>
+        </p:nvSpPr>
+        <p:spPr>
+          <a:xfrm>
+            <a:off x="9048990" y="3971425"/>
+            <a:ext cx="365894" cy="369332"/>
+          </a:xfrm>
+          <a:prstGeom prst="rect">
+            <a:avLst/>
+          </a:prstGeom>
+          <a:noFill/>
+        </p:spPr>
+        <p:txBody>
+          <a:bodyPr wrap="square">
+            <a:spAutoFit/>
+          </a:bodyPr>
+          <a:lstStyle/>
+          <a:p>
+            <a:r>
+              <a:rPr lang="es-CO" sz="1800" dirty="0"/>
+              <a:t>🔍</a:t>
+            </a:r>
+            <a:r>
+              <a:rPr lang="es-ES" sz="1800" b="1" dirty="0">
+                <a:solidFill>
+                  <a:schemeClr val="bg2"/>
+                </a:solidFill>
+              </a:rPr>
+              <a:t> </a:t>
+            </a:r>
+            <a:endParaRPr lang="es-CO" dirty="0"/>
+          </a:p>
+        </p:txBody>
+      </p:sp>
+      <p:sp>
+        <p:nvSpPr>
+          <p:cNvPr id="254" name="CuadroTexto 253">
+            <a:extLst>
+              <a:ext uri="{FF2B5EF4-FFF2-40B4-BE49-F238E27FC236}">
+                <a16:creationId xmlns:a16="http://schemas.microsoft.com/office/drawing/2014/main" id="{D81E36DA-83E2-4CD1-82E5-65122098B1B8}"/>
+              </a:ext>
+            </a:extLst>
+          </p:cNvPr>
+          <p:cNvSpPr txBox="1"/>
+          <p:nvPr/>
+        </p:nvSpPr>
+        <p:spPr>
+          <a:xfrm>
+            <a:off x="4155877" y="4687276"/>
+            <a:ext cx="491445" cy="369332"/>
+          </a:xfrm>
+          <a:prstGeom prst="rect">
+            <a:avLst/>
+          </a:prstGeom>
+          <a:noFill/>
+        </p:spPr>
+        <p:txBody>
+          <a:bodyPr wrap="square">
+            <a:spAutoFit/>
+          </a:bodyPr>
+          <a:lstStyle/>
+          <a:p>
+            <a:r>
+              <a:rPr lang="es-CO" sz="1800" dirty="0"/>
+              <a:t>🔍</a:t>
+            </a:r>
+            <a:r>
+              <a:rPr lang="es-ES" sz="1800" b="1" dirty="0">
+                <a:solidFill>
+                  <a:schemeClr val="bg2"/>
+                </a:solidFill>
+              </a:rPr>
+              <a:t> </a:t>
+            </a:r>
+            <a:endParaRPr lang="es-CO" dirty="0"/>
+          </a:p>
+        </p:txBody>
+      </p:sp>
+      <p:pic>
+        <p:nvPicPr>
+          <p:cNvPr id="255" name="Picture 22" descr="Collection of Excel Logo PNG. | PlusPNG">
+            <a:extLst>
+              <a:ext uri="{FF2B5EF4-FFF2-40B4-BE49-F238E27FC236}">
+                <a16:creationId xmlns:a16="http://schemas.microsoft.com/office/drawing/2014/main" id="{ED97330A-2898-4460-B56A-0AE8855828DC}"/>
+              </a:ext>
+            </a:extLst>
+          </p:cNvPr>
+          <p:cNvPicPr>
+            <a:picLocks noChangeAspect="1" noChangeArrowheads="1"/>
+          </p:cNvPicPr>
+          <p:nvPr/>
+        </p:nvPicPr>
+        <p:blipFill rotWithShape="1">
+          <a:blip r:embed="rId10" cstate="print">
+            <a:extLst>
+              <a:ext uri="{28A0092B-C50C-407E-A947-70E740481C1C}">
+                <a14:useLocalDpi xmlns:a14="http://schemas.microsoft.com/office/drawing/2010/main" val="0"/>
+              </a:ext>
+            </a:extLst>
+          </a:blip>
+          <a:srcRect l="26594" t="17825" r="26272" b="17281"/>
+          <a:stretch/>
+        </p:blipFill>
+        <p:spPr bwMode="auto">
+          <a:xfrm>
+            <a:off x="5672001" y="3999734"/>
+            <a:ext cx="308115" cy="282808"/>
+          </a:xfrm>
+          <a:prstGeom prst="rect">
+            <a:avLst/>
+          </a:prstGeom>
+          <a:noFill/>
+          <a:extLst>
+            <a:ext uri="{909E8E84-426E-40DD-AFC4-6F175D3DCCD1}">
+              <a14:hiddenFill xmlns:a14="http://schemas.microsoft.com/office/drawing/2010/main">
+                <a:solidFill>
+                  <a:srgbClr val="FFFFFF"/>
+                </a:solidFill>
+              </a14:hiddenFill>
+            </a:ext>
+          </a:extLst>
+        </p:spPr>
+      </p:pic>
+      <p:pic>
+        <p:nvPicPr>
+          <p:cNvPr id="256" name="Picture 28" descr="SharePoint Basis - Westhaghe Training &amp; Advies">
+            <a:extLst>
+              <a:ext uri="{FF2B5EF4-FFF2-40B4-BE49-F238E27FC236}">
+                <a16:creationId xmlns:a16="http://schemas.microsoft.com/office/drawing/2014/main" id="{F95AB882-0099-445D-9640-CED2E2C13E37}"/>
+              </a:ext>
+            </a:extLst>
+          </p:cNvPr>
+          <p:cNvPicPr>
+            <a:picLocks noChangeAspect="1" noChangeArrowheads="1"/>
+          </p:cNvPicPr>
+          <p:nvPr/>
+        </p:nvPicPr>
+        <p:blipFill>
+          <a:blip r:embed="rId15" cstate="print">
+            <a:extLst>
+              <a:ext uri="{28A0092B-C50C-407E-A947-70E740481C1C}">
+                <a14:useLocalDpi xmlns:a14="http://schemas.microsoft.com/office/drawing/2010/main" val="0"/>
+              </a:ext>
+            </a:extLst>
+          </a:blip>
+          <a:srcRect/>
+          <a:stretch>
+            <a:fillRect/>
+          </a:stretch>
+        </p:blipFill>
+        <p:spPr bwMode="auto">
+          <a:xfrm>
+            <a:off x="5120679" y="3998939"/>
+            <a:ext cx="289273" cy="282808"/>
+          </a:xfrm>
+          <a:prstGeom prst="rect">
+            <a:avLst/>
+          </a:prstGeom>
+          <a:noFill/>
+          <a:extLst>
+            <a:ext uri="{909E8E84-426E-40DD-AFC4-6F175D3DCCD1}">
+              <a14:hiddenFill xmlns:a14="http://schemas.microsoft.com/office/drawing/2010/main">
+                <a:solidFill>
+                  <a:srgbClr val="FFFFFF"/>
+                </a:solidFill>
+              </a14:hiddenFill>
+            </a:ext>
+          </a:extLst>
+        </p:spPr>
+      </p:pic>
+      <p:sp>
+        <p:nvSpPr>
+          <p:cNvPr id="257" name="CuadroTexto 256">
+            <a:extLst>
+              <a:ext uri="{FF2B5EF4-FFF2-40B4-BE49-F238E27FC236}">
+                <a16:creationId xmlns:a16="http://schemas.microsoft.com/office/drawing/2014/main" id="{AE712308-344C-407A-A124-8CB8AFC19F51}"/>
+              </a:ext>
+            </a:extLst>
+          </p:cNvPr>
+          <p:cNvSpPr txBox="1"/>
+          <p:nvPr/>
+        </p:nvSpPr>
+        <p:spPr>
+          <a:xfrm>
+            <a:off x="4540618" y="3943200"/>
+            <a:ext cx="365894" cy="369332"/>
+          </a:xfrm>
+          <a:prstGeom prst="rect">
+            <a:avLst/>
+          </a:prstGeom>
+          <a:noFill/>
+        </p:spPr>
+        <p:txBody>
+          <a:bodyPr wrap="square">
+            <a:spAutoFit/>
+          </a:bodyPr>
+          <a:lstStyle/>
+          <a:p>
+            <a:r>
+              <a:rPr lang="es-CO" sz="1800" dirty="0"/>
+              <a:t>🔍</a:t>
+            </a:r>
+            <a:r>
+              <a:rPr lang="es-ES" sz="1800" b="1" dirty="0">
+                <a:solidFill>
+                  <a:schemeClr val="bg2"/>
+                </a:solidFill>
+              </a:rPr>
+              <a:t> </a:t>
+            </a:r>
+            <a:endParaRPr lang="es-CO" dirty="0"/>
+          </a:p>
+        </p:txBody>
+      </p:sp>
+      <p:grpSp>
+        <p:nvGrpSpPr>
+          <p:cNvPr id="258" name="Grupo 257">
+            <a:extLst>
+              <a:ext uri="{FF2B5EF4-FFF2-40B4-BE49-F238E27FC236}">
+                <a16:creationId xmlns:a16="http://schemas.microsoft.com/office/drawing/2014/main" id="{BD523BBF-DC2A-42AE-8230-290D60ED1DC3}"/>
+              </a:ext>
+            </a:extLst>
+          </p:cNvPr>
+          <p:cNvGrpSpPr/>
+          <p:nvPr/>
+        </p:nvGrpSpPr>
+        <p:grpSpPr>
+          <a:xfrm>
+            <a:off x="4079776" y="5267569"/>
+            <a:ext cx="2516186" cy="516731"/>
+            <a:chOff x="7072979" y="480060"/>
+            <a:chExt cx="2066925" cy="516731"/>
+          </a:xfrm>
+          <a:solidFill>
+            <a:schemeClr val="accent5">
+              <a:lumMod val="40000"/>
+              <a:lumOff val="60000"/>
+            </a:schemeClr>
+          </a:solidFill>
+        </p:grpSpPr>
+        <p:sp>
+          <p:nvSpPr>
+            <p:cNvPr id="259" name="Rectángulo: esquinas redondeadas 258">
+              <a:extLst>
+                <a:ext uri="{FF2B5EF4-FFF2-40B4-BE49-F238E27FC236}">
+                  <a16:creationId xmlns:a16="http://schemas.microsoft.com/office/drawing/2014/main" id="{041234C5-ADAD-4720-8788-D1060891C0B0}"/>
+                </a:ext>
+              </a:extLst>
+            </p:cNvPr>
+            <p:cNvSpPr/>
+            <p:nvPr/>
+          </p:nvSpPr>
+          <p:spPr>
+            <a:xfrm>
+              <a:off x="7072979" y="480060"/>
+              <a:ext cx="2066925" cy="516731"/>
+            </a:xfrm>
+            <a:prstGeom prst="roundRect">
+              <a:avLst>
+                <a:gd name="adj" fmla="val 10000"/>
+              </a:avLst>
+            </a:prstGeom>
+            <a:solidFill>
+              <a:srgbClr val="FF0000"/>
+            </a:solidFill>
+            <a:ln>
+              <a:solidFill>
+                <a:schemeClr val="accent5">
+                  <a:lumMod val="60000"/>
+                  <a:lumOff val="40000"/>
+                </a:schemeClr>
+              </a:solidFill>
+            </a:ln>
+          </p:spPr>
+          <p:style>
+            <a:lnRef idx="0">
+              <a:schemeClr val="lt1">
+                <a:hueOff val="0"/>
+                <a:satOff val="0"/>
+                <a:lumOff val="0"/>
+                <a:alphaOff val="0"/>
+              </a:schemeClr>
+            </a:lnRef>
+            <a:fillRef idx="3">
+              <a:schemeClr val="accent1">
+                <a:hueOff val="0"/>
+                <a:satOff val="0"/>
+                <a:lumOff val="0"/>
+                <a:alphaOff val="0"/>
+              </a:schemeClr>
+            </a:fillRef>
+            <a:effectRef idx="2">
+              <a:schemeClr val="accent1">
+                <a:hueOff val="0"/>
+                <a:satOff val="0"/>
+                <a:lumOff val="0"/>
+                <a:alphaOff val="0"/>
+              </a:schemeClr>
+            </a:effectRef>
+            <a:fontRef idx="minor">
+              <a:schemeClr val="lt1"/>
+            </a:fontRef>
+          </p:style>
+        </p:sp>
+        <p:sp>
+          <p:nvSpPr>
+            <p:cNvPr id="260" name="Rectángulo: esquinas redondeadas 4">
+              <a:extLst>
+                <a:ext uri="{FF2B5EF4-FFF2-40B4-BE49-F238E27FC236}">
+                  <a16:creationId xmlns:a16="http://schemas.microsoft.com/office/drawing/2014/main" id="{ADCFA4AC-9B4F-4F17-8E10-EFA204D8608A}"/>
+                </a:ext>
+              </a:extLst>
+            </p:cNvPr>
+            <p:cNvSpPr txBox="1"/>
+            <p:nvPr/>
+          </p:nvSpPr>
+          <p:spPr>
+            <a:xfrm>
+              <a:off x="7087441" y="483867"/>
+              <a:ext cx="2036655" cy="486461"/>
+            </a:xfrm>
+            <a:prstGeom prst="rect">
+              <a:avLst/>
+            </a:prstGeom>
+            <a:grpFill/>
+            <a:ln>
+              <a:solidFill>
+                <a:srgbClr val="FF0000"/>
+              </a:solidFill>
+            </a:ln>
+          </p:spPr>
+          <p:style>
+            <a:lnRef idx="0">
+              <a:scrgbClr r="0" g="0" b="0"/>
+            </a:lnRef>
+            <a:fillRef idx="0">
+              <a:scrgbClr r="0" g="0" b="0"/>
+            </a:fillRef>
+            <a:effectRef idx="0">
+              <a:scrgbClr r="0" g="0" b="0"/>
+            </a:effectRef>
+            <a:fontRef idx="minor">
+              <a:schemeClr val="lt1"/>
+            </a:fontRef>
+          </p:style>
+          <p:txBody>
+            <a:bodyPr spcFirstLastPara="0" vert="horz" wrap="square" lIns="27940" tIns="27940" rIns="27940" bIns="27940" numCol="1" spcCol="1270" rtlCol="0" anchor="ctr" anchorCtr="0">
+              <a:noAutofit/>
+            </a:bodyPr>
+            <a:lstStyle/>
+            <a:p>
+              <a:pPr marL="0" lvl="0" indent="0" algn="ctr" defTabSz="977900" rtl="0">
+                <a:lnSpc>
+                  <a:spcPct val="90000"/>
+                </a:lnSpc>
+                <a:spcBef>
+                  <a:spcPct val="0"/>
+                </a:spcBef>
+                <a:spcAft>
+                  <a:spcPct val="35000"/>
+                </a:spcAft>
+                <a:buNone/>
+              </a:pPr>
+              <a:endParaRPr lang="es-ES" sz="1600" b="1" kern="1200" noProof="0" dirty="0">
+                <a:solidFill>
+                  <a:schemeClr val="bg2"/>
+                </a:solidFill>
+              </a:endParaRPr>
+            </a:p>
+          </p:txBody>
+        </p:sp>
+      </p:grpSp>
+      <p:pic>
+        <p:nvPicPr>
+          <p:cNvPr id="261" name="Picture 4" descr="Artificial Intelligence - Softrams services">
+            <a:extLst>
+              <a:ext uri="{FF2B5EF4-FFF2-40B4-BE49-F238E27FC236}">
+                <a16:creationId xmlns:a16="http://schemas.microsoft.com/office/drawing/2014/main" id="{967967AA-4204-4176-A064-FBFBA1E6C66B}"/>
+              </a:ext>
+            </a:extLst>
+          </p:cNvPr>
+          <p:cNvPicPr>
+            <a:picLocks noChangeAspect="1" noChangeArrowheads="1"/>
+          </p:cNvPicPr>
+          <p:nvPr/>
+        </p:nvPicPr>
+        <p:blipFill>
+          <a:blip r:embed="rId5" cstate="print">
+            <a:extLst>
+              <a:ext uri="{28A0092B-C50C-407E-A947-70E740481C1C}">
+                <a14:useLocalDpi xmlns:a14="http://schemas.microsoft.com/office/drawing/2010/main" val="0"/>
+              </a:ext>
+            </a:extLst>
+          </a:blip>
+          <a:srcRect/>
+          <a:stretch>
+            <a:fillRect/>
+          </a:stretch>
+        </p:blipFill>
+        <p:spPr bwMode="auto">
+          <a:xfrm>
+            <a:off x="5471271" y="5339720"/>
+            <a:ext cx="323326" cy="323326"/>
+          </a:xfrm>
+          <a:prstGeom prst="rect">
+            <a:avLst/>
+          </a:prstGeom>
+          <a:noFill/>
+          <a:extLst>
+            <a:ext uri="{909E8E84-426E-40DD-AFC4-6F175D3DCCD1}">
+              <a14:hiddenFill xmlns:a14="http://schemas.microsoft.com/office/drawing/2010/main">
+                <a:solidFill>
+                  <a:srgbClr val="FFFFFF"/>
+                </a:solidFill>
+              </a14:hiddenFill>
+            </a:ext>
+          </a:extLst>
+        </p:spPr>
+      </p:pic>
+      <p:pic>
+        <p:nvPicPr>
+          <p:cNvPr id="262" name="Picture 12" descr="Data Replication Software - Automated and Real-time | BryteFlow">
+            <a:extLst>
+              <a:ext uri="{FF2B5EF4-FFF2-40B4-BE49-F238E27FC236}">
+                <a16:creationId xmlns:a16="http://schemas.microsoft.com/office/drawing/2014/main" id="{038375BB-BC70-4E04-8770-D44975D2F9BA}"/>
+              </a:ext>
+            </a:extLst>
+          </p:cNvPr>
+          <p:cNvPicPr>
+            <a:picLocks noChangeAspect="1" noChangeArrowheads="1"/>
+          </p:cNvPicPr>
+          <p:nvPr/>
+        </p:nvPicPr>
+        <p:blipFill>
+          <a:blip r:embed="rId7" cstate="print">
+            <a:extLst>
+              <a:ext uri="{28A0092B-C50C-407E-A947-70E740481C1C}">
+                <a14:useLocalDpi xmlns:a14="http://schemas.microsoft.com/office/drawing/2010/main" val="0"/>
+              </a:ext>
+            </a:extLst>
+          </a:blip>
+          <a:srcRect/>
+          <a:stretch>
+            <a:fillRect/>
+          </a:stretch>
+        </p:blipFill>
+        <p:spPr bwMode="auto">
+          <a:xfrm>
+            <a:off x="6064935" y="5312222"/>
+            <a:ext cx="378321" cy="378321"/>
+          </a:xfrm>
+          <a:prstGeom prst="rect">
+            <a:avLst/>
+          </a:prstGeom>
+          <a:noFill/>
+          <a:extLst>
+            <a:ext uri="{909E8E84-426E-40DD-AFC4-6F175D3DCCD1}">
+              <a14:hiddenFill xmlns:a14="http://schemas.microsoft.com/office/drawing/2010/main">
+                <a:solidFill>
+                  <a:srgbClr val="FFFFFF"/>
+                </a:solidFill>
+              </a14:hiddenFill>
+            </a:ext>
+          </a:extLst>
+        </p:spPr>
+      </p:pic>
+      <p:pic>
+        <p:nvPicPr>
+          <p:cNvPr id="264" name="Picture 30" descr="Azure Functions—Develop Faster With Serverless Compute | Microsoft Azure">
+            <a:extLst>
+              <a:ext uri="{FF2B5EF4-FFF2-40B4-BE49-F238E27FC236}">
+                <a16:creationId xmlns:a16="http://schemas.microsoft.com/office/drawing/2014/main" id="{56CF493D-61E8-4A67-A88C-7997246B3B9E}"/>
+              </a:ext>
+            </a:extLst>
+          </p:cNvPr>
+          <p:cNvPicPr>
+            <a:picLocks noChangeAspect="1" noChangeArrowheads="1"/>
+          </p:cNvPicPr>
+          <p:nvPr/>
+        </p:nvPicPr>
+        <p:blipFill rotWithShape="1">
+          <a:blip r:embed="rId17" cstate="print">
+            <a:extLst>
+              <a:ext uri="{28A0092B-C50C-407E-A947-70E740481C1C}">
+                <a14:useLocalDpi xmlns:a14="http://schemas.microsoft.com/office/drawing/2010/main" val="0"/>
+              </a:ext>
+            </a:extLst>
+          </a:blip>
+          <a:srcRect l="20918" r="21156"/>
+          <a:stretch/>
+        </p:blipFill>
+        <p:spPr bwMode="auto">
+          <a:xfrm>
+            <a:off x="4956835" y="5395311"/>
+            <a:ext cx="323327" cy="293040"/>
+          </a:xfrm>
+          <a:prstGeom prst="rect">
+            <a:avLst/>
+          </a:prstGeom>
+          <a:noFill/>
+          <a:extLst>
+            <a:ext uri="{909E8E84-426E-40DD-AFC4-6F175D3DCCD1}">
+              <a14:hiddenFill xmlns:a14="http://schemas.microsoft.com/office/drawing/2010/main">
+                <a:solidFill>
+                  <a:srgbClr val="FFFFFF"/>
+                </a:solidFill>
+              </a14:hiddenFill>
+            </a:ext>
+          </a:extLst>
+        </p:spPr>
+      </p:pic>
+      <p:sp>
+        <p:nvSpPr>
+          <p:cNvPr id="265" name="CuadroTexto 264">
+            <a:extLst>
+              <a:ext uri="{FF2B5EF4-FFF2-40B4-BE49-F238E27FC236}">
+                <a16:creationId xmlns:a16="http://schemas.microsoft.com/office/drawing/2014/main" id="{BBF99289-5A44-4BF3-8013-FD37CE8D91C6}"/>
+              </a:ext>
+            </a:extLst>
+          </p:cNvPr>
+          <p:cNvSpPr txBox="1"/>
+          <p:nvPr/>
+        </p:nvSpPr>
+        <p:spPr>
+          <a:xfrm>
+            <a:off x="4151783" y="5362864"/>
+            <a:ext cx="491445" cy="369332"/>
+          </a:xfrm>
+          <a:prstGeom prst="rect">
+            <a:avLst/>
+          </a:prstGeom>
+          <a:noFill/>
+        </p:spPr>
+        <p:txBody>
+          <a:bodyPr wrap="square">
+            <a:spAutoFit/>
+          </a:bodyPr>
+          <a:lstStyle/>
+          <a:p>
+            <a:r>
+              <a:rPr lang="es-CO" sz="1800" dirty="0"/>
+              <a:t>🔍</a:t>
+            </a:r>
+            <a:r>
+              <a:rPr lang="es-ES" sz="1800" b="1" dirty="0">
+                <a:solidFill>
+                  <a:schemeClr val="bg2"/>
+                </a:solidFill>
+              </a:rPr>
+              <a:t> </a:t>
+            </a:r>
+            <a:endParaRPr lang="es-CO" dirty="0"/>
+          </a:p>
+        </p:txBody>
+      </p:sp>
+      <p:pic>
+        <p:nvPicPr>
+          <p:cNvPr id="266" name="Imagen 265">
+            <a:extLst>
+              <a:ext uri="{FF2B5EF4-FFF2-40B4-BE49-F238E27FC236}">
+                <a16:creationId xmlns:a16="http://schemas.microsoft.com/office/drawing/2014/main" id="{AB891E16-5A17-45AB-BA82-851999CA2121}"/>
+              </a:ext>
+            </a:extLst>
+          </p:cNvPr>
+          <p:cNvPicPr>
+            <a:picLocks noChangeAspect="1"/>
+          </p:cNvPicPr>
+          <p:nvPr/>
+        </p:nvPicPr>
+        <p:blipFill rotWithShape="1">
+          <a:blip r:embed="rId3"/>
+          <a:srcRect l="6391" r="6391" b="8007"/>
+          <a:stretch/>
+        </p:blipFill>
+        <p:spPr>
+          <a:xfrm>
+            <a:off x="4632654" y="5395311"/>
+            <a:ext cx="248864" cy="272588"/>
+          </a:xfrm>
+          <a:prstGeom prst="rect">
+            <a:avLst/>
+          </a:prstGeom>
+          <a:solidFill>
+            <a:schemeClr val="accent1">
+              <a:lumMod val="60000"/>
+              <a:lumOff val="40000"/>
+            </a:schemeClr>
+          </a:solidFill>
+          <a:ln>
+            <a:solidFill>
+              <a:srgbClr val="00B050"/>
+            </a:solidFill>
+          </a:ln>
+        </p:spPr>
+      </p:pic>
+      <p:pic>
+        <p:nvPicPr>
+          <p:cNvPr id="267" name="Picture 4" descr="Artificial Intelligence - Softrams services">
+            <a:extLst>
+              <a:ext uri="{FF2B5EF4-FFF2-40B4-BE49-F238E27FC236}">
+                <a16:creationId xmlns:a16="http://schemas.microsoft.com/office/drawing/2014/main" id="{174FD1A3-9700-404C-983C-B560098919F8}"/>
+              </a:ext>
+            </a:extLst>
+          </p:cNvPr>
+          <p:cNvPicPr>
+            <a:picLocks noChangeAspect="1" noChangeArrowheads="1"/>
+          </p:cNvPicPr>
+          <p:nvPr/>
+        </p:nvPicPr>
+        <p:blipFill>
+          <a:blip r:embed="rId5" cstate="print">
+            <a:extLst>
+              <a:ext uri="{28A0092B-C50C-407E-A947-70E740481C1C}">
+                <a14:useLocalDpi xmlns:a14="http://schemas.microsoft.com/office/drawing/2010/main" val="0"/>
+              </a:ext>
+            </a:extLst>
+          </a:blip>
+          <a:srcRect/>
+          <a:stretch>
+            <a:fillRect/>
+          </a:stretch>
+        </p:blipFill>
+        <p:spPr bwMode="auto">
+          <a:xfrm>
+            <a:off x="9938362" y="4687367"/>
+            <a:ext cx="323326" cy="323326"/>
+          </a:xfrm>
+          <a:prstGeom prst="rect">
+            <a:avLst/>
+          </a:prstGeom>
+          <a:noFill/>
+          <a:extLst>
+            <a:ext uri="{909E8E84-426E-40DD-AFC4-6F175D3DCCD1}">
+              <a14:hiddenFill xmlns:a14="http://schemas.microsoft.com/office/drawing/2010/main">
+                <a:solidFill>
+                  <a:srgbClr val="FFFFFF"/>
+                </a:solidFill>
+              </a14:hiddenFill>
+            </a:ext>
+          </a:extLst>
+        </p:spPr>
+      </p:pic>
+      <p:pic>
+        <p:nvPicPr>
+          <p:cNvPr id="268" name="Picture 12" descr="Data Replication Software - Automated and Real-time | BryteFlow">
+            <a:extLst>
+              <a:ext uri="{FF2B5EF4-FFF2-40B4-BE49-F238E27FC236}">
+                <a16:creationId xmlns:a16="http://schemas.microsoft.com/office/drawing/2014/main" id="{D835AE3F-A7C8-4BE1-BDBE-E1C4EFB9889F}"/>
+              </a:ext>
+            </a:extLst>
+          </p:cNvPr>
+          <p:cNvPicPr>
+            <a:picLocks noChangeAspect="1" noChangeArrowheads="1"/>
+          </p:cNvPicPr>
+          <p:nvPr/>
+        </p:nvPicPr>
+        <p:blipFill>
+          <a:blip r:embed="rId7" cstate="print">
+            <a:extLst>
+              <a:ext uri="{28A0092B-C50C-407E-A947-70E740481C1C}">
+                <a14:useLocalDpi xmlns:a14="http://schemas.microsoft.com/office/drawing/2010/main" val="0"/>
+              </a:ext>
+            </a:extLst>
+          </a:blip>
+          <a:srcRect/>
+          <a:stretch>
+            <a:fillRect/>
+          </a:stretch>
+        </p:blipFill>
+        <p:spPr bwMode="auto">
+          <a:xfrm>
+            <a:off x="10532026" y="4659869"/>
+            <a:ext cx="378321" cy="378321"/>
+          </a:xfrm>
+          <a:prstGeom prst="rect">
+            <a:avLst/>
+          </a:prstGeom>
+          <a:noFill/>
+          <a:extLst>
+            <a:ext uri="{909E8E84-426E-40DD-AFC4-6F175D3DCCD1}">
+              <a14:hiddenFill xmlns:a14="http://schemas.microsoft.com/office/drawing/2010/main">
+                <a:solidFill>
+                  <a:srgbClr val="FFFFFF"/>
+                </a:solidFill>
+              </a14:hiddenFill>
+            </a:ext>
+          </a:extLst>
+        </p:spPr>
+      </p:pic>
+      <p:pic>
+        <p:nvPicPr>
+          <p:cNvPr id="269" name="Imagen 268">
+            <a:extLst>
+              <a:ext uri="{FF2B5EF4-FFF2-40B4-BE49-F238E27FC236}">
+                <a16:creationId xmlns:a16="http://schemas.microsoft.com/office/drawing/2014/main" id="{65E2CD72-6F96-46B1-ABB5-A90066D1FAEA}"/>
+              </a:ext>
+            </a:extLst>
+          </p:cNvPr>
+          <p:cNvPicPr>
+            <a:picLocks noChangeAspect="1"/>
+          </p:cNvPicPr>
+          <p:nvPr/>
+        </p:nvPicPr>
+        <p:blipFill>
+          <a:blip r:embed="rId12" cstate="print">
+            <a:extLst>
+              <a:ext uri="{28A0092B-C50C-407E-A947-70E740481C1C}">
+                <a14:useLocalDpi xmlns:a14="http://schemas.microsoft.com/office/drawing/2010/main" val="0"/>
+              </a:ext>
+            </a:extLst>
+          </a:blip>
+          <a:stretch>
+            <a:fillRect/>
+          </a:stretch>
+        </p:blipFill>
+        <p:spPr>
+          <a:xfrm>
+            <a:off x="9075027" y="4659869"/>
+            <a:ext cx="273139" cy="380391"/>
+          </a:xfrm>
+          <a:prstGeom prst="rect">
+            <a:avLst/>
+          </a:prstGeom>
+        </p:spPr>
+      </p:pic>
+      <p:pic>
+        <p:nvPicPr>
+          <p:cNvPr id="270" name="Picture 30" descr="Azure Functions—Develop Faster With Serverless Compute | Microsoft Azure">
+            <a:extLst>
+              <a:ext uri="{FF2B5EF4-FFF2-40B4-BE49-F238E27FC236}">
+                <a16:creationId xmlns:a16="http://schemas.microsoft.com/office/drawing/2014/main" id="{B2DDCED4-6EF7-47B6-AE76-3065690C267D}"/>
+              </a:ext>
+            </a:extLst>
+          </p:cNvPr>
+          <p:cNvPicPr>
+            <a:picLocks noChangeAspect="1" noChangeArrowheads="1"/>
+          </p:cNvPicPr>
+          <p:nvPr/>
+        </p:nvPicPr>
+        <p:blipFill rotWithShape="1">
+          <a:blip r:embed="rId17" cstate="print">
+            <a:extLst>
+              <a:ext uri="{28A0092B-C50C-407E-A947-70E740481C1C}">
+                <a14:useLocalDpi xmlns:a14="http://schemas.microsoft.com/office/drawing/2010/main" val="0"/>
+              </a:ext>
+            </a:extLst>
+          </a:blip>
+          <a:srcRect l="20918" r="21156"/>
+          <a:stretch/>
+        </p:blipFill>
+        <p:spPr bwMode="auto">
+          <a:xfrm>
+            <a:off x="9423926" y="4742958"/>
+            <a:ext cx="323327" cy="293040"/>
+          </a:xfrm>
+          <a:prstGeom prst="rect">
+            <a:avLst/>
+          </a:prstGeom>
+          <a:noFill/>
+          <a:extLst>
+            <a:ext uri="{909E8E84-426E-40DD-AFC4-6F175D3DCCD1}">
+              <a14:hiddenFill xmlns:a14="http://schemas.microsoft.com/office/drawing/2010/main">
+                <a:solidFill>
+                  <a:srgbClr val="FFFFFF"/>
+                </a:solidFill>
+              </a14:hiddenFill>
+            </a:ext>
+          </a:extLst>
+        </p:spPr>
+      </p:pic>
+      <p:sp>
+        <p:nvSpPr>
+          <p:cNvPr id="271" name="CuadroTexto 270">
+            <a:extLst>
+              <a:ext uri="{FF2B5EF4-FFF2-40B4-BE49-F238E27FC236}">
+                <a16:creationId xmlns:a16="http://schemas.microsoft.com/office/drawing/2014/main" id="{01075697-92D8-4497-8A35-12CB686629E8}"/>
+              </a:ext>
+            </a:extLst>
+          </p:cNvPr>
+          <p:cNvSpPr txBox="1"/>
+          <p:nvPr/>
+        </p:nvSpPr>
+        <p:spPr>
+          <a:xfrm>
+            <a:off x="8618874" y="4710511"/>
+            <a:ext cx="491445" cy="369332"/>
+          </a:xfrm>
+          <a:prstGeom prst="rect">
+            <a:avLst/>
+          </a:prstGeom>
+          <a:noFill/>
+        </p:spPr>
+        <p:txBody>
+          <a:bodyPr wrap="square">
+            <a:spAutoFit/>
+          </a:bodyPr>
+          <a:lstStyle/>
+          <a:p>
+            <a:r>
+              <a:rPr lang="es-CO" sz="1800" dirty="0"/>
+              <a:t>🔍</a:t>
+            </a:r>
+            <a:r>
+              <a:rPr lang="es-ES" sz="1800" b="1" dirty="0">
+                <a:solidFill>
+                  <a:schemeClr val="bg2"/>
+                </a:solidFill>
+              </a:rPr>
+              <a:t> </a:t>
+            </a:r>
+            <a:endParaRPr lang="es-CO" dirty="0"/>
+          </a:p>
+        </p:txBody>
+      </p:sp>
+      <p:grpSp>
+        <p:nvGrpSpPr>
+          <p:cNvPr id="272" name="Grupo 271">
+            <a:extLst>
+              <a:ext uri="{FF2B5EF4-FFF2-40B4-BE49-F238E27FC236}">
+                <a16:creationId xmlns:a16="http://schemas.microsoft.com/office/drawing/2014/main" id="{440BFC52-9C15-4DB1-960E-70C20706D89B}"/>
+              </a:ext>
+            </a:extLst>
+          </p:cNvPr>
+          <p:cNvGrpSpPr/>
+          <p:nvPr/>
+        </p:nvGrpSpPr>
+        <p:grpSpPr>
+          <a:xfrm>
+            <a:off x="8616280" y="5298697"/>
+            <a:ext cx="2516185" cy="516731"/>
+            <a:chOff x="7072979" y="480060"/>
+            <a:chExt cx="2066925" cy="516731"/>
+          </a:xfrm>
+          <a:solidFill>
+            <a:schemeClr val="accent1">
+              <a:lumMod val="60000"/>
+              <a:lumOff val="40000"/>
+            </a:schemeClr>
+          </a:solidFill>
+        </p:grpSpPr>
+        <p:sp>
+          <p:nvSpPr>
+            <p:cNvPr id="273" name="Rectángulo: esquinas redondeadas 272">
+              <a:extLst>
+                <a:ext uri="{FF2B5EF4-FFF2-40B4-BE49-F238E27FC236}">
+                  <a16:creationId xmlns:a16="http://schemas.microsoft.com/office/drawing/2014/main" id="{7C29B275-C496-49A5-9CF8-DD65BAEA1B47}"/>
+                </a:ext>
+              </a:extLst>
+            </p:cNvPr>
+            <p:cNvSpPr/>
+            <p:nvPr/>
+          </p:nvSpPr>
+          <p:spPr>
+            <a:xfrm>
+              <a:off x="7072979" y="480060"/>
+              <a:ext cx="2066925" cy="516731"/>
+            </a:xfrm>
+            <a:prstGeom prst="roundRect">
+              <a:avLst>
+                <a:gd name="adj" fmla="val 10000"/>
+              </a:avLst>
+            </a:prstGeom>
+            <a:solidFill>
+              <a:schemeClr val="accent1">
+                <a:lumMod val="50000"/>
+              </a:schemeClr>
+            </a:solidFill>
+            <a:ln>
+              <a:solidFill>
+                <a:schemeClr val="accent1">
+                  <a:lumMod val="60000"/>
+                  <a:lumOff val="40000"/>
+                </a:schemeClr>
+              </a:solidFill>
+            </a:ln>
+          </p:spPr>
+          <p:style>
+            <a:lnRef idx="0">
+              <a:schemeClr val="lt1">
+                <a:hueOff val="0"/>
+                <a:satOff val="0"/>
+                <a:lumOff val="0"/>
+                <a:alphaOff val="0"/>
+              </a:schemeClr>
+            </a:lnRef>
+            <a:fillRef idx="3">
+              <a:schemeClr val="accent1">
+                <a:hueOff val="0"/>
+                <a:satOff val="0"/>
+                <a:lumOff val="0"/>
+                <a:alphaOff val="0"/>
+              </a:schemeClr>
+            </a:fillRef>
+            <a:effectRef idx="2">
+              <a:schemeClr val="accent1">
+                <a:hueOff val="0"/>
+                <a:satOff val="0"/>
+                <a:lumOff val="0"/>
+                <a:alphaOff val="0"/>
+              </a:schemeClr>
+            </a:effectRef>
+            <a:fontRef idx="minor">
+              <a:schemeClr val="lt1"/>
+            </a:fontRef>
+          </p:style>
+        </p:sp>
+        <p:sp>
+          <p:nvSpPr>
+            <p:cNvPr id="274" name="Rectángulo: esquinas redondeadas 4">
+              <a:extLst>
+                <a:ext uri="{FF2B5EF4-FFF2-40B4-BE49-F238E27FC236}">
+                  <a16:creationId xmlns:a16="http://schemas.microsoft.com/office/drawing/2014/main" id="{D5A426A7-546F-4FF4-B845-7AEE9F6193D5}"/>
+                </a:ext>
+              </a:extLst>
+            </p:cNvPr>
+            <p:cNvSpPr txBox="1"/>
+            <p:nvPr/>
+          </p:nvSpPr>
+          <p:spPr>
+            <a:xfrm>
+              <a:off x="7088710" y="483867"/>
+              <a:ext cx="2035386" cy="486461"/>
+            </a:xfrm>
+            <a:prstGeom prst="rect">
+              <a:avLst/>
+            </a:prstGeom>
+            <a:grpFill/>
+            <a:ln>
+              <a:solidFill>
+                <a:srgbClr val="00B050"/>
+              </a:solidFill>
+            </a:ln>
+          </p:spPr>
+          <p:style>
+            <a:lnRef idx="0">
+              <a:scrgbClr r="0" g="0" b="0"/>
+            </a:lnRef>
+            <a:fillRef idx="0">
+              <a:scrgbClr r="0" g="0" b="0"/>
+            </a:fillRef>
+            <a:effectRef idx="0">
+              <a:scrgbClr r="0" g="0" b="0"/>
+            </a:effectRef>
+            <a:fontRef idx="minor">
+              <a:schemeClr val="lt1"/>
+            </a:fontRef>
+          </p:style>
+          <p:txBody>
+            <a:bodyPr spcFirstLastPara="0" vert="horz" wrap="square" lIns="27940" tIns="27940" rIns="27940" bIns="27940" numCol="1" spcCol="1270" rtlCol="0" anchor="ctr" anchorCtr="0">
+              <a:noAutofit/>
+            </a:bodyPr>
+            <a:lstStyle/>
+            <a:p>
+              <a:pPr marL="0" lvl="0" indent="0" algn="ctr" defTabSz="977900" rtl="0">
+                <a:lnSpc>
+                  <a:spcPct val="90000"/>
+                </a:lnSpc>
+                <a:spcBef>
+                  <a:spcPct val="0"/>
+                </a:spcBef>
+                <a:spcAft>
+                  <a:spcPct val="35000"/>
+                </a:spcAft>
+                <a:buNone/>
+              </a:pPr>
+              <a:endParaRPr lang="es-ES" sz="1600" b="1" kern="1200" noProof="0" dirty="0">
+                <a:solidFill>
+                  <a:schemeClr val="bg2"/>
+                </a:solidFill>
+              </a:endParaRPr>
+            </a:p>
+          </p:txBody>
+        </p:sp>
+      </p:grpSp>
+      <p:pic>
+        <p:nvPicPr>
+          <p:cNvPr id="275" name="Picture 4" descr="Artificial Intelligence - Softrams services">
+            <a:extLst>
+              <a:ext uri="{FF2B5EF4-FFF2-40B4-BE49-F238E27FC236}">
+                <a16:creationId xmlns:a16="http://schemas.microsoft.com/office/drawing/2014/main" id="{1F56B8A2-AEC0-40D9-A1EE-D16504AD6CEB}"/>
+              </a:ext>
+            </a:extLst>
+          </p:cNvPr>
+          <p:cNvPicPr>
+            <a:picLocks noChangeAspect="1" noChangeArrowheads="1"/>
+          </p:cNvPicPr>
+          <p:nvPr/>
+        </p:nvPicPr>
+        <p:blipFill>
+          <a:blip r:embed="rId5" cstate="print">
+            <a:extLst>
+              <a:ext uri="{28A0092B-C50C-407E-A947-70E740481C1C}">
+                <a14:useLocalDpi xmlns:a14="http://schemas.microsoft.com/office/drawing/2010/main" val="0"/>
+              </a:ext>
+            </a:extLst>
+          </a:blip>
+          <a:srcRect/>
+          <a:stretch>
+            <a:fillRect/>
+          </a:stretch>
+        </p:blipFill>
+        <p:spPr bwMode="auto">
+          <a:xfrm>
+            <a:off x="9938362" y="5401382"/>
+            <a:ext cx="323326" cy="323326"/>
+          </a:xfrm>
+          <a:prstGeom prst="rect">
+            <a:avLst/>
+          </a:prstGeom>
+          <a:noFill/>
+          <a:extLst>
+            <a:ext uri="{909E8E84-426E-40DD-AFC4-6F175D3DCCD1}">
+              <a14:hiddenFill xmlns:a14="http://schemas.microsoft.com/office/drawing/2010/main">
+                <a:solidFill>
+                  <a:srgbClr val="FFFFFF"/>
+                </a:solidFill>
+              </a14:hiddenFill>
+            </a:ext>
+          </a:extLst>
+        </p:spPr>
+      </p:pic>
+      <p:pic>
+        <p:nvPicPr>
+          <p:cNvPr id="276" name="Picture 12" descr="Data Replication Software - Automated and Real-time | BryteFlow">
+            <a:extLst>
+              <a:ext uri="{FF2B5EF4-FFF2-40B4-BE49-F238E27FC236}">
+                <a16:creationId xmlns:a16="http://schemas.microsoft.com/office/drawing/2014/main" id="{DD519BAD-B6EF-4FE4-82F3-99B68A2B7E12}"/>
+              </a:ext>
+            </a:extLst>
+          </p:cNvPr>
+          <p:cNvPicPr>
+            <a:picLocks noChangeAspect="1" noChangeArrowheads="1"/>
+          </p:cNvPicPr>
+          <p:nvPr/>
+        </p:nvPicPr>
+        <p:blipFill>
+          <a:blip r:embed="rId7" cstate="print">
+            <a:extLst>
+              <a:ext uri="{28A0092B-C50C-407E-A947-70E740481C1C}">
+                <a14:useLocalDpi xmlns:a14="http://schemas.microsoft.com/office/drawing/2010/main" val="0"/>
+              </a:ext>
+            </a:extLst>
+          </a:blip>
+          <a:srcRect/>
+          <a:stretch>
+            <a:fillRect/>
+          </a:stretch>
+        </p:blipFill>
+        <p:spPr bwMode="auto">
+          <a:xfrm>
+            <a:off x="10532026" y="5373884"/>
+            <a:ext cx="378321" cy="378321"/>
+          </a:xfrm>
+          <a:prstGeom prst="rect">
+            <a:avLst/>
+          </a:prstGeom>
+          <a:noFill/>
+          <a:extLst>
+            <a:ext uri="{909E8E84-426E-40DD-AFC4-6F175D3DCCD1}">
+              <a14:hiddenFill xmlns:a14="http://schemas.microsoft.com/office/drawing/2010/main">
+                <a:solidFill>
+                  <a:srgbClr val="FFFFFF"/>
+                </a:solidFill>
+              </a14:hiddenFill>
+            </a:ext>
+          </a:extLst>
+        </p:spPr>
+      </p:pic>
+      <p:pic>
+        <p:nvPicPr>
+          <p:cNvPr id="277" name="Imagen 276">
+            <a:extLst>
+              <a:ext uri="{FF2B5EF4-FFF2-40B4-BE49-F238E27FC236}">
+                <a16:creationId xmlns:a16="http://schemas.microsoft.com/office/drawing/2014/main" id="{10A8F177-64F0-462D-A95D-B2D67BACB46F}"/>
+              </a:ext>
+            </a:extLst>
+          </p:cNvPr>
+          <p:cNvPicPr>
+            <a:picLocks noChangeAspect="1"/>
+          </p:cNvPicPr>
+          <p:nvPr/>
+        </p:nvPicPr>
+        <p:blipFill>
+          <a:blip r:embed="rId12" cstate="print">
+            <a:extLst>
+              <a:ext uri="{28A0092B-C50C-407E-A947-70E740481C1C}">
+                <a14:useLocalDpi xmlns:a14="http://schemas.microsoft.com/office/drawing/2010/main" val="0"/>
+              </a:ext>
+            </a:extLst>
+          </a:blip>
+          <a:stretch>
+            <a:fillRect/>
+          </a:stretch>
+        </p:blipFill>
+        <p:spPr>
+          <a:xfrm>
+            <a:off x="9075027" y="5373884"/>
+            <a:ext cx="273139" cy="380391"/>
+          </a:xfrm>
+          <a:prstGeom prst="rect">
+            <a:avLst/>
+          </a:prstGeom>
+        </p:spPr>
+      </p:pic>
+      <p:pic>
+        <p:nvPicPr>
+          <p:cNvPr id="278" name="Picture 30" descr="Azure Functions—Develop Faster With Serverless Compute | Microsoft Azure">
+            <a:extLst>
+              <a:ext uri="{FF2B5EF4-FFF2-40B4-BE49-F238E27FC236}">
+                <a16:creationId xmlns:a16="http://schemas.microsoft.com/office/drawing/2014/main" id="{162790EB-1EC4-4E54-AC13-CF2274C34590}"/>
+              </a:ext>
+            </a:extLst>
+          </p:cNvPr>
+          <p:cNvPicPr>
+            <a:picLocks noChangeAspect="1" noChangeArrowheads="1"/>
+          </p:cNvPicPr>
+          <p:nvPr/>
+        </p:nvPicPr>
+        <p:blipFill rotWithShape="1">
+          <a:blip r:embed="rId17" cstate="print">
+            <a:extLst>
+              <a:ext uri="{28A0092B-C50C-407E-A947-70E740481C1C}">
+                <a14:useLocalDpi xmlns:a14="http://schemas.microsoft.com/office/drawing/2010/main" val="0"/>
+              </a:ext>
+            </a:extLst>
+          </a:blip>
+          <a:srcRect l="20918" r="21156"/>
+          <a:stretch/>
+        </p:blipFill>
+        <p:spPr bwMode="auto">
+          <a:xfrm>
+            <a:off x="9423926" y="5456973"/>
+            <a:ext cx="323327" cy="293040"/>
+          </a:xfrm>
+          <a:prstGeom prst="rect">
+            <a:avLst/>
+          </a:prstGeom>
+          <a:noFill/>
+          <a:extLst>
+            <a:ext uri="{909E8E84-426E-40DD-AFC4-6F175D3DCCD1}">
+              <a14:hiddenFill xmlns:a14="http://schemas.microsoft.com/office/drawing/2010/main">
+                <a:solidFill>
+                  <a:srgbClr val="FFFFFF"/>
+                </a:solidFill>
+              </a14:hiddenFill>
+            </a:ext>
+          </a:extLst>
+        </p:spPr>
+      </p:pic>
+      <p:sp>
+        <p:nvSpPr>
+          <p:cNvPr id="279" name="CuadroTexto 278">
+            <a:extLst>
+              <a:ext uri="{FF2B5EF4-FFF2-40B4-BE49-F238E27FC236}">
+                <a16:creationId xmlns:a16="http://schemas.microsoft.com/office/drawing/2014/main" id="{25922F9F-E75F-4DB7-8F83-39F28863CFA6}"/>
+              </a:ext>
+            </a:extLst>
+          </p:cNvPr>
+          <p:cNvSpPr txBox="1"/>
+          <p:nvPr/>
+        </p:nvSpPr>
+        <p:spPr>
+          <a:xfrm>
+            <a:off x="8618874" y="5424526"/>
+            <a:ext cx="491445" cy="369332"/>
+          </a:xfrm>
+          <a:prstGeom prst="rect">
+            <a:avLst/>
+          </a:prstGeom>
+          <a:noFill/>
+        </p:spPr>
+        <p:txBody>
+          <a:bodyPr wrap="square">
+            <a:spAutoFit/>
+          </a:bodyPr>
+          <a:lstStyle/>
+          <a:p>
+            <a:r>
+              <a:rPr lang="es-CO" sz="1800" dirty="0"/>
+              <a:t>🔍</a:t>
+            </a:r>
+            <a:r>
+              <a:rPr lang="es-ES" sz="1800" b="1" dirty="0">
+                <a:solidFill>
+                  <a:schemeClr val="bg2"/>
+                </a:solidFill>
+              </a:rPr>
+              <a:t> </a:t>
+            </a:r>
+            <a:endParaRPr lang="es-CO" dirty="0"/>
+          </a:p>
+        </p:txBody>
+      </p:sp>
+      <p:grpSp>
+        <p:nvGrpSpPr>
+          <p:cNvPr id="288" name="Grupo 287">
+            <a:extLst>
+              <a:ext uri="{FF2B5EF4-FFF2-40B4-BE49-F238E27FC236}">
+                <a16:creationId xmlns:a16="http://schemas.microsoft.com/office/drawing/2014/main" id="{716BF239-927C-41C9-A5A5-1EA4A3B5546B}"/>
+              </a:ext>
+            </a:extLst>
+          </p:cNvPr>
+          <p:cNvGrpSpPr/>
+          <p:nvPr/>
+        </p:nvGrpSpPr>
+        <p:grpSpPr>
+          <a:xfrm>
+            <a:off x="8633401" y="6006250"/>
+            <a:ext cx="2516185" cy="516731"/>
+            <a:chOff x="7072979" y="480060"/>
+            <a:chExt cx="2066925" cy="516731"/>
+          </a:xfrm>
+          <a:solidFill>
+            <a:schemeClr val="accent1">
+              <a:lumMod val="60000"/>
+              <a:lumOff val="40000"/>
+            </a:schemeClr>
+          </a:solidFill>
+        </p:grpSpPr>
+        <p:sp>
+          <p:nvSpPr>
+            <p:cNvPr id="289" name="Rectángulo: esquinas redondeadas 288">
+              <a:extLst>
+                <a:ext uri="{FF2B5EF4-FFF2-40B4-BE49-F238E27FC236}">
+                  <a16:creationId xmlns:a16="http://schemas.microsoft.com/office/drawing/2014/main" id="{A40E3E68-AA33-4E35-9B9D-40C6486528C9}"/>
+                </a:ext>
+              </a:extLst>
+            </p:cNvPr>
+            <p:cNvSpPr/>
+            <p:nvPr/>
+          </p:nvSpPr>
+          <p:spPr>
+            <a:xfrm>
+              <a:off x="7072979" y="480060"/>
+              <a:ext cx="2066925" cy="516731"/>
+            </a:xfrm>
+            <a:prstGeom prst="roundRect">
+              <a:avLst>
+                <a:gd name="adj" fmla="val 10000"/>
+              </a:avLst>
+            </a:prstGeom>
+            <a:solidFill>
+              <a:schemeClr val="accent1">
+                <a:lumMod val="50000"/>
+              </a:schemeClr>
+            </a:solidFill>
+            <a:ln>
+              <a:solidFill>
+                <a:schemeClr val="accent1">
+                  <a:lumMod val="60000"/>
+                  <a:lumOff val="40000"/>
+                </a:schemeClr>
+              </a:solidFill>
+            </a:ln>
+          </p:spPr>
+          <p:style>
+            <a:lnRef idx="0">
+              <a:schemeClr val="lt1">
+                <a:hueOff val="0"/>
+                <a:satOff val="0"/>
+                <a:lumOff val="0"/>
+                <a:alphaOff val="0"/>
+              </a:schemeClr>
+            </a:lnRef>
+            <a:fillRef idx="3">
+              <a:schemeClr val="accent1">
+                <a:hueOff val="0"/>
+                <a:satOff val="0"/>
+                <a:lumOff val="0"/>
+                <a:alphaOff val="0"/>
+              </a:schemeClr>
+            </a:fillRef>
+            <a:effectRef idx="2">
+              <a:schemeClr val="accent1">
+                <a:hueOff val="0"/>
+                <a:satOff val="0"/>
+                <a:lumOff val="0"/>
+                <a:alphaOff val="0"/>
+              </a:schemeClr>
+            </a:effectRef>
+            <a:fontRef idx="minor">
+              <a:schemeClr val="lt1"/>
+            </a:fontRef>
+          </p:style>
+        </p:sp>
+        <p:sp>
+          <p:nvSpPr>
+            <p:cNvPr id="290" name="Rectángulo: esquinas redondeadas 4">
+              <a:extLst>
+                <a:ext uri="{FF2B5EF4-FFF2-40B4-BE49-F238E27FC236}">
+                  <a16:creationId xmlns:a16="http://schemas.microsoft.com/office/drawing/2014/main" id="{4CCBE5BE-8F86-4601-B224-0712826C1A79}"/>
+                </a:ext>
+              </a:extLst>
+            </p:cNvPr>
+            <p:cNvSpPr txBox="1"/>
+            <p:nvPr/>
+          </p:nvSpPr>
+          <p:spPr>
+            <a:xfrm>
+              <a:off x="7088710" y="483867"/>
+              <a:ext cx="2035386" cy="486461"/>
+            </a:xfrm>
+            <a:prstGeom prst="rect">
+              <a:avLst/>
+            </a:prstGeom>
+            <a:grpFill/>
+            <a:ln>
+              <a:solidFill>
+                <a:srgbClr val="00B050"/>
+              </a:solidFill>
+            </a:ln>
+          </p:spPr>
+          <p:style>
+            <a:lnRef idx="0">
+              <a:scrgbClr r="0" g="0" b="0"/>
+            </a:lnRef>
+            <a:fillRef idx="0">
+              <a:scrgbClr r="0" g="0" b="0"/>
+            </a:fillRef>
+            <a:effectRef idx="0">
+              <a:scrgbClr r="0" g="0" b="0"/>
+            </a:effectRef>
+            <a:fontRef idx="minor">
+              <a:schemeClr val="lt1"/>
+            </a:fontRef>
+          </p:style>
+          <p:txBody>
+            <a:bodyPr spcFirstLastPara="0" vert="horz" wrap="square" lIns="27940" tIns="27940" rIns="27940" bIns="27940" numCol="1" spcCol="1270" rtlCol="0" anchor="ctr" anchorCtr="0">
+              <a:noAutofit/>
+            </a:bodyPr>
+            <a:lstStyle/>
+            <a:p>
+              <a:pPr marL="0" lvl="0" indent="0" algn="ctr" defTabSz="977900" rtl="0">
+                <a:lnSpc>
+                  <a:spcPct val="90000"/>
+                </a:lnSpc>
+                <a:spcBef>
+                  <a:spcPct val="0"/>
+                </a:spcBef>
+                <a:spcAft>
+                  <a:spcPct val="35000"/>
+                </a:spcAft>
+                <a:buNone/>
+              </a:pPr>
+              <a:endParaRPr lang="es-ES" sz="1600" b="1" kern="1200" noProof="0" dirty="0">
+                <a:solidFill>
+                  <a:schemeClr val="bg2"/>
+                </a:solidFill>
+              </a:endParaRPr>
+            </a:p>
+          </p:txBody>
+        </p:sp>
+      </p:grpSp>
+      <p:pic>
+        <p:nvPicPr>
+          <p:cNvPr id="291" name="Imagen 290">
+            <a:extLst>
+              <a:ext uri="{FF2B5EF4-FFF2-40B4-BE49-F238E27FC236}">
+                <a16:creationId xmlns:a16="http://schemas.microsoft.com/office/drawing/2014/main" id="{10BA8EA1-384F-462A-B60D-9F03721A23F4}"/>
+              </a:ext>
+            </a:extLst>
+          </p:cNvPr>
+          <p:cNvPicPr>
+            <a:picLocks noChangeAspect="1"/>
+          </p:cNvPicPr>
+          <p:nvPr/>
+        </p:nvPicPr>
+        <p:blipFill>
+          <a:blip r:embed="rId14">
+            <a:extLst>
+              <a:ext uri="{28A0092B-C50C-407E-A947-70E740481C1C}">
+                <a14:useLocalDpi xmlns:a14="http://schemas.microsoft.com/office/drawing/2010/main" val="0"/>
+              </a:ext>
+            </a:extLst>
+          </a:blip>
+          <a:stretch>
+            <a:fillRect/>
+          </a:stretch>
+        </p:blipFill>
+        <p:spPr>
+          <a:xfrm>
+            <a:off x="9945275" y="6115871"/>
+            <a:ext cx="664727" cy="235676"/>
+          </a:xfrm>
+          <a:prstGeom prst="rect">
+            <a:avLst/>
+          </a:prstGeom>
+        </p:spPr>
+      </p:pic>
+      <p:sp>
+        <p:nvSpPr>
+          <p:cNvPr id="292" name="CuadroTexto 291">
+            <a:extLst>
+              <a:ext uri="{FF2B5EF4-FFF2-40B4-BE49-F238E27FC236}">
+                <a16:creationId xmlns:a16="http://schemas.microsoft.com/office/drawing/2014/main" id="{C566CD3D-ACD2-45B8-9595-205E8D089075}"/>
+              </a:ext>
+            </a:extLst>
+          </p:cNvPr>
+          <p:cNvSpPr txBox="1"/>
+          <p:nvPr/>
+        </p:nvSpPr>
+        <p:spPr>
+          <a:xfrm>
+            <a:off x="9382772" y="6074123"/>
+            <a:ext cx="491445" cy="369332"/>
+          </a:xfrm>
+          <a:prstGeom prst="rect">
+            <a:avLst/>
+          </a:prstGeom>
+          <a:noFill/>
+        </p:spPr>
+        <p:txBody>
+          <a:bodyPr wrap="square">
+            <a:spAutoFit/>
+          </a:bodyPr>
+          <a:lstStyle/>
+          <a:p>
+            <a:r>
+              <a:rPr lang="es-CO" sz="1800" dirty="0"/>
+              <a:t>🔍</a:t>
+            </a:r>
+            <a:r>
+              <a:rPr lang="es-ES" sz="1800" b="1" dirty="0">
+                <a:solidFill>
+                  <a:schemeClr val="bg2"/>
+                </a:solidFill>
+              </a:rPr>
+              <a:t> </a:t>
+            </a:r>
+            <a:endParaRPr lang="es-CO" dirty="0"/>
+          </a:p>
+        </p:txBody>
+      </p:sp>
+      <p:grpSp>
+        <p:nvGrpSpPr>
+          <p:cNvPr id="301" name="Grupo 300">
+            <a:extLst>
+              <a:ext uri="{FF2B5EF4-FFF2-40B4-BE49-F238E27FC236}">
+                <a16:creationId xmlns:a16="http://schemas.microsoft.com/office/drawing/2014/main" id="{11175A97-4827-4687-B6E7-BF53917DE5DF}"/>
+              </a:ext>
+            </a:extLst>
+          </p:cNvPr>
+          <p:cNvGrpSpPr/>
+          <p:nvPr/>
+        </p:nvGrpSpPr>
+        <p:grpSpPr>
+          <a:xfrm>
+            <a:off x="4097381" y="5989489"/>
+            <a:ext cx="2516186" cy="516731"/>
+            <a:chOff x="7072979" y="480060"/>
+            <a:chExt cx="2066925" cy="516731"/>
+          </a:xfrm>
+          <a:solidFill>
+            <a:schemeClr val="accent5">
+              <a:lumMod val="40000"/>
+              <a:lumOff val="60000"/>
+            </a:schemeClr>
+          </a:solidFill>
+        </p:grpSpPr>
+        <p:sp>
+          <p:nvSpPr>
+            <p:cNvPr id="302" name="Rectángulo: esquinas redondeadas 301">
+              <a:extLst>
+                <a:ext uri="{FF2B5EF4-FFF2-40B4-BE49-F238E27FC236}">
+                  <a16:creationId xmlns:a16="http://schemas.microsoft.com/office/drawing/2014/main" id="{5236D47D-5DCC-485D-ACBD-0CB45EE59520}"/>
+                </a:ext>
+              </a:extLst>
+            </p:cNvPr>
+            <p:cNvSpPr/>
+            <p:nvPr/>
+          </p:nvSpPr>
+          <p:spPr>
+            <a:xfrm>
+              <a:off x="7072979" y="480060"/>
+              <a:ext cx="2066925" cy="516731"/>
+            </a:xfrm>
+            <a:prstGeom prst="roundRect">
+              <a:avLst>
+                <a:gd name="adj" fmla="val 10000"/>
+              </a:avLst>
+            </a:prstGeom>
+            <a:solidFill>
+              <a:srgbClr val="FF0000"/>
+            </a:solidFill>
+            <a:ln>
+              <a:solidFill>
+                <a:schemeClr val="accent5">
+                  <a:lumMod val="60000"/>
+                  <a:lumOff val="40000"/>
+                </a:schemeClr>
+              </a:solidFill>
+            </a:ln>
+          </p:spPr>
+          <p:style>
+            <a:lnRef idx="0">
+              <a:schemeClr val="lt1">
+                <a:hueOff val="0"/>
+                <a:satOff val="0"/>
+                <a:lumOff val="0"/>
+                <a:alphaOff val="0"/>
+              </a:schemeClr>
+            </a:lnRef>
+            <a:fillRef idx="3">
+              <a:schemeClr val="accent1">
+                <a:hueOff val="0"/>
+                <a:satOff val="0"/>
+                <a:lumOff val="0"/>
+                <a:alphaOff val="0"/>
+              </a:schemeClr>
+            </a:fillRef>
+            <a:effectRef idx="2">
+              <a:schemeClr val="accent1">
+                <a:hueOff val="0"/>
+                <a:satOff val="0"/>
+                <a:lumOff val="0"/>
+                <a:alphaOff val="0"/>
+              </a:schemeClr>
+            </a:effectRef>
+            <a:fontRef idx="minor">
+              <a:schemeClr val="lt1"/>
+            </a:fontRef>
+          </p:style>
+        </p:sp>
+        <p:sp>
+          <p:nvSpPr>
+            <p:cNvPr id="303" name="Rectángulo: esquinas redondeadas 4">
+              <a:extLst>
+                <a:ext uri="{FF2B5EF4-FFF2-40B4-BE49-F238E27FC236}">
+                  <a16:creationId xmlns:a16="http://schemas.microsoft.com/office/drawing/2014/main" id="{C6ADDCDC-A515-4E86-BD97-5444DA0EE471}"/>
+                </a:ext>
+              </a:extLst>
+            </p:cNvPr>
+            <p:cNvSpPr txBox="1"/>
+            <p:nvPr/>
+          </p:nvSpPr>
+          <p:spPr>
+            <a:xfrm>
+              <a:off x="7087441" y="483867"/>
+              <a:ext cx="2036655" cy="486461"/>
+            </a:xfrm>
+            <a:prstGeom prst="rect">
+              <a:avLst/>
+            </a:prstGeom>
+            <a:grpFill/>
+            <a:ln>
+              <a:solidFill>
+                <a:srgbClr val="FF0000"/>
+              </a:solidFill>
+            </a:ln>
+          </p:spPr>
+          <p:style>
+            <a:lnRef idx="0">
+              <a:scrgbClr r="0" g="0" b="0"/>
+            </a:lnRef>
+            <a:fillRef idx="0">
+              <a:scrgbClr r="0" g="0" b="0"/>
+            </a:fillRef>
+            <a:effectRef idx="0">
+              <a:scrgbClr r="0" g="0" b="0"/>
+            </a:effectRef>
+            <a:fontRef idx="minor">
+              <a:schemeClr val="lt1"/>
+            </a:fontRef>
+          </p:style>
+          <p:txBody>
+            <a:bodyPr spcFirstLastPara="0" vert="horz" wrap="square" lIns="27940" tIns="27940" rIns="27940" bIns="27940" numCol="1" spcCol="1270" rtlCol="0" anchor="ctr" anchorCtr="0">
+              <a:noAutofit/>
+            </a:bodyPr>
+            <a:lstStyle/>
+            <a:p>
+              <a:pPr marL="0" lvl="0" indent="0" algn="ctr" defTabSz="977900" rtl="0">
+                <a:lnSpc>
+                  <a:spcPct val="90000"/>
+                </a:lnSpc>
+                <a:spcBef>
+                  <a:spcPct val="0"/>
+                </a:spcBef>
+                <a:spcAft>
+                  <a:spcPct val="35000"/>
+                </a:spcAft>
+                <a:buNone/>
+              </a:pPr>
+              <a:endParaRPr lang="es-ES" sz="1600" b="1" kern="1200" noProof="0" dirty="0">
+                <a:solidFill>
+                  <a:schemeClr val="bg2"/>
+                </a:solidFill>
+              </a:endParaRPr>
+            </a:p>
+          </p:txBody>
+        </p:sp>
+      </p:grpSp>
+      <p:pic>
+        <p:nvPicPr>
+          <p:cNvPr id="304" name="Imagen 303">
+            <a:extLst>
+              <a:ext uri="{FF2B5EF4-FFF2-40B4-BE49-F238E27FC236}">
+                <a16:creationId xmlns:a16="http://schemas.microsoft.com/office/drawing/2014/main" id="{95D98126-4631-4EAF-BD72-D022D5897A83}"/>
+              </a:ext>
+            </a:extLst>
+          </p:cNvPr>
+          <p:cNvPicPr>
+            <a:picLocks noChangeAspect="1"/>
+          </p:cNvPicPr>
+          <p:nvPr/>
+        </p:nvPicPr>
+        <p:blipFill>
+          <a:blip r:embed="rId14">
+            <a:extLst>
+              <a:ext uri="{28A0092B-C50C-407E-A947-70E740481C1C}">
+                <a14:useLocalDpi xmlns:a14="http://schemas.microsoft.com/office/drawing/2010/main" val="0"/>
+              </a:ext>
+            </a:extLst>
+          </a:blip>
+          <a:stretch>
+            <a:fillRect/>
+          </a:stretch>
+        </p:blipFill>
+        <p:spPr>
+          <a:xfrm>
+            <a:off x="5415251" y="6092217"/>
+            <a:ext cx="664727" cy="235676"/>
+          </a:xfrm>
+          <a:prstGeom prst="rect">
+            <a:avLst/>
+          </a:prstGeom>
+        </p:spPr>
+      </p:pic>
+      <p:sp>
+        <p:nvSpPr>
+          <p:cNvPr id="305" name="CuadroTexto 304">
+            <a:extLst>
+              <a:ext uri="{FF2B5EF4-FFF2-40B4-BE49-F238E27FC236}">
+                <a16:creationId xmlns:a16="http://schemas.microsoft.com/office/drawing/2014/main" id="{AB2ECB56-201A-4964-A875-FD36754AA31B}"/>
+              </a:ext>
+            </a:extLst>
+          </p:cNvPr>
+          <p:cNvSpPr txBox="1"/>
+          <p:nvPr/>
+        </p:nvSpPr>
+        <p:spPr>
+          <a:xfrm>
+            <a:off x="4852748" y="6050469"/>
+            <a:ext cx="491445" cy="369332"/>
+          </a:xfrm>
+          <a:prstGeom prst="rect">
+            <a:avLst/>
+          </a:prstGeom>
+          <a:noFill/>
+        </p:spPr>
+        <p:txBody>
+          <a:bodyPr wrap="square">
+            <a:spAutoFit/>
+          </a:bodyPr>
+          <a:lstStyle/>
+          <a:p>
+            <a:r>
+              <a:rPr lang="es-CO" sz="1800" dirty="0"/>
+              <a:t>🔍</a:t>
+            </a:r>
+            <a:r>
+              <a:rPr lang="es-ES" sz="1800" b="1" dirty="0">
+                <a:solidFill>
+                  <a:schemeClr val="bg2"/>
+                </a:solidFill>
+              </a:rPr>
+              <a:t> </a:t>
+            </a:r>
+            <a:endParaRPr lang="es-CO" dirty="0"/>
+          </a:p>
+        </p:txBody>
+      </p:sp>
+    </p:spTree>
+    <p:extLst>
+      <p:ext uri="{BB962C8B-B14F-4D97-AF65-F5344CB8AC3E}">
+        <p14:creationId xmlns:p14="http://schemas.microsoft.com/office/powerpoint/2010/main" val="4145261392"/>
+      </p:ext>
+    </p:extLst>
+  </p:cSld>
+  <p:clrMapOvr>
+    <a:masterClrMapping/>
+  </p:clrMapOvr>
+</p:sld>
+</file>
+
+<file path=ppt/slides/slide5.xml><?xml version="1.0" encoding="utf-8"?>
+<p:sld xmlns:a="http://schemas.openxmlformats.org/drawingml/2006/main" xmlns:r="http://schemas.openxmlformats.org/officeDocument/2006/relationships" xmlns:p="http://schemas.openxmlformats.org/presentationml/2006/main">
+  <p:cSld>
+    <p:spTree>
+      <p:nvGrpSpPr>
+        <p:cNvPr id="1" name=""/>
+        <p:cNvGrpSpPr/>
+        <p:nvPr/>
+      </p:nvGrpSpPr>
+      <p:grpSpPr>
+        <a:xfrm>
+          <a:off x="0" y="0"/>
+          <a:ext cx="0" cy="0"/>
+          <a:chOff x="0" y="0"/>
+          <a:chExt cx="0" cy="0"/>
+        </a:xfrm>
+      </p:grpSpPr>
+      <p:sp>
+        <p:nvSpPr>
+          <p:cNvPr id="2" name="Título 1"/>
+          <p:cNvSpPr>
+            <a:spLocks noGrp="1"/>
+          </p:cNvSpPr>
+          <p:nvPr>
+            <p:ph type="title"/>
+          </p:nvPr>
+        </p:nvSpPr>
+        <p:spPr>
+          <a:xfrm>
+            <a:off x="1524000" y="188640"/>
+            <a:ext cx="3419872" cy="691480"/>
+          </a:xfrm>
+        </p:spPr>
+        <p:txBody>
+          <a:bodyPr rtlCol="0"/>
+          <a:lstStyle/>
+          <a:p>
+            <a:pPr marL="0" indent="0" rtl="0">
+              <a:buNone/>
+            </a:pPr>
+            <a:r>
+              <a:rPr lang="es-CO" b="1" dirty="0"/>
+              <a:t>📦 Propuesta.</a:t>
+            </a:r>
+          </a:p>
+        </p:txBody>
+      </p:sp>
+      <p:sp>
+        <p:nvSpPr>
+          <p:cNvPr id="15" name="Marcador de posición de contenido 13">
+            <a:extLst>
+              <a:ext uri="{FF2B5EF4-FFF2-40B4-BE49-F238E27FC236}">
+                <a16:creationId xmlns:a16="http://schemas.microsoft.com/office/drawing/2014/main" id="{0081845F-ED12-455A-BA7C-C2ACC52A9B0F}"/>
+              </a:ext>
+            </a:extLst>
+          </p:cNvPr>
+          <p:cNvSpPr>
+            <a:spLocks noGrp="1"/>
+          </p:cNvSpPr>
+          <p:nvPr>
+            <p:ph idx="1"/>
+          </p:nvPr>
+        </p:nvSpPr>
+        <p:spPr>
+          <a:xfrm>
+            <a:off x="1199456" y="6165304"/>
+            <a:ext cx="10153128" cy="432048"/>
+          </a:xfrm>
+        </p:spPr>
+        <p:txBody>
+          <a:bodyPr rtlCol="0">
+            <a:normAutofit/>
+          </a:bodyPr>
+          <a:lstStyle/>
+          <a:p>
+            <a:pPr marL="0" indent="0" rtl="0">
+              <a:buNone/>
+            </a:pPr>
+            <a:r>
+              <a:rPr lang="es-CO" sz="2000" dirty="0">
+                <a:solidFill>
+                  <a:schemeClr val="accent6">
+                    <a:lumMod val="60000"/>
+                    <a:lumOff val="40000"/>
+                  </a:schemeClr>
+                </a:solidFill>
+                <a:effectLst/>
+                <a:highlight>
+                  <a:srgbClr val="FFFF00"/>
+                </a:highlight>
+              </a:rPr>
+              <a:t>🔄</a:t>
+            </a:r>
+            <a:r>
+              <a:rPr lang="es-CO" b="1" i="1" dirty="0">
+                <a:solidFill>
+                  <a:srgbClr val="FF0000"/>
+                </a:solidFill>
+              </a:rPr>
+              <a:t> </a:t>
+            </a:r>
+            <a:r>
+              <a:rPr lang="es-MX" b="1" i="1" dirty="0">
+                <a:solidFill>
+                  <a:srgbClr val="FF0000"/>
+                </a:solidFill>
+                <a:highlight>
+                  <a:srgbClr val="FFFF00"/>
+                </a:highlight>
+              </a:rPr>
+              <a:t>El diagrama del proyecto está sujeto a cambios en función de la disponibilidad de recursos</a:t>
+            </a:r>
+            <a:r>
+              <a:rPr lang="es-CO" b="1" i="1" dirty="0">
+                <a:solidFill>
+                  <a:srgbClr val="FF0000"/>
+                </a:solidFill>
+                <a:highlight>
+                  <a:srgbClr val="FFFF00"/>
+                </a:highlight>
+              </a:rPr>
+              <a:t>.</a:t>
+            </a:r>
+          </a:p>
+        </p:txBody>
+      </p:sp>
+      <p:sp>
+        <p:nvSpPr>
+          <p:cNvPr id="29" name="Marcador de posición de contenido 13">
+            <a:extLst>
+              <a:ext uri="{FF2B5EF4-FFF2-40B4-BE49-F238E27FC236}">
+                <a16:creationId xmlns:a16="http://schemas.microsoft.com/office/drawing/2014/main" id="{A3DB3452-8C75-4A10-8A08-A9D5A004D328}"/>
+              </a:ext>
+            </a:extLst>
+          </p:cNvPr>
+          <p:cNvSpPr txBox="1">
+            <a:spLocks/>
+          </p:cNvSpPr>
+          <p:nvPr/>
+        </p:nvSpPr>
+        <p:spPr>
+          <a:xfrm>
+            <a:off x="2423592" y="5157192"/>
+            <a:ext cx="8064897" cy="936104"/>
+          </a:xfrm>
+          <a:prstGeom prst="rect">
+            <a:avLst/>
+          </a:prstGeom>
+        </p:spPr>
+        <p:txBody>
+          <a:bodyPr vert="horz" lIns="91440" tIns="45720" rIns="91440" bIns="45720" rtlCol="0">
+            <a:normAutofit/>
+          </a:bodyPr>
+          <a:lstStyle>
+            <a:lvl1pPr marL="228600" indent="-228600" algn="l" defTabSz="914400" rtl="0" eaLnBrk="1" latinLnBrk="0" hangingPunct="1">
+              <a:lnSpc>
+                <a:spcPct val="90000"/>
+              </a:lnSpc>
+              <a:spcBef>
+                <a:spcPts val="1800"/>
+              </a:spcBef>
+              <a:buClr>
+                <a:schemeClr val="accent1"/>
+              </a:buClr>
+              <a:buFont typeface="Arial" pitchFamily="34" charset="0"/>
+              <a:buChar char="•"/>
+              <a:defRPr sz="2000" kern="1200">
+                <a:solidFill>
+                  <a:schemeClr val="tx1">
+                    <a:lumMod val="85000"/>
+                  </a:schemeClr>
+                </a:solidFill>
+                <a:latin typeface="+mn-lt"/>
+                <a:ea typeface="+mn-ea"/>
+                <a:cs typeface="+mn-cs"/>
+              </a:defRPr>
+            </a:lvl1pPr>
+            <a:lvl2pPr marL="594360" indent="-228600" algn="l" defTabSz="914400" rtl="0" eaLnBrk="1" latinLnBrk="0" hangingPunct="1">
+              <a:lnSpc>
+                <a:spcPct val="90000"/>
+              </a:lnSpc>
+              <a:spcBef>
+                <a:spcPts val="1000"/>
+              </a:spcBef>
+              <a:buClr>
+                <a:schemeClr val="accent1"/>
+              </a:buClr>
+              <a:buFont typeface="Arial" pitchFamily="34" charset="0"/>
+              <a:buChar char="•"/>
+              <a:defRPr sz="1800" kern="1200">
+                <a:solidFill>
+                  <a:schemeClr val="tx1">
+                    <a:lumMod val="85000"/>
+                  </a:schemeClr>
+                </a:solidFill>
+                <a:latin typeface="+mn-lt"/>
+                <a:ea typeface="+mn-ea"/>
+                <a:cs typeface="+mn-cs"/>
+              </a:defRPr>
+            </a:lvl2pPr>
+            <a:lvl3pPr marL="914400" indent="-228600" algn="l" defTabSz="914400" rtl="0" eaLnBrk="1" latinLnBrk="0" hangingPunct="1">
+              <a:lnSpc>
+                <a:spcPct val="90000"/>
+              </a:lnSpc>
+              <a:spcBef>
+                <a:spcPts val="800"/>
+              </a:spcBef>
+              <a:buClr>
+                <a:schemeClr val="accent1"/>
+              </a:buClr>
+              <a:buFont typeface="Arial" pitchFamily="34" charset="0"/>
+              <a:buChar char="•"/>
+              <a:defRPr sz="1600" kern="1200">
+                <a:solidFill>
+                  <a:schemeClr val="tx1">
+                    <a:lumMod val="85000"/>
+                  </a:schemeClr>
+                </a:solidFill>
+                <a:latin typeface="+mn-lt"/>
+                <a:ea typeface="+mn-ea"/>
+                <a:cs typeface="+mn-cs"/>
+              </a:defRPr>
+            </a:lvl3pPr>
+            <a:lvl4pPr marL="1234440" indent="-228600" algn="l" defTabSz="914400" rtl="0" eaLnBrk="1" latinLnBrk="0" hangingPunct="1">
+              <a:lnSpc>
+                <a:spcPct val="90000"/>
+              </a:lnSpc>
+              <a:spcBef>
+                <a:spcPts val="800"/>
+              </a:spcBef>
+              <a:buClr>
+                <a:schemeClr val="accent1"/>
+              </a:buClr>
+              <a:buFont typeface="Arial" pitchFamily="34" charset="0"/>
+              <a:buChar char="•"/>
+              <a:defRPr sz="1400" kern="1200">
+                <a:solidFill>
+                  <a:schemeClr val="tx1">
+                    <a:lumMod val="85000"/>
+                  </a:schemeClr>
+                </a:solidFill>
+                <a:latin typeface="+mn-lt"/>
+                <a:ea typeface="+mn-ea"/>
+                <a:cs typeface="+mn-cs"/>
+              </a:defRPr>
+            </a:lvl4pPr>
+            <a:lvl5pPr marL="1508760" indent="-228600" algn="l" defTabSz="914400" rtl="0" eaLnBrk="1" latinLnBrk="0" hangingPunct="1">
+              <a:lnSpc>
+                <a:spcPct val="90000"/>
+              </a:lnSpc>
+              <a:spcBef>
+                <a:spcPts val="800"/>
+              </a:spcBef>
+              <a:buClr>
+                <a:schemeClr val="accent1"/>
+              </a:buClr>
+              <a:buFont typeface="Arial" pitchFamily="34" charset="0"/>
+              <a:buChar char="•"/>
+              <a:defRPr sz="1400" kern="1200">
+                <a:solidFill>
+                  <a:schemeClr val="tx1">
+                    <a:lumMod val="85000"/>
+                  </a:schemeClr>
+                </a:solidFill>
+                <a:latin typeface="+mn-lt"/>
+                <a:ea typeface="+mn-ea"/>
+                <a:cs typeface="+mn-cs"/>
+              </a:defRPr>
+            </a:lvl5pPr>
+            <a:lvl6pPr marL="1783080" indent="-228600" algn="l" defTabSz="914400" rtl="0" eaLnBrk="1" latinLnBrk="0" hangingPunct="1">
+              <a:lnSpc>
+                <a:spcPct val="90000"/>
+              </a:lnSpc>
+              <a:spcBef>
+                <a:spcPts val="800"/>
+              </a:spcBef>
+              <a:buClr>
+                <a:schemeClr val="accent1"/>
+              </a:buClr>
+              <a:buFont typeface="Arial" pitchFamily="34" charset="0"/>
+              <a:buChar char="•"/>
+              <a:defRPr sz="1400" kern="1200">
+                <a:solidFill>
+                  <a:schemeClr val="tx1"/>
+                </a:solidFill>
+                <a:latin typeface="+mn-lt"/>
+                <a:ea typeface="+mn-ea"/>
+                <a:cs typeface="+mn-cs"/>
+              </a:defRPr>
+            </a:lvl6pPr>
+            <a:lvl7pPr marL="2057400" indent="-228600" algn="l" defTabSz="914400" rtl="0" eaLnBrk="1" latinLnBrk="0" hangingPunct="1">
+              <a:lnSpc>
+                <a:spcPct val="90000"/>
+              </a:lnSpc>
+              <a:spcBef>
+                <a:spcPts val="800"/>
+              </a:spcBef>
+              <a:buClr>
+                <a:schemeClr val="accent1"/>
+              </a:buClr>
+              <a:buFont typeface="Arial" pitchFamily="34" charset="0"/>
+              <a:buChar char="•"/>
+              <a:defRPr sz="1400" kern="1200">
+                <a:solidFill>
+                  <a:schemeClr val="tx1"/>
+                </a:solidFill>
+                <a:latin typeface="+mn-lt"/>
+                <a:ea typeface="+mn-ea"/>
+                <a:cs typeface="+mn-cs"/>
+              </a:defRPr>
+            </a:lvl7pPr>
+            <a:lvl8pPr marL="2331720" indent="-228600" algn="l" defTabSz="914400" rtl="0" eaLnBrk="1" latinLnBrk="0" hangingPunct="1">
+              <a:lnSpc>
+                <a:spcPct val="90000"/>
+              </a:lnSpc>
+              <a:spcBef>
+                <a:spcPts val="800"/>
+              </a:spcBef>
+              <a:buClr>
+                <a:schemeClr val="accent1"/>
+              </a:buClr>
+              <a:buFont typeface="Arial" pitchFamily="34" charset="0"/>
+              <a:buChar char="•"/>
+              <a:defRPr sz="1400" kern="1200">
+                <a:solidFill>
+                  <a:schemeClr val="tx1"/>
+                </a:solidFill>
+                <a:latin typeface="+mn-lt"/>
+                <a:ea typeface="+mn-ea"/>
+                <a:cs typeface="+mn-cs"/>
+              </a:defRPr>
+            </a:lvl8pPr>
+            <a:lvl9pPr marL="2606040" indent="-228600" algn="l" defTabSz="914400" rtl="0" eaLnBrk="1" latinLnBrk="0" hangingPunct="1">
+              <a:lnSpc>
+                <a:spcPct val="90000"/>
+              </a:lnSpc>
+              <a:spcBef>
+                <a:spcPts val="800"/>
+              </a:spcBef>
+              <a:buClr>
+                <a:schemeClr val="accent1"/>
+              </a:buClr>
+              <a:buFont typeface="Arial" pitchFamily="34" charset="0"/>
+              <a:buChar char="•"/>
+              <a:defRPr sz="1400" kern="1200">
+                <a:solidFill>
+                  <a:schemeClr val="tx1"/>
+                </a:solidFill>
+                <a:latin typeface="+mn-lt"/>
+                <a:ea typeface="+mn-ea"/>
+                <a:cs typeface="+mn-cs"/>
+              </a:defRPr>
+            </a:lvl9pPr>
+          </a:lstStyle>
+          <a:p>
             <a:pPr marL="0" indent="0">
               <a:buFont typeface="Arial" pitchFamily="34" charset="0"/>
               <a:buNone/>
@@ -12848,7 +14543,7 @@
                 <a:solidFill>
                   <a:schemeClr val="tx1"/>
                 </a:solidFill>
-                <a:hlinkClick r:id="rId4"/>
+                <a:hlinkClick r:id="rId3"/>
               </a:rPr>
               <a:t>1. Azure Data Factory UI (Exportar, e Importar ARM Templates (Biceps)).</a:t>
             </a:r>
@@ -12860,7 +14555,7 @@
             </a:pPr>
             <a:r>
               <a:rPr lang="es-CO" b="1" dirty="0">
-                <a:hlinkClick r:id="rId4"/>
+                <a:hlinkClick r:id="rId3"/>
               </a:rPr>
               <a:t>2. Azure DevOps (Integración Git).</a:t>
             </a:r>
@@ -12876,6 +14571,80 @@
                 <a:schemeClr val="tx1"/>
               </a:solidFill>
             </a:endParaRPr>
+          </a:p>
+        </p:txBody>
+      </p:sp>
+      <p:pic>
+        <p:nvPicPr>
+          <p:cNvPr id="4" name="Imagen 3">
+            <a:extLst>
+              <a:ext uri="{FF2B5EF4-FFF2-40B4-BE49-F238E27FC236}">
+                <a16:creationId xmlns:a16="http://schemas.microsoft.com/office/drawing/2014/main" id="{BE5DFC70-B7F4-4252-8F29-2D745172A987}"/>
+              </a:ext>
+            </a:extLst>
+          </p:cNvPr>
+          <p:cNvPicPr>
+            <a:picLocks noChangeAspect="1"/>
+          </p:cNvPicPr>
+          <p:nvPr/>
+        </p:nvPicPr>
+        <p:blipFill>
+          <a:blip r:embed="rId4"/>
+          <a:stretch>
+            <a:fillRect/>
+          </a:stretch>
+        </p:blipFill>
+        <p:spPr>
+          <a:xfrm>
+            <a:off x="2495600" y="952128"/>
+            <a:ext cx="7393558" cy="4133055"/>
+          </a:xfrm>
+          <a:prstGeom prst="rect">
+            <a:avLst/>
+          </a:prstGeom>
+        </p:spPr>
+      </p:pic>
+      <p:sp>
+        <p:nvSpPr>
+          <p:cNvPr id="9" name="CuadroTexto 8">
+            <a:extLst>
+              <a:ext uri="{FF2B5EF4-FFF2-40B4-BE49-F238E27FC236}">
+                <a16:creationId xmlns:a16="http://schemas.microsoft.com/office/drawing/2014/main" id="{361E0BDE-1979-46CD-9707-542825D06C62}"/>
+              </a:ext>
+            </a:extLst>
+          </p:cNvPr>
+          <p:cNvSpPr txBox="1"/>
+          <p:nvPr/>
+        </p:nvSpPr>
+        <p:spPr>
+          <a:xfrm>
+            <a:off x="2567608" y="1927865"/>
+            <a:ext cx="288032" cy="276999"/>
+          </a:xfrm>
+          <a:prstGeom prst="rect">
+            <a:avLst/>
+          </a:prstGeom>
+          <a:noFill/>
+        </p:spPr>
+        <p:txBody>
+          <a:bodyPr wrap="square">
+            <a:spAutoFit/>
+          </a:bodyPr>
+          <a:lstStyle/>
+          <a:p>
+            <a:r>
+              <a:rPr lang="es-CO" sz="1200" dirty="0">
+                <a:solidFill>
+                  <a:schemeClr val="accent6">
+                    <a:lumMod val="60000"/>
+                    <a:lumOff val="40000"/>
+                  </a:schemeClr>
+                </a:solidFill>
+                <a:effectLst/>
+              </a:rPr>
+              <a:t>🔄</a:t>
+            </a:r>
+            <a:endParaRPr lang="es-CO" sz="1200" dirty="0"/>
           </a:p>
         </p:txBody>
       </p:sp>
@@ -13722,14 +15491,14 @@
             <p:ph sz="half" idx="2"/>
             <p:extLst>
               <p:ext uri="{D42A27DB-BD31-4B8C-83A1-F6EECF244321}">
-                <p14:modId xmlns:p14="http://schemas.microsoft.com/office/powerpoint/2010/main" val="3534444146"/>
+                <p14:modId xmlns:p14="http://schemas.microsoft.com/office/powerpoint/2010/main" val="4227638658"/>
               </p:ext>
             </p:extLst>
           </p:nvPr>
         </p:nvGraphicFramePr>
         <p:xfrm>
-          <a:off x="767408" y="1876340"/>
-          <a:ext cx="10963465" cy="3064828"/>
+          <a:off x="767408" y="1628800"/>
+          <a:ext cx="10963465" cy="3491548"/>
         </p:xfrm>
         <a:graphic>
           <a:graphicData uri="http://schemas.openxmlformats.org/drawingml/2006/table">
@@ -14003,6 +15772,13 @@
                         <a:t>Azure Monitor.</a:t>
                       </a:r>
                     </a:p>
+                    <a:p>
+                      <a:pPr algn="ctr"/>
+                      <a:r>
+                        <a:rPr lang="es-CO" sz="1400" dirty="0"/>
+                        <a:t>✅ Azure Key Vault.</a:t>
+                      </a:r>
+                    </a:p>
                   </a:txBody>
                   <a:tcPr anchor="ctr"/>
                 </a:tc>
@@ -14070,6 +15846,13 @@
                       <a:pPr algn="ctr"/>
                       <a:r>
                         <a:rPr lang="es-CO" sz="1400" dirty="0"/>
+                        <a:t>✅   Sharepoint.</a:t>
+                      </a:r>
+                    </a:p>
+                    <a:p>
+                      <a:pPr algn="ctr"/>
+                      <a:r>
+                        <a:rPr lang="es-CO" sz="1400" dirty="0"/>
                         <a:t>🔄 Herramientas ETL.</a:t>
                       </a:r>
                     </a:p>
@@ -14105,12 +15888,9 @@
                       <a:pPr algn="ctr" rtl="0"/>
                       <a:r>
                         <a:rPr lang="es-CO" sz="1400" dirty="0"/>
-                        <a:t>Validar permisos en Databricks, Synapse</a:t>
+                        <a:t>Validar permisos en Databricks, Synapse, Functions.</a:t>
                       </a:r>
-                      <a:r>
-                        <a:rPr lang="es-ES" sz="1400" noProof="0" dirty="0"/>
-                        <a:t>.</a:t>
-                      </a:r>
+                      <a:endParaRPr lang="es-ES" sz="1400" noProof="0" dirty="0"/>
                     </a:p>
                   </a:txBody>
                   <a:tcPr anchor="ctr"/>
@@ -14172,7 +15952,25 @@
                       <a:pPr algn="ctr"/>
                       <a:r>
                         <a:rPr lang="es-MX" sz="1400" dirty="0"/>
-                        <a:t> Gestionar. Automatizar (CI/CD).</a:t>
+                        <a:t> Gestionar. </a:t>
+                      </a:r>
+                    </a:p>
+                    <a:p>
+                      <a:pPr algn="ctr"/>
+                      <a:r>
+                        <a:rPr lang="es-MX" sz="1400" dirty="0"/>
+                        <a:t>Automatizar (CI/CD).</a:t>
+                      </a:r>
+                    </a:p>
+                    <a:p>
+                      <a:pPr algn="ctr"/>
+                      <a:r>
+                        <a:rPr lang="es-CO" sz="1400" dirty="0"/>
+                        <a:t>Logic Apps</a:t>
+                      </a:r>
+                      <a:r>
+                        <a:rPr lang="es-ES" sz="1400" noProof="0" dirty="0"/>
+                        <a:t>.</a:t>
                       </a:r>
                       <a:endParaRPr lang="es-CO" sz="1400" dirty="0"/>
                     </a:p>
@@ -14242,7 +16040,7 @@
         </p:nvSpPr>
         <p:spPr>
           <a:xfrm>
-            <a:off x="1127449" y="5373216"/>
+            <a:off x="1127449" y="5416230"/>
             <a:ext cx="10441159" cy="861574"/>
           </a:xfrm>
         </p:spPr>
@@ -15547,6 +17345,132 @@
 </file>
 
 <file path=customXml/item2.xml><?xml version="1.0" encoding="utf-8"?>
+<p:properties xmlns:p="http://schemas.microsoft.com/office/2006/metadata/properties" xmlns:xsi="http://www.w3.org/2001/XMLSchema-instance" xmlns:pc="http://schemas.microsoft.com/office/infopath/2007/PartnerControls">
+  <documentManagement>
+    <DirectSourceMarket xmlns="4873beb7-5857-4685-be1f-d57550cc96cc" xsi:nil="true"/>
+    <ApprovalStatus xmlns="4873beb7-5857-4685-be1f-d57550cc96cc">InProgress</ApprovalStatus>
+    <MarketSpecific xmlns="4873beb7-5857-4685-be1f-d57550cc96cc">false</MarketSpecific>
+    <LocComments xmlns="4873beb7-5857-4685-be1f-d57550cc96cc" xsi:nil="true"/>
+    <ThumbnailAssetId xmlns="4873beb7-5857-4685-be1f-d57550cc96cc" xsi:nil="true"/>
+    <PrimaryImageGen xmlns="4873beb7-5857-4685-be1f-d57550cc96cc">true</PrimaryImageGen>
+    <LegacyData xmlns="4873beb7-5857-4685-be1f-d57550cc96cc" xsi:nil="true"/>
+    <LocRecommendedHandoff xmlns="4873beb7-5857-4685-be1f-d57550cc96cc" xsi:nil="true"/>
+    <BusinessGroup xmlns="4873beb7-5857-4685-be1f-d57550cc96cc" xsi:nil="true"/>
+    <BlockPublish xmlns="4873beb7-5857-4685-be1f-d57550cc96cc">false</BlockPublish>
+    <TPFriendlyName xmlns="4873beb7-5857-4685-be1f-d57550cc96cc" xsi:nil="true"/>
+    <NumericId xmlns="4873beb7-5857-4685-be1f-d57550cc96cc" xsi:nil="true"/>
+    <APEditor xmlns="4873beb7-5857-4685-be1f-d57550cc96cc">
+      <UserInfo>
+        <DisplayName/>
+        <AccountId xsi:nil="true"/>
+        <AccountType/>
+      </UserInfo>
+    </APEditor>
+    <SourceTitle xmlns="4873beb7-5857-4685-be1f-d57550cc96cc" xsi:nil="true"/>
+    <OpenTemplate xmlns="4873beb7-5857-4685-be1f-d57550cc96cc">true</OpenTemplate>
+    <UALocComments xmlns="4873beb7-5857-4685-be1f-d57550cc96cc" xsi:nil="true"/>
+    <ParentAssetId xmlns="4873beb7-5857-4685-be1f-d57550cc96cc" xsi:nil="true"/>
+    <IntlLangReviewDate xmlns="4873beb7-5857-4685-be1f-d57550cc96cc" xsi:nil="true"/>
+    <FeatureTagsTaxHTField0 xmlns="4873beb7-5857-4685-be1f-d57550cc96cc">
+      <Terms xmlns="http://schemas.microsoft.com/office/infopath/2007/PartnerControls"/>
+    </FeatureTagsTaxHTField0>
+    <PublishStatusLookup xmlns="4873beb7-5857-4685-be1f-d57550cc96cc">
+      <Value>1566889</Value>
+    </PublishStatusLookup>
+    <Providers xmlns="4873beb7-5857-4685-be1f-d57550cc96cc" xsi:nil="true"/>
+    <MachineTranslated xmlns="4873beb7-5857-4685-be1f-d57550cc96cc">false</MachineTranslated>
+    <OriginalSourceMarket xmlns="4873beb7-5857-4685-be1f-d57550cc96cc" xsi:nil="true"/>
+    <APDescription xmlns="4873beb7-5857-4685-be1f-d57550cc96cc" xsi:nil="true"/>
+    <ClipArtFilename xmlns="4873beb7-5857-4685-be1f-d57550cc96cc" xsi:nil="true"/>
+    <ContentItem xmlns="4873beb7-5857-4685-be1f-d57550cc96cc" xsi:nil="true"/>
+    <TPInstallLocation xmlns="4873beb7-5857-4685-be1f-d57550cc96cc" xsi:nil="true"/>
+    <PublishTargets xmlns="4873beb7-5857-4685-be1f-d57550cc96cc">OfficeOnlineVNext</PublishTargets>
+    <TimesCloned xmlns="4873beb7-5857-4685-be1f-d57550cc96cc" xsi:nil="true"/>
+    <AssetStart xmlns="4873beb7-5857-4685-be1f-d57550cc96cc">2012-05-23T08:44:00+00:00</AssetStart>
+    <Provider xmlns="4873beb7-5857-4685-be1f-d57550cc96cc" xsi:nil="true"/>
+    <AcquiredFrom xmlns="4873beb7-5857-4685-be1f-d57550cc96cc">Internal MS</AcquiredFrom>
+    <FriendlyTitle xmlns="4873beb7-5857-4685-be1f-d57550cc96cc" xsi:nil="true"/>
+    <LastHandOff xmlns="4873beb7-5857-4685-be1f-d57550cc96cc" xsi:nil="true"/>
+    <TPClientViewer xmlns="4873beb7-5857-4685-be1f-d57550cc96cc" xsi:nil="true"/>
+    <UACurrentWords xmlns="4873beb7-5857-4685-be1f-d57550cc96cc" xsi:nil="true"/>
+    <ArtSampleDocs xmlns="4873beb7-5857-4685-be1f-d57550cc96cc" xsi:nil="true"/>
+    <UALocRecommendation xmlns="4873beb7-5857-4685-be1f-d57550cc96cc">Localize</UALocRecommendation>
+    <Manager xmlns="4873beb7-5857-4685-be1f-d57550cc96cc" xsi:nil="true"/>
+    <ShowIn xmlns="4873beb7-5857-4685-be1f-d57550cc96cc">Show everywhere</ShowIn>
+    <UANotes xmlns="4873beb7-5857-4685-be1f-d57550cc96cc" xsi:nil="true"/>
+    <TemplateStatus xmlns="4873beb7-5857-4685-be1f-d57550cc96cc">Complete</TemplateStatus>
+    <InternalTagsTaxHTField0 xmlns="4873beb7-5857-4685-be1f-d57550cc96cc">
+      <Terms xmlns="http://schemas.microsoft.com/office/infopath/2007/PartnerControls"/>
+    </InternalTagsTaxHTField0>
+    <CSXHash xmlns="4873beb7-5857-4685-be1f-d57550cc96cc" xsi:nil="true"/>
+    <Downloads xmlns="4873beb7-5857-4685-be1f-d57550cc96cc">0</Downloads>
+    <VoteCount xmlns="4873beb7-5857-4685-be1f-d57550cc96cc" xsi:nil="true"/>
+    <OOCacheId xmlns="4873beb7-5857-4685-be1f-d57550cc96cc" xsi:nil="true"/>
+    <IsDeleted xmlns="4873beb7-5857-4685-be1f-d57550cc96cc">false</IsDeleted>
+    <AssetExpire xmlns="4873beb7-5857-4685-be1f-d57550cc96cc">2029-01-01T08:00:00+00:00</AssetExpire>
+    <DSATActionTaken xmlns="4873beb7-5857-4685-be1f-d57550cc96cc" xsi:nil="true"/>
+    <CSXSubmissionMarket xmlns="4873beb7-5857-4685-be1f-d57550cc96cc" xsi:nil="true"/>
+    <TPExecutable xmlns="4873beb7-5857-4685-be1f-d57550cc96cc" xsi:nil="true"/>
+    <SubmitterId xmlns="4873beb7-5857-4685-be1f-d57550cc96cc" xsi:nil="true"/>
+    <EditorialTags xmlns="4873beb7-5857-4685-be1f-d57550cc96cc" xsi:nil="true"/>
+    <ApprovalLog xmlns="4873beb7-5857-4685-be1f-d57550cc96cc" xsi:nil="true"/>
+    <AssetType xmlns="4873beb7-5857-4685-be1f-d57550cc96cc">TP</AssetType>
+    <BugNumber xmlns="4873beb7-5857-4685-be1f-d57550cc96cc" xsi:nil="true"/>
+    <CSXSubmissionDate xmlns="4873beb7-5857-4685-be1f-d57550cc96cc" xsi:nil="true"/>
+    <CSXUpdate xmlns="4873beb7-5857-4685-be1f-d57550cc96cc">false</CSXUpdate>
+    <Milestone xmlns="4873beb7-5857-4685-be1f-d57550cc96cc" xsi:nil="true"/>
+    <RecommendationsModifier xmlns="4873beb7-5857-4685-be1f-d57550cc96cc" xsi:nil="true"/>
+    <OriginAsset xmlns="4873beb7-5857-4685-be1f-d57550cc96cc" xsi:nil="true"/>
+    <TPComponent xmlns="4873beb7-5857-4685-be1f-d57550cc96cc" xsi:nil="true"/>
+    <AssetId xmlns="4873beb7-5857-4685-be1f-d57550cc96cc">TP102901017</AssetId>
+    <IntlLocPriority xmlns="4873beb7-5857-4685-be1f-d57550cc96cc" xsi:nil="true"/>
+    <PolicheckWords xmlns="4873beb7-5857-4685-be1f-d57550cc96cc" xsi:nil="true"/>
+    <TPLaunchHelpLink xmlns="4873beb7-5857-4685-be1f-d57550cc96cc" xsi:nil="true"/>
+    <TPApplication xmlns="4873beb7-5857-4685-be1f-d57550cc96cc" xsi:nil="true"/>
+    <CrawlForDependencies xmlns="4873beb7-5857-4685-be1f-d57550cc96cc">false</CrawlForDependencies>
+    <HandoffToMSDN xmlns="4873beb7-5857-4685-be1f-d57550cc96cc" xsi:nil="true"/>
+    <PlannedPubDate xmlns="4873beb7-5857-4685-be1f-d57550cc96cc" xsi:nil="true"/>
+    <IntlLangReviewer xmlns="4873beb7-5857-4685-be1f-d57550cc96cc" xsi:nil="true"/>
+    <TrustLevel xmlns="4873beb7-5857-4685-be1f-d57550cc96cc">1 Microsoft Managed Content</TrustLevel>
+    <LocLastLocAttemptVersionLookup xmlns="4873beb7-5857-4685-be1f-d57550cc96cc">836753</LocLastLocAttemptVersionLookup>
+    <IsSearchable xmlns="4873beb7-5857-4685-be1f-d57550cc96cc">true</IsSearchable>
+    <TemplateTemplateType xmlns="4873beb7-5857-4685-be1f-d57550cc96cc">PowerPoint Design Template</TemplateTemplateType>
+    <CampaignTagsTaxHTField0 xmlns="4873beb7-5857-4685-be1f-d57550cc96cc">
+      <Terms xmlns="http://schemas.microsoft.com/office/infopath/2007/PartnerControls"/>
+    </CampaignTagsTaxHTField0>
+    <TPNamespace xmlns="4873beb7-5857-4685-be1f-d57550cc96cc" xsi:nil="true"/>
+    <TaxCatchAll xmlns="4873beb7-5857-4685-be1f-d57550cc96cc"/>
+    <Markets xmlns="4873beb7-5857-4685-be1f-d57550cc96cc"/>
+    <UAProjectedTotalWords xmlns="4873beb7-5857-4685-be1f-d57550cc96cc" xsi:nil="true"/>
+    <IntlLangReview xmlns="4873beb7-5857-4685-be1f-d57550cc96cc">false</IntlLangReview>
+    <OutputCachingOn xmlns="4873beb7-5857-4685-be1f-d57550cc96cc">false</OutputCachingOn>
+    <AverageRating xmlns="4873beb7-5857-4685-be1f-d57550cc96cc" xsi:nil="true"/>
+    <APAuthor xmlns="4873beb7-5857-4685-be1f-d57550cc96cc">
+      <UserInfo>
+        <DisplayName>REDMOND\v-anij</DisplayName>
+        <AccountId>2469</AccountId>
+        <AccountType/>
+      </UserInfo>
+    </APAuthor>
+    <LocManualTestRequired xmlns="4873beb7-5857-4685-be1f-d57550cc96cc">false</LocManualTestRequired>
+    <TPCommandLine xmlns="4873beb7-5857-4685-be1f-d57550cc96cc" xsi:nil="true"/>
+    <TPAppVersion xmlns="4873beb7-5857-4685-be1f-d57550cc96cc" xsi:nil="true"/>
+    <EditorialStatus xmlns="4873beb7-5857-4685-be1f-d57550cc96cc">Complete</EditorialStatus>
+    <LastModifiedDateTime xmlns="4873beb7-5857-4685-be1f-d57550cc96cc" xsi:nil="true"/>
+    <ScenarioTagsTaxHTField0 xmlns="4873beb7-5857-4685-be1f-d57550cc96cc">
+      <Terms xmlns="http://schemas.microsoft.com/office/infopath/2007/PartnerControls"/>
+    </ScenarioTagsTaxHTField0>
+    <OriginalRelease xmlns="4873beb7-5857-4685-be1f-d57550cc96cc">15</OriginalRelease>
+    <TPLaunchHelpLinkType xmlns="4873beb7-5857-4685-be1f-d57550cc96cc">Template</TPLaunchHelpLinkType>
+    <LocalizationTagsTaxHTField0 xmlns="4873beb7-5857-4685-be1f-d57550cc96cc">
+      <Terms xmlns="http://schemas.microsoft.com/office/infopath/2007/PartnerControls"/>
+    </LocalizationTagsTaxHTField0>
+    <LocMarketGroupTiers2 xmlns="4873beb7-5857-4685-be1f-d57550cc96cc" xsi:nil="true"/>
+  </documentManagement>
+</p:properties>
+</file>
+
+<file path=customXml/item3.xml><?xml version="1.0" encoding="utf-8"?>
 <ct:contentTypeSchema xmlns:ct="http://schemas.microsoft.com/office/2006/metadata/contentType" xmlns:ma="http://schemas.microsoft.com/office/2006/metadata/properties/metaAttributes" ct:_="" ma:_="" ma:contentTypeName="TemplateFile" ma:contentTypeID="0x0101006EDDDB5EE6D98C44930B742096920B300400F5B6D36B3EF94B4E9A635CDF2A18F5B8" ma:contentTypeVersion="72" ma:contentTypeDescription="Create a new document." ma:contentTypeScope="" ma:versionID="a23e56308344d904b51738559c3d67c9">
   <xsd:schema xmlns:xsd="http://www.w3.org/2001/XMLSchema" xmlns:xs="http://www.w3.org/2001/XMLSchema" xmlns:p="http://schemas.microsoft.com/office/2006/metadata/properties" xmlns:ns2="4873beb7-5857-4685-be1f-d57550cc96cc" targetNamespace="http://schemas.microsoft.com/office/2006/metadata/properties" ma:root="true" ma:fieldsID="cd0908cc4600e77bf5da051303e00c8d" ns2:_="">
     <xsd:import namespace="4873beb7-5857-4685-be1f-d57550cc96cc"/>
@@ -16586,132 +18510,6 @@
 </ct:contentTypeSchema>
 </file>
 
-<file path=customXml/item3.xml><?xml version="1.0" encoding="utf-8"?>
-<p:properties xmlns:p="http://schemas.microsoft.com/office/2006/metadata/properties" xmlns:xsi="http://www.w3.org/2001/XMLSchema-instance" xmlns:pc="http://schemas.microsoft.com/office/infopath/2007/PartnerControls">
-  <documentManagement>
-    <DirectSourceMarket xmlns="4873beb7-5857-4685-be1f-d57550cc96cc" xsi:nil="true"/>
-    <ApprovalStatus xmlns="4873beb7-5857-4685-be1f-d57550cc96cc">InProgress</ApprovalStatus>
-    <MarketSpecific xmlns="4873beb7-5857-4685-be1f-d57550cc96cc">false</MarketSpecific>
-    <LocComments xmlns="4873beb7-5857-4685-be1f-d57550cc96cc" xsi:nil="true"/>
-    <ThumbnailAssetId xmlns="4873beb7-5857-4685-be1f-d57550cc96cc" xsi:nil="true"/>
-    <PrimaryImageGen xmlns="4873beb7-5857-4685-be1f-d57550cc96cc">true</PrimaryImageGen>
-    <LegacyData xmlns="4873beb7-5857-4685-be1f-d57550cc96cc" xsi:nil="true"/>
-    <LocRecommendedHandoff xmlns="4873beb7-5857-4685-be1f-d57550cc96cc" xsi:nil="true"/>
-    <BusinessGroup xmlns="4873beb7-5857-4685-be1f-d57550cc96cc" xsi:nil="true"/>
-    <BlockPublish xmlns="4873beb7-5857-4685-be1f-d57550cc96cc">false</BlockPublish>
-    <TPFriendlyName xmlns="4873beb7-5857-4685-be1f-d57550cc96cc" xsi:nil="true"/>
-    <NumericId xmlns="4873beb7-5857-4685-be1f-d57550cc96cc" xsi:nil="true"/>
-    <APEditor xmlns="4873beb7-5857-4685-be1f-d57550cc96cc">
-      <UserInfo>
-        <DisplayName/>
-        <AccountId xsi:nil="true"/>
-        <AccountType/>
-      </UserInfo>
-    </APEditor>
-    <SourceTitle xmlns="4873beb7-5857-4685-be1f-d57550cc96cc" xsi:nil="true"/>
-    <OpenTemplate xmlns="4873beb7-5857-4685-be1f-d57550cc96cc">true</OpenTemplate>
-    <UALocComments xmlns="4873beb7-5857-4685-be1f-d57550cc96cc" xsi:nil="true"/>
-    <ParentAssetId xmlns="4873beb7-5857-4685-be1f-d57550cc96cc" xsi:nil="true"/>
-    <IntlLangReviewDate xmlns="4873beb7-5857-4685-be1f-d57550cc96cc" xsi:nil="true"/>
-    <FeatureTagsTaxHTField0 xmlns="4873beb7-5857-4685-be1f-d57550cc96cc">
-      <Terms xmlns="http://schemas.microsoft.com/office/infopath/2007/PartnerControls"/>
-    </FeatureTagsTaxHTField0>
-    <PublishStatusLookup xmlns="4873beb7-5857-4685-be1f-d57550cc96cc">
-      <Value>1566889</Value>
-    </PublishStatusLookup>
-    <Providers xmlns="4873beb7-5857-4685-be1f-d57550cc96cc" xsi:nil="true"/>
-    <MachineTranslated xmlns="4873beb7-5857-4685-be1f-d57550cc96cc">false</MachineTranslated>
-    <OriginalSourceMarket xmlns="4873beb7-5857-4685-be1f-d57550cc96cc" xsi:nil="true"/>
-    <APDescription xmlns="4873beb7-5857-4685-be1f-d57550cc96cc" xsi:nil="true"/>
-    <ClipArtFilename xmlns="4873beb7-5857-4685-be1f-d57550cc96cc" xsi:nil="true"/>
-    <ContentItem xmlns="4873beb7-5857-4685-be1f-d57550cc96cc" xsi:nil="true"/>
-    <TPInstallLocation xmlns="4873beb7-5857-4685-be1f-d57550cc96cc" xsi:nil="true"/>
-    <PublishTargets xmlns="4873beb7-5857-4685-be1f-d57550cc96cc">OfficeOnlineVNext</PublishTargets>
-    <TimesCloned xmlns="4873beb7-5857-4685-be1f-d57550cc96cc" xsi:nil="true"/>
-    <AssetStart xmlns="4873beb7-5857-4685-be1f-d57550cc96cc">2012-05-23T08:44:00+00:00</AssetStart>
-    <Provider xmlns="4873beb7-5857-4685-be1f-d57550cc96cc" xsi:nil="true"/>
-    <AcquiredFrom xmlns="4873beb7-5857-4685-be1f-d57550cc96cc">Internal MS</AcquiredFrom>
-    <FriendlyTitle xmlns="4873beb7-5857-4685-be1f-d57550cc96cc" xsi:nil="true"/>
-    <LastHandOff xmlns="4873beb7-5857-4685-be1f-d57550cc96cc" xsi:nil="true"/>
-    <TPClientViewer xmlns="4873beb7-5857-4685-be1f-d57550cc96cc" xsi:nil="true"/>
-    <UACurrentWords xmlns="4873beb7-5857-4685-be1f-d57550cc96cc" xsi:nil="true"/>
-    <ArtSampleDocs xmlns="4873beb7-5857-4685-be1f-d57550cc96cc" xsi:nil="true"/>
-    <UALocRecommendation xmlns="4873beb7-5857-4685-be1f-d57550cc96cc">Localize</UALocRecommendation>
-    <Manager xmlns="4873beb7-5857-4685-be1f-d57550cc96cc" xsi:nil="true"/>
-    <ShowIn xmlns="4873beb7-5857-4685-be1f-d57550cc96cc">Show everywhere</ShowIn>
-    <UANotes xmlns="4873beb7-5857-4685-be1f-d57550cc96cc" xsi:nil="true"/>
-    <TemplateStatus xmlns="4873beb7-5857-4685-be1f-d57550cc96cc">Complete</TemplateStatus>
-    <InternalTagsTaxHTField0 xmlns="4873beb7-5857-4685-be1f-d57550cc96cc">
-      <Terms xmlns="http://schemas.microsoft.com/office/infopath/2007/PartnerControls"/>
-    </InternalTagsTaxHTField0>
-    <CSXHash xmlns="4873beb7-5857-4685-be1f-d57550cc96cc" xsi:nil="true"/>
-    <Downloads xmlns="4873beb7-5857-4685-be1f-d57550cc96cc">0</Downloads>
-    <VoteCount xmlns="4873beb7-5857-4685-be1f-d57550cc96cc" xsi:nil="true"/>
-    <OOCacheId xmlns="4873beb7-5857-4685-be1f-d57550cc96cc" xsi:nil="true"/>
-    <IsDeleted xmlns="4873beb7-5857-4685-be1f-d57550cc96cc">false</IsDeleted>
-    <AssetExpire xmlns="4873beb7-5857-4685-be1f-d57550cc96cc">2029-01-01T08:00:00+00:00</AssetExpire>
-    <DSATActionTaken xmlns="4873beb7-5857-4685-be1f-d57550cc96cc" xsi:nil="true"/>
-    <CSXSubmissionMarket xmlns="4873beb7-5857-4685-be1f-d57550cc96cc" xsi:nil="true"/>
-    <TPExecutable xmlns="4873beb7-5857-4685-be1f-d57550cc96cc" xsi:nil="true"/>
-    <SubmitterId xmlns="4873beb7-5857-4685-be1f-d57550cc96cc" xsi:nil="true"/>
-    <EditorialTags xmlns="4873beb7-5857-4685-be1f-d57550cc96cc" xsi:nil="true"/>
-    <ApprovalLog xmlns="4873beb7-5857-4685-be1f-d57550cc96cc" xsi:nil="true"/>
-    <AssetType xmlns="4873beb7-5857-4685-be1f-d57550cc96cc">TP</AssetType>
-    <BugNumber xmlns="4873beb7-5857-4685-be1f-d57550cc96cc" xsi:nil="true"/>
-    <CSXSubmissionDate xmlns="4873beb7-5857-4685-be1f-d57550cc96cc" xsi:nil="true"/>
-    <CSXUpdate xmlns="4873beb7-5857-4685-be1f-d57550cc96cc">false</CSXUpdate>
-    <Milestone xmlns="4873beb7-5857-4685-be1f-d57550cc96cc" xsi:nil="true"/>
-    <RecommendationsModifier xmlns="4873beb7-5857-4685-be1f-d57550cc96cc" xsi:nil="true"/>
-    <OriginAsset xmlns="4873beb7-5857-4685-be1f-d57550cc96cc" xsi:nil="true"/>
-    <TPComponent xmlns="4873beb7-5857-4685-be1f-d57550cc96cc" xsi:nil="true"/>
-    <AssetId xmlns="4873beb7-5857-4685-be1f-d57550cc96cc">TP102901017</AssetId>
-    <IntlLocPriority xmlns="4873beb7-5857-4685-be1f-d57550cc96cc" xsi:nil="true"/>
-    <PolicheckWords xmlns="4873beb7-5857-4685-be1f-d57550cc96cc" xsi:nil="true"/>
-    <TPLaunchHelpLink xmlns="4873beb7-5857-4685-be1f-d57550cc96cc" xsi:nil="true"/>
-    <TPApplication xmlns="4873beb7-5857-4685-be1f-d57550cc96cc" xsi:nil="true"/>
-    <CrawlForDependencies xmlns="4873beb7-5857-4685-be1f-d57550cc96cc">false</CrawlForDependencies>
-    <HandoffToMSDN xmlns="4873beb7-5857-4685-be1f-d57550cc96cc" xsi:nil="true"/>
-    <PlannedPubDate xmlns="4873beb7-5857-4685-be1f-d57550cc96cc" xsi:nil="true"/>
-    <IntlLangReviewer xmlns="4873beb7-5857-4685-be1f-d57550cc96cc" xsi:nil="true"/>
-    <TrustLevel xmlns="4873beb7-5857-4685-be1f-d57550cc96cc">1 Microsoft Managed Content</TrustLevel>
-    <LocLastLocAttemptVersionLookup xmlns="4873beb7-5857-4685-be1f-d57550cc96cc">836753</LocLastLocAttemptVersionLookup>
-    <IsSearchable xmlns="4873beb7-5857-4685-be1f-d57550cc96cc">true</IsSearchable>
-    <TemplateTemplateType xmlns="4873beb7-5857-4685-be1f-d57550cc96cc">PowerPoint Design Template</TemplateTemplateType>
-    <CampaignTagsTaxHTField0 xmlns="4873beb7-5857-4685-be1f-d57550cc96cc">
-      <Terms xmlns="http://schemas.microsoft.com/office/infopath/2007/PartnerControls"/>
-    </CampaignTagsTaxHTField0>
-    <TPNamespace xmlns="4873beb7-5857-4685-be1f-d57550cc96cc" xsi:nil="true"/>
-    <TaxCatchAll xmlns="4873beb7-5857-4685-be1f-d57550cc96cc"/>
-    <Markets xmlns="4873beb7-5857-4685-be1f-d57550cc96cc"/>
-    <UAProjectedTotalWords xmlns="4873beb7-5857-4685-be1f-d57550cc96cc" xsi:nil="true"/>
-    <IntlLangReview xmlns="4873beb7-5857-4685-be1f-d57550cc96cc">false</IntlLangReview>
-    <OutputCachingOn xmlns="4873beb7-5857-4685-be1f-d57550cc96cc">false</OutputCachingOn>
-    <AverageRating xmlns="4873beb7-5857-4685-be1f-d57550cc96cc" xsi:nil="true"/>
-    <APAuthor xmlns="4873beb7-5857-4685-be1f-d57550cc96cc">
-      <UserInfo>
-        <DisplayName>REDMOND\v-anij</DisplayName>
-        <AccountId>2469</AccountId>
-        <AccountType/>
-      </UserInfo>
-    </APAuthor>
-    <LocManualTestRequired xmlns="4873beb7-5857-4685-be1f-d57550cc96cc">false</LocManualTestRequired>
-    <TPCommandLine xmlns="4873beb7-5857-4685-be1f-d57550cc96cc" xsi:nil="true"/>
-    <TPAppVersion xmlns="4873beb7-5857-4685-be1f-d57550cc96cc" xsi:nil="true"/>
-    <EditorialStatus xmlns="4873beb7-5857-4685-be1f-d57550cc96cc">Complete</EditorialStatus>
-    <LastModifiedDateTime xmlns="4873beb7-5857-4685-be1f-d57550cc96cc" xsi:nil="true"/>
-    <ScenarioTagsTaxHTField0 xmlns="4873beb7-5857-4685-be1f-d57550cc96cc">
-      <Terms xmlns="http://schemas.microsoft.com/office/infopath/2007/PartnerControls"/>
-    </ScenarioTagsTaxHTField0>
-    <OriginalRelease xmlns="4873beb7-5857-4685-be1f-d57550cc96cc">15</OriginalRelease>
-    <TPLaunchHelpLinkType xmlns="4873beb7-5857-4685-be1f-d57550cc96cc">Template</TPLaunchHelpLinkType>
-    <LocalizationTagsTaxHTField0 xmlns="4873beb7-5857-4685-be1f-d57550cc96cc">
-      <Terms xmlns="http://schemas.microsoft.com/office/infopath/2007/PartnerControls"/>
-    </LocalizationTagsTaxHTField0>
-    <LocMarketGroupTiers2 xmlns="4873beb7-5857-4685-be1f-d57550cc96cc" xsi:nil="true"/>
-  </documentManagement>
-</p:properties>
-</file>
-
 <file path=customXml/itemProps1.xml><?xml version="1.0" encoding="utf-8"?>
 <ds:datastoreItem xmlns:ds="http://schemas.openxmlformats.org/officeDocument/2006/customXml" ds:itemID="{746CFF6F-D9AA-4BC0-911A-0A1356771912}">
   <ds:schemaRefs>
@@ -16721,6 +18519,16 @@
 </file>
 
 <file path=customXml/itemProps2.xml><?xml version="1.0" encoding="utf-8"?>
+<ds:datastoreItem xmlns:ds="http://schemas.openxmlformats.org/officeDocument/2006/customXml" ds:itemID="{04098515-0C12-46CF-BC7C-69B4A13CD5FA}">
+  <ds:schemaRefs>
+    <ds:schemaRef ds:uri="http://schemas.microsoft.com/office/2006/metadata/properties"/>
+    <ds:schemaRef ds:uri="http://schemas.microsoft.com/office/infopath/2007/PartnerControls"/>
+    <ds:schemaRef ds:uri="4873beb7-5857-4685-be1f-d57550cc96cc"/>
+  </ds:schemaRefs>
+</ds:datastoreItem>
+</file>
+
+<file path=customXml/itemProps3.xml><?xml version="1.0" encoding="utf-8"?>
 <ds:datastoreItem xmlns:ds="http://schemas.openxmlformats.org/officeDocument/2006/customXml" ds:itemID="{0B5C6E15-39DC-470B-9445-F754B9458020}">
   <ds:schemaRefs>
     <ds:schemaRef ds:uri="http://schemas.microsoft.com/office/2006/metadata/contentType"/>
@@ -16736,14 +18544,4 @@
     <ds:schemaRef ds:uri="http://schemas.microsoft.com/internal/obd"/>
   </ds:schemaRefs>
 </ds:datastoreItem>
-</file>
-
-<file path=customXml/itemProps3.xml><?xml version="1.0" encoding="utf-8"?>
-<ds:datastoreItem xmlns:ds="http://schemas.openxmlformats.org/officeDocument/2006/customXml" ds:itemID="{04098515-0C12-46CF-BC7C-69B4A13CD5FA}">
-  <ds:schemaRefs>
-    <ds:schemaRef ds:uri="http://schemas.microsoft.com/office/2006/metadata/properties"/>
-    <ds:schemaRef ds:uri="http://schemas.microsoft.com/office/infopath/2007/PartnerControls"/>
-    <ds:schemaRef ds:uri="4873beb7-5857-4685-be1f-d57550cc96cc"/>
-  </ds:schemaRefs>
-</ds:datastoreItem>
 </file>
--- a/Diagrams/guides/Propuesta migracion - Perceptio.pptx
+++ b/Diagrams/guides/Propuesta migracion - Perceptio.pptx
@@ -141,6 +141,18 @@
 </p:presentation>
 </file>
 
+<file path=ppt/commentAuthors.xml><?xml version="1.0" encoding="utf-8"?>
+<p:cmAuthorLst xmlns:a="http://schemas.openxmlformats.org/drawingml/2006/main" xmlns:r="http://schemas.openxmlformats.org/officeDocument/2006/relationships" xmlns:p="http://schemas.openxmlformats.org/presentationml/2006/main">
+  <p:cmAuthor id="1" name="Oscar Andres Macias Narvaez" initials="OAMN" lastIdx="3" clrIdx="0">
+    <p:extLst>
+      <p:ext uri="{19B8F6BF-5375-455C-9EA6-DF929625EA0E}">
+        <p15:presenceInfo xmlns:p15="http://schemas.microsoft.com/office/powerpoint/2012/main" userId="Oscar Andres Macias Narvaez" providerId="None"/>
+      </p:ext>
+    </p:extLst>
+  </p:cmAuthor>
+</p:cmAuthorLst>
+</file>
+
 <file path=ppt/charts/chart1.xml><?xml version="1.0" encoding="utf-8"?>
 <c:chartSpace xmlns:c="http://schemas.openxmlformats.org/drawingml/2006/chart" xmlns:a="http://schemas.openxmlformats.org/drawingml/2006/main" xmlns:r="http://schemas.openxmlformats.org/officeDocument/2006/relationships" xmlns:c16r2="http://schemas.microsoft.com/office/drawing/2015/06/chart">
   <c:date1904 val="0"/>
@@ -161,27 +173,13 @@
           <a:bodyPr rot="0" spcFirstLastPara="1" vertOverflow="ellipsis" vert="horz" wrap="square" anchor="ctr" anchorCtr="1"/>
           <a:lstStyle/>
           <a:p>
-            <a:pPr marL="0" marR="0" lvl="0" indent="0" algn="ctr" defTabSz="914400" rtl="0" eaLnBrk="1" fontAlgn="auto" latinLnBrk="0" hangingPunct="1">
-              <a:lnSpc>
-                <a:spcPct val="100000"/>
-              </a:lnSpc>
-              <a:spcBef>
-                <a:spcPts val="0"/>
-              </a:spcBef>
-              <a:spcAft>
-                <a:spcPts val="0"/>
-              </a:spcAft>
-              <a:buClrTx/>
-              <a:buSzTx/>
-              <a:buFontTx/>
-              <a:buNone/>
-              <a:tabLst/>
-              <a:defRPr sz="2400" b="0" i="0" u="none" strike="noStrike" kern="1200" spc="0" baseline="0">
+            <a:pPr>
+              <a:defRPr sz="1400" b="0" i="0" u="none" strike="noStrike" kern="1200" spc="0" baseline="0">
                 <a:solidFill>
-                  <a:prstClr val="white">
+                  <a:schemeClr val="tx1">
                     <a:lumMod val="65000"/>
                     <a:lumOff val="35000"/>
-                  </a:prstClr>
+                  </a:schemeClr>
                 </a:solidFill>
                 <a:latin typeface="+mn-lt"/>
                 <a:ea typeface="+mn-ea"/>
@@ -189,70 +187,14 @@
               </a:defRPr>
             </a:pPr>
             <a:r>
-              <a:rPr lang="es-CO" sz="2400" dirty="0">
-                <a:solidFill>
-                  <a:schemeClr val="accent6">
-                    <a:lumMod val="60000"/>
-                    <a:lumOff val="40000"/>
-                  </a:schemeClr>
-                </a:solidFill>
-                <a:effectLst/>
-              </a:rPr>
-              <a:t>🔄</a:t>
+              <a:rPr lang="es-CO" b="1"/>
+              <a:t>Deadline de</a:t>
             </a:r>
             <a:r>
-              <a:rPr lang="es-CO" sz="2400" baseline="0" dirty="0">
-                <a:solidFill>
-                  <a:schemeClr val="accent6">
-                    <a:lumMod val="60000"/>
-                    <a:lumOff val="40000"/>
-                  </a:schemeClr>
-                </a:solidFill>
-                <a:effectLst/>
-              </a:rPr>
-              <a:t> </a:t>
+              <a:rPr lang="es-CO" b="1" baseline="0"/>
+              <a:t> migracion.</a:t>
             </a:r>
-            <a:r>
-              <a:rPr lang="es-CO" sz="2400" b="1" dirty="0" err="1">
-                <a:solidFill>
-                  <a:schemeClr val="accent6">
-                    <a:lumMod val="60000"/>
-                    <a:lumOff val="40000"/>
-                  </a:schemeClr>
-                </a:solidFill>
-              </a:rPr>
-              <a:t>Deadline</a:t>
-            </a:r>
-            <a:r>
-              <a:rPr lang="es-CO" sz="2400" b="1" dirty="0">
-                <a:solidFill>
-                  <a:schemeClr val="accent6">
-                    <a:lumMod val="60000"/>
-                    <a:lumOff val="40000"/>
-                  </a:schemeClr>
-                </a:solidFill>
-              </a:rPr>
-              <a:t> de</a:t>
-            </a:r>
-            <a:r>
-              <a:rPr lang="es-CO" sz="2400" b="1" baseline="0" dirty="0">
-                <a:solidFill>
-                  <a:schemeClr val="accent6">
-                    <a:lumMod val="60000"/>
-                    <a:lumOff val="40000"/>
-                  </a:schemeClr>
-                </a:solidFill>
-              </a:rPr>
-              <a:t> migración.</a:t>
-            </a:r>
-            <a:endParaRPr lang="es-CO" sz="2400" b="1" dirty="0">
-              <a:solidFill>
-                <a:schemeClr val="accent6">
-                  <a:lumMod val="60000"/>
-                  <a:lumOff val="40000"/>
-                </a:schemeClr>
-              </a:solidFill>
-            </a:endParaRPr>
+            <a:endParaRPr lang="es-CO" b="1"/>
           </a:p>
         </c:rich>
       </c:tx>
@@ -260,8 +202,8 @@
         <c:manualLayout>
           <c:xMode val="edge"/>
           <c:yMode val="edge"/>
-          <c:x val="0.35059834700020626"/>
-          <c:y val="3.339928376013776E-2"/>
+          <c:x val="0.44586351021263132"/>
+          <c:y val="4.1666677182181804E-2"/>
         </c:manualLayout>
       </c:layout>
       <c:overlay val="0"/>
@@ -276,27 +218,13 @@
         <a:bodyPr rot="0" spcFirstLastPara="1" vertOverflow="ellipsis" vert="horz" wrap="square" anchor="ctr" anchorCtr="1"/>
         <a:lstStyle/>
         <a:p>
-          <a:pPr marL="0" marR="0" lvl="0" indent="0" algn="ctr" defTabSz="914400" rtl="0" eaLnBrk="1" fontAlgn="auto" latinLnBrk="0" hangingPunct="1">
-            <a:lnSpc>
-              <a:spcPct val="100000"/>
-            </a:lnSpc>
-            <a:spcBef>
-              <a:spcPts val="0"/>
-            </a:spcBef>
-            <a:spcAft>
-              <a:spcPts val="0"/>
-            </a:spcAft>
-            <a:buClrTx/>
-            <a:buSzTx/>
-            <a:buFontTx/>
-            <a:buNone/>
-            <a:tabLst/>
-            <a:defRPr sz="2400" b="0" i="0" u="none" strike="noStrike" kern="1200" spc="0" baseline="0">
+          <a:pPr>
+            <a:defRPr sz="1400" b="0" i="0" u="none" strike="noStrike" kern="1200" spc="0" baseline="0">
               <a:solidFill>
-                <a:prstClr val="white">
+                <a:schemeClr val="tx1">
                   <a:lumMod val="65000"/>
                   <a:lumOff val="35000"/>
-                </a:prstClr>
+                </a:schemeClr>
               </a:solidFill>
               <a:latin typeface="+mn-lt"/>
               <a:ea typeface="+mn-ea"/>
@@ -333,7 +261,7 @@
               <c:strCache>
                 <c:ptCount val="1"/>
                 <c:pt idx="0">
-                  <c:v>Avance</c:v>
+                  <c:v>Avance.</c:v>
                 </c:pt>
               </c:strCache>
             </c:strRef>
@@ -350,25 +278,46 @@
           <c:invertIfNegative val="0"/>
           <c:cat>
             <c:strRef>
-              <c:f>Gantt!$B$10:$B$15</c:f>
+              <c:f>Gantt!$B$10:$B$22</c:f>
               <c:strCache>
-                <c:ptCount val="6"/>
+                <c:ptCount val="13"/>
                 <c:pt idx="0">
                   <c:v>Análisis de Impacto.</c:v>
                 </c:pt>
                 <c:pt idx="1">
-                  <c:v>Configuración Tenant.</c:v>
+                  <c:v>Configurar workspaces en Synapse.</c:v>
                 </c:pt>
                 <c:pt idx="2">
-                  <c:v>Migración Gradual.</c:v>
+                  <c:v>Configurar clusters en Databricks.</c:v>
                 </c:pt>
                 <c:pt idx="3">
-                  <c:v>Pruebas y Validación.</c:v>
+                  <c:v>Crea Key Vaults, secretos.</c:v>
                 </c:pt>
                 <c:pt idx="4">
+                  <c:v>Configurar instancia SQL Server.</c:v>
+                </c:pt>
+                <c:pt idx="5">
+                  <c:v>Configurar CI/CD pipelines.</c:v>
+                </c:pt>
+                <c:pt idx="6">
+                  <c:v>Exportar pipelines y datasets de ADF.</c:v>
+                </c:pt>
+                <c:pt idx="7">
+                  <c:v>Desplegar pipelines y datasets.</c:v>
+                </c:pt>
+                <c:pt idx="8">
+                  <c:v>Configurar Linked Services.</c:v>
+                </c:pt>
+                <c:pt idx="9">
+                  <c:v>Ejecutar Pipelines.</c:v>
+                </c:pt>
+                <c:pt idx="10">
+                  <c:v>Validación.</c:v>
+                </c:pt>
+                <c:pt idx="11">
                   <c:v>Monitoreo y Optimización.</c:v>
                 </c:pt>
-                <c:pt idx="5">
+                <c:pt idx="12">
                   <c:v>Evaluacion.</c:v>
                 </c:pt>
               </c:strCache>
@@ -376,34 +325,55 @@
           </c:cat>
           <c:val>
             <c:numRef>
-              <c:f>Gantt!$C$10:$C$15</c:f>
+              <c:f>Gantt!$C$10:$C$22</c:f>
               <c:numCache>
                 <c:formatCode>m/d/yyyy</c:formatCode>
-                <c:ptCount val="6"/>
+                <c:ptCount val="13"/>
                 <c:pt idx="0">
-                  <c:v>45548</c:v>
+                  <c:v>45551</c:v>
                 </c:pt>
                 <c:pt idx="1">
-                  <c:v>45555</c:v>
+                  <c:v>45558</c:v>
                 </c:pt>
                 <c:pt idx="2">
-                  <c:v>45569</c:v>
+                  <c:v>45562</c:v>
                 </c:pt>
                 <c:pt idx="3">
-                  <c:v>45590</c:v>
+                  <c:v>45565</c:v>
                 </c:pt>
                 <c:pt idx="4">
-                  <c:v>45604</c:v>
+                  <c:v>45567</c:v>
                 </c:pt>
                 <c:pt idx="5">
-                  <c:v>45657</c:v>
+                  <c:v>45572</c:v>
+                </c:pt>
+                <c:pt idx="6">
+                  <c:v>45574</c:v>
+                </c:pt>
+                <c:pt idx="7">
+                  <c:v>45575</c:v>
+                </c:pt>
+                <c:pt idx="8">
+                  <c:v>45576</c:v>
+                </c:pt>
+                <c:pt idx="9">
+                  <c:v>45579</c:v>
+                </c:pt>
+                <c:pt idx="10">
+                  <c:v>45581</c:v>
+                </c:pt>
+                <c:pt idx="11">
+                  <c:v>45586</c:v>
+                </c:pt>
+                <c:pt idx="12">
+                  <c:v>45587</c:v>
                 </c:pt>
               </c:numCache>
             </c:numRef>
           </c:val>
           <c:extLst>
             <c:ext xmlns:c16="http://schemas.microsoft.com/office/drawing/2014/chart" uri="{C3380CC4-5D6E-409C-BE32-E72D297353CC}">
-              <c16:uniqueId val="{00000000-8C83-4B36-9E6D-BE2EADFF97CC}"/>
+              <c16:uniqueId val="{00000000-8EC5-43D8-A9A3-15F3ED06FF28}"/>
             </c:ext>
           </c:extLst>
         </c:ser>
@@ -416,7 +386,7 @@
               <c:strCache>
                 <c:ptCount val="1"/>
                 <c:pt idx="0">
-                  <c:v>Pendientes</c:v>
+                  <c:v>Estimado.</c:v>
                 </c:pt>
               </c:strCache>
             </c:strRef>
@@ -446,9 +416,12 @@
               <a:lstStyle/>
               <a:p>
                 <a:pPr>
-                  <a:defRPr sz="1100" b="0" i="0" u="none" strike="noStrike" kern="1200" baseline="0">
+                  <a:defRPr sz="900" b="0" i="0" u="none" strike="noStrike" kern="1200" baseline="0">
                     <a:solidFill>
-                      <a:schemeClr val="bg1"/>
+                      <a:schemeClr val="bg1">
+                        <a:lumMod val="75000"/>
+                        <a:lumOff val="25000"/>
+                      </a:schemeClr>
                     </a:solidFill>
                     <a:latin typeface="+mn-lt"/>
                     <a:ea typeface="+mn-ea"/>
@@ -488,25 +461,46 @@
           </c:dLbls>
           <c:cat>
             <c:strRef>
-              <c:f>Gantt!$B$10:$B$15</c:f>
+              <c:f>Gantt!$B$10:$B$22</c:f>
               <c:strCache>
-                <c:ptCount val="6"/>
+                <c:ptCount val="13"/>
                 <c:pt idx="0">
                   <c:v>Análisis de Impacto.</c:v>
                 </c:pt>
                 <c:pt idx="1">
-                  <c:v>Configuración Tenant.</c:v>
+                  <c:v>Configurar workspaces en Synapse.</c:v>
                 </c:pt>
                 <c:pt idx="2">
-                  <c:v>Migración Gradual.</c:v>
+                  <c:v>Configurar clusters en Databricks.</c:v>
                 </c:pt>
                 <c:pt idx="3">
-                  <c:v>Pruebas y Validación.</c:v>
+                  <c:v>Crea Key Vaults, secretos.</c:v>
                 </c:pt>
                 <c:pt idx="4">
+                  <c:v>Configurar instancia SQL Server.</c:v>
+                </c:pt>
+                <c:pt idx="5">
+                  <c:v>Configurar CI/CD pipelines.</c:v>
+                </c:pt>
+                <c:pt idx="6">
+                  <c:v>Exportar pipelines y datasets de ADF.</c:v>
+                </c:pt>
+                <c:pt idx="7">
+                  <c:v>Desplegar pipelines y datasets.</c:v>
+                </c:pt>
+                <c:pt idx="8">
+                  <c:v>Configurar Linked Services.</c:v>
+                </c:pt>
+                <c:pt idx="9">
+                  <c:v>Ejecutar Pipelines.</c:v>
+                </c:pt>
+                <c:pt idx="10">
+                  <c:v>Validación.</c:v>
+                </c:pt>
+                <c:pt idx="11">
                   <c:v>Monitoreo y Optimización.</c:v>
                 </c:pt>
-                <c:pt idx="5">
+                <c:pt idx="12">
                   <c:v>Evaluacion.</c:v>
                 </c:pt>
               </c:strCache>
@@ -514,34 +508,55 @@
           </c:cat>
           <c:val>
             <c:numRef>
-              <c:f>Gantt!$D$10:$D$15</c:f>
+              <c:f>Gantt!$D$10:$D$22</c:f>
               <c:numCache>
                 <c:formatCode>General</c:formatCode>
-                <c:ptCount val="6"/>
+                <c:ptCount val="13"/>
                 <c:pt idx="0">
                   <c:v>7</c:v>
                 </c:pt>
                 <c:pt idx="1">
-                  <c:v>14</c:v>
+                  <c:v>4</c:v>
                 </c:pt>
                 <c:pt idx="2">
-                  <c:v>21</c:v>
+                  <c:v>3</c:v>
                 </c:pt>
                 <c:pt idx="3">
-                  <c:v>14</c:v>
+                  <c:v>2</c:v>
                 </c:pt>
                 <c:pt idx="4">
-                  <c:v>53</c:v>
+                  <c:v>5</c:v>
                 </c:pt>
                 <c:pt idx="5">
+                  <c:v>2</c:v>
+                </c:pt>
+                <c:pt idx="6">
                   <c:v>1</c:v>
+                </c:pt>
+                <c:pt idx="7">
+                  <c:v>1</c:v>
+                </c:pt>
+                <c:pt idx="8">
+                  <c:v>3</c:v>
+                </c:pt>
+                <c:pt idx="9">
+                  <c:v>2</c:v>
+                </c:pt>
+                <c:pt idx="10">
+                  <c:v>5</c:v>
+                </c:pt>
+                <c:pt idx="11">
+                  <c:v>1</c:v>
+                </c:pt>
+                <c:pt idx="12">
+                  <c:v>6</c:v>
                 </c:pt>
               </c:numCache>
             </c:numRef>
           </c:val>
           <c:extLst>
             <c:ext xmlns:c16="http://schemas.microsoft.com/office/drawing/2014/chart" uri="{C3380CC4-5D6E-409C-BE32-E72D297353CC}">
-              <c16:uniqueId val="{00000001-8C83-4B36-9E6D-BE2EADFF97CC}"/>
+              <c16:uniqueId val="{00000001-8EC5-43D8-A9A3-15F3ED06FF28}"/>
             </c:ext>
           </c:extLst>
         </c:ser>
@@ -587,11 +602,11 @@
           <a:lstStyle/>
           <a:p>
             <a:pPr>
-              <a:defRPr sz="1400" b="1" i="0" u="none" strike="noStrike" kern="1200" baseline="0">
+              <a:defRPr sz="1200" b="1" i="0" u="none" strike="noStrike" kern="1200" baseline="0">
                 <a:solidFill>
-                  <a:schemeClr val="accent6">
-                    <a:lumMod val="60000"/>
-                    <a:lumOff val="40000"/>
+                  <a:schemeClr val="tx1">
+                    <a:lumMod val="65000"/>
+                    <a:lumOff val="35000"/>
                   </a:schemeClr>
                 </a:solidFill>
                 <a:latin typeface="+mn-lt"/>
@@ -613,8 +628,8 @@
         <c:axId val="1184412656"/>
         <c:scaling>
           <c:orientation val="minMax"/>
-          <c:max val="45657"/>
-          <c:min val="45548"/>
+          <c:max val="45593"/>
+          <c:min val="45551"/>
         </c:scaling>
         <c:delete val="0"/>
         <c:axPos val="t"/>
@@ -648,7 +663,7 @@
           <a:lstStyle/>
           <a:p>
             <a:pPr>
-              <a:defRPr sz="1050" b="1" i="0" u="none" strike="noStrike" kern="1200" baseline="0">
+              <a:defRPr sz="900" b="1" i="0" u="none" strike="noStrike" kern="1200" baseline="0">
                 <a:solidFill>
                   <a:schemeClr val="tx1">
                     <a:lumMod val="65000"/>
@@ -690,7 +705,7 @@
         <a:lstStyle/>
         <a:p>
           <a:pPr>
-            <a:defRPr sz="1600" b="0" i="0" u="none" strike="noStrike" kern="1200" baseline="0">
+            <a:defRPr sz="900" b="0" i="0" u="none" strike="noStrike" kern="1200" baseline="0">
               <a:solidFill>
                 <a:schemeClr val="tx1">
                   <a:lumMod val="65000"/>
@@ -6185,14 +6200,14 @@
             <p:ph sz="half" idx="2"/>
             <p:extLst>
               <p:ext uri="{D42A27DB-BD31-4B8C-83A1-F6EECF244321}">
-                <p14:modId xmlns:p14="http://schemas.microsoft.com/office/powerpoint/2010/main" val="3978052049"/>
+                <p14:modId xmlns:p14="http://schemas.microsoft.com/office/powerpoint/2010/main" val="30324420"/>
               </p:ext>
             </p:extLst>
           </p:nvPr>
         </p:nvGraphicFramePr>
         <p:xfrm>
-          <a:off x="1075870" y="2339230"/>
-          <a:ext cx="10276714" cy="2097882"/>
+          <a:off x="2351584" y="2780928"/>
+          <a:ext cx="7706551" cy="1793082"/>
         </p:xfrm>
         <a:graphic>
           <a:graphicData uri="http://schemas.openxmlformats.org/drawingml/2006/table">
@@ -6208,7 +6223,7 @@
                     </a:ext>
                   </a:extLst>
                 </a:gridCol>
-                <a:gridCol w="1362393">
+                <a:gridCol w="1286193">
                   <a:extLst>
                     <a:ext uri="{9D8B030D-6E8A-4147-A177-3AD203B41FA5}">
                       <a16:colId xmlns:a16="http://schemas.microsoft.com/office/drawing/2014/main" val="20001"/>
@@ -6222,7 +6237,7 @@
                     </a:ext>
                   </a:extLst>
                 </a:gridCol>
-                <a:gridCol w="6836601">
+                <a:gridCol w="4342638">
                   <a:extLst>
                     <a:ext uri="{9D8B030D-6E8A-4147-A177-3AD203B41FA5}">
                       <a16:colId xmlns:a16="http://schemas.microsoft.com/office/drawing/2014/main" val="2789338225"/>
@@ -6277,7 +6292,7 @@
                             <a:srgbClr val="002060"/>
                           </a:solidFill>
                         </a:rPr>
-                        <a:t>Tenant.</a:t>
+                        <a:t>Instancia.</a:t>
                       </a:r>
                     </a:p>
                   </a:txBody>
@@ -6313,7 +6328,7 @@
                             <a:srgbClr val="002060"/>
                           </a:solidFill>
                         </a:rPr>
-                        <a:t>Servicios Vinculados.</a:t>
+                        <a:t>Pipelines.</a:t>
                       </a:r>
                     </a:p>
                   </a:txBody>
@@ -6334,7 +6349,7 @@
                       <a:pPr algn="ctr"/>
                       <a:r>
                         <a:rPr lang="es-CO" sz="1400" dirty="0"/>
-                        <a:t>✅ DF1.</a:t>
+                        <a:t>DF1.</a:t>
                       </a:r>
                     </a:p>
                   </a:txBody>
@@ -6348,21 +6363,7 @@
                       <a:pPr algn="ctr"/>
                       <a:r>
                         <a:rPr lang="es-CO" sz="1400" dirty="0"/>
-                        <a:t>✅ Desarrollo.</a:t>
-                      </a:r>
-                    </a:p>
-                  </a:txBody>
-                  <a:tcPr anchor="ctr"/>
-                </a:tc>
-                <a:tc rowSpan="2">
-                  <a:txBody>
-                    <a:bodyPr/>
-                    <a:lstStyle/>
-                    <a:p>
-                      <a:pPr algn="ctr"/>
-                      <a:r>
-                        <a:rPr lang="es-CO" sz="1400" dirty="0"/>
-                        <a:t>✅ SI.</a:t>
+                        <a:t>Desarrollo.</a:t>
                       </a:r>
                     </a:p>
                   </a:txBody>
@@ -6376,11 +6377,21 @@
                       <a:pPr algn="ctr"/>
                       <a:r>
                         <a:rPr lang="es-CO" sz="1400" dirty="0"/>
-                        <a:t>✅ </a:t>
+                        <a:t>SI.</a:t>
                       </a:r>
+                    </a:p>
+                  </a:txBody>
+                  <a:tcPr anchor="ctr"/>
+                </a:tc>
+                <a:tc>
+                  <a:txBody>
+                    <a:bodyPr/>
+                    <a:lstStyle/>
+                    <a:p>
+                      <a:pPr algn="ctr"/>
                       <a:r>
                         <a:rPr lang="es-ES" sz="1400" noProof="0" dirty="0"/>
-                        <a:t>Databricks, Synapse, Excel (Sharepoint), LogicApps, Database, Key Vaults, Functions</a:t>
+                        <a:t>Databricks, Synapse, Functions, SQL Server, Key Vaults</a:t>
                       </a:r>
                       <a:r>
                         <a:rPr lang="es-CO" sz="1400" dirty="0"/>
@@ -6405,55 +6416,7 @@
                       <a:pPr algn="ctr"/>
                       <a:r>
                         <a:rPr lang="es-CO" sz="1400" dirty="0"/>
-                        <a:t>✅ DF2.</a:t>
-                      </a:r>
-                    </a:p>
-                  </a:txBody>
-                  <a:tcPr anchor="ctr"/>
-                </a:tc>
-                <a:tc rowSpan="2">
-                  <a:txBody>
-                    <a:bodyPr/>
-                    <a:lstStyle/>
-                    <a:p>
-                      <a:pPr algn="ctr" rtl="0"/>
-                      <a:r>
-                        <a:rPr lang="es-CO" sz="1400" dirty="0"/>
-                        <a:t>🔍</a:t>
-                      </a:r>
-                      <a:r>
-                        <a:rPr lang="es-ES" sz="1400" noProof="0" dirty="0"/>
-                        <a:t>Producción.</a:t>
-                      </a:r>
-                    </a:p>
-                  </a:txBody>
-                  <a:tcPr anchor="ctr"/>
-                </a:tc>
-                <a:tc vMerge="1">
-                  <a:txBody>
-                    <a:bodyPr/>
-                    <a:lstStyle/>
-                    <a:p>
-                      <a:pPr marL="0" marR="0" lvl="0" indent="0" algn="ctr" defTabSz="914400" rtl="0" eaLnBrk="1" fontAlgn="auto" latinLnBrk="0" hangingPunct="1">
-                        <a:lnSpc>
-                          <a:spcPct val="100000"/>
-                        </a:lnSpc>
-                        <a:spcBef>
-                          <a:spcPts val="0"/>
-                        </a:spcBef>
-                        <a:spcAft>
-                          <a:spcPts val="0"/>
-                        </a:spcAft>
-                        <a:buClrTx/>
-                        <a:buSzTx/>
-                        <a:buFontTx/>
-                        <a:buNone/>
-                        <a:tabLst/>
-                        <a:defRPr/>
-                      </a:pPr>
-                      <a:r>
-                        <a:rPr lang="es-CO" dirty="0"/>
-                        <a:t>SI.</a:t>
+                        <a:t>DF2.</a:t>
                       </a:r>
                     </a:p>
                   </a:txBody>
@@ -6467,11 +6430,35 @@
                       <a:pPr algn="ctr"/>
                       <a:r>
                         <a:rPr lang="es-CO" sz="1400" dirty="0"/>
-                        <a:t>✅ </a:t>
+                        <a:t>Producción.</a:t>
                       </a:r>
+                    </a:p>
+                  </a:txBody>
+                  <a:tcPr anchor="ctr"/>
+                </a:tc>
+                <a:tc rowSpan="2">
+                  <a:txBody>
+                    <a:bodyPr/>
+                    <a:lstStyle/>
+                    <a:p>
+                      <a:pPr algn="ctr"/>
+                      <a:r>
+                        <a:rPr lang="es-CO" sz="1400" dirty="0"/>
+                        <a:t>No.</a:t>
+                      </a:r>
+                    </a:p>
+                  </a:txBody>
+                  <a:tcPr anchor="ctr"/>
+                </a:tc>
+                <a:tc>
+                  <a:txBody>
+                    <a:bodyPr/>
+                    <a:lstStyle/>
+                    <a:p>
+                      <a:pPr algn="ctr"/>
                       <a:r>
                         <a:rPr lang="es-ES" sz="1400" noProof="0" dirty="0"/>
-                        <a:t>Databricks, Synapse, Excel (Sharepoint), LogicApps, Database, Key Vaults, Functions</a:t>
+                        <a:t>Databricks, Synapse, Functions, SQL Server, Key Vaults</a:t>
                       </a:r>
                       <a:r>
                         <a:rPr lang="es-CO" sz="1400" dirty="0"/>
@@ -6496,87 +6483,7 @@
                       <a:pPr algn="ctr"/>
                       <a:r>
                         <a:rPr lang="es-CO" sz="1400" dirty="0"/>
-                        <a:t>✅ DF3.</a:t>
-                      </a:r>
-                    </a:p>
-                  </a:txBody>
-                  <a:tcPr anchor="ctr"/>
-                </a:tc>
-                <a:tc vMerge="1">
-                  <a:txBody>
-                    <a:bodyPr/>
-                    <a:lstStyle/>
-                    <a:p>
-                      <a:pPr algn="ctr"/>
-                      <a:r>
-                        <a:rPr lang="es-CO" dirty="0"/>
-                        <a:t>Desarrollo.</a:t>
-                      </a:r>
-                    </a:p>
-                  </a:txBody>
-                  <a:tcPr anchor="ctr"/>
-                </a:tc>
-                <a:tc rowSpan="2">
-                  <a:txBody>
-                    <a:bodyPr/>
-                    <a:lstStyle/>
-                    <a:p>
-                      <a:pPr marL="0" marR="0" lvl="0" indent="0" algn="ctr" defTabSz="914400" rtl="0" eaLnBrk="1" fontAlgn="auto" latinLnBrk="0" hangingPunct="1">
-                        <a:lnSpc>
-                          <a:spcPct val="100000"/>
-                        </a:lnSpc>
-                        <a:spcBef>
-                          <a:spcPts val="0"/>
-                        </a:spcBef>
-                        <a:spcAft>
-                          <a:spcPts val="0"/>
-                        </a:spcAft>
-                        <a:buClrTx/>
-                        <a:buSzTx/>
-                        <a:buFontTx/>
-                        <a:buNone/>
-                        <a:tabLst/>
-                        <a:defRPr/>
-                      </a:pPr>
-                      <a:r>
-                        <a:rPr lang="es-CO" sz="1400" dirty="0"/>
-                        <a:t>✅ NO.</a:t>
-                      </a:r>
-                    </a:p>
-                  </a:txBody>
-                  <a:tcPr anchor="ctr"/>
-                </a:tc>
-                <a:tc rowSpan="2">
-                  <a:txBody>
-                    <a:bodyPr/>
-                    <a:lstStyle/>
-                    <a:p>
-                      <a:pPr algn="ctr" rtl="0"/>
-                      <a:r>
-                        <a:rPr lang="es-CO" sz="1400" dirty="0"/>
-                        <a:t>🔍</a:t>
-                      </a:r>
-                      <a:endParaRPr lang="es-ES" sz="1400" noProof="0" dirty="0"/>
-                    </a:p>
-                  </a:txBody>
-                  <a:tcPr anchor="ctr"/>
-                </a:tc>
-                <a:extLst>
-                  <a:ext uri="{0D108BD9-81ED-4DB2-BD59-A6C34878D82A}">
-                    <a16:rowId xmlns:a16="http://schemas.microsoft.com/office/drawing/2014/main" val="10003"/>
-                  </a:ext>
-                </a:extLst>
-              </a:tr>
-              <a:tr h="248047">
-                <a:tc>
-                  <a:txBody>
-                    <a:bodyPr/>
-                    <a:lstStyle/>
-                    <a:p>
-                      <a:pPr algn="ctr"/>
-                      <a:r>
-                        <a:rPr lang="es-CO" sz="1400" dirty="0"/>
-                        <a:t>✅ DF4.</a:t>
+                        <a:t>DF3.</a:t>
                       </a:r>
                     </a:p>
                   </a:txBody>
@@ -6590,7 +6497,7 @@
                       <a:pPr algn="ctr"/>
                       <a:r>
                         <a:rPr lang="es-CO" sz="1400" dirty="0"/>
-                        <a:t>🔍 Desarrollo.</a:t>
+                        <a:t>Carpeta extra.</a:t>
                       </a:r>
                     </a:p>
                   </a:txBody>
@@ -6601,45 +6508,33 @@
                     <a:bodyPr/>
                     <a:lstStyle/>
                     <a:p>
-                      <a:pPr marL="0" marR="0" lvl="0" indent="0" algn="ctr" defTabSz="914400" rtl="0" eaLnBrk="1" fontAlgn="auto" latinLnBrk="0" hangingPunct="1">
-                        <a:lnSpc>
-                          <a:spcPct val="100000"/>
-                        </a:lnSpc>
-                        <a:spcBef>
-                          <a:spcPts val="0"/>
-                        </a:spcBef>
-                        <a:spcAft>
-                          <a:spcPts val="0"/>
-                        </a:spcAft>
-                        <a:buClrTx/>
-                        <a:buSzTx/>
-                        <a:buFontTx/>
-                        <a:buNone/>
-                        <a:tabLst/>
-                        <a:defRPr/>
-                      </a:pPr>
+                      <a:pPr algn="ctr"/>
                       <a:r>
-                        <a:rPr lang="es-CO" dirty="0"/>
-                        <a:t>NO.</a:t>
+                        <a:rPr lang="es-CO" sz="1400" dirty="0"/>
+                        <a:t>DF3.</a:t>
                       </a:r>
                     </a:p>
                   </a:txBody>
                   <a:tcPr anchor="ctr"/>
                 </a:tc>
-                <a:tc vMerge="1">
+                <a:tc>
                   <a:txBody>
                     <a:bodyPr/>
                     <a:lstStyle/>
                     <a:p>
-                      <a:pPr algn="ctr" rtl="0"/>
-                      <a:endParaRPr lang="es-ES" noProof="0" dirty="0"/>
+                      <a:pPr algn="ctr"/>
+                      <a:r>
+                        <a:rPr lang="es-ES" sz="1400" noProof="0" dirty="0"/>
+                        <a:t>Excel (Sharepoint), Logic Apps.</a:t>
+                      </a:r>
+                      <a:endParaRPr lang="es-CO" sz="1400" dirty="0"/>
                     </a:p>
                   </a:txBody>
                   <a:tcPr anchor="ctr"/>
                 </a:tc>
                 <a:extLst>
                   <a:ext uri="{0D108BD9-81ED-4DB2-BD59-A6C34878D82A}">
-                    <a16:rowId xmlns:a16="http://schemas.microsoft.com/office/drawing/2014/main" val="2906884429"/>
+                    <a16:rowId xmlns:a16="http://schemas.microsoft.com/office/drawing/2014/main" val="10003"/>
                   </a:ext>
                 </a:extLst>
               </a:tr>
@@ -6647,84 +6542,6 @@
           </a:graphicData>
         </a:graphic>
       </p:graphicFrame>
-      <p:sp>
-        <p:nvSpPr>
-          <p:cNvPr id="7" name="Marcador de posición de contenido 13">
-            <a:extLst>
-              <a:ext uri="{FF2B5EF4-FFF2-40B4-BE49-F238E27FC236}">
-                <a16:creationId xmlns:a16="http://schemas.microsoft.com/office/drawing/2014/main" id="{6D37EEFE-1CCB-494C-A611-5FF8AF90B244}"/>
-              </a:ext>
-            </a:extLst>
-          </p:cNvPr>
-          <p:cNvSpPr>
-            <a:spLocks noGrp="1"/>
-          </p:cNvSpPr>
-          <p:nvPr>
-            <p:ph idx="1"/>
-          </p:nvPr>
-        </p:nvSpPr>
-        <p:spPr>
-          <a:xfrm>
-            <a:off x="2553578" y="5031722"/>
-            <a:ext cx="2952328" cy="989566"/>
-          </a:xfrm>
-        </p:spPr>
-        <p:txBody>
-          <a:bodyPr rtlCol="0">
-            <a:normAutofit/>
-          </a:bodyPr>
-          <a:lstStyle/>
-          <a:p>
-            <a:pPr marL="0" indent="0">
-              <a:buNone/>
-            </a:pPr>
-            <a:r>
-              <a:rPr lang="es-CO" dirty="0"/>
-              <a:t>✅ </a:t>
-            </a:r>
-            <a:r>
-              <a:rPr lang="es-CO" b="1" i="1" dirty="0"/>
-              <a:t>Objetivo identificado.</a:t>
-            </a:r>
-            <a:endParaRPr lang="es-ES" b="1" i="1" dirty="0"/>
-          </a:p>
-          <a:p>
-            <a:pPr marL="0" indent="0" rtl="0">
-              <a:buNone/>
-            </a:pPr>
-            <a:r>
-              <a:rPr lang="es-CO" b="1" dirty="0">
-                <a:solidFill>
-                  <a:srgbClr val="FF0000"/>
-                </a:solidFill>
-                <a:highlight>
-                  <a:srgbClr val="FFFF00"/>
-                </a:highlight>
-              </a:rPr>
-              <a:t>🔍</a:t>
-            </a:r>
-            <a:r>
-              <a:rPr lang="es-CO" b="1" i="1" dirty="0">
-                <a:solidFill>
-                  <a:srgbClr val="FF0000"/>
-                </a:solidFill>
-              </a:rPr>
-              <a:t> </a:t>
-            </a:r>
-            <a:r>
-              <a:rPr lang="es-CO" b="1" i="1" dirty="0">
-                <a:solidFill>
-                  <a:srgbClr val="FF0000"/>
-                </a:solidFill>
-                <a:highlight>
-                  <a:srgbClr val="FFFF00"/>
-                </a:highlight>
-              </a:rPr>
-              <a:t>Falta actualizar datos.</a:t>
-            </a:r>
-          </a:p>
-        </p:txBody>
-      </p:sp>
     </p:spTree>
     <p:extLst>
       <p:ext uri="{BB962C8B-B14F-4D97-AF65-F5344CB8AC3E}">
@@ -6767,8 +6584,8 @@
         </p:nvSpPr>
         <p:spPr>
           <a:xfrm>
-            <a:off x="1127447" y="188640"/>
-            <a:ext cx="4182365" cy="547464"/>
+            <a:off x="1415479" y="289248"/>
+            <a:ext cx="6120681" cy="547464"/>
           </a:xfrm>
         </p:spPr>
         <p:txBody>
@@ -6780,7 +6597,7 @@
             <a:pPr rtl="0"/>
             <a:r>
               <a:rPr lang="es-CO" b="1" dirty="0"/>
-              <a:t>🚧 Desafíos Azure.</a:t>
+              <a:t>🚧 Desafíos - Nuevo Tenant.</a:t>
             </a:r>
             <a:endParaRPr lang="es-ES" b="1" dirty="0"/>
           </a:p>
@@ -6804,8 +6621,8 @@
         </p:nvSpPr>
         <p:spPr>
           <a:xfrm>
-            <a:off x="1397376" y="3839792"/>
-            <a:ext cx="2420066" cy="2758140"/>
+            <a:off x="748229" y="4166088"/>
+            <a:ext cx="1948082" cy="2398100"/>
           </a:xfrm>
         </p:spPr>
         <p:txBody>
@@ -6854,45 +6671,8 @@
               <a:buNone/>
             </a:pPr>
             <a:r>
-              <a:rPr lang="es-CO" dirty="0"/>
-              <a:t>✅ </a:t>
-            </a:r>
-            <a:r>
               <a:rPr lang="es-CO" b="1" i="1" dirty="0"/>
-              <a:t>Recurso identificado.</a:t>
-            </a:r>
-            <a:endParaRPr lang="es-ES" b="1" i="1" dirty="0"/>
-          </a:p>
-          <a:p>
-            <a:pPr marL="0" indent="0" rtl="0">
-              <a:buNone/>
-            </a:pPr>
-            <a:r>
-              <a:rPr lang="es-CO" dirty="0">
-                <a:highlight>
-                  <a:srgbClr val="FFFF00"/>
-                </a:highlight>
-              </a:rPr>
-              <a:t>🛑</a:t>
-            </a:r>
-            <a:r>
-              <a:rPr lang="es-CO" b="1" i="1" dirty="0">
-                <a:solidFill>
-                  <a:srgbClr val="FF0000"/>
-                </a:solidFill>
-              </a:rPr>
-              <a:t> </a:t>
-            </a:r>
-            <a:r>
-              <a:rPr lang="es-CO" b="1" i="1" dirty="0">
-                <a:solidFill>
-                  <a:srgbClr val="FF0000"/>
-                </a:solidFill>
-                <a:highlight>
-                  <a:srgbClr val="FFFF00"/>
-                </a:highlight>
-              </a:rPr>
-              <a:t>Falta herramientas.</a:t>
+              <a:t>        DevOps.</a:t>
             </a:r>
           </a:p>
           <a:p>
@@ -6900,32 +6680,10 @@
               <a:buNone/>
             </a:pPr>
             <a:r>
-              <a:rPr lang="es-CO" sz="2000" dirty="0">
-                <a:highlight>
-                  <a:srgbClr val="FFFF00"/>
-                </a:highlight>
-              </a:rPr>
-              <a:t>🔍</a:t>
+              <a:rPr lang="es-CO" b="1" i="1" dirty="0"/>
+              <a:t>        Storage.</a:t>
             </a:r>
-            <a:r>
-              <a:rPr lang="es-CO" b="1" i="1" dirty="0">
-                <a:solidFill>
-                  <a:srgbClr val="FF0000"/>
-                </a:solidFill>
-              </a:rPr>
-              <a:t> </a:t>
-            </a:r>
-            <a:r>
-              <a:rPr lang="es-CO" b="1" i="1" dirty="0">
-                <a:solidFill>
-                  <a:srgbClr val="FF0000"/>
-                </a:solidFill>
-                <a:highlight>
-                  <a:srgbClr val="FFFF00"/>
-                </a:highlight>
-              </a:rPr>
-              <a:t>Falta volumen.</a:t>
-            </a:r>
+            <a:endParaRPr lang="es-ES" b="1" i="1" dirty="0"/>
           </a:p>
           <a:p>
             <a:pPr marL="0" indent="0" rtl="0">
@@ -6958,7 +6716,7 @@
         </p:nvSpPr>
         <p:spPr>
           <a:xfrm>
-            <a:off x="1364222" y="837292"/>
+            <a:off x="715076" y="1163588"/>
             <a:ext cx="2239052" cy="3028935"/>
           </a:xfrm>
           <a:prstGeom prst="rect">
@@ -7181,7 +6939,7 @@
             </a:r>
             <a:r>
               <a:rPr lang="es-ES" b="1" i="1" dirty="0"/>
-              <a:t>    Tenant.</a:t>
+              <a:t>    Logic Apps.</a:t>
             </a:r>
           </a:p>
           <a:p>
@@ -7191,7 +6949,7 @@
             </a:pPr>
             <a:r>
               <a:rPr lang="es-ES" b="1" i="1" dirty="0"/>
-              <a:t>         Datasets.</a:t>
+              <a:t>         SQL.</a:t>
             </a:r>
           </a:p>
           <a:p>
@@ -7246,35 +7004,6 @@
           </a:p>
         </p:txBody>
       </p:sp>
-      <p:pic>
-        <p:nvPicPr>
-          <p:cNvPr id="50" name="Imagen 49">
-            <a:extLst>
-              <a:ext uri="{FF2B5EF4-FFF2-40B4-BE49-F238E27FC236}">
-                <a16:creationId xmlns:a16="http://schemas.microsoft.com/office/drawing/2014/main" id="{EE67E442-010A-41E9-9933-30A740D711F8}"/>
-              </a:ext>
-            </a:extLst>
-          </p:cNvPr>
-          <p:cNvPicPr>
-            <a:picLocks noChangeAspect="1"/>
-          </p:cNvPicPr>
-          <p:nvPr/>
-        </p:nvPicPr>
-        <p:blipFill rotWithShape="1">
-          <a:blip r:embed="rId3"/>
-          <a:srcRect l="6391" r="6391" b="8007"/>
-          <a:stretch/>
-        </p:blipFill>
-        <p:spPr>
-          <a:xfrm>
-            <a:off x="1551333" y="1246941"/>
-            <a:ext cx="230854" cy="252862"/>
-          </a:xfrm>
-          <a:prstGeom prst="rect">
-            <a:avLst/>
-          </a:prstGeom>
-        </p:spPr>
-      </p:pic>
       <p:grpSp>
         <p:nvGrpSpPr>
           <p:cNvPr id="69" name="Grupo 68">
@@ -7289,7 +7018,7 @@
         </p:nvGrpSpPr>
         <p:grpSpPr>
           <a:xfrm>
-            <a:off x="6566476" y="1838317"/>
+            <a:off x="6275436" y="1404055"/>
             <a:ext cx="2066925" cy="516731"/>
             <a:chOff x="7072979" y="480060"/>
             <a:chExt cx="2066925" cy="516731"/>
@@ -7448,7 +7177,7 @@
         </p:nvSpPr>
         <p:spPr>
           <a:xfrm rot="5400000">
-            <a:off x="7554724" y="2400262"/>
+            <a:off x="7256189" y="1966000"/>
             <a:ext cx="90427" cy="90427"/>
           </a:xfrm>
           <a:prstGeom prst="rightArrow">
@@ -7513,7 +7242,7 @@
         </p:nvGrpSpPr>
         <p:grpSpPr>
           <a:xfrm>
-            <a:off x="6557536" y="2505570"/>
+            <a:off x="6266496" y="2071308"/>
             <a:ext cx="2066925" cy="516731"/>
             <a:chOff x="7072979" y="480060"/>
             <a:chExt cx="2066925" cy="516731"/>
@@ -7647,7 +7376,7 @@
                     <a:schemeClr val="bg2"/>
                   </a:solidFill>
                 </a:rPr>
-                <a:t>Crear el nuevo tenant y configurar ADF y DevOps.</a:t>
+                <a:t>Configurar servicios en el nuevo tenant.</a:t>
               </a:r>
             </a:p>
           </p:txBody>
@@ -7667,7 +7396,7 @@
         </p:nvSpPr>
         <p:spPr>
           <a:xfrm rot="5400000">
-            <a:off x="7588736" y="3060287"/>
+            <a:off x="7256189" y="2626025"/>
             <a:ext cx="90427" cy="90427"/>
           </a:xfrm>
           <a:prstGeom prst="rightArrow">
@@ -7732,8 +7461,8 @@
         </p:nvGrpSpPr>
         <p:grpSpPr>
           <a:xfrm>
-            <a:off x="6591548" y="3204303"/>
-            <a:ext cx="2066925" cy="516731"/>
+            <a:off x="6176742" y="2747318"/>
+            <a:ext cx="2200686" cy="673704"/>
             <a:chOff x="7072979" y="480060"/>
             <a:chExt cx="2066925" cy="516731"/>
           </a:xfrm>
@@ -7850,12 +7579,20 @@
             <a:p>
               <a:pPr algn="ctr"/>
               <a:r>
+                <a:rPr lang="es-MX" sz="1400" b="1" dirty="0">
+                  <a:solidFill>
+                    <a:schemeClr val="bg2"/>
+                  </a:solidFill>
+                </a:rPr>
+                <a:t>Cambio de tenant. Reconfigurar services</a:t>
+              </a:r>
+              <a:r>
                 <a:rPr lang="es-CO" sz="1400" b="1" dirty="0">
                   <a:solidFill>
                     <a:schemeClr val="bg2"/>
                   </a:solidFill>
                 </a:rPr>
-                <a:t>Paso de instancias de ADF al nuevo tenant.</a:t>
+                <a:t>. Impacto en disponibilidad. </a:t>
               </a:r>
             </a:p>
           </p:txBody>
@@ -7875,7 +7612,7 @@
         </p:nvSpPr>
         <p:spPr>
           <a:xfrm rot="5400000">
-            <a:off x="7588736" y="3767692"/>
+            <a:off x="7256189" y="3449425"/>
             <a:ext cx="90427" cy="90427"/>
           </a:xfrm>
           <a:prstGeom prst="rightArrow">
@@ -7940,8 +7677,8 @@
         </p:nvGrpSpPr>
         <p:grpSpPr>
           <a:xfrm>
-            <a:off x="6591548" y="3911708"/>
-            <a:ext cx="2066925" cy="516731"/>
+            <a:off x="6176742" y="3542737"/>
+            <a:ext cx="2200686" cy="516731"/>
             <a:chOff x="7072979" y="480060"/>
             <a:chExt cx="2066925" cy="516731"/>
           </a:xfrm>
@@ -8063,7 +7800,7 @@
                     <a:schemeClr val="bg2"/>
                   </a:solidFill>
                 </a:rPr>
-                <a:t>Configurar DevOps y CI/CD pipelines.</a:t>
+                <a:t>Configurar CI/CD pipelines.</a:t>
               </a:r>
             </a:p>
           </p:txBody>
@@ -8083,7 +7820,7 @@
         </p:nvGrpSpPr>
         <p:grpSpPr>
           <a:xfrm>
-            <a:off x="4303100" y="1849939"/>
+            <a:off x="3531147" y="1421131"/>
             <a:ext cx="2066925" cy="516731"/>
             <a:chOff x="7072979" y="480060"/>
             <a:chExt cx="2066925" cy="516731"/>
@@ -8244,7 +7981,7 @@
         </p:nvSpPr>
         <p:spPr>
           <a:xfrm rot="5400000">
-            <a:off x="5291348" y="2411884"/>
+            <a:off x="4519395" y="1983076"/>
             <a:ext cx="90427" cy="90427"/>
           </a:xfrm>
           <a:prstGeom prst="rightArrow">
@@ -8312,7 +8049,7 @@
         </p:nvSpPr>
         <p:spPr>
           <a:xfrm rot="5400000">
-            <a:off x="5325360" y="3764857"/>
+            <a:off x="4553407" y="3336049"/>
             <a:ext cx="90427" cy="90427"/>
           </a:xfrm>
           <a:prstGeom prst="rightArrow">
@@ -8380,7 +8117,7 @@
         </p:nvSpPr>
         <p:spPr>
           <a:xfrm rot="5400000">
-            <a:off x="5325360" y="4472262"/>
+            <a:off x="4585548" y="4093359"/>
             <a:ext cx="90427" cy="90427"/>
           </a:xfrm>
           <a:prstGeom prst="rightArrow">
@@ -8448,7 +8185,7 @@
         </p:nvGrpSpPr>
         <p:grpSpPr>
           <a:xfrm>
-            <a:off x="4303412" y="3206469"/>
+            <a:off x="3531459" y="2777661"/>
             <a:ext cx="2066925" cy="516731"/>
             <a:chOff x="7072979" y="480060"/>
             <a:chExt cx="2066925" cy="516731"/>
@@ -8589,173 +8326,8 @@
                     <a:schemeClr val="bg2"/>
                   </a:solidFill>
                 </a:rPr>
-                <a:t>* 4.</a:t>
+                <a:t>* 3.</a:t>
               </a:r>
-            </a:p>
-          </p:txBody>
-        </p:sp>
-      </p:grpSp>
-      <p:grpSp>
-        <p:nvGrpSpPr>
-          <p:cNvPr id="120" name="Grupo 119">
-            <a:extLst>
-              <a:ext uri="{FF2B5EF4-FFF2-40B4-BE49-F238E27FC236}">
-                <a16:creationId xmlns:a16="http://schemas.microsoft.com/office/drawing/2014/main" id="{CBEFBC28-EA35-4F40-A5A5-0E090C2DCC74}"/>
-              </a:ext>
-            </a:extLst>
-          </p:cNvPr>
-          <p:cNvGrpSpPr/>
-          <p:nvPr/>
-        </p:nvGrpSpPr>
-        <p:grpSpPr>
-          <a:xfrm>
-            <a:off x="4295800" y="3878630"/>
-            <a:ext cx="2066925" cy="516731"/>
-            <a:chOff x="7072979" y="480060"/>
-            <a:chExt cx="2066925" cy="516731"/>
-          </a:xfrm>
-          <a:solidFill>
-            <a:schemeClr val="accent5">
-              <a:lumMod val="40000"/>
-              <a:lumOff val="60000"/>
-            </a:schemeClr>
-          </a:solidFill>
-        </p:grpSpPr>
-        <p:sp>
-          <p:nvSpPr>
-            <p:cNvPr id="121" name="Rectángulo: esquinas redondeadas 120">
-              <a:extLst>
-                <a:ext uri="{FF2B5EF4-FFF2-40B4-BE49-F238E27FC236}">
-                  <a16:creationId xmlns:a16="http://schemas.microsoft.com/office/drawing/2014/main" id="{5F6913C7-F457-4125-B95B-EEACED7B33E1}"/>
-                </a:ext>
-              </a:extLst>
-            </p:cNvPr>
-            <p:cNvSpPr/>
-            <p:nvPr/>
-          </p:nvSpPr>
-          <p:spPr>
-            <a:xfrm>
-              <a:off x="7072979" y="480060"/>
-              <a:ext cx="2066925" cy="516731"/>
-            </a:xfrm>
-            <a:prstGeom prst="roundRect">
-              <a:avLst>
-                <a:gd name="adj" fmla="val 10000"/>
-              </a:avLst>
-            </a:prstGeom>
-            <a:solidFill>
-              <a:srgbClr val="FF0000"/>
-            </a:solidFill>
-            <a:ln>
-              <a:solidFill>
-                <a:schemeClr val="accent5">
-                  <a:lumMod val="60000"/>
-                  <a:lumOff val="40000"/>
-                </a:schemeClr>
-              </a:solidFill>
-            </a:ln>
-          </p:spPr>
-          <p:style>
-            <a:lnRef idx="0">
-              <a:schemeClr val="lt1">
-                <a:hueOff val="0"/>
-                <a:satOff val="0"/>
-                <a:lumOff val="0"/>
-                <a:alphaOff val="0"/>
-              </a:schemeClr>
-            </a:lnRef>
-            <a:fillRef idx="3">
-              <a:schemeClr val="accent1">
-                <a:hueOff val="0"/>
-                <a:satOff val="0"/>
-                <a:lumOff val="0"/>
-                <a:alphaOff val="0"/>
-              </a:schemeClr>
-            </a:fillRef>
-            <a:effectRef idx="2">
-              <a:schemeClr val="accent1">
-                <a:hueOff val="0"/>
-                <a:satOff val="0"/>
-                <a:lumOff val="0"/>
-                <a:alphaOff val="0"/>
-              </a:schemeClr>
-            </a:effectRef>
-            <a:fontRef idx="minor">
-              <a:schemeClr val="lt1"/>
-            </a:fontRef>
-          </p:style>
-        </p:sp>
-        <p:sp>
-          <p:nvSpPr>
-            <p:cNvPr id="122" name="Rectángulo: esquinas redondeadas 4">
-              <a:extLst>
-                <a:ext uri="{FF2B5EF4-FFF2-40B4-BE49-F238E27FC236}">
-                  <a16:creationId xmlns:a16="http://schemas.microsoft.com/office/drawing/2014/main" id="{8AB0F7ED-AB8D-49BA-A825-8F0E6C56AB6F}"/>
-                </a:ext>
-              </a:extLst>
-            </p:cNvPr>
-            <p:cNvSpPr txBox="1"/>
-            <p:nvPr/>
-          </p:nvSpPr>
-          <p:spPr>
-            <a:xfrm>
-              <a:off x="7087441" y="483867"/>
-              <a:ext cx="2036655" cy="486461"/>
-            </a:xfrm>
-            <a:prstGeom prst="rect">
-              <a:avLst/>
-            </a:prstGeom>
-            <a:grpFill/>
-            <a:ln>
-              <a:solidFill>
-                <a:srgbClr val="FF0000"/>
-              </a:solidFill>
-            </a:ln>
-          </p:spPr>
-          <p:style>
-            <a:lnRef idx="0">
-              <a:scrgbClr r="0" g="0" b="0"/>
-            </a:lnRef>
-            <a:fillRef idx="0">
-              <a:scrgbClr r="0" g="0" b="0"/>
-            </a:fillRef>
-            <a:effectRef idx="0">
-              <a:scrgbClr r="0" g="0" b="0"/>
-            </a:effectRef>
-            <a:fontRef idx="minor">
-              <a:schemeClr val="lt1"/>
-            </a:fontRef>
-          </p:style>
-          <p:txBody>
-            <a:bodyPr spcFirstLastPara="0" vert="horz" wrap="square" lIns="27940" tIns="27940" rIns="27940" bIns="27940" numCol="1" spcCol="1270" rtlCol="0" anchor="ctr" anchorCtr="0">
-              <a:noAutofit/>
-            </a:bodyPr>
-            <a:lstStyle/>
-            <a:p>
-              <a:pPr defTabSz="977900">
-                <a:lnSpc>
-                  <a:spcPct val="90000"/>
-                </a:lnSpc>
-                <a:spcBef>
-                  <a:spcPct val="0"/>
-                </a:spcBef>
-                <a:spcAft>
-                  <a:spcPct val="35000"/>
-                </a:spcAft>
-              </a:pPr>
-              <a:r>
-                <a:rPr lang="es-CO" sz="1600" dirty="0"/>
-                <a:t>    </a:t>
-              </a:r>
-              <a:r>
-                <a:rPr lang="es-ES" sz="1600" b="1" dirty="0">
-                  <a:solidFill>
-                    <a:schemeClr val="bg2"/>
-                  </a:solidFill>
-                </a:rPr>
-                <a:t>  </a:t>
-              </a:r>
-              <a:endParaRPr lang="es-CO" sz="1600" dirty="0"/>
             </a:p>
           </p:txBody>
         </p:sp>
@@ -8774,8 +8346,8 @@
         </p:nvGrpSpPr>
         <p:grpSpPr>
           <a:xfrm>
-            <a:off x="4083870" y="4591981"/>
-            <a:ext cx="2516186" cy="516731"/>
+            <a:off x="2879870" y="4360253"/>
+            <a:ext cx="3347647" cy="516731"/>
             <a:chOff x="7072979" y="480060"/>
             <a:chExt cx="2066925" cy="516731"/>
           </a:xfrm>
@@ -8932,7 +8504,7 @@
         </p:nvSpPr>
         <p:spPr>
           <a:xfrm rot="5400000">
-            <a:off x="5331919" y="5152839"/>
+            <a:off x="4536054" y="4921111"/>
             <a:ext cx="90427" cy="90427"/>
           </a:xfrm>
           <a:prstGeom prst="rightArrow">
@@ -9000,7 +8572,7 @@
         </p:nvSpPr>
         <p:spPr>
           <a:xfrm rot="5400000">
-            <a:off x="5359930" y="5855255"/>
+            <a:off x="4587977" y="5623527"/>
             <a:ext cx="90427" cy="90427"/>
           </a:xfrm>
           <a:prstGeom prst="rightArrow">
@@ -9068,7 +8640,7 @@
         </p:nvGrpSpPr>
         <p:grpSpPr>
           <a:xfrm>
-            <a:off x="4303100" y="2529208"/>
+            <a:off x="3531147" y="2100400"/>
             <a:ext cx="2066925" cy="516731"/>
             <a:chOff x="7072979" y="480060"/>
             <a:chExt cx="2066925" cy="516731"/>
@@ -9203,29 +8775,11 @@
                 </a:spcAft>
                 <a:buNone/>
               </a:pPr>
-              <a:r>
-                <a:rPr lang="es-CO" sz="1600" dirty="0"/>
-                <a:t>🛑</a:t>
-              </a:r>
-              <a:r>
-                <a:rPr lang="es-CO" sz="1600" dirty="0">
-                  <a:solidFill>
-                    <a:schemeClr val="accent5">
-                      <a:lumMod val="60000"/>
-                      <a:lumOff val="40000"/>
-                    </a:schemeClr>
-                  </a:solidFill>
-                </a:rPr>
-                <a:t> </a:t>
-              </a:r>
-              <a:r>
-                <a:rPr lang="es-CO" sz="1600" b="1" dirty="0">
-                  <a:solidFill>
-                    <a:schemeClr val="bg2"/>
-                  </a:solidFill>
-                </a:rPr>
-                <a:t>DevOps * 2.</a:t>
-              </a:r>
+              <a:endParaRPr lang="es-CO" sz="1600" b="1" dirty="0">
+                <a:solidFill>
+                  <a:schemeClr val="bg2"/>
+                </a:solidFill>
+              </a:endParaRPr>
             </a:p>
           </p:txBody>
         </p:sp>
@@ -9244,7 +8798,7 @@
         </p:nvSpPr>
         <p:spPr>
           <a:xfrm rot="5400000">
-            <a:off x="5291348" y="3091153"/>
+            <a:off x="4519395" y="2662345"/>
             <a:ext cx="90427" cy="90427"/>
           </a:xfrm>
           <a:prstGeom prst="rightArrow">
@@ -9314,7 +8868,7 @@
         </p:nvSpPr>
         <p:spPr>
           <a:xfrm>
-            <a:off x="9062760" y="1123319"/>
+            <a:off x="9130118" y="903797"/>
             <a:ext cx="1577907" cy="361465"/>
           </a:xfrm>
           <a:prstGeom prst="rect">
@@ -9556,15 +9110,15 @@
         </p:nvGrpSpPr>
         <p:grpSpPr>
           <a:xfrm>
-            <a:off x="8866600" y="1849939"/>
+            <a:off x="8933958" y="1415677"/>
             <a:ext cx="2066925" cy="516731"/>
             <a:chOff x="7072979" y="480060"/>
             <a:chExt cx="2066925" cy="516731"/>
           </a:xfrm>
           <a:solidFill>
             <a:schemeClr val="accent1">
-              <a:lumMod val="60000"/>
-              <a:lumOff val="40000"/>
+              <a:lumMod val="20000"/>
+              <a:lumOff val="80000"/>
             </a:schemeClr>
           </a:solidFill>
         </p:grpSpPr>
@@ -9692,21 +9246,8 @@
                     <a:schemeClr val="bg2"/>
                   </a:solidFill>
                 </a:rPr>
-                <a:t>      Destino. </a:t>
+                <a:t>    Destino.</a:t>
               </a:r>
-              <a:r>
-                <a:rPr lang="es-CO" sz="1600" b="1" dirty="0">
-                  <a:solidFill>
-                    <a:srgbClr val="00B050"/>
-                  </a:solidFill>
-                </a:rPr>
-                <a:t>✅</a:t>
-              </a:r>
-              <a:endParaRPr lang="es-CO" sz="1600" b="1" dirty="0">
-                <a:solidFill>
-                  <a:schemeClr val="bg2"/>
-                </a:solidFill>
-              </a:endParaRPr>
             </a:p>
           </p:txBody>
         </p:sp>
@@ -9725,7 +9266,7 @@
         </p:nvSpPr>
         <p:spPr>
           <a:xfrm rot="5400000">
-            <a:off x="9854848" y="2411884"/>
+            <a:off x="9922206" y="1977622"/>
             <a:ext cx="90427" cy="90427"/>
           </a:xfrm>
           <a:prstGeom prst="rightArrow">
@@ -9736,8 +9277,8 @@
           </a:prstGeom>
           <a:solidFill>
             <a:schemeClr val="accent1">
-              <a:lumMod val="60000"/>
-              <a:lumOff val="40000"/>
+              <a:lumMod val="20000"/>
+              <a:lumOff val="80000"/>
             </a:schemeClr>
           </a:solidFill>
           <a:ln>
@@ -9793,7 +9334,7 @@
         </p:nvSpPr>
         <p:spPr>
           <a:xfrm rot="5400000">
-            <a:off x="9888860" y="3764857"/>
+            <a:off x="9956218" y="3330595"/>
             <a:ext cx="90427" cy="90427"/>
           </a:xfrm>
           <a:prstGeom prst="rightArrow">
@@ -9804,8 +9345,8 @@
           </a:prstGeom>
           <a:solidFill>
             <a:schemeClr val="accent1">
-              <a:lumMod val="60000"/>
-              <a:lumOff val="40000"/>
+              <a:lumMod val="20000"/>
+              <a:lumOff val="80000"/>
             </a:schemeClr>
           </a:solidFill>
           <a:ln>
@@ -9861,7 +9402,7 @@
         </p:nvSpPr>
         <p:spPr>
           <a:xfrm rot="5400000">
-            <a:off x="9888860" y="4472262"/>
+            <a:off x="9956218" y="4111773"/>
             <a:ext cx="90427" cy="90427"/>
           </a:xfrm>
           <a:prstGeom prst="rightArrow">
@@ -9872,8 +9413,8 @@
           </a:prstGeom>
           <a:solidFill>
             <a:schemeClr val="accent1">
-              <a:lumMod val="60000"/>
-              <a:lumOff val="40000"/>
+              <a:lumMod val="20000"/>
+              <a:lumOff val="80000"/>
             </a:schemeClr>
           </a:solidFill>
           <a:ln>
@@ -9929,15 +9470,15 @@
         </p:nvGrpSpPr>
         <p:grpSpPr>
           <a:xfrm>
-            <a:off x="8866912" y="3206469"/>
+            <a:off x="8934270" y="2772207"/>
             <a:ext cx="2066925" cy="516731"/>
             <a:chOff x="7072979" y="480060"/>
             <a:chExt cx="2066925" cy="516731"/>
           </a:xfrm>
           <a:solidFill>
             <a:schemeClr val="accent1">
-              <a:lumMod val="60000"/>
-              <a:lumOff val="40000"/>
+              <a:lumMod val="20000"/>
+              <a:lumOff val="80000"/>
             </a:schemeClr>
           </a:solidFill>
         </p:grpSpPr>
@@ -10065,174 +9606,24 @@
                     <a:schemeClr val="bg2"/>
                   </a:solidFill>
                 </a:rPr>
-                <a:t>          * 4.        </a:t>
+                <a:t>* </a:t>
               </a:r>
               <a:r>
-                <a:rPr lang="es-CO" sz="1600" b="1" dirty="0">
+                <a:rPr lang="es-ES" sz="1600" b="1" dirty="0">
                   <a:solidFill>
-                    <a:srgbClr val="00B050"/>
+                    <a:schemeClr val="bg2"/>
                   </a:solidFill>
                 </a:rPr>
-                <a:t>✅</a:t>
+                <a:t>3</a:t>
               </a:r>
-              <a:endParaRPr lang="es-ES" sz="1600" b="1" kern="1200" noProof="0" dirty="0">
-                <a:solidFill>
-                  <a:schemeClr val="bg2"/>
-                </a:solidFill>
-              </a:endParaRPr>
-            </a:p>
-          </p:txBody>
-        </p:sp>
-      </p:grpSp>
-      <p:grpSp>
-        <p:nvGrpSpPr>
-          <p:cNvPr id="209" name="Grupo 208">
-            <a:extLst>
-              <a:ext uri="{FF2B5EF4-FFF2-40B4-BE49-F238E27FC236}">
-                <a16:creationId xmlns:a16="http://schemas.microsoft.com/office/drawing/2014/main" id="{038B1744-7D7A-479F-B06E-98C9DC03088F}"/>
-              </a:ext>
-            </a:extLst>
-          </p:cNvPr>
-          <p:cNvGrpSpPr/>
-          <p:nvPr/>
-        </p:nvGrpSpPr>
-        <p:grpSpPr>
-          <a:xfrm>
-            <a:off x="8859300" y="3878630"/>
-            <a:ext cx="2066925" cy="516731"/>
-            <a:chOff x="7072979" y="480060"/>
-            <a:chExt cx="2066925" cy="516731"/>
-          </a:xfrm>
-          <a:solidFill>
-            <a:schemeClr val="accent1">
-              <a:lumMod val="60000"/>
-              <a:lumOff val="40000"/>
-            </a:schemeClr>
-          </a:solidFill>
-        </p:grpSpPr>
-        <p:sp>
-          <p:nvSpPr>
-            <p:cNvPr id="210" name="Rectángulo: esquinas redondeadas 209">
-              <a:extLst>
-                <a:ext uri="{FF2B5EF4-FFF2-40B4-BE49-F238E27FC236}">
-                  <a16:creationId xmlns:a16="http://schemas.microsoft.com/office/drawing/2014/main" id="{90B9E881-F9B7-428C-95A9-0ED9904B2504}"/>
-                </a:ext>
-              </a:extLst>
-            </p:cNvPr>
-            <p:cNvSpPr/>
-            <p:nvPr/>
-          </p:nvSpPr>
-          <p:spPr>
-            <a:xfrm>
-              <a:off x="7072979" y="480060"/>
-              <a:ext cx="2066925" cy="516731"/>
-            </a:xfrm>
-            <a:prstGeom prst="roundRect">
-              <a:avLst>
-                <a:gd name="adj" fmla="val 10000"/>
-              </a:avLst>
-            </a:prstGeom>
-            <a:grpFill/>
-            <a:ln>
-              <a:solidFill>
-                <a:srgbClr val="00B050"/>
-              </a:solidFill>
-            </a:ln>
-          </p:spPr>
-          <p:style>
-            <a:lnRef idx="0">
-              <a:schemeClr val="lt1">
-                <a:hueOff val="0"/>
-                <a:satOff val="0"/>
-                <a:lumOff val="0"/>
-                <a:alphaOff val="0"/>
-              </a:schemeClr>
-            </a:lnRef>
-            <a:fillRef idx="3">
-              <a:schemeClr val="accent1">
-                <a:hueOff val="0"/>
-                <a:satOff val="0"/>
-                <a:lumOff val="0"/>
-                <a:alphaOff val="0"/>
-              </a:schemeClr>
-            </a:fillRef>
-            <a:effectRef idx="2">
-              <a:schemeClr val="accent1">
-                <a:hueOff val="0"/>
-                <a:satOff val="0"/>
-                <a:lumOff val="0"/>
-                <a:alphaOff val="0"/>
-              </a:schemeClr>
-            </a:effectRef>
-            <a:fontRef idx="minor">
-              <a:schemeClr val="lt1"/>
-            </a:fontRef>
-          </p:style>
-        </p:sp>
-        <p:sp>
-          <p:nvSpPr>
-            <p:cNvPr id="211" name="Rectángulo: esquinas redondeadas 4">
-              <a:extLst>
-                <a:ext uri="{FF2B5EF4-FFF2-40B4-BE49-F238E27FC236}">
-                  <a16:creationId xmlns:a16="http://schemas.microsoft.com/office/drawing/2014/main" id="{6996647F-2318-4388-89BD-5F4242C6D837}"/>
-                </a:ext>
-              </a:extLst>
-            </p:cNvPr>
-            <p:cNvSpPr txBox="1"/>
-            <p:nvPr/>
-          </p:nvSpPr>
-          <p:spPr>
-            <a:xfrm>
-              <a:off x="7087441" y="483867"/>
-              <a:ext cx="2036655" cy="486461"/>
-            </a:xfrm>
-            <a:prstGeom prst="rect">
-              <a:avLst/>
-            </a:prstGeom>
-            <a:grpFill/>
-            <a:ln>
-              <a:solidFill>
-                <a:srgbClr val="00B050"/>
-              </a:solidFill>
-            </a:ln>
-          </p:spPr>
-          <p:style>
-            <a:lnRef idx="0">
-              <a:scrgbClr r="0" g="0" b="0"/>
-            </a:lnRef>
-            <a:fillRef idx="0">
-              <a:scrgbClr r="0" g="0" b="0"/>
-            </a:fillRef>
-            <a:effectRef idx="0">
-              <a:scrgbClr r="0" g="0" b="0"/>
-            </a:effectRef>
-            <a:fontRef idx="minor">
-              <a:schemeClr val="lt1"/>
-            </a:fontRef>
-          </p:style>
-          <p:txBody>
-            <a:bodyPr spcFirstLastPara="0" vert="horz" wrap="square" lIns="27940" tIns="27940" rIns="27940" bIns="27940" numCol="1" spcCol="1270" rtlCol="0" anchor="ctr" anchorCtr="0">
-              <a:noAutofit/>
-            </a:bodyPr>
-            <a:lstStyle/>
-            <a:p>
-              <a:pPr marL="0" lvl="0" indent="0" algn="ctr" defTabSz="977900" rtl="0">
-                <a:lnSpc>
-                  <a:spcPct val="90000"/>
-                </a:lnSpc>
-                <a:spcBef>
-                  <a:spcPct val="0"/>
-                </a:spcBef>
-                <a:spcAft>
-                  <a:spcPct val="35000"/>
-                </a:spcAft>
-                <a:buNone/>
-              </a:pPr>
-              <a:endParaRPr lang="es-ES" sz="1600" b="1" kern="1200" noProof="0" dirty="0">
-                <a:solidFill>
-                  <a:schemeClr val="bg2"/>
-                </a:solidFill>
-              </a:endParaRPr>
+              <a:r>
+                <a:rPr lang="es-ES" sz="1600" b="1" kern="1200" noProof="0" dirty="0">
+                  <a:solidFill>
+                    <a:schemeClr val="bg2"/>
+                  </a:solidFill>
+                </a:rPr>
+                <a:t>.                  </a:t>
+              </a:r>
             </a:p>
           </p:txBody>
         </p:sp>
@@ -10251,7 +9642,7 @@
         </p:nvSpPr>
         <p:spPr>
           <a:xfrm rot="5400000">
-            <a:off x="9894005" y="5152839"/>
+            <a:off x="9927995" y="4915657"/>
             <a:ext cx="90427" cy="90427"/>
           </a:xfrm>
           <a:prstGeom prst="rightArrow">
@@ -10262,8 +9653,8 @@
           </a:prstGeom>
           <a:solidFill>
             <a:schemeClr val="accent1">
-              <a:lumMod val="60000"/>
-              <a:lumOff val="40000"/>
+              <a:lumMod val="20000"/>
+              <a:lumOff val="80000"/>
             </a:schemeClr>
           </a:solidFill>
           <a:ln>
@@ -10319,7 +9710,7 @@
         </p:nvSpPr>
         <p:spPr>
           <a:xfrm rot="5400000">
-            <a:off x="9923430" y="5855255"/>
+            <a:off x="9957420" y="5618073"/>
             <a:ext cx="90427" cy="90427"/>
           </a:xfrm>
           <a:prstGeom prst="rightArrow">
@@ -10330,8 +9721,8 @@
           </a:prstGeom>
           <a:solidFill>
             <a:schemeClr val="accent1">
-              <a:lumMod val="60000"/>
-              <a:lumOff val="40000"/>
+              <a:lumMod val="20000"/>
+              <a:lumOff val="80000"/>
             </a:schemeClr>
           </a:solidFill>
           <a:ln>
@@ -10387,15 +9778,15 @@
         </p:nvGrpSpPr>
         <p:grpSpPr>
           <a:xfrm>
-            <a:off x="8866600" y="2529208"/>
+            <a:off x="8933958" y="2094946"/>
             <a:ext cx="2066925" cy="516731"/>
             <a:chOff x="7072979" y="480060"/>
             <a:chExt cx="2066925" cy="516731"/>
           </a:xfrm>
           <a:solidFill>
             <a:schemeClr val="accent1">
-              <a:lumMod val="60000"/>
-              <a:lumOff val="40000"/>
+              <a:lumMod val="20000"/>
+              <a:lumOff val="80000"/>
             </a:schemeClr>
           </a:solidFill>
         </p:grpSpPr>
@@ -10472,8 +9863,8 @@
           </p:nvSpPr>
           <p:spPr>
             <a:xfrm>
-              <a:off x="7087441" y="483867"/>
-              <a:ext cx="2036655" cy="486461"/>
+              <a:off x="7087442" y="483867"/>
+              <a:ext cx="2029284" cy="486461"/>
             </a:xfrm>
             <a:prstGeom prst="rect">
               <a:avLst/>
@@ -10517,29 +9908,11 @@
                 </a:spcAft>
                 <a:buNone/>
               </a:pPr>
-              <a:r>
-                <a:rPr lang="es-CO" sz="1600" dirty="0"/>
-                <a:t>🛑</a:t>
-              </a:r>
-              <a:r>
-                <a:rPr lang="es-CO" sz="1600" dirty="0">
-                  <a:solidFill>
-                    <a:schemeClr val="accent5">
-                      <a:lumMod val="60000"/>
-                      <a:lumOff val="40000"/>
-                    </a:schemeClr>
-                  </a:solidFill>
-                </a:rPr>
-                <a:t> </a:t>
-              </a:r>
-              <a:r>
-                <a:rPr lang="es-CO" sz="1600" b="1" dirty="0">
-                  <a:solidFill>
-                    <a:schemeClr val="bg2"/>
-                  </a:solidFill>
-                </a:rPr>
-                <a:t>DevOps * 4.</a:t>
-              </a:r>
+              <a:endParaRPr lang="es-CO" sz="1600" b="1" dirty="0">
+                <a:solidFill>
+                  <a:schemeClr val="bg2"/>
+                </a:solidFill>
+              </a:endParaRPr>
             </a:p>
           </p:txBody>
         </p:sp>
@@ -10558,7 +9931,7 @@
         </p:nvSpPr>
         <p:spPr>
           <a:xfrm rot="5400000">
-            <a:off x="9854848" y="3091153"/>
+            <a:off x="9922206" y="2656891"/>
             <a:ext cx="90427" cy="90427"/>
           </a:xfrm>
           <a:prstGeom prst="rightArrow">
@@ -10569,8 +9942,8 @@
           </a:prstGeom>
           <a:solidFill>
             <a:schemeClr val="accent1">
-              <a:lumMod val="60000"/>
-              <a:lumOff val="40000"/>
+              <a:lumMod val="20000"/>
+              <a:lumOff val="80000"/>
             </a:schemeClr>
           </a:solidFill>
           <a:ln>
@@ -10628,7 +10001,7 @@
         </p:nvSpPr>
         <p:spPr>
           <a:xfrm>
-            <a:off x="4439816" y="1096559"/>
+            <a:off x="3667863" y="882491"/>
             <a:ext cx="1746629" cy="361465"/>
           </a:xfrm>
           <a:prstGeom prst="rect">
@@ -10872,8 +10245,8 @@
         </p:nvSpPr>
         <p:spPr>
           <a:xfrm>
-            <a:off x="6535036" y="914174"/>
-            <a:ext cx="2098366" cy="642618"/>
+            <a:off x="6158865" y="887410"/>
+            <a:ext cx="2098366" cy="338433"/>
           </a:xfrm>
           <a:prstGeom prst="rect">
             <a:avLst/>
@@ -10881,7 +10254,7 @@
         </p:spPr>
         <p:txBody>
           <a:bodyPr vert="horz" lIns="91440" tIns="45720" rIns="91440" bIns="45720" rtlCol="0">
-            <a:normAutofit/>
+            <a:normAutofit fontScale="92500" lnSpcReduction="10000"/>
           </a:bodyPr>
           <a:lstStyle>
             <a:lvl1pPr marL="228600" indent="-228600" algn="l" defTabSz="914400" rtl="0" eaLnBrk="1" latinLnBrk="0" hangingPunct="1">
@@ -11095,7 +10468,7 @@
                   <a:srgbClr val="FFFF00"/>
                 </a:solidFill>
               </a:rPr>
-              <a:t>Preparación y configuración.</a:t>
+              <a:t>Preparación.</a:t>
             </a:r>
           </a:p>
         </p:txBody>
@@ -11116,8 +10489,8 @@
         </p:nvSpPr>
         <p:spPr>
           <a:xfrm>
-            <a:off x="6738868" y="4627358"/>
-            <a:ext cx="1778145" cy="665121"/>
+            <a:off x="6453938" y="4377770"/>
+            <a:ext cx="1406728" cy="486461"/>
           </a:xfrm>
           <a:prstGeom prst="rect">
             <a:avLst/>
@@ -11125,7 +10498,7 @@
         </p:spPr>
         <p:txBody>
           <a:bodyPr vert="horz" lIns="91440" tIns="45720" rIns="91440" bIns="45720" rtlCol="0">
-            <a:normAutofit/>
+            <a:normAutofit fontScale="85000" lnSpcReduction="20000"/>
           </a:bodyPr>
           <a:lstStyle>
             <a:lvl1pPr marL="228600" indent="-228600" algn="l" defTabSz="914400" rtl="0" eaLnBrk="1" latinLnBrk="0" hangingPunct="1">
@@ -11359,7 +10732,7 @@
           <p:nvPr/>
         </p:nvPicPr>
         <p:blipFill>
-          <a:blip r:embed="rId4" cstate="print">
+          <a:blip r:embed="rId3" cstate="print">
             <a:extLst>
               <a:ext uri="{28A0092B-C50C-407E-A947-70E740481C1C}">
                 <a14:useLocalDpi xmlns:a14="http://schemas.microsoft.com/office/drawing/2010/main" val="0"/>
@@ -11373,7 +10746,7 @@
         </p:blipFill>
         <p:spPr bwMode="auto">
           <a:xfrm>
-            <a:off x="1504014" y="2083792"/>
+            <a:off x="854868" y="2410088"/>
             <a:ext cx="302670" cy="302670"/>
           </a:xfrm>
           <a:prstGeom prst="rect">
@@ -11406,7 +10779,7 @@
           <p:nvPr/>
         </p:nvPicPr>
         <p:blipFill>
-          <a:blip r:embed="rId5" cstate="print">
+          <a:blip r:embed="rId4" cstate="print">
             <a:extLst>
               <a:ext uri="{28A0092B-C50C-407E-A947-70E740481C1C}">
                 <a14:useLocalDpi xmlns:a14="http://schemas.microsoft.com/office/drawing/2010/main" val="0"/>
@@ -11420,8 +10793,8 @@
         </p:blipFill>
         <p:spPr bwMode="auto">
           <a:xfrm>
-            <a:off x="5475365" y="4664132"/>
-            <a:ext cx="323326" cy="323326"/>
+            <a:off x="4178016" y="4448029"/>
+            <a:ext cx="323326" cy="263471"/>
           </a:xfrm>
           <a:prstGeom prst="rect">
             <a:avLst/>
@@ -11453,7 +10826,7 @@
           <p:nvPr/>
         </p:nvPicPr>
         <p:blipFill>
-          <a:blip r:embed="rId6" cstate="print">
+          <a:blip r:embed="rId5" cstate="print">
             <a:extLst>
               <a:ext uri="{28A0092B-C50C-407E-A947-70E740481C1C}">
                 <a14:useLocalDpi xmlns:a14="http://schemas.microsoft.com/office/drawing/2010/main" val="0"/>
@@ -11467,7 +10840,7 @@
         </p:blipFill>
         <p:spPr bwMode="auto">
           <a:xfrm>
-            <a:off x="1483358" y="2508807"/>
+            <a:off x="834212" y="2835103"/>
             <a:ext cx="323326" cy="323326"/>
           </a:xfrm>
           <a:prstGeom prst="rect">
@@ -11500,7 +10873,7 @@
           <p:nvPr/>
         </p:nvPicPr>
         <p:blipFill>
-          <a:blip r:embed="rId7" cstate="print">
+          <a:blip r:embed="rId6" cstate="print">
             <a:extLst>
               <a:ext uri="{28A0092B-C50C-407E-A947-70E740481C1C}">
                 <a14:useLocalDpi xmlns:a14="http://schemas.microsoft.com/office/drawing/2010/main" val="0"/>
@@ -11514,8 +10887,8 @@
         </p:blipFill>
         <p:spPr bwMode="auto">
           <a:xfrm>
-            <a:off x="6069029" y="4636634"/>
-            <a:ext cx="378321" cy="378321"/>
+            <a:off x="4964160" y="4466581"/>
+            <a:ext cx="318819" cy="273766"/>
           </a:xfrm>
           <a:prstGeom prst="rect">
             <a:avLst/>
@@ -11547,7 +10920,7 @@
           <p:nvPr/>
         </p:nvPicPr>
         <p:blipFill>
-          <a:blip r:embed="rId8" cstate="print">
+          <a:blip r:embed="rId7" cstate="print">
             <a:extLst>
               <a:ext uri="{28A0092B-C50C-407E-A947-70E740481C1C}">
                 <a14:useLocalDpi xmlns:a14="http://schemas.microsoft.com/office/drawing/2010/main" val="0"/>
@@ -11561,7 +10934,7 @@
         </p:blipFill>
         <p:spPr bwMode="auto">
           <a:xfrm>
-            <a:off x="1441456" y="4712626"/>
+            <a:off x="792310" y="5038922"/>
             <a:ext cx="344572" cy="295184"/>
           </a:xfrm>
           <a:prstGeom prst="rect">
@@ -11594,7 +10967,7 @@
           <p:nvPr/>
         </p:nvPicPr>
         <p:blipFill>
-          <a:blip r:embed="rId9" cstate="print">
+          <a:blip r:embed="rId8" cstate="print">
             <a:extLst>
               <a:ext uri="{28A0092B-C50C-407E-A947-70E740481C1C}">
                 <a14:useLocalDpi xmlns:a14="http://schemas.microsoft.com/office/drawing/2010/main" val="0"/>
@@ -11608,7 +10981,7 @@
         </p:blipFill>
         <p:spPr bwMode="auto">
           <a:xfrm>
-            <a:off x="4559706" y="3270024"/>
+            <a:off x="3787753" y="2841216"/>
             <a:ext cx="394760" cy="338178"/>
           </a:xfrm>
           <a:prstGeom prst="rect">
@@ -11641,7 +11014,7 @@
           <p:nvPr/>
         </p:nvPicPr>
         <p:blipFill rotWithShape="1">
-          <a:blip r:embed="rId10" cstate="print">
+          <a:blip r:embed="rId9" cstate="print">
             <a:extLst>
               <a:ext uri="{28A0092B-C50C-407E-A947-70E740481C1C}">
                 <a14:useLocalDpi xmlns:a14="http://schemas.microsoft.com/office/drawing/2010/main" val="0"/>
@@ -11653,7 +11026,7 @@
         </p:blipFill>
         <p:spPr bwMode="auto">
           <a:xfrm>
-            <a:off x="1477913" y="4247921"/>
+            <a:off x="828767" y="4574217"/>
             <a:ext cx="308115" cy="282808"/>
           </a:xfrm>
           <a:prstGeom prst="rect">
@@ -11686,7 +11059,7 @@
           <p:nvPr/>
         </p:nvPicPr>
         <p:blipFill>
-          <a:blip r:embed="rId11" cstate="print">
+          <a:blip r:embed="rId10" cstate="print">
             <a:extLst>
               <a:ext uri="{28A0092B-C50C-407E-A947-70E740481C1C}">
                 <a14:useLocalDpi xmlns:a14="http://schemas.microsoft.com/office/drawing/2010/main" val="0"/>
@@ -11699,7 +11072,7 @@
         </p:blipFill>
         <p:spPr>
           <a:xfrm>
-            <a:off x="1573880" y="1662408"/>
+            <a:off x="924734" y="1988704"/>
             <a:ext cx="230854" cy="298261"/>
           </a:xfrm>
           <a:prstGeom prst="rect">
@@ -11722,7 +11095,7 @@
           <p:nvPr/>
         </p:nvPicPr>
         <p:blipFill>
-          <a:blip r:embed="rId12" cstate="print">
+          <a:blip r:embed="rId11" cstate="print">
             <a:extLst>
               <a:ext uri="{28A0092B-C50C-407E-A947-70E740481C1C}">
                 <a14:useLocalDpi xmlns:a14="http://schemas.microsoft.com/office/drawing/2010/main" val="0"/>
@@ -11735,8 +11108,8 @@
         </p:blipFill>
         <p:spPr>
           <a:xfrm>
-            <a:off x="4612030" y="4636634"/>
-            <a:ext cx="273139" cy="380391"/>
+            <a:off x="3008125" y="4448029"/>
+            <a:ext cx="273139" cy="257441"/>
           </a:xfrm>
           <a:prstGeom prst="rect">
             <a:avLst/>
@@ -11746,6 +11119,7 @@
       <p:pic>
         <p:nvPicPr>
           <p:cNvPr id="1048" name="Picture 24" descr="Microsoft Azure Logo, symbol, meaning, history, PNG, brand">
+            <a:hlinkClick r:id="rId12" action="ppaction://hlinksldjump" tooltip="Azure."/>
             <a:extLst>
               <a:ext uri="{FF2B5EF4-FFF2-40B4-BE49-F238E27FC236}">
                 <a16:creationId xmlns:a16="http://schemas.microsoft.com/office/drawing/2014/main" id="{32A45B71-7DDD-4779-80CB-7D0BBE14DF4A}"/>
@@ -11770,98 +11144,8 @@
         </p:blipFill>
         <p:spPr bwMode="auto">
           <a:xfrm>
-            <a:off x="4578663" y="1977403"/>
+            <a:off x="3806710" y="1548595"/>
             <a:ext cx="270638" cy="261801"/>
-          </a:xfrm>
-          <a:prstGeom prst="rect">
-            <a:avLst/>
-          </a:prstGeom>
-          <a:noFill/>
-          <a:extLst>
-            <a:ext uri="{909E8E84-426E-40DD-AFC4-6F175D3DCCD1}">
-              <a14:hiddenFill xmlns:a14="http://schemas.microsoft.com/office/drawing/2010/main">
-                <a:solidFill>
-                  <a:srgbClr val="FFFFFF"/>
-                </a:solidFill>
-              </a14:hiddenFill>
-            </a:ext>
-          </a:extLst>
-        </p:spPr>
-      </p:pic>
-      <p:pic>
-        <p:nvPicPr>
-          <p:cNvPr id="156" name="Picture 24" descr="Microsoft Azure Logo, symbol, meaning, history, PNG, brand">
-            <a:extLst>
-              <a:ext uri="{FF2B5EF4-FFF2-40B4-BE49-F238E27FC236}">
-                <a16:creationId xmlns:a16="http://schemas.microsoft.com/office/drawing/2014/main" id="{F62C3413-B35D-4B17-AB64-B1FDEFC00614}"/>
-              </a:ext>
-            </a:extLst>
-          </p:cNvPr>
-          <p:cNvPicPr>
-            <a:picLocks noChangeAspect="1" noChangeArrowheads="1"/>
-          </p:cNvPicPr>
-          <p:nvPr/>
-        </p:nvPicPr>
-        <p:blipFill rotWithShape="1">
-          <a:blip r:embed="rId13" cstate="print">
-            <a:extLst>
-              <a:ext uri="{28A0092B-C50C-407E-A947-70E740481C1C}">
-                <a14:useLocalDpi xmlns:a14="http://schemas.microsoft.com/office/drawing/2010/main" val="0"/>
-              </a:ext>
-            </a:extLst>
-          </a:blip>
-          <a:srcRect l="21083" r="20768"/>
-          <a:stretch/>
-        </p:blipFill>
-        <p:spPr bwMode="auto">
-          <a:xfrm>
-            <a:off x="9049806" y="1968334"/>
-            <a:ext cx="270638" cy="261801"/>
-          </a:xfrm>
-          <a:prstGeom prst="rect">
-            <a:avLst/>
-          </a:prstGeom>
-          <a:noFill/>
-          <a:extLst>
-            <a:ext uri="{909E8E84-426E-40DD-AFC4-6F175D3DCCD1}">
-              <a14:hiddenFill xmlns:a14="http://schemas.microsoft.com/office/drawing/2010/main">
-                <a:solidFill>
-                  <a:srgbClr val="FFFFFF"/>
-                </a:solidFill>
-              </a14:hiddenFill>
-            </a:ext>
-          </a:extLst>
-        </p:spPr>
-      </p:pic>
-      <p:pic>
-        <p:nvPicPr>
-          <p:cNvPr id="157" name="Picture 24" descr="Microsoft Azure Logo, symbol, meaning, history, PNG, brand">
-            <a:extLst>
-              <a:ext uri="{FF2B5EF4-FFF2-40B4-BE49-F238E27FC236}">
-                <a16:creationId xmlns:a16="http://schemas.microsoft.com/office/drawing/2014/main" id="{844009C1-5539-49F6-A629-A6B822C76EA4}"/>
-              </a:ext>
-            </a:extLst>
-          </p:cNvPr>
-          <p:cNvPicPr>
-            <a:picLocks noChangeAspect="1" noChangeArrowheads="1"/>
-          </p:cNvPicPr>
-          <p:nvPr/>
-        </p:nvPicPr>
-        <p:blipFill rotWithShape="1">
-          <a:blip r:embed="rId13" cstate="print">
-            <a:extLst>
-              <a:ext uri="{28A0092B-C50C-407E-A947-70E740481C1C}">
-                <a14:useLocalDpi xmlns:a14="http://schemas.microsoft.com/office/drawing/2010/main" val="0"/>
-              </a:ext>
-            </a:extLst>
-          </a:blip>
-          <a:srcRect l="21083" r="20768"/>
-          <a:stretch/>
-        </p:blipFill>
-        <p:spPr bwMode="auto">
-          <a:xfrm>
-            <a:off x="1546266" y="836712"/>
-            <a:ext cx="230854" cy="223316"/>
           </a:xfrm>
           <a:prstGeom prst="rect">
             <a:avLst/>
@@ -11906,7 +11190,7 @@
         </p:blipFill>
         <p:spPr>
           <a:xfrm>
-            <a:off x="1203551" y="5133047"/>
+            <a:off x="554405" y="5459343"/>
             <a:ext cx="664727" cy="235676"/>
           </a:xfrm>
           <a:prstGeom prst="rect">
@@ -11943,7 +11227,7 @@
         </p:blipFill>
         <p:spPr bwMode="auto">
           <a:xfrm>
-            <a:off x="1558173" y="3805358"/>
+            <a:off x="909027" y="4131654"/>
             <a:ext cx="285383" cy="282808"/>
           </a:xfrm>
           <a:prstGeom prst="rect">
@@ -11988,7 +11272,7 @@
         </p:blipFill>
         <p:spPr bwMode="auto">
           <a:xfrm>
-            <a:off x="1492695" y="3002958"/>
+            <a:off x="843549" y="3329254"/>
             <a:ext cx="312039" cy="282809"/>
           </a:xfrm>
           <a:prstGeom prst="rect">
@@ -12033,8 +11317,8 @@
         </p:blipFill>
         <p:spPr bwMode="auto">
           <a:xfrm>
-            <a:off x="4960929" y="4719723"/>
-            <a:ext cx="323327" cy="293040"/>
+            <a:off x="3774399" y="4421988"/>
+            <a:ext cx="323327" cy="267735"/>
           </a:xfrm>
           <a:prstGeom prst="rect">
             <a:avLst/>
@@ -12065,15 +11349,15 @@
         </p:nvGrpSpPr>
         <p:grpSpPr>
           <a:xfrm>
-            <a:off x="8616280" y="4584682"/>
-            <a:ext cx="2516185" cy="516731"/>
+            <a:off x="8222078" y="4347500"/>
+            <a:ext cx="3409946" cy="516731"/>
             <a:chOff x="7072979" y="480060"/>
             <a:chExt cx="2066925" cy="516731"/>
           </a:xfrm>
           <a:solidFill>
             <a:schemeClr val="accent1">
-              <a:lumMod val="60000"/>
-              <a:lumOff val="40000"/>
+              <a:lumMod val="20000"/>
+              <a:lumOff val="80000"/>
             </a:schemeClr>
           </a:solidFill>
         </p:grpSpPr>
@@ -12099,11 +11383,7 @@
                 <a:gd name="adj" fmla="val 10000"/>
               </a:avLst>
             </a:prstGeom>
-            <a:solidFill>
-              <a:schemeClr val="accent1">
-                <a:lumMod val="50000"/>
-              </a:schemeClr>
-            </a:solidFill>
+            <a:grpFill/>
             <a:ln>
               <a:solidFill>
                 <a:schemeClr val="accent1">
@@ -12213,98 +11493,6 @@
       </p:grpSp>
       <p:pic>
         <p:nvPicPr>
-          <p:cNvPr id="179" name="Picture 22" descr="Collection of Excel Logo PNG. | PlusPNG">
-            <a:extLst>
-              <a:ext uri="{FF2B5EF4-FFF2-40B4-BE49-F238E27FC236}">
-                <a16:creationId xmlns:a16="http://schemas.microsoft.com/office/drawing/2014/main" id="{67EEE5C9-5369-41F4-80AE-CE52F8C288BA}"/>
-              </a:ext>
-            </a:extLst>
-          </p:cNvPr>
-          <p:cNvPicPr>
-            <a:picLocks noChangeAspect="1" noChangeArrowheads="1"/>
-          </p:cNvPicPr>
-          <p:nvPr/>
-        </p:nvPicPr>
-        <p:blipFill rotWithShape="1">
-          <a:blip r:embed="rId10" cstate="print">
-            <a:extLst>
-              <a:ext uri="{28A0092B-C50C-407E-A947-70E740481C1C}">
-                <a14:useLocalDpi xmlns:a14="http://schemas.microsoft.com/office/drawing/2010/main" val="0"/>
-              </a:ext>
-            </a:extLst>
-          </a:blip>
-          <a:srcRect l="26594" t="17825" r="26272" b="17281"/>
-          <a:stretch/>
-        </p:blipFill>
-        <p:spPr bwMode="auto">
-          <a:xfrm>
-            <a:off x="10180373" y="4027959"/>
-            <a:ext cx="308115" cy="282808"/>
-          </a:xfrm>
-          <a:prstGeom prst="rect">
-            <a:avLst/>
-          </a:prstGeom>
-          <a:noFill/>
-          <a:extLst>
-            <a:ext uri="{909E8E84-426E-40DD-AFC4-6F175D3DCCD1}">
-              <a14:hiddenFill xmlns:a14="http://schemas.microsoft.com/office/drawing/2010/main">
-                <a:solidFill>
-                  <a:srgbClr val="FFFFFF"/>
-                </a:solidFill>
-              </a14:hiddenFill>
-            </a:ext>
-          </a:extLst>
-        </p:spPr>
-      </p:pic>
-      <p:pic>
-        <p:nvPicPr>
-          <p:cNvPr id="180" name="Picture 28" descr="SharePoint Basis - Westhaghe Training &amp; Advies">
-            <a:extLst>
-              <a:ext uri="{FF2B5EF4-FFF2-40B4-BE49-F238E27FC236}">
-                <a16:creationId xmlns:a16="http://schemas.microsoft.com/office/drawing/2014/main" id="{60ABADD1-4CA1-48D0-879D-3DA5DF49123F}"/>
-              </a:ext>
-            </a:extLst>
-          </p:cNvPr>
-          <p:cNvPicPr>
-            <a:picLocks noChangeAspect="1" noChangeArrowheads="1"/>
-          </p:cNvPicPr>
-          <p:nvPr/>
-        </p:nvPicPr>
-        <p:blipFill>
-          <a:blip r:embed="rId15" cstate="print">
-            <a:extLst>
-              <a:ext uri="{28A0092B-C50C-407E-A947-70E740481C1C}">
-                <a14:useLocalDpi xmlns:a14="http://schemas.microsoft.com/office/drawing/2010/main" val="0"/>
-              </a:ext>
-            </a:extLst>
-          </a:blip>
-          <a:srcRect/>
-          <a:stretch>
-            <a:fillRect/>
-          </a:stretch>
-        </p:blipFill>
-        <p:spPr bwMode="auto">
-          <a:xfrm>
-            <a:off x="9629051" y="4027164"/>
-            <a:ext cx="289273" cy="282808"/>
-          </a:xfrm>
-          <a:prstGeom prst="rect">
-            <a:avLst/>
-          </a:prstGeom>
-          <a:noFill/>
-          <a:extLst>
-            <a:ext uri="{909E8E84-426E-40DD-AFC4-6F175D3DCCD1}">
-              <a14:hiddenFill xmlns:a14="http://schemas.microsoft.com/office/drawing/2010/main">
-                <a:solidFill>
-                  <a:srgbClr val="FFFFFF"/>
-                </a:solidFill>
-              </a14:hiddenFill>
-            </a:ext>
-          </a:extLst>
-        </p:spPr>
-      </p:pic>
-      <p:pic>
-        <p:nvPicPr>
           <p:cNvPr id="1058" name="Picture 34" descr="Pricing Details - Key Vault | Microsoft Azure">
             <a:extLst>
               <a:ext uri="{FF2B5EF4-FFF2-40B4-BE49-F238E27FC236}">
@@ -12330,7 +11518,7 @@
         </p:blipFill>
         <p:spPr bwMode="auto">
           <a:xfrm>
-            <a:off x="1544391" y="3417202"/>
+            <a:off x="895245" y="3743498"/>
             <a:ext cx="244738" cy="270906"/>
           </a:xfrm>
           <a:prstGeom prst="flowChartConnector">
@@ -12375,7 +11563,7 @@
         </p:blipFill>
         <p:spPr bwMode="auto">
           <a:xfrm>
-            <a:off x="5857085" y="3326831"/>
+            <a:off x="5085132" y="2898023"/>
             <a:ext cx="244738" cy="270906"/>
           </a:xfrm>
           <a:prstGeom prst="flowChartConnector">
@@ -12408,7 +11596,7 @@
           <p:nvPr/>
         </p:nvPicPr>
         <p:blipFill>
-          <a:blip r:embed="rId9" cstate="print">
+          <a:blip r:embed="rId8" cstate="print">
             <a:extLst>
               <a:ext uri="{28A0092B-C50C-407E-A947-70E740481C1C}">
                 <a14:useLocalDpi xmlns:a14="http://schemas.microsoft.com/office/drawing/2010/main" val="0"/>
@@ -12422,22 +11610,18 @@
         </p:blipFill>
         <p:spPr bwMode="auto">
           <a:xfrm>
-            <a:off x="9104819" y="3269500"/>
-            <a:ext cx="394760" cy="338178"/>
+            <a:off x="9208748" y="2898022"/>
+            <a:ext cx="297646" cy="279101"/>
           </a:xfrm>
           <a:prstGeom prst="rect">
             <a:avLst/>
           </a:prstGeom>
-          <a:noFill/>
-          <a:extLst>
-            <a:ext uri="{909E8E84-426E-40DD-AFC4-6F175D3DCCD1}">
-              <a14:hiddenFill xmlns:a14="http://schemas.microsoft.com/office/drawing/2010/main">
-                <a:solidFill>
-                  <a:srgbClr val="FFFFFF"/>
-                </a:solidFill>
-              </a14:hiddenFill>
-            </a:ext>
-          </a:extLst>
+          <a:solidFill>
+            <a:schemeClr val="accent1">
+              <a:lumMod val="20000"/>
+              <a:lumOff val="80000"/>
+            </a:schemeClr>
+          </a:solidFill>
         </p:spPr>
       </p:pic>
       <p:pic>
@@ -12467,30 +11651,26 @@
         </p:blipFill>
         <p:spPr bwMode="auto">
           <a:xfrm>
-            <a:off x="10027253" y="3339955"/>
+            <a:off x="10553846" y="2909704"/>
             <a:ext cx="245211" cy="271430"/>
           </a:xfrm>
           <a:prstGeom prst="flowChartConnector">
             <a:avLst/>
           </a:prstGeom>
-          <a:noFill/>
-          <a:extLst>
-            <a:ext uri="{909E8E84-426E-40DD-AFC4-6F175D3DCCD1}">
-              <a14:hiddenFill xmlns:a14="http://schemas.microsoft.com/office/drawing/2010/main">
-                <a:solidFill>
-                  <a:srgbClr val="FFFFFF"/>
-                </a:solidFill>
-              </a14:hiddenFill>
-            </a:ext>
-          </a:extLst>
+          <a:solidFill>
+            <a:schemeClr val="accent1">
+              <a:lumMod val="20000"/>
+              <a:lumOff val="80000"/>
+            </a:schemeClr>
+          </a:solidFill>
         </p:spPr>
       </p:pic>
       <p:sp>
         <p:nvSpPr>
-          <p:cNvPr id="253" name="CuadroTexto 252">
+          <p:cNvPr id="305" name="CuadroTexto 304">
             <a:extLst>
               <a:ext uri="{FF2B5EF4-FFF2-40B4-BE49-F238E27FC236}">
-                <a16:creationId xmlns:a16="http://schemas.microsoft.com/office/drawing/2014/main" id="{7FA9AD1F-DC9C-4023-8DC0-CE72903D35DD}"/>
+                <a16:creationId xmlns:a16="http://schemas.microsoft.com/office/drawing/2014/main" id="{AB2ECB56-201A-4964-A875-FD36754AA31B}"/>
               </a:ext>
             </a:extLst>
           </p:cNvPr>
@@ -12499,51 +11679,7 @@
         </p:nvSpPr>
         <p:spPr>
           <a:xfrm>
-            <a:off x="9048990" y="3971425"/>
-            <a:ext cx="365894" cy="369332"/>
-          </a:xfrm>
-          <a:prstGeom prst="rect">
-            <a:avLst/>
-          </a:prstGeom>
-          <a:noFill/>
-        </p:spPr>
-        <p:txBody>
-          <a:bodyPr wrap="square">
-            <a:spAutoFit/>
-          </a:bodyPr>
-          <a:lstStyle/>
-          <a:p>
-            <a:r>
-              <a:rPr lang="es-CO" sz="1800" dirty="0"/>
-              <a:t>🔍</a:t>
-            </a:r>
-            <a:r>
-              <a:rPr lang="es-ES" sz="1800" b="1" dirty="0">
-                <a:solidFill>
-                  <a:schemeClr val="bg2"/>
-                </a:solidFill>
-              </a:rPr>
-              <a:t> </a:t>
-            </a:r>
-            <a:endParaRPr lang="es-CO" dirty="0"/>
-          </a:p>
-        </p:txBody>
-      </p:sp>
-      <p:sp>
-        <p:nvSpPr>
-          <p:cNvPr id="254" name="CuadroTexto 253">
-            <a:extLst>
-              <a:ext uri="{FF2B5EF4-FFF2-40B4-BE49-F238E27FC236}">
-                <a16:creationId xmlns:a16="http://schemas.microsoft.com/office/drawing/2014/main" id="{D81E36DA-83E2-4CD1-82E5-65122098B1B8}"/>
-              </a:ext>
-            </a:extLst>
-          </p:cNvPr>
-          <p:cNvSpPr txBox="1"/>
-          <p:nvPr/>
-        </p:nvSpPr>
-        <p:spPr>
-          <a:xfrm>
-            <a:off x="4155877" y="4687276"/>
+            <a:off x="4080795" y="5818741"/>
             <a:ext cx="491445" cy="369332"/>
           </a:xfrm>
           <a:prstGeom prst="rect">
@@ -12558,10 +11694,6 @@
           <a:lstStyle/>
           <a:p>
             <a:r>
-              <a:rPr lang="es-CO" sz="1800" dirty="0"/>
-              <a:t>🔍</a:t>
-            </a:r>
-            <a:r>
               <a:rPr lang="es-ES" sz="1800" b="1" dirty="0">
                 <a:solidFill>
                   <a:schemeClr val="bg2"/>
@@ -12575,10 +11707,10 @@
       </p:sp>
       <p:pic>
         <p:nvPicPr>
-          <p:cNvPr id="255" name="Picture 22" descr="Collection of Excel Logo PNG. | PlusPNG">
+          <p:cNvPr id="3" name="Picture 4" descr="Logik-App-Dienst | Microsoft Azure">
             <a:extLst>
               <a:ext uri="{FF2B5EF4-FFF2-40B4-BE49-F238E27FC236}">
-                <a16:creationId xmlns:a16="http://schemas.microsoft.com/office/drawing/2014/main" id="{ED97330A-2898-4460-B56A-0AE8855828DC}"/>
+                <a16:creationId xmlns:a16="http://schemas.microsoft.com/office/drawing/2014/main" id="{6E16D0E9-FC0B-4F17-B7DE-2A83761F9F0A}"/>
               </a:ext>
             </a:extLst>
           </p:cNvPr>
@@ -12588,20 +11720,20 @@
           <p:nvPr/>
         </p:nvPicPr>
         <p:blipFill rotWithShape="1">
-          <a:blip r:embed="rId10" cstate="print">
+          <a:blip r:embed="rId19" cstate="print">
             <a:extLst>
               <a:ext uri="{28A0092B-C50C-407E-A947-70E740481C1C}">
                 <a14:useLocalDpi xmlns:a14="http://schemas.microsoft.com/office/drawing/2010/main" val="0"/>
               </a:ext>
             </a:extLst>
           </a:blip>
-          <a:srcRect l="26594" t="17825" r="26272" b="17281"/>
+          <a:srcRect l="16710" r="16228"/>
           <a:stretch/>
         </p:blipFill>
         <p:spPr bwMode="auto">
           <a:xfrm>
-            <a:off x="5672001" y="3999734"/>
-            <a:ext cx="308115" cy="282808"/>
+            <a:off x="873688" y="1168077"/>
+            <a:ext cx="325391" cy="254733"/>
           </a:xfrm>
           <a:prstGeom prst="rect">
             <a:avLst/>
@@ -12618,103 +11750,12 @@
           </a:extLst>
         </p:spPr>
       </p:pic>
-      <p:pic>
-        <p:nvPicPr>
-          <p:cNvPr id="256" name="Picture 28" descr="SharePoint Basis - Westhaghe Training &amp; Advies">
+      <p:grpSp>
+        <p:nvGrpSpPr>
+          <p:cNvPr id="128" name="Grupo 127">
             <a:extLst>
               <a:ext uri="{FF2B5EF4-FFF2-40B4-BE49-F238E27FC236}">
-                <a16:creationId xmlns:a16="http://schemas.microsoft.com/office/drawing/2014/main" id="{F95AB882-0099-445D-9640-CED2E2C13E37}"/>
-              </a:ext>
-            </a:extLst>
-          </p:cNvPr>
-          <p:cNvPicPr>
-            <a:picLocks noChangeAspect="1" noChangeArrowheads="1"/>
-          </p:cNvPicPr>
-          <p:nvPr/>
-        </p:nvPicPr>
-        <p:blipFill>
-          <a:blip r:embed="rId15" cstate="print">
-            <a:extLst>
-              <a:ext uri="{28A0092B-C50C-407E-A947-70E740481C1C}">
-                <a14:useLocalDpi xmlns:a14="http://schemas.microsoft.com/office/drawing/2010/main" val="0"/>
-              </a:ext>
-            </a:extLst>
-          </a:blip>
-          <a:srcRect/>
-          <a:stretch>
-            <a:fillRect/>
-          </a:stretch>
-        </p:blipFill>
-        <p:spPr bwMode="auto">
-          <a:xfrm>
-            <a:off x="5120679" y="3998939"/>
-            <a:ext cx="289273" cy="282808"/>
-          </a:xfrm>
-          <a:prstGeom prst="rect">
-            <a:avLst/>
-          </a:prstGeom>
-          <a:noFill/>
-          <a:extLst>
-            <a:ext uri="{909E8E84-426E-40DD-AFC4-6F175D3DCCD1}">
-              <a14:hiddenFill xmlns:a14="http://schemas.microsoft.com/office/drawing/2010/main">
-                <a:solidFill>
-                  <a:srgbClr val="FFFFFF"/>
-                </a:solidFill>
-              </a14:hiddenFill>
-            </a:ext>
-          </a:extLst>
-        </p:spPr>
-      </p:pic>
-      <p:sp>
-        <p:nvSpPr>
-          <p:cNvPr id="257" name="CuadroTexto 256">
-            <a:extLst>
-              <a:ext uri="{FF2B5EF4-FFF2-40B4-BE49-F238E27FC236}">
-                <a16:creationId xmlns:a16="http://schemas.microsoft.com/office/drawing/2014/main" id="{AE712308-344C-407A-A124-8CB8AFC19F51}"/>
-              </a:ext>
-            </a:extLst>
-          </p:cNvPr>
-          <p:cNvSpPr txBox="1"/>
-          <p:nvPr/>
-        </p:nvSpPr>
-        <p:spPr>
-          <a:xfrm>
-            <a:off x="4540618" y="3943200"/>
-            <a:ext cx="365894" cy="369332"/>
-          </a:xfrm>
-          <a:prstGeom prst="rect">
-            <a:avLst/>
-          </a:prstGeom>
-          <a:noFill/>
-        </p:spPr>
-        <p:txBody>
-          <a:bodyPr wrap="square">
-            <a:spAutoFit/>
-          </a:bodyPr>
-          <a:lstStyle/>
-          <a:p>
-            <a:r>
-              <a:rPr lang="es-CO" sz="1800" dirty="0"/>
-              <a:t>🔍</a:t>
-            </a:r>
-            <a:r>
-              <a:rPr lang="es-ES" sz="1800" b="1" dirty="0">
-                <a:solidFill>
-                  <a:schemeClr val="bg2"/>
-                </a:solidFill>
-              </a:rPr>
-              <a:t> </a:t>
-            </a:r>
-            <a:endParaRPr lang="es-CO" dirty="0"/>
-          </a:p>
-        </p:txBody>
-      </p:sp>
-      <p:grpSp>
-        <p:nvGrpSpPr>
-          <p:cNvPr id="258" name="Grupo 257">
-            <a:extLst>
-              <a:ext uri="{FF2B5EF4-FFF2-40B4-BE49-F238E27FC236}">
-                <a16:creationId xmlns:a16="http://schemas.microsoft.com/office/drawing/2014/main" id="{BD523BBF-DC2A-42AE-8230-290D60ED1DC3}"/>
+                <a16:creationId xmlns:a16="http://schemas.microsoft.com/office/drawing/2014/main" id="{2393960F-80C5-43B3-9719-EBCEBD268705}"/>
               </a:ext>
             </a:extLst>
           </p:cNvPr>
@@ -12723,7 +11764,7 @@
         </p:nvGrpSpPr>
         <p:grpSpPr>
           <a:xfrm>
-            <a:off x="4079776" y="5267569"/>
+            <a:off x="3311917" y="3541453"/>
             <a:ext cx="2516186" cy="516731"/>
             <a:chOff x="7072979" y="480060"/>
             <a:chExt cx="2066925" cy="516731"/>
@@ -12737,10 +11778,10 @@
         </p:grpSpPr>
         <p:sp>
           <p:nvSpPr>
-            <p:cNvPr id="259" name="Rectángulo: esquinas redondeadas 258">
+            <p:cNvPr id="129" name="Rectángulo: esquinas redondeadas 128">
               <a:extLst>
                 <a:ext uri="{FF2B5EF4-FFF2-40B4-BE49-F238E27FC236}">
-                  <a16:creationId xmlns:a16="http://schemas.microsoft.com/office/drawing/2014/main" id="{041234C5-ADAD-4720-8788-D1060891C0B0}"/>
+                  <a16:creationId xmlns:a16="http://schemas.microsoft.com/office/drawing/2014/main" id="{E0FF2EFF-DDC7-4E59-8095-692D1F142C9C}"/>
                 </a:ext>
               </a:extLst>
             </p:cNvPr>
@@ -12801,10 +11842,1520 @@
         </p:sp>
         <p:sp>
           <p:nvSpPr>
-            <p:cNvPr id="260" name="Rectángulo: esquinas redondeadas 4">
+            <p:cNvPr id="130" name="Rectángulo: esquinas redondeadas 4">
               <a:extLst>
                 <a:ext uri="{FF2B5EF4-FFF2-40B4-BE49-F238E27FC236}">
-                  <a16:creationId xmlns:a16="http://schemas.microsoft.com/office/drawing/2014/main" id="{ADCFA4AC-9B4F-4F17-8E10-EFA204D8608A}"/>
+                  <a16:creationId xmlns:a16="http://schemas.microsoft.com/office/drawing/2014/main" id="{7EC2B526-A555-4640-B0FC-5A8359532A16}"/>
+                </a:ext>
+              </a:extLst>
+            </p:cNvPr>
+            <p:cNvSpPr txBox="1"/>
+            <p:nvPr/>
+          </p:nvSpPr>
+          <p:spPr>
+            <a:xfrm>
+              <a:off x="7087439" y="483867"/>
+              <a:ext cx="2036655" cy="486461"/>
+            </a:xfrm>
+            <a:prstGeom prst="rect">
+              <a:avLst/>
+            </a:prstGeom>
+            <a:grpFill/>
+            <a:ln>
+              <a:solidFill>
+                <a:srgbClr val="FF0000"/>
+              </a:solidFill>
+            </a:ln>
+          </p:spPr>
+          <p:style>
+            <a:lnRef idx="0">
+              <a:scrgbClr r="0" g="0" b="0"/>
+            </a:lnRef>
+            <a:fillRef idx="0">
+              <a:scrgbClr r="0" g="0" b="0"/>
+            </a:fillRef>
+            <a:effectRef idx="0">
+              <a:scrgbClr r="0" g="0" b="0"/>
+            </a:effectRef>
+            <a:fontRef idx="minor">
+              <a:schemeClr val="lt1"/>
+            </a:fontRef>
+          </p:style>
+          <p:txBody>
+            <a:bodyPr spcFirstLastPara="0" vert="horz" wrap="square" lIns="27940" tIns="27940" rIns="27940" bIns="27940" numCol="1" spcCol="1270" rtlCol="0" anchor="ctr" anchorCtr="0">
+              <a:noAutofit/>
+            </a:bodyPr>
+            <a:lstStyle/>
+            <a:p>
+              <a:pPr marL="0" lvl="0" indent="0" algn="ctr" defTabSz="977900" rtl="0">
+                <a:lnSpc>
+                  <a:spcPct val="90000"/>
+                </a:lnSpc>
+                <a:spcBef>
+                  <a:spcPct val="0"/>
+                </a:spcBef>
+                <a:spcAft>
+                  <a:spcPct val="35000"/>
+                </a:spcAft>
+                <a:buNone/>
+              </a:pPr>
+              <a:endParaRPr lang="es-ES" sz="1600" b="1" kern="1200" noProof="0" dirty="0">
+                <a:solidFill>
+                  <a:schemeClr val="bg2"/>
+                </a:solidFill>
+              </a:endParaRPr>
+            </a:p>
+          </p:txBody>
+        </p:sp>
+      </p:grpSp>
+      <p:pic>
+        <p:nvPicPr>
+          <p:cNvPr id="132" name="Picture 22" descr="Collection of Excel Logo PNG. | PlusPNG">
+            <a:extLst>
+              <a:ext uri="{FF2B5EF4-FFF2-40B4-BE49-F238E27FC236}">
+                <a16:creationId xmlns:a16="http://schemas.microsoft.com/office/drawing/2014/main" id="{A442A1B0-1616-4E62-A967-7BB105B119E1}"/>
+              </a:ext>
+            </a:extLst>
+          </p:cNvPr>
+          <p:cNvPicPr>
+            <a:picLocks noChangeAspect="1" noChangeArrowheads="1"/>
+          </p:cNvPicPr>
+          <p:nvPr/>
+        </p:nvPicPr>
+        <p:blipFill rotWithShape="1">
+          <a:blip r:embed="rId9" cstate="print">
+            <a:extLst>
+              <a:ext uri="{28A0092B-C50C-407E-A947-70E740481C1C}">
+                <a14:useLocalDpi xmlns:a14="http://schemas.microsoft.com/office/drawing/2010/main" val="0"/>
+              </a:ext>
+            </a:extLst>
+          </a:blip>
+          <a:srcRect l="26594" t="17825" r="26272" b="17281"/>
+          <a:stretch/>
+        </p:blipFill>
+        <p:spPr bwMode="auto">
+          <a:xfrm>
+            <a:off x="4728312" y="3627776"/>
+            <a:ext cx="308115" cy="282808"/>
+          </a:xfrm>
+          <a:prstGeom prst="rect">
+            <a:avLst/>
+          </a:prstGeom>
+          <a:noFill/>
+          <a:extLst>
+            <a:ext uri="{909E8E84-426E-40DD-AFC4-6F175D3DCCD1}">
+              <a14:hiddenFill xmlns:a14="http://schemas.microsoft.com/office/drawing/2010/main">
+                <a:solidFill>
+                  <a:srgbClr val="FFFFFF"/>
+                </a:solidFill>
+              </a14:hiddenFill>
+            </a:ext>
+          </a:extLst>
+        </p:spPr>
+      </p:pic>
+      <p:pic>
+        <p:nvPicPr>
+          <p:cNvPr id="133" name="Picture 28" descr="SharePoint Basis - Westhaghe Training &amp; Advies">
+            <a:extLst>
+              <a:ext uri="{FF2B5EF4-FFF2-40B4-BE49-F238E27FC236}">
+                <a16:creationId xmlns:a16="http://schemas.microsoft.com/office/drawing/2014/main" id="{2A49A393-9898-491C-BEC2-C3704B49E85F}"/>
+              </a:ext>
+            </a:extLst>
+          </p:cNvPr>
+          <p:cNvPicPr>
+            <a:picLocks noChangeAspect="1" noChangeArrowheads="1"/>
+          </p:cNvPicPr>
+          <p:nvPr/>
+        </p:nvPicPr>
+        <p:blipFill>
+          <a:blip r:embed="rId15" cstate="print">
+            <a:extLst>
+              <a:ext uri="{28A0092B-C50C-407E-A947-70E740481C1C}">
+                <a14:useLocalDpi xmlns:a14="http://schemas.microsoft.com/office/drawing/2010/main" val="0"/>
+              </a:ext>
+            </a:extLst>
+          </a:blip>
+          <a:srcRect/>
+          <a:stretch>
+            <a:fillRect/>
+          </a:stretch>
+        </p:blipFill>
+        <p:spPr bwMode="auto">
+          <a:xfrm>
+            <a:off x="4296880" y="3627776"/>
+            <a:ext cx="289273" cy="282808"/>
+          </a:xfrm>
+          <a:prstGeom prst="rect">
+            <a:avLst/>
+          </a:prstGeom>
+          <a:noFill/>
+          <a:extLst>
+            <a:ext uri="{909E8E84-426E-40DD-AFC4-6F175D3DCCD1}">
+              <a14:hiddenFill xmlns:a14="http://schemas.microsoft.com/office/drawing/2010/main">
+                <a:solidFill>
+                  <a:srgbClr val="FFFFFF"/>
+                </a:solidFill>
+              </a14:hiddenFill>
+            </a:ext>
+          </a:extLst>
+        </p:spPr>
+      </p:pic>
+      <p:pic>
+        <p:nvPicPr>
+          <p:cNvPr id="135" name="Picture 4" descr="Logik-App-Dienst | Microsoft Azure">
+            <a:extLst>
+              <a:ext uri="{FF2B5EF4-FFF2-40B4-BE49-F238E27FC236}">
+                <a16:creationId xmlns:a16="http://schemas.microsoft.com/office/drawing/2014/main" id="{14649AE7-D802-4BD4-A32E-82F249C82AD8}"/>
+              </a:ext>
+            </a:extLst>
+          </p:cNvPr>
+          <p:cNvPicPr>
+            <a:picLocks noChangeAspect="1" noChangeArrowheads="1"/>
+          </p:cNvPicPr>
+          <p:nvPr/>
+        </p:nvPicPr>
+        <p:blipFill rotWithShape="1">
+          <a:blip r:embed="rId19" cstate="print">
+            <a:extLst>
+              <a:ext uri="{28A0092B-C50C-407E-A947-70E740481C1C}">
+                <a14:useLocalDpi xmlns:a14="http://schemas.microsoft.com/office/drawing/2010/main" val="0"/>
+              </a:ext>
+            </a:extLst>
+          </a:blip>
+          <a:srcRect l="16710" r="16228"/>
+          <a:stretch/>
+        </p:blipFill>
+        <p:spPr bwMode="auto">
+          <a:xfrm>
+            <a:off x="3383926" y="3655733"/>
+            <a:ext cx="325391" cy="254733"/>
+          </a:xfrm>
+          <a:prstGeom prst="rect">
+            <a:avLst/>
+          </a:prstGeom>
+          <a:noFill/>
+          <a:extLst>
+            <a:ext uri="{909E8E84-426E-40DD-AFC4-6F175D3DCCD1}">
+              <a14:hiddenFill xmlns:a14="http://schemas.microsoft.com/office/drawing/2010/main">
+                <a:solidFill>
+                  <a:srgbClr val="FFFFFF"/>
+                </a:solidFill>
+              </a14:hiddenFill>
+            </a:ext>
+          </a:extLst>
+        </p:spPr>
+      </p:pic>
+      <p:grpSp>
+        <p:nvGrpSpPr>
+          <p:cNvPr id="136" name="Grupo 135">
+            <a:extLst>
+              <a:ext uri="{FF2B5EF4-FFF2-40B4-BE49-F238E27FC236}">
+                <a16:creationId xmlns:a16="http://schemas.microsoft.com/office/drawing/2014/main" id="{F4CBCA00-CB71-4570-9AEB-F64DD9A58AD9}"/>
+              </a:ext>
+            </a:extLst>
+          </p:cNvPr>
+          <p:cNvGrpSpPr/>
+          <p:nvPr/>
+        </p:nvGrpSpPr>
+        <p:grpSpPr>
+          <a:xfrm>
+            <a:off x="8683638" y="3539852"/>
+            <a:ext cx="2516185" cy="516731"/>
+            <a:chOff x="7072979" y="480060"/>
+            <a:chExt cx="2066925" cy="516731"/>
+          </a:xfrm>
+          <a:solidFill>
+            <a:schemeClr val="accent1">
+              <a:lumMod val="20000"/>
+              <a:lumOff val="80000"/>
+            </a:schemeClr>
+          </a:solidFill>
+        </p:grpSpPr>
+        <p:sp>
+          <p:nvSpPr>
+            <p:cNvPr id="137" name="Rectángulo: esquinas redondeadas 136">
+              <a:extLst>
+                <a:ext uri="{FF2B5EF4-FFF2-40B4-BE49-F238E27FC236}">
+                  <a16:creationId xmlns:a16="http://schemas.microsoft.com/office/drawing/2014/main" id="{B2913E55-3E55-4171-BF64-F6CBC4FE17DE}"/>
+                </a:ext>
+              </a:extLst>
+            </p:cNvPr>
+            <p:cNvSpPr/>
+            <p:nvPr/>
+          </p:nvSpPr>
+          <p:spPr>
+            <a:xfrm>
+              <a:off x="7072979" y="480060"/>
+              <a:ext cx="2066925" cy="516731"/>
+            </a:xfrm>
+            <a:prstGeom prst="roundRect">
+              <a:avLst>
+                <a:gd name="adj" fmla="val 10000"/>
+              </a:avLst>
+            </a:prstGeom>
+            <a:grpFill/>
+            <a:ln>
+              <a:solidFill>
+                <a:schemeClr val="accent1">
+                  <a:lumMod val="60000"/>
+                  <a:lumOff val="40000"/>
+                </a:schemeClr>
+              </a:solidFill>
+            </a:ln>
+          </p:spPr>
+          <p:style>
+            <a:lnRef idx="0">
+              <a:schemeClr val="lt1">
+                <a:hueOff val="0"/>
+                <a:satOff val="0"/>
+                <a:lumOff val="0"/>
+                <a:alphaOff val="0"/>
+              </a:schemeClr>
+            </a:lnRef>
+            <a:fillRef idx="3">
+              <a:schemeClr val="accent1">
+                <a:hueOff val="0"/>
+                <a:satOff val="0"/>
+                <a:lumOff val="0"/>
+                <a:alphaOff val="0"/>
+              </a:schemeClr>
+            </a:fillRef>
+            <a:effectRef idx="2">
+              <a:schemeClr val="accent1">
+                <a:hueOff val="0"/>
+                <a:satOff val="0"/>
+                <a:lumOff val="0"/>
+                <a:alphaOff val="0"/>
+              </a:schemeClr>
+            </a:effectRef>
+            <a:fontRef idx="minor">
+              <a:schemeClr val="lt1"/>
+            </a:fontRef>
+          </p:style>
+        </p:sp>
+        <p:sp>
+          <p:nvSpPr>
+            <p:cNvPr id="138" name="Rectángulo: esquinas redondeadas 4">
+              <a:extLst>
+                <a:ext uri="{FF2B5EF4-FFF2-40B4-BE49-F238E27FC236}">
+                  <a16:creationId xmlns:a16="http://schemas.microsoft.com/office/drawing/2014/main" id="{EEF0FD4E-972F-472D-9CFA-B80EDE87D818}"/>
+                </a:ext>
+              </a:extLst>
+            </p:cNvPr>
+            <p:cNvSpPr txBox="1"/>
+            <p:nvPr/>
+          </p:nvSpPr>
+          <p:spPr>
+            <a:xfrm>
+              <a:off x="7088710" y="483867"/>
+              <a:ext cx="2035386" cy="486461"/>
+            </a:xfrm>
+            <a:prstGeom prst="rect">
+              <a:avLst/>
+            </a:prstGeom>
+            <a:grpFill/>
+            <a:ln>
+              <a:solidFill>
+                <a:srgbClr val="00B050"/>
+              </a:solidFill>
+            </a:ln>
+          </p:spPr>
+          <p:style>
+            <a:lnRef idx="0">
+              <a:scrgbClr r="0" g="0" b="0"/>
+            </a:lnRef>
+            <a:fillRef idx="0">
+              <a:scrgbClr r="0" g="0" b="0"/>
+            </a:fillRef>
+            <a:effectRef idx="0">
+              <a:scrgbClr r="0" g="0" b="0"/>
+            </a:effectRef>
+            <a:fontRef idx="minor">
+              <a:schemeClr val="lt1"/>
+            </a:fontRef>
+          </p:style>
+          <p:txBody>
+            <a:bodyPr spcFirstLastPara="0" vert="horz" wrap="square" lIns="27940" tIns="27940" rIns="27940" bIns="27940" numCol="1" spcCol="1270" rtlCol="0" anchor="ctr" anchorCtr="0">
+              <a:noAutofit/>
+            </a:bodyPr>
+            <a:lstStyle/>
+            <a:p>
+              <a:pPr marL="0" lvl="0" indent="0" algn="ctr" defTabSz="977900" rtl="0">
+                <a:lnSpc>
+                  <a:spcPct val="90000"/>
+                </a:lnSpc>
+                <a:spcBef>
+                  <a:spcPct val="0"/>
+                </a:spcBef>
+                <a:spcAft>
+                  <a:spcPct val="35000"/>
+                </a:spcAft>
+                <a:buNone/>
+              </a:pPr>
+              <a:endParaRPr lang="es-ES" sz="1600" b="1" kern="1200" noProof="0" dirty="0">
+                <a:solidFill>
+                  <a:schemeClr val="bg2"/>
+                </a:solidFill>
+              </a:endParaRPr>
+            </a:p>
+          </p:txBody>
+        </p:sp>
+      </p:grpSp>
+      <p:pic>
+        <p:nvPicPr>
+          <p:cNvPr id="144" name="Picture 6" descr="Azure Devops Logo Icon - Download in Flat Style">
+            <a:extLst>
+              <a:ext uri="{FF2B5EF4-FFF2-40B4-BE49-F238E27FC236}">
+                <a16:creationId xmlns:a16="http://schemas.microsoft.com/office/drawing/2014/main" id="{3C1C2E42-AA7B-498B-9B02-7558AB1CA154}"/>
+              </a:ext>
+            </a:extLst>
+          </p:cNvPr>
+          <p:cNvPicPr>
+            <a:picLocks noChangeAspect="1" noChangeArrowheads="1"/>
+          </p:cNvPicPr>
+          <p:nvPr/>
+        </p:nvPicPr>
+        <p:blipFill>
+          <a:blip r:embed="rId20" cstate="print">
+            <a:extLst>
+              <a:ext uri="{28A0092B-C50C-407E-A947-70E740481C1C}">
+                <a14:useLocalDpi xmlns:a14="http://schemas.microsoft.com/office/drawing/2010/main" val="0"/>
+              </a:ext>
+            </a:extLst>
+          </a:blip>
+          <a:srcRect/>
+          <a:stretch>
+            <a:fillRect/>
+          </a:stretch>
+        </p:blipFill>
+        <p:spPr bwMode="auto">
+          <a:xfrm>
+            <a:off x="828767" y="5795948"/>
+            <a:ext cx="297645" cy="274908"/>
+          </a:xfrm>
+          <a:prstGeom prst="rect">
+            <a:avLst/>
+          </a:prstGeom>
+          <a:noFill/>
+          <a:extLst>
+            <a:ext uri="{909E8E84-426E-40DD-AFC4-6F175D3DCCD1}">
+              <a14:hiddenFill xmlns:a14="http://schemas.microsoft.com/office/drawing/2010/main">
+                <a:solidFill>
+                  <a:srgbClr val="FFFFFF"/>
+                </a:solidFill>
+              </a14:hiddenFill>
+            </a:ext>
+          </a:extLst>
+        </p:spPr>
+      </p:pic>
+      <p:pic>
+        <p:nvPicPr>
+          <p:cNvPr id="145" name="Picture 6" descr="Azure Devops Logo Icon - Download in Flat Style">
+            <a:extLst>
+              <a:ext uri="{FF2B5EF4-FFF2-40B4-BE49-F238E27FC236}">
+                <a16:creationId xmlns:a16="http://schemas.microsoft.com/office/drawing/2014/main" id="{2DADF532-FBF1-497B-B271-C312195A25E6}"/>
+              </a:ext>
+            </a:extLst>
+          </p:cNvPr>
+          <p:cNvPicPr>
+            <a:picLocks noChangeAspect="1" noChangeArrowheads="1"/>
+          </p:cNvPicPr>
+          <p:nvPr/>
+        </p:nvPicPr>
+        <p:blipFill>
+          <a:blip r:embed="rId21" cstate="print">
+            <a:extLst>
+              <a:ext uri="{28A0092B-C50C-407E-A947-70E740481C1C}">
+                <a14:useLocalDpi xmlns:a14="http://schemas.microsoft.com/office/drawing/2010/main" val="0"/>
+              </a:ext>
+            </a:extLst>
+          </a:blip>
+          <a:srcRect/>
+          <a:stretch>
+            <a:fillRect/>
+          </a:stretch>
+        </p:blipFill>
+        <p:spPr bwMode="auto">
+          <a:xfrm>
+            <a:off x="4151784" y="2208939"/>
+            <a:ext cx="297645" cy="297645"/>
+          </a:xfrm>
+          <a:prstGeom prst="rect">
+            <a:avLst/>
+          </a:prstGeom>
+          <a:noFill/>
+          <a:extLst>
+            <a:ext uri="{909E8E84-426E-40DD-AFC4-6F175D3DCCD1}">
+              <a14:hiddenFill xmlns:a14="http://schemas.microsoft.com/office/drawing/2010/main">
+                <a:solidFill>
+                  <a:srgbClr val="FFFFFF"/>
+                </a:solidFill>
+              </a14:hiddenFill>
+            </a:ext>
+          </a:extLst>
+        </p:spPr>
+      </p:pic>
+      <p:pic>
+        <p:nvPicPr>
+          <p:cNvPr id="1032" name="Picture 8" descr="Στατικές ιστοσελίδες με Azure Blob Storage – AzureHeads">
+            <a:extLst>
+              <a:ext uri="{FF2B5EF4-FFF2-40B4-BE49-F238E27FC236}">
+                <a16:creationId xmlns:a16="http://schemas.microsoft.com/office/drawing/2014/main" id="{11A1FB38-209C-4422-8B2E-1FC262E5E6F0}"/>
+              </a:ext>
+            </a:extLst>
+          </p:cNvPr>
+          <p:cNvPicPr>
+            <a:picLocks noChangeAspect="1" noChangeArrowheads="1"/>
+          </p:cNvPicPr>
+          <p:nvPr/>
+        </p:nvPicPr>
+        <p:blipFill rotWithShape="1">
+          <a:blip r:embed="rId22" cstate="print">
+            <a:extLst>
+              <a:ext uri="{28A0092B-C50C-407E-A947-70E740481C1C}">
+                <a14:useLocalDpi xmlns:a14="http://schemas.microsoft.com/office/drawing/2010/main" val="0"/>
+              </a:ext>
+            </a:extLst>
+          </a:blip>
+          <a:srcRect l="19212" r="19403"/>
+          <a:stretch/>
+        </p:blipFill>
+        <p:spPr bwMode="auto">
+          <a:xfrm>
+            <a:off x="829112" y="6166525"/>
+            <a:ext cx="301357" cy="251988"/>
+          </a:xfrm>
+          <a:prstGeom prst="rect">
+            <a:avLst/>
+          </a:prstGeom>
+          <a:noFill/>
+          <a:extLst>
+            <a:ext uri="{909E8E84-426E-40DD-AFC4-6F175D3DCCD1}">
+              <a14:hiddenFill xmlns:a14="http://schemas.microsoft.com/office/drawing/2010/main">
+                <a:solidFill>
+                  <a:srgbClr val="FFFFFF"/>
+                </a:solidFill>
+              </a14:hiddenFill>
+            </a:ext>
+          </a:extLst>
+        </p:spPr>
+      </p:pic>
+      <p:pic>
+        <p:nvPicPr>
+          <p:cNvPr id="148" name="Picture 8" descr="Στατικές ιστοσελίδες με Azure Blob Storage – AzureHeads">
+            <a:extLst>
+              <a:ext uri="{FF2B5EF4-FFF2-40B4-BE49-F238E27FC236}">
+                <a16:creationId xmlns:a16="http://schemas.microsoft.com/office/drawing/2014/main" id="{E420B349-291C-4A4F-9418-34AF1C741E41}"/>
+              </a:ext>
+            </a:extLst>
+          </p:cNvPr>
+          <p:cNvPicPr>
+            <a:picLocks noChangeAspect="1" noChangeArrowheads="1"/>
+          </p:cNvPicPr>
+          <p:nvPr/>
+        </p:nvPicPr>
+        <p:blipFill rotWithShape="1">
+          <a:blip r:embed="rId23" cstate="print">
+            <a:extLst>
+              <a:ext uri="{28A0092B-C50C-407E-A947-70E740481C1C}">
+                <a14:useLocalDpi xmlns:a14="http://schemas.microsoft.com/office/drawing/2010/main" val="0"/>
+              </a:ext>
+            </a:extLst>
+          </a:blip>
+          <a:srcRect l="19212" r="19403"/>
+          <a:stretch/>
+        </p:blipFill>
+        <p:spPr bwMode="auto">
+          <a:xfrm>
+            <a:off x="3360453" y="4421988"/>
+            <a:ext cx="301357" cy="278030"/>
+          </a:xfrm>
+          <a:prstGeom prst="rect">
+            <a:avLst/>
+          </a:prstGeom>
+          <a:noFill/>
+          <a:extLst>
+            <a:ext uri="{909E8E84-426E-40DD-AFC4-6F175D3DCCD1}">
+              <a14:hiddenFill xmlns:a14="http://schemas.microsoft.com/office/drawing/2010/main">
+                <a:solidFill>
+                  <a:srgbClr val="FFFFFF"/>
+                </a:solidFill>
+              </a14:hiddenFill>
+            </a:ext>
+          </a:extLst>
+        </p:spPr>
+      </p:pic>
+      <p:sp>
+        <p:nvSpPr>
+          <p:cNvPr id="196" name="CuadroTexto 195">
+            <a:extLst>
+              <a:ext uri="{FF2B5EF4-FFF2-40B4-BE49-F238E27FC236}">
+                <a16:creationId xmlns:a16="http://schemas.microsoft.com/office/drawing/2014/main" id="{49AA050C-D99C-45EA-BAB3-F86FD81A2FDE}"/>
+              </a:ext>
+            </a:extLst>
+          </p:cNvPr>
+          <p:cNvSpPr txBox="1"/>
+          <p:nvPr/>
+        </p:nvSpPr>
+        <p:spPr>
+          <a:xfrm>
+            <a:off x="3690076" y="3626136"/>
+            <a:ext cx="554263" cy="341632"/>
+          </a:xfrm>
+          <a:prstGeom prst="rect">
+            <a:avLst/>
+          </a:prstGeom>
+          <a:noFill/>
+        </p:spPr>
+        <p:txBody>
+          <a:bodyPr wrap="square">
+            <a:spAutoFit/>
+          </a:bodyPr>
+          <a:lstStyle/>
+          <a:p>
+            <a:pPr marL="0" lvl="0" indent="0" algn="ctr" defTabSz="977900" rtl="0">
+              <a:lnSpc>
+                <a:spcPct val="90000"/>
+              </a:lnSpc>
+              <a:spcBef>
+                <a:spcPct val="0"/>
+              </a:spcBef>
+              <a:spcAft>
+                <a:spcPct val="35000"/>
+              </a:spcAft>
+              <a:buNone/>
+            </a:pPr>
+            <a:r>
+              <a:rPr lang="es-ES" sz="1800" b="1" kern="1200" noProof="0" dirty="0">
+                <a:solidFill>
+                  <a:schemeClr val="bg2"/>
+                </a:solidFill>
+              </a:rPr>
+              <a:t>* 3.</a:t>
+            </a:r>
+          </a:p>
+        </p:txBody>
+      </p:sp>
+      <p:sp>
+        <p:nvSpPr>
+          <p:cNvPr id="197" name="CuadroTexto 196">
+            <a:extLst>
+              <a:ext uri="{FF2B5EF4-FFF2-40B4-BE49-F238E27FC236}">
+                <a16:creationId xmlns:a16="http://schemas.microsoft.com/office/drawing/2014/main" id="{690FF7A7-7E22-4E18-B2F1-D67F6A59E71C}"/>
+              </a:ext>
+            </a:extLst>
+          </p:cNvPr>
+          <p:cNvSpPr txBox="1"/>
+          <p:nvPr/>
+        </p:nvSpPr>
+        <p:spPr>
+          <a:xfrm>
+            <a:off x="5073782" y="3626136"/>
+            <a:ext cx="751376" cy="341632"/>
+          </a:xfrm>
+          <a:prstGeom prst="rect">
+            <a:avLst/>
+          </a:prstGeom>
+          <a:noFill/>
+        </p:spPr>
+        <p:txBody>
+          <a:bodyPr wrap="square">
+            <a:spAutoFit/>
+          </a:bodyPr>
+          <a:lstStyle/>
+          <a:p>
+            <a:pPr marL="0" lvl="0" indent="0" algn="ctr" defTabSz="977900" rtl="0">
+              <a:lnSpc>
+                <a:spcPct val="90000"/>
+              </a:lnSpc>
+              <a:spcBef>
+                <a:spcPct val="0"/>
+              </a:spcBef>
+              <a:spcAft>
+                <a:spcPct val="35000"/>
+              </a:spcAft>
+              <a:buNone/>
+            </a:pPr>
+            <a:r>
+              <a:rPr lang="es-ES" sz="1800" b="1" kern="1200" noProof="0" dirty="0">
+                <a:solidFill>
+                  <a:schemeClr val="bg2"/>
+                </a:solidFill>
+              </a:rPr>
+              <a:t>&gt; 140.</a:t>
+            </a:r>
+          </a:p>
+        </p:txBody>
+      </p:sp>
+      <p:pic>
+        <p:nvPicPr>
+          <p:cNvPr id="207" name="Picture 22" descr="Collection of Excel Logo PNG. | PlusPNG">
+            <a:extLst>
+              <a:ext uri="{FF2B5EF4-FFF2-40B4-BE49-F238E27FC236}">
+                <a16:creationId xmlns:a16="http://schemas.microsoft.com/office/drawing/2014/main" id="{4C3FC192-15E6-4B48-AD00-7FFFAC17F7AA}"/>
+              </a:ext>
+            </a:extLst>
+          </p:cNvPr>
+          <p:cNvPicPr>
+            <a:picLocks noChangeAspect="1" noChangeArrowheads="1"/>
+          </p:cNvPicPr>
+          <p:nvPr/>
+        </p:nvPicPr>
+        <p:blipFill rotWithShape="1">
+          <a:blip r:embed="rId9" cstate="print">
+            <a:extLst>
+              <a:ext uri="{28A0092B-C50C-407E-A947-70E740481C1C}">
+                <a14:useLocalDpi xmlns:a14="http://schemas.microsoft.com/office/drawing/2010/main" val="0"/>
+              </a:ext>
+            </a:extLst>
+          </a:blip>
+          <a:srcRect l="26594" t="17825" r="26272" b="17281"/>
+          <a:stretch/>
+        </p:blipFill>
+        <p:spPr bwMode="auto">
+          <a:xfrm>
+            <a:off x="10103129" y="3615356"/>
+            <a:ext cx="308115" cy="282808"/>
+          </a:xfrm>
+          <a:prstGeom prst="rect">
+            <a:avLst/>
+          </a:prstGeom>
+          <a:solidFill>
+            <a:schemeClr val="accent1">
+              <a:lumMod val="20000"/>
+              <a:lumOff val="80000"/>
+            </a:schemeClr>
+          </a:solidFill>
+        </p:spPr>
+      </p:pic>
+      <p:pic>
+        <p:nvPicPr>
+          <p:cNvPr id="208" name="Picture 28" descr="SharePoint Basis - Westhaghe Training &amp; Advies">
+            <a:extLst>
+              <a:ext uri="{FF2B5EF4-FFF2-40B4-BE49-F238E27FC236}">
+                <a16:creationId xmlns:a16="http://schemas.microsoft.com/office/drawing/2014/main" id="{75EC4E8D-6FA5-4EFF-93C5-B2BFCD559A8E}"/>
+              </a:ext>
+            </a:extLst>
+          </p:cNvPr>
+          <p:cNvPicPr>
+            <a:picLocks noChangeAspect="1" noChangeArrowheads="1"/>
+          </p:cNvPicPr>
+          <p:nvPr/>
+        </p:nvPicPr>
+        <p:blipFill>
+          <a:blip r:embed="rId15" cstate="print">
+            <a:extLst>
+              <a:ext uri="{28A0092B-C50C-407E-A947-70E740481C1C}">
+                <a14:useLocalDpi xmlns:a14="http://schemas.microsoft.com/office/drawing/2010/main" val="0"/>
+              </a:ext>
+            </a:extLst>
+          </a:blip>
+          <a:srcRect/>
+          <a:stretch>
+            <a:fillRect/>
+          </a:stretch>
+        </p:blipFill>
+        <p:spPr bwMode="auto">
+          <a:xfrm>
+            <a:off x="9671697" y="3615356"/>
+            <a:ext cx="289273" cy="282808"/>
+          </a:xfrm>
+          <a:prstGeom prst="rect">
+            <a:avLst/>
+          </a:prstGeom>
+          <a:solidFill>
+            <a:schemeClr val="accent1">
+              <a:lumMod val="20000"/>
+              <a:lumOff val="80000"/>
+            </a:schemeClr>
+          </a:solidFill>
+        </p:spPr>
+      </p:pic>
+      <p:pic>
+        <p:nvPicPr>
+          <p:cNvPr id="212" name="Picture 4" descr="Logik-App-Dienst | Microsoft Azure">
+            <a:extLst>
+              <a:ext uri="{FF2B5EF4-FFF2-40B4-BE49-F238E27FC236}">
+                <a16:creationId xmlns:a16="http://schemas.microsoft.com/office/drawing/2014/main" id="{F434E1F8-AA80-4AF8-8608-059CDDCFADB0}"/>
+              </a:ext>
+            </a:extLst>
+          </p:cNvPr>
+          <p:cNvPicPr>
+            <a:picLocks noChangeAspect="1" noChangeArrowheads="1"/>
+          </p:cNvPicPr>
+          <p:nvPr/>
+        </p:nvPicPr>
+        <p:blipFill rotWithShape="1">
+          <a:blip r:embed="rId19" cstate="print">
+            <a:extLst>
+              <a:ext uri="{28A0092B-C50C-407E-A947-70E740481C1C}">
+                <a14:useLocalDpi xmlns:a14="http://schemas.microsoft.com/office/drawing/2010/main" val="0"/>
+              </a:ext>
+            </a:extLst>
+          </a:blip>
+          <a:srcRect l="16710" r="16228"/>
+          <a:stretch/>
+        </p:blipFill>
+        <p:spPr bwMode="auto">
+          <a:xfrm>
+            <a:off x="8758743" y="3643313"/>
+            <a:ext cx="325391" cy="254733"/>
+          </a:xfrm>
+          <a:prstGeom prst="rect">
+            <a:avLst/>
+          </a:prstGeom>
+          <a:solidFill>
+            <a:schemeClr val="accent1">
+              <a:lumMod val="20000"/>
+              <a:lumOff val="80000"/>
+            </a:schemeClr>
+          </a:solidFill>
+        </p:spPr>
+      </p:pic>
+      <p:sp>
+        <p:nvSpPr>
+          <p:cNvPr id="213" name="CuadroTexto 212">
+            <a:extLst>
+              <a:ext uri="{FF2B5EF4-FFF2-40B4-BE49-F238E27FC236}">
+                <a16:creationId xmlns:a16="http://schemas.microsoft.com/office/drawing/2014/main" id="{2DCE152C-7E66-410E-A079-60529B8EBBF6}"/>
+              </a:ext>
+            </a:extLst>
+          </p:cNvPr>
+          <p:cNvSpPr txBox="1"/>
+          <p:nvPr/>
+        </p:nvSpPr>
+        <p:spPr>
+          <a:xfrm>
+            <a:off x="9064893" y="3613716"/>
+            <a:ext cx="554263" cy="341632"/>
+          </a:xfrm>
+          <a:prstGeom prst="rect">
+            <a:avLst/>
+          </a:prstGeom>
+          <a:solidFill>
+            <a:schemeClr val="accent1">
+              <a:lumMod val="20000"/>
+              <a:lumOff val="80000"/>
+            </a:schemeClr>
+          </a:solidFill>
+        </p:spPr>
+        <p:txBody>
+          <a:bodyPr wrap="square">
+            <a:spAutoFit/>
+          </a:bodyPr>
+          <a:lstStyle/>
+          <a:p>
+            <a:pPr marL="0" lvl="0" indent="0" algn="ctr" defTabSz="977900" rtl="0">
+              <a:lnSpc>
+                <a:spcPct val="90000"/>
+              </a:lnSpc>
+              <a:spcBef>
+                <a:spcPct val="0"/>
+              </a:spcBef>
+              <a:spcAft>
+                <a:spcPct val="35000"/>
+              </a:spcAft>
+              <a:buNone/>
+            </a:pPr>
+            <a:r>
+              <a:rPr lang="es-ES" sz="1800" b="1" kern="1200" noProof="0" dirty="0">
+                <a:solidFill>
+                  <a:schemeClr val="bg2"/>
+                </a:solidFill>
+              </a:rPr>
+              <a:t>* 3.</a:t>
+            </a:r>
+          </a:p>
+        </p:txBody>
+      </p:sp>
+      <p:sp>
+        <p:nvSpPr>
+          <p:cNvPr id="214" name="CuadroTexto 213">
+            <a:extLst>
+              <a:ext uri="{FF2B5EF4-FFF2-40B4-BE49-F238E27FC236}">
+                <a16:creationId xmlns:a16="http://schemas.microsoft.com/office/drawing/2014/main" id="{5CEE18A0-C35B-4CF3-BCD6-2CA0C9836AF1}"/>
+              </a:ext>
+            </a:extLst>
+          </p:cNvPr>
+          <p:cNvSpPr txBox="1"/>
+          <p:nvPr/>
+        </p:nvSpPr>
+        <p:spPr>
+          <a:xfrm>
+            <a:off x="10448599" y="3613716"/>
+            <a:ext cx="751376" cy="341632"/>
+          </a:xfrm>
+          <a:prstGeom prst="rect">
+            <a:avLst/>
+          </a:prstGeom>
+          <a:solidFill>
+            <a:schemeClr val="accent1">
+              <a:lumMod val="20000"/>
+              <a:lumOff val="80000"/>
+            </a:schemeClr>
+          </a:solidFill>
+        </p:spPr>
+        <p:txBody>
+          <a:bodyPr wrap="square">
+            <a:spAutoFit/>
+          </a:bodyPr>
+          <a:lstStyle/>
+          <a:p>
+            <a:pPr marL="0" lvl="0" indent="0" algn="ctr" defTabSz="977900" rtl="0">
+              <a:lnSpc>
+                <a:spcPct val="90000"/>
+              </a:lnSpc>
+              <a:spcBef>
+                <a:spcPct val="0"/>
+              </a:spcBef>
+              <a:spcAft>
+                <a:spcPct val="35000"/>
+              </a:spcAft>
+              <a:buNone/>
+            </a:pPr>
+            <a:r>
+              <a:rPr lang="es-ES" sz="1800" b="1" kern="1200" noProof="0" dirty="0">
+                <a:solidFill>
+                  <a:schemeClr val="bg2"/>
+                </a:solidFill>
+              </a:rPr>
+              <a:t>&gt; 140.</a:t>
+            </a:r>
+          </a:p>
+        </p:txBody>
+      </p:sp>
+      <p:sp>
+        <p:nvSpPr>
+          <p:cNvPr id="228" name="CuadroTexto 227">
+            <a:extLst>
+              <a:ext uri="{FF2B5EF4-FFF2-40B4-BE49-F238E27FC236}">
+                <a16:creationId xmlns:a16="http://schemas.microsoft.com/office/drawing/2014/main" id="{6BB76FCE-32C0-4BDB-AB44-1DCB7102AC68}"/>
+              </a:ext>
+            </a:extLst>
+          </p:cNvPr>
+          <p:cNvSpPr txBox="1"/>
+          <p:nvPr/>
+        </p:nvSpPr>
+        <p:spPr>
+          <a:xfrm>
+            <a:off x="4522371" y="4432648"/>
+            <a:ext cx="513797" cy="341632"/>
+          </a:xfrm>
+          <a:prstGeom prst="rect">
+            <a:avLst/>
+          </a:prstGeom>
+          <a:noFill/>
+        </p:spPr>
+        <p:txBody>
+          <a:bodyPr wrap="square">
+            <a:spAutoFit/>
+          </a:bodyPr>
+          <a:lstStyle/>
+          <a:p>
+            <a:pPr marL="0" lvl="0" indent="0" algn="ctr" defTabSz="977900" rtl="0">
+              <a:lnSpc>
+                <a:spcPct val="90000"/>
+              </a:lnSpc>
+              <a:spcBef>
+                <a:spcPct val="0"/>
+              </a:spcBef>
+              <a:spcAft>
+                <a:spcPct val="35000"/>
+              </a:spcAft>
+              <a:buNone/>
+            </a:pPr>
+            <a:r>
+              <a:rPr lang="es-ES" b="1" dirty="0">
+                <a:solidFill>
+                  <a:schemeClr val="bg2"/>
+                </a:solidFill>
+              </a:rPr>
+              <a:t>* 5</a:t>
+            </a:r>
+            <a:r>
+              <a:rPr lang="es-ES" sz="1800" b="1" kern="1200" noProof="0" dirty="0">
+                <a:solidFill>
+                  <a:schemeClr val="bg2"/>
+                </a:solidFill>
+              </a:rPr>
+              <a:t>.</a:t>
+            </a:r>
+          </a:p>
+        </p:txBody>
+      </p:sp>
+      <p:sp>
+        <p:nvSpPr>
+          <p:cNvPr id="281" name="CuadroTexto 280">
+            <a:extLst>
+              <a:ext uri="{FF2B5EF4-FFF2-40B4-BE49-F238E27FC236}">
+                <a16:creationId xmlns:a16="http://schemas.microsoft.com/office/drawing/2014/main" id="{DE55BFE7-BEAE-4918-8356-E356E2735EDE}"/>
+              </a:ext>
+            </a:extLst>
+          </p:cNvPr>
+          <p:cNvSpPr txBox="1"/>
+          <p:nvPr/>
+        </p:nvSpPr>
+        <p:spPr>
+          <a:xfrm>
+            <a:off x="4569188" y="2203608"/>
+            <a:ext cx="513797" cy="341632"/>
+          </a:xfrm>
+          <a:prstGeom prst="rect">
+            <a:avLst/>
+          </a:prstGeom>
+          <a:noFill/>
+        </p:spPr>
+        <p:txBody>
+          <a:bodyPr wrap="square">
+            <a:spAutoFit/>
+          </a:bodyPr>
+          <a:lstStyle/>
+          <a:p>
+            <a:pPr marL="0" lvl="0" indent="0" algn="ctr" defTabSz="977900" rtl="0">
+              <a:lnSpc>
+                <a:spcPct val="90000"/>
+              </a:lnSpc>
+              <a:spcBef>
+                <a:spcPct val="0"/>
+              </a:spcBef>
+              <a:spcAft>
+                <a:spcPct val="35000"/>
+              </a:spcAft>
+              <a:buNone/>
+            </a:pPr>
+            <a:r>
+              <a:rPr lang="es-ES" b="1" dirty="0">
+                <a:solidFill>
+                  <a:schemeClr val="bg2"/>
+                </a:solidFill>
+              </a:rPr>
+              <a:t>* 1</a:t>
+            </a:r>
+            <a:r>
+              <a:rPr lang="es-ES" sz="1800" b="1" kern="1200" noProof="0" dirty="0">
+                <a:solidFill>
+                  <a:schemeClr val="bg2"/>
+                </a:solidFill>
+              </a:rPr>
+              <a:t>.</a:t>
+            </a:r>
+          </a:p>
+        </p:txBody>
+      </p:sp>
+      <p:pic>
+        <p:nvPicPr>
+          <p:cNvPr id="282" name="Picture 6" descr="Azure Devops Logo Icon - Download in Flat Style">
+            <a:extLst>
+              <a:ext uri="{FF2B5EF4-FFF2-40B4-BE49-F238E27FC236}">
+                <a16:creationId xmlns:a16="http://schemas.microsoft.com/office/drawing/2014/main" id="{61B7A244-404F-4BFA-95B7-7AB5BD3AA301}"/>
+              </a:ext>
+            </a:extLst>
+          </p:cNvPr>
+          <p:cNvPicPr>
+            <a:picLocks noChangeAspect="1" noChangeArrowheads="1"/>
+          </p:cNvPicPr>
+          <p:nvPr/>
+        </p:nvPicPr>
+        <p:blipFill>
+          <a:blip r:embed="rId21" cstate="print">
+            <a:extLst>
+              <a:ext uri="{28A0092B-C50C-407E-A947-70E740481C1C}">
+                <a14:useLocalDpi xmlns:a14="http://schemas.microsoft.com/office/drawing/2010/main" val="0"/>
+              </a:ext>
+            </a:extLst>
+          </a:blip>
+          <a:srcRect/>
+          <a:stretch>
+            <a:fillRect/>
+          </a:stretch>
+        </p:blipFill>
+        <p:spPr bwMode="auto">
+          <a:xfrm>
+            <a:off x="9480043" y="2194124"/>
+            <a:ext cx="297645" cy="297645"/>
+          </a:xfrm>
+          <a:prstGeom prst="rect">
+            <a:avLst/>
+          </a:prstGeom>
+          <a:solidFill>
+            <a:schemeClr val="accent1">
+              <a:lumMod val="20000"/>
+              <a:lumOff val="80000"/>
+            </a:schemeClr>
+          </a:solidFill>
+        </p:spPr>
+      </p:pic>
+      <p:sp>
+        <p:nvSpPr>
+          <p:cNvPr id="283" name="CuadroTexto 282">
+            <a:extLst>
+              <a:ext uri="{FF2B5EF4-FFF2-40B4-BE49-F238E27FC236}">
+                <a16:creationId xmlns:a16="http://schemas.microsoft.com/office/drawing/2014/main" id="{5044D3D2-1A9E-4EA4-8DFC-1A57F53F70E8}"/>
+              </a:ext>
+            </a:extLst>
+          </p:cNvPr>
+          <p:cNvSpPr txBox="1"/>
+          <p:nvPr/>
+        </p:nvSpPr>
+        <p:spPr>
+          <a:xfrm>
+            <a:off x="9897447" y="2188793"/>
+            <a:ext cx="513797" cy="341632"/>
+          </a:xfrm>
+          <a:prstGeom prst="rect">
+            <a:avLst/>
+          </a:prstGeom>
+          <a:solidFill>
+            <a:schemeClr val="accent1">
+              <a:lumMod val="20000"/>
+              <a:lumOff val="80000"/>
+            </a:schemeClr>
+          </a:solidFill>
+        </p:spPr>
+        <p:txBody>
+          <a:bodyPr wrap="square">
+            <a:spAutoFit/>
+          </a:bodyPr>
+          <a:lstStyle/>
+          <a:p>
+            <a:pPr marL="0" lvl="0" indent="0" algn="ctr" defTabSz="977900" rtl="0">
+              <a:lnSpc>
+                <a:spcPct val="90000"/>
+              </a:lnSpc>
+              <a:spcBef>
+                <a:spcPct val="0"/>
+              </a:spcBef>
+              <a:spcAft>
+                <a:spcPct val="35000"/>
+              </a:spcAft>
+              <a:buNone/>
+            </a:pPr>
+            <a:r>
+              <a:rPr lang="es-ES" b="1" dirty="0">
+                <a:solidFill>
+                  <a:schemeClr val="bg2"/>
+                </a:solidFill>
+              </a:rPr>
+              <a:t>* 3</a:t>
+            </a:r>
+            <a:r>
+              <a:rPr lang="es-ES" sz="1800" b="1" kern="1200" noProof="0" dirty="0">
+                <a:solidFill>
+                  <a:schemeClr val="bg2"/>
+                </a:solidFill>
+              </a:rPr>
+              <a:t>.</a:t>
+            </a:r>
+          </a:p>
+        </p:txBody>
+      </p:sp>
+      <p:pic>
+        <p:nvPicPr>
+          <p:cNvPr id="6" name="Picture 20">
+            <a:extLst>
+              <a:ext uri="{FF2B5EF4-FFF2-40B4-BE49-F238E27FC236}">
+                <a16:creationId xmlns:a16="http://schemas.microsoft.com/office/drawing/2014/main" id="{AA2CF57B-4B3C-40D3-BFD8-151E7177833F}"/>
+              </a:ext>
+            </a:extLst>
+          </p:cNvPr>
+          <p:cNvPicPr>
+            <a:picLocks noChangeAspect="1" noChangeArrowheads="1"/>
+          </p:cNvPicPr>
+          <p:nvPr/>
+        </p:nvPicPr>
+        <p:blipFill>
+          <a:blip r:embed="rId24" cstate="print">
+            <a:extLst>
+              <a:ext uri="{28A0092B-C50C-407E-A947-70E740481C1C}">
+                <a14:useLocalDpi xmlns:a14="http://schemas.microsoft.com/office/drawing/2010/main" val="0"/>
+              </a:ext>
+            </a:extLst>
+          </a:blip>
+          <a:srcRect/>
+          <a:stretch>
+            <a:fillRect/>
+          </a:stretch>
+        </p:blipFill>
+        <p:spPr bwMode="auto">
+          <a:xfrm>
+            <a:off x="854868" y="1572865"/>
+            <a:ext cx="339542" cy="298262"/>
+          </a:xfrm>
+          <a:prstGeom prst="rect">
+            <a:avLst/>
+          </a:prstGeom>
+          <a:noFill/>
+          <a:extLst>
+            <a:ext uri="{909E8E84-426E-40DD-AFC4-6F175D3DCCD1}">
+              <a14:hiddenFill xmlns:a14="http://schemas.microsoft.com/office/drawing/2010/main">
+                <a:solidFill>
+                  <a:srgbClr val="FFFFFF"/>
+                </a:solidFill>
+              </a14:hiddenFill>
+            </a:ext>
+          </a:extLst>
+        </p:spPr>
+      </p:pic>
+      <p:pic>
+        <p:nvPicPr>
+          <p:cNvPr id="284" name="Picture 20">
+            <a:extLst>
+              <a:ext uri="{FF2B5EF4-FFF2-40B4-BE49-F238E27FC236}">
+                <a16:creationId xmlns:a16="http://schemas.microsoft.com/office/drawing/2014/main" id="{6A08E4C9-BE0D-4507-A2EA-6BCDC79BE742}"/>
+              </a:ext>
+            </a:extLst>
+          </p:cNvPr>
+          <p:cNvPicPr>
+            <a:picLocks noChangeAspect="1" noChangeArrowheads="1"/>
+          </p:cNvPicPr>
+          <p:nvPr/>
+        </p:nvPicPr>
+        <p:blipFill>
+          <a:blip r:embed="rId24" cstate="print">
+            <a:extLst>
+              <a:ext uri="{28A0092B-C50C-407E-A947-70E740481C1C}">
+                <a14:useLocalDpi xmlns:a14="http://schemas.microsoft.com/office/drawing/2010/main" val="0"/>
+              </a:ext>
+            </a:extLst>
+          </a:blip>
+          <a:srcRect/>
+          <a:stretch>
+            <a:fillRect/>
+          </a:stretch>
+        </p:blipFill>
+        <p:spPr bwMode="auto">
+          <a:xfrm>
+            <a:off x="5319855" y="4457200"/>
+            <a:ext cx="310183" cy="265512"/>
+          </a:xfrm>
+          <a:prstGeom prst="rect">
+            <a:avLst/>
+          </a:prstGeom>
+          <a:noFill/>
+          <a:extLst>
+            <a:ext uri="{909E8E84-426E-40DD-AFC4-6F175D3DCCD1}">
+              <a14:hiddenFill xmlns:a14="http://schemas.microsoft.com/office/drawing/2010/main">
+                <a:solidFill>
+                  <a:srgbClr val="FFFFFF"/>
+                </a:solidFill>
+              </a14:hiddenFill>
+            </a:ext>
+          </a:extLst>
+        </p:spPr>
+      </p:pic>
+      <p:sp>
+        <p:nvSpPr>
+          <p:cNvPr id="286" name="CuadroTexto 285">
+            <a:extLst>
+              <a:ext uri="{FF2B5EF4-FFF2-40B4-BE49-F238E27FC236}">
+                <a16:creationId xmlns:a16="http://schemas.microsoft.com/office/drawing/2014/main" id="{1350F5F0-1B19-4508-9795-1A67DABB1600}"/>
+              </a:ext>
+            </a:extLst>
+          </p:cNvPr>
+          <p:cNvSpPr txBox="1"/>
+          <p:nvPr/>
+        </p:nvSpPr>
+        <p:spPr>
+          <a:xfrm>
+            <a:off x="5546276" y="4464884"/>
+            <a:ext cx="604230" cy="341632"/>
+          </a:xfrm>
+          <a:prstGeom prst="rect">
+            <a:avLst/>
+          </a:prstGeom>
+          <a:noFill/>
+        </p:spPr>
+        <p:txBody>
+          <a:bodyPr wrap="square">
+            <a:spAutoFit/>
+          </a:bodyPr>
+          <a:lstStyle/>
+          <a:p>
+            <a:pPr marL="0" lvl="0" indent="0" algn="ctr" defTabSz="977900" rtl="0">
+              <a:lnSpc>
+                <a:spcPct val="90000"/>
+              </a:lnSpc>
+              <a:spcBef>
+                <a:spcPct val="0"/>
+              </a:spcBef>
+              <a:spcAft>
+                <a:spcPct val="35000"/>
+              </a:spcAft>
+              <a:buNone/>
+            </a:pPr>
+            <a:r>
+              <a:rPr lang="es-ES" b="1" dirty="0">
+                <a:solidFill>
+                  <a:schemeClr val="bg2"/>
+                </a:solidFill>
+              </a:rPr>
+              <a:t>* 14</a:t>
+            </a:r>
+            <a:r>
+              <a:rPr lang="es-ES" sz="1800" b="1" kern="1200" noProof="0" dirty="0">
+                <a:solidFill>
+                  <a:schemeClr val="bg2"/>
+                </a:solidFill>
+              </a:rPr>
+              <a:t>.</a:t>
+            </a:r>
+          </a:p>
+        </p:txBody>
+      </p:sp>
+      <p:grpSp>
+        <p:nvGrpSpPr>
+          <p:cNvPr id="287" name="Grupo 286">
+            <a:extLst>
+              <a:ext uri="{FF2B5EF4-FFF2-40B4-BE49-F238E27FC236}">
+                <a16:creationId xmlns:a16="http://schemas.microsoft.com/office/drawing/2014/main" id="{CDCC104E-0342-48EF-B2A6-D13ECECAA5B1}"/>
+              </a:ext>
+            </a:extLst>
+          </p:cNvPr>
+          <p:cNvGrpSpPr/>
+          <p:nvPr/>
+        </p:nvGrpSpPr>
+        <p:grpSpPr>
+          <a:xfrm>
+            <a:off x="2873526" y="5070351"/>
+            <a:ext cx="3347647" cy="516731"/>
+            <a:chOff x="7072979" y="480060"/>
+            <a:chExt cx="2066925" cy="516731"/>
+          </a:xfrm>
+          <a:solidFill>
+            <a:schemeClr val="accent5">
+              <a:lumMod val="40000"/>
+              <a:lumOff val="60000"/>
+            </a:schemeClr>
+          </a:solidFill>
+        </p:grpSpPr>
+        <p:sp>
+          <p:nvSpPr>
+            <p:cNvPr id="293" name="Rectángulo: esquinas redondeadas 292">
+              <a:extLst>
+                <a:ext uri="{FF2B5EF4-FFF2-40B4-BE49-F238E27FC236}">
+                  <a16:creationId xmlns:a16="http://schemas.microsoft.com/office/drawing/2014/main" id="{03E3BA8E-BDC6-4336-9332-53DC60C00306}"/>
+                </a:ext>
+              </a:extLst>
+            </p:cNvPr>
+            <p:cNvSpPr/>
+            <p:nvPr/>
+          </p:nvSpPr>
+          <p:spPr>
+            <a:xfrm>
+              <a:off x="7072979" y="480060"/>
+              <a:ext cx="2066925" cy="516731"/>
+            </a:xfrm>
+            <a:prstGeom prst="roundRect">
+              <a:avLst>
+                <a:gd name="adj" fmla="val 10000"/>
+              </a:avLst>
+            </a:prstGeom>
+            <a:solidFill>
+              <a:srgbClr val="FF0000"/>
+            </a:solidFill>
+            <a:ln>
+              <a:solidFill>
+                <a:schemeClr val="accent5">
+                  <a:lumMod val="60000"/>
+                  <a:lumOff val="40000"/>
+                </a:schemeClr>
+              </a:solidFill>
+            </a:ln>
+          </p:spPr>
+          <p:style>
+            <a:lnRef idx="0">
+              <a:schemeClr val="lt1">
+                <a:hueOff val="0"/>
+                <a:satOff val="0"/>
+                <a:lumOff val="0"/>
+                <a:alphaOff val="0"/>
+              </a:schemeClr>
+            </a:lnRef>
+            <a:fillRef idx="3">
+              <a:schemeClr val="accent1">
+                <a:hueOff val="0"/>
+                <a:satOff val="0"/>
+                <a:lumOff val="0"/>
+                <a:alphaOff val="0"/>
+              </a:schemeClr>
+            </a:fillRef>
+            <a:effectRef idx="2">
+              <a:schemeClr val="accent1">
+                <a:hueOff val="0"/>
+                <a:satOff val="0"/>
+                <a:lumOff val="0"/>
+                <a:alphaOff val="0"/>
+              </a:schemeClr>
+            </a:effectRef>
+            <a:fontRef idx="minor">
+              <a:schemeClr val="lt1"/>
+            </a:fontRef>
+          </p:style>
+        </p:sp>
+        <p:sp>
+          <p:nvSpPr>
+            <p:cNvPr id="294" name="Rectángulo: esquinas redondeadas 4">
+              <a:extLst>
+                <a:ext uri="{FF2B5EF4-FFF2-40B4-BE49-F238E27FC236}">
+                  <a16:creationId xmlns:a16="http://schemas.microsoft.com/office/drawing/2014/main" id="{E7847BCA-2FAC-4E79-9068-37AC131078E0}"/>
+                </a:ext>
+              </a:extLst>
+            </p:cNvPr>
+            <p:cNvSpPr txBox="1"/>
+            <p:nvPr/>
+          </p:nvSpPr>
+          <p:spPr>
+            <a:xfrm>
+              <a:off x="7087441" y="483867"/>
+              <a:ext cx="2036655" cy="486461"/>
+            </a:xfrm>
+            <a:prstGeom prst="rect">
+              <a:avLst/>
+            </a:prstGeom>
+            <a:grpFill/>
+            <a:ln>
+              <a:solidFill>
+                <a:srgbClr val="FF0000"/>
+              </a:solidFill>
+            </a:ln>
+          </p:spPr>
+          <p:style>
+            <a:lnRef idx="0">
+              <a:scrgbClr r="0" g="0" b="0"/>
+            </a:lnRef>
+            <a:fillRef idx="0">
+              <a:scrgbClr r="0" g="0" b="0"/>
+            </a:fillRef>
+            <a:effectRef idx="0">
+              <a:scrgbClr r="0" g="0" b="0"/>
+            </a:effectRef>
+            <a:fontRef idx="minor">
+              <a:schemeClr val="lt1"/>
+            </a:fontRef>
+          </p:style>
+          <p:txBody>
+            <a:bodyPr spcFirstLastPara="0" vert="horz" wrap="square" lIns="27940" tIns="27940" rIns="27940" bIns="27940" numCol="1" spcCol="1270" rtlCol="0" anchor="ctr" anchorCtr="0">
+              <a:noAutofit/>
+            </a:bodyPr>
+            <a:lstStyle/>
+            <a:p>
+              <a:pPr marL="0" lvl="0" indent="0" algn="ctr" defTabSz="977900" rtl="0">
+                <a:lnSpc>
+                  <a:spcPct val="90000"/>
+                </a:lnSpc>
+                <a:spcBef>
+                  <a:spcPct val="0"/>
+                </a:spcBef>
+                <a:spcAft>
+                  <a:spcPct val="35000"/>
+                </a:spcAft>
+                <a:buNone/>
+              </a:pPr>
+              <a:endParaRPr lang="es-ES" sz="1600" b="1" kern="1200" noProof="0" dirty="0">
+                <a:solidFill>
+                  <a:schemeClr val="bg2"/>
+                </a:solidFill>
+              </a:endParaRPr>
+            </a:p>
+          </p:txBody>
+        </p:sp>
+      </p:grpSp>
+      <p:grpSp>
+        <p:nvGrpSpPr>
+          <p:cNvPr id="295" name="Grupo 294">
+            <a:extLst>
+              <a:ext uri="{FF2B5EF4-FFF2-40B4-BE49-F238E27FC236}">
+                <a16:creationId xmlns:a16="http://schemas.microsoft.com/office/drawing/2014/main" id="{5CCFBF25-2F4B-43F2-A9B2-12D906A76CD1}"/>
+              </a:ext>
+            </a:extLst>
+          </p:cNvPr>
+          <p:cNvGrpSpPr/>
+          <p:nvPr/>
+        </p:nvGrpSpPr>
+        <p:grpSpPr>
+          <a:xfrm>
+            <a:off x="2872435" y="5773701"/>
+            <a:ext cx="3347647" cy="516731"/>
+            <a:chOff x="7072979" y="480060"/>
+            <a:chExt cx="2066925" cy="516731"/>
+          </a:xfrm>
+          <a:solidFill>
+            <a:schemeClr val="accent5">
+              <a:lumMod val="40000"/>
+              <a:lumOff val="60000"/>
+            </a:schemeClr>
+          </a:solidFill>
+        </p:grpSpPr>
+        <p:sp>
+          <p:nvSpPr>
+            <p:cNvPr id="296" name="Rectángulo: esquinas redondeadas 295">
+              <a:extLst>
+                <a:ext uri="{FF2B5EF4-FFF2-40B4-BE49-F238E27FC236}">
+                  <a16:creationId xmlns:a16="http://schemas.microsoft.com/office/drawing/2014/main" id="{AC5914CA-60D7-46EA-B4FB-9500DED33E66}"/>
+                </a:ext>
+              </a:extLst>
+            </p:cNvPr>
+            <p:cNvSpPr/>
+            <p:nvPr/>
+          </p:nvSpPr>
+          <p:spPr>
+            <a:xfrm>
+              <a:off x="7072979" y="480060"/>
+              <a:ext cx="2066925" cy="516731"/>
+            </a:xfrm>
+            <a:prstGeom prst="roundRect">
+              <a:avLst>
+                <a:gd name="adj" fmla="val 10000"/>
+              </a:avLst>
+            </a:prstGeom>
+            <a:solidFill>
+              <a:srgbClr val="FF0000"/>
+            </a:solidFill>
+            <a:ln>
+              <a:solidFill>
+                <a:schemeClr val="accent5">
+                  <a:lumMod val="60000"/>
+                  <a:lumOff val="40000"/>
+                </a:schemeClr>
+              </a:solidFill>
+            </a:ln>
+          </p:spPr>
+          <p:style>
+            <a:lnRef idx="0">
+              <a:schemeClr val="lt1">
+                <a:hueOff val="0"/>
+                <a:satOff val="0"/>
+                <a:lumOff val="0"/>
+                <a:alphaOff val="0"/>
+              </a:schemeClr>
+            </a:lnRef>
+            <a:fillRef idx="3">
+              <a:schemeClr val="accent1">
+                <a:hueOff val="0"/>
+                <a:satOff val="0"/>
+                <a:lumOff val="0"/>
+                <a:alphaOff val="0"/>
+              </a:schemeClr>
+            </a:fillRef>
+            <a:effectRef idx="2">
+              <a:schemeClr val="accent1">
+                <a:hueOff val="0"/>
+                <a:satOff val="0"/>
+                <a:lumOff val="0"/>
+                <a:alphaOff val="0"/>
+              </a:schemeClr>
+            </a:effectRef>
+            <a:fontRef idx="minor">
+              <a:schemeClr val="lt1"/>
+            </a:fontRef>
+          </p:style>
+        </p:sp>
+        <p:sp>
+          <p:nvSpPr>
+            <p:cNvPr id="297" name="Rectángulo: esquinas redondeadas 4">
+              <a:extLst>
+                <a:ext uri="{FF2B5EF4-FFF2-40B4-BE49-F238E27FC236}">
+                  <a16:creationId xmlns:a16="http://schemas.microsoft.com/office/drawing/2014/main" id="{4409B1ED-1603-47C1-9794-AEBB83C56D5A}"/>
                 </a:ext>
               </a:extLst>
             </p:cNvPr>
@@ -12869,10 +13420,10 @@
       </p:grpSp>
       <p:pic>
         <p:nvPicPr>
-          <p:cNvPr id="261" name="Picture 4" descr="Artificial Intelligence - Softrams services">
+          <p:cNvPr id="298" name="Picture 4" descr="Artificial Intelligence - Softrams services">
             <a:extLst>
               <a:ext uri="{FF2B5EF4-FFF2-40B4-BE49-F238E27FC236}">
-                <a16:creationId xmlns:a16="http://schemas.microsoft.com/office/drawing/2014/main" id="{967967AA-4204-4176-A064-FBFBA1E6C66B}"/>
+                <a16:creationId xmlns:a16="http://schemas.microsoft.com/office/drawing/2014/main" id="{AB2BAA24-CBD3-4715-88DD-9CACD68A911F}"/>
               </a:ext>
             </a:extLst>
           </p:cNvPr>
@@ -12882,7 +13433,7 @@
           <p:nvPr/>
         </p:nvPicPr>
         <p:blipFill>
-          <a:blip r:embed="rId5" cstate="print">
+          <a:blip r:embed="rId4" cstate="print">
             <a:extLst>
               <a:ext uri="{28A0092B-C50C-407E-A947-70E740481C1C}">
                 <a14:useLocalDpi xmlns:a14="http://schemas.microsoft.com/office/drawing/2010/main" val="0"/>
@@ -12896,8 +13447,8 @@
         </p:blipFill>
         <p:spPr bwMode="auto">
           <a:xfrm>
-            <a:off x="5471271" y="5339720"/>
-            <a:ext cx="323326" cy="323326"/>
+            <a:off x="4168023" y="5184475"/>
+            <a:ext cx="323326" cy="263471"/>
           </a:xfrm>
           <a:prstGeom prst="rect">
             <a:avLst/>
@@ -12916,10 +13467,10 @@
       </p:pic>
       <p:pic>
         <p:nvPicPr>
-          <p:cNvPr id="262" name="Picture 12" descr="Data Replication Software - Automated and Real-time | BryteFlow">
+          <p:cNvPr id="299" name="Picture 12" descr="Data Replication Software - Automated and Real-time | BryteFlow">
             <a:extLst>
               <a:ext uri="{FF2B5EF4-FFF2-40B4-BE49-F238E27FC236}">
-                <a16:creationId xmlns:a16="http://schemas.microsoft.com/office/drawing/2014/main" id="{038375BB-BC70-4E04-8770-D44975D2F9BA}"/>
+                <a16:creationId xmlns:a16="http://schemas.microsoft.com/office/drawing/2014/main" id="{916A730F-CE78-4223-911B-6F74A9D32F32}"/>
               </a:ext>
             </a:extLst>
           </p:cNvPr>
@@ -12929,7 +13480,7 @@
           <p:nvPr/>
         </p:nvPicPr>
         <p:blipFill>
-          <a:blip r:embed="rId7" cstate="print">
+          <a:blip r:embed="rId6" cstate="print">
             <a:extLst>
               <a:ext uri="{28A0092B-C50C-407E-A947-70E740481C1C}">
                 <a14:useLocalDpi xmlns:a14="http://schemas.microsoft.com/office/drawing/2010/main" val="0"/>
@@ -12943,8 +13494,8 @@
         </p:blipFill>
         <p:spPr bwMode="auto">
           <a:xfrm>
-            <a:off x="6064935" y="5312222"/>
-            <a:ext cx="378321" cy="378321"/>
+            <a:off x="4954167" y="5203027"/>
+            <a:ext cx="318819" cy="273766"/>
           </a:xfrm>
           <a:prstGeom prst="rect">
             <a:avLst/>
@@ -12963,10 +13514,10 @@
       </p:pic>
       <p:pic>
         <p:nvPicPr>
-          <p:cNvPr id="264" name="Picture 30" descr="Azure Functions—Develop Faster With Serverless Compute | Microsoft Azure">
+          <p:cNvPr id="306" name="Picture 30" descr="Azure Functions—Develop Faster With Serverless Compute | Microsoft Azure">
             <a:extLst>
               <a:ext uri="{FF2B5EF4-FFF2-40B4-BE49-F238E27FC236}">
-                <a16:creationId xmlns:a16="http://schemas.microsoft.com/office/drawing/2014/main" id="{56CF493D-61E8-4A67-A88C-7997246B3B9E}"/>
+                <a16:creationId xmlns:a16="http://schemas.microsoft.com/office/drawing/2014/main" id="{32ACD90A-B0AF-4AA2-885C-1BE19A36443E}"/>
               </a:ext>
             </a:extLst>
           </p:cNvPr>
@@ -12988,8 +13539,53 @@
         </p:blipFill>
         <p:spPr bwMode="auto">
           <a:xfrm>
-            <a:off x="4956835" y="5395311"/>
-            <a:ext cx="323327" cy="293040"/>
+            <a:off x="3764406" y="5158434"/>
+            <a:ext cx="323327" cy="267735"/>
+          </a:xfrm>
+          <a:prstGeom prst="rect">
+            <a:avLst/>
+          </a:prstGeom>
+          <a:noFill/>
+          <a:extLst>
+            <a:ext uri="{909E8E84-426E-40DD-AFC4-6F175D3DCCD1}">
+              <a14:hiddenFill xmlns:a14="http://schemas.microsoft.com/office/drawing/2010/main">
+                <a:solidFill>
+                  <a:srgbClr val="FFFFFF"/>
+                </a:solidFill>
+              </a14:hiddenFill>
+            </a:ext>
+          </a:extLst>
+        </p:spPr>
+      </p:pic>
+      <p:pic>
+        <p:nvPicPr>
+          <p:cNvPr id="307" name="Picture 8" descr="Στατικές ιστοσελίδες με Azure Blob Storage – AzureHeads">
+            <a:extLst>
+              <a:ext uri="{FF2B5EF4-FFF2-40B4-BE49-F238E27FC236}">
+                <a16:creationId xmlns:a16="http://schemas.microsoft.com/office/drawing/2014/main" id="{A657BA2A-B479-477A-969C-C83749F6D5A5}"/>
+              </a:ext>
+            </a:extLst>
+          </p:cNvPr>
+          <p:cNvPicPr>
+            <a:picLocks noChangeAspect="1" noChangeArrowheads="1"/>
+          </p:cNvPicPr>
+          <p:nvPr/>
+        </p:nvPicPr>
+        <p:blipFill rotWithShape="1">
+          <a:blip r:embed="rId23" cstate="print">
+            <a:extLst>
+              <a:ext uri="{28A0092B-C50C-407E-A947-70E740481C1C}">
+                <a14:useLocalDpi xmlns:a14="http://schemas.microsoft.com/office/drawing/2010/main" val="0"/>
+              </a:ext>
+            </a:extLst>
+          </a:blip>
+          <a:srcRect l="19212" r="19403"/>
+          <a:stretch/>
+        </p:blipFill>
+        <p:spPr bwMode="auto">
+          <a:xfrm>
+            <a:off x="3350460" y="5158434"/>
+            <a:ext cx="301357" cy="278030"/>
           </a:xfrm>
           <a:prstGeom prst="rect">
             <a:avLst/>
@@ -13008,10 +13604,10 @@
       </p:pic>
       <p:sp>
         <p:nvSpPr>
-          <p:cNvPr id="265" name="CuadroTexto 264">
+          <p:cNvPr id="308" name="CuadroTexto 307">
             <a:extLst>
               <a:ext uri="{FF2B5EF4-FFF2-40B4-BE49-F238E27FC236}">
-                <a16:creationId xmlns:a16="http://schemas.microsoft.com/office/drawing/2014/main" id="{BBF99289-5A44-4BF3-8013-FD37CE8D91C6}"/>
+                <a16:creationId xmlns:a16="http://schemas.microsoft.com/office/drawing/2014/main" id="{D2AB298F-9DFB-4EAE-B2E1-0592181C1389}"/>
               </a:ext>
             </a:extLst>
           </p:cNvPr>
@@ -13020,8 +13616,8 @@
         </p:nvSpPr>
         <p:spPr>
           <a:xfrm>
-            <a:off x="4151783" y="5362864"/>
-            <a:ext cx="491445" cy="369332"/>
+            <a:off x="4512378" y="5169094"/>
+            <a:ext cx="513797" cy="341632"/>
           </a:xfrm>
           <a:prstGeom prst="rect">
             <a:avLst/>
@@ -13034,28 +13630,150 @@
           </a:bodyPr>
           <a:lstStyle/>
           <a:p>
+            <a:pPr marL="0" lvl="0" indent="0" algn="ctr" defTabSz="977900" rtl="0">
+              <a:lnSpc>
+                <a:spcPct val="90000"/>
+              </a:lnSpc>
+              <a:spcBef>
+                <a:spcPct val="0"/>
+              </a:spcBef>
+              <a:spcAft>
+                <a:spcPct val="35000"/>
+              </a:spcAft>
+              <a:buNone/>
+            </a:pPr>
             <a:r>
-              <a:rPr lang="es-CO" sz="1800" dirty="0"/>
-              <a:t>🔍</a:t>
-            </a:r>
-            <a:r>
-              <a:rPr lang="es-ES" sz="1800" b="1" dirty="0">
+              <a:rPr lang="es-ES" b="1" dirty="0">
                 <a:solidFill>
                   <a:schemeClr val="bg2"/>
                 </a:solidFill>
               </a:rPr>
-              <a:t> </a:t>
+              <a:t>* 5</a:t>
             </a:r>
-            <a:endParaRPr lang="es-CO" dirty="0"/>
+            <a:r>
+              <a:rPr lang="es-ES" sz="1800" b="1" kern="1200" noProof="0" dirty="0">
+                <a:solidFill>
+                  <a:schemeClr val="bg2"/>
+                </a:solidFill>
+              </a:rPr>
+              <a:t>.</a:t>
+            </a:r>
           </a:p>
         </p:txBody>
       </p:sp>
       <p:pic>
         <p:nvPicPr>
-          <p:cNvPr id="266" name="Imagen 265">
+          <p:cNvPr id="309" name="Picture 20">
             <a:extLst>
               <a:ext uri="{FF2B5EF4-FFF2-40B4-BE49-F238E27FC236}">
-                <a16:creationId xmlns:a16="http://schemas.microsoft.com/office/drawing/2014/main" id="{AB891E16-5A17-45AB-BA82-851999CA2121}"/>
+                <a16:creationId xmlns:a16="http://schemas.microsoft.com/office/drawing/2014/main" id="{76A8F583-957E-4774-801E-CB2C929FE8B9}"/>
+              </a:ext>
+            </a:extLst>
+          </p:cNvPr>
+          <p:cNvPicPr>
+            <a:picLocks noChangeAspect="1" noChangeArrowheads="1"/>
+          </p:cNvPicPr>
+          <p:nvPr/>
+        </p:nvPicPr>
+        <p:blipFill>
+          <a:blip r:embed="rId24" cstate="print">
+            <a:extLst>
+              <a:ext uri="{28A0092B-C50C-407E-A947-70E740481C1C}">
+                <a14:useLocalDpi xmlns:a14="http://schemas.microsoft.com/office/drawing/2010/main" val="0"/>
+              </a:ext>
+            </a:extLst>
+          </a:blip>
+          <a:srcRect/>
+          <a:stretch>
+            <a:fillRect/>
+          </a:stretch>
+        </p:blipFill>
+        <p:spPr bwMode="auto">
+          <a:xfrm>
+            <a:off x="5309862" y="5193646"/>
+            <a:ext cx="310183" cy="265512"/>
+          </a:xfrm>
+          <a:prstGeom prst="rect">
+            <a:avLst/>
+          </a:prstGeom>
+          <a:noFill/>
+          <a:extLst>
+            <a:ext uri="{909E8E84-426E-40DD-AFC4-6F175D3DCCD1}">
+              <a14:hiddenFill xmlns:a14="http://schemas.microsoft.com/office/drawing/2010/main">
+                <a:solidFill>
+                  <a:srgbClr val="FFFFFF"/>
+                </a:solidFill>
+              </a14:hiddenFill>
+            </a:ext>
+          </a:extLst>
+        </p:spPr>
+      </p:pic>
+      <p:sp>
+        <p:nvSpPr>
+          <p:cNvPr id="310" name="CuadroTexto 309">
+            <a:extLst>
+              <a:ext uri="{FF2B5EF4-FFF2-40B4-BE49-F238E27FC236}">
+                <a16:creationId xmlns:a16="http://schemas.microsoft.com/office/drawing/2014/main" id="{69407CFC-53E8-48AA-830B-D87EC448B079}"/>
+              </a:ext>
+            </a:extLst>
+          </p:cNvPr>
+          <p:cNvSpPr txBox="1"/>
+          <p:nvPr/>
+        </p:nvSpPr>
+        <p:spPr>
+          <a:xfrm>
+            <a:off x="5536283" y="5201330"/>
+            <a:ext cx="604230" cy="341632"/>
+          </a:xfrm>
+          <a:prstGeom prst="rect">
+            <a:avLst/>
+          </a:prstGeom>
+          <a:noFill/>
+        </p:spPr>
+        <p:txBody>
+          <a:bodyPr wrap="square">
+            <a:spAutoFit/>
+          </a:bodyPr>
+          <a:lstStyle/>
+          <a:p>
+            <a:pPr marL="0" lvl="0" indent="0" algn="ctr" defTabSz="977900" rtl="0">
+              <a:lnSpc>
+                <a:spcPct val="90000"/>
+              </a:lnSpc>
+              <a:spcBef>
+                <a:spcPct val="0"/>
+              </a:spcBef>
+              <a:spcAft>
+                <a:spcPct val="35000"/>
+              </a:spcAft>
+              <a:buNone/>
+            </a:pPr>
+            <a:r>
+              <a:rPr lang="es-ES" b="1" dirty="0">
+                <a:solidFill>
+                  <a:schemeClr val="bg2"/>
+                </a:solidFill>
+              </a:rPr>
+              <a:t>* 14</a:t>
+            </a:r>
+            <a:r>
+              <a:rPr lang="es-ES" sz="1800" b="1" kern="1200" noProof="0" dirty="0">
+                <a:solidFill>
+                  <a:schemeClr val="bg2"/>
+                </a:solidFill>
+              </a:rPr>
+              <a:t>.</a:t>
+            </a:r>
+          </a:p>
+        </p:txBody>
+      </p:sp>
+      <p:pic>
+        <p:nvPicPr>
+          <p:cNvPr id="311" name="Imagen 310">
+            <a:hlinkClick r:id="rId12" action="ppaction://hlinksldjump" tooltip="DataSet."/>
+            <a:extLst>
+              <a:ext uri="{FF2B5EF4-FFF2-40B4-BE49-F238E27FC236}">
+                <a16:creationId xmlns:a16="http://schemas.microsoft.com/office/drawing/2014/main" id="{94815F28-D076-4A15-9FA8-9FEFC56E0EA3}"/>
               </a:ext>
             </a:extLst>
           </p:cNvPr>
@@ -13065,14 +13783,14 @@
           <p:nvPr/>
         </p:nvPicPr>
         <p:blipFill rotWithShape="1">
-          <a:blip r:embed="rId3"/>
+          <a:blip r:embed="rId25"/>
           <a:srcRect l="6391" r="6391" b="8007"/>
           <a:stretch/>
         </p:blipFill>
         <p:spPr>
           <a:xfrm>
-            <a:off x="4632654" y="5395311"/>
-            <a:ext cx="248864" cy="272588"/>
+            <a:off x="3005224" y="5182598"/>
+            <a:ext cx="248864" cy="243615"/>
           </a:xfrm>
           <a:prstGeom prst="rect">
             <a:avLst/>
@@ -13092,10 +13810,97 @@
       </p:pic>
       <p:pic>
         <p:nvPicPr>
-          <p:cNvPr id="267" name="Picture 4" descr="Artificial Intelligence - Softrams services">
+          <p:cNvPr id="312" name="Imagen 311">
             <a:extLst>
               <a:ext uri="{FF2B5EF4-FFF2-40B4-BE49-F238E27FC236}">
-                <a16:creationId xmlns:a16="http://schemas.microsoft.com/office/drawing/2014/main" id="{174FD1A3-9700-404C-983C-B560098919F8}"/>
+                <a16:creationId xmlns:a16="http://schemas.microsoft.com/office/drawing/2014/main" id="{DA3C0EE9-E2E7-47EF-9946-4C2501A1D227}"/>
+              </a:ext>
+            </a:extLst>
+          </p:cNvPr>
+          <p:cNvPicPr>
+            <a:picLocks noChangeAspect="1"/>
+          </p:cNvPicPr>
+          <p:nvPr/>
+        </p:nvPicPr>
+        <p:blipFill>
+          <a:blip r:embed="rId14">
+            <a:extLst>
+              <a:ext uri="{28A0092B-C50C-407E-A947-70E740481C1C}">
+                <a14:useLocalDpi xmlns:a14="http://schemas.microsoft.com/office/drawing/2010/main" val="0"/>
+              </a:ext>
+            </a:extLst>
+          </a:blip>
+          <a:stretch>
+            <a:fillRect/>
+          </a:stretch>
+        </p:blipFill>
+        <p:spPr>
+          <a:xfrm>
+            <a:off x="3779250" y="5923923"/>
+            <a:ext cx="664727" cy="235676"/>
+          </a:xfrm>
+          <a:prstGeom prst="rect">
+            <a:avLst/>
+          </a:prstGeom>
+        </p:spPr>
+      </p:pic>
+      <p:sp>
+        <p:nvSpPr>
+          <p:cNvPr id="313" name="CuadroTexto 312">
+            <a:extLst>
+              <a:ext uri="{FF2B5EF4-FFF2-40B4-BE49-F238E27FC236}">
+                <a16:creationId xmlns:a16="http://schemas.microsoft.com/office/drawing/2014/main" id="{1BFFAE8C-C7AB-4F28-82EE-827725270084}"/>
+              </a:ext>
+            </a:extLst>
+          </p:cNvPr>
+          <p:cNvSpPr txBox="1"/>
+          <p:nvPr/>
+        </p:nvSpPr>
+        <p:spPr>
+          <a:xfrm>
+            <a:off x="4521610" y="5870945"/>
+            <a:ext cx="751376" cy="341632"/>
+          </a:xfrm>
+          <a:prstGeom prst="rect">
+            <a:avLst/>
+          </a:prstGeom>
+          <a:noFill/>
+        </p:spPr>
+        <p:txBody>
+          <a:bodyPr wrap="square">
+            <a:spAutoFit/>
+          </a:bodyPr>
+          <a:lstStyle/>
+          <a:p>
+            <a:pPr marL="0" lvl="0" indent="0" algn="ctr" defTabSz="977900" rtl="0">
+              <a:lnSpc>
+                <a:spcPct val="90000"/>
+              </a:lnSpc>
+              <a:spcBef>
+                <a:spcPct val="0"/>
+              </a:spcBef>
+              <a:spcAft>
+                <a:spcPct val="35000"/>
+              </a:spcAft>
+              <a:buNone/>
+            </a:pPr>
+            <a:r>
+              <a:rPr lang="es-ES" sz="1800" b="1" kern="1200" noProof="0" dirty="0">
+                <a:solidFill>
+                  <a:schemeClr val="bg2"/>
+                </a:solidFill>
+              </a:rPr>
+              <a:t>&gt; 120.</a:t>
+            </a:r>
+          </a:p>
+        </p:txBody>
+      </p:sp>
+      <p:pic>
+        <p:nvPicPr>
+          <p:cNvPr id="314" name="Picture 4" descr="Artificial Intelligence - Softrams services">
+            <a:extLst>
+              <a:ext uri="{FF2B5EF4-FFF2-40B4-BE49-F238E27FC236}">
+                <a16:creationId xmlns:a16="http://schemas.microsoft.com/office/drawing/2014/main" id="{1124AE21-CD5A-41D6-9BD3-9FF90E40D691}"/>
               </a:ext>
             </a:extLst>
           </p:cNvPr>
@@ -13105,7 +13910,7 @@
           <p:nvPr/>
         </p:nvPicPr>
         <p:blipFill>
-          <a:blip r:embed="rId5" cstate="print">
+          <a:blip r:embed="rId4" cstate="print">
             <a:extLst>
               <a:ext uri="{28A0092B-C50C-407E-A947-70E740481C1C}">
                 <a14:useLocalDpi xmlns:a14="http://schemas.microsoft.com/office/drawing/2010/main" val="0"/>
@@ -13119,77 +13924,26 @@
         </p:blipFill>
         <p:spPr bwMode="auto">
           <a:xfrm>
-            <a:off x="9938362" y="4687367"/>
-            <a:ext cx="323326" cy="323326"/>
+            <a:off x="9536090" y="4455713"/>
+            <a:ext cx="323326" cy="263471"/>
           </a:xfrm>
           <a:prstGeom prst="rect">
             <a:avLst/>
           </a:prstGeom>
-          <a:noFill/>
-          <a:extLst>
-            <a:ext uri="{909E8E84-426E-40DD-AFC4-6F175D3DCCD1}">
-              <a14:hiddenFill xmlns:a14="http://schemas.microsoft.com/office/drawing/2010/main">
-                <a:solidFill>
-                  <a:srgbClr val="FFFFFF"/>
-                </a:solidFill>
-              </a14:hiddenFill>
-            </a:ext>
-          </a:extLst>
+          <a:solidFill>
+            <a:schemeClr val="accent1">
+              <a:lumMod val="20000"/>
+              <a:lumOff val="80000"/>
+            </a:schemeClr>
+          </a:solidFill>
         </p:spPr>
       </p:pic>
       <p:pic>
         <p:nvPicPr>
-          <p:cNvPr id="268" name="Picture 12" descr="Data Replication Software - Automated and Real-time | BryteFlow">
+          <p:cNvPr id="316" name="Imagen 315">
             <a:extLst>
               <a:ext uri="{FF2B5EF4-FFF2-40B4-BE49-F238E27FC236}">
-                <a16:creationId xmlns:a16="http://schemas.microsoft.com/office/drawing/2014/main" id="{D835AE3F-A7C8-4BE1-BDBE-E1C4EFB9889F}"/>
-              </a:ext>
-            </a:extLst>
-          </p:cNvPr>
-          <p:cNvPicPr>
-            <a:picLocks noChangeAspect="1" noChangeArrowheads="1"/>
-          </p:cNvPicPr>
-          <p:nvPr/>
-        </p:nvPicPr>
-        <p:blipFill>
-          <a:blip r:embed="rId7" cstate="print">
-            <a:extLst>
-              <a:ext uri="{28A0092B-C50C-407E-A947-70E740481C1C}">
-                <a14:useLocalDpi xmlns:a14="http://schemas.microsoft.com/office/drawing/2010/main" val="0"/>
-              </a:ext>
-            </a:extLst>
-          </a:blip>
-          <a:srcRect/>
-          <a:stretch>
-            <a:fillRect/>
-          </a:stretch>
-        </p:blipFill>
-        <p:spPr bwMode="auto">
-          <a:xfrm>
-            <a:off x="10532026" y="4659869"/>
-            <a:ext cx="378321" cy="378321"/>
-          </a:xfrm>
-          <a:prstGeom prst="rect">
-            <a:avLst/>
-          </a:prstGeom>
-          <a:noFill/>
-          <a:extLst>
-            <a:ext uri="{909E8E84-426E-40DD-AFC4-6F175D3DCCD1}">
-              <a14:hiddenFill xmlns:a14="http://schemas.microsoft.com/office/drawing/2010/main">
-                <a:solidFill>
-                  <a:srgbClr val="FFFFFF"/>
-                </a:solidFill>
-              </a14:hiddenFill>
-            </a:ext>
-          </a:extLst>
-        </p:spPr>
-      </p:pic>
-      <p:pic>
-        <p:nvPicPr>
-          <p:cNvPr id="269" name="Imagen 268">
-            <a:extLst>
-              <a:ext uri="{FF2B5EF4-FFF2-40B4-BE49-F238E27FC236}">
-                <a16:creationId xmlns:a16="http://schemas.microsoft.com/office/drawing/2014/main" id="{65E2CD72-6F96-46B1-ABB5-A90066D1FAEA}"/>
+                <a16:creationId xmlns:a16="http://schemas.microsoft.com/office/drawing/2014/main" id="{B038CB21-2546-4E7F-A3E3-E6F7C644132E}"/>
               </a:ext>
             </a:extLst>
           </p:cNvPr>
@@ -13199,7 +13953,7 @@
           <p:nvPr/>
         </p:nvPicPr>
         <p:blipFill>
-          <a:blip r:embed="rId12" cstate="print">
+          <a:blip r:embed="rId11" cstate="print">
             <a:extLst>
               <a:ext uri="{28A0092B-C50C-407E-A947-70E740481C1C}">
                 <a14:useLocalDpi xmlns:a14="http://schemas.microsoft.com/office/drawing/2010/main" val="0"/>
@@ -13212,20 +13966,26 @@
         </p:blipFill>
         <p:spPr>
           <a:xfrm>
-            <a:off x="9075027" y="4659869"/>
-            <a:ext cx="273139" cy="380391"/>
+            <a:off x="8366199" y="4455713"/>
+            <a:ext cx="273139" cy="257441"/>
           </a:xfrm>
           <a:prstGeom prst="rect">
             <a:avLst/>
           </a:prstGeom>
+          <a:solidFill>
+            <a:schemeClr val="accent1">
+              <a:lumMod val="20000"/>
+              <a:lumOff val="80000"/>
+            </a:schemeClr>
+          </a:solidFill>
         </p:spPr>
       </p:pic>
       <p:pic>
         <p:nvPicPr>
-          <p:cNvPr id="270" name="Picture 30" descr="Azure Functions—Develop Faster With Serverless Compute | Microsoft Azure">
+          <p:cNvPr id="317" name="Picture 30" descr="Azure Functions—Develop Faster With Serverless Compute | Microsoft Azure">
             <a:extLst>
               <a:ext uri="{FF2B5EF4-FFF2-40B4-BE49-F238E27FC236}">
-                <a16:creationId xmlns:a16="http://schemas.microsoft.com/office/drawing/2014/main" id="{B2DDCED4-6EF7-47B6-AE76-3065690C267D}"/>
+                <a16:creationId xmlns:a16="http://schemas.microsoft.com/office/drawing/2014/main" id="{EC718D81-2F3D-4DBD-BE63-CD15607187D5}"/>
               </a:ext>
             </a:extLst>
           </p:cNvPr>
@@ -13247,30 +14007,67 @@
         </p:blipFill>
         <p:spPr bwMode="auto">
           <a:xfrm>
-            <a:off x="9423926" y="4742958"/>
-            <a:ext cx="323327" cy="293040"/>
+            <a:off x="9132473" y="4429672"/>
+            <a:ext cx="323327" cy="267735"/>
           </a:xfrm>
           <a:prstGeom prst="rect">
             <a:avLst/>
           </a:prstGeom>
-          <a:noFill/>
-          <a:extLst>
-            <a:ext uri="{909E8E84-426E-40DD-AFC4-6F175D3DCCD1}">
-              <a14:hiddenFill xmlns:a14="http://schemas.microsoft.com/office/drawing/2010/main">
-                <a:solidFill>
-                  <a:srgbClr val="FFFFFF"/>
-                </a:solidFill>
-              </a14:hiddenFill>
-            </a:ext>
-          </a:extLst>
+          <a:solidFill>
+            <a:schemeClr val="accent1">
+              <a:lumMod val="20000"/>
+              <a:lumOff val="80000"/>
+            </a:schemeClr>
+          </a:solidFill>
+        </p:spPr>
+      </p:pic>
+      <p:pic>
+        <p:nvPicPr>
+          <p:cNvPr id="318" name="Picture 8" descr="Στατικές ιστοσελίδες με Azure Blob Storage – AzureHeads">
+            <a:extLst>
+              <a:ext uri="{FF2B5EF4-FFF2-40B4-BE49-F238E27FC236}">
+                <a16:creationId xmlns:a16="http://schemas.microsoft.com/office/drawing/2014/main" id="{1580CBA7-7F93-4104-AA84-A322C31E2AEC}"/>
+              </a:ext>
+            </a:extLst>
+          </p:cNvPr>
+          <p:cNvPicPr>
+            <a:picLocks noChangeAspect="1" noChangeArrowheads="1"/>
+          </p:cNvPicPr>
+          <p:nvPr/>
+        </p:nvPicPr>
+        <p:blipFill rotWithShape="1">
+          <a:blip r:embed="rId23" cstate="print">
+            <a:extLst>
+              <a:ext uri="{28A0092B-C50C-407E-A947-70E740481C1C}">
+                <a14:useLocalDpi xmlns:a14="http://schemas.microsoft.com/office/drawing/2010/main" val="0"/>
+              </a:ext>
+            </a:extLst>
+          </a:blip>
+          <a:srcRect l="19212" r="19403"/>
+          <a:stretch/>
+        </p:blipFill>
+        <p:spPr bwMode="auto">
+          <a:xfrm>
+            <a:off x="8718527" y="4429672"/>
+            <a:ext cx="301357" cy="278030"/>
+          </a:xfrm>
+          <a:prstGeom prst="rect">
+            <a:avLst/>
+          </a:prstGeom>
+          <a:solidFill>
+            <a:schemeClr val="accent1">
+              <a:lumMod val="20000"/>
+              <a:lumOff val="80000"/>
+            </a:schemeClr>
+          </a:solidFill>
         </p:spPr>
       </p:pic>
       <p:sp>
         <p:nvSpPr>
-          <p:cNvPr id="271" name="CuadroTexto 270">
+          <p:cNvPr id="319" name="CuadroTexto 318">
             <a:extLst>
               <a:ext uri="{FF2B5EF4-FFF2-40B4-BE49-F238E27FC236}">
-                <a16:creationId xmlns:a16="http://schemas.microsoft.com/office/drawing/2014/main" id="{01075697-92D8-4497-8A35-12CB686629E8}"/>
+                <a16:creationId xmlns:a16="http://schemas.microsoft.com/office/drawing/2014/main" id="{BA1CDC1C-BC36-45C2-B7AE-2C74FA74D466}"/>
               </a:ext>
             </a:extLst>
           </p:cNvPr>
@@ -13279,13 +14076,18 @@
         </p:nvSpPr>
         <p:spPr>
           <a:xfrm>
-            <a:off x="8618874" y="4710511"/>
-            <a:ext cx="491445" cy="369332"/>
+            <a:off x="9880445" y="4440332"/>
+            <a:ext cx="513797" cy="341632"/>
           </a:xfrm>
           <a:prstGeom prst="rect">
             <a:avLst/>
           </a:prstGeom>
-          <a:noFill/>
+          <a:solidFill>
+            <a:schemeClr val="accent1">
+              <a:lumMod val="20000"/>
+              <a:lumOff val="80000"/>
+            </a:schemeClr>
+          </a:solidFill>
         </p:spPr>
         <p:txBody>
           <a:bodyPr wrap="square">
@@ -13293,28 +14095,107 @@
           </a:bodyPr>
           <a:lstStyle/>
           <a:p>
+            <a:pPr marL="0" lvl="0" indent="0" algn="ctr" defTabSz="977900" rtl="0">
+              <a:lnSpc>
+                <a:spcPct val="90000"/>
+              </a:lnSpc>
+              <a:spcBef>
+                <a:spcPct val="0"/>
+              </a:spcBef>
+              <a:spcAft>
+                <a:spcPct val="35000"/>
+              </a:spcAft>
+              <a:buNone/>
+            </a:pPr>
             <a:r>
-              <a:rPr lang="es-CO" sz="1800" dirty="0"/>
-              <a:t>🔍</a:t>
-            </a:r>
-            <a:r>
-              <a:rPr lang="es-ES" sz="1800" b="1" dirty="0">
+              <a:rPr lang="es-ES" b="1" dirty="0">
                 <a:solidFill>
                   <a:schemeClr val="bg2"/>
                 </a:solidFill>
               </a:rPr>
-              <a:t> </a:t>
+              <a:t>* 5</a:t>
             </a:r>
-            <a:endParaRPr lang="es-CO" dirty="0"/>
+            <a:r>
+              <a:rPr lang="es-ES" sz="1800" b="1" kern="1200" noProof="0" dirty="0">
+                <a:solidFill>
+                  <a:schemeClr val="bg2"/>
+                </a:solidFill>
+              </a:rPr>
+              <a:t>.</a:t>
+            </a:r>
+          </a:p>
+        </p:txBody>
+      </p:sp>
+      <p:sp>
+        <p:nvSpPr>
+          <p:cNvPr id="321" name="CuadroTexto 320">
+            <a:extLst>
+              <a:ext uri="{FF2B5EF4-FFF2-40B4-BE49-F238E27FC236}">
+                <a16:creationId xmlns:a16="http://schemas.microsoft.com/office/drawing/2014/main" id="{02164CE5-7A89-4062-9F78-B6DD642810C1}"/>
+              </a:ext>
+            </a:extLst>
+          </p:cNvPr>
+          <p:cNvSpPr txBox="1"/>
+          <p:nvPr/>
+        </p:nvSpPr>
+        <p:spPr>
+          <a:xfrm>
+            <a:off x="10904350" y="4472568"/>
+            <a:ext cx="604230" cy="341632"/>
+          </a:xfrm>
+          <a:prstGeom prst="rect">
+            <a:avLst/>
+          </a:prstGeom>
+          <a:solidFill>
+            <a:schemeClr val="accent1">
+              <a:lumMod val="20000"/>
+              <a:lumOff val="80000"/>
+            </a:schemeClr>
+          </a:solidFill>
+        </p:spPr>
+        <p:txBody>
+          <a:bodyPr wrap="square">
+            <a:spAutoFit/>
+          </a:bodyPr>
+          <a:lstStyle/>
+          <a:p>
+            <a:pPr marL="0" lvl="0" indent="0" algn="ctr" defTabSz="977900" rtl="0">
+              <a:lnSpc>
+                <a:spcPct val="90000"/>
+              </a:lnSpc>
+              <a:spcBef>
+                <a:spcPct val="0"/>
+              </a:spcBef>
+              <a:spcAft>
+                <a:spcPct val="35000"/>
+              </a:spcAft>
+              <a:buNone/>
+            </a:pPr>
+            <a:r>
+              <a:rPr lang="es-ES" b="1" dirty="0">
+                <a:solidFill>
+                  <a:schemeClr val="bg2"/>
+                </a:solidFill>
+              </a:rPr>
+              <a:t>* 14</a:t>
+            </a:r>
+            <a:r>
+              <a:rPr lang="es-ES" sz="1800" b="1" kern="1200" noProof="0" dirty="0">
+                <a:solidFill>
+                  <a:schemeClr val="bg2"/>
+                </a:solidFill>
+              </a:rPr>
+              <a:t>.</a:t>
+            </a:r>
           </a:p>
         </p:txBody>
       </p:sp>
       <p:grpSp>
         <p:nvGrpSpPr>
-          <p:cNvPr id="272" name="Grupo 271">
+          <p:cNvPr id="322" name="Grupo 321">
             <a:extLst>
               <a:ext uri="{FF2B5EF4-FFF2-40B4-BE49-F238E27FC236}">
-                <a16:creationId xmlns:a16="http://schemas.microsoft.com/office/drawing/2014/main" id="{440BFC52-9C15-4DB1-960E-70C20706D89B}"/>
+                <a16:creationId xmlns:a16="http://schemas.microsoft.com/office/drawing/2014/main" id="{BE52B634-09F7-4ADF-8C7F-6B54A1A11C18}"/>
               </a:ext>
             </a:extLst>
           </p:cNvPr>
@@ -13323,24 +14204,24 @@
         </p:nvGrpSpPr>
         <p:grpSpPr>
           <a:xfrm>
-            <a:off x="8616280" y="5298697"/>
-            <a:ext cx="2516185" cy="516731"/>
+            <a:off x="8244745" y="5026231"/>
+            <a:ext cx="3409946" cy="516731"/>
             <a:chOff x="7072979" y="480060"/>
             <a:chExt cx="2066925" cy="516731"/>
           </a:xfrm>
           <a:solidFill>
             <a:schemeClr val="accent1">
-              <a:lumMod val="60000"/>
-              <a:lumOff val="40000"/>
+              <a:lumMod val="20000"/>
+              <a:lumOff val="80000"/>
             </a:schemeClr>
           </a:solidFill>
         </p:grpSpPr>
         <p:sp>
           <p:nvSpPr>
-            <p:cNvPr id="273" name="Rectángulo: esquinas redondeadas 272">
+            <p:cNvPr id="323" name="Rectángulo: esquinas redondeadas 322">
               <a:extLst>
                 <a:ext uri="{FF2B5EF4-FFF2-40B4-BE49-F238E27FC236}">
-                  <a16:creationId xmlns:a16="http://schemas.microsoft.com/office/drawing/2014/main" id="{7C29B275-C496-49A5-9CF8-DD65BAEA1B47}"/>
+                  <a16:creationId xmlns:a16="http://schemas.microsoft.com/office/drawing/2014/main" id="{FDF963CC-376B-4149-9557-B706D3C8FDF6}"/>
                 </a:ext>
               </a:extLst>
             </p:cNvPr>
@@ -13357,11 +14238,7 @@
                 <a:gd name="adj" fmla="val 10000"/>
               </a:avLst>
             </a:prstGeom>
-            <a:solidFill>
-              <a:schemeClr val="accent1">
-                <a:lumMod val="50000"/>
-              </a:schemeClr>
-            </a:solidFill>
+            <a:grpFill/>
             <a:ln>
               <a:solidFill>
                 <a:schemeClr val="accent1">
@@ -13403,10 +14280,166 @@
         </p:sp>
         <p:sp>
           <p:nvSpPr>
-            <p:cNvPr id="274" name="Rectángulo: esquinas redondeadas 4">
+            <p:cNvPr id="324" name="Rectángulo: esquinas redondeadas 4">
               <a:extLst>
                 <a:ext uri="{FF2B5EF4-FFF2-40B4-BE49-F238E27FC236}">
-                  <a16:creationId xmlns:a16="http://schemas.microsoft.com/office/drawing/2014/main" id="{D5A426A7-546F-4FF4-B845-7AEE9F6193D5}"/>
+                  <a16:creationId xmlns:a16="http://schemas.microsoft.com/office/drawing/2014/main" id="{0C676F4A-AA13-4395-A846-CAF686C68136}"/>
+                </a:ext>
+              </a:extLst>
+            </p:cNvPr>
+            <p:cNvSpPr txBox="1"/>
+            <p:nvPr/>
+          </p:nvSpPr>
+          <p:spPr>
+            <a:xfrm>
+              <a:off x="7088710" y="483867"/>
+              <a:ext cx="2035386" cy="486461"/>
+            </a:xfrm>
+            <a:prstGeom prst="rect">
+              <a:avLst/>
+            </a:prstGeom>
+            <a:grpFill/>
+            <a:ln>
+              <a:solidFill>
+                <a:srgbClr val="00B050"/>
+              </a:solidFill>
+            </a:ln>
+          </p:spPr>
+          <p:style>
+            <a:lnRef idx="0">
+              <a:scrgbClr r="0" g="0" b="0"/>
+            </a:lnRef>
+            <a:fillRef idx="0">
+              <a:scrgbClr r="0" g="0" b="0"/>
+            </a:fillRef>
+            <a:effectRef idx="0">
+              <a:scrgbClr r="0" g="0" b="0"/>
+            </a:effectRef>
+            <a:fontRef idx="minor">
+              <a:schemeClr val="lt1"/>
+            </a:fontRef>
+          </p:style>
+          <p:txBody>
+            <a:bodyPr spcFirstLastPara="0" vert="horz" wrap="square" lIns="27940" tIns="27940" rIns="27940" bIns="27940" numCol="1" spcCol="1270" rtlCol="0" anchor="ctr" anchorCtr="0">
+              <a:noAutofit/>
+            </a:bodyPr>
+            <a:lstStyle/>
+            <a:p>
+              <a:pPr marL="0" lvl="0" indent="0" algn="ctr" defTabSz="977900" rtl="0">
+                <a:lnSpc>
+                  <a:spcPct val="90000"/>
+                </a:lnSpc>
+                <a:spcBef>
+                  <a:spcPct val="0"/>
+                </a:spcBef>
+                <a:spcAft>
+                  <a:spcPct val="35000"/>
+                </a:spcAft>
+                <a:buNone/>
+              </a:pPr>
+              <a:endParaRPr lang="es-ES" sz="1600" b="1" kern="1200" noProof="0" dirty="0">
+                <a:solidFill>
+                  <a:schemeClr val="bg2"/>
+                </a:solidFill>
+              </a:endParaRPr>
+            </a:p>
+          </p:txBody>
+        </p:sp>
+      </p:grpSp>
+      <p:grpSp>
+        <p:nvGrpSpPr>
+          <p:cNvPr id="325" name="Grupo 324">
+            <a:extLst>
+              <a:ext uri="{FF2B5EF4-FFF2-40B4-BE49-F238E27FC236}">
+                <a16:creationId xmlns:a16="http://schemas.microsoft.com/office/drawing/2014/main" id="{A082A834-6359-4AC1-BF35-7E0B9D8F562D}"/>
+              </a:ext>
+            </a:extLst>
+          </p:cNvPr>
+          <p:cNvGrpSpPr/>
+          <p:nvPr/>
+        </p:nvGrpSpPr>
+        <p:grpSpPr>
+          <a:xfrm>
+            <a:off x="8257150" y="5727879"/>
+            <a:ext cx="3409946" cy="516731"/>
+            <a:chOff x="7072979" y="480060"/>
+            <a:chExt cx="2066925" cy="516731"/>
+          </a:xfrm>
+          <a:solidFill>
+            <a:schemeClr val="accent1">
+              <a:lumMod val="20000"/>
+              <a:lumOff val="80000"/>
+            </a:schemeClr>
+          </a:solidFill>
+        </p:grpSpPr>
+        <p:sp>
+          <p:nvSpPr>
+            <p:cNvPr id="326" name="Rectángulo: esquinas redondeadas 325">
+              <a:extLst>
+                <a:ext uri="{FF2B5EF4-FFF2-40B4-BE49-F238E27FC236}">
+                  <a16:creationId xmlns:a16="http://schemas.microsoft.com/office/drawing/2014/main" id="{C420B6E9-A161-4F9E-A4F3-C95CCBEBE7A7}"/>
+                </a:ext>
+              </a:extLst>
+            </p:cNvPr>
+            <p:cNvSpPr/>
+            <p:nvPr/>
+          </p:nvSpPr>
+          <p:spPr>
+            <a:xfrm>
+              <a:off x="7072979" y="480060"/>
+              <a:ext cx="2066925" cy="516731"/>
+            </a:xfrm>
+            <a:prstGeom prst="roundRect">
+              <a:avLst>
+                <a:gd name="adj" fmla="val 10000"/>
+              </a:avLst>
+            </a:prstGeom>
+            <a:grpFill/>
+            <a:ln>
+              <a:solidFill>
+                <a:schemeClr val="accent1">
+                  <a:lumMod val="60000"/>
+                  <a:lumOff val="40000"/>
+                </a:schemeClr>
+              </a:solidFill>
+            </a:ln>
+          </p:spPr>
+          <p:style>
+            <a:lnRef idx="0">
+              <a:schemeClr val="lt1">
+                <a:hueOff val="0"/>
+                <a:satOff val="0"/>
+                <a:lumOff val="0"/>
+                <a:alphaOff val="0"/>
+              </a:schemeClr>
+            </a:lnRef>
+            <a:fillRef idx="3">
+              <a:schemeClr val="accent1">
+                <a:hueOff val="0"/>
+                <a:satOff val="0"/>
+                <a:lumOff val="0"/>
+                <a:alphaOff val="0"/>
+              </a:schemeClr>
+            </a:fillRef>
+            <a:effectRef idx="2">
+              <a:schemeClr val="accent1">
+                <a:hueOff val="0"/>
+                <a:satOff val="0"/>
+                <a:lumOff val="0"/>
+                <a:alphaOff val="0"/>
+              </a:schemeClr>
+            </a:effectRef>
+            <a:fontRef idx="minor">
+              <a:schemeClr val="lt1"/>
+            </a:fontRef>
+          </p:style>
+        </p:sp>
+        <p:sp>
+          <p:nvSpPr>
+            <p:cNvPr id="327" name="Rectángulo: esquinas redondeadas 4">
+              <a:extLst>
+                <a:ext uri="{FF2B5EF4-FFF2-40B4-BE49-F238E27FC236}">
+                  <a16:creationId xmlns:a16="http://schemas.microsoft.com/office/drawing/2014/main" id="{500EA6DB-D850-42B8-A2A3-CF9B0B251623}"/>
                 </a:ext>
               </a:extLst>
             </p:cNvPr>
@@ -13471,10 +14504,10 @@
       </p:grpSp>
       <p:pic>
         <p:nvPicPr>
-          <p:cNvPr id="275" name="Picture 4" descr="Artificial Intelligence - Softrams services">
+          <p:cNvPr id="328" name="Picture 4" descr="Artificial Intelligence - Softrams services">
             <a:extLst>
               <a:ext uri="{FF2B5EF4-FFF2-40B4-BE49-F238E27FC236}">
-                <a16:creationId xmlns:a16="http://schemas.microsoft.com/office/drawing/2014/main" id="{1F56B8A2-AEC0-40D9-A1EE-D16504AD6CEB}"/>
+                <a16:creationId xmlns:a16="http://schemas.microsoft.com/office/drawing/2014/main" id="{ADB98B40-A385-4967-8360-BE0EDC43405B}"/>
               </a:ext>
             </a:extLst>
           </p:cNvPr>
@@ -13484,7 +14517,7 @@
           <p:nvPr/>
         </p:nvPicPr>
         <p:blipFill>
-          <a:blip r:embed="rId5" cstate="print">
+          <a:blip r:embed="rId4" cstate="print">
             <a:extLst>
               <a:ext uri="{28A0092B-C50C-407E-A947-70E740481C1C}">
                 <a14:useLocalDpi xmlns:a14="http://schemas.microsoft.com/office/drawing/2010/main" val="0"/>
@@ -13498,113 +14531,26 @@
         </p:blipFill>
         <p:spPr bwMode="auto">
           <a:xfrm>
-            <a:off x="9938362" y="5401382"/>
-            <a:ext cx="323326" cy="323326"/>
+            <a:off x="9557119" y="5151773"/>
+            <a:ext cx="323326" cy="263471"/>
           </a:xfrm>
           <a:prstGeom prst="rect">
             <a:avLst/>
           </a:prstGeom>
-          <a:noFill/>
-          <a:extLst>
-            <a:ext uri="{909E8E84-426E-40DD-AFC4-6F175D3DCCD1}">
-              <a14:hiddenFill xmlns:a14="http://schemas.microsoft.com/office/drawing/2010/main">
-                <a:solidFill>
-                  <a:srgbClr val="FFFFFF"/>
-                </a:solidFill>
-              </a14:hiddenFill>
-            </a:ext>
-          </a:extLst>
+          <a:solidFill>
+            <a:schemeClr val="accent1">
+              <a:lumMod val="20000"/>
+              <a:lumOff val="80000"/>
+            </a:schemeClr>
+          </a:solidFill>
         </p:spPr>
       </p:pic>
       <p:pic>
         <p:nvPicPr>
-          <p:cNvPr id="276" name="Picture 12" descr="Data Replication Software - Automated and Real-time | BryteFlow">
+          <p:cNvPr id="330" name="Picture 30" descr="Azure Functions—Develop Faster With Serverless Compute | Microsoft Azure">
             <a:extLst>
               <a:ext uri="{FF2B5EF4-FFF2-40B4-BE49-F238E27FC236}">
-                <a16:creationId xmlns:a16="http://schemas.microsoft.com/office/drawing/2014/main" id="{DD519BAD-B6EF-4FE4-82F3-99B68A2B7E12}"/>
-              </a:ext>
-            </a:extLst>
-          </p:cNvPr>
-          <p:cNvPicPr>
-            <a:picLocks noChangeAspect="1" noChangeArrowheads="1"/>
-          </p:cNvPicPr>
-          <p:nvPr/>
-        </p:nvPicPr>
-        <p:blipFill>
-          <a:blip r:embed="rId7" cstate="print">
-            <a:extLst>
-              <a:ext uri="{28A0092B-C50C-407E-A947-70E740481C1C}">
-                <a14:useLocalDpi xmlns:a14="http://schemas.microsoft.com/office/drawing/2010/main" val="0"/>
-              </a:ext>
-            </a:extLst>
-          </a:blip>
-          <a:srcRect/>
-          <a:stretch>
-            <a:fillRect/>
-          </a:stretch>
-        </p:blipFill>
-        <p:spPr bwMode="auto">
-          <a:xfrm>
-            <a:off x="10532026" y="5373884"/>
-            <a:ext cx="378321" cy="378321"/>
-          </a:xfrm>
-          <a:prstGeom prst="rect">
-            <a:avLst/>
-          </a:prstGeom>
-          <a:noFill/>
-          <a:extLst>
-            <a:ext uri="{909E8E84-426E-40DD-AFC4-6F175D3DCCD1}">
-              <a14:hiddenFill xmlns:a14="http://schemas.microsoft.com/office/drawing/2010/main">
-                <a:solidFill>
-                  <a:srgbClr val="FFFFFF"/>
-                </a:solidFill>
-              </a14:hiddenFill>
-            </a:ext>
-          </a:extLst>
-        </p:spPr>
-      </p:pic>
-      <p:pic>
-        <p:nvPicPr>
-          <p:cNvPr id="277" name="Imagen 276">
-            <a:extLst>
-              <a:ext uri="{FF2B5EF4-FFF2-40B4-BE49-F238E27FC236}">
-                <a16:creationId xmlns:a16="http://schemas.microsoft.com/office/drawing/2014/main" id="{10A8F177-64F0-462D-A95D-B2D67BACB46F}"/>
-              </a:ext>
-            </a:extLst>
-          </p:cNvPr>
-          <p:cNvPicPr>
-            <a:picLocks noChangeAspect="1"/>
-          </p:cNvPicPr>
-          <p:nvPr/>
-        </p:nvPicPr>
-        <p:blipFill>
-          <a:blip r:embed="rId12" cstate="print">
-            <a:extLst>
-              <a:ext uri="{28A0092B-C50C-407E-A947-70E740481C1C}">
-                <a14:useLocalDpi xmlns:a14="http://schemas.microsoft.com/office/drawing/2010/main" val="0"/>
-              </a:ext>
-            </a:extLst>
-          </a:blip>
-          <a:stretch>
-            <a:fillRect/>
-          </a:stretch>
-        </p:blipFill>
-        <p:spPr>
-          <a:xfrm>
-            <a:off x="9075027" y="5373884"/>
-            <a:ext cx="273139" cy="380391"/>
-          </a:xfrm>
-          <a:prstGeom prst="rect">
-            <a:avLst/>
-          </a:prstGeom>
-        </p:spPr>
-      </p:pic>
-      <p:pic>
-        <p:nvPicPr>
-          <p:cNvPr id="278" name="Picture 30" descr="Azure Functions—Develop Faster With Serverless Compute | Microsoft Azure">
-            <a:extLst>
-              <a:ext uri="{FF2B5EF4-FFF2-40B4-BE49-F238E27FC236}">
-                <a16:creationId xmlns:a16="http://schemas.microsoft.com/office/drawing/2014/main" id="{162790EB-1EC4-4E54-AC13-CF2274C34590}"/>
+                <a16:creationId xmlns:a16="http://schemas.microsoft.com/office/drawing/2014/main" id="{CF686113-5D8F-4A9A-A594-6A0F58E38650}"/>
               </a:ext>
             </a:extLst>
           </p:cNvPr>
@@ -13626,30 +14572,67 @@
         </p:blipFill>
         <p:spPr bwMode="auto">
           <a:xfrm>
-            <a:off x="9423926" y="5456973"/>
-            <a:ext cx="323327" cy="293040"/>
+            <a:off x="9153502" y="5125732"/>
+            <a:ext cx="323327" cy="267735"/>
           </a:xfrm>
           <a:prstGeom prst="rect">
             <a:avLst/>
           </a:prstGeom>
-          <a:noFill/>
-          <a:extLst>
-            <a:ext uri="{909E8E84-426E-40DD-AFC4-6F175D3DCCD1}">
-              <a14:hiddenFill xmlns:a14="http://schemas.microsoft.com/office/drawing/2010/main">
-                <a:solidFill>
-                  <a:srgbClr val="FFFFFF"/>
-                </a:solidFill>
-              </a14:hiddenFill>
-            </a:ext>
-          </a:extLst>
+          <a:solidFill>
+            <a:schemeClr val="accent1">
+              <a:lumMod val="20000"/>
+              <a:lumOff val="80000"/>
+            </a:schemeClr>
+          </a:solidFill>
+        </p:spPr>
+      </p:pic>
+      <p:pic>
+        <p:nvPicPr>
+          <p:cNvPr id="331" name="Picture 8" descr="Στατικές ιστοσελίδες με Azure Blob Storage – AzureHeads">
+            <a:extLst>
+              <a:ext uri="{FF2B5EF4-FFF2-40B4-BE49-F238E27FC236}">
+                <a16:creationId xmlns:a16="http://schemas.microsoft.com/office/drawing/2014/main" id="{BCE92600-D460-408A-95A7-72FACEE11CD5}"/>
+              </a:ext>
+            </a:extLst>
+          </p:cNvPr>
+          <p:cNvPicPr>
+            <a:picLocks noChangeAspect="1" noChangeArrowheads="1"/>
+          </p:cNvPicPr>
+          <p:nvPr/>
+        </p:nvPicPr>
+        <p:blipFill rotWithShape="1">
+          <a:blip r:embed="rId23" cstate="print">
+            <a:extLst>
+              <a:ext uri="{28A0092B-C50C-407E-A947-70E740481C1C}">
+                <a14:useLocalDpi xmlns:a14="http://schemas.microsoft.com/office/drawing/2010/main" val="0"/>
+              </a:ext>
+            </a:extLst>
+          </a:blip>
+          <a:srcRect l="19212" r="19403"/>
+          <a:stretch/>
+        </p:blipFill>
+        <p:spPr bwMode="auto">
+          <a:xfrm>
+            <a:off x="8739556" y="5125732"/>
+            <a:ext cx="301357" cy="278030"/>
+          </a:xfrm>
+          <a:prstGeom prst="rect">
+            <a:avLst/>
+          </a:prstGeom>
+          <a:solidFill>
+            <a:schemeClr val="accent1">
+              <a:lumMod val="20000"/>
+              <a:lumOff val="80000"/>
+            </a:schemeClr>
+          </a:solidFill>
         </p:spPr>
       </p:pic>
       <p:sp>
         <p:nvSpPr>
-          <p:cNvPr id="279" name="CuadroTexto 278">
+          <p:cNvPr id="332" name="CuadroTexto 331">
             <a:extLst>
               <a:ext uri="{FF2B5EF4-FFF2-40B4-BE49-F238E27FC236}">
-                <a16:creationId xmlns:a16="http://schemas.microsoft.com/office/drawing/2014/main" id="{25922F9F-E75F-4DB7-8F83-39F28863CFA6}"/>
+                <a16:creationId xmlns:a16="http://schemas.microsoft.com/office/drawing/2014/main" id="{A005D465-3949-4200-97DA-6B06199371AA}"/>
               </a:ext>
             </a:extLst>
           </p:cNvPr>
@@ -13658,13 +14641,18 @@
         </p:nvSpPr>
         <p:spPr>
           <a:xfrm>
-            <a:off x="8618874" y="5424526"/>
-            <a:ext cx="491445" cy="369332"/>
+            <a:off x="9901474" y="5136392"/>
+            <a:ext cx="513797" cy="341632"/>
           </a:xfrm>
           <a:prstGeom prst="rect">
             <a:avLst/>
           </a:prstGeom>
-          <a:noFill/>
+          <a:solidFill>
+            <a:schemeClr val="accent1">
+              <a:lumMod val="20000"/>
+              <a:lumOff val="80000"/>
+            </a:schemeClr>
+          </a:solidFill>
         </p:spPr>
         <p:txBody>
           <a:bodyPr wrap="square">
@@ -13672,188 +14660,148 @@
           </a:bodyPr>
           <a:lstStyle/>
           <a:p>
+            <a:pPr marL="0" lvl="0" indent="0" algn="ctr" defTabSz="977900" rtl="0">
+              <a:lnSpc>
+                <a:spcPct val="90000"/>
+              </a:lnSpc>
+              <a:spcBef>
+                <a:spcPct val="0"/>
+              </a:spcBef>
+              <a:spcAft>
+                <a:spcPct val="35000"/>
+              </a:spcAft>
+              <a:buNone/>
+            </a:pPr>
             <a:r>
-              <a:rPr lang="es-CO" sz="1800" dirty="0"/>
-              <a:t>🔍</a:t>
-            </a:r>
-            <a:r>
-              <a:rPr lang="es-ES" sz="1800" b="1" dirty="0">
+              <a:rPr lang="es-ES" b="1" dirty="0">
                 <a:solidFill>
                   <a:schemeClr val="bg2"/>
                 </a:solidFill>
               </a:rPr>
-              <a:t> </a:t>
+              <a:t>* 5</a:t>
             </a:r>
-            <a:endParaRPr lang="es-CO" dirty="0"/>
+            <a:r>
+              <a:rPr lang="es-ES" sz="1800" b="1" kern="1200" noProof="0" dirty="0">
+                <a:solidFill>
+                  <a:schemeClr val="bg2"/>
+                </a:solidFill>
+              </a:rPr>
+              <a:t>.</a:t>
+            </a:r>
           </a:p>
         </p:txBody>
       </p:sp>
-      <p:grpSp>
-        <p:nvGrpSpPr>
-          <p:cNvPr id="288" name="Grupo 287">
+      <p:sp>
+        <p:nvSpPr>
+          <p:cNvPr id="334" name="CuadroTexto 333">
             <a:extLst>
               <a:ext uri="{FF2B5EF4-FFF2-40B4-BE49-F238E27FC236}">
-                <a16:creationId xmlns:a16="http://schemas.microsoft.com/office/drawing/2014/main" id="{716BF239-927C-41C9-A5A5-1EA4A3B5546B}"/>
+                <a16:creationId xmlns:a16="http://schemas.microsoft.com/office/drawing/2014/main" id="{56DEB10A-E666-420C-9C75-C9F678A991AA}"/>
               </a:ext>
             </a:extLst>
           </p:cNvPr>
-          <p:cNvGrpSpPr/>
+          <p:cNvSpPr txBox="1"/>
           <p:nvPr/>
-        </p:nvGrpSpPr>
-        <p:grpSpPr>
+        </p:nvSpPr>
+        <p:spPr>
           <a:xfrm>
-            <a:off x="8633401" y="6006250"/>
-            <a:ext cx="2516185" cy="516731"/>
-            <a:chOff x="7072979" y="480060"/>
-            <a:chExt cx="2066925" cy="516731"/>
+            <a:off x="10925379" y="5168628"/>
+            <a:ext cx="604230" cy="341632"/>
           </a:xfrm>
+          <a:prstGeom prst="rect">
+            <a:avLst/>
+          </a:prstGeom>
           <a:solidFill>
             <a:schemeClr val="accent1">
-              <a:lumMod val="60000"/>
-              <a:lumOff val="40000"/>
+              <a:lumMod val="20000"/>
+              <a:lumOff val="80000"/>
             </a:schemeClr>
           </a:solidFill>
-        </p:grpSpPr>
-        <p:sp>
-          <p:nvSpPr>
-            <p:cNvPr id="289" name="Rectángulo: esquinas redondeadas 288">
-              <a:extLst>
-                <a:ext uri="{FF2B5EF4-FFF2-40B4-BE49-F238E27FC236}">
-                  <a16:creationId xmlns:a16="http://schemas.microsoft.com/office/drawing/2014/main" id="{A40E3E68-AA33-4E35-9B9D-40C6486528C9}"/>
-                </a:ext>
-              </a:extLst>
-            </p:cNvPr>
-            <p:cNvSpPr/>
-            <p:nvPr/>
-          </p:nvSpPr>
-          <p:spPr>
-            <a:xfrm>
-              <a:off x="7072979" y="480060"/>
-              <a:ext cx="2066925" cy="516731"/>
-            </a:xfrm>
-            <a:prstGeom prst="roundRect">
-              <a:avLst>
-                <a:gd name="adj" fmla="val 10000"/>
-              </a:avLst>
-            </a:prstGeom>
-            <a:solidFill>
-              <a:schemeClr val="accent1">
-                <a:lumMod val="50000"/>
-              </a:schemeClr>
-            </a:solidFill>
-            <a:ln>
-              <a:solidFill>
-                <a:schemeClr val="accent1">
-                  <a:lumMod val="60000"/>
-                  <a:lumOff val="40000"/>
-                </a:schemeClr>
-              </a:solidFill>
-            </a:ln>
-          </p:spPr>
-          <p:style>
-            <a:lnRef idx="0">
-              <a:schemeClr val="lt1">
-                <a:hueOff val="0"/>
-                <a:satOff val="0"/>
-                <a:lumOff val="0"/>
-                <a:alphaOff val="0"/>
-              </a:schemeClr>
-            </a:lnRef>
-            <a:fillRef idx="3">
-              <a:schemeClr val="accent1">
-                <a:hueOff val="0"/>
-                <a:satOff val="0"/>
-                <a:lumOff val="0"/>
-                <a:alphaOff val="0"/>
-              </a:schemeClr>
-            </a:fillRef>
-            <a:effectRef idx="2">
-              <a:schemeClr val="accent1">
-                <a:hueOff val="0"/>
-                <a:satOff val="0"/>
-                <a:lumOff val="0"/>
-                <a:alphaOff val="0"/>
-              </a:schemeClr>
-            </a:effectRef>
-            <a:fontRef idx="minor">
-              <a:schemeClr val="lt1"/>
-            </a:fontRef>
-          </p:style>
-        </p:sp>
-        <p:sp>
-          <p:nvSpPr>
-            <p:cNvPr id="290" name="Rectángulo: esquinas redondeadas 4">
-              <a:extLst>
-                <a:ext uri="{FF2B5EF4-FFF2-40B4-BE49-F238E27FC236}">
-                  <a16:creationId xmlns:a16="http://schemas.microsoft.com/office/drawing/2014/main" id="{4CCBE5BE-8F86-4601-B224-0712826C1A79}"/>
-                </a:ext>
-              </a:extLst>
-            </p:cNvPr>
-            <p:cNvSpPr txBox="1"/>
-            <p:nvPr/>
-          </p:nvSpPr>
-          <p:spPr>
-            <a:xfrm>
-              <a:off x="7088710" y="483867"/>
-              <a:ext cx="2035386" cy="486461"/>
-            </a:xfrm>
-            <a:prstGeom prst="rect">
-              <a:avLst/>
-            </a:prstGeom>
-            <a:grpFill/>
-            <a:ln>
-              <a:solidFill>
-                <a:srgbClr val="00B050"/>
-              </a:solidFill>
-            </a:ln>
-          </p:spPr>
-          <p:style>
-            <a:lnRef idx="0">
-              <a:scrgbClr r="0" g="0" b="0"/>
-            </a:lnRef>
-            <a:fillRef idx="0">
-              <a:scrgbClr r="0" g="0" b="0"/>
-            </a:fillRef>
-            <a:effectRef idx="0">
-              <a:scrgbClr r="0" g="0" b="0"/>
-            </a:effectRef>
-            <a:fontRef idx="minor">
-              <a:schemeClr val="lt1"/>
-            </a:fontRef>
-          </p:style>
-          <p:txBody>
-            <a:bodyPr spcFirstLastPara="0" vert="horz" wrap="square" lIns="27940" tIns="27940" rIns="27940" bIns="27940" numCol="1" spcCol="1270" rtlCol="0" anchor="ctr" anchorCtr="0">
-              <a:noAutofit/>
-            </a:bodyPr>
-            <a:lstStyle/>
-            <a:p>
-              <a:pPr marL="0" lvl="0" indent="0" algn="ctr" defTabSz="977900" rtl="0">
-                <a:lnSpc>
-                  <a:spcPct val="90000"/>
-                </a:lnSpc>
-                <a:spcBef>
-                  <a:spcPct val="0"/>
-                </a:spcBef>
-                <a:spcAft>
-                  <a:spcPct val="35000"/>
-                </a:spcAft>
-                <a:buNone/>
-              </a:pPr>
-              <a:endParaRPr lang="es-ES" sz="1600" b="1" kern="1200" noProof="0" dirty="0">
+        </p:spPr>
+        <p:txBody>
+          <a:bodyPr wrap="square">
+            <a:spAutoFit/>
+          </a:bodyPr>
+          <a:lstStyle/>
+          <a:p>
+            <a:pPr marL="0" lvl="0" indent="0" algn="ctr" defTabSz="977900" rtl="0">
+              <a:lnSpc>
+                <a:spcPct val="90000"/>
+              </a:lnSpc>
+              <a:spcBef>
+                <a:spcPct val="0"/>
+              </a:spcBef>
+              <a:spcAft>
+                <a:spcPct val="35000"/>
+              </a:spcAft>
+              <a:buNone/>
+            </a:pPr>
+            <a:r>
+              <a:rPr lang="es-ES" b="1" dirty="0">
                 <a:solidFill>
                   <a:schemeClr val="bg2"/>
                 </a:solidFill>
-              </a:endParaRPr>
-            </a:p>
-          </p:txBody>
-        </p:sp>
-      </p:grpSp>
+              </a:rPr>
+              <a:t>* 14</a:t>
+            </a:r>
+            <a:r>
+              <a:rPr lang="es-ES" sz="1800" b="1" kern="1200" noProof="0" dirty="0">
+                <a:solidFill>
+                  <a:schemeClr val="bg2"/>
+                </a:solidFill>
+              </a:rPr>
+              <a:t>.</a:t>
+            </a:r>
+          </a:p>
+        </p:txBody>
+      </p:sp>
       <p:pic>
         <p:nvPicPr>
-          <p:cNvPr id="291" name="Imagen 290">
+          <p:cNvPr id="335" name="Imagen 334">
+            <a:hlinkClick r:id="rId12" action="ppaction://hlinksldjump" tooltip="DataSet."/>
             <a:extLst>
               <a:ext uri="{FF2B5EF4-FFF2-40B4-BE49-F238E27FC236}">
-                <a16:creationId xmlns:a16="http://schemas.microsoft.com/office/drawing/2014/main" id="{10BA8EA1-384F-462A-B60D-9F03721A23F4}"/>
+                <a16:creationId xmlns:a16="http://schemas.microsoft.com/office/drawing/2014/main" id="{5C5EADFD-C1C7-4636-8CB7-A5E5FCAB4BED}"/>
+              </a:ext>
+            </a:extLst>
+          </p:cNvPr>
+          <p:cNvPicPr>
+            <a:picLocks noChangeAspect="1"/>
+          </p:cNvPicPr>
+          <p:nvPr/>
+        </p:nvPicPr>
+        <p:blipFill rotWithShape="1">
+          <a:blip r:embed="rId25"/>
+          <a:srcRect l="6391" r="6391" b="8007"/>
+          <a:stretch/>
+        </p:blipFill>
+        <p:spPr>
+          <a:xfrm>
+            <a:off x="8394320" y="5149896"/>
+            <a:ext cx="248864" cy="243615"/>
+          </a:xfrm>
+          <a:prstGeom prst="rect">
+            <a:avLst/>
+          </a:prstGeom>
+          <a:solidFill>
+            <a:schemeClr val="accent1">
+              <a:lumMod val="20000"/>
+              <a:lumOff val="80000"/>
+            </a:schemeClr>
+          </a:solidFill>
+          <a:ln>
+            <a:solidFill>
+              <a:srgbClr val="00B050"/>
+            </a:solidFill>
+          </a:ln>
+        </p:spPr>
+      </p:pic>
+      <p:pic>
+        <p:nvPicPr>
+          <p:cNvPr id="336" name="Imagen 335">
+            <a:extLst>
+              <a:ext uri="{FF2B5EF4-FFF2-40B4-BE49-F238E27FC236}">
+                <a16:creationId xmlns:a16="http://schemas.microsoft.com/office/drawing/2014/main" id="{E8EC3A86-B315-42A3-A2D5-CECBDD7C6981}"/>
               </a:ext>
             </a:extLst>
           </p:cNvPr>
@@ -13876,20 +14824,26 @@
         </p:blipFill>
         <p:spPr>
           <a:xfrm>
-            <a:off x="9945275" y="6115871"/>
+            <a:off x="9153502" y="5884155"/>
             <a:ext cx="664727" cy="235676"/>
           </a:xfrm>
           <a:prstGeom prst="rect">
             <a:avLst/>
           </a:prstGeom>
+          <a:solidFill>
+            <a:schemeClr val="accent1">
+              <a:lumMod val="20000"/>
+              <a:lumOff val="80000"/>
+            </a:schemeClr>
+          </a:solidFill>
         </p:spPr>
       </p:pic>
       <p:sp>
         <p:nvSpPr>
-          <p:cNvPr id="292" name="CuadroTexto 291">
+          <p:cNvPr id="337" name="CuadroTexto 336">
             <a:extLst>
               <a:ext uri="{FF2B5EF4-FFF2-40B4-BE49-F238E27FC236}">
-                <a16:creationId xmlns:a16="http://schemas.microsoft.com/office/drawing/2014/main" id="{C566CD3D-ACD2-45B8-9595-205E8D089075}"/>
+                <a16:creationId xmlns:a16="http://schemas.microsoft.com/office/drawing/2014/main" id="{2DADE513-16E6-4337-A783-A0D0759688AF}"/>
               </a:ext>
             </a:extLst>
           </p:cNvPr>
@@ -13898,13 +14852,18 @@
         </p:nvSpPr>
         <p:spPr>
           <a:xfrm>
-            <a:off x="9382772" y="6074123"/>
-            <a:ext cx="491445" cy="369332"/>
+            <a:off x="9895862" y="5831177"/>
+            <a:ext cx="751376" cy="341632"/>
           </a:xfrm>
           <a:prstGeom prst="rect">
             <a:avLst/>
           </a:prstGeom>
-          <a:noFill/>
+          <a:solidFill>
+            <a:schemeClr val="accent1">
+              <a:lumMod val="20000"/>
+              <a:lumOff val="80000"/>
+            </a:schemeClr>
+          </a:solidFill>
         </p:spPr>
         <p:txBody>
           <a:bodyPr wrap="square">
@@ -13912,260 +14871,247 @@
           </a:bodyPr>
           <a:lstStyle/>
           <a:p>
+            <a:pPr marL="0" lvl="0" indent="0" algn="ctr" defTabSz="977900" rtl="0">
+              <a:lnSpc>
+                <a:spcPct val="90000"/>
+              </a:lnSpc>
+              <a:spcBef>
+                <a:spcPct val="0"/>
+              </a:spcBef>
+              <a:spcAft>
+                <a:spcPct val="35000"/>
+              </a:spcAft>
+              <a:buNone/>
+            </a:pPr>
             <a:r>
-              <a:rPr lang="es-CO" sz="1800" dirty="0"/>
-              <a:t>🔍</a:t>
-            </a:r>
-            <a:r>
-              <a:rPr lang="es-ES" sz="1800" b="1" dirty="0">
+              <a:rPr lang="es-ES" sz="1800" b="1" kern="1200" noProof="0" dirty="0">
                 <a:solidFill>
                   <a:schemeClr val="bg2"/>
                 </a:solidFill>
               </a:rPr>
-              <a:t> </a:t>
+              <a:t>&gt; 120.</a:t>
             </a:r>
-            <a:endParaRPr lang="es-CO" dirty="0"/>
           </a:p>
         </p:txBody>
       </p:sp>
-      <p:grpSp>
-        <p:nvGrpSpPr>
-          <p:cNvPr id="301" name="Grupo 300">
+      <p:pic>
+        <p:nvPicPr>
+          <p:cNvPr id="338" name="Picture 20">
             <a:extLst>
               <a:ext uri="{FF2B5EF4-FFF2-40B4-BE49-F238E27FC236}">
-                <a16:creationId xmlns:a16="http://schemas.microsoft.com/office/drawing/2014/main" id="{11175A97-4827-4687-B6E7-BF53917DE5DF}"/>
-              </a:ext>
-            </a:extLst>
-          </p:cNvPr>
-          <p:cNvGrpSpPr/>
-          <p:nvPr/>
-        </p:nvGrpSpPr>
-        <p:grpSpPr>
-          <a:xfrm>
-            <a:off x="4097381" y="5989489"/>
-            <a:ext cx="2516186" cy="516731"/>
-            <a:chOff x="7072979" y="480060"/>
-            <a:chExt cx="2066925" cy="516731"/>
-          </a:xfrm>
-          <a:solidFill>
-            <a:schemeClr val="accent5">
-              <a:lumMod val="40000"/>
-              <a:lumOff val="60000"/>
-            </a:schemeClr>
-          </a:solidFill>
-        </p:grpSpPr>
-        <p:sp>
-          <p:nvSpPr>
-            <p:cNvPr id="302" name="Rectángulo: esquinas redondeadas 301">
-              <a:extLst>
-                <a:ext uri="{FF2B5EF4-FFF2-40B4-BE49-F238E27FC236}">
-                  <a16:creationId xmlns:a16="http://schemas.microsoft.com/office/drawing/2014/main" id="{5236D47D-5DCC-485D-ACBD-0CB45EE59520}"/>
-                </a:ext>
-              </a:extLst>
-            </p:cNvPr>
-            <p:cNvSpPr/>
-            <p:nvPr/>
-          </p:nvSpPr>
-          <p:spPr>
-            <a:xfrm>
-              <a:off x="7072979" y="480060"/>
-              <a:ext cx="2066925" cy="516731"/>
-            </a:xfrm>
-            <a:prstGeom prst="roundRect">
-              <a:avLst>
-                <a:gd name="adj" fmla="val 10000"/>
-              </a:avLst>
-            </a:prstGeom>
-            <a:solidFill>
-              <a:srgbClr val="FF0000"/>
-            </a:solidFill>
-            <a:ln>
-              <a:solidFill>
-                <a:schemeClr val="accent5">
-                  <a:lumMod val="60000"/>
-                  <a:lumOff val="40000"/>
-                </a:schemeClr>
-              </a:solidFill>
-            </a:ln>
-          </p:spPr>
-          <p:style>
-            <a:lnRef idx="0">
-              <a:schemeClr val="lt1">
-                <a:hueOff val="0"/>
-                <a:satOff val="0"/>
-                <a:lumOff val="0"/>
-                <a:alphaOff val="0"/>
-              </a:schemeClr>
-            </a:lnRef>
-            <a:fillRef idx="3">
-              <a:schemeClr val="accent1">
-                <a:hueOff val="0"/>
-                <a:satOff val="0"/>
-                <a:lumOff val="0"/>
-                <a:alphaOff val="0"/>
-              </a:schemeClr>
-            </a:fillRef>
-            <a:effectRef idx="2">
-              <a:schemeClr val="accent1">
-                <a:hueOff val="0"/>
-                <a:satOff val="0"/>
-                <a:lumOff val="0"/>
-                <a:alphaOff val="0"/>
-              </a:schemeClr>
-            </a:effectRef>
-            <a:fontRef idx="minor">
-              <a:schemeClr val="lt1"/>
-            </a:fontRef>
-          </p:style>
-        </p:sp>
-        <p:sp>
-          <p:nvSpPr>
-            <p:cNvPr id="303" name="Rectángulo: esquinas redondeadas 4">
-              <a:extLst>
-                <a:ext uri="{FF2B5EF4-FFF2-40B4-BE49-F238E27FC236}">
-                  <a16:creationId xmlns:a16="http://schemas.microsoft.com/office/drawing/2014/main" id="{C6ADDCDC-A515-4E86-BD97-5444DA0EE471}"/>
-                </a:ext>
-              </a:extLst>
-            </p:cNvPr>
-            <p:cNvSpPr txBox="1"/>
-            <p:nvPr/>
-          </p:nvSpPr>
-          <p:spPr>
-            <a:xfrm>
-              <a:off x="7087441" y="483867"/>
-              <a:ext cx="2036655" cy="486461"/>
-            </a:xfrm>
-            <a:prstGeom prst="rect">
-              <a:avLst/>
-            </a:prstGeom>
-            <a:grpFill/>
-            <a:ln>
-              <a:solidFill>
-                <a:srgbClr val="FF0000"/>
-              </a:solidFill>
-            </a:ln>
-          </p:spPr>
-          <p:style>
-            <a:lnRef idx="0">
-              <a:scrgbClr r="0" g="0" b="0"/>
-            </a:lnRef>
-            <a:fillRef idx="0">
-              <a:scrgbClr r="0" g="0" b="0"/>
-            </a:fillRef>
-            <a:effectRef idx="0">
-              <a:scrgbClr r="0" g="0" b="0"/>
-            </a:effectRef>
-            <a:fontRef idx="minor">
-              <a:schemeClr val="lt1"/>
-            </a:fontRef>
-          </p:style>
-          <p:txBody>
-            <a:bodyPr spcFirstLastPara="0" vert="horz" wrap="square" lIns="27940" tIns="27940" rIns="27940" bIns="27940" numCol="1" spcCol="1270" rtlCol="0" anchor="ctr" anchorCtr="0">
-              <a:noAutofit/>
-            </a:bodyPr>
-            <a:lstStyle/>
-            <a:p>
-              <a:pPr marL="0" lvl="0" indent="0" algn="ctr" defTabSz="977900" rtl="0">
-                <a:lnSpc>
-                  <a:spcPct val="90000"/>
-                </a:lnSpc>
-                <a:spcBef>
-                  <a:spcPct val="0"/>
-                </a:spcBef>
-                <a:spcAft>
-                  <a:spcPct val="35000"/>
-                </a:spcAft>
-                <a:buNone/>
-              </a:pPr>
-              <a:endParaRPr lang="es-ES" sz="1600" b="1" kern="1200" noProof="0" dirty="0">
-                <a:solidFill>
-                  <a:schemeClr val="bg2"/>
-                </a:solidFill>
-              </a:endParaRPr>
-            </a:p>
-          </p:txBody>
-        </p:sp>
-      </p:grpSp>
-      <p:pic>
-        <p:nvPicPr>
-          <p:cNvPr id="304" name="Imagen 303">
-            <a:extLst>
-              <a:ext uri="{FF2B5EF4-FFF2-40B4-BE49-F238E27FC236}">
-                <a16:creationId xmlns:a16="http://schemas.microsoft.com/office/drawing/2014/main" id="{95D98126-4631-4EAF-BD72-D022D5897A83}"/>
+                <a16:creationId xmlns:a16="http://schemas.microsoft.com/office/drawing/2014/main" id="{FE2DD556-A38E-4307-B12A-D8070055E460}"/>
               </a:ext>
             </a:extLst>
           </p:cNvPr>
           <p:cNvPicPr>
-            <a:picLocks noChangeAspect="1"/>
+            <a:picLocks noChangeAspect="1" noChangeArrowheads="1"/>
           </p:cNvPicPr>
           <p:nvPr/>
         </p:nvPicPr>
         <p:blipFill>
-          <a:blip r:embed="rId14">
+          <a:blip r:embed="rId24" cstate="print">
             <a:extLst>
               <a:ext uri="{28A0092B-C50C-407E-A947-70E740481C1C}">
                 <a14:useLocalDpi xmlns:a14="http://schemas.microsoft.com/office/drawing/2010/main" val="0"/>
               </a:ext>
             </a:extLst>
           </a:blip>
+          <a:srcRect/>
           <a:stretch>
             <a:fillRect/>
           </a:stretch>
         </p:blipFill>
-        <p:spPr>
+        <p:spPr bwMode="auto">
           <a:xfrm>
-            <a:off x="5415251" y="6092217"/>
-            <a:ext cx="664727" cy="235676"/>
+            <a:off x="10677929" y="4464884"/>
+            <a:ext cx="310183" cy="265512"/>
           </a:xfrm>
           <a:prstGeom prst="rect">
             <a:avLst/>
           </a:prstGeom>
+          <a:solidFill>
+            <a:schemeClr val="accent1">
+              <a:lumMod val="20000"/>
+              <a:lumOff val="80000"/>
+            </a:schemeClr>
+          </a:solidFill>
         </p:spPr>
       </p:pic>
-      <p:sp>
-        <p:nvSpPr>
-          <p:cNvPr id="305" name="CuadroTexto 304">
+      <p:pic>
+        <p:nvPicPr>
+          <p:cNvPr id="339" name="Picture 20">
             <a:extLst>
               <a:ext uri="{FF2B5EF4-FFF2-40B4-BE49-F238E27FC236}">
-                <a16:creationId xmlns:a16="http://schemas.microsoft.com/office/drawing/2014/main" id="{AB2ECB56-201A-4964-A875-FD36754AA31B}"/>
+                <a16:creationId xmlns:a16="http://schemas.microsoft.com/office/drawing/2014/main" id="{C0D55ACB-6ECC-476A-AA23-DB37545E98D3}"/>
               </a:ext>
             </a:extLst>
           </p:cNvPr>
-          <p:cNvSpPr txBox="1"/>
+          <p:cNvPicPr>
+            <a:picLocks noChangeAspect="1" noChangeArrowheads="1"/>
+          </p:cNvPicPr>
           <p:nvPr/>
-        </p:nvSpPr>
-        <p:spPr>
+        </p:nvPicPr>
+        <p:blipFill>
+          <a:blip r:embed="rId24" cstate="print">
+            <a:extLst>
+              <a:ext uri="{28A0092B-C50C-407E-A947-70E740481C1C}">
+                <a14:useLocalDpi xmlns:a14="http://schemas.microsoft.com/office/drawing/2010/main" val="0"/>
+              </a:ext>
+            </a:extLst>
+          </a:blip>
+          <a:srcRect/>
+          <a:stretch>
+            <a:fillRect/>
+          </a:stretch>
+        </p:blipFill>
+        <p:spPr bwMode="auto">
           <a:xfrm>
-            <a:off x="4852748" y="6050469"/>
-            <a:ext cx="491445" cy="369332"/>
+            <a:off x="10698958" y="5160944"/>
+            <a:ext cx="310183" cy="265512"/>
+          </a:xfrm>
+          <a:prstGeom prst="rect">
+            <a:avLst/>
+          </a:prstGeom>
+          <a:solidFill>
+            <a:schemeClr val="accent1">
+              <a:lumMod val="20000"/>
+              <a:lumOff val="80000"/>
+            </a:schemeClr>
+          </a:solidFill>
+        </p:spPr>
+      </p:pic>
+      <p:pic>
+        <p:nvPicPr>
+          <p:cNvPr id="340" name="Picture 12" descr="Data Replication Software - Automated and Real-time | BryteFlow">
+            <a:extLst>
+              <a:ext uri="{FF2B5EF4-FFF2-40B4-BE49-F238E27FC236}">
+                <a16:creationId xmlns:a16="http://schemas.microsoft.com/office/drawing/2014/main" id="{92E73762-ED6A-42BC-A908-16B9715CE7D9}"/>
+              </a:ext>
+            </a:extLst>
+          </p:cNvPr>
+          <p:cNvPicPr>
+            <a:picLocks noChangeAspect="1" noChangeArrowheads="1"/>
+          </p:cNvPicPr>
+          <p:nvPr/>
+        </p:nvPicPr>
+        <p:blipFill>
+          <a:blip r:embed="rId6" cstate="print">
+            <a:extLst>
+              <a:ext uri="{28A0092B-C50C-407E-A947-70E740481C1C}">
+                <a14:useLocalDpi xmlns:a14="http://schemas.microsoft.com/office/drawing/2010/main" val="0"/>
+              </a:ext>
+            </a:extLst>
+          </a:blip>
+          <a:srcRect/>
+          <a:stretch>
+            <a:fillRect/>
+          </a:stretch>
+        </p:blipFill>
+        <p:spPr bwMode="auto">
+          <a:xfrm>
+            <a:off x="10322234" y="4474265"/>
+            <a:ext cx="318819" cy="273766"/>
+          </a:xfrm>
+          <a:prstGeom prst="rect">
+            <a:avLst/>
+          </a:prstGeom>
+          <a:solidFill>
+            <a:schemeClr val="accent1">
+              <a:lumMod val="20000"/>
+              <a:lumOff val="80000"/>
+            </a:schemeClr>
+          </a:solidFill>
+        </p:spPr>
+      </p:pic>
+      <p:pic>
+        <p:nvPicPr>
+          <p:cNvPr id="341" name="Picture 12" descr="Data Replication Software - Automated and Real-time | BryteFlow">
+            <a:extLst>
+              <a:ext uri="{FF2B5EF4-FFF2-40B4-BE49-F238E27FC236}">
+                <a16:creationId xmlns:a16="http://schemas.microsoft.com/office/drawing/2014/main" id="{EBEAF483-EF8A-42CB-B362-FF96719462C7}"/>
+              </a:ext>
+            </a:extLst>
+          </p:cNvPr>
+          <p:cNvPicPr>
+            <a:picLocks noChangeAspect="1" noChangeArrowheads="1"/>
+          </p:cNvPicPr>
+          <p:nvPr/>
+        </p:nvPicPr>
+        <p:blipFill>
+          <a:blip r:embed="rId6" cstate="print">
+            <a:extLst>
+              <a:ext uri="{28A0092B-C50C-407E-A947-70E740481C1C}">
+                <a14:useLocalDpi xmlns:a14="http://schemas.microsoft.com/office/drawing/2010/main" val="0"/>
+              </a:ext>
+            </a:extLst>
+          </a:blip>
+          <a:srcRect/>
+          <a:stretch>
+            <a:fillRect/>
+          </a:stretch>
+        </p:blipFill>
+        <p:spPr bwMode="auto">
+          <a:xfrm>
+            <a:off x="10343263" y="5170325"/>
+            <a:ext cx="318819" cy="273766"/>
+          </a:xfrm>
+          <a:prstGeom prst="rect">
+            <a:avLst/>
+          </a:prstGeom>
+          <a:solidFill>
+            <a:schemeClr val="accent1">
+              <a:lumMod val="20000"/>
+              <a:lumOff val="80000"/>
+            </a:schemeClr>
+          </a:solidFill>
+        </p:spPr>
+      </p:pic>
+      <p:pic>
+        <p:nvPicPr>
+          <p:cNvPr id="342" name="Picture 24" descr="Microsoft Azure Logo, symbol, meaning, history, PNG, brand">
+            <a:hlinkClick r:id="rId12" action="ppaction://hlinksldjump" tooltip="Azure."/>
+            <a:extLst>
+              <a:ext uri="{FF2B5EF4-FFF2-40B4-BE49-F238E27FC236}">
+                <a16:creationId xmlns:a16="http://schemas.microsoft.com/office/drawing/2014/main" id="{0B755C3A-DED0-4E00-94CB-00C51FAA5212}"/>
+              </a:ext>
+            </a:extLst>
+          </p:cNvPr>
+          <p:cNvPicPr>
+            <a:picLocks noChangeAspect="1" noChangeArrowheads="1"/>
+          </p:cNvPicPr>
+          <p:nvPr/>
+        </p:nvPicPr>
+        <p:blipFill rotWithShape="1">
+          <a:blip r:embed="rId13" cstate="print">
+            <a:extLst>
+              <a:ext uri="{28A0092B-C50C-407E-A947-70E740481C1C}">
+                <a14:useLocalDpi xmlns:a14="http://schemas.microsoft.com/office/drawing/2010/main" val="0"/>
+              </a:ext>
+            </a:extLst>
+          </a:blip>
+          <a:srcRect l="21083" r="20768"/>
+          <a:stretch/>
+        </p:blipFill>
+        <p:spPr bwMode="auto">
+          <a:xfrm>
+            <a:off x="9280639" y="1521632"/>
+            <a:ext cx="270638" cy="261801"/>
           </a:xfrm>
           <a:prstGeom prst="rect">
             <a:avLst/>
           </a:prstGeom>
           <a:noFill/>
+          <a:extLst>
+            <a:ext uri="{909E8E84-426E-40DD-AFC4-6F175D3DCCD1}">
+              <a14:hiddenFill xmlns:a14="http://schemas.microsoft.com/office/drawing/2010/main">
+                <a:solidFill>
+                  <a:srgbClr val="FFFFFF"/>
+                </a:solidFill>
+              </a14:hiddenFill>
+            </a:ext>
+          </a:extLst>
         </p:spPr>
-        <p:txBody>
-          <a:bodyPr wrap="square">
-            <a:spAutoFit/>
-          </a:bodyPr>
-          <a:lstStyle/>
-          <a:p>
-            <a:r>
-              <a:rPr lang="es-CO" sz="1800" dirty="0"/>
-              <a:t>🔍</a:t>
-            </a:r>
-            <a:r>
-              <a:rPr lang="es-ES" sz="1800" b="1" dirty="0">
-                <a:solidFill>
-                  <a:schemeClr val="bg2"/>
-                </a:solidFill>
-              </a:rPr>
-              <a:t> </a:t>
-            </a:r>
-            <a:endParaRPr lang="es-CO" dirty="0"/>
-          </a:p>
-        </p:txBody>
-      </p:sp>
+      </p:pic>
     </p:spTree>
     <p:extLst>
       <p:ext uri="{BB962C8B-B14F-4D97-AF65-F5344CB8AC3E}">
@@ -14576,10 +15522,10 @@
       </p:sp>
       <p:pic>
         <p:nvPicPr>
-          <p:cNvPr id="4" name="Imagen 3">
+          <p:cNvPr id="5" name="Imagen 4">
             <a:extLst>
               <a:ext uri="{FF2B5EF4-FFF2-40B4-BE49-F238E27FC236}">
-                <a16:creationId xmlns:a16="http://schemas.microsoft.com/office/drawing/2014/main" id="{BE5DFC70-B7F4-4252-8F29-2D745172A987}"/>
+                <a16:creationId xmlns:a16="http://schemas.microsoft.com/office/drawing/2014/main" id="{A9F62792-2081-4D1C-91DD-9D2EA612C511}"/>
               </a:ext>
             </a:extLst>
           </p:cNvPr>
@@ -14596,8 +15542,8 @@
         </p:blipFill>
         <p:spPr>
           <a:xfrm>
-            <a:off x="2495600" y="952128"/>
-            <a:ext cx="7393558" cy="4133055"/>
+            <a:off x="2783632" y="880119"/>
+            <a:ext cx="7074986" cy="4277073"/>
           </a:xfrm>
           <a:prstGeom prst="rect">
             <a:avLst/>
@@ -14606,10 +15552,10 @@
       </p:pic>
       <p:sp>
         <p:nvSpPr>
-          <p:cNvPr id="9" name="CuadroTexto 8">
+          <p:cNvPr id="13" name="CuadroTexto 12">
             <a:extLst>
               <a:ext uri="{FF2B5EF4-FFF2-40B4-BE49-F238E27FC236}">
-                <a16:creationId xmlns:a16="http://schemas.microsoft.com/office/drawing/2014/main" id="{361E0BDE-1979-46CD-9707-542825D06C62}"/>
+                <a16:creationId xmlns:a16="http://schemas.microsoft.com/office/drawing/2014/main" id="{0349F266-8F74-4D71-AF90-A74869CBE55F}"/>
               </a:ext>
             </a:extLst>
           </p:cNvPr>
@@ -14618,7 +15564,7 @@
         </p:nvSpPr>
         <p:spPr>
           <a:xfrm>
-            <a:off x="2567608" y="1927865"/>
+            <a:off x="2855640" y="1772816"/>
             <a:ext cx="288032" cy="276999"/>
           </a:xfrm>
           <a:prstGeom prst="rect">
@@ -14710,36 +15656,6 @@
           </a:p>
         </p:txBody>
       </p:sp>
-      <p:graphicFrame>
-        <p:nvGraphicFramePr>
-          <p:cNvPr id="7" name="Gráfico 6">
-            <a:extLst>
-              <a:ext uri="{FF2B5EF4-FFF2-40B4-BE49-F238E27FC236}">
-                <a16:creationId xmlns:a16="http://schemas.microsoft.com/office/drawing/2014/main" id="{DFDD1AF0-CE04-4303-B96A-E331F9FE0308}"/>
-              </a:ext>
-            </a:extLst>
-          </p:cNvPr>
-          <p:cNvGraphicFramePr>
-            <a:graphicFrameLocks/>
-          </p:cNvGraphicFramePr>
-          <p:nvPr>
-            <p:extLst>
-              <p:ext uri="{D42A27DB-BD31-4B8C-83A1-F6EECF244321}">
-                <p14:modId xmlns:p14="http://schemas.microsoft.com/office/powerpoint/2010/main" val="3006406580"/>
-              </p:ext>
-            </p:extLst>
-          </p:nvPr>
-        </p:nvGraphicFramePr>
-        <p:xfrm>
-          <a:off x="1343472" y="1124744"/>
-          <a:ext cx="9865095" cy="4608512"/>
-        </p:xfrm>
-        <a:graphic>
-          <a:graphicData uri="http://schemas.openxmlformats.org/drawingml/2006/chart">
-            <c:chart xmlns:c="http://schemas.openxmlformats.org/drawingml/2006/chart" xmlns:r="http://schemas.openxmlformats.org/officeDocument/2006/relationships" r:id="rId3"/>
-          </a:graphicData>
-        </a:graphic>
-      </p:graphicFrame>
       <p:sp>
         <p:nvSpPr>
           <p:cNvPr id="15" name="Marcador de posición de contenido 13">
@@ -14819,6 +15735,36 @@
           </a:p>
         </p:txBody>
       </p:sp>
+      <p:graphicFrame>
+        <p:nvGraphicFramePr>
+          <p:cNvPr id="6" name="Gráfico 5">
+            <a:extLst>
+              <a:ext uri="{FF2B5EF4-FFF2-40B4-BE49-F238E27FC236}">
+                <a16:creationId xmlns:a16="http://schemas.microsoft.com/office/drawing/2014/main" id="{DFDD1AF0-CE04-4303-B96A-E331F9FE0308}"/>
+              </a:ext>
+            </a:extLst>
+          </p:cNvPr>
+          <p:cNvGraphicFramePr>
+            <a:graphicFrameLocks/>
+          </p:cNvGraphicFramePr>
+          <p:nvPr>
+            <p:extLst>
+              <p:ext uri="{D42A27DB-BD31-4B8C-83A1-F6EECF244321}">
+                <p14:modId xmlns:p14="http://schemas.microsoft.com/office/powerpoint/2010/main" val="340945243"/>
+              </p:ext>
+            </p:extLst>
+          </p:nvPr>
+        </p:nvGraphicFramePr>
+        <p:xfrm>
+          <a:off x="551384" y="1304925"/>
+          <a:ext cx="11233247" cy="4248149"/>
+        </p:xfrm>
+        <a:graphic>
+          <a:graphicData uri="http://schemas.openxmlformats.org/drawingml/2006/chart">
+            <c:chart xmlns:c="http://schemas.openxmlformats.org/drawingml/2006/chart" xmlns:r="http://schemas.openxmlformats.org/officeDocument/2006/relationships" r:id="rId3"/>
+          </a:graphicData>
+        </a:graphic>
+      </p:graphicFrame>
     </p:spTree>
     <p:extLst>
       <p:ext uri="{BB962C8B-B14F-4D97-AF65-F5344CB8AC3E}">
@@ -15491,7 +16437,7 @@
             <p:ph sz="half" idx="2"/>
             <p:extLst>
               <p:ext uri="{D42A27DB-BD31-4B8C-83A1-F6EECF244321}">
-                <p14:modId xmlns:p14="http://schemas.microsoft.com/office/powerpoint/2010/main" val="4227638658"/>
+                <p14:modId xmlns:p14="http://schemas.microsoft.com/office/powerpoint/2010/main" val="2796358312"/>
               </p:ext>
             </p:extLst>
           </p:nvPr>
@@ -15640,7 +16586,7 @@
                       <a:pPr algn="ctr"/>
                       <a:r>
                         <a:rPr lang="es-CO" sz="1400" dirty="0"/>
-                        <a:t>✅ Azure Data Factory.</a:t>
+                        <a:t>Azure Data Factory.</a:t>
                       </a:r>
                     </a:p>
                   </a:txBody>
@@ -15697,7 +16643,7 @@
                       <a:pPr algn="ctr"/>
                       <a:r>
                         <a:rPr lang="es-CO" sz="1400" dirty="0"/>
-                        <a:t>✅ Azure Data Factory Studio.</a:t>
+                        <a:t>Azure Data Factory Studio.</a:t>
                       </a:r>
                     </a:p>
                   </a:txBody>
@@ -15776,7 +16722,7 @@
                       <a:pPr algn="ctr"/>
                       <a:r>
                         <a:rPr lang="es-CO" sz="1400" dirty="0"/>
-                        <a:t>✅ Azure Key Vault.</a:t>
+                        <a:t>Azure Key Vault.</a:t>
                       </a:r>
                     </a:p>
                   </a:txBody>
@@ -15839,14 +16785,14 @@
                       <a:pPr algn="ctr"/>
                       <a:r>
                         <a:rPr lang="es-CO" sz="1400" dirty="0"/>
-                        <a:t>✅ Azure Portal.</a:t>
+                        <a:t>Azure Portal.</a:t>
                       </a:r>
                     </a:p>
                     <a:p>
                       <a:pPr algn="ctr"/>
                       <a:r>
                         <a:rPr lang="es-CO" sz="1400" dirty="0"/>
-                        <a:t>✅   Sharepoint.</a:t>
+                        <a:t>Sharepoint.</a:t>
                       </a:r>
                     </a:p>
                     <a:p>
@@ -15999,7 +16945,7 @@
                       <a:pPr algn="ctr"/>
                       <a:r>
                         <a:rPr lang="es-CO" sz="1400" dirty="0"/>
-                        <a:t>Plataformas DevOps.</a:t>
+                        <a:t>Azure DevOps.</a:t>
                       </a:r>
                     </a:p>
                     <a:p>
@@ -16040,40 +16986,15 @@
         </p:nvSpPr>
         <p:spPr>
           <a:xfrm>
-            <a:off x="1127449" y="5416230"/>
-            <a:ext cx="10441159" cy="861574"/>
+            <a:off x="1127448" y="5733256"/>
+            <a:ext cx="10441159" cy="389034"/>
           </a:xfrm>
         </p:spPr>
         <p:txBody>
           <a:bodyPr rtlCol="0">
-            <a:normAutofit lnSpcReduction="10000"/>
+            <a:normAutofit/>
           </a:bodyPr>
           <a:lstStyle/>
-          <a:p>
-            <a:pPr marL="0" indent="0">
-              <a:buNone/>
-            </a:pPr>
-            <a:r>
-              <a:rPr lang="es-CO" dirty="0"/>
-              <a:t>✅ </a:t>
-            </a:r>
-            <a:r>
-              <a:rPr lang="es-CO" b="1" i="1" dirty="0"/>
-              <a:t>Recurso identificado.</a:t>
-            </a:r>
-            <a:endParaRPr lang="es-CO" sz="2000" dirty="0">
-              <a:solidFill>
-                <a:schemeClr val="accent6">
-                  <a:lumMod val="60000"/>
-                  <a:lumOff val="40000"/>
-                </a:schemeClr>
-              </a:solidFill>
-              <a:effectLst/>
-              <a:highlight>
-                <a:srgbClr val="FFFF00"/>
-              </a:highlight>
-            </a:endParaRPr>
-          </a:p>
           <a:p>
             <a:pPr marL="0" indent="0" rtl="0">
               <a:buNone/>
@@ -17345,132 +18266,6 @@
 </file>
 
 <file path=customXml/item2.xml><?xml version="1.0" encoding="utf-8"?>
-<p:properties xmlns:p="http://schemas.microsoft.com/office/2006/metadata/properties" xmlns:xsi="http://www.w3.org/2001/XMLSchema-instance" xmlns:pc="http://schemas.microsoft.com/office/infopath/2007/PartnerControls">
-  <documentManagement>
-    <DirectSourceMarket xmlns="4873beb7-5857-4685-be1f-d57550cc96cc" xsi:nil="true"/>
-    <ApprovalStatus xmlns="4873beb7-5857-4685-be1f-d57550cc96cc">InProgress</ApprovalStatus>
-    <MarketSpecific xmlns="4873beb7-5857-4685-be1f-d57550cc96cc">false</MarketSpecific>
-    <LocComments xmlns="4873beb7-5857-4685-be1f-d57550cc96cc" xsi:nil="true"/>
-    <ThumbnailAssetId xmlns="4873beb7-5857-4685-be1f-d57550cc96cc" xsi:nil="true"/>
-    <PrimaryImageGen xmlns="4873beb7-5857-4685-be1f-d57550cc96cc">true</PrimaryImageGen>
-    <LegacyData xmlns="4873beb7-5857-4685-be1f-d57550cc96cc" xsi:nil="true"/>
-    <LocRecommendedHandoff xmlns="4873beb7-5857-4685-be1f-d57550cc96cc" xsi:nil="true"/>
-    <BusinessGroup xmlns="4873beb7-5857-4685-be1f-d57550cc96cc" xsi:nil="true"/>
-    <BlockPublish xmlns="4873beb7-5857-4685-be1f-d57550cc96cc">false</BlockPublish>
-    <TPFriendlyName xmlns="4873beb7-5857-4685-be1f-d57550cc96cc" xsi:nil="true"/>
-    <NumericId xmlns="4873beb7-5857-4685-be1f-d57550cc96cc" xsi:nil="true"/>
-    <APEditor xmlns="4873beb7-5857-4685-be1f-d57550cc96cc">
-      <UserInfo>
-        <DisplayName/>
-        <AccountId xsi:nil="true"/>
-        <AccountType/>
-      </UserInfo>
-    </APEditor>
-    <SourceTitle xmlns="4873beb7-5857-4685-be1f-d57550cc96cc" xsi:nil="true"/>
-    <OpenTemplate xmlns="4873beb7-5857-4685-be1f-d57550cc96cc">true</OpenTemplate>
-    <UALocComments xmlns="4873beb7-5857-4685-be1f-d57550cc96cc" xsi:nil="true"/>
-    <ParentAssetId xmlns="4873beb7-5857-4685-be1f-d57550cc96cc" xsi:nil="true"/>
-    <IntlLangReviewDate xmlns="4873beb7-5857-4685-be1f-d57550cc96cc" xsi:nil="true"/>
-    <FeatureTagsTaxHTField0 xmlns="4873beb7-5857-4685-be1f-d57550cc96cc">
-      <Terms xmlns="http://schemas.microsoft.com/office/infopath/2007/PartnerControls"/>
-    </FeatureTagsTaxHTField0>
-    <PublishStatusLookup xmlns="4873beb7-5857-4685-be1f-d57550cc96cc">
-      <Value>1566889</Value>
-    </PublishStatusLookup>
-    <Providers xmlns="4873beb7-5857-4685-be1f-d57550cc96cc" xsi:nil="true"/>
-    <MachineTranslated xmlns="4873beb7-5857-4685-be1f-d57550cc96cc">false</MachineTranslated>
-    <OriginalSourceMarket xmlns="4873beb7-5857-4685-be1f-d57550cc96cc" xsi:nil="true"/>
-    <APDescription xmlns="4873beb7-5857-4685-be1f-d57550cc96cc" xsi:nil="true"/>
-    <ClipArtFilename xmlns="4873beb7-5857-4685-be1f-d57550cc96cc" xsi:nil="true"/>
-    <ContentItem xmlns="4873beb7-5857-4685-be1f-d57550cc96cc" xsi:nil="true"/>
-    <TPInstallLocation xmlns="4873beb7-5857-4685-be1f-d57550cc96cc" xsi:nil="true"/>
-    <PublishTargets xmlns="4873beb7-5857-4685-be1f-d57550cc96cc">OfficeOnlineVNext</PublishTargets>
-    <TimesCloned xmlns="4873beb7-5857-4685-be1f-d57550cc96cc" xsi:nil="true"/>
-    <AssetStart xmlns="4873beb7-5857-4685-be1f-d57550cc96cc">2012-05-23T08:44:00+00:00</AssetStart>
-    <Provider xmlns="4873beb7-5857-4685-be1f-d57550cc96cc" xsi:nil="true"/>
-    <AcquiredFrom xmlns="4873beb7-5857-4685-be1f-d57550cc96cc">Internal MS</AcquiredFrom>
-    <FriendlyTitle xmlns="4873beb7-5857-4685-be1f-d57550cc96cc" xsi:nil="true"/>
-    <LastHandOff xmlns="4873beb7-5857-4685-be1f-d57550cc96cc" xsi:nil="true"/>
-    <TPClientViewer xmlns="4873beb7-5857-4685-be1f-d57550cc96cc" xsi:nil="true"/>
-    <UACurrentWords xmlns="4873beb7-5857-4685-be1f-d57550cc96cc" xsi:nil="true"/>
-    <ArtSampleDocs xmlns="4873beb7-5857-4685-be1f-d57550cc96cc" xsi:nil="true"/>
-    <UALocRecommendation xmlns="4873beb7-5857-4685-be1f-d57550cc96cc">Localize</UALocRecommendation>
-    <Manager xmlns="4873beb7-5857-4685-be1f-d57550cc96cc" xsi:nil="true"/>
-    <ShowIn xmlns="4873beb7-5857-4685-be1f-d57550cc96cc">Show everywhere</ShowIn>
-    <UANotes xmlns="4873beb7-5857-4685-be1f-d57550cc96cc" xsi:nil="true"/>
-    <TemplateStatus xmlns="4873beb7-5857-4685-be1f-d57550cc96cc">Complete</TemplateStatus>
-    <InternalTagsTaxHTField0 xmlns="4873beb7-5857-4685-be1f-d57550cc96cc">
-      <Terms xmlns="http://schemas.microsoft.com/office/infopath/2007/PartnerControls"/>
-    </InternalTagsTaxHTField0>
-    <CSXHash xmlns="4873beb7-5857-4685-be1f-d57550cc96cc" xsi:nil="true"/>
-    <Downloads xmlns="4873beb7-5857-4685-be1f-d57550cc96cc">0</Downloads>
-    <VoteCount xmlns="4873beb7-5857-4685-be1f-d57550cc96cc" xsi:nil="true"/>
-    <OOCacheId xmlns="4873beb7-5857-4685-be1f-d57550cc96cc" xsi:nil="true"/>
-    <IsDeleted xmlns="4873beb7-5857-4685-be1f-d57550cc96cc">false</IsDeleted>
-    <AssetExpire xmlns="4873beb7-5857-4685-be1f-d57550cc96cc">2029-01-01T08:00:00+00:00</AssetExpire>
-    <DSATActionTaken xmlns="4873beb7-5857-4685-be1f-d57550cc96cc" xsi:nil="true"/>
-    <CSXSubmissionMarket xmlns="4873beb7-5857-4685-be1f-d57550cc96cc" xsi:nil="true"/>
-    <TPExecutable xmlns="4873beb7-5857-4685-be1f-d57550cc96cc" xsi:nil="true"/>
-    <SubmitterId xmlns="4873beb7-5857-4685-be1f-d57550cc96cc" xsi:nil="true"/>
-    <EditorialTags xmlns="4873beb7-5857-4685-be1f-d57550cc96cc" xsi:nil="true"/>
-    <ApprovalLog xmlns="4873beb7-5857-4685-be1f-d57550cc96cc" xsi:nil="true"/>
-    <AssetType xmlns="4873beb7-5857-4685-be1f-d57550cc96cc">TP</AssetType>
-    <BugNumber xmlns="4873beb7-5857-4685-be1f-d57550cc96cc" xsi:nil="true"/>
-    <CSXSubmissionDate xmlns="4873beb7-5857-4685-be1f-d57550cc96cc" xsi:nil="true"/>
-    <CSXUpdate xmlns="4873beb7-5857-4685-be1f-d57550cc96cc">false</CSXUpdate>
-    <Milestone xmlns="4873beb7-5857-4685-be1f-d57550cc96cc" xsi:nil="true"/>
-    <RecommendationsModifier xmlns="4873beb7-5857-4685-be1f-d57550cc96cc" xsi:nil="true"/>
-    <OriginAsset xmlns="4873beb7-5857-4685-be1f-d57550cc96cc" xsi:nil="true"/>
-    <TPComponent xmlns="4873beb7-5857-4685-be1f-d57550cc96cc" xsi:nil="true"/>
-    <AssetId xmlns="4873beb7-5857-4685-be1f-d57550cc96cc">TP102901017</AssetId>
-    <IntlLocPriority xmlns="4873beb7-5857-4685-be1f-d57550cc96cc" xsi:nil="true"/>
-    <PolicheckWords xmlns="4873beb7-5857-4685-be1f-d57550cc96cc" xsi:nil="true"/>
-    <TPLaunchHelpLink xmlns="4873beb7-5857-4685-be1f-d57550cc96cc" xsi:nil="true"/>
-    <TPApplication xmlns="4873beb7-5857-4685-be1f-d57550cc96cc" xsi:nil="true"/>
-    <CrawlForDependencies xmlns="4873beb7-5857-4685-be1f-d57550cc96cc">false</CrawlForDependencies>
-    <HandoffToMSDN xmlns="4873beb7-5857-4685-be1f-d57550cc96cc" xsi:nil="true"/>
-    <PlannedPubDate xmlns="4873beb7-5857-4685-be1f-d57550cc96cc" xsi:nil="true"/>
-    <IntlLangReviewer xmlns="4873beb7-5857-4685-be1f-d57550cc96cc" xsi:nil="true"/>
-    <TrustLevel xmlns="4873beb7-5857-4685-be1f-d57550cc96cc">1 Microsoft Managed Content</TrustLevel>
-    <LocLastLocAttemptVersionLookup xmlns="4873beb7-5857-4685-be1f-d57550cc96cc">836753</LocLastLocAttemptVersionLookup>
-    <IsSearchable xmlns="4873beb7-5857-4685-be1f-d57550cc96cc">true</IsSearchable>
-    <TemplateTemplateType xmlns="4873beb7-5857-4685-be1f-d57550cc96cc">PowerPoint Design Template</TemplateTemplateType>
-    <CampaignTagsTaxHTField0 xmlns="4873beb7-5857-4685-be1f-d57550cc96cc">
-      <Terms xmlns="http://schemas.microsoft.com/office/infopath/2007/PartnerControls"/>
-    </CampaignTagsTaxHTField0>
-    <TPNamespace xmlns="4873beb7-5857-4685-be1f-d57550cc96cc" xsi:nil="true"/>
-    <TaxCatchAll xmlns="4873beb7-5857-4685-be1f-d57550cc96cc"/>
-    <Markets xmlns="4873beb7-5857-4685-be1f-d57550cc96cc"/>
-    <UAProjectedTotalWords xmlns="4873beb7-5857-4685-be1f-d57550cc96cc" xsi:nil="true"/>
-    <IntlLangReview xmlns="4873beb7-5857-4685-be1f-d57550cc96cc">false</IntlLangReview>
-    <OutputCachingOn xmlns="4873beb7-5857-4685-be1f-d57550cc96cc">false</OutputCachingOn>
-    <AverageRating xmlns="4873beb7-5857-4685-be1f-d57550cc96cc" xsi:nil="true"/>
-    <APAuthor xmlns="4873beb7-5857-4685-be1f-d57550cc96cc">
-      <UserInfo>
-        <DisplayName>REDMOND\v-anij</DisplayName>
-        <AccountId>2469</AccountId>
-        <AccountType/>
-      </UserInfo>
-    </APAuthor>
-    <LocManualTestRequired xmlns="4873beb7-5857-4685-be1f-d57550cc96cc">false</LocManualTestRequired>
-    <TPCommandLine xmlns="4873beb7-5857-4685-be1f-d57550cc96cc" xsi:nil="true"/>
-    <TPAppVersion xmlns="4873beb7-5857-4685-be1f-d57550cc96cc" xsi:nil="true"/>
-    <EditorialStatus xmlns="4873beb7-5857-4685-be1f-d57550cc96cc">Complete</EditorialStatus>
-    <LastModifiedDateTime xmlns="4873beb7-5857-4685-be1f-d57550cc96cc" xsi:nil="true"/>
-    <ScenarioTagsTaxHTField0 xmlns="4873beb7-5857-4685-be1f-d57550cc96cc">
-      <Terms xmlns="http://schemas.microsoft.com/office/infopath/2007/PartnerControls"/>
-    </ScenarioTagsTaxHTField0>
-    <OriginalRelease xmlns="4873beb7-5857-4685-be1f-d57550cc96cc">15</OriginalRelease>
-    <TPLaunchHelpLinkType xmlns="4873beb7-5857-4685-be1f-d57550cc96cc">Template</TPLaunchHelpLinkType>
-    <LocalizationTagsTaxHTField0 xmlns="4873beb7-5857-4685-be1f-d57550cc96cc">
-      <Terms xmlns="http://schemas.microsoft.com/office/infopath/2007/PartnerControls"/>
-    </LocalizationTagsTaxHTField0>
-    <LocMarketGroupTiers2 xmlns="4873beb7-5857-4685-be1f-d57550cc96cc" xsi:nil="true"/>
-  </documentManagement>
-</p:properties>
-</file>
-
-<file path=customXml/item3.xml><?xml version="1.0" encoding="utf-8"?>
 <ct:contentTypeSchema xmlns:ct="http://schemas.microsoft.com/office/2006/metadata/contentType" xmlns:ma="http://schemas.microsoft.com/office/2006/metadata/properties/metaAttributes" ct:_="" ma:_="" ma:contentTypeName="TemplateFile" ma:contentTypeID="0x0101006EDDDB5EE6D98C44930B742096920B300400F5B6D36B3EF94B4E9A635CDF2A18F5B8" ma:contentTypeVersion="72" ma:contentTypeDescription="Create a new document." ma:contentTypeScope="" ma:versionID="a23e56308344d904b51738559c3d67c9">
   <xsd:schema xmlns:xsd="http://www.w3.org/2001/XMLSchema" xmlns:xs="http://www.w3.org/2001/XMLSchema" xmlns:p="http://schemas.microsoft.com/office/2006/metadata/properties" xmlns:ns2="4873beb7-5857-4685-be1f-d57550cc96cc" targetNamespace="http://schemas.microsoft.com/office/2006/metadata/properties" ma:root="true" ma:fieldsID="cd0908cc4600e77bf5da051303e00c8d" ns2:_="">
     <xsd:import namespace="4873beb7-5857-4685-be1f-d57550cc96cc"/>
@@ -18510,6 +19305,132 @@
 </ct:contentTypeSchema>
 </file>
 
+<file path=customXml/item3.xml><?xml version="1.0" encoding="utf-8"?>
+<p:properties xmlns:p="http://schemas.microsoft.com/office/2006/metadata/properties" xmlns:xsi="http://www.w3.org/2001/XMLSchema-instance" xmlns:pc="http://schemas.microsoft.com/office/infopath/2007/PartnerControls">
+  <documentManagement>
+    <DirectSourceMarket xmlns="4873beb7-5857-4685-be1f-d57550cc96cc" xsi:nil="true"/>
+    <ApprovalStatus xmlns="4873beb7-5857-4685-be1f-d57550cc96cc">InProgress</ApprovalStatus>
+    <MarketSpecific xmlns="4873beb7-5857-4685-be1f-d57550cc96cc">false</MarketSpecific>
+    <LocComments xmlns="4873beb7-5857-4685-be1f-d57550cc96cc" xsi:nil="true"/>
+    <ThumbnailAssetId xmlns="4873beb7-5857-4685-be1f-d57550cc96cc" xsi:nil="true"/>
+    <PrimaryImageGen xmlns="4873beb7-5857-4685-be1f-d57550cc96cc">true</PrimaryImageGen>
+    <LegacyData xmlns="4873beb7-5857-4685-be1f-d57550cc96cc" xsi:nil="true"/>
+    <LocRecommendedHandoff xmlns="4873beb7-5857-4685-be1f-d57550cc96cc" xsi:nil="true"/>
+    <BusinessGroup xmlns="4873beb7-5857-4685-be1f-d57550cc96cc" xsi:nil="true"/>
+    <BlockPublish xmlns="4873beb7-5857-4685-be1f-d57550cc96cc">false</BlockPublish>
+    <TPFriendlyName xmlns="4873beb7-5857-4685-be1f-d57550cc96cc" xsi:nil="true"/>
+    <NumericId xmlns="4873beb7-5857-4685-be1f-d57550cc96cc" xsi:nil="true"/>
+    <APEditor xmlns="4873beb7-5857-4685-be1f-d57550cc96cc">
+      <UserInfo>
+        <DisplayName/>
+        <AccountId xsi:nil="true"/>
+        <AccountType/>
+      </UserInfo>
+    </APEditor>
+    <SourceTitle xmlns="4873beb7-5857-4685-be1f-d57550cc96cc" xsi:nil="true"/>
+    <OpenTemplate xmlns="4873beb7-5857-4685-be1f-d57550cc96cc">true</OpenTemplate>
+    <UALocComments xmlns="4873beb7-5857-4685-be1f-d57550cc96cc" xsi:nil="true"/>
+    <ParentAssetId xmlns="4873beb7-5857-4685-be1f-d57550cc96cc" xsi:nil="true"/>
+    <IntlLangReviewDate xmlns="4873beb7-5857-4685-be1f-d57550cc96cc" xsi:nil="true"/>
+    <FeatureTagsTaxHTField0 xmlns="4873beb7-5857-4685-be1f-d57550cc96cc">
+      <Terms xmlns="http://schemas.microsoft.com/office/infopath/2007/PartnerControls"/>
+    </FeatureTagsTaxHTField0>
+    <PublishStatusLookup xmlns="4873beb7-5857-4685-be1f-d57550cc96cc">
+      <Value>1566889</Value>
+    </PublishStatusLookup>
+    <Providers xmlns="4873beb7-5857-4685-be1f-d57550cc96cc" xsi:nil="true"/>
+    <MachineTranslated xmlns="4873beb7-5857-4685-be1f-d57550cc96cc">false</MachineTranslated>
+    <OriginalSourceMarket xmlns="4873beb7-5857-4685-be1f-d57550cc96cc" xsi:nil="true"/>
+    <APDescription xmlns="4873beb7-5857-4685-be1f-d57550cc96cc" xsi:nil="true"/>
+    <ClipArtFilename xmlns="4873beb7-5857-4685-be1f-d57550cc96cc" xsi:nil="true"/>
+    <ContentItem xmlns="4873beb7-5857-4685-be1f-d57550cc96cc" xsi:nil="true"/>
+    <TPInstallLocation xmlns="4873beb7-5857-4685-be1f-d57550cc96cc" xsi:nil="true"/>
+    <PublishTargets xmlns="4873beb7-5857-4685-be1f-d57550cc96cc">OfficeOnlineVNext</PublishTargets>
+    <TimesCloned xmlns="4873beb7-5857-4685-be1f-d57550cc96cc" xsi:nil="true"/>
+    <AssetStart xmlns="4873beb7-5857-4685-be1f-d57550cc96cc">2012-05-23T08:44:00+00:00</AssetStart>
+    <Provider xmlns="4873beb7-5857-4685-be1f-d57550cc96cc" xsi:nil="true"/>
+    <AcquiredFrom xmlns="4873beb7-5857-4685-be1f-d57550cc96cc">Internal MS</AcquiredFrom>
+    <FriendlyTitle xmlns="4873beb7-5857-4685-be1f-d57550cc96cc" xsi:nil="true"/>
+    <LastHandOff xmlns="4873beb7-5857-4685-be1f-d57550cc96cc" xsi:nil="true"/>
+    <TPClientViewer xmlns="4873beb7-5857-4685-be1f-d57550cc96cc" xsi:nil="true"/>
+    <UACurrentWords xmlns="4873beb7-5857-4685-be1f-d57550cc96cc" xsi:nil="true"/>
+    <ArtSampleDocs xmlns="4873beb7-5857-4685-be1f-d57550cc96cc" xsi:nil="true"/>
+    <UALocRecommendation xmlns="4873beb7-5857-4685-be1f-d57550cc96cc">Localize</UALocRecommendation>
+    <Manager xmlns="4873beb7-5857-4685-be1f-d57550cc96cc" xsi:nil="true"/>
+    <ShowIn xmlns="4873beb7-5857-4685-be1f-d57550cc96cc">Show everywhere</ShowIn>
+    <UANotes xmlns="4873beb7-5857-4685-be1f-d57550cc96cc" xsi:nil="true"/>
+    <TemplateStatus xmlns="4873beb7-5857-4685-be1f-d57550cc96cc">Complete</TemplateStatus>
+    <InternalTagsTaxHTField0 xmlns="4873beb7-5857-4685-be1f-d57550cc96cc">
+      <Terms xmlns="http://schemas.microsoft.com/office/infopath/2007/PartnerControls"/>
+    </InternalTagsTaxHTField0>
+    <CSXHash xmlns="4873beb7-5857-4685-be1f-d57550cc96cc" xsi:nil="true"/>
+    <Downloads xmlns="4873beb7-5857-4685-be1f-d57550cc96cc">0</Downloads>
+    <VoteCount xmlns="4873beb7-5857-4685-be1f-d57550cc96cc" xsi:nil="true"/>
+    <OOCacheId xmlns="4873beb7-5857-4685-be1f-d57550cc96cc" xsi:nil="true"/>
+    <IsDeleted xmlns="4873beb7-5857-4685-be1f-d57550cc96cc">false</IsDeleted>
+    <AssetExpire xmlns="4873beb7-5857-4685-be1f-d57550cc96cc">2029-01-01T08:00:00+00:00</AssetExpire>
+    <DSATActionTaken xmlns="4873beb7-5857-4685-be1f-d57550cc96cc" xsi:nil="true"/>
+    <CSXSubmissionMarket xmlns="4873beb7-5857-4685-be1f-d57550cc96cc" xsi:nil="true"/>
+    <TPExecutable xmlns="4873beb7-5857-4685-be1f-d57550cc96cc" xsi:nil="true"/>
+    <SubmitterId xmlns="4873beb7-5857-4685-be1f-d57550cc96cc" xsi:nil="true"/>
+    <EditorialTags xmlns="4873beb7-5857-4685-be1f-d57550cc96cc" xsi:nil="true"/>
+    <ApprovalLog xmlns="4873beb7-5857-4685-be1f-d57550cc96cc" xsi:nil="true"/>
+    <AssetType xmlns="4873beb7-5857-4685-be1f-d57550cc96cc">TP</AssetType>
+    <BugNumber xmlns="4873beb7-5857-4685-be1f-d57550cc96cc" xsi:nil="true"/>
+    <CSXSubmissionDate xmlns="4873beb7-5857-4685-be1f-d57550cc96cc" xsi:nil="true"/>
+    <CSXUpdate xmlns="4873beb7-5857-4685-be1f-d57550cc96cc">false</CSXUpdate>
+    <Milestone xmlns="4873beb7-5857-4685-be1f-d57550cc96cc" xsi:nil="true"/>
+    <RecommendationsModifier xmlns="4873beb7-5857-4685-be1f-d57550cc96cc" xsi:nil="true"/>
+    <OriginAsset xmlns="4873beb7-5857-4685-be1f-d57550cc96cc" xsi:nil="true"/>
+    <TPComponent xmlns="4873beb7-5857-4685-be1f-d57550cc96cc" xsi:nil="true"/>
+    <AssetId xmlns="4873beb7-5857-4685-be1f-d57550cc96cc">TP102901017</AssetId>
+    <IntlLocPriority xmlns="4873beb7-5857-4685-be1f-d57550cc96cc" xsi:nil="true"/>
+    <PolicheckWords xmlns="4873beb7-5857-4685-be1f-d57550cc96cc" xsi:nil="true"/>
+    <TPLaunchHelpLink xmlns="4873beb7-5857-4685-be1f-d57550cc96cc" xsi:nil="true"/>
+    <TPApplication xmlns="4873beb7-5857-4685-be1f-d57550cc96cc" xsi:nil="true"/>
+    <CrawlForDependencies xmlns="4873beb7-5857-4685-be1f-d57550cc96cc">false</CrawlForDependencies>
+    <HandoffToMSDN xmlns="4873beb7-5857-4685-be1f-d57550cc96cc" xsi:nil="true"/>
+    <PlannedPubDate xmlns="4873beb7-5857-4685-be1f-d57550cc96cc" xsi:nil="true"/>
+    <IntlLangReviewer xmlns="4873beb7-5857-4685-be1f-d57550cc96cc" xsi:nil="true"/>
+    <TrustLevel xmlns="4873beb7-5857-4685-be1f-d57550cc96cc">1 Microsoft Managed Content</TrustLevel>
+    <LocLastLocAttemptVersionLookup xmlns="4873beb7-5857-4685-be1f-d57550cc96cc">836753</LocLastLocAttemptVersionLookup>
+    <IsSearchable xmlns="4873beb7-5857-4685-be1f-d57550cc96cc">true</IsSearchable>
+    <TemplateTemplateType xmlns="4873beb7-5857-4685-be1f-d57550cc96cc">PowerPoint Design Template</TemplateTemplateType>
+    <CampaignTagsTaxHTField0 xmlns="4873beb7-5857-4685-be1f-d57550cc96cc">
+      <Terms xmlns="http://schemas.microsoft.com/office/infopath/2007/PartnerControls"/>
+    </CampaignTagsTaxHTField0>
+    <TPNamespace xmlns="4873beb7-5857-4685-be1f-d57550cc96cc" xsi:nil="true"/>
+    <TaxCatchAll xmlns="4873beb7-5857-4685-be1f-d57550cc96cc"/>
+    <Markets xmlns="4873beb7-5857-4685-be1f-d57550cc96cc"/>
+    <UAProjectedTotalWords xmlns="4873beb7-5857-4685-be1f-d57550cc96cc" xsi:nil="true"/>
+    <IntlLangReview xmlns="4873beb7-5857-4685-be1f-d57550cc96cc">false</IntlLangReview>
+    <OutputCachingOn xmlns="4873beb7-5857-4685-be1f-d57550cc96cc">false</OutputCachingOn>
+    <AverageRating xmlns="4873beb7-5857-4685-be1f-d57550cc96cc" xsi:nil="true"/>
+    <APAuthor xmlns="4873beb7-5857-4685-be1f-d57550cc96cc">
+      <UserInfo>
+        <DisplayName>REDMOND\v-anij</DisplayName>
+        <AccountId>2469</AccountId>
+        <AccountType/>
+      </UserInfo>
+    </APAuthor>
+    <LocManualTestRequired xmlns="4873beb7-5857-4685-be1f-d57550cc96cc">false</LocManualTestRequired>
+    <TPCommandLine xmlns="4873beb7-5857-4685-be1f-d57550cc96cc" xsi:nil="true"/>
+    <TPAppVersion xmlns="4873beb7-5857-4685-be1f-d57550cc96cc" xsi:nil="true"/>
+    <EditorialStatus xmlns="4873beb7-5857-4685-be1f-d57550cc96cc">Complete</EditorialStatus>
+    <LastModifiedDateTime xmlns="4873beb7-5857-4685-be1f-d57550cc96cc" xsi:nil="true"/>
+    <ScenarioTagsTaxHTField0 xmlns="4873beb7-5857-4685-be1f-d57550cc96cc">
+      <Terms xmlns="http://schemas.microsoft.com/office/infopath/2007/PartnerControls"/>
+    </ScenarioTagsTaxHTField0>
+    <OriginalRelease xmlns="4873beb7-5857-4685-be1f-d57550cc96cc">15</OriginalRelease>
+    <TPLaunchHelpLinkType xmlns="4873beb7-5857-4685-be1f-d57550cc96cc">Template</TPLaunchHelpLinkType>
+    <LocalizationTagsTaxHTField0 xmlns="4873beb7-5857-4685-be1f-d57550cc96cc">
+      <Terms xmlns="http://schemas.microsoft.com/office/infopath/2007/PartnerControls"/>
+    </LocalizationTagsTaxHTField0>
+    <LocMarketGroupTiers2 xmlns="4873beb7-5857-4685-be1f-d57550cc96cc" xsi:nil="true"/>
+  </documentManagement>
+</p:properties>
+</file>
+
 <file path=customXml/itemProps1.xml><?xml version="1.0" encoding="utf-8"?>
 <ds:datastoreItem xmlns:ds="http://schemas.openxmlformats.org/officeDocument/2006/customXml" ds:itemID="{746CFF6F-D9AA-4BC0-911A-0A1356771912}">
   <ds:schemaRefs>
@@ -18519,16 +19440,6 @@
 </file>
 
 <file path=customXml/itemProps2.xml><?xml version="1.0" encoding="utf-8"?>
-<ds:datastoreItem xmlns:ds="http://schemas.openxmlformats.org/officeDocument/2006/customXml" ds:itemID="{04098515-0C12-46CF-BC7C-69B4A13CD5FA}">
-  <ds:schemaRefs>
-    <ds:schemaRef ds:uri="http://schemas.microsoft.com/office/2006/metadata/properties"/>
-    <ds:schemaRef ds:uri="http://schemas.microsoft.com/office/infopath/2007/PartnerControls"/>
-    <ds:schemaRef ds:uri="4873beb7-5857-4685-be1f-d57550cc96cc"/>
-  </ds:schemaRefs>
-</ds:datastoreItem>
-</file>
-
-<file path=customXml/itemProps3.xml><?xml version="1.0" encoding="utf-8"?>
 <ds:datastoreItem xmlns:ds="http://schemas.openxmlformats.org/officeDocument/2006/customXml" ds:itemID="{0B5C6E15-39DC-470B-9445-F754B9458020}">
   <ds:schemaRefs>
     <ds:schemaRef ds:uri="http://schemas.microsoft.com/office/2006/metadata/contentType"/>
@@ -18544,4 +19455,14 @@
     <ds:schemaRef ds:uri="http://schemas.microsoft.com/internal/obd"/>
   </ds:schemaRefs>
 </ds:datastoreItem>
+</file>
+
+<file path=customXml/itemProps3.xml><?xml version="1.0" encoding="utf-8"?>
+<ds:datastoreItem xmlns:ds="http://schemas.openxmlformats.org/officeDocument/2006/customXml" ds:itemID="{04098515-0C12-46CF-BC7C-69B4A13CD5FA}">
+  <ds:schemaRefs>
+    <ds:schemaRef ds:uri="http://schemas.microsoft.com/office/2006/metadata/properties"/>
+    <ds:schemaRef ds:uri="http://schemas.microsoft.com/office/infopath/2007/PartnerControls"/>
+    <ds:schemaRef ds:uri="4873beb7-5857-4685-be1f-d57550cc96cc"/>
+  </ds:schemaRefs>
+</ds:datastoreItem>
 </file>
--- a/Diagrams/guides/Propuesta migracion - Perceptio.pptx
+++ b/Diagrams/guides/Propuesta migracion - Perceptio.pptx
@@ -5,22 +5,21 @@
     <p:sldMasterId id="2147483648" r:id="rId4"/>
   </p:sldMasterIdLst>
   <p:notesMasterIdLst>
-    <p:notesMasterId r:id="rId15"/>
+    <p:notesMasterId r:id="rId14"/>
   </p:notesMasterIdLst>
   <p:handoutMasterIdLst>
-    <p:handoutMasterId r:id="rId16"/>
+    <p:handoutMasterId r:id="rId15"/>
   </p:handoutMasterIdLst>
   <p:sldIdLst>
     <p:sldId id="256" r:id="rId5"/>
     <p:sldId id="265" r:id="rId6"/>
-    <p:sldId id="276" r:id="rId7"/>
-    <p:sldId id="267" r:id="rId8"/>
-    <p:sldId id="266" r:id="rId9"/>
-    <p:sldId id="277" r:id="rId10"/>
-    <p:sldId id="279" r:id="rId11"/>
-    <p:sldId id="280" r:id="rId12"/>
-    <p:sldId id="281" r:id="rId13"/>
-    <p:sldId id="278" r:id="rId14"/>
+    <p:sldId id="267" r:id="rId7"/>
+    <p:sldId id="266" r:id="rId8"/>
+    <p:sldId id="277" r:id="rId9"/>
+    <p:sldId id="279" r:id="rId10"/>
+    <p:sldId id="280" r:id="rId11"/>
+    <p:sldId id="281" r:id="rId12"/>
+    <p:sldId id="278" r:id="rId13"/>
   </p:sldIdLst>
   <p:sldSz cx="12192000" cy="6858000"/>
   <p:notesSz cx="6858000" cy="9144000"/>
@@ -176,10 +175,7 @@
             <a:pPr>
               <a:defRPr sz="1400" b="0" i="0" u="none" strike="noStrike" kern="1200" spc="0" baseline="0">
                 <a:solidFill>
-                  <a:schemeClr val="tx1">
-                    <a:lumMod val="65000"/>
-                    <a:lumOff val="35000"/>
-                  </a:schemeClr>
+                  <a:srgbClr val="FF0000"/>
                 </a:solidFill>
                 <a:latin typeface="+mn-lt"/>
                 <a:ea typeface="+mn-ea"/>
@@ -187,14 +183,26 @@
               </a:defRPr>
             </a:pPr>
             <a:r>
-              <a:rPr lang="es-CO" b="1"/>
+              <a:rPr lang="es-CO" b="1">
+                <a:solidFill>
+                  <a:srgbClr val="FF0000"/>
+                </a:solidFill>
+              </a:rPr>
               <a:t>Deadline de</a:t>
             </a:r>
             <a:r>
-              <a:rPr lang="es-CO" b="1" baseline="0"/>
+              <a:rPr lang="es-CO" b="1" baseline="0">
+                <a:solidFill>
+                  <a:srgbClr val="FF0000"/>
+                </a:solidFill>
+              </a:rPr>
               <a:t> migracion.</a:t>
             </a:r>
-            <a:endParaRPr lang="es-CO" b="1"/>
+            <a:endParaRPr lang="es-CO" b="1">
+              <a:solidFill>
+                <a:srgbClr val="FF0000"/>
+              </a:solidFill>
+            </a:endParaRPr>
           </a:p>
         </c:rich>
       </c:tx>
@@ -202,8 +210,8 @@
         <c:manualLayout>
           <c:xMode val="edge"/>
           <c:yMode val="edge"/>
-          <c:x val="0.44586351021263132"/>
-          <c:y val="4.1666677182181804E-2"/>
+          <c:x val="0.4446214700714004"/>
+          <c:y val="3.0033966195014458E-2"/>
         </c:manualLayout>
       </c:layout>
       <c:overlay val="0"/>
@@ -221,10 +229,7 @@
           <a:pPr>
             <a:defRPr sz="1400" b="0" i="0" u="none" strike="noStrike" kern="1200" spc="0" baseline="0">
               <a:solidFill>
-                <a:schemeClr val="tx1">
-                  <a:lumMod val="65000"/>
-                  <a:lumOff val="35000"/>
-                </a:schemeClr>
+                <a:srgbClr val="FF0000"/>
               </a:solidFill>
               <a:latin typeface="+mn-lt"/>
               <a:ea typeface="+mn-ea"/>
@@ -243,9 +248,9 @@
           <c:xMode val="edge"/>
           <c:yMode val="edge"/>
           <c:x val="0.23901110139010401"/>
-          <c:y val="0.29900093352537188"/>
+          <c:y val="0.24251194587391914"/>
           <c:w val="0.73926050354816764"/>
-          <c:h val="0.59242494256635947"/>
+          <c:h val="0.69130332135024841"/>
         </c:manualLayout>
       </c:layout>
       <c:barChart>
@@ -278,46 +283,88 @@
           <c:invertIfNegative val="0"/>
           <c:cat>
             <c:strRef>
-              <c:f>Gantt!$B$10:$B$22</c:f>
+              <c:f>Gantt!$B$10:$B$36</c:f>
               <c:strCache>
-                <c:ptCount val="13"/>
+                <c:ptCount val="27"/>
                 <c:pt idx="0">
                   <c:v>Análisis de Impacto.</c:v>
                 </c:pt>
                 <c:pt idx="1">
+                  <c:v>Configurar Integration Runtime.</c:v>
+                </c:pt>
+                <c:pt idx="2">
                   <c:v>Configurar workspaces en Synapse.</c:v>
                 </c:pt>
-                <c:pt idx="2">
+                <c:pt idx="3">
                   <c:v>Configurar clusters en Databricks.</c:v>
                 </c:pt>
-                <c:pt idx="3">
-                  <c:v>Crea Key Vaults, secretos.</c:v>
+                <c:pt idx="4">
+                  <c:v>Crear Key Vaults, secretos.</c:v>
                 </c:pt>
-                <c:pt idx="4">
+                <c:pt idx="5">
+                  <c:v>Configurar Storage Services.</c:v>
+                </c:pt>
+                <c:pt idx="6">
                   <c:v>Configurar instancia SQL Server.</c:v>
                 </c:pt>
-                <c:pt idx="5">
+                <c:pt idx="7">
                   <c:v>Configurar CI/CD pipelines.</c:v>
                 </c:pt>
-                <c:pt idx="6">
+                <c:pt idx="8">
                   <c:v>Exportar pipelines y datasets de ADF.</c:v>
                 </c:pt>
-                <c:pt idx="7">
+                <c:pt idx="9">
                   <c:v>Desplegar pipelines y datasets.</c:v>
                 </c:pt>
-                <c:pt idx="8">
+                <c:pt idx="10">
                   <c:v>Configurar Linked Services.</c:v>
                 </c:pt>
-                <c:pt idx="9">
+                <c:pt idx="11">
+                  <c:v>Configurar Monitor para pipelines ADF.</c:v>
+                </c:pt>
+                <c:pt idx="12">
+                  <c:v>Exportar scripts Synapse.</c:v>
+                </c:pt>
+                <c:pt idx="13">
+                  <c:v>Importar scripts en Synapse.</c:v>
+                </c:pt>
+                <c:pt idx="14">
+                  <c:v>Exportar Notebooks de Databricks.</c:v>
+                </c:pt>
+                <c:pt idx="15">
+                  <c:v>Configurar notebooks en Databricks.</c:v>
+                </c:pt>
+                <c:pt idx="16">
+                  <c:v>Exportar contenedores del Storage Account.</c:v>
+                </c:pt>
+                <c:pt idx="17">
+                  <c:v>importar datos en Storage Services.</c:v>
+                </c:pt>
+                <c:pt idx="18">
+                  <c:v>Exportar backup de  SQL Databases.</c:v>
+                </c:pt>
+                <c:pt idx="19">
+                  <c:v>Importar tablas en SQL Databases.</c:v>
+                </c:pt>
+                <c:pt idx="20">
                   <c:v>Ejecutar Pipelines.</c:v>
                 </c:pt>
-                <c:pt idx="10">
+                <c:pt idx="21">
+                  <c:v>Exportar Logic Apps.</c:v>
+                </c:pt>
+                <c:pt idx="22">
+                  <c:v>importar Logic Apps.</c:v>
+                </c:pt>
+                <c:pt idx="23">
+                  <c:v>Configurar Insights Logic Apps.</c:v>
+                </c:pt>
+                <c:pt idx="24">
                   <c:v>Validación.</c:v>
                 </c:pt>
-                <c:pt idx="11">
-                  <c:v>Monitoreo y Optimización.</c:v>
+                <c:pt idx="25">
+                  <c:v>Optimización.</c:v>
                 </c:pt>
-                <c:pt idx="12">
+                <c:pt idx="26">
                   <c:v>Evaluacion.</c:v>
                 </c:pt>
               </c:strCache>
@@ -325,10 +372,10 @@
           </c:cat>
           <c:val>
             <c:numRef>
-              <c:f>Gantt!$C$10:$C$22</c:f>
+              <c:f>Gantt!$C$10:$C$36</c:f>
               <c:numCache>
                 <c:formatCode>m/d/yyyy</c:formatCode>
-                <c:ptCount val="13"/>
+                <c:ptCount val="27"/>
                 <c:pt idx="0">
                   <c:v>45551</c:v>
                 </c:pt>
@@ -336,7 +383,7 @@
                   <c:v>45558</c:v>
                 </c:pt>
                 <c:pt idx="2">
-                  <c:v>45562</c:v>
+                  <c:v>45560</c:v>
                 </c:pt>
                 <c:pt idx="3">
                   <c:v>45565</c:v>
@@ -351,16 +398,16 @@
                   <c:v>45574</c:v>
                 </c:pt>
                 <c:pt idx="7">
-                  <c:v>45575</c:v>
+                  <c:v>45579</c:v>
                 </c:pt>
                 <c:pt idx="8">
-                  <c:v>45576</c:v>
+                  <c:v>45581</c:v>
                 </c:pt>
                 <c:pt idx="9">
-                  <c:v>45579</c:v>
+                  <c:v>45582</c:v>
                 </c:pt>
                 <c:pt idx="10">
-                  <c:v>45581</c:v>
+                  <c:v>45583</c:v>
                 </c:pt>
                 <c:pt idx="11">
                   <c:v>45586</c:v>
@@ -368,12 +415,54 @@
                 <c:pt idx="12">
                   <c:v>45587</c:v>
                 </c:pt>
+                <c:pt idx="13">
+                  <c:v>45588</c:v>
+                </c:pt>
+                <c:pt idx="14">
+                  <c:v>45590</c:v>
+                </c:pt>
+                <c:pt idx="15">
+                  <c:v>45593</c:v>
+                </c:pt>
+                <c:pt idx="16">
+                  <c:v>45595</c:v>
+                </c:pt>
+                <c:pt idx="17">
+                  <c:v>45596</c:v>
+                </c:pt>
+                <c:pt idx="18">
+                  <c:v>45600</c:v>
+                </c:pt>
+                <c:pt idx="19">
+                  <c:v>45628</c:v>
+                </c:pt>
+                <c:pt idx="20">
+                  <c:v>45630</c:v>
+                </c:pt>
+                <c:pt idx="21">
+                  <c:v>45635</c:v>
+                </c:pt>
+                <c:pt idx="22">
+                  <c:v>45642</c:v>
+                </c:pt>
+                <c:pt idx="23">
+                  <c:v>45644</c:v>
+                </c:pt>
+                <c:pt idx="24">
+                  <c:v>45645</c:v>
+                </c:pt>
+                <c:pt idx="25">
+                  <c:v>45649</c:v>
+                </c:pt>
+                <c:pt idx="26">
+                  <c:v>45650</c:v>
+                </c:pt>
               </c:numCache>
             </c:numRef>
           </c:val>
           <c:extLst>
             <c:ext xmlns:c16="http://schemas.microsoft.com/office/drawing/2014/chart" uri="{C3380CC4-5D6E-409C-BE32-E72D297353CC}">
-              <c16:uniqueId val="{00000000-8EC5-43D8-A9A3-15F3ED06FF28}"/>
+              <c16:uniqueId val="{00000000-82C4-48C1-9871-DFEB3A918CD9}"/>
             </c:ext>
           </c:extLst>
         </c:ser>
@@ -416,12 +505,9 @@
               <a:lstStyle/>
               <a:p>
                 <a:pPr>
-                  <a:defRPr sz="900" b="0" i="0" u="none" strike="noStrike" kern="1200" baseline="0">
+                  <a:defRPr sz="700" b="1" i="0" u="none" strike="noStrike" kern="1200" baseline="0">
                     <a:solidFill>
-                      <a:schemeClr val="bg1">
-                        <a:lumMod val="75000"/>
-                        <a:lumOff val="25000"/>
-                      </a:schemeClr>
+                      <a:schemeClr val="bg1"/>
                     </a:solidFill>
                     <a:latin typeface="+mn-lt"/>
                     <a:ea typeface="+mn-ea"/>
@@ -461,46 +547,88 @@
           </c:dLbls>
           <c:cat>
             <c:strRef>
-              <c:f>Gantt!$B$10:$B$22</c:f>
+              <c:f>Gantt!$B$10:$B$36</c:f>
               <c:strCache>
-                <c:ptCount val="13"/>
+                <c:ptCount val="27"/>
                 <c:pt idx="0">
                   <c:v>Análisis de Impacto.</c:v>
                 </c:pt>
                 <c:pt idx="1">
+                  <c:v>Configurar Integration Runtime.</c:v>
+                </c:pt>
+                <c:pt idx="2">
                   <c:v>Configurar workspaces en Synapse.</c:v>
                 </c:pt>
-                <c:pt idx="2">
+                <c:pt idx="3">
                   <c:v>Configurar clusters en Databricks.</c:v>
                 </c:pt>
-                <c:pt idx="3">
-                  <c:v>Crea Key Vaults, secretos.</c:v>
+                <c:pt idx="4">
+                  <c:v>Crear Key Vaults, secretos.</c:v>
                 </c:pt>
-                <c:pt idx="4">
+                <c:pt idx="5">
+                  <c:v>Configurar Storage Services.</c:v>
+                </c:pt>
+                <c:pt idx="6">
                   <c:v>Configurar instancia SQL Server.</c:v>
                 </c:pt>
-                <c:pt idx="5">
+                <c:pt idx="7">
                   <c:v>Configurar CI/CD pipelines.</c:v>
                 </c:pt>
-                <c:pt idx="6">
+                <c:pt idx="8">
                   <c:v>Exportar pipelines y datasets de ADF.</c:v>
                 </c:pt>
-                <c:pt idx="7">
+                <c:pt idx="9">
                   <c:v>Desplegar pipelines y datasets.</c:v>
                 </c:pt>
-                <c:pt idx="8">
+                <c:pt idx="10">
                   <c:v>Configurar Linked Services.</c:v>
                 </c:pt>
-                <c:pt idx="9">
+                <c:pt idx="11">
+                  <c:v>Configurar Monitor para pipelines ADF.</c:v>
+                </c:pt>
+                <c:pt idx="12">
+                  <c:v>Exportar scripts Synapse.</c:v>
+                </c:pt>
+                <c:pt idx="13">
+                  <c:v>Importar scripts en Synapse.</c:v>
+                </c:pt>
+                <c:pt idx="14">
+                  <c:v>Exportar Notebooks de Databricks.</c:v>
+                </c:pt>
+                <c:pt idx="15">
+                  <c:v>Configurar notebooks en Databricks.</c:v>
+                </c:pt>
+                <c:pt idx="16">
+                  <c:v>Exportar contenedores del Storage Account.</c:v>
+                </c:pt>
+                <c:pt idx="17">
+                  <c:v>importar datos en Storage Services.</c:v>
+                </c:pt>
+                <c:pt idx="18">
+                  <c:v>Exportar backup de  SQL Databases.</c:v>
+                </c:pt>
+                <c:pt idx="19">
+                  <c:v>Importar tablas en SQL Databases.</c:v>
+                </c:pt>
+                <c:pt idx="20">
                   <c:v>Ejecutar Pipelines.</c:v>
                 </c:pt>
-                <c:pt idx="10">
+                <c:pt idx="21">
+                  <c:v>Exportar Logic Apps.</c:v>
+                </c:pt>
+                <c:pt idx="22">
+                  <c:v>importar Logic Apps.</c:v>
+                </c:pt>
+                <c:pt idx="23">
+                  <c:v>Configurar Insights Logic Apps.</c:v>
+                </c:pt>
+                <c:pt idx="24">
                   <c:v>Validación.</c:v>
                 </c:pt>
-                <c:pt idx="11">
-                  <c:v>Monitoreo y Optimización.</c:v>
+                <c:pt idx="25">
+                  <c:v>Optimización.</c:v>
                 </c:pt>
-                <c:pt idx="12">
+                <c:pt idx="26">
                   <c:v>Evaluacion.</c:v>
                 </c:pt>
               </c:strCache>
@@ -508,18 +636,18 @@
           </c:cat>
           <c:val>
             <c:numRef>
-              <c:f>Gantt!$D$10:$D$22</c:f>
+              <c:f>Gantt!$D$10:$D$36</c:f>
               <c:numCache>
                 <c:formatCode>General</c:formatCode>
-                <c:ptCount val="13"/>
+                <c:ptCount val="27"/>
                 <c:pt idx="0">
                   <c:v>7</c:v>
                 </c:pt>
                 <c:pt idx="1">
-                  <c:v>4</c:v>
+                  <c:v>2</c:v>
                 </c:pt>
                 <c:pt idx="2">
-                  <c:v>3</c:v>
+                  <c:v>5</c:v>
                 </c:pt>
                 <c:pt idx="3">
                   <c:v>2</c:v>
@@ -531,24 +659,66 @@
                   <c:v>2</c:v>
                 </c:pt>
                 <c:pt idx="6">
+                  <c:v>5</c:v>
+                </c:pt>
+                <c:pt idx="7">
+                  <c:v>2</c:v>
+                </c:pt>
+                <c:pt idx="8">
                   <c:v>1</c:v>
                 </c:pt>
-                <c:pt idx="7">
+                <c:pt idx="9">
                   <c:v>1</c:v>
                 </c:pt>
-                <c:pt idx="8">
+                <c:pt idx="10">
                   <c:v>3</c:v>
-                </c:pt>
-                <c:pt idx="9">
-                  <c:v>2</c:v>
-                </c:pt>
-                <c:pt idx="10">
-                  <c:v>5</c:v>
                 </c:pt>
                 <c:pt idx="11">
                   <c:v>1</c:v>
                 </c:pt>
                 <c:pt idx="12">
+                  <c:v>1</c:v>
+                </c:pt>
+                <c:pt idx="13">
+                  <c:v>2</c:v>
+                </c:pt>
+                <c:pt idx="14">
+                  <c:v>3</c:v>
+                </c:pt>
+                <c:pt idx="15">
+                  <c:v>2</c:v>
+                </c:pt>
+                <c:pt idx="16">
+                  <c:v>1</c:v>
+                </c:pt>
+                <c:pt idx="17">
+                  <c:v>4</c:v>
+                </c:pt>
+                <c:pt idx="18">
+                  <c:v>28</c:v>
+                </c:pt>
+                <c:pt idx="19">
+                  <c:v>2</c:v>
+                </c:pt>
+                <c:pt idx="20">
+                  <c:v>5</c:v>
+                </c:pt>
+                <c:pt idx="21">
+                  <c:v>7</c:v>
+                </c:pt>
+                <c:pt idx="22">
+                  <c:v>2</c:v>
+                </c:pt>
+                <c:pt idx="23">
+                  <c:v>1</c:v>
+                </c:pt>
+                <c:pt idx="24">
+                  <c:v>4</c:v>
+                </c:pt>
+                <c:pt idx="25">
+                  <c:v>1</c:v>
+                </c:pt>
+                <c:pt idx="26">
                   <c:v>6</c:v>
                 </c:pt>
               </c:numCache>
@@ -556,7 +726,7 @@
           </c:val>
           <c:extLst>
             <c:ext xmlns:c16="http://schemas.microsoft.com/office/drawing/2014/chart" uri="{C3380CC4-5D6E-409C-BE32-E72D297353CC}">
-              <c16:uniqueId val="{00000001-8EC5-43D8-A9A3-15F3ED06FF28}"/>
+              <c16:uniqueId val="{00000001-82C4-48C1-9871-DFEB3A918CD9}"/>
             </c:ext>
           </c:extLst>
         </c:ser>
@@ -602,12 +772,9 @@
           <a:lstStyle/>
           <a:p>
             <a:pPr>
-              <a:defRPr sz="1200" b="1" i="0" u="none" strike="noStrike" kern="1200" baseline="0">
+              <a:defRPr sz="900" b="1" i="0" u="none" strike="noStrike" kern="1200" baseline="0">
                 <a:solidFill>
-                  <a:schemeClr val="tx1">
-                    <a:lumMod val="65000"/>
-                    <a:lumOff val="35000"/>
-                  </a:schemeClr>
+                  <a:srgbClr val="FFFF00"/>
                 </a:solidFill>
                 <a:latin typeface="+mn-lt"/>
                 <a:ea typeface="+mn-ea"/>
@@ -628,7 +795,7 @@
         <c:axId val="1184412656"/>
         <c:scaling>
           <c:orientation val="minMax"/>
-          <c:max val="45593"/>
+          <c:max val="45657"/>
           <c:min val="45551"/>
         </c:scaling>
         <c:delete val="0"/>
@@ -665,10 +832,7 @@
             <a:pPr>
               <a:defRPr sz="900" b="1" i="0" u="none" strike="noStrike" kern="1200" baseline="0">
                 <a:solidFill>
-                  <a:schemeClr val="tx1">
-                    <a:lumMod val="65000"/>
-                    <a:lumOff val="35000"/>
-                  </a:schemeClr>
+                  <a:srgbClr val="FFFF00"/>
                 </a:solidFill>
                 <a:latin typeface="+mn-lt"/>
                 <a:ea typeface="+mn-ea"/>
@@ -692,6 +856,16 @@
     </c:plotArea>
     <c:legend>
       <c:legendPos val="b"/>
+      <c:layout>
+        <c:manualLayout>
+          <c:xMode val="edge"/>
+          <c:yMode val="edge"/>
+          <c:x val="0.41818479185210661"/>
+          <c:y val="0.94617187205666287"/>
+          <c:w val="0.16363041629578678"/>
+          <c:h val="3.4689371962475977E-2"/>
+        </c:manualLayout>
+      </c:layout>
       <c:overlay val="0"/>
       <c:spPr>
         <a:noFill/>
@@ -1384,7 +1558,7 @@
             <a:pPr algn="r" rtl="0"/>
             <a:fld id="{C57DE37D-B738-4817-B751-0C1B86D8B665}" type="datetime1">
               <a:rPr lang="es-ES" smtClean="0"/>
-              <a:t>13/09/2024</a:t>
+              <a:t>15/09/2024</a:t>
             </a:fld>
             <a:endParaRPr dirty="0"/>
           </a:p>
@@ -1554,7 +1728,7 @@
             <a:fld id="{17BB30D9-D505-4352-B274-A1AB529BC646}" type="datetime1">
               <a:rPr lang="es-ES" smtClean="0"/>
               <a:pPr/>
-              <a:t>13/09/2024</a:t>
+              <a:t>15/09/2024</a:t>
             </a:fld>
             <a:endParaRPr lang="es-ES" dirty="0"/>
           </a:p>
@@ -1984,7 +2158,7 @@
     </p:spTree>
     <p:extLst>
       <p:ext uri="{BB962C8B-B14F-4D97-AF65-F5344CB8AC3E}">
-        <p14:creationId xmlns:p14="http://schemas.microsoft.com/office/powerpoint/2010/main" val="2275032356"/>
+        <p14:creationId xmlns:p14="http://schemas.microsoft.com/office/powerpoint/2010/main" val="1962836447"/>
       </p:ext>
     </p:extLst>
   </p:cSld>
@@ -2069,7 +2243,7 @@
     </p:spTree>
     <p:extLst>
       <p:ext uri="{BB962C8B-B14F-4D97-AF65-F5344CB8AC3E}">
-        <p14:creationId xmlns:p14="http://schemas.microsoft.com/office/powerpoint/2010/main" val="1962836447"/>
+        <p14:creationId xmlns:p14="http://schemas.microsoft.com/office/powerpoint/2010/main" val="3171899052"/>
       </p:ext>
     </p:extLst>
   </p:cSld>
@@ -2154,7 +2328,7 @@
     </p:spTree>
     <p:extLst>
       <p:ext uri="{BB962C8B-B14F-4D97-AF65-F5344CB8AC3E}">
-        <p14:creationId xmlns:p14="http://schemas.microsoft.com/office/powerpoint/2010/main" val="3171899052"/>
+        <p14:creationId xmlns:p14="http://schemas.microsoft.com/office/powerpoint/2010/main" val="1351420944"/>
       </p:ext>
     </p:extLst>
   </p:cSld>
@@ -2239,7 +2413,7 @@
     </p:spTree>
     <p:extLst>
       <p:ext uri="{BB962C8B-B14F-4D97-AF65-F5344CB8AC3E}">
-        <p14:creationId xmlns:p14="http://schemas.microsoft.com/office/powerpoint/2010/main" val="1351420944"/>
+        <p14:creationId xmlns:p14="http://schemas.microsoft.com/office/powerpoint/2010/main" val="1651911614"/>
       </p:ext>
     </p:extLst>
   </p:cSld>
@@ -2324,7 +2498,7 @@
     </p:spTree>
     <p:extLst>
       <p:ext uri="{BB962C8B-B14F-4D97-AF65-F5344CB8AC3E}">
-        <p14:creationId xmlns:p14="http://schemas.microsoft.com/office/powerpoint/2010/main" val="1651911614"/>
+        <p14:creationId xmlns:p14="http://schemas.microsoft.com/office/powerpoint/2010/main" val="3219785553"/>
       </p:ext>
     </p:extLst>
   </p:cSld>
@@ -2401,91 +2575,6 @@
               <a:rPr lang="es-ES" smtClean="0"/>
               <a:pPr/>
               <a:t>8</a:t>
-            </a:fld>
-            <a:endParaRPr lang="es-ES" dirty="0"/>
-          </a:p>
-        </p:txBody>
-      </p:sp>
-    </p:spTree>
-    <p:extLst>
-      <p:ext uri="{BB962C8B-B14F-4D97-AF65-F5344CB8AC3E}">
-        <p14:creationId xmlns:p14="http://schemas.microsoft.com/office/powerpoint/2010/main" val="3219785553"/>
-      </p:ext>
-    </p:extLst>
-  </p:cSld>
-  <p:clrMapOvr>
-    <a:masterClrMapping/>
-  </p:clrMapOvr>
-</p:notes>
-</file>
-
-<file path=ppt/notesSlides/notesSlide8.xml><?xml version="1.0" encoding="utf-8"?>
-<p:notes xmlns:a="http://schemas.openxmlformats.org/drawingml/2006/main" xmlns:r="http://schemas.openxmlformats.org/officeDocument/2006/relationships" xmlns:p="http://schemas.openxmlformats.org/presentationml/2006/main">
-  <p:cSld>
-    <p:spTree>
-      <p:nvGrpSpPr>
-        <p:cNvPr id="1" name=""/>
-        <p:cNvGrpSpPr/>
-        <p:nvPr/>
-      </p:nvGrpSpPr>
-      <p:grpSpPr>
-        <a:xfrm>
-          <a:off x="0" y="0"/>
-          <a:ext cx="0" cy="0"/>
-          <a:chOff x="0" y="0"/>
-          <a:chExt cx="0" cy="0"/>
-        </a:xfrm>
-      </p:grpSpPr>
-      <p:sp>
-        <p:nvSpPr>
-          <p:cNvPr id="2" name="Marcador de imagen de diapositiva 1"/>
-          <p:cNvSpPr>
-            <a:spLocks noGrp="1" noRot="1" noChangeAspect="1"/>
-          </p:cNvSpPr>
-          <p:nvPr>
-            <p:ph type="sldImg"/>
-          </p:nvPr>
-        </p:nvSpPr>
-        <p:spPr/>
-      </p:sp>
-      <p:sp>
-        <p:nvSpPr>
-          <p:cNvPr id="3" name="Marcador de notas 2"/>
-          <p:cNvSpPr>
-            <a:spLocks noGrp="1"/>
-          </p:cNvSpPr>
-          <p:nvPr>
-            <p:ph type="body" idx="1"/>
-          </p:nvPr>
-        </p:nvSpPr>
-        <p:spPr/>
-        <p:txBody>
-          <a:bodyPr/>
-          <a:lstStyle/>
-          <a:p>
-            <a:endParaRPr lang="es-ES"/>
-          </a:p>
-        </p:txBody>
-      </p:sp>
-      <p:sp>
-        <p:nvSpPr>
-          <p:cNvPr id="4" name="Marcador de número de diapositiva 3"/>
-          <p:cNvSpPr>
-            <a:spLocks noGrp="1"/>
-          </p:cNvSpPr>
-          <p:nvPr>
-            <p:ph type="sldNum" sz="quarter" idx="10"/>
-          </p:nvPr>
-        </p:nvSpPr>
-        <p:spPr/>
-        <p:txBody>
-          <a:bodyPr/>
-          <a:lstStyle/>
-          <a:p>
-            <a:fld id="{5EE2CF44-2B13-41B4-A334-1CDF534EEBBF}" type="slidenum">
-              <a:rPr lang="es-ES" smtClean="0"/>
-              <a:pPr/>
-              <a:t>9</a:t>
             </a:fld>
             <a:endParaRPr lang="es-ES" dirty="0"/>
           </a:p>
@@ -2877,7 +2966,7 @@
             <a:fld id="{FC1B432D-78E7-40AE-81C6-52773394A046}" type="datetime1">
               <a:rPr lang="es-ES" smtClean="0"/>
               <a:pPr/>
-              <a:t>13/09/2024</a:t>
+              <a:t>15/09/2024</a:t>
             </a:fld>
             <a:endParaRPr lang="es-ES" dirty="0"/>
           </a:p>
@@ -3067,7 +3156,7 @@
             <a:fld id="{E062C603-371F-4D8B-AFB8-8337237C6271}" type="datetime1">
               <a:rPr lang="es-ES" smtClean="0"/>
               <a:pPr algn="r"/>
-              <a:t>13/09/2024</a:t>
+              <a:t>15/09/2024</a:t>
             </a:fld>
             <a:endParaRPr lang="es-ES" dirty="0"/>
           </a:p>
@@ -3250,7 +3339,7 @@
             <a:fld id="{D1AE6EBB-BEC9-4000-8D95-40B44C4E2CA6}" type="datetime1">
               <a:rPr lang="es-ES" smtClean="0"/>
               <a:pPr/>
-              <a:t>13/09/2024</a:t>
+              <a:t>15/09/2024</a:t>
             </a:fld>
             <a:endParaRPr lang="es-ES" dirty="0"/>
           </a:p>
@@ -3695,7 +3784,7 @@
             <a:fld id="{7CAF1BE7-5365-4137-AE14-A7C362FC891C}" type="datetime1">
               <a:rPr lang="es-ES" smtClean="0"/>
               <a:pPr/>
-              <a:t>13/09/2024</a:t>
+              <a:t>15/09/2024</a:t>
             </a:fld>
             <a:endParaRPr lang="es-ES" dirty="0"/>
           </a:p>
@@ -4144,7 +4233,7 @@
             <a:fld id="{CCE83AA6-4601-4BF7-BD54-99DD2B193FD1}" type="datetime1">
               <a:rPr lang="es-ES" smtClean="0"/>
               <a:pPr/>
-              <a:t>13/09/2024</a:t>
+              <a:t>15/09/2024</a:t>
             </a:fld>
             <a:endParaRPr lang="es-ES" dirty="0"/>
           </a:p>
@@ -4271,7 +4360,7 @@
             <a:fld id="{808DBE58-23DC-4EE9-8158-B69AC44D4A43}" type="datetime1">
               <a:rPr lang="es-ES" smtClean="0"/>
               <a:pPr/>
-              <a:t>13/09/2024</a:t>
+              <a:t>15/09/2024</a:t>
             </a:fld>
             <a:endParaRPr lang="es-ES" dirty="0"/>
           </a:p>
@@ -4374,7 +4463,7 @@
             <a:fld id="{97C2EBBF-D49B-4842-B69E-CE552000DC09}" type="datetime1">
               <a:rPr lang="es-ES" smtClean="0"/>
               <a:pPr/>
-              <a:t>13/09/2024</a:t>
+              <a:t>15/09/2024</a:t>
             </a:fld>
             <a:endParaRPr lang="es-ES" dirty="0"/>
           </a:p>
@@ -4668,7 +4757,7 @@
             <a:fld id="{AF364E66-D00E-49A9-9E62-AB0485562249}" type="datetime1">
               <a:rPr lang="es-ES" smtClean="0"/>
               <a:pPr algn="r"/>
-              <a:t>13/09/2024</a:t>
+              <a:t>15/09/2024</a:t>
             </a:fld>
             <a:endParaRPr lang="es-ES" dirty="0"/>
           </a:p>
@@ -4994,7 +5083,7 @@
             <a:fld id="{8EB92E29-7FB2-4284-9496-FE061DBF8A30}" type="datetime1">
               <a:rPr lang="es-ES" smtClean="0"/>
               <a:pPr/>
-              <a:t>13/09/2024</a:t>
+              <a:t>15/09/2024</a:t>
             </a:fld>
             <a:endParaRPr lang="es-ES" dirty="0"/>
           </a:p>
@@ -5210,7 +5299,7 @@
             <a:fld id="{F03D15E0-E6C7-48CB-A009-DF16BCB95302}" type="datetime1">
               <a:rPr lang="es-ES" smtClean="0"/>
               <a:pPr/>
-              <a:t>13/09/2024</a:t>
+              <a:t>15/09/2024</a:t>
             </a:fld>
             <a:endParaRPr lang="es-ES" dirty="0"/>
           </a:p>
@@ -5820,126 +5909,6 @@
 </p:sld>
 </file>
 
-<file path=ppt/slides/slide10.xml><?xml version="1.0" encoding="utf-8"?>
-<p:sld xmlns:a="http://schemas.openxmlformats.org/drawingml/2006/main" xmlns:r="http://schemas.openxmlformats.org/officeDocument/2006/relationships" xmlns:p="http://schemas.openxmlformats.org/presentationml/2006/main">
-  <p:cSld>
-    <p:spTree>
-      <p:nvGrpSpPr>
-        <p:cNvPr id="1" name=""/>
-        <p:cNvGrpSpPr/>
-        <p:nvPr/>
-      </p:nvGrpSpPr>
-      <p:grpSpPr>
-        <a:xfrm>
-          <a:off x="0" y="0"/>
-          <a:ext cx="0" cy="0"/>
-          <a:chOff x="0" y="0"/>
-          <a:chExt cx="0" cy="0"/>
-        </a:xfrm>
-      </p:grpSpPr>
-      <p:sp>
-        <p:nvSpPr>
-          <p:cNvPr id="2" name="Título 1"/>
-          <p:cNvSpPr>
-            <a:spLocks noGrp="1"/>
-          </p:cNvSpPr>
-          <p:nvPr>
-            <p:ph type="ctrTitle"/>
-          </p:nvPr>
-        </p:nvSpPr>
-        <p:spPr>
-          <a:xfrm>
-            <a:off x="4511824" y="3789040"/>
-            <a:ext cx="3456384" cy="576064"/>
-          </a:xfrm>
-        </p:spPr>
-        <p:txBody>
-          <a:bodyPr rtlCol="0">
-            <a:noAutofit/>
-          </a:bodyPr>
-          <a:lstStyle/>
-          <a:p>
-            <a:pPr algn="ctr" rtl="0"/>
-            <a:r>
-              <a:rPr lang="es-MX" sz="3600" dirty="0"/>
-              <a:t>¡¡¡Gracias!!!</a:t>
-            </a:r>
-            <a:endParaRPr lang="es-ES" sz="3600" dirty="0"/>
-          </a:p>
-        </p:txBody>
-      </p:sp>
-      <p:pic>
-        <p:nvPicPr>
-          <p:cNvPr id="1026" name="Picture 2">
-            <a:extLst>
-              <a:ext uri="{FF2B5EF4-FFF2-40B4-BE49-F238E27FC236}">
-                <a16:creationId xmlns:a16="http://schemas.microsoft.com/office/drawing/2014/main" id="{A3FBFA89-3E25-4875-997A-79EBB0930C0C}"/>
-              </a:ext>
-            </a:extLst>
-          </p:cNvPr>
-          <p:cNvPicPr>
-            <a:picLocks noChangeAspect="1" noChangeArrowheads="1"/>
-          </p:cNvPicPr>
-          <p:nvPr/>
-        </p:nvPicPr>
-        <p:blipFill>
-          <a:blip r:embed="rId2">
-            <a:extLst>
-              <a:ext uri="{28A0092B-C50C-407E-A947-70E740481C1C}">
-                <a14:useLocalDpi xmlns:a14="http://schemas.microsoft.com/office/drawing/2010/main" val="0"/>
-              </a:ext>
-            </a:extLst>
-          </a:blip>
-          <a:srcRect/>
-          <a:stretch>
-            <a:fillRect/>
-          </a:stretch>
-        </p:blipFill>
-        <p:spPr bwMode="auto">
-          <a:xfrm>
-            <a:off x="9696400" y="5081946"/>
-            <a:ext cx="2319868" cy="456241"/>
-          </a:xfrm>
-          <a:prstGeom prst="rect">
-            <a:avLst/>
-          </a:prstGeom>
-          <a:noFill/>
-          <a:extLst>
-            <a:ext uri="{909E8E84-426E-40DD-AFC4-6F175D3DCCD1}">
-              <a14:hiddenFill xmlns:a14="http://schemas.microsoft.com/office/drawing/2010/main">
-                <a:solidFill>
-                  <a:srgbClr val="FFFFFF"/>
-                </a:solidFill>
-              </a14:hiddenFill>
-            </a:ext>
-          </a:extLst>
-        </p:spPr>
-      </p:pic>
-    </p:spTree>
-    <p:extLst>
-      <p:ext uri="{BB962C8B-B14F-4D97-AF65-F5344CB8AC3E}">
-        <p14:creationId xmlns:p14="http://schemas.microsoft.com/office/powerpoint/2010/main" val="881312324"/>
-      </p:ext>
-    </p:extLst>
-  </p:cSld>
-  <p:clrMapOvr>
-    <a:masterClrMapping/>
-  </p:clrMapOvr>
-  <mc:AlternateContent xmlns:mc="http://schemas.openxmlformats.org/markup-compatibility/2006" xmlns:p14="http://schemas.microsoft.com/office/powerpoint/2010/main">
-    <mc:Choice Requires="p14">
-      <p:transition spd="med" p14:dur="700">
-        <p:fade/>
-      </p:transition>
-    </mc:Choice>
-    <mc:Fallback xmlns="">
-      <p:transition spd="med">
-        <p:fade/>
-      </p:transition>
-    </mc:Fallback>
-  </mc:AlternateContent>
-</p:sld>
-</file>
-
 <file path=ppt/slides/slide2.xml><?xml version="1.0" encoding="utf-8"?>
 <p:sld xmlns:a="http://schemas.openxmlformats.org/drawingml/2006/main" xmlns:r="http://schemas.openxmlformats.org/officeDocument/2006/relationships" xmlns:p="http://schemas.openxmlformats.org/presentationml/2006/main">
   <p:cSld>
@@ -6004,28 +5973,12 @@
         <p:spPr>
           <a:xfrm>
             <a:off x="1524000" y="1828800"/>
-            <a:ext cx="3923928" cy="3400400"/>
+            <a:ext cx="3131840" cy="2896344"/>
           </a:xfrm>
         </p:spPr>
         <p:txBody>
           <a:bodyPr rtlCol="0"/>
           <a:lstStyle/>
-          <a:p>
-            <a:pPr marL="0" indent="0" rtl="0">
-              <a:buNone/>
-            </a:pPr>
-            <a:r>
-              <a:rPr lang="es-CO" dirty="0"/>
-              <a:t>📊 </a:t>
-            </a:r>
-            <a:r>
-              <a:rPr lang="es-CO" dirty="0">
-                <a:hlinkClick r:id="rId3" action="ppaction://hlinksldjump"/>
-              </a:rPr>
-              <a:t>Situación Actual.</a:t>
-            </a:r>
-            <a:endParaRPr lang="es-CO" dirty="0"/>
-          </a:p>
           <a:p>
             <a:pPr marL="0" indent="0">
               <a:buNone/>
@@ -6036,7 +5989,7 @@
             </a:r>
             <a:r>
               <a:rPr lang="es-CO" dirty="0">
-                <a:hlinkClick r:id="rId4" action="ppaction://hlinksldjump"/>
+                <a:hlinkClick r:id="rId3" action="ppaction://hlinksldjump"/>
               </a:rPr>
               <a:t>Desafíos.</a:t>
             </a:r>
@@ -6052,7 +6005,7 @@
             </a:r>
             <a:r>
               <a:rPr lang="es-CO" dirty="0">
-                <a:hlinkClick r:id="rId5" action="ppaction://hlinksldjump"/>
+                <a:hlinkClick r:id="rId4" action="ppaction://hlinksldjump"/>
               </a:rPr>
               <a:t>Propuesta.</a:t>
             </a:r>
@@ -6068,7 +6021,7 @@
             </a:r>
             <a:r>
               <a:rPr lang="es-CO" dirty="0">
-                <a:hlinkClick r:id="rId6" action="ppaction://hlinksldjump"/>
+                <a:hlinkClick r:id="rId5" action="ppaction://hlinksldjump"/>
               </a:rPr>
               <a:t>Plan de Acción.</a:t>
             </a:r>
@@ -6084,7 +6037,7 @@
             </a:r>
             <a:r>
               <a:rPr lang="es-CO" dirty="0">
-                <a:hlinkClick r:id="rId7" action="ppaction://hlinksldjump"/>
+                <a:hlinkClick r:id="rId6" action="ppaction://hlinksldjump"/>
               </a:rPr>
               <a:t>Riesgos y Mitigaciones.</a:t>
             </a:r>
@@ -6100,7 +6053,7 @@
             </a:r>
             <a:r>
               <a:rPr lang="es-CO" dirty="0">
-                <a:hlinkClick r:id="rId8" action="ppaction://hlinksldjump"/>
+                <a:hlinkClick r:id="rId7" action="ppaction://hlinksldjump"/>
               </a:rPr>
               <a:t>Requerimientos.</a:t>
             </a:r>
@@ -6116,7 +6069,7 @@
             </a:r>
             <a:r>
               <a:rPr lang="es-CO" dirty="0">
-                <a:hlinkClick r:id="rId9" action="ppaction://hlinksldjump"/>
+                <a:hlinkClick r:id="rId8" action="ppaction://hlinksldjump"/>
               </a:rPr>
               <a:t>Alternativas.</a:t>
             </a:r>
@@ -6142,420 +6095,6 @@
 </file>
 
 <file path=ppt/slides/slide3.xml><?xml version="1.0" encoding="utf-8"?>
-<p:sld xmlns:a="http://schemas.openxmlformats.org/drawingml/2006/main" xmlns:r="http://schemas.openxmlformats.org/officeDocument/2006/relationships" xmlns:p="http://schemas.openxmlformats.org/presentationml/2006/main">
-  <p:cSld>
-    <p:spTree>
-      <p:nvGrpSpPr>
-        <p:cNvPr id="1" name=""/>
-        <p:cNvGrpSpPr/>
-        <p:nvPr/>
-      </p:nvGrpSpPr>
-      <p:grpSpPr>
-        <a:xfrm>
-          <a:off x="0" y="0"/>
-          <a:ext cx="0" cy="0"/>
-          <a:chOff x="0" y="0"/>
-          <a:chExt cx="0" cy="0"/>
-        </a:xfrm>
-      </p:grpSpPr>
-      <p:sp>
-        <p:nvSpPr>
-          <p:cNvPr id="2" name="Título 1"/>
-          <p:cNvSpPr>
-            <a:spLocks noGrp="1"/>
-          </p:cNvSpPr>
-          <p:nvPr>
-            <p:ph type="title"/>
-          </p:nvPr>
-        </p:nvSpPr>
-        <p:spPr>
-          <a:xfrm>
-            <a:off x="1524000" y="1052736"/>
-            <a:ext cx="4644008" cy="547464"/>
-          </a:xfrm>
-        </p:spPr>
-        <p:txBody>
-          <a:bodyPr rtlCol="0">
-            <a:normAutofit fontScale="90000"/>
-          </a:bodyPr>
-          <a:lstStyle/>
-          <a:p>
-            <a:pPr marL="0" indent="0">
-              <a:buNone/>
-            </a:pPr>
-            <a:r>
-              <a:rPr lang="es-CO" b="1" dirty="0"/>
-              <a:t>📊 Situación Actual.</a:t>
-            </a:r>
-          </a:p>
-        </p:txBody>
-      </p:sp>
-      <p:graphicFrame>
-        <p:nvGraphicFramePr>
-          <p:cNvPr id="5" name="Marcador de posición de contenido 4" descr="Tabla de ejemplo con 3 columnas y 4 filas" title="Tabla"/>
-          <p:cNvGraphicFramePr>
-            <a:graphicFrameLocks noGrp="1"/>
-          </p:cNvGraphicFramePr>
-          <p:nvPr>
-            <p:ph sz="half" idx="2"/>
-            <p:extLst>
-              <p:ext uri="{D42A27DB-BD31-4B8C-83A1-F6EECF244321}">
-                <p14:modId xmlns:p14="http://schemas.microsoft.com/office/powerpoint/2010/main" val="30324420"/>
-              </p:ext>
-            </p:extLst>
-          </p:nvPr>
-        </p:nvGraphicFramePr>
-        <p:xfrm>
-          <a:off x="2351584" y="2780928"/>
-          <a:ext cx="7706551" cy="1793082"/>
-        </p:xfrm>
-        <a:graphic>
-          <a:graphicData uri="http://schemas.openxmlformats.org/drawingml/2006/table">
-            <a:tbl>
-              <a:tblPr firstRow="1" bandRow="1">
-                <a:tableStyleId>{5C22544A-7EE6-4342-B048-85BDC9FD1C3A}</a:tableStyleId>
-              </a:tblPr>
-              <a:tblGrid>
-                <a:gridCol w="1221740">
-                  <a:extLst>
-                    <a:ext uri="{9D8B030D-6E8A-4147-A177-3AD203B41FA5}">
-                      <a16:colId xmlns:a16="http://schemas.microsoft.com/office/drawing/2014/main" val="20000"/>
-                    </a:ext>
-                  </a:extLst>
-                </a:gridCol>
-                <a:gridCol w="1286193">
-                  <a:extLst>
-                    <a:ext uri="{9D8B030D-6E8A-4147-A177-3AD203B41FA5}">
-                      <a16:colId xmlns:a16="http://schemas.microsoft.com/office/drawing/2014/main" val="20001"/>
-                    </a:ext>
-                  </a:extLst>
-                </a:gridCol>
-                <a:gridCol w="855980">
-                  <a:extLst>
-                    <a:ext uri="{9D8B030D-6E8A-4147-A177-3AD203B41FA5}">
-                      <a16:colId xmlns:a16="http://schemas.microsoft.com/office/drawing/2014/main" val="20002"/>
-                    </a:ext>
-                  </a:extLst>
-                </a:gridCol>
-                <a:gridCol w="4342638">
-                  <a:extLst>
-                    <a:ext uri="{9D8B030D-6E8A-4147-A177-3AD203B41FA5}">
-                      <a16:colId xmlns:a16="http://schemas.microsoft.com/office/drawing/2014/main" val="2789338225"/>
-                    </a:ext>
-                  </a:extLst>
-                </a:gridCol>
-              </a:tblGrid>
-              <a:tr h="496094">
-                <a:tc>
-                  <a:txBody>
-                    <a:bodyPr/>
-                    <a:lstStyle/>
-                    <a:p>
-                      <a:pPr marL="0" marR="0" lvl="0" indent="0" algn="ctr" defTabSz="914400" rtl="0" eaLnBrk="1" fontAlgn="auto" latinLnBrk="0" hangingPunct="1">
-                        <a:lnSpc>
-                          <a:spcPct val="100000"/>
-                        </a:lnSpc>
-                        <a:spcBef>
-                          <a:spcPts val="0"/>
-                        </a:spcBef>
-                        <a:spcAft>
-                          <a:spcPts val="0"/>
-                        </a:spcAft>
-                        <a:buClrTx/>
-                        <a:buSzTx/>
-                        <a:buFontTx/>
-                        <a:buNone/>
-                        <a:tabLst/>
-                        <a:defRPr/>
-                      </a:pPr>
-                      <a:r>
-                        <a:rPr lang="es-ES" sz="1400" b="1" noProof="0" dirty="0">
-                          <a:solidFill>
-                            <a:srgbClr val="002060"/>
-                          </a:solidFill>
-                        </a:rPr>
-                        <a:t>Data Factory.</a:t>
-                      </a:r>
-                    </a:p>
-                  </a:txBody>
-                  <a:tcPr anchor="ctr"/>
-                </a:tc>
-                <a:tc>
-                  <a:txBody>
-                    <a:bodyPr/>
-                    <a:lstStyle/>
-                    <a:p>
-                      <a:pPr algn="ctr" rtl="0"/>
-                      <a:r>
-                        <a:rPr lang="es-ES" sz="1400" b="1" noProof="0" dirty="0">
-                          <a:solidFill>
-                            <a:srgbClr val="002060"/>
-                          </a:solidFill>
-                        </a:rPr>
-                        <a:t>Instancia.</a:t>
-                      </a:r>
-                    </a:p>
-                  </a:txBody>
-                  <a:tcPr anchor="ctr"/>
-                </a:tc>
-                <a:tc>
-                  <a:txBody>
-                    <a:bodyPr/>
-                    <a:lstStyle/>
-                    <a:p>
-                      <a:pPr algn="ctr"/>
-                      <a:r>
-                        <a:rPr lang="es-CO" sz="1400" b="1" dirty="0">
-                          <a:solidFill>
-                            <a:srgbClr val="002060"/>
-                          </a:solidFill>
-                        </a:rPr>
-                        <a:t>DevOps.</a:t>
-                      </a:r>
-                    </a:p>
-                  </a:txBody>
-                  <a:tcPr anchor="ctr"/>
-                </a:tc>
-                <a:tc>
-                  <a:txBody>
-                    <a:bodyPr/>
-                    <a:lstStyle/>
-                    <a:p>
-                      <a:pPr algn="ctr"/>
-                      <a:r>
-                        <a:rPr lang="es-CO" sz="1400" b="1" dirty="0">
-                          <a:solidFill>
-                            <a:srgbClr val="002060"/>
-                          </a:solidFill>
-                        </a:rPr>
-                        <a:t>Pipelines.</a:t>
-                      </a:r>
-                    </a:p>
-                  </a:txBody>
-                  <a:tcPr anchor="ctr"/>
-                </a:tc>
-                <a:extLst>
-                  <a:ext uri="{0D108BD9-81ED-4DB2-BD59-A6C34878D82A}">
-                    <a16:rowId xmlns:a16="http://schemas.microsoft.com/office/drawing/2014/main" val="10000"/>
-                  </a:ext>
-                </a:extLst>
-              </a:tr>
-              <a:tr h="496094">
-                <a:tc>
-                  <a:txBody>
-                    <a:bodyPr/>
-                    <a:lstStyle/>
-                    <a:p>
-                      <a:pPr algn="ctr"/>
-                      <a:r>
-                        <a:rPr lang="es-CO" sz="1400" dirty="0"/>
-                        <a:t>DF1.</a:t>
-                      </a:r>
-                    </a:p>
-                  </a:txBody>
-                  <a:tcPr anchor="ctr"/>
-                </a:tc>
-                <a:tc>
-                  <a:txBody>
-                    <a:bodyPr/>
-                    <a:lstStyle/>
-                    <a:p>
-                      <a:pPr algn="ctr"/>
-                      <a:r>
-                        <a:rPr lang="es-CO" sz="1400" dirty="0"/>
-                        <a:t>Desarrollo.</a:t>
-                      </a:r>
-                    </a:p>
-                  </a:txBody>
-                  <a:tcPr anchor="ctr"/>
-                </a:tc>
-                <a:tc>
-                  <a:txBody>
-                    <a:bodyPr/>
-                    <a:lstStyle/>
-                    <a:p>
-                      <a:pPr algn="ctr"/>
-                      <a:r>
-                        <a:rPr lang="es-CO" sz="1400" dirty="0"/>
-                        <a:t>SI.</a:t>
-                      </a:r>
-                    </a:p>
-                  </a:txBody>
-                  <a:tcPr anchor="ctr"/>
-                </a:tc>
-                <a:tc>
-                  <a:txBody>
-                    <a:bodyPr/>
-                    <a:lstStyle/>
-                    <a:p>
-                      <a:pPr algn="ctr"/>
-                      <a:r>
-                        <a:rPr lang="es-ES" sz="1400" noProof="0" dirty="0"/>
-                        <a:t>Databricks, Synapse, Functions, SQL Server, Key Vaults</a:t>
-                      </a:r>
-                      <a:r>
-                        <a:rPr lang="es-CO" sz="1400" dirty="0"/>
-                        <a:t>.</a:t>
-                      </a:r>
-                    </a:p>
-                  </a:txBody>
-                  <a:tcPr anchor="ctr"/>
-                </a:tc>
-                <a:extLst>
-                  <a:ext uri="{0D108BD9-81ED-4DB2-BD59-A6C34878D82A}">
-                    <a16:rowId xmlns:a16="http://schemas.microsoft.com/office/drawing/2014/main" val="10001"/>
-                  </a:ext>
-                </a:extLst>
-              </a:tr>
-              <a:tr h="496094">
-                <a:tc>
-                  <a:txBody>
-                    <a:bodyPr/>
-                    <a:lstStyle/>
-                    <a:p>
-                      <a:pPr algn="ctr"/>
-                      <a:r>
-                        <a:rPr lang="es-CO" sz="1400" dirty="0"/>
-                        <a:t>DF2.</a:t>
-                      </a:r>
-                    </a:p>
-                  </a:txBody>
-                  <a:tcPr anchor="ctr"/>
-                </a:tc>
-                <a:tc>
-                  <a:txBody>
-                    <a:bodyPr/>
-                    <a:lstStyle/>
-                    <a:p>
-                      <a:pPr algn="ctr"/>
-                      <a:r>
-                        <a:rPr lang="es-CO" sz="1400" dirty="0"/>
-                        <a:t>Producción.</a:t>
-                      </a:r>
-                    </a:p>
-                  </a:txBody>
-                  <a:tcPr anchor="ctr"/>
-                </a:tc>
-                <a:tc rowSpan="2">
-                  <a:txBody>
-                    <a:bodyPr/>
-                    <a:lstStyle/>
-                    <a:p>
-                      <a:pPr algn="ctr"/>
-                      <a:r>
-                        <a:rPr lang="es-CO" sz="1400" dirty="0"/>
-                        <a:t>No.</a:t>
-                      </a:r>
-                    </a:p>
-                  </a:txBody>
-                  <a:tcPr anchor="ctr"/>
-                </a:tc>
-                <a:tc>
-                  <a:txBody>
-                    <a:bodyPr/>
-                    <a:lstStyle/>
-                    <a:p>
-                      <a:pPr algn="ctr"/>
-                      <a:r>
-                        <a:rPr lang="es-ES" sz="1400" noProof="0" dirty="0"/>
-                        <a:t>Databricks, Synapse, Functions, SQL Server, Key Vaults</a:t>
-                      </a:r>
-                      <a:r>
-                        <a:rPr lang="es-CO" sz="1400" dirty="0"/>
-                        <a:t>.</a:t>
-                      </a:r>
-                    </a:p>
-                  </a:txBody>
-                  <a:tcPr anchor="ctr"/>
-                </a:tc>
-                <a:extLst>
-                  <a:ext uri="{0D108BD9-81ED-4DB2-BD59-A6C34878D82A}">
-                    <a16:rowId xmlns:a16="http://schemas.microsoft.com/office/drawing/2014/main" val="10002"/>
-                  </a:ext>
-                </a:extLst>
-              </a:tr>
-              <a:tr h="248047">
-                <a:tc>
-                  <a:txBody>
-                    <a:bodyPr/>
-                    <a:lstStyle/>
-                    <a:p>
-                      <a:pPr algn="ctr"/>
-                      <a:r>
-                        <a:rPr lang="es-CO" sz="1400" dirty="0"/>
-                        <a:t>DF3.</a:t>
-                      </a:r>
-                    </a:p>
-                  </a:txBody>
-                  <a:tcPr anchor="ctr"/>
-                </a:tc>
-                <a:tc>
-                  <a:txBody>
-                    <a:bodyPr/>
-                    <a:lstStyle/>
-                    <a:p>
-                      <a:pPr algn="ctr"/>
-                      <a:r>
-                        <a:rPr lang="es-CO" sz="1400" dirty="0"/>
-                        <a:t>Carpeta extra.</a:t>
-                      </a:r>
-                    </a:p>
-                  </a:txBody>
-                  <a:tcPr anchor="ctr"/>
-                </a:tc>
-                <a:tc vMerge="1">
-                  <a:txBody>
-                    <a:bodyPr/>
-                    <a:lstStyle/>
-                    <a:p>
-                      <a:pPr algn="ctr"/>
-                      <a:r>
-                        <a:rPr lang="es-CO" sz="1400" dirty="0"/>
-                        <a:t>DF3.</a:t>
-                      </a:r>
-                    </a:p>
-                  </a:txBody>
-                  <a:tcPr anchor="ctr"/>
-                </a:tc>
-                <a:tc>
-                  <a:txBody>
-                    <a:bodyPr/>
-                    <a:lstStyle/>
-                    <a:p>
-                      <a:pPr algn="ctr"/>
-                      <a:r>
-                        <a:rPr lang="es-ES" sz="1400" noProof="0" dirty="0"/>
-                        <a:t>Excel (Sharepoint), Logic Apps.</a:t>
-                      </a:r>
-                      <a:endParaRPr lang="es-CO" sz="1400" dirty="0"/>
-                    </a:p>
-                  </a:txBody>
-                  <a:tcPr anchor="ctr"/>
-                </a:tc>
-                <a:extLst>
-                  <a:ext uri="{0D108BD9-81ED-4DB2-BD59-A6C34878D82A}">
-                    <a16:rowId xmlns:a16="http://schemas.microsoft.com/office/drawing/2014/main" val="10003"/>
-                  </a:ext>
-                </a:extLst>
-              </a:tr>
-            </a:tbl>
-          </a:graphicData>
-        </a:graphic>
-      </p:graphicFrame>
-    </p:spTree>
-    <p:extLst>
-      <p:ext uri="{BB962C8B-B14F-4D97-AF65-F5344CB8AC3E}">
-        <p14:creationId xmlns:p14="http://schemas.microsoft.com/office/powerpoint/2010/main" val="2105110879"/>
-      </p:ext>
-    </p:extLst>
-  </p:cSld>
-  <p:clrMapOvr>
-    <a:masterClrMapping/>
-  </p:clrMapOvr>
-</p:sld>
-</file>
-
-<file path=ppt/slides/slide4.xml><?xml version="1.0" encoding="utf-8"?>
 <p:sld xmlns:a="http://schemas.openxmlformats.org/drawingml/2006/main" xmlns:r="http://schemas.openxmlformats.org/officeDocument/2006/relationships" xmlns:p="http://schemas.openxmlformats.org/presentationml/2006/main">
   <p:cSld>
     <p:spTree>
@@ -8320,14 +7859,11 @@
                 </a:spcAft>
                 <a:buNone/>
               </a:pPr>
-              <a:r>
-                <a:rPr lang="es-ES" sz="1600" b="1" kern="1200" noProof="0" dirty="0">
-                  <a:solidFill>
-                    <a:schemeClr val="bg2"/>
-                  </a:solidFill>
-                </a:rPr>
-                <a:t>* 3.</a:t>
-              </a:r>
+              <a:endParaRPr lang="es-ES" sz="1600" b="1" kern="1200" noProof="0" dirty="0">
+                <a:solidFill>
+                  <a:schemeClr val="bg2"/>
+                </a:solidFill>
+              </a:endParaRPr>
             </a:p>
           </p:txBody>
         </p:sp>
@@ -9600,30 +9136,11 @@
                 </a:spcAft>
                 <a:buNone/>
               </a:pPr>
-              <a:r>
-                <a:rPr lang="es-ES" sz="1600" b="1" kern="1200" noProof="0" dirty="0">
-                  <a:solidFill>
-                    <a:schemeClr val="bg2"/>
-                  </a:solidFill>
-                </a:rPr>
-                <a:t>* </a:t>
-              </a:r>
-              <a:r>
-                <a:rPr lang="es-ES" sz="1600" b="1" dirty="0">
-                  <a:solidFill>
-                    <a:schemeClr val="bg2"/>
-                  </a:solidFill>
-                </a:rPr>
-                <a:t>3</a:t>
-              </a:r>
-              <a:r>
-                <a:rPr lang="es-ES" sz="1600" b="1" kern="1200" noProof="0" dirty="0">
-                  <a:solidFill>
-                    <a:schemeClr val="bg2"/>
-                  </a:solidFill>
-                </a:rPr>
-                <a:t>.                  </a:t>
-              </a:r>
+              <a:endParaRPr lang="es-ES" sz="1600" b="1" kern="1200" noProof="0" dirty="0">
+                <a:solidFill>
+                  <a:schemeClr val="bg2"/>
+                </a:solidFill>
+              </a:endParaRPr>
             </a:p>
           </p:txBody>
         </p:sp>
@@ -10489,7 +10006,7 @@
         </p:nvSpPr>
         <p:spPr>
           <a:xfrm>
-            <a:off x="6453938" y="4377770"/>
+            <a:off x="6508632" y="4323882"/>
             <a:ext cx="1406728" cy="486461"/>
           </a:xfrm>
           <a:prstGeom prst="rect">
@@ -12936,7 +12453,7 @@
                   <a:schemeClr val="bg2"/>
                 </a:solidFill>
               </a:rPr>
-              <a:t>* 3</a:t>
+              <a:t>* 1</a:t>
             </a:r>
             <a:r>
               <a:rPr lang="es-ES" sz="1800" b="1" kern="1200" noProof="0" dirty="0">
@@ -15112,6 +14629,108 @@
           </a:extLst>
         </p:spPr>
       </p:pic>
+      <p:sp>
+        <p:nvSpPr>
+          <p:cNvPr id="149" name="CuadroTexto 148">
+            <a:extLst>
+              <a:ext uri="{FF2B5EF4-FFF2-40B4-BE49-F238E27FC236}">
+                <a16:creationId xmlns:a16="http://schemas.microsoft.com/office/drawing/2014/main" id="{4FC35BCF-1886-4097-9726-407FBB22F592}"/>
+              </a:ext>
+            </a:extLst>
+          </p:cNvPr>
+          <p:cNvSpPr txBox="1"/>
+          <p:nvPr/>
+        </p:nvSpPr>
+        <p:spPr>
+          <a:xfrm>
+            <a:off x="4284275" y="2837786"/>
+            <a:ext cx="554263" cy="341632"/>
+          </a:xfrm>
+          <a:prstGeom prst="rect">
+            <a:avLst/>
+          </a:prstGeom>
+          <a:noFill/>
+        </p:spPr>
+        <p:txBody>
+          <a:bodyPr wrap="square">
+            <a:spAutoFit/>
+          </a:bodyPr>
+          <a:lstStyle/>
+          <a:p>
+            <a:pPr marL="0" lvl="0" indent="0" algn="ctr" defTabSz="977900" rtl="0">
+              <a:lnSpc>
+                <a:spcPct val="90000"/>
+              </a:lnSpc>
+              <a:spcBef>
+                <a:spcPct val="0"/>
+              </a:spcBef>
+              <a:spcAft>
+                <a:spcPct val="35000"/>
+              </a:spcAft>
+              <a:buNone/>
+            </a:pPr>
+            <a:r>
+              <a:rPr lang="es-ES" sz="1800" b="1" kern="1200" noProof="0" dirty="0">
+                <a:solidFill>
+                  <a:schemeClr val="bg2"/>
+                </a:solidFill>
+              </a:rPr>
+              <a:t>* 3.</a:t>
+            </a:r>
+          </a:p>
+        </p:txBody>
+      </p:sp>
+      <p:sp>
+        <p:nvSpPr>
+          <p:cNvPr id="155" name="CuadroTexto 154">
+            <a:extLst>
+              <a:ext uri="{FF2B5EF4-FFF2-40B4-BE49-F238E27FC236}">
+                <a16:creationId xmlns:a16="http://schemas.microsoft.com/office/drawing/2014/main" id="{BF900522-179F-4F5F-9454-2AB0939E851E}"/>
+              </a:ext>
+            </a:extLst>
+          </p:cNvPr>
+          <p:cNvSpPr txBox="1"/>
+          <p:nvPr/>
+        </p:nvSpPr>
+        <p:spPr>
+          <a:xfrm>
+            <a:off x="9735501" y="2875484"/>
+            <a:ext cx="554263" cy="341632"/>
+          </a:xfrm>
+          <a:prstGeom prst="rect">
+            <a:avLst/>
+          </a:prstGeom>
+          <a:noFill/>
+        </p:spPr>
+        <p:txBody>
+          <a:bodyPr wrap="square">
+            <a:spAutoFit/>
+          </a:bodyPr>
+          <a:lstStyle/>
+          <a:p>
+            <a:pPr marL="0" lvl="0" indent="0" algn="ctr" defTabSz="977900" rtl="0">
+              <a:lnSpc>
+                <a:spcPct val="90000"/>
+              </a:lnSpc>
+              <a:spcBef>
+                <a:spcPct val="0"/>
+              </a:spcBef>
+              <a:spcAft>
+                <a:spcPct val="35000"/>
+              </a:spcAft>
+              <a:buNone/>
+            </a:pPr>
+            <a:r>
+              <a:rPr lang="es-ES" sz="1800" b="1" kern="1200" noProof="0" dirty="0">
+                <a:solidFill>
+                  <a:schemeClr val="bg2"/>
+                </a:solidFill>
+              </a:rPr>
+              <a:t>* 2.</a:t>
+            </a:r>
+          </a:p>
+        </p:txBody>
+      </p:sp>
     </p:spTree>
     <p:extLst>
       <p:ext uri="{BB962C8B-B14F-4D97-AF65-F5344CB8AC3E}">
@@ -15125,7 +14744,7 @@
 </p:sld>
 </file>
 
-<file path=ppt/slides/slide5.xml><?xml version="1.0" encoding="utf-8"?>
+<file path=ppt/slides/slide4.xml><?xml version="1.0" encoding="utf-8"?>
 <p:sld xmlns:a="http://schemas.openxmlformats.org/drawingml/2006/main" xmlns:r="http://schemas.openxmlformats.org/officeDocument/2006/relationships" xmlns:p="http://schemas.openxmlformats.org/presentationml/2006/main">
   <p:cSld>
     <p:spTree>
@@ -15505,13 +15124,6 @@
               </a:rPr>
               <a:t>2. Azure DevOps (Integración Git).</a:t>
             </a:r>
-            <a:endParaRPr lang="es-CO" b="1" dirty="0"/>
-          </a:p>
-          <a:p>
-            <a:pPr marL="0" indent="0">
-              <a:buFont typeface="Arial" pitchFamily="34" charset="0"/>
-              <a:buNone/>
-            </a:pPr>
             <a:endParaRPr lang="es-CO" b="1" dirty="0">
               <a:solidFill>
                 <a:schemeClr val="tx1"/>
@@ -15522,10 +15134,11 @@
       </p:sp>
       <p:pic>
         <p:nvPicPr>
-          <p:cNvPr id="5" name="Imagen 4">
+          <p:cNvPr id="18" name="Imagen 17">
+            <a:hlinkClick r:id="rId4" action="ppaction://hlinksldjump" tooltip="Azure Integration Runtime: Gestiona el escalado automatico a demanda de la orquestación de Data Factory."/>
             <a:extLst>
               <a:ext uri="{FF2B5EF4-FFF2-40B4-BE49-F238E27FC236}">
-                <a16:creationId xmlns:a16="http://schemas.microsoft.com/office/drawing/2014/main" id="{A9F62792-2081-4D1C-91DD-9D2EA612C511}"/>
+                <a16:creationId xmlns:a16="http://schemas.microsoft.com/office/drawing/2014/main" id="{20FB7F7B-9071-4199-A428-F315FD828D89}"/>
               </a:ext>
             </a:extLst>
           </p:cNvPr>
@@ -15535,15 +15148,15 @@
           <p:nvPr/>
         </p:nvPicPr>
         <p:blipFill>
-          <a:blip r:embed="rId4"/>
+          <a:blip r:embed="rId5"/>
           <a:stretch>
             <a:fillRect/>
           </a:stretch>
         </p:blipFill>
         <p:spPr>
           <a:xfrm>
-            <a:off x="2783632" y="880119"/>
-            <a:ext cx="7074986" cy="4277073"/>
+            <a:off x="2567607" y="880120"/>
+            <a:ext cx="6984777" cy="4277072"/>
           </a:xfrm>
           <a:prstGeom prst="rect">
             <a:avLst/>
@@ -15552,10 +15165,10 @@
       </p:pic>
       <p:sp>
         <p:nvSpPr>
-          <p:cNvPr id="13" name="CuadroTexto 12">
+          <p:cNvPr id="11" name="CuadroTexto 10">
             <a:extLst>
               <a:ext uri="{FF2B5EF4-FFF2-40B4-BE49-F238E27FC236}">
-                <a16:creationId xmlns:a16="http://schemas.microsoft.com/office/drawing/2014/main" id="{0349F266-8F74-4D71-AF90-A74869CBE55F}"/>
+                <a16:creationId xmlns:a16="http://schemas.microsoft.com/office/drawing/2014/main" id="{480D9449-77CB-46E5-99D0-6AC2362D1D73}"/>
               </a:ext>
             </a:extLst>
           </p:cNvPr>
@@ -15564,7 +15177,7 @@
         </p:nvSpPr>
         <p:spPr>
           <a:xfrm>
-            <a:off x="2855640" y="1772816"/>
+            <a:off x="2639616" y="1700808"/>
             <a:ext cx="288032" cy="276999"/>
           </a:xfrm>
           <a:prstGeom prst="rect">
@@ -15607,7 +15220,7 @@
 </p:sld>
 </file>
 
-<file path=ppt/slides/slide6.xml><?xml version="1.0" encoding="utf-8"?>
+<file path=ppt/slides/slide5.xml><?xml version="1.0" encoding="utf-8"?>
 <p:sld xmlns:a="http://schemas.openxmlformats.org/drawingml/2006/main" xmlns:r="http://schemas.openxmlformats.org/officeDocument/2006/relationships" xmlns:p="http://schemas.openxmlformats.org/presentationml/2006/main">
   <p:cSld>
     <p:spTree>
@@ -15737,7 +15350,7 @@
       </p:sp>
       <p:graphicFrame>
         <p:nvGraphicFramePr>
-          <p:cNvPr id="6" name="Gráfico 5">
+          <p:cNvPr id="5" name="Gráfico 4">
             <a:extLst>
               <a:ext uri="{FF2B5EF4-FFF2-40B4-BE49-F238E27FC236}">
                 <a16:creationId xmlns:a16="http://schemas.microsoft.com/office/drawing/2014/main" id="{DFDD1AF0-CE04-4303-B96A-E331F9FE0308}"/>
@@ -15750,14 +15363,14 @@
           <p:nvPr>
             <p:extLst>
               <p:ext uri="{D42A27DB-BD31-4B8C-83A1-F6EECF244321}">
-                <p14:modId xmlns:p14="http://schemas.microsoft.com/office/powerpoint/2010/main" val="340945243"/>
+                <p14:modId xmlns:p14="http://schemas.microsoft.com/office/powerpoint/2010/main" val="2510325260"/>
               </p:ext>
             </p:extLst>
           </p:nvPr>
         </p:nvGraphicFramePr>
         <p:xfrm>
-          <a:off x="551384" y="1304925"/>
-          <a:ext cx="11233247" cy="4248149"/>
+          <a:off x="1271464" y="1438274"/>
+          <a:ext cx="10225136" cy="4366989"/>
         </p:xfrm>
         <a:graphic>
           <a:graphicData uri="http://schemas.openxmlformats.org/drawingml/2006/chart">
@@ -15778,7 +15391,7 @@
 </p:sld>
 </file>
 
-<file path=ppt/slides/slide7.xml><?xml version="1.0" encoding="utf-8"?>
+<file path=ppt/slides/slide6.xml><?xml version="1.0" encoding="utf-8"?>
 <p:sld xmlns:a="http://schemas.openxmlformats.org/drawingml/2006/main" xmlns:r="http://schemas.openxmlformats.org/officeDocument/2006/relationships" xmlns:p="http://schemas.openxmlformats.org/presentationml/2006/main">
   <p:cSld>
     <p:spTree>
@@ -16378,7 +15991,7 @@
 </p:sld>
 </file>
 
-<file path=ppt/slides/slide8.xml><?xml version="1.0" encoding="utf-8"?>
+<file path=ppt/slides/slide7.xml><?xml version="1.0" encoding="utf-8"?>
 <p:sld xmlns:a="http://schemas.openxmlformats.org/drawingml/2006/main" xmlns:r="http://schemas.openxmlformats.org/officeDocument/2006/relationships" xmlns:p="http://schemas.openxmlformats.org/presentationml/2006/main">
   <p:cSld>
     <p:spTree>
@@ -16437,14 +16050,14 @@
             <p:ph sz="half" idx="2"/>
             <p:extLst>
               <p:ext uri="{D42A27DB-BD31-4B8C-83A1-F6EECF244321}">
-                <p14:modId xmlns:p14="http://schemas.microsoft.com/office/powerpoint/2010/main" val="2796358312"/>
+                <p14:modId xmlns:p14="http://schemas.microsoft.com/office/powerpoint/2010/main" val="2449563575"/>
               </p:ext>
             </p:extLst>
           </p:nvPr>
         </p:nvGraphicFramePr>
         <p:xfrm>
           <a:off x="767408" y="1628800"/>
-          <a:ext cx="10963465" cy="3491548"/>
+          <a:ext cx="11296841" cy="3278188"/>
         </p:xfrm>
         <a:graphic>
           <a:graphicData uri="http://schemas.openxmlformats.org/drawingml/2006/table">
@@ -16453,7 +16066,7 @@
                 <a:tableStyleId>{5C22544A-7EE6-4342-B048-85BDC9FD1C3A}</a:tableStyleId>
               </a:tblPr>
               <a:tblGrid>
-                <a:gridCol w="1981517">
+                <a:gridCol w="2314893">
                   <a:extLst>
                     <a:ext uri="{9D8B030D-6E8A-4147-A177-3AD203B41FA5}">
                       <a16:colId xmlns:a16="http://schemas.microsoft.com/office/drawing/2014/main" val="20000"/>
@@ -16586,7 +16199,21 @@
                       <a:pPr algn="ctr"/>
                       <a:r>
                         <a:rPr lang="es-CO" sz="1400" dirty="0"/>
-                        <a:t>Azure Data Factory.</a:t>
+                        <a:t>🔄 Azure Data Factory.</a:t>
+                      </a:r>
+                    </a:p>
+                    <a:p>
+                      <a:pPr algn="ctr"/>
+                      <a:r>
+                        <a:rPr lang="es-CO" sz="1400" dirty="0"/>
+                        <a:t>🔄 Azure Databricks.</a:t>
+                      </a:r>
+                    </a:p>
+                    <a:p>
+                      <a:pPr algn="ctr"/>
+                      <a:r>
+                        <a:rPr lang="es-CO" sz="1400" dirty="0"/>
+                        <a:t>🔄 Azure Synapse Analitics.</a:t>
                       </a:r>
                     </a:p>
                   </a:txBody>
@@ -16646,6 +16273,13 @@
                         <a:t>Azure Data Factory Studio.</a:t>
                       </a:r>
                     </a:p>
+                    <a:p>
+                      <a:pPr algn="ctr"/>
+                      <a:r>
+                        <a:rPr lang="es-CO" sz="1400" dirty="0"/>
+                        <a:t>🔄 Cuotas.</a:t>
+                      </a:r>
+                    </a:p>
                   </a:txBody>
                   <a:tcPr anchor="ctr"/>
                 </a:tc>
@@ -16664,7 +16298,7 @@
                       <a:pPr algn="ctr"/>
                       <a:r>
                         <a:rPr lang="es-CO" sz="1400" dirty="0"/>
-                        <a:t>🔄 Security.</a:t>
+                        <a:t>Security.</a:t>
                       </a:r>
                     </a:p>
                   </a:txBody>
@@ -16743,7 +16377,7 @@
                       <a:pPr algn="ctr"/>
                       <a:r>
                         <a:rPr lang="es-CO" sz="1400" dirty="0"/>
-                        <a:t>🔄 Storage.</a:t>
+                        <a:t>Storage.</a:t>
                       </a:r>
                     </a:p>
                   </a:txBody>
@@ -16792,7 +16426,7 @@
                       <a:pPr algn="ctr"/>
                       <a:r>
                         <a:rPr lang="es-CO" sz="1400" dirty="0"/>
-                        <a:t>Sharepoint.</a:t>
+                        <a:t>🔄 Sharepoint.</a:t>
                       </a:r>
                     </a:p>
                     <a:p>
@@ -16884,7 +16518,7 @@
                       <a:pPr algn="ctr"/>
                       <a:r>
                         <a:rPr lang="es-CO" sz="1400" dirty="0"/>
-                        <a:t>🔄 DevOps.</a:t>
+                        <a:t>DevOps.</a:t>
                       </a:r>
                     </a:p>
                   </a:txBody>
@@ -16907,18 +16541,6 @@
                         <a:rPr lang="es-MX" sz="1400" dirty="0"/>
                         <a:t>Automatizar (CI/CD).</a:t>
                       </a:r>
-                    </a:p>
-                    <a:p>
-                      <a:pPr algn="ctr"/>
-                      <a:r>
-                        <a:rPr lang="es-CO" sz="1400" dirty="0"/>
-                        <a:t>Logic Apps</a:t>
-                      </a:r>
-                      <a:r>
-                        <a:rPr lang="es-ES" sz="1400" noProof="0" dirty="0"/>
-                        <a:t>.</a:t>
-                      </a:r>
-                      <a:endParaRPr lang="es-CO" sz="1400" dirty="0"/>
                     </a:p>
                   </a:txBody>
                   <a:tcPr anchor="ctr"/>
@@ -17073,7 +16695,7 @@
 </p:sld>
 </file>
 
-<file path=ppt/slides/slide9.xml><?xml version="1.0" encoding="utf-8"?>
+<file path=ppt/slides/slide8.xml><?xml version="1.0" encoding="utf-8"?>
 <p:sld xmlns:a="http://schemas.openxmlformats.org/drawingml/2006/main" xmlns:r="http://schemas.openxmlformats.org/officeDocument/2006/relationships" xmlns:p="http://schemas.openxmlformats.org/presentationml/2006/main">
   <p:cSld>
     <p:spTree>
@@ -17132,14 +16754,14 @@
             <p:ph sz="half" idx="2"/>
             <p:extLst>
               <p:ext uri="{D42A27DB-BD31-4B8C-83A1-F6EECF244321}">
-                <p14:modId xmlns:p14="http://schemas.microsoft.com/office/powerpoint/2010/main" val="1497821066"/>
+                <p14:modId xmlns:p14="http://schemas.microsoft.com/office/powerpoint/2010/main" val="2815967249"/>
               </p:ext>
             </p:extLst>
           </p:nvPr>
         </p:nvGraphicFramePr>
         <p:xfrm>
-          <a:off x="1225724" y="2204864"/>
-          <a:ext cx="10033001" cy="1510348"/>
+          <a:off x="2459613" y="2414746"/>
+          <a:ext cx="7920843" cy="1014254"/>
         </p:xfrm>
         <a:graphic>
           <a:graphicData uri="http://schemas.openxmlformats.org/drawingml/2006/table">
@@ -17148,21 +16770,21 @@
                 <a:tableStyleId>{5C22544A-7EE6-4342-B048-85BDC9FD1C3A}</a:tableStyleId>
               </a:tblPr>
               <a:tblGrid>
-                <a:gridCol w="2587943">
+                <a:gridCol w="2652762">
                   <a:extLst>
                     <a:ext uri="{9D8B030D-6E8A-4147-A177-3AD203B41FA5}">
                       <a16:colId xmlns:a16="http://schemas.microsoft.com/office/drawing/2014/main" val="20000"/>
                     </a:ext>
                   </a:extLst>
                 </a:gridCol>
-                <a:gridCol w="3320415">
+                <a:gridCol w="1040130">
                   <a:extLst>
                     <a:ext uri="{9D8B030D-6E8A-4147-A177-3AD203B41FA5}">
                       <a16:colId xmlns:a16="http://schemas.microsoft.com/office/drawing/2014/main" val="20001"/>
                     </a:ext>
                   </a:extLst>
                 </a:gridCol>
-                <a:gridCol w="4124643">
+                <a:gridCol w="4227951">
                   <a:extLst>
                     <a:ext uri="{9D8B030D-6E8A-4147-A177-3AD203B41FA5}">
                       <a16:colId xmlns:a16="http://schemas.microsoft.com/office/drawing/2014/main" val="20002"/>
@@ -17244,57 +16866,6 @@
                 <a:extLst>
                   <a:ext uri="{0D108BD9-81ED-4DB2-BD59-A6C34878D82A}">
                     <a16:rowId xmlns:a16="http://schemas.microsoft.com/office/drawing/2014/main" val="10000"/>
-                  </a:ext>
-                </a:extLst>
-              </a:tr>
-              <a:tr h="496094">
-                <a:tc>
-                  <a:txBody>
-                    <a:bodyPr/>
-                    <a:lstStyle/>
-                    <a:p>
-                      <a:pPr algn="ctr"/>
-                      <a:r>
-                        <a:rPr lang="es-CO" sz="1400" dirty="0"/>
-                        <a:t>🔄 Data Factory Copy Tool.</a:t>
-                      </a:r>
-                    </a:p>
-                  </a:txBody>
-                  <a:tcPr anchor="ctr"/>
-                </a:tc>
-                <a:tc>
-                  <a:txBody>
-                    <a:bodyPr/>
-                    <a:lstStyle/>
-                    <a:p>
-                      <a:pPr algn="ctr"/>
-                      <a:r>
-                        <a:rPr lang="es-MX" sz="1400" dirty="0"/>
-                        <a:t>Migra datos entre ADF del mismo Tenant.</a:t>
-                      </a:r>
-                      <a:endParaRPr lang="es-CO" sz="1400" dirty="0"/>
-                    </a:p>
-                  </a:txBody>
-                  <a:tcPr anchor="ctr"/>
-                </a:tc>
-                <a:tc>
-                  <a:txBody>
-                    <a:bodyPr/>
-                    <a:lstStyle/>
-                    <a:p>
-                      <a:pPr algn="ctr"/>
-                      <a:r>
-                        <a:rPr lang="es-MX" sz="1400" dirty="0"/>
-                        <a:t>Integración Azure.</a:t>
-                      </a:r>
-                      <a:endParaRPr lang="es-CO" sz="1400" dirty="0"/>
-                    </a:p>
-                  </a:txBody>
-                  <a:tcPr anchor="ctr"/>
-                </a:tc>
-                <a:extLst>
-                  <a:ext uri="{0D108BD9-81ED-4DB2-BD59-A6C34878D82A}">
-                    <a16:rowId xmlns:a16="http://schemas.microsoft.com/office/drawing/2014/main" val="10001"/>
                   </a:ext>
                 </a:extLst>
               </a:tr>
@@ -17470,6 +17041,126 @@
   <p:clrMapOvr>
     <a:masterClrMapping/>
   </p:clrMapOvr>
+</p:sld>
+</file>
+
+<file path=ppt/slides/slide9.xml><?xml version="1.0" encoding="utf-8"?>
+<p:sld xmlns:a="http://schemas.openxmlformats.org/drawingml/2006/main" xmlns:r="http://schemas.openxmlformats.org/officeDocument/2006/relationships" xmlns:p="http://schemas.openxmlformats.org/presentationml/2006/main">
+  <p:cSld>
+    <p:spTree>
+      <p:nvGrpSpPr>
+        <p:cNvPr id="1" name=""/>
+        <p:cNvGrpSpPr/>
+        <p:nvPr/>
+      </p:nvGrpSpPr>
+      <p:grpSpPr>
+        <a:xfrm>
+          <a:off x="0" y="0"/>
+          <a:ext cx="0" cy="0"/>
+          <a:chOff x="0" y="0"/>
+          <a:chExt cx="0" cy="0"/>
+        </a:xfrm>
+      </p:grpSpPr>
+      <p:sp>
+        <p:nvSpPr>
+          <p:cNvPr id="2" name="Título 1"/>
+          <p:cNvSpPr>
+            <a:spLocks noGrp="1"/>
+          </p:cNvSpPr>
+          <p:nvPr>
+            <p:ph type="ctrTitle"/>
+          </p:nvPr>
+        </p:nvSpPr>
+        <p:spPr>
+          <a:xfrm>
+            <a:off x="4511824" y="3789040"/>
+            <a:ext cx="3456384" cy="576064"/>
+          </a:xfrm>
+        </p:spPr>
+        <p:txBody>
+          <a:bodyPr rtlCol="0">
+            <a:noAutofit/>
+          </a:bodyPr>
+          <a:lstStyle/>
+          <a:p>
+            <a:pPr algn="ctr" rtl="0"/>
+            <a:r>
+              <a:rPr lang="es-MX" sz="3600" dirty="0"/>
+              <a:t>¡¡¡Gracias!!!</a:t>
+            </a:r>
+            <a:endParaRPr lang="es-ES" sz="3600" dirty="0"/>
+          </a:p>
+        </p:txBody>
+      </p:sp>
+      <p:pic>
+        <p:nvPicPr>
+          <p:cNvPr id="1026" name="Picture 2">
+            <a:extLst>
+              <a:ext uri="{FF2B5EF4-FFF2-40B4-BE49-F238E27FC236}">
+                <a16:creationId xmlns:a16="http://schemas.microsoft.com/office/drawing/2014/main" id="{A3FBFA89-3E25-4875-997A-79EBB0930C0C}"/>
+              </a:ext>
+            </a:extLst>
+          </p:cNvPr>
+          <p:cNvPicPr>
+            <a:picLocks noChangeAspect="1" noChangeArrowheads="1"/>
+          </p:cNvPicPr>
+          <p:nvPr/>
+        </p:nvPicPr>
+        <p:blipFill>
+          <a:blip r:embed="rId2">
+            <a:extLst>
+              <a:ext uri="{28A0092B-C50C-407E-A947-70E740481C1C}">
+                <a14:useLocalDpi xmlns:a14="http://schemas.microsoft.com/office/drawing/2010/main" val="0"/>
+              </a:ext>
+            </a:extLst>
+          </a:blip>
+          <a:srcRect/>
+          <a:stretch>
+            <a:fillRect/>
+          </a:stretch>
+        </p:blipFill>
+        <p:spPr bwMode="auto">
+          <a:xfrm>
+            <a:off x="9696400" y="5081946"/>
+            <a:ext cx="2319868" cy="456241"/>
+          </a:xfrm>
+          <a:prstGeom prst="rect">
+            <a:avLst/>
+          </a:prstGeom>
+          <a:noFill/>
+          <a:extLst>
+            <a:ext uri="{909E8E84-426E-40DD-AFC4-6F175D3DCCD1}">
+              <a14:hiddenFill xmlns:a14="http://schemas.microsoft.com/office/drawing/2010/main">
+                <a:solidFill>
+                  <a:srgbClr val="FFFFFF"/>
+                </a:solidFill>
+              </a14:hiddenFill>
+            </a:ext>
+          </a:extLst>
+        </p:spPr>
+      </p:pic>
+    </p:spTree>
+    <p:extLst>
+      <p:ext uri="{BB962C8B-B14F-4D97-AF65-F5344CB8AC3E}">
+        <p14:creationId xmlns:p14="http://schemas.microsoft.com/office/powerpoint/2010/main" val="881312324"/>
+      </p:ext>
+    </p:extLst>
+  </p:cSld>
+  <p:clrMapOvr>
+    <a:masterClrMapping/>
+  </p:clrMapOvr>
+  <mc:AlternateContent xmlns:mc="http://schemas.openxmlformats.org/markup-compatibility/2006" xmlns:p14="http://schemas.microsoft.com/office/powerpoint/2010/main">
+    <mc:Choice Requires="p14">
+      <p:transition spd="med" p14:dur="700">
+        <p:fade/>
+      </p:transition>
+    </mc:Choice>
+    <mc:Fallback xmlns="">
+      <p:transition spd="med">
+        <p:fade/>
+      </p:transition>
+    </mc:Fallback>
+  </mc:AlternateContent>
 </p:sld>
 </file>
 

--- a/Diagrams/guides/Propuesta migracion - Perceptio.pptx
+++ b/Diagrams/guides/Propuesta migracion - Perceptio.pptx
@@ -175,7 +175,10 @@
             <a:pPr>
               <a:defRPr sz="1400" b="0" i="0" u="none" strike="noStrike" kern="1200" spc="0" baseline="0">
                 <a:solidFill>
-                  <a:srgbClr val="FF0000"/>
+                  <a:schemeClr val="tx1">
+                    <a:lumMod val="65000"/>
+                    <a:lumOff val="35000"/>
+                  </a:schemeClr>
                 </a:solidFill>
                 <a:latin typeface="+mn-lt"/>
                 <a:ea typeface="+mn-ea"/>
@@ -183,22 +186,30 @@
               </a:defRPr>
             </a:pPr>
             <a:r>
-              <a:rPr lang="es-CO" b="1">
+              <a:rPr lang="es-CO" b="1" dirty="0" err="1">
                 <a:solidFill>
                   <a:srgbClr val="FF0000"/>
                 </a:solidFill>
               </a:rPr>
-              <a:t>Deadline de</a:t>
+              <a:t>Deadline</a:t>
             </a:r>
             <a:r>
-              <a:rPr lang="es-CO" b="1" baseline="0">
+              <a:rPr lang="es-CO" b="1" dirty="0">
                 <a:solidFill>
                   <a:srgbClr val="FF0000"/>
                 </a:solidFill>
               </a:rPr>
-              <a:t> migracion.</a:t>
+              <a:t> de</a:t>
             </a:r>
-            <a:endParaRPr lang="es-CO" b="1">
+            <a:r>
+              <a:rPr lang="es-CO" b="1" baseline="0" dirty="0">
+                <a:solidFill>
+                  <a:srgbClr val="FF0000"/>
+                </a:solidFill>
+              </a:rPr>
+              <a:t> migración.</a:t>
+            </a:r>
+            <a:endParaRPr lang="es-CO" b="1" dirty="0">
               <a:solidFill>
                 <a:srgbClr val="FF0000"/>
               </a:solidFill>
@@ -210,8 +221,8 @@
         <c:manualLayout>
           <c:xMode val="edge"/>
           <c:yMode val="edge"/>
-          <c:x val="0.4446214700714004"/>
-          <c:y val="3.0033966195014458E-2"/>
+          <c:x val="0.4472062915163405"/>
+          <c:y val="1.5860299720599443E-2"/>
         </c:manualLayout>
       </c:layout>
       <c:overlay val="0"/>
@@ -229,7 +240,10 @@
           <a:pPr>
             <a:defRPr sz="1400" b="0" i="0" u="none" strike="noStrike" kern="1200" spc="0" baseline="0">
               <a:solidFill>
-                <a:srgbClr val="FF0000"/>
+                <a:schemeClr val="tx1">
+                  <a:lumMod val="65000"/>
+                  <a:lumOff val="35000"/>
+                </a:schemeClr>
               </a:solidFill>
               <a:latin typeface="+mn-lt"/>
               <a:ea typeface="+mn-ea"/>
@@ -248,9 +262,9 @@
           <c:xMode val="edge"/>
           <c:yMode val="edge"/>
           <c:x val="0.23901110139010401"/>
-          <c:y val="0.24251194587391914"/>
+          <c:y val="0.1819698352923276"/>
           <c:w val="0.73926050354816764"/>
-          <c:h val="0.69130332135024841"/>
+          <c:h val="0.75184525847312567"/>
         </c:manualLayout>
       </c:layout>
       <c:barChart>
@@ -283,9 +297,9 @@
           <c:invertIfNegative val="0"/>
           <c:cat>
             <c:strRef>
-              <c:f>Gantt!$B$10:$B$36</c:f>
+              <c:f>Gantt!$B$10:$B$37</c:f>
               <c:strCache>
-                <c:ptCount val="27"/>
+                <c:ptCount val="28"/>
                 <c:pt idx="0">
                   <c:v>Análisis de Impacto.</c:v>
                 </c:pt>
@@ -350,21 +364,24 @@
                   <c:v>Ejecutar Pipelines.</c:v>
                 </c:pt>
                 <c:pt idx="21">
+                  <c:v>Ejecutar tests.</c:v>
+                </c:pt>
+                <c:pt idx="22">
                   <c:v>Exportar Logic Apps.</c:v>
                 </c:pt>
-                <c:pt idx="22">
+                <c:pt idx="23">
                   <c:v>importar Logic Apps.</c:v>
                 </c:pt>
-                <c:pt idx="23">
+                <c:pt idx="24">
                   <c:v>Configurar Insights Logic Apps.</c:v>
                 </c:pt>
-                <c:pt idx="24">
+                <c:pt idx="25">
                   <c:v>Validación.</c:v>
                 </c:pt>
-                <c:pt idx="25">
+                <c:pt idx="26">
                   <c:v>Optimización.</c:v>
                 </c:pt>
-                <c:pt idx="26">
+                <c:pt idx="27">
                   <c:v>Evaluacion.</c:v>
                 </c:pt>
               </c:strCache>
@@ -372,10 +389,10 @@
           </c:cat>
           <c:val>
             <c:numRef>
-              <c:f>Gantt!$C$10:$C$36</c:f>
+              <c:f>Gantt!$C$10:$C$37</c:f>
               <c:numCache>
                 <c:formatCode>m/d/yyyy</c:formatCode>
-                <c:ptCount val="27"/>
+                <c:ptCount val="28"/>
                 <c:pt idx="0">
                   <c:v>45551</c:v>
                 </c:pt>
@@ -443,26 +460,29 @@
                   <c:v>45635</c:v>
                 </c:pt>
                 <c:pt idx="22">
-                  <c:v>45642</c:v>
+                  <c:v>45636</c:v>
                 </c:pt>
                 <c:pt idx="23">
-                  <c:v>45644</c:v>
+                  <c:v>45649</c:v>
                 </c:pt>
                 <c:pt idx="24">
-                  <c:v>45645</c:v>
+                  <c:v>45651</c:v>
                 </c:pt>
                 <c:pt idx="25">
-                  <c:v>45649</c:v>
+                  <c:v>45652</c:v>
                 </c:pt>
                 <c:pt idx="26">
-                  <c:v>45650</c:v>
+                  <c:v>45656</c:v>
+                </c:pt>
+                <c:pt idx="27">
+                  <c:v>45657</c:v>
                 </c:pt>
               </c:numCache>
             </c:numRef>
           </c:val>
           <c:extLst>
             <c:ext xmlns:c16="http://schemas.microsoft.com/office/drawing/2014/chart" uri="{C3380CC4-5D6E-409C-BE32-E72D297353CC}">
-              <c16:uniqueId val="{00000000-82C4-48C1-9871-DFEB3A918CD9}"/>
+              <c16:uniqueId val="{00000000-2C30-4AE1-B16A-EB10DE4FCD81}"/>
             </c:ext>
           </c:extLst>
         </c:ser>
@@ -505,7 +525,7 @@
               <a:lstStyle/>
               <a:p>
                 <a:pPr>
-                  <a:defRPr sz="700" b="1" i="0" u="none" strike="noStrike" kern="1200" baseline="0">
+                  <a:defRPr sz="600" b="1" i="0" u="none" strike="noStrike" kern="1200" baseline="0">
                     <a:solidFill>
                       <a:schemeClr val="bg1"/>
                     </a:solidFill>
@@ -547,9 +567,9 @@
           </c:dLbls>
           <c:cat>
             <c:strRef>
-              <c:f>Gantt!$B$10:$B$36</c:f>
+              <c:f>Gantt!$B$10:$B$37</c:f>
               <c:strCache>
-                <c:ptCount val="27"/>
+                <c:ptCount val="28"/>
                 <c:pt idx="0">
                   <c:v>Análisis de Impacto.</c:v>
                 </c:pt>
@@ -614,21 +634,24 @@
                   <c:v>Ejecutar Pipelines.</c:v>
                 </c:pt>
                 <c:pt idx="21">
+                  <c:v>Ejecutar tests.</c:v>
+                </c:pt>
+                <c:pt idx="22">
                   <c:v>Exportar Logic Apps.</c:v>
                 </c:pt>
-                <c:pt idx="22">
+                <c:pt idx="23">
                   <c:v>importar Logic Apps.</c:v>
                 </c:pt>
-                <c:pt idx="23">
+                <c:pt idx="24">
                   <c:v>Configurar Insights Logic Apps.</c:v>
                 </c:pt>
-                <c:pt idx="24">
+                <c:pt idx="25">
                   <c:v>Validación.</c:v>
                 </c:pt>
-                <c:pt idx="25">
+                <c:pt idx="26">
                   <c:v>Optimización.</c:v>
                 </c:pt>
-                <c:pt idx="26">
+                <c:pt idx="27">
                   <c:v>Evaluacion.</c:v>
                 </c:pt>
               </c:strCache>
@@ -636,10 +659,10 @@
           </c:cat>
           <c:val>
             <c:numRef>
-              <c:f>Gantt!$D$10:$D$36</c:f>
+              <c:f>Gantt!$D$10:$D$37</c:f>
               <c:numCache>
                 <c:formatCode>General</c:formatCode>
-                <c:ptCount val="27"/>
+                <c:ptCount val="28"/>
                 <c:pt idx="0">
                   <c:v>7</c:v>
                 </c:pt>
@@ -704,21 +727,24 @@
                   <c:v>5</c:v>
                 </c:pt>
                 <c:pt idx="21">
-                  <c:v>7</c:v>
+                  <c:v>1</c:v>
                 </c:pt>
                 <c:pt idx="22">
+                  <c:v>13</c:v>
+                </c:pt>
+                <c:pt idx="23">
                   <c:v>2</c:v>
                 </c:pt>
-                <c:pt idx="23">
+                <c:pt idx="24">
                   <c:v>1</c:v>
                 </c:pt>
-                <c:pt idx="24">
+                <c:pt idx="25">
                   <c:v>4</c:v>
                 </c:pt>
-                <c:pt idx="25">
+                <c:pt idx="26">
                   <c:v>1</c:v>
                 </c:pt>
-                <c:pt idx="26">
+                <c:pt idx="27">
                   <c:v>6</c:v>
                 </c:pt>
               </c:numCache>
@@ -726,7 +752,7 @@
           </c:val>
           <c:extLst>
             <c:ext xmlns:c16="http://schemas.microsoft.com/office/drawing/2014/chart" uri="{C3380CC4-5D6E-409C-BE32-E72D297353CC}">
-              <c16:uniqueId val="{00000001-82C4-48C1-9871-DFEB3A918CD9}"/>
+              <c16:uniqueId val="{00000001-2C30-4AE1-B16A-EB10DE4FCD81}"/>
             </c:ext>
           </c:extLst>
         </c:ser>
@@ -772,9 +798,9 @@
           <a:lstStyle/>
           <a:p>
             <a:pPr>
-              <a:defRPr sz="900" b="1" i="0" u="none" strike="noStrike" kern="1200" baseline="0">
+              <a:defRPr sz="800" b="1" i="0" u="none" strike="noStrike" kern="1200" baseline="0">
                 <a:solidFill>
-                  <a:srgbClr val="FFFF00"/>
+                  <a:srgbClr val="FFC000"/>
                 </a:solidFill>
                 <a:latin typeface="+mn-lt"/>
                 <a:ea typeface="+mn-ea"/>
@@ -795,7 +821,7 @@
         <c:axId val="1184412656"/>
         <c:scaling>
           <c:orientation val="minMax"/>
-          <c:max val="45657"/>
+          <c:max val="45663"/>
           <c:min val="45551"/>
         </c:scaling>
         <c:delete val="0"/>
@@ -832,7 +858,10 @@
             <a:pPr>
               <a:defRPr sz="900" b="1" i="0" u="none" strike="noStrike" kern="1200" baseline="0">
                 <a:solidFill>
-                  <a:srgbClr val="FFFF00"/>
+                  <a:schemeClr val="tx1">
+                    <a:lumMod val="65000"/>
+                    <a:lumOff val="35000"/>
+                  </a:schemeClr>
                 </a:solidFill>
                 <a:latin typeface="+mn-lt"/>
                 <a:ea typeface="+mn-ea"/>
@@ -15134,11 +15163,11 @@
       </p:sp>
       <p:pic>
         <p:nvPicPr>
-          <p:cNvPr id="18" name="Imagen 17">
+          <p:cNvPr id="4" name="Imagen 3">
             <a:hlinkClick r:id="rId4" action="ppaction://hlinksldjump" tooltip="Azure Integration Runtime: Gestiona el escalado automatico a demanda de la orquestación de Data Factory."/>
             <a:extLst>
               <a:ext uri="{FF2B5EF4-FFF2-40B4-BE49-F238E27FC236}">
-                <a16:creationId xmlns:a16="http://schemas.microsoft.com/office/drawing/2014/main" id="{20FB7F7B-9071-4199-A428-F315FD828D89}"/>
+                <a16:creationId xmlns:a16="http://schemas.microsoft.com/office/drawing/2014/main" id="{1BAA6753-1DB0-4355-AA8D-C4885BCF821F}"/>
               </a:ext>
             </a:extLst>
           </p:cNvPr>
@@ -15155,7 +15184,7 @@
         </p:blipFill>
         <p:spPr>
           <a:xfrm>
-            <a:off x="2567607" y="880120"/>
+            <a:off x="2567606" y="880120"/>
             <a:ext cx="6984777" cy="4277072"/>
           </a:xfrm>
           <a:prstGeom prst="rect">
@@ -15177,7 +15206,7 @@
         </p:nvSpPr>
         <p:spPr>
           <a:xfrm>
-            <a:off x="2639616" y="1700808"/>
+            <a:off x="2927648" y="1700808"/>
             <a:ext cx="288032" cy="276999"/>
           </a:xfrm>
           <a:prstGeom prst="rect">
@@ -15350,7 +15379,7 @@
       </p:sp>
       <p:graphicFrame>
         <p:nvGraphicFramePr>
-          <p:cNvPr id="5" name="Gráfico 4">
+          <p:cNvPr id="7" name="Gráfico 6">
             <a:extLst>
               <a:ext uri="{FF2B5EF4-FFF2-40B4-BE49-F238E27FC236}">
                 <a16:creationId xmlns:a16="http://schemas.microsoft.com/office/drawing/2014/main" id="{DFDD1AF0-CE04-4303-B96A-E331F9FE0308}"/>
@@ -15363,14 +15392,14 @@
           <p:nvPr>
             <p:extLst>
               <p:ext uri="{D42A27DB-BD31-4B8C-83A1-F6EECF244321}">
-                <p14:modId xmlns:p14="http://schemas.microsoft.com/office/powerpoint/2010/main" val="2510325260"/>
+                <p14:modId xmlns:p14="http://schemas.microsoft.com/office/powerpoint/2010/main" val="3149116535"/>
               </p:ext>
             </p:extLst>
           </p:nvPr>
         </p:nvGraphicFramePr>
         <p:xfrm>
-          <a:off x="1271464" y="1438274"/>
-          <a:ext cx="10225136" cy="4366989"/>
+          <a:off x="1271464" y="980728"/>
+          <a:ext cx="10225136" cy="4824536"/>
         </p:xfrm>
         <a:graphic>
           <a:graphicData uri="http://schemas.openxmlformats.org/drawingml/2006/chart">
@@ -16050,7 +16079,7 @@
             <p:ph sz="half" idx="2"/>
             <p:extLst>
               <p:ext uri="{D42A27DB-BD31-4B8C-83A1-F6EECF244321}">
-                <p14:modId xmlns:p14="http://schemas.microsoft.com/office/powerpoint/2010/main" val="2449563575"/>
+                <p14:modId xmlns:p14="http://schemas.microsoft.com/office/powerpoint/2010/main" val="1996294774"/>
               </p:ext>
             </p:extLst>
           </p:nvPr>
@@ -16278,6 +16307,13 @@
                       <a:r>
                         <a:rPr lang="es-CO" sz="1400" dirty="0"/>
                         <a:t>🔄 Cuotas.</a:t>
+                      </a:r>
+                      <a:br>
+                        <a:rPr lang="es-CO" sz="1400" dirty="0"/>
+                      </a:br>
+                      <a:r>
+                        <a:rPr lang="es-CO" sz="1400" dirty="0"/>
+                        <a:t>Synapse Studio.</a:t>
                       </a:r>
                     </a:p>
                   </a:txBody>
@@ -17957,6 +17993,132 @@
 </file>
 
 <file path=customXml/item2.xml><?xml version="1.0" encoding="utf-8"?>
+<p:properties xmlns:p="http://schemas.microsoft.com/office/2006/metadata/properties" xmlns:xsi="http://www.w3.org/2001/XMLSchema-instance" xmlns:pc="http://schemas.microsoft.com/office/infopath/2007/PartnerControls">
+  <documentManagement>
+    <DirectSourceMarket xmlns="4873beb7-5857-4685-be1f-d57550cc96cc" xsi:nil="true"/>
+    <ApprovalStatus xmlns="4873beb7-5857-4685-be1f-d57550cc96cc">InProgress</ApprovalStatus>
+    <MarketSpecific xmlns="4873beb7-5857-4685-be1f-d57550cc96cc">false</MarketSpecific>
+    <LocComments xmlns="4873beb7-5857-4685-be1f-d57550cc96cc" xsi:nil="true"/>
+    <ThumbnailAssetId xmlns="4873beb7-5857-4685-be1f-d57550cc96cc" xsi:nil="true"/>
+    <PrimaryImageGen xmlns="4873beb7-5857-4685-be1f-d57550cc96cc">true</PrimaryImageGen>
+    <LegacyData xmlns="4873beb7-5857-4685-be1f-d57550cc96cc" xsi:nil="true"/>
+    <LocRecommendedHandoff xmlns="4873beb7-5857-4685-be1f-d57550cc96cc" xsi:nil="true"/>
+    <BusinessGroup xmlns="4873beb7-5857-4685-be1f-d57550cc96cc" xsi:nil="true"/>
+    <BlockPublish xmlns="4873beb7-5857-4685-be1f-d57550cc96cc">false</BlockPublish>
+    <TPFriendlyName xmlns="4873beb7-5857-4685-be1f-d57550cc96cc" xsi:nil="true"/>
+    <NumericId xmlns="4873beb7-5857-4685-be1f-d57550cc96cc" xsi:nil="true"/>
+    <APEditor xmlns="4873beb7-5857-4685-be1f-d57550cc96cc">
+      <UserInfo>
+        <DisplayName/>
+        <AccountId xsi:nil="true"/>
+        <AccountType/>
+      </UserInfo>
+    </APEditor>
+    <SourceTitle xmlns="4873beb7-5857-4685-be1f-d57550cc96cc" xsi:nil="true"/>
+    <OpenTemplate xmlns="4873beb7-5857-4685-be1f-d57550cc96cc">true</OpenTemplate>
+    <UALocComments xmlns="4873beb7-5857-4685-be1f-d57550cc96cc" xsi:nil="true"/>
+    <ParentAssetId xmlns="4873beb7-5857-4685-be1f-d57550cc96cc" xsi:nil="true"/>
+    <IntlLangReviewDate xmlns="4873beb7-5857-4685-be1f-d57550cc96cc" xsi:nil="true"/>
+    <FeatureTagsTaxHTField0 xmlns="4873beb7-5857-4685-be1f-d57550cc96cc">
+      <Terms xmlns="http://schemas.microsoft.com/office/infopath/2007/PartnerControls"/>
+    </FeatureTagsTaxHTField0>
+    <PublishStatusLookup xmlns="4873beb7-5857-4685-be1f-d57550cc96cc">
+      <Value>1566889</Value>
+    </PublishStatusLookup>
+    <Providers xmlns="4873beb7-5857-4685-be1f-d57550cc96cc" xsi:nil="true"/>
+    <MachineTranslated xmlns="4873beb7-5857-4685-be1f-d57550cc96cc">false</MachineTranslated>
+    <OriginalSourceMarket xmlns="4873beb7-5857-4685-be1f-d57550cc96cc" xsi:nil="true"/>
+    <APDescription xmlns="4873beb7-5857-4685-be1f-d57550cc96cc" xsi:nil="true"/>
+    <ClipArtFilename xmlns="4873beb7-5857-4685-be1f-d57550cc96cc" xsi:nil="true"/>
+    <ContentItem xmlns="4873beb7-5857-4685-be1f-d57550cc96cc" xsi:nil="true"/>
+    <TPInstallLocation xmlns="4873beb7-5857-4685-be1f-d57550cc96cc" xsi:nil="true"/>
+    <PublishTargets xmlns="4873beb7-5857-4685-be1f-d57550cc96cc">OfficeOnlineVNext</PublishTargets>
+    <TimesCloned xmlns="4873beb7-5857-4685-be1f-d57550cc96cc" xsi:nil="true"/>
+    <AssetStart xmlns="4873beb7-5857-4685-be1f-d57550cc96cc">2012-05-23T08:44:00+00:00</AssetStart>
+    <Provider xmlns="4873beb7-5857-4685-be1f-d57550cc96cc" xsi:nil="true"/>
+    <AcquiredFrom xmlns="4873beb7-5857-4685-be1f-d57550cc96cc">Internal MS</AcquiredFrom>
+    <FriendlyTitle xmlns="4873beb7-5857-4685-be1f-d57550cc96cc" xsi:nil="true"/>
+    <LastHandOff xmlns="4873beb7-5857-4685-be1f-d57550cc96cc" xsi:nil="true"/>
+    <TPClientViewer xmlns="4873beb7-5857-4685-be1f-d57550cc96cc" xsi:nil="true"/>
+    <UACurrentWords xmlns="4873beb7-5857-4685-be1f-d57550cc96cc" xsi:nil="true"/>
+    <ArtSampleDocs xmlns="4873beb7-5857-4685-be1f-d57550cc96cc" xsi:nil="true"/>
+    <UALocRecommendation xmlns="4873beb7-5857-4685-be1f-d57550cc96cc">Localize</UALocRecommendation>
+    <Manager xmlns="4873beb7-5857-4685-be1f-d57550cc96cc" xsi:nil="true"/>
+    <ShowIn xmlns="4873beb7-5857-4685-be1f-d57550cc96cc">Show everywhere</ShowIn>
+    <UANotes xmlns="4873beb7-5857-4685-be1f-d57550cc96cc" xsi:nil="true"/>
+    <TemplateStatus xmlns="4873beb7-5857-4685-be1f-d57550cc96cc">Complete</TemplateStatus>
+    <InternalTagsTaxHTField0 xmlns="4873beb7-5857-4685-be1f-d57550cc96cc">
+      <Terms xmlns="http://schemas.microsoft.com/office/infopath/2007/PartnerControls"/>
+    </InternalTagsTaxHTField0>
+    <CSXHash xmlns="4873beb7-5857-4685-be1f-d57550cc96cc" xsi:nil="true"/>
+    <Downloads xmlns="4873beb7-5857-4685-be1f-d57550cc96cc">0</Downloads>
+    <VoteCount xmlns="4873beb7-5857-4685-be1f-d57550cc96cc" xsi:nil="true"/>
+    <OOCacheId xmlns="4873beb7-5857-4685-be1f-d57550cc96cc" xsi:nil="true"/>
+    <IsDeleted xmlns="4873beb7-5857-4685-be1f-d57550cc96cc">false</IsDeleted>
+    <AssetExpire xmlns="4873beb7-5857-4685-be1f-d57550cc96cc">2029-01-01T08:00:00+00:00</AssetExpire>
+    <DSATActionTaken xmlns="4873beb7-5857-4685-be1f-d57550cc96cc" xsi:nil="true"/>
+    <CSXSubmissionMarket xmlns="4873beb7-5857-4685-be1f-d57550cc96cc" xsi:nil="true"/>
+    <TPExecutable xmlns="4873beb7-5857-4685-be1f-d57550cc96cc" xsi:nil="true"/>
+    <SubmitterId xmlns="4873beb7-5857-4685-be1f-d57550cc96cc" xsi:nil="true"/>
+    <EditorialTags xmlns="4873beb7-5857-4685-be1f-d57550cc96cc" xsi:nil="true"/>
+    <ApprovalLog xmlns="4873beb7-5857-4685-be1f-d57550cc96cc" xsi:nil="true"/>
+    <AssetType xmlns="4873beb7-5857-4685-be1f-d57550cc96cc">TP</AssetType>
+    <BugNumber xmlns="4873beb7-5857-4685-be1f-d57550cc96cc" xsi:nil="true"/>
+    <CSXSubmissionDate xmlns="4873beb7-5857-4685-be1f-d57550cc96cc" xsi:nil="true"/>
+    <CSXUpdate xmlns="4873beb7-5857-4685-be1f-d57550cc96cc">false</CSXUpdate>
+    <Milestone xmlns="4873beb7-5857-4685-be1f-d57550cc96cc" xsi:nil="true"/>
+    <RecommendationsModifier xmlns="4873beb7-5857-4685-be1f-d57550cc96cc" xsi:nil="true"/>
+    <OriginAsset xmlns="4873beb7-5857-4685-be1f-d57550cc96cc" xsi:nil="true"/>
+    <TPComponent xmlns="4873beb7-5857-4685-be1f-d57550cc96cc" xsi:nil="true"/>
+    <AssetId xmlns="4873beb7-5857-4685-be1f-d57550cc96cc">TP102901017</AssetId>
+    <IntlLocPriority xmlns="4873beb7-5857-4685-be1f-d57550cc96cc" xsi:nil="true"/>
+    <PolicheckWords xmlns="4873beb7-5857-4685-be1f-d57550cc96cc" xsi:nil="true"/>
+    <TPLaunchHelpLink xmlns="4873beb7-5857-4685-be1f-d57550cc96cc" xsi:nil="true"/>
+    <TPApplication xmlns="4873beb7-5857-4685-be1f-d57550cc96cc" xsi:nil="true"/>
+    <CrawlForDependencies xmlns="4873beb7-5857-4685-be1f-d57550cc96cc">false</CrawlForDependencies>
+    <HandoffToMSDN xmlns="4873beb7-5857-4685-be1f-d57550cc96cc" xsi:nil="true"/>
+    <PlannedPubDate xmlns="4873beb7-5857-4685-be1f-d57550cc96cc" xsi:nil="true"/>
+    <IntlLangReviewer xmlns="4873beb7-5857-4685-be1f-d57550cc96cc" xsi:nil="true"/>
+    <TrustLevel xmlns="4873beb7-5857-4685-be1f-d57550cc96cc">1 Microsoft Managed Content</TrustLevel>
+    <LocLastLocAttemptVersionLookup xmlns="4873beb7-5857-4685-be1f-d57550cc96cc">836753</LocLastLocAttemptVersionLookup>
+    <IsSearchable xmlns="4873beb7-5857-4685-be1f-d57550cc96cc">true</IsSearchable>
+    <TemplateTemplateType xmlns="4873beb7-5857-4685-be1f-d57550cc96cc">PowerPoint Design Template</TemplateTemplateType>
+    <CampaignTagsTaxHTField0 xmlns="4873beb7-5857-4685-be1f-d57550cc96cc">
+      <Terms xmlns="http://schemas.microsoft.com/office/infopath/2007/PartnerControls"/>
+    </CampaignTagsTaxHTField0>
+    <TPNamespace xmlns="4873beb7-5857-4685-be1f-d57550cc96cc" xsi:nil="true"/>
+    <TaxCatchAll xmlns="4873beb7-5857-4685-be1f-d57550cc96cc"/>
+    <Markets xmlns="4873beb7-5857-4685-be1f-d57550cc96cc"/>
+    <UAProjectedTotalWords xmlns="4873beb7-5857-4685-be1f-d57550cc96cc" xsi:nil="true"/>
+    <IntlLangReview xmlns="4873beb7-5857-4685-be1f-d57550cc96cc">false</IntlLangReview>
+    <OutputCachingOn xmlns="4873beb7-5857-4685-be1f-d57550cc96cc">false</OutputCachingOn>
+    <AverageRating xmlns="4873beb7-5857-4685-be1f-d57550cc96cc" xsi:nil="true"/>
+    <APAuthor xmlns="4873beb7-5857-4685-be1f-d57550cc96cc">
+      <UserInfo>
+        <DisplayName>REDMOND\v-anij</DisplayName>
+        <AccountId>2469</AccountId>
+        <AccountType/>
+      </UserInfo>
+    </APAuthor>
+    <LocManualTestRequired xmlns="4873beb7-5857-4685-be1f-d57550cc96cc">false</LocManualTestRequired>
+    <TPCommandLine xmlns="4873beb7-5857-4685-be1f-d57550cc96cc" xsi:nil="true"/>
+    <TPAppVersion xmlns="4873beb7-5857-4685-be1f-d57550cc96cc" xsi:nil="true"/>
+    <EditorialStatus xmlns="4873beb7-5857-4685-be1f-d57550cc96cc">Complete</EditorialStatus>
+    <LastModifiedDateTime xmlns="4873beb7-5857-4685-be1f-d57550cc96cc" xsi:nil="true"/>
+    <ScenarioTagsTaxHTField0 xmlns="4873beb7-5857-4685-be1f-d57550cc96cc">
+      <Terms xmlns="http://schemas.microsoft.com/office/infopath/2007/PartnerControls"/>
+    </ScenarioTagsTaxHTField0>
+    <OriginalRelease xmlns="4873beb7-5857-4685-be1f-d57550cc96cc">15</OriginalRelease>
+    <TPLaunchHelpLinkType xmlns="4873beb7-5857-4685-be1f-d57550cc96cc">Template</TPLaunchHelpLinkType>
+    <LocalizationTagsTaxHTField0 xmlns="4873beb7-5857-4685-be1f-d57550cc96cc">
+      <Terms xmlns="http://schemas.microsoft.com/office/infopath/2007/PartnerControls"/>
+    </LocalizationTagsTaxHTField0>
+    <LocMarketGroupTiers2 xmlns="4873beb7-5857-4685-be1f-d57550cc96cc" xsi:nil="true"/>
+  </documentManagement>
+</p:properties>
+</file>
+
+<file path=customXml/item3.xml><?xml version="1.0" encoding="utf-8"?>
 <ct:contentTypeSchema xmlns:ct="http://schemas.microsoft.com/office/2006/metadata/contentType" xmlns:ma="http://schemas.microsoft.com/office/2006/metadata/properties/metaAttributes" ct:_="" ma:_="" ma:contentTypeName="TemplateFile" ma:contentTypeID="0x0101006EDDDB5EE6D98C44930B742096920B300400F5B6D36B3EF94B4E9A635CDF2A18F5B8" ma:contentTypeVersion="72" ma:contentTypeDescription="Create a new document." ma:contentTypeScope="" ma:versionID="a23e56308344d904b51738559c3d67c9">
   <xsd:schema xmlns:xsd="http://www.w3.org/2001/XMLSchema" xmlns:xs="http://www.w3.org/2001/XMLSchema" xmlns:p="http://schemas.microsoft.com/office/2006/metadata/properties" xmlns:ns2="4873beb7-5857-4685-be1f-d57550cc96cc" targetNamespace="http://schemas.microsoft.com/office/2006/metadata/properties" ma:root="true" ma:fieldsID="cd0908cc4600e77bf5da051303e00c8d" ns2:_="">
     <xsd:import namespace="4873beb7-5857-4685-be1f-d57550cc96cc"/>
@@ -18996,132 +19158,6 @@
 </ct:contentTypeSchema>
 </file>
 
-<file path=customXml/item3.xml><?xml version="1.0" encoding="utf-8"?>
-<p:properties xmlns:p="http://schemas.microsoft.com/office/2006/metadata/properties" xmlns:xsi="http://www.w3.org/2001/XMLSchema-instance" xmlns:pc="http://schemas.microsoft.com/office/infopath/2007/PartnerControls">
-  <documentManagement>
-    <DirectSourceMarket xmlns="4873beb7-5857-4685-be1f-d57550cc96cc" xsi:nil="true"/>
-    <ApprovalStatus xmlns="4873beb7-5857-4685-be1f-d57550cc96cc">InProgress</ApprovalStatus>
-    <MarketSpecific xmlns="4873beb7-5857-4685-be1f-d57550cc96cc">false</MarketSpecific>
-    <LocComments xmlns="4873beb7-5857-4685-be1f-d57550cc96cc" xsi:nil="true"/>
-    <ThumbnailAssetId xmlns="4873beb7-5857-4685-be1f-d57550cc96cc" xsi:nil="true"/>
-    <PrimaryImageGen xmlns="4873beb7-5857-4685-be1f-d57550cc96cc">true</PrimaryImageGen>
-    <LegacyData xmlns="4873beb7-5857-4685-be1f-d57550cc96cc" xsi:nil="true"/>
-    <LocRecommendedHandoff xmlns="4873beb7-5857-4685-be1f-d57550cc96cc" xsi:nil="true"/>
-    <BusinessGroup xmlns="4873beb7-5857-4685-be1f-d57550cc96cc" xsi:nil="true"/>
-    <BlockPublish xmlns="4873beb7-5857-4685-be1f-d57550cc96cc">false</BlockPublish>
-    <TPFriendlyName xmlns="4873beb7-5857-4685-be1f-d57550cc96cc" xsi:nil="true"/>
-    <NumericId xmlns="4873beb7-5857-4685-be1f-d57550cc96cc" xsi:nil="true"/>
-    <APEditor xmlns="4873beb7-5857-4685-be1f-d57550cc96cc">
-      <UserInfo>
-        <DisplayName/>
-        <AccountId xsi:nil="true"/>
-        <AccountType/>
-      </UserInfo>
-    </APEditor>
-    <SourceTitle xmlns="4873beb7-5857-4685-be1f-d57550cc96cc" xsi:nil="true"/>
-    <OpenTemplate xmlns="4873beb7-5857-4685-be1f-d57550cc96cc">true</OpenTemplate>
-    <UALocComments xmlns="4873beb7-5857-4685-be1f-d57550cc96cc" xsi:nil="true"/>
-    <ParentAssetId xmlns="4873beb7-5857-4685-be1f-d57550cc96cc" xsi:nil="true"/>
-    <IntlLangReviewDate xmlns="4873beb7-5857-4685-be1f-d57550cc96cc" xsi:nil="true"/>
-    <FeatureTagsTaxHTField0 xmlns="4873beb7-5857-4685-be1f-d57550cc96cc">
-      <Terms xmlns="http://schemas.microsoft.com/office/infopath/2007/PartnerControls"/>
-    </FeatureTagsTaxHTField0>
-    <PublishStatusLookup xmlns="4873beb7-5857-4685-be1f-d57550cc96cc">
-      <Value>1566889</Value>
-    </PublishStatusLookup>
-    <Providers xmlns="4873beb7-5857-4685-be1f-d57550cc96cc" xsi:nil="true"/>
-    <MachineTranslated xmlns="4873beb7-5857-4685-be1f-d57550cc96cc">false</MachineTranslated>
-    <OriginalSourceMarket xmlns="4873beb7-5857-4685-be1f-d57550cc96cc" xsi:nil="true"/>
-    <APDescription xmlns="4873beb7-5857-4685-be1f-d57550cc96cc" xsi:nil="true"/>
-    <ClipArtFilename xmlns="4873beb7-5857-4685-be1f-d57550cc96cc" xsi:nil="true"/>
-    <ContentItem xmlns="4873beb7-5857-4685-be1f-d57550cc96cc" xsi:nil="true"/>
-    <TPInstallLocation xmlns="4873beb7-5857-4685-be1f-d57550cc96cc" xsi:nil="true"/>
-    <PublishTargets xmlns="4873beb7-5857-4685-be1f-d57550cc96cc">OfficeOnlineVNext</PublishTargets>
-    <TimesCloned xmlns="4873beb7-5857-4685-be1f-d57550cc96cc" xsi:nil="true"/>
-    <AssetStart xmlns="4873beb7-5857-4685-be1f-d57550cc96cc">2012-05-23T08:44:00+00:00</AssetStart>
-    <Provider xmlns="4873beb7-5857-4685-be1f-d57550cc96cc" xsi:nil="true"/>
-    <AcquiredFrom xmlns="4873beb7-5857-4685-be1f-d57550cc96cc">Internal MS</AcquiredFrom>
-    <FriendlyTitle xmlns="4873beb7-5857-4685-be1f-d57550cc96cc" xsi:nil="true"/>
-    <LastHandOff xmlns="4873beb7-5857-4685-be1f-d57550cc96cc" xsi:nil="true"/>
-    <TPClientViewer xmlns="4873beb7-5857-4685-be1f-d57550cc96cc" xsi:nil="true"/>
-    <UACurrentWords xmlns="4873beb7-5857-4685-be1f-d57550cc96cc" xsi:nil="true"/>
-    <ArtSampleDocs xmlns="4873beb7-5857-4685-be1f-d57550cc96cc" xsi:nil="true"/>
-    <UALocRecommendation xmlns="4873beb7-5857-4685-be1f-d57550cc96cc">Localize</UALocRecommendation>
-    <Manager xmlns="4873beb7-5857-4685-be1f-d57550cc96cc" xsi:nil="true"/>
-    <ShowIn xmlns="4873beb7-5857-4685-be1f-d57550cc96cc">Show everywhere</ShowIn>
-    <UANotes xmlns="4873beb7-5857-4685-be1f-d57550cc96cc" xsi:nil="true"/>
-    <TemplateStatus xmlns="4873beb7-5857-4685-be1f-d57550cc96cc">Complete</TemplateStatus>
-    <InternalTagsTaxHTField0 xmlns="4873beb7-5857-4685-be1f-d57550cc96cc">
-      <Terms xmlns="http://schemas.microsoft.com/office/infopath/2007/PartnerControls"/>
-    </InternalTagsTaxHTField0>
-    <CSXHash xmlns="4873beb7-5857-4685-be1f-d57550cc96cc" xsi:nil="true"/>
-    <Downloads xmlns="4873beb7-5857-4685-be1f-d57550cc96cc">0</Downloads>
-    <VoteCount xmlns="4873beb7-5857-4685-be1f-d57550cc96cc" xsi:nil="true"/>
-    <OOCacheId xmlns="4873beb7-5857-4685-be1f-d57550cc96cc" xsi:nil="true"/>
-    <IsDeleted xmlns="4873beb7-5857-4685-be1f-d57550cc96cc">false</IsDeleted>
-    <AssetExpire xmlns="4873beb7-5857-4685-be1f-d57550cc96cc">2029-01-01T08:00:00+00:00</AssetExpire>
-    <DSATActionTaken xmlns="4873beb7-5857-4685-be1f-d57550cc96cc" xsi:nil="true"/>
-    <CSXSubmissionMarket xmlns="4873beb7-5857-4685-be1f-d57550cc96cc" xsi:nil="true"/>
-    <TPExecutable xmlns="4873beb7-5857-4685-be1f-d57550cc96cc" xsi:nil="true"/>
-    <SubmitterId xmlns="4873beb7-5857-4685-be1f-d57550cc96cc" xsi:nil="true"/>
-    <EditorialTags xmlns="4873beb7-5857-4685-be1f-d57550cc96cc" xsi:nil="true"/>
-    <ApprovalLog xmlns="4873beb7-5857-4685-be1f-d57550cc96cc" xsi:nil="true"/>
-    <AssetType xmlns="4873beb7-5857-4685-be1f-d57550cc96cc">TP</AssetType>
-    <BugNumber xmlns="4873beb7-5857-4685-be1f-d57550cc96cc" xsi:nil="true"/>
-    <CSXSubmissionDate xmlns="4873beb7-5857-4685-be1f-d57550cc96cc" xsi:nil="true"/>
-    <CSXUpdate xmlns="4873beb7-5857-4685-be1f-d57550cc96cc">false</CSXUpdate>
-    <Milestone xmlns="4873beb7-5857-4685-be1f-d57550cc96cc" xsi:nil="true"/>
-    <RecommendationsModifier xmlns="4873beb7-5857-4685-be1f-d57550cc96cc" xsi:nil="true"/>
-    <OriginAsset xmlns="4873beb7-5857-4685-be1f-d57550cc96cc" xsi:nil="true"/>
-    <TPComponent xmlns="4873beb7-5857-4685-be1f-d57550cc96cc" xsi:nil="true"/>
-    <AssetId xmlns="4873beb7-5857-4685-be1f-d57550cc96cc">TP102901017</AssetId>
-    <IntlLocPriority xmlns="4873beb7-5857-4685-be1f-d57550cc96cc" xsi:nil="true"/>
-    <PolicheckWords xmlns="4873beb7-5857-4685-be1f-d57550cc96cc" xsi:nil="true"/>
-    <TPLaunchHelpLink xmlns="4873beb7-5857-4685-be1f-d57550cc96cc" xsi:nil="true"/>
-    <TPApplication xmlns="4873beb7-5857-4685-be1f-d57550cc96cc" xsi:nil="true"/>
-    <CrawlForDependencies xmlns="4873beb7-5857-4685-be1f-d57550cc96cc">false</CrawlForDependencies>
-    <HandoffToMSDN xmlns="4873beb7-5857-4685-be1f-d57550cc96cc" xsi:nil="true"/>
-    <PlannedPubDate xmlns="4873beb7-5857-4685-be1f-d57550cc96cc" xsi:nil="true"/>
-    <IntlLangReviewer xmlns="4873beb7-5857-4685-be1f-d57550cc96cc" xsi:nil="true"/>
-    <TrustLevel xmlns="4873beb7-5857-4685-be1f-d57550cc96cc">1 Microsoft Managed Content</TrustLevel>
-    <LocLastLocAttemptVersionLookup xmlns="4873beb7-5857-4685-be1f-d57550cc96cc">836753</LocLastLocAttemptVersionLookup>
-    <IsSearchable xmlns="4873beb7-5857-4685-be1f-d57550cc96cc">true</IsSearchable>
-    <TemplateTemplateType xmlns="4873beb7-5857-4685-be1f-d57550cc96cc">PowerPoint Design Template</TemplateTemplateType>
-    <CampaignTagsTaxHTField0 xmlns="4873beb7-5857-4685-be1f-d57550cc96cc">
-      <Terms xmlns="http://schemas.microsoft.com/office/infopath/2007/PartnerControls"/>
-    </CampaignTagsTaxHTField0>
-    <TPNamespace xmlns="4873beb7-5857-4685-be1f-d57550cc96cc" xsi:nil="true"/>
-    <TaxCatchAll xmlns="4873beb7-5857-4685-be1f-d57550cc96cc"/>
-    <Markets xmlns="4873beb7-5857-4685-be1f-d57550cc96cc"/>
-    <UAProjectedTotalWords xmlns="4873beb7-5857-4685-be1f-d57550cc96cc" xsi:nil="true"/>
-    <IntlLangReview xmlns="4873beb7-5857-4685-be1f-d57550cc96cc">false</IntlLangReview>
-    <OutputCachingOn xmlns="4873beb7-5857-4685-be1f-d57550cc96cc">false</OutputCachingOn>
-    <AverageRating xmlns="4873beb7-5857-4685-be1f-d57550cc96cc" xsi:nil="true"/>
-    <APAuthor xmlns="4873beb7-5857-4685-be1f-d57550cc96cc">
-      <UserInfo>
-        <DisplayName>REDMOND\v-anij</DisplayName>
-        <AccountId>2469</AccountId>
-        <AccountType/>
-      </UserInfo>
-    </APAuthor>
-    <LocManualTestRequired xmlns="4873beb7-5857-4685-be1f-d57550cc96cc">false</LocManualTestRequired>
-    <TPCommandLine xmlns="4873beb7-5857-4685-be1f-d57550cc96cc" xsi:nil="true"/>
-    <TPAppVersion xmlns="4873beb7-5857-4685-be1f-d57550cc96cc" xsi:nil="true"/>
-    <EditorialStatus xmlns="4873beb7-5857-4685-be1f-d57550cc96cc">Complete</EditorialStatus>
-    <LastModifiedDateTime xmlns="4873beb7-5857-4685-be1f-d57550cc96cc" xsi:nil="true"/>
-    <ScenarioTagsTaxHTField0 xmlns="4873beb7-5857-4685-be1f-d57550cc96cc">
-      <Terms xmlns="http://schemas.microsoft.com/office/infopath/2007/PartnerControls"/>
-    </ScenarioTagsTaxHTField0>
-    <OriginalRelease xmlns="4873beb7-5857-4685-be1f-d57550cc96cc">15</OriginalRelease>
-    <TPLaunchHelpLinkType xmlns="4873beb7-5857-4685-be1f-d57550cc96cc">Template</TPLaunchHelpLinkType>
-    <LocalizationTagsTaxHTField0 xmlns="4873beb7-5857-4685-be1f-d57550cc96cc">
-      <Terms xmlns="http://schemas.microsoft.com/office/infopath/2007/PartnerControls"/>
-    </LocalizationTagsTaxHTField0>
-    <LocMarketGroupTiers2 xmlns="4873beb7-5857-4685-be1f-d57550cc96cc" xsi:nil="true"/>
-  </documentManagement>
-</p:properties>
-</file>
-
 <file path=customXml/itemProps1.xml><?xml version="1.0" encoding="utf-8"?>
 <ds:datastoreItem xmlns:ds="http://schemas.openxmlformats.org/officeDocument/2006/customXml" ds:itemID="{746CFF6F-D9AA-4BC0-911A-0A1356771912}">
   <ds:schemaRefs>
@@ -19131,6 +19167,16 @@
 </file>
 
 <file path=customXml/itemProps2.xml><?xml version="1.0" encoding="utf-8"?>
+<ds:datastoreItem xmlns:ds="http://schemas.openxmlformats.org/officeDocument/2006/customXml" ds:itemID="{04098515-0C12-46CF-BC7C-69B4A13CD5FA}">
+  <ds:schemaRefs>
+    <ds:schemaRef ds:uri="http://schemas.microsoft.com/office/2006/metadata/properties"/>
+    <ds:schemaRef ds:uri="http://schemas.microsoft.com/office/infopath/2007/PartnerControls"/>
+    <ds:schemaRef ds:uri="4873beb7-5857-4685-be1f-d57550cc96cc"/>
+  </ds:schemaRefs>
+</ds:datastoreItem>
+</file>
+
+<file path=customXml/itemProps3.xml><?xml version="1.0" encoding="utf-8"?>
 <ds:datastoreItem xmlns:ds="http://schemas.openxmlformats.org/officeDocument/2006/customXml" ds:itemID="{0B5C6E15-39DC-470B-9445-F754B9458020}">
   <ds:schemaRefs>
     <ds:schemaRef ds:uri="http://schemas.microsoft.com/office/2006/metadata/contentType"/>
@@ -19146,14 +19192,4 @@
     <ds:schemaRef ds:uri="http://schemas.microsoft.com/internal/obd"/>
   </ds:schemaRefs>
 </ds:datastoreItem>
-</file>
-
-<file path=customXml/itemProps3.xml><?xml version="1.0" encoding="utf-8"?>
-<ds:datastoreItem xmlns:ds="http://schemas.openxmlformats.org/officeDocument/2006/customXml" ds:itemID="{04098515-0C12-46CF-BC7C-69B4A13CD5FA}">
-  <ds:schemaRefs>
-    <ds:schemaRef ds:uri="http://schemas.microsoft.com/office/2006/metadata/properties"/>
-    <ds:schemaRef ds:uri="http://schemas.microsoft.com/office/infopath/2007/PartnerControls"/>
-    <ds:schemaRef ds:uri="4873beb7-5857-4685-be1f-d57550cc96cc"/>
-  </ds:schemaRefs>
-</ds:datastoreItem>
 </file>
--- a/Diagrams/guides/Propuesta migracion - Perceptio.pptx
+++ b/Diagrams/guides/Propuesta migracion - Perceptio.pptx
@@ -1587,7 +1587,7 @@
             <a:pPr algn="r" rtl="0"/>
             <a:fld id="{C57DE37D-B738-4817-B751-0C1B86D8B665}" type="datetime1">
               <a:rPr lang="es-ES" smtClean="0"/>
-              <a:t>15/09/2024</a:t>
+              <a:t>16/09/2024</a:t>
             </a:fld>
             <a:endParaRPr dirty="0"/>
           </a:p>
@@ -1757,7 +1757,7 @@
             <a:fld id="{17BB30D9-D505-4352-B274-A1AB529BC646}" type="datetime1">
               <a:rPr lang="es-ES" smtClean="0"/>
               <a:pPr/>
-              <a:t>15/09/2024</a:t>
+              <a:t>16/09/2024</a:t>
             </a:fld>
             <a:endParaRPr lang="es-ES" dirty="0"/>
           </a:p>
@@ -2995,7 +2995,7 @@
             <a:fld id="{FC1B432D-78E7-40AE-81C6-52773394A046}" type="datetime1">
               <a:rPr lang="es-ES" smtClean="0"/>
               <a:pPr/>
-              <a:t>15/09/2024</a:t>
+              <a:t>16/09/2024</a:t>
             </a:fld>
             <a:endParaRPr lang="es-ES" dirty="0"/>
           </a:p>
@@ -3185,7 +3185,7 @@
             <a:fld id="{E062C603-371F-4D8B-AFB8-8337237C6271}" type="datetime1">
               <a:rPr lang="es-ES" smtClean="0"/>
               <a:pPr algn="r"/>
-              <a:t>15/09/2024</a:t>
+              <a:t>16/09/2024</a:t>
             </a:fld>
             <a:endParaRPr lang="es-ES" dirty="0"/>
           </a:p>
@@ -3368,7 +3368,7 @@
             <a:fld id="{D1AE6EBB-BEC9-4000-8D95-40B44C4E2CA6}" type="datetime1">
               <a:rPr lang="es-ES" smtClean="0"/>
               <a:pPr/>
-              <a:t>15/09/2024</a:t>
+              <a:t>16/09/2024</a:t>
             </a:fld>
             <a:endParaRPr lang="es-ES" dirty="0"/>
           </a:p>
@@ -3813,7 +3813,7 @@
             <a:fld id="{7CAF1BE7-5365-4137-AE14-A7C362FC891C}" type="datetime1">
               <a:rPr lang="es-ES" smtClean="0"/>
               <a:pPr/>
-              <a:t>15/09/2024</a:t>
+              <a:t>16/09/2024</a:t>
             </a:fld>
             <a:endParaRPr lang="es-ES" dirty="0"/>
           </a:p>
@@ -4262,7 +4262,7 @@
             <a:fld id="{CCE83AA6-4601-4BF7-BD54-99DD2B193FD1}" type="datetime1">
               <a:rPr lang="es-ES" smtClean="0"/>
               <a:pPr/>
-              <a:t>15/09/2024</a:t>
+              <a:t>16/09/2024</a:t>
             </a:fld>
             <a:endParaRPr lang="es-ES" dirty="0"/>
           </a:p>
@@ -4389,7 +4389,7 @@
             <a:fld id="{808DBE58-23DC-4EE9-8158-B69AC44D4A43}" type="datetime1">
               <a:rPr lang="es-ES" smtClean="0"/>
               <a:pPr/>
-              <a:t>15/09/2024</a:t>
+              <a:t>16/09/2024</a:t>
             </a:fld>
             <a:endParaRPr lang="es-ES" dirty="0"/>
           </a:p>
@@ -4492,7 +4492,7 @@
             <a:fld id="{97C2EBBF-D49B-4842-B69E-CE552000DC09}" type="datetime1">
               <a:rPr lang="es-ES" smtClean="0"/>
               <a:pPr/>
-              <a:t>15/09/2024</a:t>
+              <a:t>16/09/2024</a:t>
             </a:fld>
             <a:endParaRPr lang="es-ES" dirty="0"/>
           </a:p>
@@ -4786,7 +4786,7 @@
             <a:fld id="{AF364E66-D00E-49A9-9E62-AB0485562249}" type="datetime1">
               <a:rPr lang="es-ES" smtClean="0"/>
               <a:pPr algn="r"/>
-              <a:t>15/09/2024</a:t>
+              <a:t>16/09/2024</a:t>
             </a:fld>
             <a:endParaRPr lang="es-ES" dirty="0"/>
           </a:p>
@@ -5112,7 +5112,7 @@
             <a:fld id="{8EB92E29-7FB2-4284-9496-FE061DBF8A30}" type="datetime1">
               <a:rPr lang="es-ES" smtClean="0"/>
               <a:pPr/>
-              <a:t>15/09/2024</a:t>
+              <a:t>16/09/2024</a:t>
             </a:fld>
             <a:endParaRPr lang="es-ES" dirty="0"/>
           </a:p>
@@ -5328,7 +5328,7 @@
             <a:fld id="{F03D15E0-E6C7-48CB-A009-DF16BCB95302}" type="datetime1">
               <a:rPr lang="es-ES" smtClean="0"/>
               <a:pPr/>
-              <a:t>15/09/2024</a:t>
+              <a:t>16/09/2024</a:t>
             </a:fld>
             <a:endParaRPr lang="es-ES" dirty="0"/>
           </a:p>
@@ -10690,8 +10690,8 @@
         </p:blipFill>
         <p:spPr bwMode="auto">
           <a:xfrm>
-            <a:off x="3806710" y="1548595"/>
-            <a:ext cx="270638" cy="261801"/>
+            <a:off x="7536159" y="408600"/>
+            <a:ext cx="379201" cy="313537"/>
           </a:xfrm>
           <a:prstGeom prst="rect">
             <a:avLst/>
@@ -14612,52 +14612,6 @@
           </a:solidFill>
         </p:spPr>
       </p:pic>
-      <p:pic>
-        <p:nvPicPr>
-          <p:cNvPr id="342" name="Picture 24" descr="Microsoft Azure Logo, symbol, meaning, history, PNG, brand">
-            <a:hlinkClick r:id="rId12" action="ppaction://hlinksldjump" tooltip="Azure."/>
-            <a:extLst>
-              <a:ext uri="{FF2B5EF4-FFF2-40B4-BE49-F238E27FC236}">
-                <a16:creationId xmlns:a16="http://schemas.microsoft.com/office/drawing/2014/main" id="{0B755C3A-DED0-4E00-94CB-00C51FAA5212}"/>
-              </a:ext>
-            </a:extLst>
-          </p:cNvPr>
-          <p:cNvPicPr>
-            <a:picLocks noChangeAspect="1" noChangeArrowheads="1"/>
-          </p:cNvPicPr>
-          <p:nvPr/>
-        </p:nvPicPr>
-        <p:blipFill rotWithShape="1">
-          <a:blip r:embed="rId13" cstate="print">
-            <a:extLst>
-              <a:ext uri="{28A0092B-C50C-407E-A947-70E740481C1C}">
-                <a14:useLocalDpi xmlns:a14="http://schemas.microsoft.com/office/drawing/2010/main" val="0"/>
-              </a:ext>
-            </a:extLst>
-          </a:blip>
-          <a:srcRect l="21083" r="20768"/>
-          <a:stretch/>
-        </p:blipFill>
-        <p:spPr bwMode="auto">
-          <a:xfrm>
-            <a:off x="9280639" y="1521632"/>
-            <a:ext cx="270638" cy="261801"/>
-          </a:xfrm>
-          <a:prstGeom prst="rect">
-            <a:avLst/>
-          </a:prstGeom>
-          <a:noFill/>
-          <a:extLst>
-            <a:ext uri="{909E8E84-426E-40DD-AFC4-6F175D3DCCD1}">
-              <a14:hiddenFill xmlns:a14="http://schemas.microsoft.com/office/drawing/2010/main">
-                <a:solidFill>
-                  <a:srgbClr val="FFFFFF"/>
-                </a:solidFill>
-              </a14:hiddenFill>
-            </a:ext>
-          </a:extLst>
-        </p:spPr>
-      </p:pic>
       <p:sp>
         <p:nvSpPr>
           <p:cNvPr id="149" name="CuadroTexto 148">
@@ -14760,6 +14714,102 @@
           </a:p>
         </p:txBody>
       </p:sp>
+      <p:pic>
+        <p:nvPicPr>
+          <p:cNvPr id="1026" name="Picture 2" descr="Azure Active Directory Logo PNG Vector (SVG) Free Download">
+            <a:hlinkClick r:id="rId12" action="ppaction://hlinksldjump" tooltip="Active Directory."/>
+            <a:extLst>
+              <a:ext uri="{FF2B5EF4-FFF2-40B4-BE49-F238E27FC236}">
+                <a16:creationId xmlns:a16="http://schemas.microsoft.com/office/drawing/2014/main" id="{92EBEB24-7353-4C1C-BDCD-691547D31128}"/>
+              </a:ext>
+            </a:extLst>
+          </p:cNvPr>
+          <p:cNvPicPr>
+            <a:picLocks noChangeAspect="1" noChangeArrowheads="1"/>
+          </p:cNvPicPr>
+          <p:nvPr/>
+        </p:nvPicPr>
+        <p:blipFill>
+          <a:blip r:embed="rId26" cstate="print">
+            <a:extLst>
+              <a:ext uri="{28A0092B-C50C-407E-A947-70E740481C1C}">
+                <a14:useLocalDpi xmlns:a14="http://schemas.microsoft.com/office/drawing/2010/main" val="0"/>
+              </a:ext>
+            </a:extLst>
+          </a:blip>
+          <a:srcRect/>
+          <a:stretch>
+            <a:fillRect/>
+          </a:stretch>
+        </p:blipFill>
+        <p:spPr bwMode="auto">
+          <a:xfrm>
+            <a:off x="3787753" y="1524000"/>
+            <a:ext cx="364032" cy="274332"/>
+          </a:xfrm>
+          <a:prstGeom prst="rect">
+            <a:avLst/>
+          </a:prstGeom>
+          <a:noFill/>
+          <a:extLst>
+            <a:ext uri="{909E8E84-426E-40DD-AFC4-6F175D3DCCD1}">
+              <a14:hiddenFill xmlns:a14="http://schemas.microsoft.com/office/drawing/2010/main">
+                <a:solidFill>
+                  <a:srgbClr val="FFFFFF"/>
+                </a:solidFill>
+              </a14:hiddenFill>
+            </a:ext>
+          </a:extLst>
+        </p:spPr>
+      </p:pic>
+      <p:pic>
+        <p:nvPicPr>
+          <p:cNvPr id="156" name="Picture 2" descr="Azure Active Directory Logo PNG Vector (SVG) Free Download">
+            <a:hlinkClick r:id="rId12" action="ppaction://hlinksldjump" tooltip="Active Directory."/>
+            <a:extLst>
+              <a:ext uri="{FF2B5EF4-FFF2-40B4-BE49-F238E27FC236}">
+                <a16:creationId xmlns:a16="http://schemas.microsoft.com/office/drawing/2014/main" id="{B36425B7-73A1-4DA8-BA8D-4196D67B5295}"/>
+              </a:ext>
+            </a:extLst>
+          </p:cNvPr>
+          <p:cNvPicPr>
+            <a:picLocks noChangeAspect="1" noChangeArrowheads="1"/>
+          </p:cNvPicPr>
+          <p:nvPr/>
+        </p:nvPicPr>
+        <p:blipFill>
+          <a:blip r:embed="rId26" cstate="print">
+            <a:extLst>
+              <a:ext uri="{28A0092B-C50C-407E-A947-70E740481C1C}">
+                <a14:useLocalDpi xmlns:a14="http://schemas.microsoft.com/office/drawing/2010/main" val="0"/>
+              </a:ext>
+            </a:extLst>
+          </a:blip>
+          <a:srcRect/>
+          <a:stretch>
+            <a:fillRect/>
+          </a:stretch>
+        </p:blipFill>
+        <p:spPr bwMode="auto">
+          <a:xfrm>
+            <a:off x="9208748" y="1553974"/>
+            <a:ext cx="348371" cy="274332"/>
+          </a:xfrm>
+          <a:prstGeom prst="rect">
+            <a:avLst/>
+          </a:prstGeom>
+          <a:noFill/>
+          <a:extLst>
+            <a:ext uri="{909E8E84-426E-40DD-AFC4-6F175D3DCCD1}">
+              <a14:hiddenFill xmlns:a14="http://schemas.microsoft.com/office/drawing/2010/main">
+                <a:solidFill>
+                  <a:srgbClr val="FFFFFF"/>
+                </a:solidFill>
+              </a14:hiddenFill>
+            </a:ext>
+          </a:extLst>
+        </p:spPr>
+      </p:pic>
     </p:spTree>
     <p:extLst>
       <p:ext uri="{BB962C8B-B14F-4D97-AF65-F5344CB8AC3E}">
@@ -15161,37 +15211,6 @@
           </a:p>
         </p:txBody>
       </p:sp>
-      <p:pic>
-        <p:nvPicPr>
-          <p:cNvPr id="4" name="Imagen 3">
-            <a:hlinkClick r:id="rId4" action="ppaction://hlinksldjump" tooltip="Azure Integration Runtime: Gestiona el escalado automatico a demanda de la orquestación de Data Factory."/>
-            <a:extLst>
-              <a:ext uri="{FF2B5EF4-FFF2-40B4-BE49-F238E27FC236}">
-                <a16:creationId xmlns:a16="http://schemas.microsoft.com/office/drawing/2014/main" id="{1BAA6753-1DB0-4355-AA8D-C4885BCF821F}"/>
-              </a:ext>
-            </a:extLst>
-          </p:cNvPr>
-          <p:cNvPicPr>
-            <a:picLocks noChangeAspect="1"/>
-          </p:cNvPicPr>
-          <p:nvPr/>
-        </p:nvPicPr>
-        <p:blipFill>
-          <a:blip r:embed="rId5"/>
-          <a:stretch>
-            <a:fillRect/>
-          </a:stretch>
-        </p:blipFill>
-        <p:spPr>
-          <a:xfrm>
-            <a:off x="2567606" y="880120"/>
-            <a:ext cx="6984777" cy="4277072"/>
-          </a:xfrm>
-          <a:prstGeom prst="rect">
-            <a:avLst/>
-          </a:prstGeom>
-        </p:spPr>
-      </p:pic>
       <p:sp>
         <p:nvSpPr>
           <p:cNvPr id="11" name="CuadroTexto 10">
@@ -15236,6 +15255,37 @@
           </a:p>
         </p:txBody>
       </p:sp>
+      <p:pic>
+        <p:nvPicPr>
+          <p:cNvPr id="5" name="Imagen 4">
+            <a:hlinkClick r:id="rId4" action="ppaction://hlinksldjump" tooltip="Azure Integration Runtime: Gestiona el escalado automatico a demanda de la orquestación de Data Factory."/>
+            <a:extLst>
+              <a:ext uri="{FF2B5EF4-FFF2-40B4-BE49-F238E27FC236}">
+                <a16:creationId xmlns:a16="http://schemas.microsoft.com/office/drawing/2014/main" id="{1DE29CC2-78A0-405B-9A28-ADFED301632C}"/>
+              </a:ext>
+            </a:extLst>
+          </p:cNvPr>
+          <p:cNvPicPr>
+            <a:picLocks noChangeAspect="1"/>
+          </p:cNvPicPr>
+          <p:nvPr/>
+        </p:nvPicPr>
+        <p:blipFill>
+          <a:blip r:embed="rId5"/>
+          <a:stretch>
+            <a:fillRect/>
+          </a:stretch>
+        </p:blipFill>
+        <p:spPr>
+          <a:xfrm>
+            <a:off x="2567606" y="880120"/>
+            <a:ext cx="6984778" cy="4277072"/>
+          </a:xfrm>
+          <a:prstGeom prst="rect">
+            <a:avLst/>
+          </a:prstGeom>
+        </p:spPr>
+      </p:pic>
     </p:spTree>
     <p:extLst>
       <p:ext uri="{BB962C8B-B14F-4D97-AF65-F5344CB8AC3E}">
@@ -17993,132 +18043,6 @@
 </file>
 
 <file path=customXml/item2.xml><?xml version="1.0" encoding="utf-8"?>
-<p:properties xmlns:p="http://schemas.microsoft.com/office/2006/metadata/properties" xmlns:xsi="http://www.w3.org/2001/XMLSchema-instance" xmlns:pc="http://schemas.microsoft.com/office/infopath/2007/PartnerControls">
-  <documentManagement>
-    <DirectSourceMarket xmlns="4873beb7-5857-4685-be1f-d57550cc96cc" xsi:nil="true"/>
-    <ApprovalStatus xmlns="4873beb7-5857-4685-be1f-d57550cc96cc">InProgress</ApprovalStatus>
-    <MarketSpecific xmlns="4873beb7-5857-4685-be1f-d57550cc96cc">false</MarketSpecific>
-    <LocComments xmlns="4873beb7-5857-4685-be1f-d57550cc96cc" xsi:nil="true"/>
-    <ThumbnailAssetId xmlns="4873beb7-5857-4685-be1f-d57550cc96cc" xsi:nil="true"/>
-    <PrimaryImageGen xmlns="4873beb7-5857-4685-be1f-d57550cc96cc">true</PrimaryImageGen>
-    <LegacyData xmlns="4873beb7-5857-4685-be1f-d57550cc96cc" xsi:nil="true"/>
-    <LocRecommendedHandoff xmlns="4873beb7-5857-4685-be1f-d57550cc96cc" xsi:nil="true"/>
-    <BusinessGroup xmlns="4873beb7-5857-4685-be1f-d57550cc96cc" xsi:nil="true"/>
-    <BlockPublish xmlns="4873beb7-5857-4685-be1f-d57550cc96cc">false</BlockPublish>
-    <TPFriendlyName xmlns="4873beb7-5857-4685-be1f-d57550cc96cc" xsi:nil="true"/>
-    <NumericId xmlns="4873beb7-5857-4685-be1f-d57550cc96cc" xsi:nil="true"/>
-    <APEditor xmlns="4873beb7-5857-4685-be1f-d57550cc96cc">
-      <UserInfo>
-        <DisplayName/>
-        <AccountId xsi:nil="true"/>
-        <AccountType/>
-      </UserInfo>
-    </APEditor>
-    <SourceTitle xmlns="4873beb7-5857-4685-be1f-d57550cc96cc" xsi:nil="true"/>
-    <OpenTemplate xmlns="4873beb7-5857-4685-be1f-d57550cc96cc">true</OpenTemplate>
-    <UALocComments xmlns="4873beb7-5857-4685-be1f-d57550cc96cc" xsi:nil="true"/>
-    <ParentAssetId xmlns="4873beb7-5857-4685-be1f-d57550cc96cc" xsi:nil="true"/>
-    <IntlLangReviewDate xmlns="4873beb7-5857-4685-be1f-d57550cc96cc" xsi:nil="true"/>
-    <FeatureTagsTaxHTField0 xmlns="4873beb7-5857-4685-be1f-d57550cc96cc">
-      <Terms xmlns="http://schemas.microsoft.com/office/infopath/2007/PartnerControls"/>
-    </FeatureTagsTaxHTField0>
-    <PublishStatusLookup xmlns="4873beb7-5857-4685-be1f-d57550cc96cc">
-      <Value>1566889</Value>
-    </PublishStatusLookup>
-    <Providers xmlns="4873beb7-5857-4685-be1f-d57550cc96cc" xsi:nil="true"/>
-    <MachineTranslated xmlns="4873beb7-5857-4685-be1f-d57550cc96cc">false</MachineTranslated>
-    <OriginalSourceMarket xmlns="4873beb7-5857-4685-be1f-d57550cc96cc" xsi:nil="true"/>
-    <APDescription xmlns="4873beb7-5857-4685-be1f-d57550cc96cc" xsi:nil="true"/>
-    <ClipArtFilename xmlns="4873beb7-5857-4685-be1f-d57550cc96cc" xsi:nil="true"/>
-    <ContentItem xmlns="4873beb7-5857-4685-be1f-d57550cc96cc" xsi:nil="true"/>
-    <TPInstallLocation xmlns="4873beb7-5857-4685-be1f-d57550cc96cc" xsi:nil="true"/>
-    <PublishTargets xmlns="4873beb7-5857-4685-be1f-d57550cc96cc">OfficeOnlineVNext</PublishTargets>
-    <TimesCloned xmlns="4873beb7-5857-4685-be1f-d57550cc96cc" xsi:nil="true"/>
-    <AssetStart xmlns="4873beb7-5857-4685-be1f-d57550cc96cc">2012-05-23T08:44:00+00:00</AssetStart>
-    <Provider xmlns="4873beb7-5857-4685-be1f-d57550cc96cc" xsi:nil="true"/>
-    <AcquiredFrom xmlns="4873beb7-5857-4685-be1f-d57550cc96cc">Internal MS</AcquiredFrom>
-    <FriendlyTitle xmlns="4873beb7-5857-4685-be1f-d57550cc96cc" xsi:nil="true"/>
-    <LastHandOff xmlns="4873beb7-5857-4685-be1f-d57550cc96cc" xsi:nil="true"/>
-    <TPClientViewer xmlns="4873beb7-5857-4685-be1f-d57550cc96cc" xsi:nil="true"/>
-    <UACurrentWords xmlns="4873beb7-5857-4685-be1f-d57550cc96cc" xsi:nil="true"/>
-    <ArtSampleDocs xmlns="4873beb7-5857-4685-be1f-d57550cc96cc" xsi:nil="true"/>
-    <UALocRecommendation xmlns="4873beb7-5857-4685-be1f-d57550cc96cc">Localize</UALocRecommendation>
-    <Manager xmlns="4873beb7-5857-4685-be1f-d57550cc96cc" xsi:nil="true"/>
-    <ShowIn xmlns="4873beb7-5857-4685-be1f-d57550cc96cc">Show everywhere</ShowIn>
-    <UANotes xmlns="4873beb7-5857-4685-be1f-d57550cc96cc" xsi:nil="true"/>
-    <TemplateStatus xmlns="4873beb7-5857-4685-be1f-d57550cc96cc">Complete</TemplateStatus>
-    <InternalTagsTaxHTField0 xmlns="4873beb7-5857-4685-be1f-d57550cc96cc">
-      <Terms xmlns="http://schemas.microsoft.com/office/infopath/2007/PartnerControls"/>
-    </InternalTagsTaxHTField0>
-    <CSXHash xmlns="4873beb7-5857-4685-be1f-d57550cc96cc" xsi:nil="true"/>
-    <Downloads xmlns="4873beb7-5857-4685-be1f-d57550cc96cc">0</Downloads>
-    <VoteCount xmlns="4873beb7-5857-4685-be1f-d57550cc96cc" xsi:nil="true"/>
-    <OOCacheId xmlns="4873beb7-5857-4685-be1f-d57550cc96cc" xsi:nil="true"/>
-    <IsDeleted xmlns="4873beb7-5857-4685-be1f-d57550cc96cc">false</IsDeleted>
-    <AssetExpire xmlns="4873beb7-5857-4685-be1f-d57550cc96cc">2029-01-01T08:00:00+00:00</AssetExpire>
-    <DSATActionTaken xmlns="4873beb7-5857-4685-be1f-d57550cc96cc" xsi:nil="true"/>
-    <CSXSubmissionMarket xmlns="4873beb7-5857-4685-be1f-d57550cc96cc" xsi:nil="true"/>
-    <TPExecutable xmlns="4873beb7-5857-4685-be1f-d57550cc96cc" xsi:nil="true"/>
-    <SubmitterId xmlns="4873beb7-5857-4685-be1f-d57550cc96cc" xsi:nil="true"/>
-    <EditorialTags xmlns="4873beb7-5857-4685-be1f-d57550cc96cc" xsi:nil="true"/>
-    <ApprovalLog xmlns="4873beb7-5857-4685-be1f-d57550cc96cc" xsi:nil="true"/>
-    <AssetType xmlns="4873beb7-5857-4685-be1f-d57550cc96cc">TP</AssetType>
-    <BugNumber xmlns="4873beb7-5857-4685-be1f-d57550cc96cc" xsi:nil="true"/>
-    <CSXSubmissionDate xmlns="4873beb7-5857-4685-be1f-d57550cc96cc" xsi:nil="true"/>
-    <CSXUpdate xmlns="4873beb7-5857-4685-be1f-d57550cc96cc">false</CSXUpdate>
-    <Milestone xmlns="4873beb7-5857-4685-be1f-d57550cc96cc" xsi:nil="true"/>
-    <RecommendationsModifier xmlns="4873beb7-5857-4685-be1f-d57550cc96cc" xsi:nil="true"/>
-    <OriginAsset xmlns="4873beb7-5857-4685-be1f-d57550cc96cc" xsi:nil="true"/>
-    <TPComponent xmlns="4873beb7-5857-4685-be1f-d57550cc96cc" xsi:nil="true"/>
-    <AssetId xmlns="4873beb7-5857-4685-be1f-d57550cc96cc">TP102901017</AssetId>
-    <IntlLocPriority xmlns="4873beb7-5857-4685-be1f-d57550cc96cc" xsi:nil="true"/>
-    <PolicheckWords xmlns="4873beb7-5857-4685-be1f-d57550cc96cc" xsi:nil="true"/>
-    <TPLaunchHelpLink xmlns="4873beb7-5857-4685-be1f-d57550cc96cc" xsi:nil="true"/>
-    <TPApplication xmlns="4873beb7-5857-4685-be1f-d57550cc96cc" xsi:nil="true"/>
-    <CrawlForDependencies xmlns="4873beb7-5857-4685-be1f-d57550cc96cc">false</CrawlForDependencies>
-    <HandoffToMSDN xmlns="4873beb7-5857-4685-be1f-d57550cc96cc" xsi:nil="true"/>
-    <PlannedPubDate xmlns="4873beb7-5857-4685-be1f-d57550cc96cc" xsi:nil="true"/>
-    <IntlLangReviewer xmlns="4873beb7-5857-4685-be1f-d57550cc96cc" xsi:nil="true"/>
-    <TrustLevel xmlns="4873beb7-5857-4685-be1f-d57550cc96cc">1 Microsoft Managed Content</TrustLevel>
-    <LocLastLocAttemptVersionLookup xmlns="4873beb7-5857-4685-be1f-d57550cc96cc">836753</LocLastLocAttemptVersionLookup>
-    <IsSearchable xmlns="4873beb7-5857-4685-be1f-d57550cc96cc">true</IsSearchable>
-    <TemplateTemplateType xmlns="4873beb7-5857-4685-be1f-d57550cc96cc">PowerPoint Design Template</TemplateTemplateType>
-    <CampaignTagsTaxHTField0 xmlns="4873beb7-5857-4685-be1f-d57550cc96cc">
-      <Terms xmlns="http://schemas.microsoft.com/office/infopath/2007/PartnerControls"/>
-    </CampaignTagsTaxHTField0>
-    <TPNamespace xmlns="4873beb7-5857-4685-be1f-d57550cc96cc" xsi:nil="true"/>
-    <TaxCatchAll xmlns="4873beb7-5857-4685-be1f-d57550cc96cc"/>
-    <Markets xmlns="4873beb7-5857-4685-be1f-d57550cc96cc"/>
-    <UAProjectedTotalWords xmlns="4873beb7-5857-4685-be1f-d57550cc96cc" xsi:nil="true"/>
-    <IntlLangReview xmlns="4873beb7-5857-4685-be1f-d57550cc96cc">false</IntlLangReview>
-    <OutputCachingOn xmlns="4873beb7-5857-4685-be1f-d57550cc96cc">false</OutputCachingOn>
-    <AverageRating xmlns="4873beb7-5857-4685-be1f-d57550cc96cc" xsi:nil="true"/>
-    <APAuthor xmlns="4873beb7-5857-4685-be1f-d57550cc96cc">
-      <UserInfo>
-        <DisplayName>REDMOND\v-anij</DisplayName>
-        <AccountId>2469</AccountId>
-        <AccountType/>
-      </UserInfo>
-    </APAuthor>
-    <LocManualTestRequired xmlns="4873beb7-5857-4685-be1f-d57550cc96cc">false</LocManualTestRequired>
-    <TPCommandLine xmlns="4873beb7-5857-4685-be1f-d57550cc96cc" xsi:nil="true"/>
-    <TPAppVersion xmlns="4873beb7-5857-4685-be1f-d57550cc96cc" xsi:nil="true"/>
-    <EditorialStatus xmlns="4873beb7-5857-4685-be1f-d57550cc96cc">Complete</EditorialStatus>
-    <LastModifiedDateTime xmlns="4873beb7-5857-4685-be1f-d57550cc96cc" xsi:nil="true"/>
-    <ScenarioTagsTaxHTField0 xmlns="4873beb7-5857-4685-be1f-d57550cc96cc">
-      <Terms xmlns="http://schemas.microsoft.com/office/infopath/2007/PartnerControls"/>
-    </ScenarioTagsTaxHTField0>
-    <OriginalRelease xmlns="4873beb7-5857-4685-be1f-d57550cc96cc">15</OriginalRelease>
-    <TPLaunchHelpLinkType xmlns="4873beb7-5857-4685-be1f-d57550cc96cc">Template</TPLaunchHelpLinkType>
-    <LocalizationTagsTaxHTField0 xmlns="4873beb7-5857-4685-be1f-d57550cc96cc">
-      <Terms xmlns="http://schemas.microsoft.com/office/infopath/2007/PartnerControls"/>
-    </LocalizationTagsTaxHTField0>
-    <LocMarketGroupTiers2 xmlns="4873beb7-5857-4685-be1f-d57550cc96cc" xsi:nil="true"/>
-  </documentManagement>
-</p:properties>
-</file>
-
-<file path=customXml/item3.xml><?xml version="1.0" encoding="utf-8"?>
 <ct:contentTypeSchema xmlns:ct="http://schemas.microsoft.com/office/2006/metadata/contentType" xmlns:ma="http://schemas.microsoft.com/office/2006/metadata/properties/metaAttributes" ct:_="" ma:_="" ma:contentTypeName="TemplateFile" ma:contentTypeID="0x0101006EDDDB5EE6D98C44930B742096920B300400F5B6D36B3EF94B4E9A635CDF2A18F5B8" ma:contentTypeVersion="72" ma:contentTypeDescription="Create a new document." ma:contentTypeScope="" ma:versionID="a23e56308344d904b51738559c3d67c9">
   <xsd:schema xmlns:xsd="http://www.w3.org/2001/XMLSchema" xmlns:xs="http://www.w3.org/2001/XMLSchema" xmlns:p="http://schemas.microsoft.com/office/2006/metadata/properties" xmlns:ns2="4873beb7-5857-4685-be1f-d57550cc96cc" targetNamespace="http://schemas.microsoft.com/office/2006/metadata/properties" ma:root="true" ma:fieldsID="cd0908cc4600e77bf5da051303e00c8d" ns2:_="">
     <xsd:import namespace="4873beb7-5857-4685-be1f-d57550cc96cc"/>
@@ -19158,6 +19082,132 @@
 </ct:contentTypeSchema>
 </file>
 
+<file path=customXml/item3.xml><?xml version="1.0" encoding="utf-8"?>
+<p:properties xmlns:p="http://schemas.microsoft.com/office/2006/metadata/properties" xmlns:xsi="http://www.w3.org/2001/XMLSchema-instance" xmlns:pc="http://schemas.microsoft.com/office/infopath/2007/PartnerControls">
+  <documentManagement>
+    <DirectSourceMarket xmlns="4873beb7-5857-4685-be1f-d57550cc96cc" xsi:nil="true"/>
+    <ApprovalStatus xmlns="4873beb7-5857-4685-be1f-d57550cc96cc">InProgress</ApprovalStatus>
+    <MarketSpecific xmlns="4873beb7-5857-4685-be1f-d57550cc96cc">false</MarketSpecific>
+    <LocComments xmlns="4873beb7-5857-4685-be1f-d57550cc96cc" xsi:nil="true"/>
+    <ThumbnailAssetId xmlns="4873beb7-5857-4685-be1f-d57550cc96cc" xsi:nil="true"/>
+    <PrimaryImageGen xmlns="4873beb7-5857-4685-be1f-d57550cc96cc">true</PrimaryImageGen>
+    <LegacyData xmlns="4873beb7-5857-4685-be1f-d57550cc96cc" xsi:nil="true"/>
+    <LocRecommendedHandoff xmlns="4873beb7-5857-4685-be1f-d57550cc96cc" xsi:nil="true"/>
+    <BusinessGroup xmlns="4873beb7-5857-4685-be1f-d57550cc96cc" xsi:nil="true"/>
+    <BlockPublish xmlns="4873beb7-5857-4685-be1f-d57550cc96cc">false</BlockPublish>
+    <TPFriendlyName xmlns="4873beb7-5857-4685-be1f-d57550cc96cc" xsi:nil="true"/>
+    <NumericId xmlns="4873beb7-5857-4685-be1f-d57550cc96cc" xsi:nil="true"/>
+    <APEditor xmlns="4873beb7-5857-4685-be1f-d57550cc96cc">
+      <UserInfo>
+        <DisplayName/>
+        <AccountId xsi:nil="true"/>
+        <AccountType/>
+      </UserInfo>
+    </APEditor>
+    <SourceTitle xmlns="4873beb7-5857-4685-be1f-d57550cc96cc" xsi:nil="true"/>
+    <OpenTemplate xmlns="4873beb7-5857-4685-be1f-d57550cc96cc">true</OpenTemplate>
+    <UALocComments xmlns="4873beb7-5857-4685-be1f-d57550cc96cc" xsi:nil="true"/>
+    <ParentAssetId xmlns="4873beb7-5857-4685-be1f-d57550cc96cc" xsi:nil="true"/>
+    <IntlLangReviewDate xmlns="4873beb7-5857-4685-be1f-d57550cc96cc" xsi:nil="true"/>
+    <FeatureTagsTaxHTField0 xmlns="4873beb7-5857-4685-be1f-d57550cc96cc">
+      <Terms xmlns="http://schemas.microsoft.com/office/infopath/2007/PartnerControls"/>
+    </FeatureTagsTaxHTField0>
+    <PublishStatusLookup xmlns="4873beb7-5857-4685-be1f-d57550cc96cc">
+      <Value>1566889</Value>
+    </PublishStatusLookup>
+    <Providers xmlns="4873beb7-5857-4685-be1f-d57550cc96cc" xsi:nil="true"/>
+    <MachineTranslated xmlns="4873beb7-5857-4685-be1f-d57550cc96cc">false</MachineTranslated>
+    <OriginalSourceMarket xmlns="4873beb7-5857-4685-be1f-d57550cc96cc" xsi:nil="true"/>
+    <APDescription xmlns="4873beb7-5857-4685-be1f-d57550cc96cc" xsi:nil="true"/>
+    <ClipArtFilename xmlns="4873beb7-5857-4685-be1f-d57550cc96cc" xsi:nil="true"/>
+    <ContentItem xmlns="4873beb7-5857-4685-be1f-d57550cc96cc" xsi:nil="true"/>
+    <TPInstallLocation xmlns="4873beb7-5857-4685-be1f-d57550cc96cc" xsi:nil="true"/>
+    <PublishTargets xmlns="4873beb7-5857-4685-be1f-d57550cc96cc">OfficeOnlineVNext</PublishTargets>
+    <TimesCloned xmlns="4873beb7-5857-4685-be1f-d57550cc96cc" xsi:nil="true"/>
+    <AssetStart xmlns="4873beb7-5857-4685-be1f-d57550cc96cc">2012-05-23T08:44:00+00:00</AssetStart>
+    <Provider xmlns="4873beb7-5857-4685-be1f-d57550cc96cc" xsi:nil="true"/>
+    <AcquiredFrom xmlns="4873beb7-5857-4685-be1f-d57550cc96cc">Internal MS</AcquiredFrom>
+    <FriendlyTitle xmlns="4873beb7-5857-4685-be1f-d57550cc96cc" xsi:nil="true"/>
+    <LastHandOff xmlns="4873beb7-5857-4685-be1f-d57550cc96cc" xsi:nil="true"/>
+    <TPClientViewer xmlns="4873beb7-5857-4685-be1f-d57550cc96cc" xsi:nil="true"/>
+    <UACurrentWords xmlns="4873beb7-5857-4685-be1f-d57550cc96cc" xsi:nil="true"/>
+    <ArtSampleDocs xmlns="4873beb7-5857-4685-be1f-d57550cc96cc" xsi:nil="true"/>
+    <UALocRecommendation xmlns="4873beb7-5857-4685-be1f-d57550cc96cc">Localize</UALocRecommendation>
+    <Manager xmlns="4873beb7-5857-4685-be1f-d57550cc96cc" xsi:nil="true"/>
+    <ShowIn xmlns="4873beb7-5857-4685-be1f-d57550cc96cc">Show everywhere</ShowIn>
+    <UANotes xmlns="4873beb7-5857-4685-be1f-d57550cc96cc" xsi:nil="true"/>
+    <TemplateStatus xmlns="4873beb7-5857-4685-be1f-d57550cc96cc">Complete</TemplateStatus>
+    <InternalTagsTaxHTField0 xmlns="4873beb7-5857-4685-be1f-d57550cc96cc">
+      <Terms xmlns="http://schemas.microsoft.com/office/infopath/2007/PartnerControls"/>
+    </InternalTagsTaxHTField0>
+    <CSXHash xmlns="4873beb7-5857-4685-be1f-d57550cc96cc" xsi:nil="true"/>
+    <Downloads xmlns="4873beb7-5857-4685-be1f-d57550cc96cc">0</Downloads>
+    <VoteCount xmlns="4873beb7-5857-4685-be1f-d57550cc96cc" xsi:nil="true"/>
+    <OOCacheId xmlns="4873beb7-5857-4685-be1f-d57550cc96cc" xsi:nil="true"/>
+    <IsDeleted xmlns="4873beb7-5857-4685-be1f-d57550cc96cc">false</IsDeleted>
+    <AssetExpire xmlns="4873beb7-5857-4685-be1f-d57550cc96cc">2029-01-01T08:00:00+00:00</AssetExpire>
+    <DSATActionTaken xmlns="4873beb7-5857-4685-be1f-d57550cc96cc" xsi:nil="true"/>
+    <CSXSubmissionMarket xmlns="4873beb7-5857-4685-be1f-d57550cc96cc" xsi:nil="true"/>
+    <TPExecutable xmlns="4873beb7-5857-4685-be1f-d57550cc96cc" xsi:nil="true"/>
+    <SubmitterId xmlns="4873beb7-5857-4685-be1f-d57550cc96cc" xsi:nil="true"/>
+    <EditorialTags xmlns="4873beb7-5857-4685-be1f-d57550cc96cc" xsi:nil="true"/>
+    <ApprovalLog xmlns="4873beb7-5857-4685-be1f-d57550cc96cc" xsi:nil="true"/>
+    <AssetType xmlns="4873beb7-5857-4685-be1f-d57550cc96cc">TP</AssetType>
+    <BugNumber xmlns="4873beb7-5857-4685-be1f-d57550cc96cc" xsi:nil="true"/>
+    <CSXSubmissionDate xmlns="4873beb7-5857-4685-be1f-d57550cc96cc" xsi:nil="true"/>
+    <CSXUpdate xmlns="4873beb7-5857-4685-be1f-d57550cc96cc">false</CSXUpdate>
+    <Milestone xmlns="4873beb7-5857-4685-be1f-d57550cc96cc" xsi:nil="true"/>
+    <RecommendationsModifier xmlns="4873beb7-5857-4685-be1f-d57550cc96cc" xsi:nil="true"/>
+    <OriginAsset xmlns="4873beb7-5857-4685-be1f-d57550cc96cc" xsi:nil="true"/>
+    <TPComponent xmlns="4873beb7-5857-4685-be1f-d57550cc96cc" xsi:nil="true"/>
+    <AssetId xmlns="4873beb7-5857-4685-be1f-d57550cc96cc">TP102901017</AssetId>
+    <IntlLocPriority xmlns="4873beb7-5857-4685-be1f-d57550cc96cc" xsi:nil="true"/>
+    <PolicheckWords xmlns="4873beb7-5857-4685-be1f-d57550cc96cc" xsi:nil="true"/>
+    <TPLaunchHelpLink xmlns="4873beb7-5857-4685-be1f-d57550cc96cc" xsi:nil="true"/>
+    <TPApplication xmlns="4873beb7-5857-4685-be1f-d57550cc96cc" xsi:nil="true"/>
+    <CrawlForDependencies xmlns="4873beb7-5857-4685-be1f-d57550cc96cc">false</CrawlForDependencies>
+    <HandoffToMSDN xmlns="4873beb7-5857-4685-be1f-d57550cc96cc" xsi:nil="true"/>
+    <PlannedPubDate xmlns="4873beb7-5857-4685-be1f-d57550cc96cc" xsi:nil="true"/>
+    <IntlLangReviewer xmlns="4873beb7-5857-4685-be1f-d57550cc96cc" xsi:nil="true"/>
+    <TrustLevel xmlns="4873beb7-5857-4685-be1f-d57550cc96cc">1 Microsoft Managed Content</TrustLevel>
+    <LocLastLocAttemptVersionLookup xmlns="4873beb7-5857-4685-be1f-d57550cc96cc">836753</LocLastLocAttemptVersionLookup>
+    <IsSearchable xmlns="4873beb7-5857-4685-be1f-d57550cc96cc">true</IsSearchable>
+    <TemplateTemplateType xmlns="4873beb7-5857-4685-be1f-d57550cc96cc">PowerPoint Design Template</TemplateTemplateType>
+    <CampaignTagsTaxHTField0 xmlns="4873beb7-5857-4685-be1f-d57550cc96cc">
+      <Terms xmlns="http://schemas.microsoft.com/office/infopath/2007/PartnerControls"/>
+    </CampaignTagsTaxHTField0>
+    <TPNamespace xmlns="4873beb7-5857-4685-be1f-d57550cc96cc" xsi:nil="true"/>
+    <TaxCatchAll xmlns="4873beb7-5857-4685-be1f-d57550cc96cc"/>
+    <Markets xmlns="4873beb7-5857-4685-be1f-d57550cc96cc"/>
+    <UAProjectedTotalWords xmlns="4873beb7-5857-4685-be1f-d57550cc96cc" xsi:nil="true"/>
+    <IntlLangReview xmlns="4873beb7-5857-4685-be1f-d57550cc96cc">false</IntlLangReview>
+    <OutputCachingOn xmlns="4873beb7-5857-4685-be1f-d57550cc96cc">false</OutputCachingOn>
+    <AverageRating xmlns="4873beb7-5857-4685-be1f-d57550cc96cc" xsi:nil="true"/>
+    <APAuthor xmlns="4873beb7-5857-4685-be1f-d57550cc96cc">
+      <UserInfo>
+        <DisplayName>REDMOND\v-anij</DisplayName>
+        <AccountId>2469</AccountId>
+        <AccountType/>
+      </UserInfo>
+    </APAuthor>
+    <LocManualTestRequired xmlns="4873beb7-5857-4685-be1f-d57550cc96cc">false</LocManualTestRequired>
+    <TPCommandLine xmlns="4873beb7-5857-4685-be1f-d57550cc96cc" xsi:nil="true"/>
+    <TPAppVersion xmlns="4873beb7-5857-4685-be1f-d57550cc96cc" xsi:nil="true"/>
+    <EditorialStatus xmlns="4873beb7-5857-4685-be1f-d57550cc96cc">Complete</EditorialStatus>
+    <LastModifiedDateTime xmlns="4873beb7-5857-4685-be1f-d57550cc96cc" xsi:nil="true"/>
+    <ScenarioTagsTaxHTField0 xmlns="4873beb7-5857-4685-be1f-d57550cc96cc">
+      <Terms xmlns="http://schemas.microsoft.com/office/infopath/2007/PartnerControls"/>
+    </ScenarioTagsTaxHTField0>
+    <OriginalRelease xmlns="4873beb7-5857-4685-be1f-d57550cc96cc">15</OriginalRelease>
+    <TPLaunchHelpLinkType xmlns="4873beb7-5857-4685-be1f-d57550cc96cc">Template</TPLaunchHelpLinkType>
+    <LocalizationTagsTaxHTField0 xmlns="4873beb7-5857-4685-be1f-d57550cc96cc">
+      <Terms xmlns="http://schemas.microsoft.com/office/infopath/2007/PartnerControls"/>
+    </LocalizationTagsTaxHTField0>
+    <LocMarketGroupTiers2 xmlns="4873beb7-5857-4685-be1f-d57550cc96cc" xsi:nil="true"/>
+  </documentManagement>
+</p:properties>
+</file>
+
 <file path=customXml/itemProps1.xml><?xml version="1.0" encoding="utf-8"?>
 <ds:datastoreItem xmlns:ds="http://schemas.openxmlformats.org/officeDocument/2006/customXml" ds:itemID="{746CFF6F-D9AA-4BC0-911A-0A1356771912}">
   <ds:schemaRefs>
@@ -19167,16 +19217,6 @@
 </file>
 
 <file path=customXml/itemProps2.xml><?xml version="1.0" encoding="utf-8"?>
-<ds:datastoreItem xmlns:ds="http://schemas.openxmlformats.org/officeDocument/2006/customXml" ds:itemID="{04098515-0C12-46CF-BC7C-69B4A13CD5FA}">
-  <ds:schemaRefs>
-    <ds:schemaRef ds:uri="http://schemas.microsoft.com/office/2006/metadata/properties"/>
-    <ds:schemaRef ds:uri="http://schemas.microsoft.com/office/infopath/2007/PartnerControls"/>
-    <ds:schemaRef ds:uri="4873beb7-5857-4685-be1f-d57550cc96cc"/>
-  </ds:schemaRefs>
-</ds:datastoreItem>
-</file>
-
-<file path=customXml/itemProps3.xml><?xml version="1.0" encoding="utf-8"?>
 <ds:datastoreItem xmlns:ds="http://schemas.openxmlformats.org/officeDocument/2006/customXml" ds:itemID="{0B5C6E15-39DC-470B-9445-F754B9458020}">
   <ds:schemaRefs>
     <ds:schemaRef ds:uri="http://schemas.microsoft.com/office/2006/metadata/contentType"/>
@@ -19192,4 +19232,14 @@
     <ds:schemaRef ds:uri="http://schemas.microsoft.com/internal/obd"/>
   </ds:schemaRefs>
 </ds:datastoreItem>
+</file>
+
+<file path=customXml/itemProps3.xml><?xml version="1.0" encoding="utf-8"?>
+<ds:datastoreItem xmlns:ds="http://schemas.openxmlformats.org/officeDocument/2006/customXml" ds:itemID="{04098515-0C12-46CF-BC7C-69B4A13CD5FA}">
+  <ds:schemaRefs>
+    <ds:schemaRef ds:uri="http://schemas.microsoft.com/office/2006/metadata/properties"/>
+    <ds:schemaRef ds:uri="http://schemas.microsoft.com/office/infopath/2007/PartnerControls"/>
+    <ds:schemaRef ds:uri="4873beb7-5857-4685-be1f-d57550cc96cc"/>
+  </ds:schemaRefs>
+</ds:datastoreItem>
 </file>